--- a/lectures3/Pythonlearn-04-Functions.pptx
+++ b/lectures3/Pythonlearn-04-Functions.pptx
@@ -241,6 +241,11 @@
       </a:defRPr>
     </a:lvl9pPr>
   </p:defaultTextStyle>
+  <p:extLst>
+    <p:ext uri="{EFAFB233-063F-42B5-8137-9DF3F51BA10A}">
+      <p15:sldGuideLst xmlns:p15="http://schemas.microsoft.com/office/powerpoint/2012/main"/>
+    </p:ext>
+  </p:extLst>
 </p:presentation>
 </file>
 
@@ -581,8 +586,8 @@
         </p:nvSpPr>
         <p:spPr>
           <a:xfrm>
-            <a:off x="1143225" y="685800"/>
-            <a:ext cx="4572225" cy="3429000"/>
+            <a:off x="381000" y="685800"/>
+            <a:ext cx="6096000" cy="3429000"/>
           </a:xfrm>
           <a:custGeom>
             <a:avLst/>
@@ -691,8 +696,8 @@
         </p:nvSpPr>
         <p:spPr>
           <a:xfrm>
-            <a:off x="1143225" y="685800"/>
-            <a:ext cx="4572225" cy="3429000"/>
+            <a:off x="381000" y="685800"/>
+            <a:ext cx="6096000" cy="3429000"/>
           </a:xfrm>
           <a:custGeom>
             <a:avLst/>
@@ -801,8 +806,8 @@
         </p:nvSpPr>
         <p:spPr>
           <a:xfrm>
-            <a:off x="1143225" y="685800"/>
-            <a:ext cx="4572225" cy="3429000"/>
+            <a:off x="381000" y="685800"/>
+            <a:ext cx="6096000" cy="3429000"/>
           </a:xfrm>
           <a:custGeom>
             <a:avLst/>
@@ -911,8 +916,8 @@
         </p:nvSpPr>
         <p:spPr>
           <a:xfrm>
-            <a:off x="1143225" y="685800"/>
-            <a:ext cx="4572225" cy="3429000"/>
+            <a:off x="381000" y="685800"/>
+            <a:ext cx="6096000" cy="3429000"/>
           </a:xfrm>
           <a:custGeom>
             <a:avLst/>
@@ -1021,8 +1026,8 @@
         </p:nvSpPr>
         <p:spPr>
           <a:xfrm>
-            <a:off x="1143225" y="685800"/>
-            <a:ext cx="4572225" cy="3429000"/>
+            <a:off x="381000" y="685800"/>
+            <a:ext cx="6096000" cy="3429000"/>
           </a:xfrm>
           <a:custGeom>
             <a:avLst/>
@@ -1131,8 +1136,8 @@
         </p:nvSpPr>
         <p:spPr>
           <a:xfrm>
-            <a:off x="1143225" y="685800"/>
-            <a:ext cx="4572225" cy="3429000"/>
+            <a:off x="381000" y="685800"/>
+            <a:ext cx="6096000" cy="3429000"/>
           </a:xfrm>
           <a:custGeom>
             <a:avLst/>
@@ -1241,8 +1246,8 @@
         </p:nvSpPr>
         <p:spPr>
           <a:xfrm>
-            <a:off x="1143225" y="685800"/>
-            <a:ext cx="4572225" cy="3429000"/>
+            <a:off x="381000" y="685800"/>
+            <a:ext cx="6096000" cy="3429000"/>
           </a:xfrm>
           <a:custGeom>
             <a:avLst/>
@@ -1351,8 +1356,8 @@
         </p:nvSpPr>
         <p:spPr>
           <a:xfrm>
-            <a:off x="1143225" y="685800"/>
-            <a:ext cx="4572225" cy="3429000"/>
+            <a:off x="381000" y="685800"/>
+            <a:ext cx="6096000" cy="3429000"/>
           </a:xfrm>
           <a:custGeom>
             <a:avLst/>
@@ -1461,8 +1466,8 @@
         </p:nvSpPr>
         <p:spPr>
           <a:xfrm>
-            <a:off x="1143225" y="685800"/>
-            <a:ext cx="4572225" cy="3429000"/>
+            <a:off x="381000" y="685800"/>
+            <a:ext cx="6096000" cy="3429000"/>
           </a:xfrm>
           <a:custGeom>
             <a:avLst/>
@@ -1571,8 +1576,8 @@
         </p:nvSpPr>
         <p:spPr>
           <a:xfrm>
-            <a:off x="1143225" y="685800"/>
-            <a:ext cx="4572225" cy="3429000"/>
+            <a:off x="381000" y="685800"/>
+            <a:ext cx="6096000" cy="3429000"/>
           </a:xfrm>
           <a:custGeom>
             <a:avLst/>
@@ -1681,8 +1686,8 @@
         </p:nvSpPr>
         <p:spPr>
           <a:xfrm>
-            <a:off x="1143225" y="685800"/>
-            <a:ext cx="4572225" cy="3429000"/>
+            <a:off x="381000" y="685800"/>
+            <a:ext cx="6096000" cy="3429000"/>
           </a:xfrm>
           <a:custGeom>
             <a:avLst/>
@@ -1791,8 +1796,8 @@
         </p:nvSpPr>
         <p:spPr>
           <a:xfrm>
-            <a:off x="1143225" y="685800"/>
-            <a:ext cx="4572225" cy="3429000"/>
+            <a:off x="381000" y="685800"/>
+            <a:ext cx="6096000" cy="3429000"/>
           </a:xfrm>
           <a:custGeom>
             <a:avLst/>
@@ -1901,8 +1906,8 @@
         </p:nvSpPr>
         <p:spPr>
           <a:xfrm>
-            <a:off x="1143225" y="685800"/>
-            <a:ext cx="4572225" cy="3429000"/>
+            <a:off x="381000" y="685800"/>
+            <a:ext cx="6096000" cy="3429000"/>
           </a:xfrm>
           <a:custGeom>
             <a:avLst/>
@@ -2011,8 +2016,8 @@
         </p:nvSpPr>
         <p:spPr>
           <a:xfrm>
-            <a:off x="1143225" y="685800"/>
-            <a:ext cx="4572225" cy="3429000"/>
+            <a:off x="381000" y="685800"/>
+            <a:ext cx="6096000" cy="3429000"/>
           </a:xfrm>
           <a:custGeom>
             <a:avLst/>
@@ -2121,8 +2126,8 @@
         </p:nvSpPr>
         <p:spPr>
           <a:xfrm>
-            <a:off x="1143225" y="685800"/>
-            <a:ext cx="4572225" cy="3429000"/>
+            <a:off x="381000" y="685800"/>
+            <a:ext cx="6096000" cy="3429000"/>
           </a:xfrm>
           <a:custGeom>
             <a:avLst/>
@@ -2231,8 +2236,8 @@
         </p:nvSpPr>
         <p:spPr>
           <a:xfrm>
-            <a:off x="1143225" y="685800"/>
-            <a:ext cx="4572225" cy="3429000"/>
+            <a:off x="381000" y="685800"/>
+            <a:ext cx="6096000" cy="3429000"/>
           </a:xfrm>
           <a:custGeom>
             <a:avLst/>
@@ -2451,8 +2456,8 @@
         </p:nvSpPr>
         <p:spPr>
           <a:xfrm>
-            <a:off x="1143225" y="685800"/>
-            <a:ext cx="4572225" cy="3429000"/>
+            <a:off x="381000" y="685800"/>
+            <a:ext cx="6096000" cy="3429000"/>
           </a:xfrm>
           <a:custGeom>
             <a:avLst/>
@@ -2561,8 +2566,8 @@
         </p:nvSpPr>
         <p:spPr>
           <a:xfrm>
-            <a:off x="1143225" y="685800"/>
-            <a:ext cx="4572225" cy="3429000"/>
+            <a:off x="381000" y="685800"/>
+            <a:ext cx="6096000" cy="3429000"/>
           </a:xfrm>
           <a:custGeom>
             <a:avLst/>
@@ -2671,8 +2676,8 @@
         </p:nvSpPr>
         <p:spPr>
           <a:xfrm>
-            <a:off x="1143225" y="685800"/>
-            <a:ext cx="4572225" cy="3429000"/>
+            <a:off x="381000" y="685800"/>
+            <a:ext cx="6096000" cy="3429000"/>
           </a:xfrm>
           <a:custGeom>
             <a:avLst/>
@@ -2781,8 +2786,8 @@
         </p:nvSpPr>
         <p:spPr>
           <a:xfrm>
-            <a:off x="1143225" y="685800"/>
-            <a:ext cx="4572225" cy="3429000"/>
+            <a:off x="381000" y="685800"/>
+            <a:ext cx="6096000" cy="3429000"/>
           </a:xfrm>
           <a:custGeom>
             <a:avLst/>
@@ -2891,8 +2896,8 @@
         </p:nvSpPr>
         <p:spPr>
           <a:xfrm>
-            <a:off x="1143225" y="685800"/>
-            <a:ext cx="4572225" cy="3429000"/>
+            <a:off x="381000" y="685800"/>
+            <a:ext cx="6096000" cy="3429000"/>
           </a:xfrm>
           <a:custGeom>
             <a:avLst/>
@@ -3001,8 +3006,8 @@
         </p:nvSpPr>
         <p:spPr>
           <a:xfrm>
-            <a:off x="1143225" y="685800"/>
-            <a:ext cx="4572225" cy="3429000"/>
+            <a:off x="381000" y="685800"/>
+            <a:ext cx="6096000" cy="3429000"/>
           </a:xfrm>
           <a:custGeom>
             <a:avLst/>
@@ -3111,8 +3116,8 @@
         </p:nvSpPr>
         <p:spPr>
           <a:xfrm>
-            <a:off x="1143225" y="685800"/>
-            <a:ext cx="4572225" cy="3429000"/>
+            <a:off x="381000" y="685800"/>
+            <a:ext cx="6096000" cy="3429000"/>
           </a:xfrm>
           <a:custGeom>
             <a:avLst/>
@@ -21332,13 +21337,13 @@
               <a:buNone/>
             </a:pPr>
             <a:r>
-              <a:rPr lang="en-US" sz="7600" b="0" i="0" u="none" strike="noStrike" cap="none">
+              <a:rPr lang="en-US" sz="7600" u="none" strike="noStrike" cap="none">
                 <a:solidFill>
                   <a:srgbClr val="FFFF00"/>
                 </a:solidFill>
-                <a:latin typeface="Cabin"/>
-                <a:ea typeface="Cabin"/>
-                <a:cs typeface="Cabin"/>
+                <a:latin typeface="Arial" charset="0"/>
+                <a:ea typeface="Arial" charset="0"/>
+                <a:cs typeface="Arial" charset="0"/>
                 <a:sym typeface="Cabin"/>
               </a:rPr>
               <a:t>Functions</a:t>
@@ -21393,13 +21398,13 @@
               <a:buNone/>
             </a:pPr>
             <a:r>
-              <a:rPr lang="en-US" sz="4800" b="0" i="0" u="none" strike="noStrike" cap="none">
-                <a:solidFill>
-                  <a:schemeClr val="lt1"/>
-                </a:solidFill>
-                <a:latin typeface="Cabin"/>
-                <a:ea typeface="Cabin"/>
-                <a:cs typeface="Cabin"/>
+              <a:rPr lang="en-US" sz="4800" u="none" strike="noStrike" cap="none">
+                <a:solidFill>
+                  <a:schemeClr val="lt1"/>
+                </a:solidFill>
+                <a:latin typeface="Arial" charset="0"/>
+                <a:ea typeface="Arial" charset="0"/>
+                <a:cs typeface="Arial" charset="0"/>
                 <a:sym typeface="Cabin"/>
               </a:rPr>
               <a:t>Chapter 4</a:t>
@@ -21450,13 +21455,13 @@
               <a:buNone/>
             </a:pPr>
             <a:r>
-              <a:rPr lang="en-US" sz="3200" b="0" i="0" u="none" strike="noStrike" cap="none">
+              <a:rPr lang="en-US" sz="3200" u="none" strike="noStrike" cap="none">
                 <a:solidFill>
                   <a:srgbClr val="FFFF00"/>
                 </a:solidFill>
-                <a:latin typeface="Cabin"/>
-                <a:ea typeface="Cabin"/>
-                <a:cs typeface="Cabin"/>
+                <a:latin typeface="Arial" charset="0"/>
+                <a:ea typeface="Arial" charset="0"/>
+                <a:cs typeface="Arial" charset="0"/>
                 <a:sym typeface="Cabin"/>
               </a:rPr>
               <a:t>Python for Informatics: Exploring Information</a:t>
@@ -21481,13 +21486,13 @@
               <a:buNone/>
             </a:pPr>
             <a:r>
-              <a:rPr lang="en-US" sz="3200" b="0" i="0" u="sng" strike="noStrike" cap="none">
+              <a:rPr lang="en-US" sz="3200" u="sng" strike="noStrike" cap="none">
                 <a:solidFill>
                   <a:srgbClr val="FFFF00"/>
                 </a:solidFill>
-                <a:latin typeface="Cabin"/>
-                <a:ea typeface="Cabin"/>
-                <a:cs typeface="Cabin"/>
+                <a:latin typeface="Arial" charset="0"/>
+                <a:ea typeface="Arial" charset="0"/>
+                <a:cs typeface="Arial" charset="0"/>
                 <a:sym typeface="Cabin"/>
                 <a:hlinkClick r:id="rId3"/>
               </a:rPr>
@@ -21622,13 +21627,13 @@
               <a:buNone/>
             </a:pPr>
             <a:r>
-              <a:rPr lang="en-US" sz="7600" b="0" i="0" u="none" strike="noStrike" cap="none">
+              <a:rPr lang="en-US" sz="7600" u="none" strike="noStrike" cap="none">
                 <a:solidFill>
                   <a:srgbClr val="FFFF00"/>
                 </a:solidFill>
-                <a:latin typeface="Cabin"/>
-                <a:ea typeface="Cabin"/>
-                <a:cs typeface="Cabin"/>
+                <a:latin typeface="Arial" charset="0"/>
+                <a:ea typeface="Arial" charset="0"/>
+                <a:cs typeface="Arial" charset="0"/>
                 <a:sym typeface="Cabin"/>
               </a:rPr>
               <a:t>Building our Own Functions</a:t>
@@ -21683,61 +21688,61 @@
               <a:buChar char="•"/>
             </a:pPr>
             <a:r>
-              <a:rPr lang="en-US" sz="3600" b="0" i="0" u="none" strike="noStrike" cap="none">
-                <a:solidFill>
-                  <a:schemeClr val="lt1"/>
-                </a:solidFill>
-                <a:latin typeface="Cabin"/>
-                <a:ea typeface="Cabin"/>
-                <a:cs typeface="Cabin"/>
+              <a:rPr lang="en-US" sz="3600" u="none" strike="noStrike" cap="none">
+                <a:solidFill>
+                  <a:schemeClr val="lt1"/>
+                </a:solidFill>
+                <a:latin typeface="Arial" charset="0"/>
+                <a:ea typeface="Arial" charset="0"/>
+                <a:cs typeface="Arial" charset="0"/>
                 <a:sym typeface="Cabin"/>
               </a:rPr>
               <a:t>We create a new</a:t>
             </a:r>
             <a:r>
-              <a:rPr lang="en-US" sz="3600" b="0" i="0" u="none" strike="noStrike" cap="none">
+              <a:rPr lang="en-US" sz="3600" u="none" strike="noStrike" cap="none">
                 <a:solidFill>
                   <a:srgbClr val="FFFFFF"/>
                 </a:solidFill>
-                <a:latin typeface="Cabin"/>
-                <a:ea typeface="Cabin"/>
-                <a:cs typeface="Cabin"/>
+                <a:latin typeface="Arial" charset="0"/>
+                <a:ea typeface="Arial" charset="0"/>
+                <a:cs typeface="Arial" charset="0"/>
                 <a:sym typeface="Cabin"/>
               </a:rPr>
               <a:t> function </a:t>
             </a:r>
             <a:r>
-              <a:rPr lang="en-US" sz="3600" b="0" i="0" u="none" strike="noStrike" cap="none">
-                <a:solidFill>
-                  <a:schemeClr val="lt1"/>
-                </a:solidFill>
-                <a:latin typeface="Cabin"/>
-                <a:ea typeface="Cabin"/>
-                <a:cs typeface="Cabin"/>
+              <a:rPr lang="en-US" sz="3600" u="none" strike="noStrike" cap="none">
+                <a:solidFill>
+                  <a:schemeClr val="lt1"/>
+                </a:solidFill>
+                <a:latin typeface="Arial" charset="0"/>
+                <a:ea typeface="Arial" charset="0"/>
+                <a:cs typeface="Arial" charset="0"/>
                 <a:sym typeface="Cabin"/>
               </a:rPr>
               <a:t>using the </a:t>
             </a:r>
             <a:r>
-              <a:rPr lang="en-US" sz="3600" b="0" i="0" u="none" strike="noStrike" cap="none">
+              <a:rPr lang="en-US" sz="3600" u="none" strike="noStrike" cap="none">
                 <a:solidFill>
                   <a:srgbClr val="FFFF00"/>
                 </a:solidFill>
-                <a:latin typeface="Cabin"/>
-                <a:ea typeface="Cabin"/>
-                <a:cs typeface="Cabin"/>
+                <a:latin typeface="Arial" charset="0"/>
+                <a:ea typeface="Arial" charset="0"/>
+                <a:cs typeface="Arial" charset="0"/>
                 <a:sym typeface="Cabin"/>
               </a:rPr>
               <a:t>def</a:t>
             </a:r>
             <a:r>
-              <a:rPr lang="en-US" sz="3600" b="0" i="0" u="none" strike="noStrike" cap="none">
-                <a:solidFill>
-                  <a:schemeClr val="lt1"/>
-                </a:solidFill>
-                <a:latin typeface="Cabin"/>
-                <a:ea typeface="Cabin"/>
-                <a:cs typeface="Cabin"/>
+              <a:rPr lang="en-US" sz="3600" u="none" strike="noStrike" cap="none">
+                <a:solidFill>
+                  <a:schemeClr val="lt1"/>
+                </a:solidFill>
+                <a:latin typeface="Arial" charset="0"/>
+                <a:ea typeface="Arial" charset="0"/>
+                <a:cs typeface="Arial" charset="0"/>
                 <a:sym typeface="Cabin"/>
               </a:rPr>
               <a:t> keyword followed by optional parameters in parenthes</a:t>
@@ -21747,21 +21752,21 @@
                 <a:solidFill>
                   <a:schemeClr val="lt1"/>
                 </a:solidFill>
-                <a:latin typeface="Cabin"/>
-                <a:ea typeface="Cabin"/>
-                <a:cs typeface="Cabin"/>
+                <a:latin typeface="Arial" charset="0"/>
+                <a:ea typeface="Arial" charset="0"/>
+                <a:cs typeface="Arial" charset="0"/>
                 <a:sym typeface="Cabin"/>
               </a:rPr>
               <a:t>e</a:t>
             </a:r>
             <a:r>
-              <a:rPr lang="en-US" sz="3600" b="0" i="0" u="none" strike="noStrike" cap="none">
-                <a:solidFill>
-                  <a:schemeClr val="lt1"/>
-                </a:solidFill>
-                <a:latin typeface="Cabin"/>
-                <a:ea typeface="Cabin"/>
-                <a:cs typeface="Cabin"/>
+              <a:rPr lang="en-US" sz="3600" u="none" strike="noStrike" cap="none">
+                <a:solidFill>
+                  <a:schemeClr val="lt1"/>
+                </a:solidFill>
+                <a:latin typeface="Arial" charset="0"/>
+                <a:ea typeface="Arial" charset="0"/>
+                <a:cs typeface="Arial" charset="0"/>
                 <a:sym typeface="Cabin"/>
               </a:rPr>
               <a:t>s</a:t>
@@ -21786,13 +21791,13 @@
               <a:buChar char="•"/>
             </a:pPr>
             <a:r>
-              <a:rPr lang="en-US" sz="3600" b="0" i="0" u="none" strike="noStrike" cap="none">
-                <a:solidFill>
-                  <a:schemeClr val="lt1"/>
-                </a:solidFill>
-                <a:latin typeface="Cabin"/>
-                <a:ea typeface="Cabin"/>
-                <a:cs typeface="Cabin"/>
+              <a:rPr lang="en-US" sz="3600" u="none" strike="noStrike" cap="none">
+                <a:solidFill>
+                  <a:schemeClr val="lt1"/>
+                </a:solidFill>
+                <a:latin typeface="Arial" charset="0"/>
+                <a:ea typeface="Arial" charset="0"/>
+                <a:cs typeface="Arial" charset="0"/>
                 <a:sym typeface="Cabin"/>
               </a:rPr>
               <a:t>We indent the body of the function</a:t>
@@ -21817,61 +21822,61 @@
               <a:buChar char="•"/>
             </a:pPr>
             <a:r>
-              <a:rPr lang="en-US" sz="3600" b="0" i="0" u="none" strike="noStrike" cap="none">
-                <a:solidFill>
-                  <a:schemeClr val="lt1"/>
-                </a:solidFill>
-                <a:latin typeface="Cabin"/>
-                <a:ea typeface="Cabin"/>
-                <a:cs typeface="Cabin"/>
+              <a:rPr lang="en-US" sz="3600" u="none" strike="noStrike" cap="none">
+                <a:solidFill>
+                  <a:schemeClr val="lt1"/>
+                </a:solidFill>
+                <a:latin typeface="Arial" charset="0"/>
+                <a:ea typeface="Arial" charset="0"/>
+                <a:cs typeface="Arial" charset="0"/>
                 <a:sym typeface="Cabin"/>
               </a:rPr>
               <a:t>This </a:t>
             </a:r>
             <a:r>
-              <a:rPr lang="en-US" sz="3600" b="0" i="0" u="none" strike="noStrike" cap="none">
+              <a:rPr lang="en-US" sz="3600" u="none" strike="noStrike" cap="none">
                 <a:solidFill>
                   <a:srgbClr val="FFFF00"/>
                 </a:solidFill>
-                <a:latin typeface="Cabin"/>
-                <a:ea typeface="Cabin"/>
-                <a:cs typeface="Cabin"/>
+                <a:latin typeface="Arial" charset="0"/>
+                <a:ea typeface="Arial" charset="0"/>
+                <a:cs typeface="Arial" charset="0"/>
                 <a:sym typeface="Cabin"/>
               </a:rPr>
               <a:t>defines</a:t>
             </a:r>
             <a:r>
-              <a:rPr lang="en-US" sz="3600" b="0" i="0" u="none" strike="noStrike" cap="none">
-                <a:solidFill>
-                  <a:schemeClr val="lt1"/>
-                </a:solidFill>
-                <a:latin typeface="Cabin"/>
-                <a:ea typeface="Cabin"/>
-                <a:cs typeface="Cabin"/>
+              <a:rPr lang="en-US" sz="3600" u="none" strike="noStrike" cap="none">
+                <a:solidFill>
+                  <a:schemeClr val="lt1"/>
+                </a:solidFill>
+                <a:latin typeface="Arial" charset="0"/>
+                <a:ea typeface="Arial" charset="0"/>
+                <a:cs typeface="Arial" charset="0"/>
                 <a:sym typeface="Cabin"/>
               </a:rPr>
               <a:t> the function but </a:t>
             </a:r>
             <a:r>
-              <a:rPr lang="en-US" sz="3600" b="0" i="1" u="none" strike="noStrike" cap="none">
+              <a:rPr lang="en-US" sz="3600" u="none" strike="noStrike" cap="none">
                 <a:solidFill>
                   <a:srgbClr val="FF7F00"/>
                 </a:solidFill>
-                <a:latin typeface="Cabin"/>
-                <a:ea typeface="Cabin"/>
-                <a:cs typeface="Cabin"/>
+                <a:latin typeface="Arial" charset="0"/>
+                <a:ea typeface="Arial" charset="0"/>
+                <a:cs typeface="Arial" charset="0"/>
                 <a:sym typeface="Cabin"/>
               </a:rPr>
               <a:t>does not</a:t>
             </a:r>
             <a:r>
-              <a:rPr lang="en-US" sz="3600" b="0" i="0" u="none" strike="noStrike" cap="none">
-                <a:solidFill>
-                  <a:schemeClr val="lt1"/>
-                </a:solidFill>
-                <a:latin typeface="Cabin"/>
-                <a:ea typeface="Cabin"/>
-                <a:cs typeface="Cabin"/>
+              <a:rPr lang="en-US" sz="3600" u="none" strike="noStrike" cap="none">
+                <a:solidFill>
+                  <a:schemeClr val="lt1"/>
+                </a:solidFill>
+                <a:latin typeface="Arial" charset="0"/>
+                <a:ea typeface="Arial" charset="0"/>
+                <a:cs typeface="Arial" charset="0"/>
                 <a:sym typeface="Cabin"/>
               </a:rPr>
               <a:t> execute the body of the function</a:t>
@@ -22698,13 +22703,13 @@
               <a:buNone/>
             </a:pPr>
             <a:r>
-              <a:rPr lang="en-US" sz="3600" b="0" i="0" u="none" strike="noStrike" cap="none">
+              <a:rPr lang="en-US" sz="3600" u="none" strike="noStrike" cap="none">
                 <a:solidFill>
                   <a:srgbClr val="00FF00"/>
                 </a:solidFill>
-                <a:latin typeface="Cabin"/>
-                <a:ea typeface="Cabin"/>
-                <a:cs typeface="Cabin"/>
+                <a:latin typeface="Arial" charset="0"/>
+                <a:ea typeface="Arial" charset="0"/>
+                <a:cs typeface="Arial" charset="0"/>
                 <a:sym typeface="Cabin"/>
               </a:rPr>
               <a:t>Hello</a:t>
@@ -22729,13 +22734,13 @@
               <a:buNone/>
             </a:pPr>
             <a:r>
-              <a:rPr lang="en-US" sz="3600" b="0" i="0" u="none" strike="noStrike" cap="none">
+              <a:rPr lang="en-US" sz="3600" u="none" strike="noStrike" cap="none">
                 <a:solidFill>
                   <a:srgbClr val="00FF00"/>
                 </a:solidFill>
-                <a:latin typeface="Cabin"/>
-                <a:ea typeface="Cabin"/>
-                <a:cs typeface="Cabin"/>
+                <a:latin typeface="Arial" charset="0"/>
+                <a:ea typeface="Arial" charset="0"/>
+                <a:cs typeface="Arial" charset="0"/>
                 <a:sym typeface="Cabin"/>
               </a:rPr>
               <a:t>Yo</a:t>
@@ -22760,13 +22765,13 @@
               <a:buNone/>
             </a:pPr>
             <a:r>
-              <a:rPr lang="en-US" sz="3600" b="0" i="0" u="none" strike="noStrike" cap="none">
+              <a:rPr lang="en-US" sz="3600" u="none" strike="noStrike" cap="none">
                 <a:solidFill>
                   <a:srgbClr val="00FF00"/>
                 </a:solidFill>
-                <a:latin typeface="Cabin"/>
-                <a:ea typeface="Cabin"/>
-                <a:cs typeface="Cabin"/>
+                <a:latin typeface="Arial" charset="0"/>
+                <a:ea typeface="Arial" charset="0"/>
+                <a:cs typeface="Arial" charset="0"/>
                 <a:sym typeface="Cabin"/>
               </a:rPr>
               <a:t>7</a:t>
@@ -22823,37 +22828,37 @@
               <a:buNone/>
             </a:pPr>
             <a:r>
-              <a:rPr lang="en-US" sz="2500" b="0" i="0" u="none" strike="noStrike" cap="none">
-                <a:solidFill>
-                  <a:schemeClr val="lt1"/>
-                </a:solidFill>
-                <a:latin typeface="Cabin"/>
-                <a:ea typeface="Cabin"/>
-                <a:cs typeface="Cabin"/>
+              <a:rPr lang="en-US" sz="2500" u="none" strike="noStrike" cap="none">
+                <a:solidFill>
+                  <a:schemeClr val="lt1"/>
+                </a:solidFill>
+                <a:latin typeface="Arial" charset="0"/>
+                <a:ea typeface="Arial" charset="0"/>
+                <a:cs typeface="Arial" charset="0"/>
                 <a:sym typeface="Cabin"/>
               </a:rPr>
               <a:t>    </a:t>
             </a:r>
             <a:r>
-              <a:rPr lang="en-US" sz="2500" b="0" i="0" u="none" strike="noStrike" cap="none">
+              <a:rPr lang="en-US" sz="2500" u="none" strike="noStrike" cap="none">
                 <a:solidFill>
                   <a:srgbClr val="FFFF00"/>
                 </a:solidFill>
-                <a:latin typeface="Cabin"/>
-                <a:ea typeface="Cabin"/>
-                <a:cs typeface="Cabin"/>
+                <a:latin typeface="Arial" charset="0"/>
+                <a:ea typeface="Arial" charset="0"/>
+                <a:cs typeface="Arial" charset="0"/>
                 <a:sym typeface="Cabin"/>
               </a:rPr>
               <a:t>print</a:t>
             </a:r>
             <a:r>
-              <a:rPr lang="en-US" sz="2500" b="0" i="0" u="none" strike="noStrike" cap="none">
-                <a:solidFill>
-                  <a:schemeClr val="lt1"/>
-                </a:solidFill>
-                <a:latin typeface="Cabin"/>
-                <a:ea typeface="Cabin"/>
-                <a:cs typeface="Cabin"/>
+              <a:rPr lang="en-US" sz="2500" u="none" strike="noStrike" cap="none">
+                <a:solidFill>
+                  <a:schemeClr val="lt1"/>
+                </a:solidFill>
+                <a:latin typeface="Arial" charset="0"/>
+                <a:ea typeface="Arial" charset="0"/>
+                <a:cs typeface="Arial" charset="0"/>
                 <a:sym typeface="Cabin"/>
               </a:rPr>
               <a:t> "I'm a lumberjack, and I'm okay."    </a:t>
@@ -22878,37 +22883,37 @@
               <a:buNone/>
             </a:pPr>
             <a:r>
-              <a:rPr lang="en-US" sz="2500" b="0" i="0" u="none" strike="noStrike" cap="none">
-                <a:solidFill>
-                  <a:schemeClr val="lt1"/>
-                </a:solidFill>
-                <a:latin typeface="Cabin"/>
-                <a:ea typeface="Cabin"/>
-                <a:cs typeface="Cabin"/>
+              <a:rPr lang="en-US" sz="2500" u="none" strike="noStrike" cap="none">
+                <a:solidFill>
+                  <a:schemeClr val="lt1"/>
+                </a:solidFill>
+                <a:latin typeface="Arial" charset="0"/>
+                <a:ea typeface="Arial" charset="0"/>
+                <a:cs typeface="Arial" charset="0"/>
                 <a:sym typeface="Cabin"/>
               </a:rPr>
               <a:t>    </a:t>
             </a:r>
             <a:r>
-              <a:rPr lang="en-US" sz="2500" b="0" i="0" u="none" strike="noStrike" cap="none">
+              <a:rPr lang="en-US" sz="2500" u="none" strike="noStrike" cap="none">
                 <a:solidFill>
                   <a:srgbClr val="FFFF00"/>
                 </a:solidFill>
-                <a:latin typeface="Cabin"/>
-                <a:ea typeface="Cabin"/>
-                <a:cs typeface="Cabin"/>
+                <a:latin typeface="Arial" charset="0"/>
+                <a:ea typeface="Arial" charset="0"/>
+                <a:cs typeface="Arial" charset="0"/>
                 <a:sym typeface="Cabin"/>
               </a:rPr>
               <a:t>print</a:t>
             </a:r>
             <a:r>
-              <a:rPr lang="en-US" sz="2500" b="0" i="0" u="none" strike="noStrike" cap="none">
-                <a:solidFill>
-                  <a:schemeClr val="lt1"/>
-                </a:solidFill>
-                <a:latin typeface="Cabin"/>
-                <a:ea typeface="Cabin"/>
-                <a:cs typeface="Cabin"/>
+              <a:rPr lang="en-US" sz="2500" u="none" strike="noStrike" cap="none">
+                <a:solidFill>
+                  <a:schemeClr val="lt1"/>
+                </a:solidFill>
+                <a:latin typeface="Arial" charset="0"/>
+                <a:ea typeface="Arial" charset="0"/>
+                <a:cs typeface="Arial" charset="0"/>
                 <a:sym typeface="Cabin"/>
               </a:rPr>
               <a:t> 'I sleep all night and I work all day.'</a:t>
@@ -22959,25 +22964,25 @@
               <a:buNone/>
             </a:pPr>
             <a:r>
-              <a:rPr lang="en-US" sz="2800" b="0" i="0" u="none" strike="noStrike" cap="none">
+              <a:rPr lang="en-US" sz="2800" u="none" strike="noStrike" cap="none">
                 <a:solidFill>
                   <a:srgbClr val="00FF00"/>
                 </a:solidFill>
-                <a:latin typeface="Cabin"/>
-                <a:ea typeface="Cabin"/>
-                <a:cs typeface="Cabin"/>
+                <a:latin typeface="Arial" charset="0"/>
+                <a:ea typeface="Arial" charset="0"/>
+                <a:cs typeface="Arial" charset="0"/>
                 <a:sym typeface="Cabin"/>
               </a:rPr>
               <a:t>print_lyrics</a:t>
             </a:r>
             <a:r>
-              <a:rPr lang="en-US" sz="2800" b="0" i="0" u="none" strike="noStrike" cap="none">
-                <a:solidFill>
-                  <a:schemeClr val="lt1"/>
-                </a:solidFill>
-                <a:latin typeface="Cabin"/>
-                <a:ea typeface="Cabin"/>
-                <a:cs typeface="Cabin"/>
+              <a:rPr lang="en-US" sz="2800" u="none" strike="noStrike" cap="none">
+                <a:solidFill>
+                  <a:schemeClr val="lt1"/>
+                </a:solidFill>
+                <a:latin typeface="Arial" charset="0"/>
+                <a:ea typeface="Arial" charset="0"/>
+                <a:cs typeface="Arial" charset="0"/>
                 <a:sym typeface="Cabin"/>
               </a:rPr>
               <a:t>():</a:t>
@@ -23057,13 +23062,13 @@
               <a:buNone/>
             </a:pPr>
             <a:r>
-              <a:rPr lang="en-US" sz="7600" b="0" i="0" u="none" strike="noStrike" cap="none">
+              <a:rPr lang="en-US" sz="7600" u="none" strike="noStrike" cap="none">
                 <a:solidFill>
                   <a:srgbClr val="FFFF00"/>
                 </a:solidFill>
-                <a:latin typeface="Cabin"/>
-                <a:ea typeface="Cabin"/>
-                <a:cs typeface="Cabin"/>
+                <a:latin typeface="Arial" charset="0"/>
+                <a:ea typeface="Arial" charset="0"/>
+                <a:cs typeface="Arial" charset="0"/>
                 <a:sym typeface="Cabin"/>
               </a:rPr>
               <a:t>Definitions and Uses</a:t>
@@ -23118,108 +23123,108 @@
               <a:buChar char="•"/>
             </a:pPr>
             <a:r>
-              <a:rPr lang="en-US" sz="3600" b="0" i="0" u="none" strike="noStrike" cap="none">
-                <a:solidFill>
-                  <a:schemeClr val="lt1"/>
-                </a:solidFill>
-                <a:latin typeface="Cabin"/>
-                <a:ea typeface="Cabin"/>
-                <a:cs typeface="Cabin"/>
+              <a:rPr lang="en-US" sz="3600" u="none" strike="noStrike" cap="none">
+                <a:solidFill>
+                  <a:schemeClr val="lt1"/>
+                </a:solidFill>
+                <a:latin typeface="Arial" charset="0"/>
+                <a:ea typeface="Arial" charset="0"/>
+                <a:cs typeface="Arial" charset="0"/>
                 <a:sym typeface="Cabin"/>
               </a:rPr>
               <a:t>Once we have </a:t>
             </a:r>
             <a:r>
-              <a:rPr lang="en-US" sz="3600" b="0" i="0" u="none" strike="noStrike" cap="none">
+              <a:rPr lang="en-US" sz="3600" u="none" strike="noStrike" cap="none">
                 <a:solidFill>
                   <a:srgbClr val="FFFF00"/>
                 </a:solidFill>
-                <a:latin typeface="Cabin"/>
-                <a:ea typeface="Cabin"/>
-                <a:cs typeface="Cabin"/>
+                <a:latin typeface="Arial" charset="0"/>
+                <a:ea typeface="Arial" charset="0"/>
+                <a:cs typeface="Arial" charset="0"/>
                 <a:sym typeface="Cabin"/>
               </a:rPr>
               <a:t>defined</a:t>
             </a:r>
             <a:r>
-              <a:rPr lang="en-US" sz="3600" b="0" i="0" u="none" strike="noStrike" cap="none">
-                <a:solidFill>
-                  <a:schemeClr val="lt1"/>
-                </a:solidFill>
-                <a:latin typeface="Cabin"/>
-                <a:ea typeface="Cabin"/>
-                <a:cs typeface="Cabin"/>
+              <a:rPr lang="en-US" sz="3600" u="none" strike="noStrike" cap="none">
+                <a:solidFill>
+                  <a:schemeClr val="lt1"/>
+                </a:solidFill>
+                <a:latin typeface="Arial" charset="0"/>
+                <a:ea typeface="Arial" charset="0"/>
+                <a:cs typeface="Arial" charset="0"/>
                 <a:sym typeface="Cabin"/>
               </a:rPr>
               <a:t> a function, we can </a:t>
             </a:r>
             <a:r>
-              <a:rPr lang="en-US" sz="3600" b="0" i="0" u="none" strike="noStrike" cap="none">
+              <a:rPr lang="en-US" sz="3600" u="none" strike="noStrike" cap="none">
                 <a:solidFill>
                   <a:srgbClr val="00FF00"/>
                 </a:solidFill>
-                <a:latin typeface="Cabin"/>
-                <a:ea typeface="Cabin"/>
-                <a:cs typeface="Cabin"/>
+                <a:latin typeface="Arial" charset="0"/>
+                <a:ea typeface="Arial" charset="0"/>
+                <a:cs typeface="Arial" charset="0"/>
                 <a:sym typeface="Cabin"/>
               </a:rPr>
               <a:t>call</a:t>
             </a:r>
             <a:r>
-              <a:rPr lang="en-US" sz="3600" b="0" i="0" u="none" strike="noStrike" cap="none">
-                <a:solidFill>
-                  <a:schemeClr val="lt1"/>
-                </a:solidFill>
-                <a:latin typeface="Cabin"/>
-                <a:ea typeface="Cabin"/>
-                <a:cs typeface="Cabin"/>
+              <a:rPr lang="en-US" sz="3600" u="none" strike="noStrike" cap="none">
+                <a:solidFill>
+                  <a:schemeClr val="lt1"/>
+                </a:solidFill>
+                <a:latin typeface="Arial" charset="0"/>
+                <a:ea typeface="Arial" charset="0"/>
+                <a:cs typeface="Arial" charset="0"/>
                 <a:sym typeface="Cabin"/>
               </a:rPr>
               <a:t> (or </a:t>
             </a:r>
             <a:r>
-              <a:rPr lang="en-US" sz="3600" b="0" i="0" u="none" strike="noStrike" cap="none">
+              <a:rPr lang="en-US" sz="3600" u="none" strike="noStrike" cap="none">
                 <a:solidFill>
                   <a:srgbClr val="00FF00"/>
                 </a:solidFill>
-                <a:latin typeface="Cabin"/>
-                <a:ea typeface="Cabin"/>
-                <a:cs typeface="Cabin"/>
+                <a:latin typeface="Arial" charset="0"/>
+                <a:ea typeface="Arial" charset="0"/>
+                <a:cs typeface="Arial" charset="0"/>
                 <a:sym typeface="Cabin"/>
               </a:rPr>
               <a:t>invoke</a:t>
             </a:r>
             <a:r>
-              <a:rPr lang="en-US" sz="3600" b="0" i="0" u="none" strike="noStrike" cap="none">
-                <a:solidFill>
-                  <a:schemeClr val="lt1"/>
-                </a:solidFill>
-                <a:latin typeface="Cabin"/>
-                <a:ea typeface="Cabin"/>
-                <a:cs typeface="Cabin"/>
+              <a:rPr lang="en-US" sz="3600" u="none" strike="noStrike" cap="none">
+                <a:solidFill>
+                  <a:schemeClr val="lt1"/>
+                </a:solidFill>
+                <a:latin typeface="Arial" charset="0"/>
+                <a:ea typeface="Arial" charset="0"/>
+                <a:cs typeface="Arial" charset="0"/>
                 <a:sym typeface="Cabin"/>
               </a:rPr>
               <a:t>) it </a:t>
             </a:r>
             <a:br>
-              <a:rPr lang="en-US" sz="3600" b="0" i="0" u="none" strike="noStrike" cap="none">
-                <a:solidFill>
-                  <a:schemeClr val="lt1"/>
-                </a:solidFill>
-                <a:latin typeface="Cabin"/>
-                <a:ea typeface="Cabin"/>
-                <a:cs typeface="Cabin"/>
+              <a:rPr lang="en-US" sz="3600" u="none" strike="noStrike" cap="none">
+                <a:solidFill>
+                  <a:schemeClr val="lt1"/>
+                </a:solidFill>
+                <a:latin typeface="Arial" charset="0"/>
+                <a:ea typeface="Arial" charset="0"/>
+                <a:cs typeface="Arial" charset="0"/>
                 <a:sym typeface="Cabin"/>
               </a:rPr>
             </a:br>
             <a:r>
-              <a:rPr lang="en-US" sz="3600" b="0" i="0" u="none" strike="noStrike" cap="none">
-                <a:solidFill>
-                  <a:schemeClr val="lt1"/>
-                </a:solidFill>
-                <a:latin typeface="Cabin"/>
-                <a:ea typeface="Cabin"/>
-                <a:cs typeface="Cabin"/>
+              <a:rPr lang="en-US" sz="3600" u="none" strike="noStrike" cap="none">
+                <a:solidFill>
+                  <a:schemeClr val="lt1"/>
+                </a:solidFill>
+                <a:latin typeface="Arial" charset="0"/>
+                <a:ea typeface="Arial" charset="0"/>
+                <a:cs typeface="Arial" charset="0"/>
                 <a:sym typeface="Cabin"/>
               </a:rPr>
               <a:t>as many times as we like</a:t>
@@ -23244,61 +23249,61 @@
               <a:buChar char="•"/>
             </a:pPr>
             <a:r>
-              <a:rPr lang="en-US" sz="3600" b="0" i="0" u="none" strike="noStrike" cap="none">
-                <a:solidFill>
-                  <a:schemeClr val="lt1"/>
-                </a:solidFill>
-                <a:latin typeface="Cabin"/>
-                <a:ea typeface="Cabin"/>
-                <a:cs typeface="Cabin"/>
+              <a:rPr lang="en-US" sz="3600" u="none" strike="noStrike" cap="none">
+                <a:solidFill>
+                  <a:schemeClr val="lt1"/>
+                </a:solidFill>
+                <a:latin typeface="Arial" charset="0"/>
+                <a:ea typeface="Arial" charset="0"/>
+                <a:cs typeface="Arial" charset="0"/>
                 <a:sym typeface="Cabin"/>
               </a:rPr>
               <a:t>This is the </a:t>
             </a:r>
             <a:r>
-              <a:rPr lang="en-US" sz="3600" b="0" i="0" u="none" strike="noStrike" cap="none">
+              <a:rPr lang="en-US" sz="3600" u="none" strike="noStrike" cap="none">
                 <a:solidFill>
                   <a:srgbClr val="FFFF00"/>
                 </a:solidFill>
-                <a:latin typeface="Cabin"/>
-                <a:ea typeface="Cabin"/>
-                <a:cs typeface="Cabin"/>
+                <a:latin typeface="Arial" charset="0"/>
+                <a:ea typeface="Arial" charset="0"/>
+                <a:cs typeface="Arial" charset="0"/>
                 <a:sym typeface="Cabin"/>
               </a:rPr>
               <a:t>store</a:t>
             </a:r>
             <a:r>
-              <a:rPr lang="en-US" sz="3600" b="0" i="0" u="none" strike="noStrike" cap="none">
-                <a:solidFill>
-                  <a:schemeClr val="lt1"/>
-                </a:solidFill>
-                <a:latin typeface="Cabin"/>
-                <a:ea typeface="Cabin"/>
-                <a:cs typeface="Cabin"/>
+              <a:rPr lang="en-US" sz="3600" u="none" strike="noStrike" cap="none">
+                <a:solidFill>
+                  <a:schemeClr val="lt1"/>
+                </a:solidFill>
+                <a:latin typeface="Arial" charset="0"/>
+                <a:ea typeface="Arial" charset="0"/>
+                <a:cs typeface="Arial" charset="0"/>
                 <a:sym typeface="Cabin"/>
               </a:rPr>
               <a:t> and </a:t>
             </a:r>
             <a:r>
-              <a:rPr lang="en-US" sz="3600" b="0" i="0" u="none" strike="noStrike" cap="none">
+              <a:rPr lang="en-US" sz="3600" u="none" strike="noStrike" cap="none">
                 <a:solidFill>
                   <a:srgbClr val="00FF00"/>
                 </a:solidFill>
-                <a:latin typeface="Cabin"/>
-                <a:ea typeface="Cabin"/>
-                <a:cs typeface="Cabin"/>
+                <a:latin typeface="Arial" charset="0"/>
+                <a:ea typeface="Arial" charset="0"/>
+                <a:cs typeface="Arial" charset="0"/>
                 <a:sym typeface="Cabin"/>
               </a:rPr>
               <a:t>reuse</a:t>
             </a:r>
             <a:r>
-              <a:rPr lang="en-US" sz="3600" b="0" i="0" u="none" strike="noStrike" cap="none">
-                <a:solidFill>
-                  <a:schemeClr val="lt1"/>
-                </a:solidFill>
-                <a:latin typeface="Cabin"/>
-                <a:ea typeface="Cabin"/>
-                <a:cs typeface="Cabin"/>
+              <a:rPr lang="en-US" sz="3600" u="none" strike="noStrike" cap="none">
+                <a:solidFill>
+                  <a:schemeClr val="lt1"/>
+                </a:solidFill>
+                <a:latin typeface="Arial" charset="0"/>
+                <a:ea typeface="Arial" charset="0"/>
+                <a:cs typeface="Arial" charset="0"/>
                 <a:sym typeface="Cabin"/>
               </a:rPr>
               <a:t> pattern</a:t>
@@ -23953,13 +23958,13 @@
               <a:buNone/>
             </a:pPr>
             <a:r>
-              <a:rPr lang="en-US" sz="3600" b="0" i="0" u="none" strike="noStrike" cap="none">
+              <a:rPr lang="en-US" sz="3600" u="none" strike="noStrike" cap="none">
                 <a:solidFill>
                   <a:srgbClr val="FFFF00"/>
                 </a:solidFill>
-                <a:latin typeface="Cabin"/>
-                <a:ea typeface="Cabin"/>
-                <a:cs typeface="Cabin"/>
+                <a:latin typeface="Arial" charset="0"/>
+                <a:ea typeface="Arial" charset="0"/>
+                <a:cs typeface="Arial" charset="0"/>
                 <a:sym typeface="Cabin"/>
               </a:rPr>
               <a:t>Hello</a:t>
@@ -23984,13 +23989,13 @@
               <a:buNone/>
             </a:pPr>
             <a:r>
-              <a:rPr lang="en-US" sz="3600" b="0" i="0" u="none" strike="noStrike" cap="none">
+              <a:rPr lang="en-US" sz="3600" u="none" strike="noStrike" cap="none">
                 <a:solidFill>
                   <a:srgbClr val="FFFF00"/>
                 </a:solidFill>
-                <a:latin typeface="Cabin"/>
-                <a:ea typeface="Cabin"/>
-                <a:cs typeface="Cabin"/>
+                <a:latin typeface="Arial" charset="0"/>
+                <a:ea typeface="Arial" charset="0"/>
+                <a:cs typeface="Arial" charset="0"/>
                 <a:sym typeface="Cabin"/>
               </a:rPr>
               <a:t>Yo</a:t>
@@ -24015,13 +24020,13 @@
               <a:buNone/>
             </a:pPr>
             <a:r>
-              <a:rPr lang="en-US" sz="3600" b="0" i="0" u="none" strike="noStrike" cap="none">
+              <a:rPr lang="en-US" sz="3600" u="none" strike="noStrike" cap="none">
                 <a:solidFill>
                   <a:srgbClr val="00FF00"/>
                 </a:solidFill>
-                <a:latin typeface="Cabin"/>
-                <a:ea typeface="Cabin"/>
-                <a:cs typeface="Cabin"/>
+                <a:latin typeface="Arial" charset="0"/>
+                <a:ea typeface="Arial" charset="0"/>
+                <a:cs typeface="Arial" charset="0"/>
                 <a:sym typeface="Cabin"/>
               </a:rPr>
               <a:t>I'm a lumberjack, and I'm okay.</a:t>
@@ -24046,13 +24051,13 @@
               <a:buNone/>
             </a:pPr>
             <a:r>
-              <a:rPr lang="en-US" sz="3600" b="0" i="0" u="none" strike="noStrike" cap="none">
+              <a:rPr lang="en-US" sz="3600" u="none" strike="noStrike" cap="none">
                 <a:solidFill>
                   <a:srgbClr val="00FF00"/>
                 </a:solidFill>
-                <a:latin typeface="Cabin"/>
-                <a:ea typeface="Cabin"/>
-                <a:cs typeface="Cabin"/>
+                <a:latin typeface="Arial" charset="0"/>
+                <a:ea typeface="Arial" charset="0"/>
+                <a:cs typeface="Arial" charset="0"/>
                 <a:sym typeface="Cabin"/>
               </a:rPr>
               <a:t>I sleep all night and I work all day.</a:t>
@@ -24077,13 +24082,13 @@
               <a:buNone/>
             </a:pPr>
             <a:r>
-              <a:rPr lang="en-US" sz="3600" b="0" i="0" u="none" strike="noStrike" cap="none">
+              <a:rPr lang="en-US" sz="3600" u="none" strike="noStrike" cap="none">
                 <a:solidFill>
                   <a:srgbClr val="FFFF00"/>
                 </a:solidFill>
-                <a:latin typeface="Cabin"/>
-                <a:ea typeface="Cabin"/>
-                <a:cs typeface="Cabin"/>
+                <a:latin typeface="Arial" charset="0"/>
+                <a:ea typeface="Arial" charset="0"/>
+                <a:cs typeface="Arial" charset="0"/>
                 <a:sym typeface="Cabin"/>
               </a:rPr>
               <a:t>7</a:t>
@@ -24189,13 +24194,13 @@
               <a:buNone/>
             </a:pPr>
             <a:r>
-              <a:rPr lang="en-US" sz="7600" b="0" i="0" u="none" strike="noStrike" cap="none">
+              <a:rPr lang="en-US" sz="7600" u="none" strike="noStrike" cap="none">
                 <a:solidFill>
                   <a:srgbClr val="FFFF00"/>
                 </a:solidFill>
-                <a:latin typeface="Cabin"/>
-                <a:ea typeface="Cabin"/>
-                <a:cs typeface="Cabin"/>
+                <a:latin typeface="Arial" charset="0"/>
+                <a:ea typeface="Arial" charset="0"/>
+                <a:cs typeface="Arial" charset="0"/>
                 <a:sym typeface="Cabin"/>
               </a:rPr>
               <a:t>Arguments</a:t>
@@ -24250,85 +24255,85 @@
               <a:buChar char="•"/>
             </a:pPr>
             <a:r>
-              <a:rPr lang="en-US" sz="3600" b="0" i="0" u="none" strike="noStrike" cap="none">
-                <a:solidFill>
-                  <a:schemeClr val="lt1"/>
-                </a:solidFill>
-                <a:latin typeface="Cabin"/>
-                <a:ea typeface="Cabin"/>
-                <a:cs typeface="Cabin"/>
+              <a:rPr lang="en-US" sz="3600" u="none" strike="noStrike" cap="none">
+                <a:solidFill>
+                  <a:schemeClr val="lt1"/>
+                </a:solidFill>
+                <a:latin typeface="Arial" charset="0"/>
+                <a:ea typeface="Arial" charset="0"/>
+                <a:cs typeface="Arial" charset="0"/>
                 <a:sym typeface="Cabin"/>
               </a:rPr>
               <a:t>An </a:t>
             </a:r>
             <a:r>
-              <a:rPr lang="en-US" sz="3600" b="0" i="0" u="none" strike="noStrike" cap="none">
+              <a:rPr lang="en-US" sz="3600" u="none" strike="noStrike" cap="none">
                 <a:solidFill>
                   <a:srgbClr val="FF7F00"/>
                 </a:solidFill>
-                <a:latin typeface="Cabin"/>
-                <a:ea typeface="Cabin"/>
-                <a:cs typeface="Cabin"/>
+                <a:latin typeface="Arial" charset="0"/>
+                <a:ea typeface="Arial" charset="0"/>
+                <a:cs typeface="Arial" charset="0"/>
                 <a:sym typeface="Cabin"/>
               </a:rPr>
               <a:t>argument</a:t>
             </a:r>
             <a:r>
-              <a:rPr lang="en-US" sz="3600" b="0" i="0" u="none" strike="noStrike" cap="none">
-                <a:solidFill>
-                  <a:schemeClr val="lt1"/>
-                </a:solidFill>
-                <a:latin typeface="Cabin"/>
-                <a:ea typeface="Cabin"/>
-                <a:cs typeface="Cabin"/>
+              <a:rPr lang="en-US" sz="3600" u="none" strike="noStrike" cap="none">
+                <a:solidFill>
+                  <a:schemeClr val="lt1"/>
+                </a:solidFill>
+                <a:latin typeface="Arial" charset="0"/>
+                <a:ea typeface="Arial" charset="0"/>
+                <a:cs typeface="Arial" charset="0"/>
                 <a:sym typeface="Cabin"/>
               </a:rPr>
               <a:t> is a value we pass into the </a:t>
             </a:r>
             <a:r>
-              <a:rPr lang="en-US" sz="3600" b="0" i="0" u="none" strike="noStrike" cap="none">
+              <a:rPr lang="en-US" sz="3600" u="none" strike="noStrike" cap="none">
                 <a:solidFill>
                   <a:srgbClr val="FF00FF"/>
                 </a:solidFill>
-                <a:latin typeface="Cabin"/>
-                <a:ea typeface="Cabin"/>
-                <a:cs typeface="Cabin"/>
+                <a:latin typeface="Arial" charset="0"/>
+                <a:ea typeface="Arial" charset="0"/>
+                <a:cs typeface="Arial" charset="0"/>
                 <a:sym typeface="Cabin"/>
               </a:rPr>
               <a:t>function</a:t>
             </a:r>
             <a:r>
-              <a:rPr lang="en-US" sz="3600" b="0" i="0" u="none" strike="noStrike" cap="none">
-                <a:solidFill>
-                  <a:schemeClr val="lt1"/>
-                </a:solidFill>
-                <a:latin typeface="Cabin"/>
-                <a:ea typeface="Cabin"/>
-                <a:cs typeface="Cabin"/>
+              <a:rPr lang="en-US" sz="3600" u="none" strike="noStrike" cap="none">
+                <a:solidFill>
+                  <a:schemeClr val="lt1"/>
+                </a:solidFill>
+                <a:latin typeface="Arial" charset="0"/>
+                <a:ea typeface="Arial" charset="0"/>
+                <a:cs typeface="Arial" charset="0"/>
                 <a:sym typeface="Cabin"/>
               </a:rPr>
               <a:t> as its </a:t>
             </a:r>
             <a:r>
-              <a:rPr lang="en-US" sz="3600" b="0" i="0" u="none" strike="noStrike" cap="none">
+              <a:rPr lang="en-US" sz="3600" u="none" strike="noStrike" cap="none">
                 <a:solidFill>
                   <a:srgbClr val="FF7F00"/>
                 </a:solidFill>
-                <a:latin typeface="Cabin"/>
-                <a:ea typeface="Cabin"/>
-                <a:cs typeface="Cabin"/>
+                <a:latin typeface="Arial" charset="0"/>
+                <a:ea typeface="Arial" charset="0"/>
+                <a:cs typeface="Arial" charset="0"/>
                 <a:sym typeface="Cabin"/>
               </a:rPr>
               <a:t>input</a:t>
             </a:r>
             <a:r>
-              <a:rPr lang="en-US" sz="3600" b="0" i="0" u="none" strike="noStrike" cap="none">
-                <a:solidFill>
-                  <a:schemeClr val="lt1"/>
-                </a:solidFill>
-                <a:latin typeface="Cabin"/>
-                <a:ea typeface="Cabin"/>
-                <a:cs typeface="Cabin"/>
+              <a:rPr lang="en-US" sz="3600" u="none" strike="noStrike" cap="none">
+                <a:solidFill>
+                  <a:schemeClr val="lt1"/>
+                </a:solidFill>
+                <a:latin typeface="Arial" charset="0"/>
+                <a:ea typeface="Arial" charset="0"/>
+                <a:cs typeface="Arial" charset="0"/>
                 <a:sym typeface="Cabin"/>
               </a:rPr>
               <a:t> when we call the function</a:t>
@@ -24353,85 +24358,85 @@
               <a:buChar char="•"/>
             </a:pPr>
             <a:r>
-              <a:rPr lang="en-US" sz="3600" b="0" i="0" u="none" strike="noStrike" cap="none">
-                <a:solidFill>
-                  <a:schemeClr val="lt1"/>
-                </a:solidFill>
-                <a:latin typeface="Cabin"/>
-                <a:ea typeface="Cabin"/>
-                <a:cs typeface="Cabin"/>
+              <a:rPr lang="en-US" sz="3600" u="none" strike="noStrike" cap="none">
+                <a:solidFill>
+                  <a:schemeClr val="lt1"/>
+                </a:solidFill>
+                <a:latin typeface="Arial" charset="0"/>
+                <a:ea typeface="Arial" charset="0"/>
+                <a:cs typeface="Arial" charset="0"/>
                 <a:sym typeface="Cabin"/>
               </a:rPr>
               <a:t>We use </a:t>
             </a:r>
             <a:r>
-              <a:rPr lang="en-US" sz="3600" b="0" i="0" u="none" strike="noStrike" cap="none">
+              <a:rPr lang="en-US" sz="3600" u="none" strike="noStrike" cap="none">
                 <a:solidFill>
                   <a:srgbClr val="FF7F00"/>
                 </a:solidFill>
-                <a:latin typeface="Cabin"/>
-                <a:ea typeface="Cabin"/>
-                <a:cs typeface="Cabin"/>
+                <a:latin typeface="Arial" charset="0"/>
+                <a:ea typeface="Arial" charset="0"/>
+                <a:cs typeface="Arial" charset="0"/>
                 <a:sym typeface="Cabin"/>
               </a:rPr>
               <a:t>arguments</a:t>
             </a:r>
             <a:r>
-              <a:rPr lang="en-US" sz="3600" b="0" i="0" u="none" strike="noStrike" cap="none">
-                <a:solidFill>
-                  <a:schemeClr val="lt1"/>
-                </a:solidFill>
-                <a:latin typeface="Cabin"/>
-                <a:ea typeface="Cabin"/>
-                <a:cs typeface="Cabin"/>
+              <a:rPr lang="en-US" sz="3600" u="none" strike="noStrike" cap="none">
+                <a:solidFill>
+                  <a:schemeClr val="lt1"/>
+                </a:solidFill>
+                <a:latin typeface="Arial" charset="0"/>
+                <a:ea typeface="Arial" charset="0"/>
+                <a:cs typeface="Arial" charset="0"/>
                 <a:sym typeface="Cabin"/>
               </a:rPr>
               <a:t> so we can direct the </a:t>
             </a:r>
             <a:r>
-              <a:rPr lang="en-US" sz="3600" b="0" i="0" u="none" strike="noStrike" cap="none">
+              <a:rPr lang="en-US" sz="3600" u="none" strike="noStrike" cap="none">
                 <a:solidFill>
                   <a:srgbClr val="FF00FF"/>
                 </a:solidFill>
-                <a:latin typeface="Cabin"/>
-                <a:ea typeface="Cabin"/>
-                <a:cs typeface="Cabin"/>
+                <a:latin typeface="Arial" charset="0"/>
+                <a:ea typeface="Arial" charset="0"/>
+                <a:cs typeface="Arial" charset="0"/>
                 <a:sym typeface="Cabin"/>
               </a:rPr>
               <a:t>function</a:t>
             </a:r>
             <a:r>
-              <a:rPr lang="en-US" sz="3600" b="0" i="0" u="none" strike="noStrike" cap="none">
-                <a:solidFill>
-                  <a:schemeClr val="lt1"/>
-                </a:solidFill>
-                <a:latin typeface="Cabin"/>
-                <a:ea typeface="Cabin"/>
-                <a:cs typeface="Cabin"/>
+              <a:rPr lang="en-US" sz="3600" u="none" strike="noStrike" cap="none">
+                <a:solidFill>
+                  <a:schemeClr val="lt1"/>
+                </a:solidFill>
+                <a:latin typeface="Arial" charset="0"/>
+                <a:ea typeface="Arial" charset="0"/>
+                <a:cs typeface="Arial" charset="0"/>
                 <a:sym typeface="Cabin"/>
               </a:rPr>
               <a:t> to do different kinds of work when we call it at </a:t>
             </a:r>
             <a:r>
-              <a:rPr lang="en-US" sz="3600" b="0" i="0" u="none" strike="noStrike" cap="none">
+              <a:rPr lang="en-US" sz="3600" u="none" strike="noStrike" cap="none">
                 <a:solidFill>
                   <a:srgbClr val="FF7F00"/>
                 </a:solidFill>
-                <a:latin typeface="Cabin"/>
-                <a:ea typeface="Cabin"/>
-                <a:cs typeface="Cabin"/>
+                <a:latin typeface="Arial" charset="0"/>
+                <a:ea typeface="Arial" charset="0"/>
+                <a:cs typeface="Arial" charset="0"/>
                 <a:sym typeface="Cabin"/>
               </a:rPr>
               <a:t>different</a:t>
             </a:r>
             <a:r>
-              <a:rPr lang="en-US" sz="3600" b="0" i="0" u="none" strike="noStrike" cap="none">
-                <a:solidFill>
-                  <a:schemeClr val="lt1"/>
-                </a:solidFill>
-                <a:latin typeface="Cabin"/>
-                <a:ea typeface="Cabin"/>
-                <a:cs typeface="Cabin"/>
+              <a:rPr lang="en-US" sz="3600" u="none" strike="noStrike" cap="none">
+                <a:solidFill>
+                  <a:schemeClr val="lt1"/>
+                </a:solidFill>
+                <a:latin typeface="Arial" charset="0"/>
+                <a:ea typeface="Arial" charset="0"/>
+                <a:cs typeface="Arial" charset="0"/>
                 <a:sym typeface="Cabin"/>
               </a:rPr>
               <a:t> times</a:t>
@@ -24456,37 +24461,37 @@
               <a:buChar char="•"/>
             </a:pPr>
             <a:r>
-              <a:rPr lang="en-US" sz="3600" b="0" i="0" u="none" strike="noStrike" cap="none">
-                <a:solidFill>
-                  <a:schemeClr val="lt1"/>
-                </a:solidFill>
-                <a:latin typeface="Cabin"/>
-                <a:ea typeface="Cabin"/>
-                <a:cs typeface="Cabin"/>
+              <a:rPr lang="en-US" sz="3600" u="none" strike="noStrike" cap="none">
+                <a:solidFill>
+                  <a:schemeClr val="lt1"/>
+                </a:solidFill>
+                <a:latin typeface="Arial" charset="0"/>
+                <a:ea typeface="Arial" charset="0"/>
+                <a:cs typeface="Arial" charset="0"/>
                 <a:sym typeface="Cabin"/>
               </a:rPr>
               <a:t>We put the </a:t>
             </a:r>
             <a:r>
-              <a:rPr lang="en-US" sz="3600" b="0" i="0" u="none" strike="noStrike" cap="none">
+              <a:rPr lang="en-US" sz="3600" u="none" strike="noStrike" cap="none">
                 <a:solidFill>
                   <a:srgbClr val="FF7F00"/>
                 </a:solidFill>
-                <a:latin typeface="Cabin"/>
-                <a:ea typeface="Cabin"/>
-                <a:cs typeface="Cabin"/>
+                <a:latin typeface="Arial" charset="0"/>
+                <a:ea typeface="Arial" charset="0"/>
+                <a:cs typeface="Arial" charset="0"/>
                 <a:sym typeface="Cabin"/>
               </a:rPr>
               <a:t>arguments</a:t>
             </a:r>
             <a:r>
-              <a:rPr lang="en-US" sz="3600" b="0" i="0" u="none" strike="noStrike" cap="none">
-                <a:solidFill>
-                  <a:schemeClr val="lt1"/>
-                </a:solidFill>
-                <a:latin typeface="Cabin"/>
-                <a:ea typeface="Cabin"/>
-                <a:cs typeface="Cabin"/>
+              <a:rPr lang="en-US" sz="3600" u="none" strike="noStrike" cap="none">
+                <a:solidFill>
+                  <a:schemeClr val="lt1"/>
+                </a:solidFill>
+                <a:latin typeface="Arial" charset="0"/>
+                <a:ea typeface="Arial" charset="0"/>
+                <a:cs typeface="Arial" charset="0"/>
                 <a:sym typeface="Cabin"/>
               </a:rPr>
               <a:t> in parenthes</a:t>
@@ -24496,45 +24501,45 @@
                 <a:solidFill>
                   <a:schemeClr val="lt1"/>
                 </a:solidFill>
-                <a:latin typeface="Cabin"/>
-                <a:ea typeface="Cabin"/>
-                <a:cs typeface="Cabin"/>
+                <a:latin typeface="Arial" charset="0"/>
+                <a:ea typeface="Arial" charset="0"/>
+                <a:cs typeface="Arial" charset="0"/>
                 <a:sym typeface="Cabin"/>
               </a:rPr>
               <a:t>e</a:t>
             </a:r>
             <a:r>
-              <a:rPr lang="en-US" sz="3600" b="0" i="0" u="none" strike="noStrike" cap="none">
-                <a:solidFill>
-                  <a:schemeClr val="lt1"/>
-                </a:solidFill>
-                <a:latin typeface="Cabin"/>
-                <a:ea typeface="Cabin"/>
-                <a:cs typeface="Cabin"/>
+              <a:rPr lang="en-US" sz="3600" u="none" strike="noStrike" cap="none">
+                <a:solidFill>
+                  <a:schemeClr val="lt1"/>
+                </a:solidFill>
+                <a:latin typeface="Arial" charset="0"/>
+                <a:ea typeface="Arial" charset="0"/>
+                <a:cs typeface="Arial" charset="0"/>
                 <a:sym typeface="Cabin"/>
               </a:rPr>
               <a:t>s after the </a:t>
             </a:r>
             <a:r>
-              <a:rPr lang="en-US" sz="3600" b="0" i="0" u="none" strike="noStrike" cap="none">
+              <a:rPr lang="en-US" sz="3600" u="none" strike="noStrike" cap="none">
                 <a:solidFill>
                   <a:srgbClr val="FF00FF"/>
                 </a:solidFill>
-                <a:latin typeface="Cabin"/>
-                <a:ea typeface="Cabin"/>
-                <a:cs typeface="Cabin"/>
+                <a:latin typeface="Arial" charset="0"/>
+                <a:ea typeface="Arial" charset="0"/>
+                <a:cs typeface="Arial" charset="0"/>
                 <a:sym typeface="Cabin"/>
               </a:rPr>
               <a:t>name</a:t>
             </a:r>
             <a:r>
-              <a:rPr lang="en-US" sz="3600" b="0" i="0" u="none" strike="noStrike" cap="none">
-                <a:solidFill>
-                  <a:schemeClr val="lt1"/>
-                </a:solidFill>
-                <a:latin typeface="Cabin"/>
-                <a:ea typeface="Cabin"/>
-                <a:cs typeface="Cabin"/>
+              <a:rPr lang="en-US" sz="3600" u="none" strike="noStrike" cap="none">
+                <a:solidFill>
+                  <a:schemeClr val="lt1"/>
+                </a:solidFill>
+                <a:latin typeface="Arial" charset="0"/>
+                <a:ea typeface="Arial" charset="0"/>
+                <a:cs typeface="Arial" charset="0"/>
                 <a:sym typeface="Cabin"/>
               </a:rPr>
               <a:t> of the function</a:t>
@@ -24585,73 +24590,73 @@
               <a:buNone/>
             </a:pPr>
             <a:r>
-              <a:rPr lang="en-US" sz="4900" b="0" i="0" u="none" strike="noStrike" cap="none">
+              <a:rPr lang="en-US" sz="4900" u="none" strike="noStrike" cap="none">
                 <a:solidFill>
                   <a:srgbClr val="00FF00"/>
                 </a:solidFill>
-                <a:latin typeface="Cabin"/>
-                <a:ea typeface="Cabin"/>
-                <a:cs typeface="Cabin"/>
+                <a:latin typeface="Arial" charset="0"/>
+                <a:ea typeface="Arial" charset="0"/>
+                <a:cs typeface="Arial" charset="0"/>
                 <a:sym typeface="Cabin"/>
               </a:rPr>
               <a:t>big</a:t>
             </a:r>
             <a:r>
-              <a:rPr lang="en-US" sz="4900" b="0" i="0" u="none" strike="noStrike" cap="none">
-                <a:solidFill>
-                  <a:schemeClr val="lt1"/>
-                </a:solidFill>
-                <a:latin typeface="Cabin"/>
-                <a:ea typeface="Cabin"/>
-                <a:cs typeface="Cabin"/>
+              <a:rPr lang="en-US" sz="4900" u="none" strike="noStrike" cap="none">
+                <a:solidFill>
+                  <a:schemeClr val="lt1"/>
+                </a:solidFill>
+                <a:latin typeface="Arial" charset="0"/>
+                <a:ea typeface="Arial" charset="0"/>
+                <a:cs typeface="Arial" charset="0"/>
                 <a:sym typeface="Cabin"/>
               </a:rPr>
               <a:t> = </a:t>
             </a:r>
             <a:r>
-              <a:rPr lang="en-US" sz="4900" b="0" i="0" u="none" strike="noStrike" cap="none">
+              <a:rPr lang="en-US" sz="4900" u="none" strike="noStrike" cap="none">
                 <a:solidFill>
                   <a:srgbClr val="FF00FF"/>
                 </a:solidFill>
-                <a:latin typeface="Cabin"/>
-                <a:ea typeface="Cabin"/>
-                <a:cs typeface="Cabin"/>
+                <a:latin typeface="Arial" charset="0"/>
+                <a:ea typeface="Arial" charset="0"/>
+                <a:cs typeface="Arial" charset="0"/>
                 <a:sym typeface="Cabin"/>
               </a:rPr>
               <a:t>max</a:t>
             </a:r>
             <a:r>
-              <a:rPr lang="en-US" sz="4900" b="0" i="0" u="none" strike="noStrike" cap="none">
-                <a:solidFill>
-                  <a:schemeClr val="lt1"/>
-                </a:solidFill>
-                <a:latin typeface="Cabin"/>
-                <a:ea typeface="Cabin"/>
-                <a:cs typeface="Cabin"/>
+              <a:rPr lang="en-US" sz="4900" u="none" strike="noStrike" cap="none">
+                <a:solidFill>
+                  <a:schemeClr val="lt1"/>
+                </a:solidFill>
+                <a:latin typeface="Arial" charset="0"/>
+                <a:ea typeface="Arial" charset="0"/>
+                <a:cs typeface="Arial" charset="0"/>
                 <a:sym typeface="Cabin"/>
               </a:rPr>
               <a:t>(</a:t>
             </a:r>
             <a:r>
-              <a:rPr lang="en-US" sz="4900" b="0" i="0" u="none" strike="noStrike" cap="none">
+              <a:rPr lang="en-US" sz="4900" u="none" strike="noStrike" cap="none">
                 <a:solidFill>
                   <a:srgbClr val="FF7F00"/>
                 </a:solidFill>
-                <a:latin typeface="Cabin"/>
-                <a:ea typeface="Cabin"/>
-                <a:cs typeface="Cabin"/>
+                <a:latin typeface="Arial" charset="0"/>
+                <a:ea typeface="Arial" charset="0"/>
+                <a:cs typeface="Arial" charset="0"/>
                 <a:sym typeface="Cabin"/>
               </a:rPr>
               <a:t>'Hello world'</a:t>
             </a:r>
             <a:r>
-              <a:rPr lang="en-US" sz="4900" b="0" i="0" u="none" strike="noStrike" cap="none">
-                <a:solidFill>
-                  <a:schemeClr val="lt1"/>
-                </a:solidFill>
-                <a:latin typeface="Cabin"/>
-                <a:ea typeface="Cabin"/>
-                <a:cs typeface="Cabin"/>
+              <a:rPr lang="en-US" sz="4900" u="none" strike="noStrike" cap="none">
+                <a:solidFill>
+                  <a:schemeClr val="lt1"/>
+                </a:solidFill>
+                <a:latin typeface="Arial" charset="0"/>
+                <a:ea typeface="Arial" charset="0"/>
+                <a:cs typeface="Arial" charset="0"/>
                 <a:sym typeface="Cabin"/>
               </a:rPr>
               <a:t>)</a:t>
@@ -24702,13 +24707,13 @@
               <a:buNone/>
             </a:pPr>
             <a:r>
-              <a:rPr lang="en-US" sz="3600" b="0" i="0" u="none" strike="noStrike" cap="none">
+              <a:rPr lang="en-US" sz="3600" u="none" strike="noStrike" cap="none">
                 <a:solidFill>
                   <a:srgbClr val="FF7F00"/>
                 </a:solidFill>
-                <a:latin typeface="Cabin"/>
-                <a:ea typeface="Cabin"/>
-                <a:cs typeface="Cabin"/>
+                <a:latin typeface="Arial" charset="0"/>
+                <a:ea typeface="Arial" charset="0"/>
+                <a:cs typeface="Arial" charset="0"/>
                 <a:sym typeface="Cabin"/>
               </a:rPr>
               <a:t>Argument</a:t>
@@ -24814,13 +24819,13 @@
               <a:buNone/>
             </a:pPr>
             <a:r>
-              <a:rPr lang="en-US" sz="7600" b="0" i="0" u="none" strike="noStrike" cap="none">
+              <a:rPr lang="en-US" sz="7600" u="none" strike="noStrike" cap="none">
                 <a:solidFill>
                   <a:srgbClr val="FFFF00"/>
                 </a:solidFill>
-                <a:latin typeface="Cabin"/>
-                <a:ea typeface="Cabin"/>
-                <a:cs typeface="Cabin"/>
+                <a:latin typeface="Arial" charset="0"/>
+                <a:ea typeface="Arial" charset="0"/>
+                <a:cs typeface="Arial" charset="0"/>
                 <a:sym typeface="Cabin"/>
               </a:rPr>
               <a:t>Parameters</a:t>
@@ -24873,9 +24878,9 @@
               <a:solidFill>
                 <a:schemeClr val="lt1"/>
               </a:solidFill>
-              <a:latin typeface="Cabin"/>
-              <a:ea typeface="Cabin"/>
-              <a:cs typeface="Cabin"/>
+              <a:latin typeface="Arial" charset="0"/>
+              <a:ea typeface="Arial" charset="0"/>
+              <a:cs typeface="Arial" charset="0"/>
               <a:sym typeface="Cabin"/>
             </a:endParaRPr>
           </a:p>
@@ -24899,9 +24904,9 @@
                 <a:solidFill>
                   <a:schemeClr val="lt1"/>
                 </a:solidFill>
-                <a:latin typeface="Cabin"/>
-                <a:ea typeface="Cabin"/>
-                <a:cs typeface="Cabin"/>
+                <a:latin typeface="Arial" charset="0"/>
+                <a:ea typeface="Arial" charset="0"/>
+                <a:cs typeface="Arial" charset="0"/>
                 <a:sym typeface="Cabin"/>
               </a:rPr>
               <a:t>A </a:t>
@@ -24911,9 +24916,9 @@
                 <a:solidFill>
                   <a:srgbClr val="00FFFF"/>
                 </a:solidFill>
-                <a:latin typeface="Cabin"/>
-                <a:ea typeface="Cabin"/>
-                <a:cs typeface="Cabin"/>
+                <a:latin typeface="Arial" charset="0"/>
+                <a:ea typeface="Arial" charset="0"/>
+                <a:cs typeface="Arial" charset="0"/>
                 <a:sym typeface="Cabin"/>
               </a:rPr>
               <a:t>parameter</a:t>
@@ -24923,9 +24928,9 @@
                 <a:solidFill>
                   <a:schemeClr val="lt1"/>
                 </a:solidFill>
-                <a:latin typeface="Cabin"/>
-                <a:ea typeface="Cabin"/>
-                <a:cs typeface="Cabin"/>
+                <a:latin typeface="Arial" charset="0"/>
+                <a:ea typeface="Arial" charset="0"/>
+                <a:cs typeface="Arial" charset="0"/>
                 <a:sym typeface="Cabin"/>
               </a:rPr>
               <a:t> is a variable which we use </a:t>
@@ -24935,9 +24940,9 @@
                 <a:solidFill>
                   <a:srgbClr val="FF00FF"/>
                 </a:solidFill>
-                <a:latin typeface="Cabin"/>
-                <a:ea typeface="Cabin"/>
-                <a:cs typeface="Cabin"/>
+                <a:latin typeface="Arial" charset="0"/>
+                <a:ea typeface="Arial" charset="0"/>
+                <a:cs typeface="Arial" charset="0"/>
                 <a:sym typeface="Cabin"/>
               </a:rPr>
               <a:t>in</a:t>
@@ -24947,9 +24952,9 @@
                 <a:solidFill>
                   <a:schemeClr val="lt1"/>
                 </a:solidFill>
-                <a:latin typeface="Cabin"/>
-                <a:ea typeface="Cabin"/>
-                <a:cs typeface="Cabin"/>
+                <a:latin typeface="Arial" charset="0"/>
+                <a:ea typeface="Arial" charset="0"/>
+                <a:cs typeface="Arial" charset="0"/>
                 <a:sym typeface="Cabin"/>
               </a:rPr>
               <a:t> the function </a:t>
@@ -24959,9 +24964,9 @@
                 <a:solidFill>
                   <a:srgbClr val="FFFF00"/>
                 </a:solidFill>
-                <a:latin typeface="Cabin"/>
-                <a:ea typeface="Cabin"/>
-                <a:cs typeface="Cabin"/>
+                <a:latin typeface="Arial" charset="0"/>
+                <a:ea typeface="Arial" charset="0"/>
+                <a:cs typeface="Arial" charset="0"/>
                 <a:sym typeface="Cabin"/>
               </a:rPr>
               <a:t>definition</a:t>
@@ -24971,9 +24976,9 @@
                 <a:solidFill>
                   <a:schemeClr val="lt1"/>
                 </a:solidFill>
-                <a:latin typeface="Cabin"/>
-                <a:ea typeface="Cabin"/>
-                <a:cs typeface="Cabin"/>
+                <a:latin typeface="Arial" charset="0"/>
+                <a:ea typeface="Arial" charset="0"/>
+                <a:cs typeface="Arial" charset="0"/>
                 <a:sym typeface="Cabin"/>
               </a:rPr>
               <a:t>.  It is a </a:t>
@@ -24991,9 +24996,9 @@
                 <a:solidFill>
                   <a:schemeClr val="lt1"/>
                 </a:solidFill>
-                <a:latin typeface="Cabin"/>
-                <a:ea typeface="Cabin"/>
-                <a:cs typeface="Cabin"/>
+                <a:latin typeface="Arial" charset="0"/>
+                <a:ea typeface="Arial" charset="0"/>
+                <a:cs typeface="Arial" charset="0"/>
                 <a:sym typeface="Cabin"/>
               </a:rPr>
               <a:t>handle</a:t>
@@ -25011,9 +25016,9 @@
                 <a:solidFill>
                   <a:schemeClr val="lt1"/>
                 </a:solidFill>
-                <a:latin typeface="Cabin"/>
-                <a:ea typeface="Cabin"/>
-                <a:cs typeface="Cabin"/>
+                <a:latin typeface="Arial" charset="0"/>
+                <a:ea typeface="Arial" charset="0"/>
+                <a:cs typeface="Arial" charset="0"/>
                 <a:sym typeface="Cabin"/>
               </a:rPr>
               <a:t> that allows the code in the </a:t>
@@ -25023,9 +25028,9 @@
                 <a:solidFill>
                   <a:schemeClr val="accent1"/>
                 </a:solidFill>
-                <a:latin typeface="Cabin"/>
-                <a:ea typeface="Cabin"/>
-                <a:cs typeface="Cabin"/>
+                <a:latin typeface="Arial" charset="0"/>
+                <a:ea typeface="Arial" charset="0"/>
+                <a:cs typeface="Arial" charset="0"/>
                 <a:sym typeface="Cabin"/>
               </a:rPr>
               <a:t>function</a:t>
@@ -25035,9 +25040,9 @@
                 <a:solidFill>
                   <a:schemeClr val="lt1"/>
                 </a:solidFill>
-                <a:latin typeface="Cabin"/>
-                <a:ea typeface="Cabin"/>
-                <a:cs typeface="Cabin"/>
+                <a:latin typeface="Arial" charset="0"/>
+                <a:ea typeface="Arial" charset="0"/>
+                <a:cs typeface="Arial" charset="0"/>
                 <a:sym typeface="Cabin"/>
               </a:rPr>
               <a:t> to access the </a:t>
@@ -25047,9 +25052,9 @@
                 <a:solidFill>
                   <a:srgbClr val="FF7F00"/>
                 </a:solidFill>
-                <a:latin typeface="Cabin"/>
-                <a:ea typeface="Cabin"/>
-                <a:cs typeface="Cabin"/>
+                <a:latin typeface="Arial" charset="0"/>
+                <a:ea typeface="Arial" charset="0"/>
+                <a:cs typeface="Arial" charset="0"/>
                 <a:sym typeface="Cabin"/>
               </a:rPr>
               <a:t>arguments</a:t>
@@ -25059,9 +25064,9 @@
                 <a:solidFill>
                   <a:schemeClr val="lt1"/>
                 </a:solidFill>
-                <a:latin typeface="Cabin"/>
-                <a:ea typeface="Cabin"/>
-                <a:cs typeface="Cabin"/>
+                <a:latin typeface="Arial" charset="0"/>
+                <a:ea typeface="Arial" charset="0"/>
+                <a:cs typeface="Arial" charset="0"/>
                 <a:sym typeface="Cabin"/>
               </a:rPr>
               <a:t> for a particular </a:t>
@@ -25071,9 +25076,9 @@
                 <a:solidFill>
                   <a:schemeClr val="accent1"/>
                 </a:solidFill>
-                <a:latin typeface="Cabin"/>
-                <a:ea typeface="Cabin"/>
-                <a:cs typeface="Cabin"/>
+                <a:latin typeface="Arial" charset="0"/>
+                <a:ea typeface="Arial" charset="0"/>
+                <a:cs typeface="Arial" charset="0"/>
                 <a:sym typeface="Cabin"/>
               </a:rPr>
               <a:t>function</a:t>
@@ -25083,9 +25088,9 @@
                 <a:solidFill>
                   <a:schemeClr val="lt1"/>
                 </a:solidFill>
-                <a:latin typeface="Cabin"/>
-                <a:ea typeface="Cabin"/>
-                <a:cs typeface="Cabin"/>
+                <a:latin typeface="Arial" charset="0"/>
+                <a:ea typeface="Arial" charset="0"/>
+                <a:cs typeface="Arial" charset="0"/>
                 <a:sym typeface="Cabin"/>
               </a:rPr>
               <a:t> invocation.</a:t>
@@ -25108,9 +25113,9 @@
               <a:solidFill>
                 <a:schemeClr val="lt1"/>
               </a:solidFill>
-              <a:latin typeface="Cabin"/>
-              <a:ea typeface="Cabin"/>
-              <a:cs typeface="Cabin"/>
+              <a:latin typeface="Arial" charset="0"/>
+              <a:ea typeface="Arial" charset="0"/>
+              <a:cs typeface="Arial" charset="0"/>
               <a:sym typeface="Cabin"/>
             </a:endParaRPr>
           </a:p>
@@ -26123,13 +26128,13 @@
               <a:buNone/>
             </a:pPr>
             <a:r>
-              <a:rPr lang="en-US" sz="7600" b="0" i="0" u="none" strike="noStrike" cap="none">
+              <a:rPr lang="en-US" sz="7600" u="none" strike="noStrike" cap="none">
                 <a:solidFill>
                   <a:srgbClr val="FFFF00"/>
                 </a:solidFill>
-                <a:latin typeface="Cabin"/>
-                <a:ea typeface="Cabin"/>
-                <a:cs typeface="Cabin"/>
+                <a:latin typeface="Arial" charset="0"/>
+                <a:ea typeface="Arial" charset="0"/>
+                <a:cs typeface="Arial" charset="0"/>
                 <a:sym typeface="Cabin"/>
               </a:rPr>
               <a:t>Return Values</a:t>
@@ -26179,85 +26184,85 @@
               <a:buNone/>
             </a:pPr>
             <a:r>
-              <a:rPr lang="en-US" sz="3600" b="0" i="0" u="none" strike="noStrike" cap="none">
-                <a:solidFill>
-                  <a:schemeClr val="lt1"/>
-                </a:solidFill>
-                <a:latin typeface="Cabin"/>
-                <a:ea typeface="Cabin"/>
-                <a:cs typeface="Cabin"/>
+              <a:rPr lang="en-US" sz="3600" u="none" strike="noStrike" cap="none">
+                <a:solidFill>
+                  <a:schemeClr val="lt1"/>
+                </a:solidFill>
+                <a:latin typeface="Arial" charset="0"/>
+                <a:ea typeface="Arial" charset="0"/>
+                <a:cs typeface="Arial" charset="0"/>
                 <a:sym typeface="Cabin"/>
               </a:rPr>
               <a:t>Often a function will take its arguments, do some computation, and </a:t>
             </a:r>
             <a:r>
-              <a:rPr lang="en-US" sz="3600" b="0" i="0" u="none" strike="noStrike" cap="none">
+              <a:rPr lang="en-US" sz="3600" u="none" strike="noStrike" cap="none">
                 <a:solidFill>
                   <a:srgbClr val="FF7F00"/>
                 </a:solidFill>
-                <a:latin typeface="Cabin"/>
-                <a:ea typeface="Cabin"/>
-                <a:cs typeface="Cabin"/>
+                <a:latin typeface="Arial" charset="0"/>
+                <a:ea typeface="Arial" charset="0"/>
+                <a:cs typeface="Arial" charset="0"/>
                 <a:sym typeface="Cabin"/>
               </a:rPr>
               <a:t>return</a:t>
             </a:r>
             <a:r>
-              <a:rPr lang="en-US" sz="3600" b="0" i="0" u="none" strike="noStrike" cap="none">
-                <a:solidFill>
-                  <a:schemeClr val="lt1"/>
-                </a:solidFill>
-                <a:latin typeface="Cabin"/>
-                <a:ea typeface="Cabin"/>
-                <a:cs typeface="Cabin"/>
+              <a:rPr lang="en-US" sz="3600" u="none" strike="noStrike" cap="none">
+                <a:solidFill>
+                  <a:schemeClr val="lt1"/>
+                </a:solidFill>
+                <a:latin typeface="Arial" charset="0"/>
+                <a:ea typeface="Arial" charset="0"/>
+                <a:cs typeface="Arial" charset="0"/>
                 <a:sym typeface="Cabin"/>
               </a:rPr>
               <a:t> a value to be used as the value of the function call in the </a:t>
             </a:r>
             <a:r>
-              <a:rPr lang="en-US" sz="3600" b="0" i="0" u="none" strike="noStrike" cap="none">
+              <a:rPr lang="en-US" sz="3600" u="none" strike="noStrike" cap="none">
                 <a:solidFill>
                   <a:srgbClr val="FF00FF"/>
                 </a:solidFill>
-                <a:latin typeface="Cabin"/>
-                <a:ea typeface="Cabin"/>
-                <a:cs typeface="Cabin"/>
+                <a:latin typeface="Arial" charset="0"/>
+                <a:ea typeface="Arial" charset="0"/>
+                <a:cs typeface="Arial" charset="0"/>
                 <a:sym typeface="Cabin"/>
               </a:rPr>
               <a:t>calling expression</a:t>
             </a:r>
             <a:r>
-              <a:rPr lang="en-US" sz="3600" b="0" i="0" u="none" strike="noStrike" cap="none">
-                <a:solidFill>
-                  <a:schemeClr val="lt1"/>
-                </a:solidFill>
-                <a:latin typeface="Cabin"/>
-                <a:ea typeface="Cabin"/>
-                <a:cs typeface="Cabin"/>
+              <a:rPr lang="en-US" sz="3600" u="none" strike="noStrike" cap="none">
+                <a:solidFill>
+                  <a:schemeClr val="lt1"/>
+                </a:solidFill>
+                <a:latin typeface="Arial" charset="0"/>
+                <a:ea typeface="Arial" charset="0"/>
+                <a:cs typeface="Arial" charset="0"/>
                 <a:sym typeface="Cabin"/>
               </a:rPr>
               <a:t>.  The </a:t>
             </a:r>
             <a:r>
-              <a:rPr lang="en-US" sz="3600" b="0" i="0" u="none" strike="noStrike" cap="none">
+              <a:rPr lang="en-US" sz="3600" u="none" strike="noStrike" cap="none">
                 <a:solidFill>
                   <a:srgbClr val="FF7F00"/>
                 </a:solidFill>
-                <a:latin typeface="Cabin"/>
-                <a:ea typeface="Cabin"/>
-                <a:cs typeface="Cabin"/>
+                <a:latin typeface="Arial" charset="0"/>
+                <a:ea typeface="Arial" charset="0"/>
+                <a:cs typeface="Arial" charset="0"/>
                 <a:sym typeface="Cabin"/>
               </a:rPr>
               <a:t>return</a:t>
             </a:r>
             <a:r>
-              <a:rPr lang="en-US" sz="3600" b="0" i="0" u="none" strike="noStrike" cap="none">
-                <a:solidFill>
-                  <a:schemeClr val="lt1"/>
-                </a:solidFill>
-                <a:latin typeface="Cabin"/>
-                <a:ea typeface="Cabin"/>
-                <a:cs typeface="Cabin"/>
+              <a:rPr lang="en-US" sz="3600" u="none" strike="noStrike" cap="none">
+                <a:solidFill>
+                  <a:schemeClr val="lt1"/>
+                </a:solidFill>
+                <a:latin typeface="Arial" charset="0"/>
+                <a:ea typeface="Arial" charset="0"/>
+                <a:cs typeface="Arial" charset="0"/>
                 <a:sym typeface="Cabin"/>
               </a:rPr>
               <a:t> keyword is used for this.</a:t>
@@ -26718,13 +26723,13 @@
               <a:buNone/>
             </a:pPr>
             <a:r>
-              <a:rPr lang="en-US" sz="7600" b="0" i="0" u="none" strike="noStrike" cap="none">
+              <a:rPr lang="en-US" sz="7600" u="none" strike="noStrike" cap="none">
                 <a:solidFill>
                   <a:srgbClr val="FFFF00"/>
                 </a:solidFill>
-                <a:latin typeface="Cabin"/>
-                <a:ea typeface="Cabin"/>
-                <a:cs typeface="Cabin"/>
+                <a:latin typeface="Arial" charset="0"/>
+                <a:ea typeface="Arial" charset="0"/>
+                <a:cs typeface="Arial" charset="0"/>
                 <a:sym typeface="Cabin"/>
               </a:rPr>
               <a:t>Return Value</a:t>
@@ -26779,13 +26784,13 @@
               <a:buChar char="•"/>
             </a:pPr>
             <a:r>
-              <a:rPr lang="en-US" sz="3600" b="0" i="0" u="none" strike="noStrike" cap="none">
-                <a:solidFill>
-                  <a:schemeClr val="lt1"/>
-                </a:solidFill>
-                <a:latin typeface="Cabin"/>
-                <a:ea typeface="Cabin"/>
-                <a:cs typeface="Cabin"/>
+              <a:rPr lang="en-US" sz="3600" u="none" strike="noStrike" cap="none">
+                <a:solidFill>
+                  <a:schemeClr val="lt1"/>
+                </a:solidFill>
+                <a:latin typeface="Arial" charset="0"/>
+                <a:ea typeface="Arial" charset="0"/>
+                <a:cs typeface="Arial" charset="0"/>
                 <a:sym typeface="Cabin"/>
               </a:rPr>
               <a:t>A </a:t>
@@ -26803,13 +26808,13 @@
               <a:t>“</a:t>
             </a:r>
             <a:r>
-              <a:rPr lang="en-US" sz="3600" b="0" i="0" u="none" strike="noStrike" cap="none">
-                <a:solidFill>
-                  <a:schemeClr val="lt1"/>
-                </a:solidFill>
-                <a:latin typeface="Cabin"/>
-                <a:ea typeface="Cabin"/>
-                <a:cs typeface="Cabin"/>
+              <a:rPr lang="en-US" sz="3600" u="none" strike="noStrike" cap="none">
+                <a:solidFill>
+                  <a:schemeClr val="lt1"/>
+                </a:solidFill>
+                <a:latin typeface="Arial" charset="0"/>
+                <a:ea typeface="Arial" charset="0"/>
+                <a:cs typeface="Arial" charset="0"/>
                 <a:sym typeface="Cabin"/>
               </a:rPr>
               <a:t>fruitful</a:t>
@@ -26827,109 +26832,109 @@
               <a:t>”</a:t>
             </a:r>
             <a:r>
-              <a:rPr lang="en-US" sz="3600" b="0" i="0" u="none" strike="noStrike" cap="none">
-                <a:solidFill>
-                  <a:schemeClr val="lt1"/>
-                </a:solidFill>
-                <a:latin typeface="Cabin"/>
-                <a:ea typeface="Cabin"/>
-                <a:cs typeface="Cabin"/>
+              <a:rPr lang="en-US" sz="3600" u="none" strike="noStrike" cap="none">
+                <a:solidFill>
+                  <a:schemeClr val="lt1"/>
+                </a:solidFill>
+                <a:latin typeface="Arial" charset="0"/>
+                <a:ea typeface="Arial" charset="0"/>
+                <a:cs typeface="Arial" charset="0"/>
                 <a:sym typeface="Cabin"/>
               </a:rPr>
               <a:t> </a:t>
             </a:r>
             <a:r>
-              <a:rPr lang="en-US" sz="3600" b="0" i="0" u="none" strike="noStrike" cap="none">
+              <a:rPr lang="en-US" sz="3600" u="none" strike="noStrike" cap="none">
                 <a:solidFill>
                   <a:srgbClr val="00FF00"/>
                 </a:solidFill>
-                <a:latin typeface="Cabin"/>
-                <a:ea typeface="Cabin"/>
-                <a:cs typeface="Cabin"/>
+                <a:latin typeface="Arial" charset="0"/>
+                <a:ea typeface="Arial" charset="0"/>
+                <a:cs typeface="Arial" charset="0"/>
                 <a:sym typeface="Cabin"/>
               </a:rPr>
               <a:t>function</a:t>
             </a:r>
             <a:r>
-              <a:rPr lang="en-US" sz="3600" b="0" i="0" u="none" strike="noStrike" cap="none">
-                <a:solidFill>
-                  <a:schemeClr val="lt1"/>
-                </a:solidFill>
-                <a:latin typeface="Cabin"/>
-                <a:ea typeface="Cabin"/>
-                <a:cs typeface="Cabin"/>
+              <a:rPr lang="en-US" sz="3600" u="none" strike="noStrike" cap="none">
+                <a:solidFill>
+                  <a:schemeClr val="lt1"/>
+                </a:solidFill>
+                <a:latin typeface="Arial" charset="0"/>
+                <a:ea typeface="Arial" charset="0"/>
+                <a:cs typeface="Arial" charset="0"/>
                 <a:sym typeface="Cabin"/>
               </a:rPr>
               <a:t> is one that produces a </a:t>
             </a:r>
             <a:r>
-              <a:rPr lang="en-US" sz="3600" b="0" i="0" u="none" strike="noStrike" cap="none">
+              <a:rPr lang="en-US" sz="3600" u="none" strike="noStrike" cap="none">
                 <a:solidFill>
                   <a:srgbClr val="FF00FF"/>
                 </a:solidFill>
-                <a:latin typeface="Cabin"/>
-                <a:ea typeface="Cabin"/>
-                <a:cs typeface="Cabin"/>
+                <a:latin typeface="Arial" charset="0"/>
+                <a:ea typeface="Arial" charset="0"/>
+                <a:cs typeface="Arial" charset="0"/>
                 <a:sym typeface="Cabin"/>
               </a:rPr>
               <a:t>result</a:t>
             </a:r>
             <a:r>
-              <a:rPr lang="en-US" sz="3600" b="0" i="0" u="none" strike="noStrike" cap="none">
-                <a:solidFill>
-                  <a:schemeClr val="lt1"/>
-                </a:solidFill>
-                <a:latin typeface="Cabin"/>
-                <a:ea typeface="Cabin"/>
-                <a:cs typeface="Cabin"/>
+              <a:rPr lang="en-US" sz="3600" u="none" strike="noStrike" cap="none">
+                <a:solidFill>
+                  <a:schemeClr val="lt1"/>
+                </a:solidFill>
+                <a:latin typeface="Arial" charset="0"/>
+                <a:ea typeface="Arial" charset="0"/>
+                <a:cs typeface="Arial" charset="0"/>
                 <a:sym typeface="Cabin"/>
               </a:rPr>
               <a:t> (or </a:t>
             </a:r>
             <a:r>
-              <a:rPr lang="en-US" sz="3600" b="0" i="0" u="none" strike="noStrike" cap="none">
+              <a:rPr lang="en-US" sz="3600" u="none" strike="noStrike" cap="none">
                 <a:solidFill>
                   <a:srgbClr val="FFFF00"/>
                 </a:solidFill>
-                <a:latin typeface="Cabin"/>
-                <a:ea typeface="Cabin"/>
-                <a:cs typeface="Cabin"/>
+                <a:latin typeface="Arial" charset="0"/>
+                <a:ea typeface="Arial" charset="0"/>
+                <a:cs typeface="Arial" charset="0"/>
                 <a:sym typeface="Cabin"/>
               </a:rPr>
               <a:t>return</a:t>
             </a:r>
             <a:r>
-              <a:rPr lang="en-US" sz="3600" b="0" i="0" u="none" strike="noStrike" cap="none">
+              <a:rPr lang="en-US" sz="3600" u="none" strike="noStrike" cap="none">
                 <a:solidFill>
                   <a:srgbClr val="00FF00"/>
                 </a:solidFill>
-                <a:latin typeface="Cabin"/>
-                <a:ea typeface="Cabin"/>
-                <a:cs typeface="Cabin"/>
+                <a:latin typeface="Arial" charset="0"/>
+                <a:ea typeface="Arial" charset="0"/>
+                <a:cs typeface="Arial" charset="0"/>
                 <a:sym typeface="Cabin"/>
               </a:rPr>
               <a:t> </a:t>
             </a:r>
             <a:r>
-              <a:rPr lang="en-US" sz="3600" b="0" i="0" u="none" strike="noStrike" cap="none">
+              <a:rPr lang="en-US" sz="3600" u="none" strike="noStrike" cap="none">
                 <a:solidFill>
                   <a:srgbClr val="FF00FF"/>
                 </a:solidFill>
-                <a:latin typeface="Cabin"/>
-                <a:ea typeface="Cabin"/>
-                <a:cs typeface="Cabin"/>
+                <a:latin typeface="Arial" charset="0"/>
+                <a:ea typeface="Arial" charset="0"/>
+                <a:cs typeface="Arial" charset="0"/>
                 <a:sym typeface="Cabin"/>
               </a:rPr>
               <a:t>value</a:t>
             </a:r>
             <a:r>
-              <a:rPr lang="en-US" sz="3600" b="0" i="0" u="none" strike="noStrike" cap="none">
-                <a:solidFill>
-                  <a:schemeClr val="lt1"/>
-                </a:solidFill>
-                <a:latin typeface="Cabin"/>
-                <a:ea typeface="Cabin"/>
-                <a:cs typeface="Cabin"/>
+              <a:rPr lang="en-US" sz="3600" u="none" strike="noStrike" cap="none">
+                <a:solidFill>
+                  <a:schemeClr val="lt1"/>
+                </a:solidFill>
+                <a:latin typeface="Arial" charset="0"/>
+                <a:ea typeface="Arial" charset="0"/>
+                <a:cs typeface="Arial" charset="0"/>
                 <a:sym typeface="Cabin"/>
               </a:rPr>
               <a:t>)</a:t>
@@ -26954,61 +26959,61 @@
               <a:buChar char="•"/>
             </a:pPr>
             <a:r>
-              <a:rPr lang="en-US" sz="3600" b="0" i="0" u="none" strike="noStrike" cap="none">
-                <a:solidFill>
-                  <a:schemeClr val="lt1"/>
-                </a:solidFill>
-                <a:latin typeface="Cabin"/>
-                <a:ea typeface="Cabin"/>
-                <a:cs typeface="Cabin"/>
+              <a:rPr lang="en-US" sz="3600" u="none" strike="noStrike" cap="none">
+                <a:solidFill>
+                  <a:schemeClr val="lt1"/>
+                </a:solidFill>
+                <a:latin typeface="Arial" charset="0"/>
+                <a:ea typeface="Arial" charset="0"/>
+                <a:cs typeface="Arial" charset="0"/>
                 <a:sym typeface="Cabin"/>
               </a:rPr>
               <a:t>The </a:t>
             </a:r>
             <a:r>
-              <a:rPr lang="en-US" sz="3600" b="0" i="0" u="none" strike="noStrike" cap="none">
+              <a:rPr lang="en-US" sz="3600" u="none" strike="noStrike" cap="none">
                 <a:solidFill>
                   <a:srgbClr val="FFFF00"/>
                 </a:solidFill>
-                <a:latin typeface="Cabin"/>
-                <a:ea typeface="Cabin"/>
-                <a:cs typeface="Cabin"/>
+                <a:latin typeface="Arial" charset="0"/>
+                <a:ea typeface="Arial" charset="0"/>
+                <a:cs typeface="Arial" charset="0"/>
                 <a:sym typeface="Cabin"/>
               </a:rPr>
               <a:t>return</a:t>
             </a:r>
             <a:r>
-              <a:rPr lang="en-US" sz="3600" b="0" i="0" u="none" strike="noStrike" cap="none">
-                <a:solidFill>
-                  <a:schemeClr val="lt1"/>
-                </a:solidFill>
-                <a:latin typeface="Cabin"/>
-                <a:ea typeface="Cabin"/>
-                <a:cs typeface="Cabin"/>
+              <a:rPr lang="en-US" sz="3600" u="none" strike="noStrike" cap="none">
+                <a:solidFill>
+                  <a:schemeClr val="lt1"/>
+                </a:solidFill>
+                <a:latin typeface="Arial" charset="0"/>
+                <a:ea typeface="Arial" charset="0"/>
+                <a:cs typeface="Arial" charset="0"/>
                 <a:sym typeface="Cabin"/>
               </a:rPr>
               <a:t> statement ends the </a:t>
             </a:r>
             <a:r>
-              <a:rPr lang="en-US" sz="3600" b="0" i="0" u="none" strike="noStrike" cap="none">
+              <a:rPr lang="en-US" sz="3600" u="none" strike="noStrike" cap="none">
                 <a:solidFill>
                   <a:srgbClr val="00FF00"/>
                 </a:solidFill>
-                <a:latin typeface="Cabin"/>
-                <a:ea typeface="Cabin"/>
-                <a:cs typeface="Cabin"/>
+                <a:latin typeface="Arial" charset="0"/>
+                <a:ea typeface="Arial" charset="0"/>
+                <a:cs typeface="Arial" charset="0"/>
                 <a:sym typeface="Cabin"/>
               </a:rPr>
               <a:t>function</a:t>
             </a:r>
             <a:r>
-              <a:rPr lang="en-US" sz="3600" b="0" i="0" u="none" strike="noStrike" cap="none">
-                <a:solidFill>
-                  <a:schemeClr val="lt1"/>
-                </a:solidFill>
-                <a:latin typeface="Cabin"/>
-                <a:ea typeface="Cabin"/>
-                <a:cs typeface="Cabin"/>
+              <a:rPr lang="en-US" sz="3600" u="none" strike="noStrike" cap="none">
+                <a:solidFill>
+                  <a:schemeClr val="lt1"/>
+                </a:solidFill>
+                <a:latin typeface="Arial" charset="0"/>
+                <a:ea typeface="Arial" charset="0"/>
+                <a:cs typeface="Arial" charset="0"/>
                 <a:sym typeface="Cabin"/>
               </a:rPr>
               <a:t> execution and </a:t>
@@ -27026,13 +27031,13 @@
               <a:t>“</a:t>
             </a:r>
             <a:r>
-              <a:rPr lang="en-US" sz="3600" b="0" i="0" u="none" strike="noStrike" cap="none">
-                <a:solidFill>
-                  <a:schemeClr val="lt1"/>
-                </a:solidFill>
-                <a:latin typeface="Cabin"/>
-                <a:ea typeface="Cabin"/>
-                <a:cs typeface="Cabin"/>
+              <a:rPr lang="en-US" sz="3600" u="none" strike="noStrike" cap="none">
+                <a:solidFill>
+                  <a:schemeClr val="lt1"/>
+                </a:solidFill>
+                <a:latin typeface="Arial" charset="0"/>
+                <a:ea typeface="Arial" charset="0"/>
+                <a:cs typeface="Arial" charset="0"/>
                 <a:sym typeface="Cabin"/>
               </a:rPr>
               <a:t>sends back</a:t>
@@ -27050,49 +27055,49 @@
               <a:t>”</a:t>
             </a:r>
             <a:r>
-              <a:rPr lang="en-US" sz="3600" b="0" i="0" u="none" strike="noStrike" cap="none">
-                <a:solidFill>
-                  <a:schemeClr val="lt1"/>
-                </a:solidFill>
-                <a:latin typeface="Cabin"/>
-                <a:ea typeface="Cabin"/>
-                <a:cs typeface="Cabin"/>
+              <a:rPr lang="en-US" sz="3600" u="none" strike="noStrike" cap="none">
+                <a:solidFill>
+                  <a:schemeClr val="lt1"/>
+                </a:solidFill>
+                <a:latin typeface="Arial" charset="0"/>
+                <a:ea typeface="Arial" charset="0"/>
+                <a:cs typeface="Arial" charset="0"/>
                 <a:sym typeface="Cabin"/>
               </a:rPr>
               <a:t> the </a:t>
             </a:r>
             <a:r>
-              <a:rPr lang="en-US" sz="3600" b="0" i="0" u="none" strike="noStrike" cap="none">
+              <a:rPr lang="en-US" sz="3600" u="none" strike="noStrike" cap="none">
                 <a:solidFill>
                   <a:srgbClr val="FF00FF"/>
                 </a:solidFill>
-                <a:latin typeface="Cabin"/>
-                <a:ea typeface="Cabin"/>
-                <a:cs typeface="Cabin"/>
+                <a:latin typeface="Arial" charset="0"/>
+                <a:ea typeface="Arial" charset="0"/>
+                <a:cs typeface="Arial" charset="0"/>
                 <a:sym typeface="Cabin"/>
               </a:rPr>
               <a:t>result</a:t>
             </a:r>
             <a:r>
-              <a:rPr lang="en-US" sz="3600" b="0" i="0" u="none" strike="noStrike" cap="none">
-                <a:solidFill>
-                  <a:schemeClr val="lt1"/>
-                </a:solidFill>
-                <a:latin typeface="Cabin"/>
-                <a:ea typeface="Cabin"/>
-                <a:cs typeface="Cabin"/>
+              <a:rPr lang="en-US" sz="3600" u="none" strike="noStrike" cap="none">
+                <a:solidFill>
+                  <a:schemeClr val="lt1"/>
+                </a:solidFill>
+                <a:latin typeface="Arial" charset="0"/>
+                <a:ea typeface="Arial" charset="0"/>
+                <a:cs typeface="Arial" charset="0"/>
                 <a:sym typeface="Cabin"/>
               </a:rPr>
               <a:t> of the </a:t>
             </a:r>
             <a:r>
-              <a:rPr lang="en-US" sz="3600" b="0" i="0" u="none" strike="noStrike" cap="none">
+              <a:rPr lang="en-US" sz="3600" u="none" strike="noStrike" cap="none">
                 <a:solidFill>
                   <a:srgbClr val="00FF00"/>
                 </a:solidFill>
-                <a:latin typeface="Cabin"/>
-                <a:ea typeface="Cabin"/>
-                <a:cs typeface="Cabin"/>
+                <a:latin typeface="Arial" charset="0"/>
+                <a:ea typeface="Arial" charset="0"/>
+                <a:cs typeface="Arial" charset="0"/>
                 <a:sym typeface="Cabin"/>
               </a:rPr>
               <a:t>function</a:t>
@@ -28275,85 +28280,85 @@
               <a:buNone/>
             </a:pPr>
             <a:r>
-              <a:rPr lang="en-US" sz="7100" b="0" i="0" u="none" strike="noStrike" cap="none">
+              <a:rPr lang="en-US" sz="7100" u="none" strike="noStrike" cap="none">
                 <a:solidFill>
                   <a:srgbClr val="FF7F00"/>
                 </a:solidFill>
-                <a:latin typeface="Cabin"/>
-                <a:ea typeface="Cabin"/>
-                <a:cs typeface="Cabin"/>
+                <a:latin typeface="Arial" charset="0"/>
+                <a:ea typeface="Arial" charset="0"/>
+                <a:cs typeface="Arial" charset="0"/>
                 <a:sym typeface="Cabin"/>
               </a:rPr>
               <a:t>Arguments</a:t>
             </a:r>
             <a:r>
-              <a:rPr lang="en-US" sz="7100" b="0" i="0" u="none" strike="noStrike" cap="none">
-                <a:solidFill>
-                  <a:schemeClr val="lt1"/>
-                </a:solidFill>
-                <a:latin typeface="Cabin"/>
-                <a:ea typeface="Cabin"/>
-                <a:cs typeface="Cabin"/>
+              <a:rPr lang="en-US" sz="7100" u="none" strike="noStrike" cap="none">
+                <a:solidFill>
+                  <a:schemeClr val="lt1"/>
+                </a:solidFill>
+                <a:latin typeface="Arial" charset="0"/>
+                <a:ea typeface="Arial" charset="0"/>
+                <a:cs typeface="Arial" charset="0"/>
                 <a:sym typeface="Cabin"/>
               </a:rPr>
               <a:t>,</a:t>
             </a:r>
             <a:r>
-              <a:rPr lang="en-US" sz="7100" b="0" i="0" u="none" strike="noStrike" cap="none">
+              <a:rPr lang="en-US" sz="7100" u="none" strike="noStrike" cap="none">
                 <a:solidFill>
                   <a:srgbClr val="FFFF00"/>
                 </a:solidFill>
-                <a:latin typeface="Cabin"/>
-                <a:ea typeface="Cabin"/>
-                <a:cs typeface="Cabin"/>
+                <a:latin typeface="Arial" charset="0"/>
+                <a:ea typeface="Arial" charset="0"/>
+                <a:cs typeface="Arial" charset="0"/>
                 <a:sym typeface="Cabin"/>
               </a:rPr>
               <a:t> </a:t>
             </a:r>
             <a:r>
-              <a:rPr lang="en-US" sz="7100" b="0" i="0" u="none" strike="noStrike" cap="none">
+              <a:rPr lang="en-US" sz="7100" u="none" strike="noStrike" cap="none">
                 <a:solidFill>
                   <a:srgbClr val="00FFFF"/>
                 </a:solidFill>
-                <a:latin typeface="Cabin"/>
-                <a:ea typeface="Cabin"/>
-                <a:cs typeface="Cabin"/>
+                <a:latin typeface="Arial" charset="0"/>
+                <a:ea typeface="Arial" charset="0"/>
+                <a:cs typeface="Arial" charset="0"/>
                 <a:sym typeface="Cabin"/>
               </a:rPr>
               <a:t>Parameters</a:t>
             </a:r>
             <a:r>
-              <a:rPr lang="en-US" sz="7100" b="0" i="0" u="none" strike="noStrike" cap="none">
-                <a:solidFill>
-                  <a:schemeClr val="lt1"/>
-                </a:solidFill>
-                <a:latin typeface="Cabin"/>
-                <a:ea typeface="Cabin"/>
-                <a:cs typeface="Cabin"/>
+              <a:rPr lang="en-US" sz="7100" u="none" strike="noStrike" cap="none">
+                <a:solidFill>
+                  <a:schemeClr val="lt1"/>
+                </a:solidFill>
+                <a:latin typeface="Arial" charset="0"/>
+                <a:ea typeface="Arial" charset="0"/>
+                <a:cs typeface="Arial" charset="0"/>
                 <a:sym typeface="Cabin"/>
               </a:rPr>
               <a:t>, and</a:t>
             </a:r>
             <a:r>
-              <a:rPr lang="en-US" sz="7100" b="0" i="0" u="none" strike="noStrike" cap="none">
+              <a:rPr lang="en-US" sz="7100" u="none" strike="noStrike" cap="none">
                 <a:solidFill>
                   <a:srgbClr val="FF00FF"/>
                 </a:solidFill>
-                <a:latin typeface="Cabin"/>
-                <a:ea typeface="Cabin"/>
-                <a:cs typeface="Cabin"/>
+                <a:latin typeface="Arial" charset="0"/>
+                <a:ea typeface="Arial" charset="0"/>
+                <a:cs typeface="Arial" charset="0"/>
                 <a:sym typeface="Cabin"/>
               </a:rPr>
               <a:t> </a:t>
             </a:r>
             <a:r>
-              <a:rPr lang="en-US" sz="7100" b="0" i="0" u="none" strike="noStrike" cap="none">
+              <a:rPr lang="en-US" sz="7100" u="none" strike="noStrike" cap="none">
                 <a:solidFill>
                   <a:srgbClr val="00FF00"/>
                 </a:solidFill>
-                <a:latin typeface="Cabin"/>
-                <a:ea typeface="Cabin"/>
-                <a:cs typeface="Cabin"/>
+                <a:latin typeface="Arial" charset="0"/>
+                <a:ea typeface="Arial" charset="0"/>
+                <a:cs typeface="Arial" charset="0"/>
                 <a:sym typeface="Cabin"/>
               </a:rPr>
               <a:t>Results</a:t>
@@ -29058,13 +29063,13 @@
               <a:t>'</a:t>
             </a:r>
             <a:r>
-              <a:rPr lang="en-US" sz="3600" b="0" i="0" u="none" strike="noStrike" cap="none">
+              <a:rPr lang="en-US" sz="3600" u="none" strike="noStrike" cap="none">
                 <a:solidFill>
                   <a:srgbClr val="FF7F00"/>
                 </a:solidFill>
-                <a:latin typeface="Cabin"/>
-                <a:ea typeface="Cabin"/>
-                <a:cs typeface="Cabin"/>
+                <a:latin typeface="Arial" charset="0"/>
+                <a:ea typeface="Arial" charset="0"/>
+                <a:cs typeface="Arial" charset="0"/>
                 <a:sym typeface="Cabin"/>
               </a:rPr>
               <a:t>Hello world</a:t>
@@ -29078,13 +29083,13 @@
               <a:t>'</a:t>
             </a:r>
             <a:r>
-              <a:rPr lang="en-US" sz="3600" b="0" i="0" u="none" strike="noStrike" cap="none">
+              <a:rPr lang="en-US" sz="3600" u="none" strike="noStrike" cap="none">
                 <a:solidFill>
                   <a:srgbClr val="FF7F00"/>
                 </a:solidFill>
-                <a:latin typeface="Cabin"/>
-                <a:ea typeface="Cabin"/>
-                <a:cs typeface="Cabin"/>
+                <a:latin typeface="Arial" charset="0"/>
+                <a:ea typeface="Arial" charset="0"/>
+                <a:cs typeface="Arial" charset="0"/>
                 <a:sym typeface="Cabin"/>
               </a:rPr>
               <a:t> </a:t>
@@ -29143,13 +29148,13 @@
               <a:t>'</a:t>
             </a:r>
             <a:r>
-              <a:rPr lang="en-US" sz="3600" b="0" i="0" u="none" strike="noStrike" cap="none">
+              <a:rPr lang="en-US" sz="3600" u="none" strike="noStrike" cap="none">
                 <a:solidFill>
                   <a:srgbClr val="00FF00"/>
                 </a:solidFill>
-                <a:latin typeface="Cabin"/>
-                <a:ea typeface="Cabin"/>
-                <a:cs typeface="Cabin"/>
+                <a:latin typeface="Arial" charset="0"/>
+                <a:ea typeface="Arial" charset="0"/>
+                <a:cs typeface="Arial" charset="0"/>
                 <a:sym typeface="Cabin"/>
               </a:rPr>
               <a:t>w</a:t>
@@ -29234,13 +29239,13 @@
               <a:buNone/>
             </a:pPr>
             <a:r>
-              <a:rPr lang="en-US" sz="3600" b="0" i="0" u="none" strike="noStrike" cap="none">
+              <a:rPr lang="en-US" sz="3600" u="none" strike="noStrike" cap="none">
                 <a:solidFill>
                   <a:srgbClr val="FF7F00"/>
                 </a:solidFill>
-                <a:latin typeface="Cabin"/>
-                <a:ea typeface="Cabin"/>
-                <a:cs typeface="Cabin"/>
+                <a:latin typeface="Arial" charset="0"/>
+                <a:ea typeface="Arial" charset="0"/>
+                <a:cs typeface="Arial" charset="0"/>
                 <a:sym typeface="Cabin"/>
               </a:rPr>
               <a:t>Argument</a:t>
@@ -29317,13 +29322,13 @@
               <a:buNone/>
             </a:pPr>
             <a:r>
-              <a:rPr lang="en-US" sz="3600" b="0" i="0" u="none" strike="noStrike" cap="none">
+              <a:rPr lang="en-US" sz="3600" u="none" strike="noStrike" cap="none">
                 <a:solidFill>
                   <a:srgbClr val="00FFFF"/>
                 </a:solidFill>
-                <a:latin typeface="Cabin"/>
-                <a:ea typeface="Cabin"/>
-                <a:cs typeface="Cabin"/>
+                <a:latin typeface="Arial" charset="0"/>
+                <a:ea typeface="Arial" charset="0"/>
+                <a:cs typeface="Arial" charset="0"/>
                 <a:sym typeface="Cabin"/>
               </a:rPr>
               <a:t>Parameter</a:t>
@@ -29400,13 +29405,13 @@
               <a:buNone/>
             </a:pPr>
             <a:r>
-              <a:rPr lang="en-US" sz="3600" b="0" i="0" u="none" strike="noStrike" cap="none">
+              <a:rPr lang="en-US" sz="3600" u="none" strike="noStrike" cap="none">
                 <a:solidFill>
                   <a:srgbClr val="00FF00"/>
                 </a:solidFill>
-                <a:latin typeface="Cabin"/>
-                <a:ea typeface="Cabin"/>
-                <a:cs typeface="Cabin"/>
+                <a:latin typeface="Arial" charset="0"/>
+                <a:ea typeface="Arial" charset="0"/>
+                <a:cs typeface="Arial" charset="0"/>
                 <a:sym typeface="Cabin"/>
               </a:rPr>
               <a:t>Result</a:t>
@@ -29512,49 +29517,49 @@
               <a:buNone/>
             </a:pPr>
             <a:r>
-              <a:rPr lang="en-US" sz="7200" b="0" i="0" u="none" strike="noStrike" cap="none">
-                <a:solidFill>
-                  <a:schemeClr val="lt1"/>
-                </a:solidFill>
-                <a:latin typeface="Cabin"/>
-                <a:ea typeface="Cabin"/>
-                <a:cs typeface="Cabin"/>
+              <a:rPr lang="en-US" sz="7200" u="none" strike="noStrike" cap="none">
+                <a:solidFill>
+                  <a:schemeClr val="lt1"/>
+                </a:solidFill>
+                <a:latin typeface="Arial" charset="0"/>
+                <a:ea typeface="Arial" charset="0"/>
+                <a:cs typeface="Arial" charset="0"/>
                 <a:sym typeface="Cabin"/>
               </a:rPr>
               <a:t>Multiple </a:t>
             </a:r>
             <a:r>
-              <a:rPr lang="en-US" sz="7200" b="0" i="0" u="none" strike="noStrike" cap="none">
+              <a:rPr lang="en-US" sz="7200" u="none" strike="noStrike" cap="none">
                 <a:solidFill>
                   <a:srgbClr val="00FFFF"/>
                 </a:solidFill>
-                <a:latin typeface="Cabin"/>
-                <a:ea typeface="Cabin"/>
-                <a:cs typeface="Cabin"/>
+                <a:latin typeface="Arial" charset="0"/>
+                <a:ea typeface="Arial" charset="0"/>
+                <a:cs typeface="Arial" charset="0"/>
                 <a:sym typeface="Cabin"/>
               </a:rPr>
               <a:t>Parameters</a:t>
             </a:r>
             <a:r>
-              <a:rPr lang="en-US" sz="7200" b="0" i="0" u="none" strike="noStrike" cap="none">
-                <a:solidFill>
-                  <a:schemeClr val="lt1"/>
-                </a:solidFill>
-                <a:latin typeface="Cabin"/>
-                <a:ea typeface="Cabin"/>
-                <a:cs typeface="Cabin"/>
+              <a:rPr lang="en-US" sz="7200" u="none" strike="noStrike" cap="none">
+                <a:solidFill>
+                  <a:schemeClr val="lt1"/>
+                </a:solidFill>
+                <a:latin typeface="Arial" charset="0"/>
+                <a:ea typeface="Arial" charset="0"/>
+                <a:cs typeface="Arial" charset="0"/>
                 <a:sym typeface="Cabin"/>
               </a:rPr>
               <a:t> / </a:t>
             </a:r>
             <a:r>
-              <a:rPr lang="en-US" sz="7200" b="0" i="0" u="none" strike="noStrike" cap="none">
+              <a:rPr lang="en-US" sz="7200" u="none" strike="noStrike" cap="none">
                 <a:solidFill>
                   <a:srgbClr val="FF7F00"/>
                 </a:solidFill>
-                <a:latin typeface="Cabin"/>
-                <a:ea typeface="Cabin"/>
-                <a:cs typeface="Cabin"/>
+                <a:latin typeface="Arial" charset="0"/>
+                <a:ea typeface="Arial" charset="0"/>
+                <a:cs typeface="Arial" charset="0"/>
                 <a:sym typeface="Cabin"/>
               </a:rPr>
               <a:t>Arguments</a:t>
@@ -29609,61 +29614,61 @@
               <a:buChar char="•"/>
             </a:pPr>
             <a:r>
-              <a:rPr lang="en-US" sz="3600" b="0" i="0" u="none" strike="noStrike" cap="none">
-                <a:solidFill>
-                  <a:schemeClr val="lt1"/>
-                </a:solidFill>
-                <a:latin typeface="Cabin"/>
-                <a:ea typeface="Cabin"/>
-                <a:cs typeface="Cabin"/>
+              <a:rPr lang="en-US" sz="3600" u="none" strike="noStrike" cap="none">
+                <a:solidFill>
+                  <a:schemeClr val="lt1"/>
+                </a:solidFill>
+                <a:latin typeface="Arial" charset="0"/>
+                <a:ea typeface="Arial" charset="0"/>
+                <a:cs typeface="Arial" charset="0"/>
                 <a:sym typeface="Cabin"/>
               </a:rPr>
               <a:t>We can define more than one </a:t>
             </a:r>
             <a:r>
-              <a:rPr lang="en-US" sz="3600" b="0" i="0" u="none" strike="noStrike" cap="none">
+              <a:rPr lang="en-US" sz="3600" u="none" strike="noStrike" cap="none">
                 <a:solidFill>
                   <a:srgbClr val="00FFFF"/>
                 </a:solidFill>
-                <a:latin typeface="Cabin"/>
-                <a:ea typeface="Cabin"/>
-                <a:cs typeface="Cabin"/>
+                <a:latin typeface="Arial" charset="0"/>
+                <a:ea typeface="Arial" charset="0"/>
+                <a:cs typeface="Arial" charset="0"/>
                 <a:sym typeface="Cabin"/>
               </a:rPr>
               <a:t>parameter</a:t>
             </a:r>
             <a:r>
-              <a:rPr lang="en-US" sz="3600" b="0" i="0" u="none" strike="noStrike" cap="none">
-                <a:solidFill>
-                  <a:schemeClr val="lt1"/>
-                </a:solidFill>
-                <a:latin typeface="Cabin"/>
-                <a:ea typeface="Cabin"/>
-                <a:cs typeface="Cabin"/>
+              <a:rPr lang="en-US" sz="3600" u="none" strike="noStrike" cap="none">
+                <a:solidFill>
+                  <a:schemeClr val="lt1"/>
+                </a:solidFill>
+                <a:latin typeface="Arial" charset="0"/>
+                <a:ea typeface="Arial" charset="0"/>
+                <a:cs typeface="Arial" charset="0"/>
                 <a:sym typeface="Cabin"/>
               </a:rPr>
               <a:t> in the </a:t>
             </a:r>
             <a:r>
-              <a:rPr lang="en-US" sz="3600" b="0" i="0" u="none" strike="noStrike" cap="none">
+              <a:rPr lang="en-US" sz="3600" u="none" strike="noStrike" cap="none">
                 <a:solidFill>
                   <a:srgbClr val="00FF00"/>
                 </a:solidFill>
-                <a:latin typeface="Cabin"/>
-                <a:ea typeface="Cabin"/>
-                <a:cs typeface="Cabin"/>
+                <a:latin typeface="Arial" charset="0"/>
+                <a:ea typeface="Arial" charset="0"/>
+                <a:cs typeface="Arial" charset="0"/>
                 <a:sym typeface="Cabin"/>
               </a:rPr>
               <a:t>function</a:t>
             </a:r>
             <a:r>
-              <a:rPr lang="en-US" sz="3600" b="0" i="0" u="none" strike="noStrike" cap="none">
+              <a:rPr lang="en-US" sz="3600" u="none" strike="noStrike" cap="none">
                 <a:solidFill>
                   <a:srgbClr val="FFFF00"/>
                 </a:solidFill>
-                <a:latin typeface="Cabin"/>
-                <a:ea typeface="Cabin"/>
-                <a:cs typeface="Cabin"/>
+                <a:latin typeface="Arial" charset="0"/>
+                <a:ea typeface="Arial" charset="0"/>
+                <a:cs typeface="Arial" charset="0"/>
                 <a:sym typeface="Cabin"/>
               </a:rPr>
               <a:t> definition</a:t>
@@ -29688,49 +29693,49 @@
               <a:buChar char="•"/>
             </a:pPr>
             <a:r>
-              <a:rPr lang="en-US" sz="3600" b="0" i="0" u="none" strike="noStrike" cap="none">
-                <a:solidFill>
-                  <a:schemeClr val="lt1"/>
-                </a:solidFill>
-                <a:latin typeface="Cabin"/>
-                <a:ea typeface="Cabin"/>
-                <a:cs typeface="Cabin"/>
+              <a:rPr lang="en-US" sz="3600" u="none" strike="noStrike" cap="none">
+                <a:solidFill>
+                  <a:schemeClr val="lt1"/>
+                </a:solidFill>
+                <a:latin typeface="Arial" charset="0"/>
+                <a:ea typeface="Arial" charset="0"/>
+                <a:cs typeface="Arial" charset="0"/>
                 <a:sym typeface="Cabin"/>
               </a:rPr>
               <a:t>We simply add more </a:t>
             </a:r>
             <a:r>
-              <a:rPr lang="en-US" sz="3600" b="0" i="0" u="none" strike="noStrike" cap="none">
+              <a:rPr lang="en-US" sz="3600" u="none" strike="noStrike" cap="none">
                 <a:solidFill>
                   <a:srgbClr val="FF7F00"/>
                 </a:solidFill>
-                <a:latin typeface="Cabin"/>
-                <a:ea typeface="Cabin"/>
-                <a:cs typeface="Cabin"/>
+                <a:latin typeface="Arial" charset="0"/>
+                <a:ea typeface="Arial" charset="0"/>
+                <a:cs typeface="Arial" charset="0"/>
                 <a:sym typeface="Cabin"/>
               </a:rPr>
               <a:t>arguments</a:t>
             </a:r>
             <a:r>
-              <a:rPr lang="en-US" sz="3600" b="0" i="0" u="none" strike="noStrike" cap="none">
-                <a:solidFill>
-                  <a:schemeClr val="lt1"/>
-                </a:solidFill>
-                <a:latin typeface="Cabin"/>
-                <a:ea typeface="Cabin"/>
-                <a:cs typeface="Cabin"/>
+              <a:rPr lang="en-US" sz="3600" u="none" strike="noStrike" cap="none">
+                <a:solidFill>
+                  <a:schemeClr val="lt1"/>
+                </a:solidFill>
+                <a:latin typeface="Arial" charset="0"/>
+                <a:ea typeface="Arial" charset="0"/>
+                <a:cs typeface="Arial" charset="0"/>
                 <a:sym typeface="Cabin"/>
               </a:rPr>
               <a:t> when we call the </a:t>
             </a:r>
             <a:r>
-              <a:rPr lang="en-US" sz="3600" b="0" i="0" u="none" strike="noStrike" cap="none">
+              <a:rPr lang="en-US" sz="3600" u="none" strike="noStrike" cap="none">
                 <a:solidFill>
                   <a:srgbClr val="00FF00"/>
                 </a:solidFill>
-                <a:latin typeface="Cabin"/>
-                <a:ea typeface="Cabin"/>
-                <a:cs typeface="Cabin"/>
+                <a:latin typeface="Arial" charset="0"/>
+                <a:ea typeface="Arial" charset="0"/>
+                <a:cs typeface="Arial" charset="0"/>
                 <a:sym typeface="Cabin"/>
               </a:rPr>
               <a:t>function</a:t>
@@ -29755,13 +29760,13 @@
               <a:buChar char="•"/>
             </a:pPr>
             <a:r>
-              <a:rPr lang="en-US" sz="3600" b="0" i="0" u="none" strike="noStrike" cap="none">
-                <a:solidFill>
-                  <a:schemeClr val="lt1"/>
-                </a:solidFill>
-                <a:latin typeface="Cabin"/>
-                <a:ea typeface="Cabin"/>
-                <a:cs typeface="Cabin"/>
+              <a:rPr lang="en-US" sz="3600" u="none" strike="noStrike" cap="none">
+                <a:solidFill>
+                  <a:schemeClr val="lt1"/>
+                </a:solidFill>
+                <a:latin typeface="Arial" charset="0"/>
+                <a:ea typeface="Arial" charset="0"/>
+                <a:cs typeface="Arial" charset="0"/>
                 <a:sym typeface="Cabin"/>
               </a:rPr>
               <a:t>We match the number and order of arguments and parameters</a:t>
@@ -30260,13 +30265,13 @@
               <a:buNone/>
             </a:pPr>
             <a:r>
-              <a:rPr lang="en-US" sz="7600" b="0" i="0" u="none" strike="noStrike" cap="none">
+              <a:rPr lang="en-US" sz="7600" u="none" strike="noStrike" cap="none">
                 <a:solidFill>
                   <a:srgbClr val="FFFF00"/>
                 </a:solidFill>
-                <a:latin typeface="Cabin"/>
-                <a:ea typeface="Cabin"/>
-                <a:cs typeface="Cabin"/>
+                <a:latin typeface="Arial" charset="0"/>
+                <a:ea typeface="Arial" charset="0"/>
+                <a:cs typeface="Arial" charset="0"/>
                 <a:sym typeface="Cabin"/>
               </a:rPr>
               <a:t>Stored (and reused) Steps</a:t>
@@ -30317,13 +30322,13 @@
               <a:buNone/>
             </a:pPr>
             <a:r>
-              <a:rPr lang="en-US" sz="3600" b="0" i="0" u="none" strike="noStrike" cap="none">
-                <a:solidFill>
-                  <a:schemeClr val="lt1"/>
-                </a:solidFill>
-                <a:latin typeface="Cabin"/>
-                <a:ea typeface="Cabin"/>
-                <a:cs typeface="Cabin"/>
+              <a:rPr lang="en-US" sz="3600" u="none" strike="noStrike" cap="none">
+                <a:solidFill>
+                  <a:schemeClr val="lt1"/>
+                </a:solidFill>
+                <a:latin typeface="Arial" charset="0"/>
+                <a:ea typeface="Arial" charset="0"/>
+                <a:cs typeface="Arial" charset="0"/>
                 <a:sym typeface="Cabin"/>
               </a:rPr>
               <a:t>Output:</a:t>
@@ -30342,13 +30347,13 @@
               </a:spcAft>
               <a:buNone/>
             </a:pPr>
-            <a:endParaRPr sz="3600" b="0" i="0" u="none" strike="noStrike" cap="none">
+            <a:endParaRPr sz="3600" u="none" strike="noStrike" cap="none">
               <a:solidFill>
                 <a:srgbClr val="FF00FF"/>
               </a:solidFill>
-              <a:latin typeface="Cabin"/>
-              <a:ea typeface="Cabin"/>
-              <a:cs typeface="Cabin"/>
+              <a:latin typeface="Arial" charset="0"/>
+              <a:ea typeface="Arial" charset="0"/>
+              <a:cs typeface="Arial" charset="0"/>
               <a:sym typeface="Cabin"/>
             </a:endParaRPr>
           </a:p>
@@ -30371,13 +30376,13 @@
               <a:buNone/>
             </a:pPr>
             <a:r>
-              <a:rPr lang="en-US" sz="3600" b="0" i="0" u="none" strike="noStrike" cap="none">
+              <a:rPr lang="en-US" sz="3600" u="none" strike="noStrike" cap="none">
                 <a:solidFill>
                   <a:srgbClr val="00FF00"/>
                 </a:solidFill>
-                <a:latin typeface="Cabin"/>
-                <a:ea typeface="Cabin"/>
-                <a:cs typeface="Cabin"/>
+                <a:latin typeface="Arial" charset="0"/>
+                <a:ea typeface="Arial" charset="0"/>
+                <a:cs typeface="Arial" charset="0"/>
                 <a:sym typeface="Cabin"/>
               </a:rPr>
               <a:t>Hello</a:t>
@@ -30402,13 +30407,13 @@
               <a:buNone/>
             </a:pPr>
             <a:r>
-              <a:rPr lang="en-US" sz="3600" b="0" i="0" u="none" strike="noStrike" cap="none">
+              <a:rPr lang="en-US" sz="3600" u="none" strike="noStrike" cap="none">
                 <a:solidFill>
                   <a:srgbClr val="00FF00"/>
                 </a:solidFill>
-                <a:latin typeface="Cabin"/>
-                <a:ea typeface="Cabin"/>
-                <a:cs typeface="Cabin"/>
+                <a:latin typeface="Arial" charset="0"/>
+                <a:ea typeface="Arial" charset="0"/>
+                <a:cs typeface="Arial" charset="0"/>
                 <a:sym typeface="Cabin"/>
               </a:rPr>
               <a:t>Fun</a:t>
@@ -30433,13 +30438,13 @@
               <a:buNone/>
             </a:pPr>
             <a:r>
-              <a:rPr lang="en-US" sz="3600" b="0" i="0" u="none" strike="noStrike" cap="none">
+              <a:rPr lang="en-US" sz="3600" u="none" strike="noStrike" cap="none">
                 <a:solidFill>
                   <a:srgbClr val="FF7F00"/>
                 </a:solidFill>
-                <a:latin typeface="Cabin"/>
-                <a:ea typeface="Cabin"/>
-                <a:cs typeface="Cabin"/>
+                <a:latin typeface="Arial" charset="0"/>
+                <a:ea typeface="Arial" charset="0"/>
+                <a:cs typeface="Arial" charset="0"/>
                 <a:sym typeface="Cabin"/>
               </a:rPr>
               <a:t>Zip</a:t>
@@ -30464,13 +30469,13 @@
               <a:buNone/>
             </a:pPr>
             <a:r>
-              <a:rPr lang="en-US" sz="3600" b="0" i="0" u="none" strike="noStrike" cap="none">
+              <a:rPr lang="en-US" sz="3600" u="none" strike="noStrike" cap="none">
                 <a:solidFill>
                   <a:srgbClr val="00FF00"/>
                 </a:solidFill>
-                <a:latin typeface="Cabin"/>
-                <a:ea typeface="Cabin"/>
-                <a:cs typeface="Cabin"/>
+                <a:latin typeface="Arial" charset="0"/>
+                <a:ea typeface="Arial" charset="0"/>
+                <a:cs typeface="Arial" charset="0"/>
                 <a:sym typeface="Cabin"/>
               </a:rPr>
               <a:t>Hello</a:t>
@@ -30495,13 +30500,13 @@
               <a:buNone/>
             </a:pPr>
             <a:r>
-              <a:rPr lang="en-US" sz="3600" b="0" i="0" u="none" strike="noStrike" cap="none">
+              <a:rPr lang="en-US" sz="3600" u="none" strike="noStrike" cap="none">
                 <a:solidFill>
                   <a:srgbClr val="00FF00"/>
                 </a:solidFill>
-                <a:latin typeface="Cabin"/>
-                <a:ea typeface="Cabin"/>
-                <a:cs typeface="Cabin"/>
+                <a:latin typeface="Arial" charset="0"/>
+                <a:ea typeface="Arial" charset="0"/>
+                <a:cs typeface="Arial" charset="0"/>
                 <a:sym typeface="Cabin"/>
               </a:rPr>
               <a:t>Fun</a:t>
@@ -30552,13 +30557,13 @@
               <a:buNone/>
             </a:pPr>
             <a:r>
-              <a:rPr lang="en-US" sz="3600" b="1" i="0" u="none" strike="noStrike" cap="none">
-                <a:solidFill>
-                  <a:schemeClr val="lt1"/>
-                </a:solidFill>
-                <a:latin typeface="Cabin"/>
-                <a:ea typeface="Cabin"/>
-                <a:cs typeface="Cabin"/>
+              <a:rPr lang="en-US" sz="3600" u="none" strike="noStrike" cap="none">
+                <a:solidFill>
+                  <a:schemeClr val="lt1"/>
+                </a:solidFill>
+                <a:latin typeface="Arial" charset="0"/>
+                <a:ea typeface="Arial" charset="0"/>
+                <a:cs typeface="Arial" charset="0"/>
                 <a:sym typeface="Cabin"/>
               </a:rPr>
               <a:t>Program:</a:t>
@@ -30577,13 +30582,13 @@
               </a:spcAft>
               <a:buNone/>
             </a:pPr>
-            <a:endParaRPr sz="3600" b="1" i="0" u="none" strike="noStrike" cap="none">
+            <a:endParaRPr sz="3600" u="none" strike="noStrike" cap="none">
               <a:solidFill>
                 <a:srgbClr val="FF7F00"/>
               </a:solidFill>
-              <a:latin typeface="Cabin"/>
-              <a:ea typeface="Cabin"/>
-              <a:cs typeface="Cabin"/>
+              <a:latin typeface="Arial" charset="0"/>
+              <a:ea typeface="Arial" charset="0"/>
+              <a:cs typeface="Arial" charset="0"/>
               <a:sym typeface="Cabin"/>
             </a:endParaRPr>
           </a:p>
@@ -30963,13 +30968,13 @@
               <a:buNone/>
             </a:pPr>
             <a:r>
-              <a:rPr lang="en-US" sz="3500" b="0" i="0" u="none" strike="noStrike" cap="none">
+              <a:rPr lang="en-US" sz="3500" u="none" strike="noStrike" cap="none">
                 <a:solidFill>
                   <a:srgbClr val="FFFF00"/>
                 </a:solidFill>
-                <a:latin typeface="Cabin"/>
-                <a:ea typeface="Cabin"/>
-                <a:cs typeface="Cabin"/>
+                <a:latin typeface="Arial" charset="0"/>
+                <a:ea typeface="Arial" charset="0"/>
+                <a:cs typeface="Arial" charset="0"/>
                 <a:sym typeface="Cabin"/>
               </a:rPr>
               <a:t>def</a:t>
@@ -31104,37 +31109,37 @@
               <a:buNone/>
             </a:pPr>
             <a:r>
-              <a:rPr lang="en-US" sz="3500" b="0" i="0" u="none" strike="noStrike" cap="none">
-                <a:solidFill>
-                  <a:schemeClr val="lt1"/>
-                </a:solidFill>
-                <a:latin typeface="Cabin"/>
-                <a:ea typeface="Cabin"/>
-                <a:cs typeface="Cabin"/>
+              <a:rPr lang="en-US" sz="3500" u="none" strike="noStrike" cap="none">
+                <a:solidFill>
+                  <a:schemeClr val="lt1"/>
+                </a:solidFill>
+                <a:latin typeface="Arial" charset="0"/>
+                <a:ea typeface="Arial" charset="0"/>
+                <a:cs typeface="Arial" charset="0"/>
                 <a:sym typeface="Cabin"/>
               </a:rPr>
               <a:t>  </a:t>
             </a:r>
             <a:r>
-              <a:rPr lang="en-US" sz="3500" b="0" i="0" u="none" strike="noStrike" cap="none">
+              <a:rPr lang="en-US" sz="3500" u="none" strike="noStrike" cap="none">
                 <a:solidFill>
                   <a:srgbClr val="FFFF00"/>
                 </a:solidFill>
-                <a:latin typeface="Cabin"/>
-                <a:ea typeface="Cabin"/>
-                <a:cs typeface="Cabin"/>
+                <a:latin typeface="Arial" charset="0"/>
+                <a:ea typeface="Arial" charset="0"/>
+                <a:cs typeface="Arial" charset="0"/>
                 <a:sym typeface="Cabin"/>
               </a:rPr>
               <a:t>print</a:t>
             </a:r>
             <a:r>
-              <a:rPr lang="en-US" sz="3500" b="0" i="0" u="none" strike="noStrike" cap="none">
-                <a:solidFill>
-                  <a:schemeClr val="lt1"/>
-                </a:solidFill>
-                <a:latin typeface="Cabin"/>
-                <a:ea typeface="Cabin"/>
-                <a:cs typeface="Cabin"/>
+              <a:rPr lang="en-US" sz="3500" u="none" strike="noStrike" cap="none">
+                <a:solidFill>
+                  <a:schemeClr val="lt1"/>
+                </a:solidFill>
+                <a:latin typeface="Arial" charset="0"/>
+                <a:ea typeface="Arial" charset="0"/>
+                <a:cs typeface="Arial" charset="0"/>
                 <a:sym typeface="Cabin"/>
               </a:rPr>
               <a:t> 'Hello'</a:t>
@@ -31163,9 +31168,9 @@
                 <a:solidFill>
                   <a:srgbClr val="FFFF00"/>
                 </a:solidFill>
-                <a:latin typeface="Cabin"/>
-                <a:ea typeface="Cabin"/>
-                <a:cs typeface="Cabin"/>
+                <a:latin typeface="Arial" charset="0"/>
+                <a:ea typeface="Arial" charset="0"/>
+                <a:cs typeface="Arial" charset="0"/>
                 <a:sym typeface="Cabin"/>
               </a:rPr>
               <a:t>print</a:t>
@@ -31175,9 +31180,9 @@
                 <a:solidFill>
                   <a:schemeClr val="lt1"/>
                 </a:solidFill>
-                <a:latin typeface="Cabin"/>
-                <a:ea typeface="Cabin"/>
-                <a:cs typeface="Cabin"/>
+                <a:latin typeface="Arial" charset="0"/>
+                <a:ea typeface="Arial" charset="0"/>
+                <a:cs typeface="Arial" charset="0"/>
                 <a:sym typeface="Cabin"/>
               </a:rPr>
               <a:t> ‘Fun’</a:t>
@@ -31238,21 +31243,21 @@
                 <a:solidFill>
                   <a:schemeClr val="lt1"/>
                 </a:solidFill>
-                <a:latin typeface="Cabin"/>
-                <a:ea typeface="Cabin"/>
-                <a:cs typeface="Cabin"/>
+                <a:latin typeface="Arial" charset="0"/>
+                <a:ea typeface="Arial" charset="0"/>
+                <a:cs typeface="Arial" charset="0"/>
                 <a:sym typeface="Cabin"/>
               </a:rPr>
               <a:t>thing</a:t>
             </a:r>
             <a:r>
-              <a:rPr lang="en-US" sz="3500" b="0" i="0" u="none" strike="noStrike" cap="none">
-                <a:solidFill>
-                  <a:schemeClr val="lt1"/>
-                </a:solidFill>
-                <a:latin typeface="Cabin"/>
-                <a:ea typeface="Cabin"/>
-                <a:cs typeface="Cabin"/>
+              <a:rPr lang="en-US" sz="3500" u="none" strike="noStrike" cap="none">
+                <a:solidFill>
+                  <a:schemeClr val="lt1"/>
+                </a:solidFill>
+                <a:latin typeface="Arial" charset="0"/>
+                <a:ea typeface="Arial" charset="0"/>
+                <a:cs typeface="Arial" charset="0"/>
                 <a:sym typeface="Cabin"/>
               </a:rPr>
               <a:t>()</a:t>
@@ -31409,13 +31414,13 @@
               <a:buNone/>
             </a:pPr>
             <a:r>
-              <a:rPr lang="en-US" sz="3600" b="0" i="0" u="none" strike="noStrike" cap="none">
-                <a:solidFill>
-                  <a:schemeClr val="lt1"/>
-                </a:solidFill>
-                <a:latin typeface="Cabin"/>
-                <a:ea typeface="Cabin"/>
-                <a:cs typeface="Cabin"/>
+              <a:rPr lang="en-US" sz="3600" u="none" strike="noStrike" cap="none">
+                <a:solidFill>
+                  <a:schemeClr val="lt1"/>
+                </a:solidFill>
+                <a:latin typeface="Arial" charset="0"/>
+                <a:ea typeface="Arial" charset="0"/>
+                <a:cs typeface="Arial" charset="0"/>
                 <a:sym typeface="Cabin"/>
               </a:rPr>
               <a:t>We call these reusable pieces of code </a:t>
@@ -31433,13 +31438,13 @@
               <a:t>“</a:t>
             </a:r>
             <a:r>
-              <a:rPr lang="en-US" sz="3600" b="0" i="0" u="none" strike="noStrike" cap="none">
-                <a:solidFill>
-                  <a:schemeClr val="lt1"/>
-                </a:solidFill>
-                <a:latin typeface="Cabin"/>
-                <a:ea typeface="Cabin"/>
-                <a:cs typeface="Cabin"/>
+              <a:rPr lang="en-US" sz="3600" u="none" strike="noStrike" cap="none">
+                <a:solidFill>
+                  <a:schemeClr val="lt1"/>
+                </a:solidFill>
+                <a:latin typeface="Arial" charset="0"/>
+                <a:ea typeface="Arial" charset="0"/>
+                <a:cs typeface="Arial" charset="0"/>
                 <a:sym typeface="Cabin"/>
               </a:rPr>
               <a:t>functions</a:t>
@@ -31506,21 +31511,21 @@
                 <a:solidFill>
                   <a:schemeClr val="lt1"/>
                 </a:solidFill>
-                <a:latin typeface="Cabin"/>
-                <a:ea typeface="Cabin"/>
-                <a:cs typeface="Cabin"/>
+                <a:latin typeface="Arial" charset="0"/>
+                <a:ea typeface="Arial" charset="0"/>
+                <a:cs typeface="Arial" charset="0"/>
                 <a:sym typeface="Cabin"/>
               </a:rPr>
               <a:t>thing</a:t>
             </a:r>
             <a:r>
-              <a:rPr lang="en-US" sz="3600" b="0" i="0" u="none" strike="noStrike" cap="none">
-                <a:solidFill>
-                  <a:schemeClr val="lt1"/>
-                </a:solidFill>
-                <a:latin typeface="Cabin"/>
-                <a:ea typeface="Cabin"/>
-                <a:cs typeface="Cabin"/>
+              <a:rPr lang="en-US" sz="3600" u="none" strike="noStrike" cap="none">
+                <a:solidFill>
+                  <a:schemeClr val="lt1"/>
+                </a:solidFill>
+                <a:latin typeface="Arial" charset="0"/>
+                <a:ea typeface="Arial" charset="0"/>
+                <a:cs typeface="Arial" charset="0"/>
                 <a:sym typeface="Cabin"/>
               </a:rPr>
               <a:t>():</a:t>
@@ -31581,21 +31586,21 @@
                 <a:solidFill>
                   <a:schemeClr val="lt1"/>
                 </a:solidFill>
-                <a:latin typeface="Cabin"/>
-                <a:ea typeface="Cabin"/>
-                <a:cs typeface="Cabin"/>
+                <a:latin typeface="Arial" charset="0"/>
+                <a:ea typeface="Arial" charset="0"/>
+                <a:cs typeface="Arial" charset="0"/>
                 <a:sym typeface="Cabin"/>
               </a:rPr>
               <a:t>thing</a:t>
             </a:r>
             <a:r>
-              <a:rPr lang="en-US" sz="3500" b="0" i="0" u="none" strike="noStrike" cap="none">
-                <a:solidFill>
-                  <a:schemeClr val="lt1"/>
-                </a:solidFill>
-                <a:latin typeface="Cabin"/>
-                <a:ea typeface="Cabin"/>
-                <a:cs typeface="Cabin"/>
+              <a:rPr lang="en-US" sz="3500" u="none" strike="noStrike" cap="none">
+                <a:solidFill>
+                  <a:schemeClr val="lt1"/>
+                </a:solidFill>
+                <a:latin typeface="Arial" charset="0"/>
+                <a:ea typeface="Arial" charset="0"/>
+                <a:cs typeface="Arial" charset="0"/>
                 <a:sym typeface="Cabin"/>
               </a:rPr>
               <a:t>()</a:t>
@@ -31678,25 +31683,25 @@
               <a:buNone/>
             </a:pPr>
             <a:r>
-              <a:rPr lang="en-US" sz="3500" b="0" i="0" u="none" strike="noStrike" cap="none">
+              <a:rPr lang="en-US" sz="3500" u="none" strike="noStrike" cap="none">
                 <a:solidFill>
                   <a:srgbClr val="FFFF00"/>
                 </a:solidFill>
-                <a:latin typeface="Cabin"/>
-                <a:ea typeface="Cabin"/>
-                <a:cs typeface="Cabin"/>
+                <a:latin typeface="Arial" charset="0"/>
+                <a:ea typeface="Arial" charset="0"/>
+                <a:cs typeface="Arial" charset="0"/>
                 <a:sym typeface="Cabin"/>
               </a:rPr>
               <a:t>print</a:t>
             </a:r>
             <a:r>
-              <a:rPr lang="en-US" sz="3500" b="0" i="0" u="none" strike="noStrike" cap="none">
-                <a:solidFill>
-                  <a:schemeClr val="lt1"/>
-                </a:solidFill>
-                <a:latin typeface="Cabin"/>
-                <a:ea typeface="Cabin"/>
-                <a:cs typeface="Cabin"/>
+              <a:rPr lang="en-US" sz="3500" u="none" strike="noStrike" cap="none">
+                <a:solidFill>
+                  <a:schemeClr val="lt1"/>
+                </a:solidFill>
+                <a:latin typeface="Arial" charset="0"/>
+                <a:ea typeface="Arial" charset="0"/>
+                <a:cs typeface="Arial" charset="0"/>
                 <a:sym typeface="Cabin"/>
               </a:rPr>
               <a:t> </a:t>
@@ -31706,21 +31711,21 @@
                 <a:solidFill>
                   <a:schemeClr val="lt1"/>
                 </a:solidFill>
-                <a:latin typeface="Cabin"/>
-                <a:ea typeface="Cabin"/>
-                <a:cs typeface="Cabin"/>
+                <a:latin typeface="Arial" charset="0"/>
+                <a:ea typeface="Arial" charset="0"/>
+                <a:cs typeface="Arial" charset="0"/>
                 <a:sym typeface="Cabin"/>
               </a:rPr>
               <a:t>'</a:t>
             </a:r>
             <a:r>
-              <a:rPr lang="en-US" sz="3500" b="0" i="0" u="none" strike="noStrike" cap="none">
-                <a:solidFill>
-                  <a:schemeClr val="lt1"/>
-                </a:solidFill>
-                <a:latin typeface="Cabin"/>
-                <a:ea typeface="Cabin"/>
-                <a:cs typeface="Cabin"/>
+              <a:rPr lang="en-US" sz="3500" u="none" strike="noStrike" cap="none">
+                <a:solidFill>
+                  <a:schemeClr val="lt1"/>
+                </a:solidFill>
+                <a:latin typeface="Arial" charset="0"/>
+                <a:ea typeface="Arial" charset="0"/>
+                <a:cs typeface="Arial" charset="0"/>
                 <a:sym typeface="Cabin"/>
               </a:rPr>
               <a:t>Zip</a:t>
@@ -31730,9 +31735,9 @@
                 <a:solidFill>
                   <a:schemeClr val="lt1"/>
                 </a:solidFill>
-                <a:latin typeface="Cabin"/>
-                <a:ea typeface="Cabin"/>
-                <a:cs typeface="Cabin"/>
+                <a:latin typeface="Arial" charset="0"/>
+                <a:ea typeface="Arial" charset="0"/>
+                <a:cs typeface="Arial" charset="0"/>
                 <a:sym typeface="Cabin"/>
               </a:rPr>
               <a:t>'</a:t>
@@ -31812,13 +31817,13 @@
               <a:buNone/>
             </a:pPr>
             <a:r>
-              <a:rPr lang="en-US" sz="7600" b="0" i="0" u="none" strike="noStrike" cap="none">
+              <a:rPr lang="en-US" sz="7600" u="none" strike="noStrike" cap="none">
                 <a:solidFill>
                   <a:srgbClr val="FFFF00"/>
                 </a:solidFill>
-                <a:latin typeface="Cabin"/>
-                <a:ea typeface="Cabin"/>
-                <a:cs typeface="Cabin"/>
+                <a:latin typeface="Arial" charset="0"/>
+                <a:ea typeface="Arial" charset="0"/>
+                <a:cs typeface="Arial" charset="0"/>
                 <a:sym typeface="Cabin"/>
               </a:rPr>
               <a:t>Void (non-fruitful) Functions</a:t>
@@ -31873,13 +31878,13 @@
               <a:buChar char="•"/>
             </a:pPr>
             <a:r>
-              <a:rPr lang="en-US" sz="3600" b="0" i="0" u="none" strike="noStrike" cap="none">
-                <a:solidFill>
-                  <a:schemeClr val="lt1"/>
-                </a:solidFill>
-                <a:latin typeface="Cabin"/>
-                <a:ea typeface="Cabin"/>
-                <a:cs typeface="Cabin"/>
+              <a:rPr lang="en-US" sz="3600" u="none" strike="noStrike" cap="none">
+                <a:solidFill>
+                  <a:schemeClr val="lt1"/>
+                </a:solidFill>
+                <a:latin typeface="Arial" charset="0"/>
+                <a:ea typeface="Arial" charset="0"/>
+                <a:cs typeface="Arial" charset="0"/>
                 <a:sym typeface="Cabin"/>
               </a:rPr>
               <a:t>When a function does not return a value, we call it a </a:t>
@@ -31889,21 +31894,21 @@
                 <a:solidFill>
                   <a:schemeClr val="lt1"/>
                 </a:solidFill>
-                <a:latin typeface="Cabin"/>
-                <a:ea typeface="Cabin"/>
-                <a:cs typeface="Cabin"/>
+                <a:latin typeface="Arial" charset="0"/>
+                <a:ea typeface="Arial" charset="0"/>
+                <a:cs typeface="Arial" charset="0"/>
                 <a:sym typeface="Cabin"/>
               </a:rPr>
               <a:t>“</a:t>
             </a:r>
             <a:r>
-              <a:rPr lang="en-US" sz="3600" b="0" i="0" u="none" strike="noStrike" cap="none">
+              <a:rPr lang="en-US" sz="3600" u="none" strike="noStrike" cap="none">
                 <a:solidFill>
                   <a:srgbClr val="FFFF00"/>
                 </a:solidFill>
-                <a:latin typeface="Cabin"/>
-                <a:ea typeface="Cabin"/>
-                <a:cs typeface="Cabin"/>
+                <a:latin typeface="Arial" charset="0"/>
+                <a:ea typeface="Arial" charset="0"/>
+                <a:cs typeface="Arial" charset="0"/>
                 <a:sym typeface="Cabin"/>
               </a:rPr>
               <a:t>void</a:t>
@@ -31913,21 +31918,21 @@
                 <a:solidFill>
                   <a:schemeClr val="lt1"/>
                 </a:solidFill>
-                <a:latin typeface="Cabin"/>
-                <a:ea typeface="Cabin"/>
-                <a:cs typeface="Cabin"/>
+                <a:latin typeface="Arial" charset="0"/>
+                <a:ea typeface="Arial" charset="0"/>
+                <a:cs typeface="Arial" charset="0"/>
                 <a:sym typeface="Cabin"/>
               </a:rPr>
               <a:t>”</a:t>
             </a:r>
             <a:r>
-              <a:rPr lang="en-US" sz="3600" b="0" i="0" u="none" strike="noStrike" cap="none">
-                <a:solidFill>
-                  <a:schemeClr val="lt1"/>
-                </a:solidFill>
-                <a:latin typeface="Cabin"/>
-                <a:ea typeface="Cabin"/>
-                <a:cs typeface="Cabin"/>
+              <a:rPr lang="en-US" sz="3600" u="none" strike="noStrike" cap="none">
+                <a:solidFill>
+                  <a:schemeClr val="lt1"/>
+                </a:solidFill>
+                <a:latin typeface="Arial" charset="0"/>
+                <a:ea typeface="Arial" charset="0"/>
+                <a:cs typeface="Arial" charset="0"/>
                 <a:sym typeface="Cabin"/>
               </a:rPr>
               <a:t> function</a:t>
@@ -31952,13 +31957,13 @@
               <a:buChar char="•"/>
             </a:pPr>
             <a:r>
-              <a:rPr lang="en-US" sz="3600" b="0" i="0" u="none" strike="noStrike" cap="none">
-                <a:solidFill>
-                  <a:schemeClr val="lt1"/>
-                </a:solidFill>
-                <a:latin typeface="Cabin"/>
-                <a:ea typeface="Cabin"/>
-                <a:cs typeface="Cabin"/>
+              <a:rPr lang="en-US" sz="3600" u="none" strike="noStrike" cap="none">
+                <a:solidFill>
+                  <a:schemeClr val="lt1"/>
+                </a:solidFill>
+                <a:latin typeface="Arial" charset="0"/>
+                <a:ea typeface="Arial" charset="0"/>
+                <a:cs typeface="Arial" charset="0"/>
                 <a:sym typeface="Cabin"/>
               </a:rPr>
               <a:t>Functions that return values are </a:t>
@@ -31968,21 +31973,21 @@
                 <a:solidFill>
                   <a:schemeClr val="lt1"/>
                 </a:solidFill>
-                <a:latin typeface="Cabin"/>
-                <a:ea typeface="Cabin"/>
-                <a:cs typeface="Cabin"/>
+                <a:latin typeface="Arial" charset="0"/>
+                <a:ea typeface="Arial" charset="0"/>
+                <a:cs typeface="Arial" charset="0"/>
                 <a:sym typeface="Cabin"/>
               </a:rPr>
               <a:t>“</a:t>
             </a:r>
             <a:r>
-              <a:rPr lang="en-US" sz="3600" b="0" i="0" u="none" strike="noStrike" cap="none">
-                <a:solidFill>
-                  <a:schemeClr val="lt1"/>
-                </a:solidFill>
-                <a:latin typeface="Cabin"/>
-                <a:ea typeface="Cabin"/>
-                <a:cs typeface="Cabin"/>
+              <a:rPr lang="en-US" sz="3600" u="none" strike="noStrike" cap="none">
+                <a:solidFill>
+                  <a:schemeClr val="lt1"/>
+                </a:solidFill>
+                <a:latin typeface="Arial" charset="0"/>
+                <a:ea typeface="Arial" charset="0"/>
+                <a:cs typeface="Arial" charset="0"/>
                 <a:sym typeface="Cabin"/>
               </a:rPr>
               <a:t>fruitful</a:t>
@@ -31992,21 +31997,21 @@
                 <a:solidFill>
                   <a:schemeClr val="lt1"/>
                 </a:solidFill>
-                <a:latin typeface="Cabin"/>
-                <a:ea typeface="Cabin"/>
-                <a:cs typeface="Cabin"/>
+                <a:latin typeface="Arial" charset="0"/>
+                <a:ea typeface="Arial" charset="0"/>
+                <a:cs typeface="Arial" charset="0"/>
                 <a:sym typeface="Cabin"/>
               </a:rPr>
               <a:t>”</a:t>
             </a:r>
             <a:r>
-              <a:rPr lang="en-US" sz="3600" b="0" i="0" u="none" strike="noStrike" cap="none">
-                <a:solidFill>
-                  <a:schemeClr val="lt1"/>
-                </a:solidFill>
-                <a:latin typeface="Cabin"/>
-                <a:ea typeface="Cabin"/>
-                <a:cs typeface="Cabin"/>
+              <a:rPr lang="en-US" sz="3600" u="none" strike="noStrike" cap="none">
+                <a:solidFill>
+                  <a:schemeClr val="lt1"/>
+                </a:solidFill>
+                <a:latin typeface="Arial" charset="0"/>
+                <a:ea typeface="Arial" charset="0"/>
+                <a:cs typeface="Arial" charset="0"/>
                 <a:sym typeface="Cabin"/>
               </a:rPr>
               <a:t> functions</a:t>
@@ -32031,25 +32036,25 @@
               <a:buChar char="•"/>
             </a:pPr>
             <a:r>
-              <a:rPr lang="en-US" sz="3600" b="0" i="0" u="none" strike="noStrike" cap="none">
+              <a:rPr lang="en-US" sz="3600" u="none" strike="noStrike" cap="none">
                 <a:solidFill>
                   <a:srgbClr val="FFFF00"/>
                 </a:solidFill>
-                <a:latin typeface="Cabin"/>
-                <a:ea typeface="Cabin"/>
-                <a:cs typeface="Cabin"/>
+                <a:latin typeface="Arial" charset="0"/>
+                <a:ea typeface="Arial" charset="0"/>
+                <a:cs typeface="Arial" charset="0"/>
                 <a:sym typeface="Cabin"/>
               </a:rPr>
               <a:t>Void</a:t>
             </a:r>
             <a:r>
-              <a:rPr lang="en-US" sz="3600" b="0" i="0" u="none" strike="noStrike" cap="none">
+              <a:rPr lang="en-US" sz="3600" u="none" strike="noStrike" cap="none">
                 <a:solidFill>
                   <a:srgbClr val="FFFFFF"/>
                 </a:solidFill>
-                <a:latin typeface="Cabin"/>
-                <a:ea typeface="Cabin"/>
-                <a:cs typeface="Cabin"/>
+                <a:latin typeface="Arial" charset="0"/>
+                <a:ea typeface="Arial" charset="0"/>
+                <a:cs typeface="Arial" charset="0"/>
                 <a:sym typeface="Cabin"/>
               </a:rPr>
               <a:t> functions are </a:t>
@@ -32059,21 +32064,21 @@
                 <a:solidFill>
                   <a:srgbClr val="FFFFFF"/>
                 </a:solidFill>
-                <a:latin typeface="Cabin"/>
-                <a:ea typeface="Cabin"/>
-                <a:cs typeface="Cabin"/>
+                <a:latin typeface="Arial" charset="0"/>
+                <a:ea typeface="Arial" charset="0"/>
+                <a:cs typeface="Arial" charset="0"/>
                 <a:sym typeface="Cabin"/>
               </a:rPr>
               <a:t>“</a:t>
             </a:r>
             <a:r>
-              <a:rPr lang="en-US" sz="3600" b="0" i="0" u="none" strike="noStrike" cap="none">
+              <a:rPr lang="en-US" sz="3600" u="none" strike="noStrike" cap="none">
                 <a:solidFill>
                   <a:srgbClr val="FFFFFF"/>
                 </a:solidFill>
-                <a:latin typeface="Cabin"/>
-                <a:ea typeface="Cabin"/>
-                <a:cs typeface="Cabin"/>
+                <a:latin typeface="Arial" charset="0"/>
+                <a:ea typeface="Arial" charset="0"/>
+                <a:cs typeface="Arial" charset="0"/>
                 <a:sym typeface="Cabin"/>
               </a:rPr>
               <a:t>not fruitful</a:t>
@@ -32083,9 +32088,9 @@
                 <a:solidFill>
                   <a:srgbClr val="FFFFFF"/>
                 </a:solidFill>
-                <a:latin typeface="Cabin"/>
-                <a:ea typeface="Cabin"/>
-                <a:cs typeface="Cabin"/>
+                <a:latin typeface="Arial" charset="0"/>
+                <a:ea typeface="Arial" charset="0"/>
+                <a:cs typeface="Arial" charset="0"/>
                 <a:sym typeface="Cabin"/>
               </a:rPr>
               <a:t>”</a:t>
@@ -32165,13 +32170,13 @@
               <a:buNone/>
             </a:pPr>
             <a:r>
-              <a:rPr lang="en-US" sz="7600" b="0" i="0" u="none" strike="noStrike" cap="none">
+              <a:rPr lang="en-US" sz="7600" u="none" strike="noStrike" cap="none">
                 <a:solidFill>
                   <a:srgbClr val="FFFF00"/>
                 </a:solidFill>
-                <a:latin typeface="Cabin"/>
-                <a:ea typeface="Cabin"/>
-                <a:cs typeface="Cabin"/>
+                <a:latin typeface="Arial" charset="0"/>
+                <a:ea typeface="Arial" charset="0"/>
+                <a:cs typeface="Arial" charset="0"/>
                 <a:sym typeface="Cabin"/>
               </a:rPr>
               <a:t>To function or not to function...</a:t>
@@ -32226,13 +32231,13 @@
               <a:buChar char="•"/>
             </a:pPr>
             <a:r>
-              <a:rPr lang="en-US" sz="3600" b="0" i="0" u="none" strike="noStrike" cap="none">
-                <a:solidFill>
-                  <a:schemeClr val="lt1"/>
-                </a:solidFill>
-                <a:latin typeface="Cabin"/>
-                <a:ea typeface="Cabin"/>
-                <a:cs typeface="Cabin"/>
+              <a:rPr lang="en-US" sz="3600" u="none" strike="noStrike" cap="none">
+                <a:solidFill>
+                  <a:schemeClr val="lt1"/>
+                </a:solidFill>
+                <a:latin typeface="Arial" charset="0"/>
+                <a:ea typeface="Arial" charset="0"/>
+                <a:cs typeface="Arial" charset="0"/>
                 <a:sym typeface="Cabin"/>
               </a:rPr>
               <a:t>Organize your code into </a:t>
@@ -32250,13 +32255,13 @@
               <a:t>“</a:t>
             </a:r>
             <a:r>
-              <a:rPr lang="en-US" sz="3600" b="0" i="0" u="none" strike="noStrike" cap="none">
-                <a:solidFill>
-                  <a:schemeClr val="lt1"/>
-                </a:solidFill>
-                <a:latin typeface="Cabin"/>
-                <a:ea typeface="Cabin"/>
-                <a:cs typeface="Cabin"/>
+              <a:rPr lang="en-US" sz="3600" u="none" strike="noStrike" cap="none">
+                <a:solidFill>
+                  <a:schemeClr val="lt1"/>
+                </a:solidFill>
+                <a:latin typeface="Arial" charset="0"/>
+                <a:ea typeface="Arial" charset="0"/>
+                <a:cs typeface="Arial" charset="0"/>
                 <a:sym typeface="Cabin"/>
               </a:rPr>
               <a:t>paragraphs</a:t>
@@ -32274,13 +32279,13 @@
               <a:t>”</a:t>
             </a:r>
             <a:r>
-              <a:rPr lang="en-US" sz="3600" b="0" i="0" u="none" strike="noStrike" cap="none">
-                <a:solidFill>
-                  <a:schemeClr val="lt1"/>
-                </a:solidFill>
-                <a:latin typeface="Cabin"/>
-                <a:ea typeface="Cabin"/>
-                <a:cs typeface="Cabin"/>
+              <a:rPr lang="en-US" sz="3600" u="none" strike="noStrike" cap="none">
+                <a:solidFill>
+                  <a:schemeClr val="lt1"/>
+                </a:solidFill>
+                <a:latin typeface="Arial" charset="0"/>
+                <a:ea typeface="Arial" charset="0"/>
+                <a:cs typeface="Arial" charset="0"/>
                 <a:sym typeface="Cabin"/>
               </a:rPr>
               <a:t> - capture a complete thought and </a:t>
@@ -32298,13 +32303,13 @@
               <a:t>“</a:t>
             </a:r>
             <a:r>
-              <a:rPr lang="en-US" sz="3600" b="0" i="0" u="none" strike="noStrike" cap="none">
-                <a:solidFill>
-                  <a:schemeClr val="lt1"/>
-                </a:solidFill>
-                <a:latin typeface="Cabin"/>
-                <a:ea typeface="Cabin"/>
-                <a:cs typeface="Cabin"/>
+              <a:rPr lang="en-US" sz="3600" u="none" strike="noStrike" cap="none">
+                <a:solidFill>
+                  <a:schemeClr val="lt1"/>
+                </a:solidFill>
+                <a:latin typeface="Arial" charset="0"/>
+                <a:ea typeface="Arial" charset="0"/>
+                <a:cs typeface="Arial" charset="0"/>
                 <a:sym typeface="Cabin"/>
               </a:rPr>
               <a:t>name it</a:t>
@@ -32341,13 +32346,13 @@
               <a:buChar char="•"/>
             </a:pPr>
             <a:r>
-              <a:rPr lang="en-US" sz="3600" b="0" i="0" u="none" strike="noStrike" cap="none">
-                <a:solidFill>
-                  <a:schemeClr val="lt1"/>
-                </a:solidFill>
-                <a:latin typeface="Cabin"/>
-                <a:ea typeface="Cabin"/>
-                <a:cs typeface="Cabin"/>
+              <a:rPr lang="en-US" sz="3600" u="none" strike="noStrike" cap="none">
+                <a:solidFill>
+                  <a:schemeClr val="lt1"/>
+                </a:solidFill>
+                <a:latin typeface="Arial" charset="0"/>
+                <a:ea typeface="Arial" charset="0"/>
+                <a:cs typeface="Arial" charset="0"/>
                 <a:sym typeface="Cabin"/>
               </a:rPr>
               <a:t>Don</a:t>
@@ -32365,13 +32370,13 @@
               <a:t>’</a:t>
             </a:r>
             <a:r>
-              <a:rPr lang="en-US" sz="3600" b="0" i="0" u="none" strike="noStrike" cap="none">
-                <a:solidFill>
-                  <a:schemeClr val="lt1"/>
-                </a:solidFill>
-                <a:latin typeface="Cabin"/>
-                <a:ea typeface="Cabin"/>
-                <a:cs typeface="Cabin"/>
+              <a:rPr lang="en-US" sz="3600" u="none" strike="noStrike" cap="none">
+                <a:solidFill>
+                  <a:schemeClr val="lt1"/>
+                </a:solidFill>
+                <a:latin typeface="Arial" charset="0"/>
+                <a:ea typeface="Arial" charset="0"/>
+                <a:cs typeface="Arial" charset="0"/>
                 <a:sym typeface="Cabin"/>
               </a:rPr>
               <a:t>t repeat yourself - make it work once and then reuse it</a:t>
@@ -32396,13 +32401,13 @@
               <a:buChar char="•"/>
             </a:pPr>
             <a:r>
-              <a:rPr lang="en-US" sz="3600" b="0" i="0" u="none" strike="noStrike" cap="none">
-                <a:solidFill>
-                  <a:schemeClr val="lt1"/>
-                </a:solidFill>
-                <a:latin typeface="Cabin"/>
-                <a:ea typeface="Cabin"/>
-                <a:cs typeface="Cabin"/>
+              <a:rPr lang="en-US" sz="3600" u="none" strike="noStrike" cap="none">
+                <a:solidFill>
+                  <a:schemeClr val="lt1"/>
+                </a:solidFill>
+                <a:latin typeface="Arial" charset="0"/>
+                <a:ea typeface="Arial" charset="0"/>
+                <a:cs typeface="Arial" charset="0"/>
                 <a:sym typeface="Cabin"/>
               </a:rPr>
               <a:t>If something gets too long or complex, break it up into logical chunks and put those chunks in functions</a:t>
@@ -32427,13 +32432,13 @@
               <a:buChar char="•"/>
             </a:pPr>
             <a:r>
-              <a:rPr lang="en-US" sz="3600" b="0" i="0" u="none" strike="noStrike" cap="none">
-                <a:solidFill>
-                  <a:schemeClr val="lt1"/>
-                </a:solidFill>
-                <a:latin typeface="Cabin"/>
-                <a:ea typeface="Cabin"/>
-                <a:cs typeface="Cabin"/>
+              <a:rPr lang="en-US" sz="3600" u="none" strike="noStrike" cap="none">
+                <a:solidFill>
+                  <a:schemeClr val="lt1"/>
+                </a:solidFill>
+                <a:latin typeface="Arial" charset="0"/>
+                <a:ea typeface="Arial" charset="0"/>
+                <a:cs typeface="Arial" charset="0"/>
                 <a:sym typeface="Cabin"/>
               </a:rPr>
               <a:t>Make a library of common stuff that you do over and over - perhaps share this with your friends...</a:t>
@@ -32509,13 +32514,13 @@
               <a:buNone/>
             </a:pPr>
             <a:r>
-              <a:rPr lang="en-US" sz="3800" b="0" i="0" u="none" strike="noStrike" cap="none">
+              <a:rPr lang="en-US" sz="3800" u="none" strike="noStrike" cap="none">
                 <a:solidFill>
                   <a:srgbClr val="FFFF00"/>
                 </a:solidFill>
-                <a:latin typeface="Cabin"/>
-                <a:ea typeface="Cabin"/>
-                <a:cs typeface="Cabin"/>
+                <a:latin typeface="Arial" charset="0"/>
+                <a:ea typeface="Arial" charset="0"/>
+                <a:cs typeface="Arial" charset="0"/>
                 <a:sym typeface="Cabin"/>
               </a:rPr>
               <a:t>Exercise</a:t>
@@ -32566,37 +32571,37 @@
               <a:buNone/>
             </a:pPr>
             <a:r>
-              <a:rPr lang="en-US" sz="3800" b="0" i="0" u="none" strike="noStrike" cap="none">
-                <a:solidFill>
-                  <a:schemeClr val="lt1"/>
-                </a:solidFill>
-                <a:latin typeface="Cabin"/>
-                <a:ea typeface="Cabin"/>
-                <a:cs typeface="Cabin"/>
+              <a:rPr lang="en-US" sz="3800" u="none" strike="noStrike" cap="none">
+                <a:solidFill>
+                  <a:schemeClr val="lt1"/>
+                </a:solidFill>
+                <a:latin typeface="Arial" charset="0"/>
+                <a:ea typeface="Arial" charset="0"/>
+                <a:cs typeface="Arial" charset="0"/>
                 <a:sym typeface="Cabin"/>
               </a:rPr>
               <a:t>Rewrite your pay computation with time-and-a-half for overtime and create a function called </a:t>
             </a:r>
             <a:r>
-              <a:rPr lang="en-US" sz="3800" b="0" i="0" u="none" strike="noStrike" cap="none">
+              <a:rPr lang="en-US" sz="3800" u="none" strike="noStrike" cap="none">
                 <a:solidFill>
                   <a:srgbClr val="00FF00"/>
                 </a:solidFill>
-                <a:latin typeface="Cabin"/>
-                <a:ea typeface="Cabin"/>
-                <a:cs typeface="Cabin"/>
+                <a:latin typeface="Arial" charset="0"/>
+                <a:ea typeface="Arial" charset="0"/>
+                <a:cs typeface="Arial" charset="0"/>
                 <a:sym typeface="Cabin"/>
               </a:rPr>
               <a:t>computepay</a:t>
             </a:r>
             <a:r>
-              <a:rPr lang="en-US" sz="3800" b="0" i="0" u="none" strike="noStrike" cap="none">
-                <a:solidFill>
-                  <a:schemeClr val="lt1"/>
-                </a:solidFill>
-                <a:latin typeface="Cabin"/>
-                <a:ea typeface="Cabin"/>
-                <a:cs typeface="Cabin"/>
+              <a:rPr lang="en-US" sz="3800" u="none" strike="noStrike" cap="none">
+                <a:solidFill>
+                  <a:schemeClr val="lt1"/>
+                </a:solidFill>
+                <a:latin typeface="Arial" charset="0"/>
+                <a:ea typeface="Arial" charset="0"/>
+                <a:cs typeface="Arial" charset="0"/>
                 <a:sym typeface="Cabin"/>
               </a:rPr>
               <a:t> which takes two parameters ( hours and  rate).</a:t>
@@ -32623,9 +32628,9 @@
               <a:solidFill>
                 <a:schemeClr val="lt1"/>
               </a:solidFill>
-              <a:latin typeface="Cabin"/>
-              <a:ea typeface="Cabin"/>
-              <a:cs typeface="Cabin"/>
+              <a:latin typeface="Arial" charset="0"/>
+              <a:ea typeface="Arial" charset="0"/>
+              <a:cs typeface="Arial" charset="0"/>
               <a:sym typeface="Cabin"/>
             </a:endParaRPr>
           </a:p>
@@ -32648,25 +32653,25 @@
               <a:buNone/>
             </a:pPr>
             <a:r>
-              <a:rPr lang="en-US" sz="3800" b="0" i="0" u="none" strike="noStrike" cap="none">
-                <a:solidFill>
-                  <a:schemeClr val="lt1"/>
-                </a:solidFill>
-                <a:latin typeface="Cabin"/>
-                <a:ea typeface="Cabin"/>
-                <a:cs typeface="Cabin"/>
+              <a:rPr lang="en-US" sz="3800" u="none" strike="noStrike" cap="none">
+                <a:solidFill>
+                  <a:schemeClr val="lt1"/>
+                </a:solidFill>
+                <a:latin typeface="Arial" charset="0"/>
+                <a:ea typeface="Arial" charset="0"/>
+                <a:cs typeface="Arial" charset="0"/>
                 <a:sym typeface="Cabin"/>
               </a:rPr>
               <a:t>Enter Hours: </a:t>
             </a:r>
             <a:r>
-              <a:rPr lang="en-US" sz="3800" b="0" i="0" u="none" strike="noStrike" cap="none">
+              <a:rPr lang="en-US" sz="3800" u="none" strike="noStrike" cap="none">
                 <a:solidFill>
                   <a:srgbClr val="FFFF00"/>
                 </a:solidFill>
-                <a:latin typeface="Cabin"/>
-                <a:ea typeface="Cabin"/>
-                <a:cs typeface="Cabin"/>
+                <a:latin typeface="Arial" charset="0"/>
+                <a:ea typeface="Arial" charset="0"/>
+                <a:cs typeface="Arial" charset="0"/>
                 <a:sym typeface="Cabin"/>
               </a:rPr>
               <a:t>45</a:t>
@@ -32691,37 +32696,37 @@
               <a:buNone/>
             </a:pPr>
             <a:r>
-              <a:rPr lang="en-US" sz="3800" b="0" i="0" u="none" strike="noStrike" cap="none">
-                <a:solidFill>
-                  <a:schemeClr val="lt1"/>
-                </a:solidFill>
-                <a:latin typeface="Cabin"/>
-                <a:ea typeface="Cabin"/>
-                <a:cs typeface="Cabin"/>
+              <a:rPr lang="en-US" sz="3800" u="none" strike="noStrike" cap="none">
+                <a:solidFill>
+                  <a:schemeClr val="lt1"/>
+                </a:solidFill>
+                <a:latin typeface="Arial" charset="0"/>
+                <a:ea typeface="Arial" charset="0"/>
+                <a:cs typeface="Arial" charset="0"/>
                 <a:sym typeface="Cabin"/>
               </a:rPr>
               <a:t>Enter Rate: </a:t>
             </a:r>
             <a:r>
-              <a:rPr lang="en-US" sz="3800" b="0" i="0" u="none" strike="noStrike" cap="none">
+              <a:rPr lang="en-US" sz="3800" u="none" strike="noStrike" cap="none">
                 <a:solidFill>
                   <a:srgbClr val="FFFF00"/>
                 </a:solidFill>
-                <a:latin typeface="Cabin"/>
-                <a:ea typeface="Cabin"/>
-                <a:cs typeface="Cabin"/>
+                <a:latin typeface="Arial" charset="0"/>
+                <a:ea typeface="Arial" charset="0"/>
+                <a:cs typeface="Arial" charset="0"/>
                 <a:sym typeface="Cabin"/>
               </a:rPr>
               <a:t>10</a:t>
             </a:r>
             <a:r>
-              <a:rPr lang="en-US" sz="3800" b="0" i="0" u="none" strike="noStrike" cap="none">
-                <a:solidFill>
-                  <a:schemeClr val="lt1"/>
-                </a:solidFill>
-                <a:latin typeface="Cabin"/>
-                <a:ea typeface="Cabin"/>
-                <a:cs typeface="Cabin"/>
+              <a:rPr lang="en-US" sz="3800" u="none" strike="noStrike" cap="none">
+                <a:solidFill>
+                  <a:schemeClr val="lt1"/>
+                </a:solidFill>
+                <a:latin typeface="Arial" charset="0"/>
+                <a:ea typeface="Arial" charset="0"/>
+                <a:cs typeface="Arial" charset="0"/>
                 <a:sym typeface="Cabin"/>
               </a:rPr>
               <a:t> </a:t>
@@ -32746,13 +32751,13 @@
               <a:buNone/>
             </a:pPr>
             <a:r>
-              <a:rPr lang="en-US" sz="3800" b="0" i="0" u="none" strike="noStrike" cap="none">
-                <a:solidFill>
-                  <a:schemeClr val="lt1"/>
-                </a:solidFill>
-                <a:latin typeface="Cabin"/>
-                <a:ea typeface="Cabin"/>
-                <a:cs typeface="Cabin"/>
+              <a:rPr lang="en-US" sz="3800" u="none" strike="noStrike" cap="none">
+                <a:solidFill>
+                  <a:schemeClr val="lt1"/>
+                </a:solidFill>
+                <a:latin typeface="Arial" charset="0"/>
+                <a:ea typeface="Arial" charset="0"/>
+                <a:cs typeface="Arial" charset="0"/>
                 <a:sym typeface="Cabin"/>
               </a:rPr>
               <a:t>Pay: 475.0</a:t>
@@ -32803,13 +32808,13 @@
               <a:buNone/>
             </a:pPr>
             <a:r>
-              <a:rPr lang="en-US" sz="3800" b="0" i="0" u="none" strike="noStrike" cap="none">
-                <a:solidFill>
-                  <a:schemeClr val="lt1"/>
-                </a:solidFill>
-                <a:latin typeface="Cabin"/>
-                <a:ea typeface="Cabin"/>
-                <a:cs typeface="Cabin"/>
+              <a:rPr lang="en-US" sz="3800" u="none" strike="noStrike" cap="none">
+                <a:solidFill>
+                  <a:schemeClr val="lt1"/>
+                </a:solidFill>
+                <a:latin typeface="Arial" charset="0"/>
+                <a:ea typeface="Arial" charset="0"/>
+                <a:cs typeface="Arial" charset="0"/>
                 <a:sym typeface="Cabin"/>
               </a:rPr>
               <a:t>475 = 40 * 10 + 5 * 15</a:t>
@@ -32889,13 +32894,13 @@
               <a:buNone/>
             </a:pPr>
             <a:r>
-              <a:rPr lang="en-US" sz="7600" b="0" i="0" u="none" strike="noStrike" cap="none">
+              <a:rPr lang="en-US" sz="7600" u="none" strike="noStrike" cap="none">
                 <a:solidFill>
                   <a:srgbClr val="FFFF00"/>
                 </a:solidFill>
-                <a:latin typeface="Cabin"/>
-                <a:ea typeface="Cabin"/>
-                <a:cs typeface="Cabin"/>
+                <a:latin typeface="Arial" charset="0"/>
+                <a:ea typeface="Arial" charset="0"/>
+                <a:cs typeface="Arial" charset="0"/>
                 <a:sym typeface="Cabin"/>
               </a:rPr>
               <a:t>Summary</a:t>
@@ -32954,9 +32959,9 @@
                 <a:solidFill>
                   <a:schemeClr val="lt1"/>
                 </a:solidFill>
-                <a:latin typeface="Cabin"/>
-                <a:ea typeface="Cabin"/>
-                <a:cs typeface="Cabin"/>
+                <a:latin typeface="Arial" charset="0"/>
+                <a:ea typeface="Arial" charset="0"/>
+                <a:cs typeface="Arial" charset="0"/>
                 <a:sym typeface="Cabin"/>
               </a:rPr>
               <a:t>Arguments</a:t>
@@ -32985,9 +32990,9 @@
                 <a:solidFill>
                   <a:schemeClr val="lt1"/>
                 </a:solidFill>
-                <a:latin typeface="Cabin"/>
-                <a:ea typeface="Cabin"/>
-                <a:cs typeface="Cabin"/>
+                <a:latin typeface="Arial" charset="0"/>
+                <a:ea typeface="Arial" charset="0"/>
+                <a:cs typeface="Arial" charset="0"/>
                 <a:sym typeface="Cabin"/>
               </a:rPr>
               <a:t>Results (fruitful functions)</a:t>
@@ -33016,9 +33021,9 @@
                 <a:solidFill>
                   <a:schemeClr val="lt1"/>
                 </a:solidFill>
-                <a:latin typeface="Cabin"/>
-                <a:ea typeface="Cabin"/>
-                <a:cs typeface="Cabin"/>
+                <a:latin typeface="Arial" charset="0"/>
+                <a:ea typeface="Arial" charset="0"/>
+                <a:cs typeface="Arial" charset="0"/>
                 <a:sym typeface="Cabin"/>
               </a:rPr>
               <a:t>Void (non-fruitful) functions</a:t>
@@ -33047,9 +33052,9 @@
                 <a:solidFill>
                   <a:schemeClr val="lt1"/>
                 </a:solidFill>
-                <a:latin typeface="Cabin"/>
-                <a:ea typeface="Cabin"/>
-                <a:cs typeface="Cabin"/>
+                <a:latin typeface="Arial" charset="0"/>
+                <a:ea typeface="Arial" charset="0"/>
+                <a:cs typeface="Arial" charset="0"/>
                 <a:sym typeface="Cabin"/>
               </a:rPr>
               <a:t>Why use functions?</a:t>
@@ -33104,13 +33109,13 @@
               <a:buChar char="•"/>
             </a:pPr>
             <a:r>
-              <a:rPr lang="en-US" sz="3600" b="0" i="0" u="none" strike="noStrike" cap="none">
-                <a:solidFill>
-                  <a:schemeClr val="lt1"/>
-                </a:solidFill>
-                <a:latin typeface="Cabin"/>
-                <a:ea typeface="Cabin"/>
-                <a:cs typeface="Cabin"/>
+              <a:rPr lang="en-US" sz="3600" u="none" strike="noStrike" cap="none">
+                <a:solidFill>
+                  <a:schemeClr val="lt1"/>
+                </a:solidFill>
+                <a:latin typeface="Arial" charset="0"/>
+                <a:ea typeface="Arial" charset="0"/>
+                <a:cs typeface="Arial" charset="0"/>
                 <a:sym typeface="Cabin"/>
               </a:rPr>
               <a:t>Functions</a:t>
@@ -33135,13 +33140,13 @@
               <a:buChar char="•"/>
             </a:pPr>
             <a:r>
-              <a:rPr lang="en-US" sz="3600" b="0" i="0" u="none" strike="noStrike" cap="none">
-                <a:solidFill>
-                  <a:schemeClr val="lt1"/>
-                </a:solidFill>
-                <a:latin typeface="Cabin"/>
-                <a:ea typeface="Cabin"/>
-                <a:cs typeface="Cabin"/>
+              <a:rPr lang="en-US" sz="3600" u="none" strike="noStrike" cap="none">
+                <a:solidFill>
+                  <a:schemeClr val="lt1"/>
+                </a:solidFill>
+                <a:latin typeface="Arial" charset="0"/>
+                <a:ea typeface="Arial" charset="0"/>
+                <a:cs typeface="Arial" charset="0"/>
                 <a:sym typeface="Cabin"/>
               </a:rPr>
               <a:t>Built-In Functions</a:t>
@@ -33165,13 +33170,13 @@
               <a:buFont typeface="Cabin"/>
             </a:pPr>
             <a:r>
-              <a:rPr lang="en-US" sz="3600" b="0" i="0" u="none" strike="noStrike" cap="none">
-                <a:solidFill>
-                  <a:schemeClr val="lt1"/>
-                </a:solidFill>
-                <a:latin typeface="Cabin"/>
-                <a:ea typeface="Cabin"/>
-                <a:cs typeface="Cabin"/>
+              <a:rPr lang="en-US" sz="3600" u="none" strike="noStrike" cap="none">
+                <a:solidFill>
+                  <a:schemeClr val="lt1"/>
+                </a:solidFill>
+                <a:latin typeface="Arial" charset="0"/>
+                <a:ea typeface="Arial" charset="0"/>
+                <a:cs typeface="Arial" charset="0"/>
                 <a:sym typeface="Cabin"/>
               </a:rPr>
               <a:t>Type conversion (int, float)</a:t>
@@ -33199,9 +33204,9 @@
                 <a:solidFill>
                   <a:schemeClr val="lt1"/>
                 </a:solidFill>
-                <a:latin typeface="Cabin"/>
-                <a:ea typeface="Cabin"/>
-                <a:cs typeface="Cabin"/>
+                <a:latin typeface="Arial" charset="0"/>
+                <a:ea typeface="Arial" charset="0"/>
+                <a:cs typeface="Arial" charset="0"/>
                 <a:sym typeface="Cabin"/>
               </a:rPr>
               <a:t>String conversions</a:t>
@@ -33230,9 +33235,9 @@
                 <a:solidFill>
                   <a:schemeClr val="lt1"/>
                 </a:solidFill>
-                <a:latin typeface="Cabin"/>
-                <a:ea typeface="Cabin"/>
-                <a:cs typeface="Cabin"/>
+                <a:latin typeface="Arial" charset="0"/>
+                <a:ea typeface="Arial" charset="0"/>
+                <a:cs typeface="Arial" charset="0"/>
                 <a:sym typeface="Cabin"/>
               </a:rPr>
               <a:t>Parameters</a:t>
@@ -33609,13 +33614,13 @@
               <a:buNone/>
             </a:pPr>
             <a:r>
-              <a:rPr lang="en-US" sz="7600" b="0" i="0" u="none" strike="noStrike" cap="none">
+              <a:rPr lang="en-US" sz="7600" u="none" strike="noStrike" cap="none">
                 <a:solidFill>
                   <a:srgbClr val="FFFF00"/>
                 </a:solidFill>
-                <a:latin typeface="Cabin"/>
-                <a:ea typeface="Cabin"/>
-                <a:cs typeface="Cabin"/>
+                <a:latin typeface="Arial" charset="0"/>
+                <a:ea typeface="Arial" charset="0"/>
+                <a:cs typeface="Arial" charset="0"/>
                 <a:sym typeface="Cabin"/>
               </a:rPr>
               <a:t>Python Functions</a:t>
@@ -33670,37 +33675,37 @@
               <a:buChar char="•"/>
             </a:pPr>
             <a:r>
-              <a:rPr lang="en-US" sz="3600" b="0" i="0" u="none" strike="noStrike" cap="none">
-                <a:solidFill>
-                  <a:schemeClr val="lt1"/>
-                </a:solidFill>
-                <a:latin typeface="Cabin"/>
-                <a:ea typeface="Cabin"/>
-                <a:cs typeface="Cabin"/>
+              <a:rPr lang="en-US" sz="3600" u="none" strike="noStrike" cap="none">
+                <a:solidFill>
+                  <a:schemeClr val="lt1"/>
+                </a:solidFill>
+                <a:latin typeface="Arial" charset="0"/>
+                <a:ea typeface="Arial" charset="0"/>
+                <a:cs typeface="Arial" charset="0"/>
                 <a:sym typeface="Cabin"/>
               </a:rPr>
               <a:t>There are two kinds of </a:t>
             </a:r>
             <a:r>
-              <a:rPr lang="en-US" sz="3600" b="0" i="0" u="none" strike="noStrike" cap="none">
+              <a:rPr lang="en-US" sz="3600" u="none" strike="noStrike" cap="none">
                 <a:solidFill>
                   <a:srgbClr val="FFFFFF"/>
                 </a:solidFill>
-                <a:latin typeface="Cabin"/>
-                <a:ea typeface="Cabin"/>
-                <a:cs typeface="Cabin"/>
+                <a:latin typeface="Arial" charset="0"/>
+                <a:ea typeface="Arial" charset="0"/>
+                <a:cs typeface="Arial" charset="0"/>
                 <a:sym typeface="Cabin"/>
               </a:rPr>
               <a:t>functions</a:t>
             </a:r>
             <a:r>
-              <a:rPr lang="en-US" sz="3600" b="0" i="0" u="none" strike="noStrike" cap="none">
-                <a:solidFill>
-                  <a:schemeClr val="lt1"/>
-                </a:solidFill>
-                <a:latin typeface="Cabin"/>
-                <a:ea typeface="Cabin"/>
-                <a:cs typeface="Cabin"/>
+              <a:rPr lang="en-US" sz="3600" u="none" strike="noStrike" cap="none">
+                <a:solidFill>
+                  <a:schemeClr val="lt1"/>
+                </a:solidFill>
+                <a:latin typeface="Arial" charset="0"/>
+                <a:ea typeface="Arial" charset="0"/>
+                <a:cs typeface="Arial" charset="0"/>
                 <a:sym typeface="Cabin"/>
               </a:rPr>
               <a:t> in Python.</a:t>
@@ -33724,25 +33729,25 @@
               <a:buFont typeface="Cabin"/>
             </a:pPr>
             <a:r>
-              <a:rPr lang="en-US" sz="3600" b="0" i="0" u="none" strike="noStrike" cap="none">
+              <a:rPr lang="en-US" sz="3600" u="none" strike="noStrike" cap="none">
                 <a:solidFill>
                   <a:srgbClr val="00FF00"/>
                 </a:solidFill>
-                <a:latin typeface="Cabin"/>
-                <a:ea typeface="Cabin"/>
-                <a:cs typeface="Cabin"/>
+                <a:latin typeface="Arial" charset="0"/>
+                <a:ea typeface="Arial" charset="0"/>
+                <a:cs typeface="Arial" charset="0"/>
                 <a:sym typeface="Cabin"/>
               </a:rPr>
               <a:t>Built-in functions</a:t>
             </a:r>
             <a:r>
-              <a:rPr lang="en-US" sz="3600" b="0" i="0" u="none" strike="noStrike" cap="none">
+              <a:rPr lang="en-US" sz="3600" u="none" strike="noStrike" cap="none">
                 <a:solidFill>
                   <a:srgbClr val="FFFFFF"/>
                 </a:solidFill>
-                <a:latin typeface="Cabin"/>
-                <a:ea typeface="Cabin"/>
-                <a:cs typeface="Cabin"/>
+                <a:latin typeface="Arial" charset="0"/>
+                <a:ea typeface="Arial" charset="0"/>
+                <a:cs typeface="Arial" charset="0"/>
                 <a:sym typeface="Cabin"/>
               </a:rPr>
               <a:t> that are provided as part of Python - raw_input(), type(), float(), int() ...</a:t>
@@ -33766,25 +33771,25 @@
               <a:buFont typeface="Cabin"/>
             </a:pPr>
             <a:r>
-              <a:rPr lang="en-US" sz="3600" b="0" i="0" u="none" strike="noStrike" cap="none">
+              <a:rPr lang="en-US" sz="3600" u="none" strike="noStrike" cap="none">
                 <a:solidFill>
                   <a:srgbClr val="00FF00"/>
                 </a:solidFill>
-                <a:latin typeface="Cabin"/>
-                <a:ea typeface="Cabin"/>
-                <a:cs typeface="Cabin"/>
+                <a:latin typeface="Arial" charset="0"/>
+                <a:ea typeface="Arial" charset="0"/>
+                <a:cs typeface="Arial" charset="0"/>
                 <a:sym typeface="Cabin"/>
               </a:rPr>
               <a:t>Functions that we define ourselves</a:t>
             </a:r>
             <a:r>
-              <a:rPr lang="en-US" sz="3600" b="0" i="0" u="none" strike="noStrike" cap="none">
-                <a:solidFill>
-                  <a:schemeClr val="lt1"/>
-                </a:solidFill>
-                <a:latin typeface="Cabin"/>
-                <a:ea typeface="Cabin"/>
-                <a:cs typeface="Cabin"/>
+              <a:rPr lang="en-US" sz="3600" u="none" strike="noStrike" cap="none">
+                <a:solidFill>
+                  <a:schemeClr val="lt1"/>
+                </a:solidFill>
+                <a:latin typeface="Arial" charset="0"/>
+                <a:ea typeface="Arial" charset="0"/>
+                <a:cs typeface="Arial" charset="0"/>
                 <a:sym typeface="Cabin"/>
               </a:rPr>
               <a:t> and then use</a:t>
@@ -33809,37 +33814,37 @@
               <a:buChar char="•"/>
             </a:pPr>
             <a:r>
-              <a:rPr lang="en-US" sz="3600" b="0" i="0" u="none" strike="noStrike" cap="none">
-                <a:solidFill>
-                  <a:schemeClr val="lt1"/>
-                </a:solidFill>
-                <a:latin typeface="Cabin"/>
-                <a:ea typeface="Cabin"/>
-                <a:cs typeface="Cabin"/>
+              <a:rPr lang="en-US" sz="3600" u="none" strike="noStrike" cap="none">
+                <a:solidFill>
+                  <a:schemeClr val="lt1"/>
+                </a:solidFill>
+                <a:latin typeface="Arial" charset="0"/>
+                <a:ea typeface="Arial" charset="0"/>
+                <a:cs typeface="Arial" charset="0"/>
                 <a:sym typeface="Cabin"/>
               </a:rPr>
               <a:t>We treat the built-in</a:t>
             </a:r>
             <a:r>
-              <a:rPr lang="en-US" sz="3600" b="0" i="0" u="none" strike="noStrike" cap="none">
+              <a:rPr lang="en-US" sz="3600" u="none" strike="noStrike" cap="none">
                 <a:solidFill>
                   <a:srgbClr val="FFFFFF"/>
                 </a:solidFill>
-                <a:latin typeface="Cabin"/>
-                <a:ea typeface="Cabin"/>
-                <a:cs typeface="Cabin"/>
+                <a:latin typeface="Arial" charset="0"/>
+                <a:ea typeface="Arial" charset="0"/>
+                <a:cs typeface="Arial" charset="0"/>
                 <a:sym typeface="Cabin"/>
               </a:rPr>
               <a:t> function </a:t>
             </a:r>
             <a:r>
-              <a:rPr lang="en-US" sz="3600" b="0" i="0" u="none" strike="noStrike" cap="none">
-                <a:solidFill>
-                  <a:schemeClr val="lt1"/>
-                </a:solidFill>
-                <a:latin typeface="Cabin"/>
-                <a:ea typeface="Cabin"/>
-                <a:cs typeface="Cabin"/>
+              <a:rPr lang="en-US" sz="3600" u="none" strike="noStrike" cap="none">
+                <a:solidFill>
+                  <a:schemeClr val="lt1"/>
+                </a:solidFill>
+                <a:latin typeface="Arial" charset="0"/>
+                <a:ea typeface="Arial" charset="0"/>
+                <a:cs typeface="Arial" charset="0"/>
                 <a:sym typeface="Cabin"/>
               </a:rPr>
               <a:t>names as </a:t>
@@ -33849,21 +33854,21 @@
                 <a:solidFill>
                   <a:schemeClr val="lt1"/>
                 </a:solidFill>
-                <a:latin typeface="Cabin"/>
-                <a:ea typeface="Cabin"/>
-                <a:cs typeface="Cabin"/>
+                <a:latin typeface="Arial" charset="0"/>
+                <a:ea typeface="Arial" charset="0"/>
+                <a:cs typeface="Arial" charset="0"/>
                 <a:sym typeface="Cabin"/>
               </a:rPr>
               <a:t>“</a:t>
             </a:r>
             <a:r>
-              <a:rPr lang="en-US" sz="3600" b="0" i="0" u="none" strike="noStrike" cap="none">
-                <a:solidFill>
-                  <a:schemeClr val="lt1"/>
-                </a:solidFill>
-                <a:latin typeface="Cabin"/>
-                <a:ea typeface="Cabin"/>
-                <a:cs typeface="Cabin"/>
+              <a:rPr lang="en-US" sz="3600" u="none" strike="noStrike" cap="none">
+                <a:solidFill>
+                  <a:schemeClr val="lt1"/>
+                </a:solidFill>
+                <a:latin typeface="Arial" charset="0"/>
+                <a:ea typeface="Arial" charset="0"/>
+                <a:cs typeface="Arial" charset="0"/>
                 <a:sym typeface="Cabin"/>
               </a:rPr>
               <a:t>new</a:t>
@@ -33873,68 +33878,68 @@
                 <a:solidFill>
                   <a:schemeClr val="lt1"/>
                 </a:solidFill>
-                <a:latin typeface="Cabin"/>
-                <a:ea typeface="Cabin"/>
-                <a:cs typeface="Cabin"/>
+                <a:latin typeface="Arial" charset="0"/>
+                <a:ea typeface="Arial" charset="0"/>
+                <a:cs typeface="Arial" charset="0"/>
                 <a:sym typeface="Cabin"/>
               </a:rPr>
               <a:t>”</a:t>
             </a:r>
             <a:r>
-              <a:rPr lang="en-US" sz="3600" b="0" i="0" u="none" strike="noStrike" cap="none">
-                <a:solidFill>
-                  <a:schemeClr val="lt1"/>
-                </a:solidFill>
-                <a:latin typeface="Cabin"/>
-                <a:ea typeface="Cabin"/>
-                <a:cs typeface="Cabin"/>
+              <a:rPr lang="en-US" sz="3600" u="none" strike="noStrike" cap="none">
+                <a:solidFill>
+                  <a:schemeClr val="lt1"/>
+                </a:solidFill>
+                <a:latin typeface="Arial" charset="0"/>
+                <a:ea typeface="Arial" charset="0"/>
+                <a:cs typeface="Arial" charset="0"/>
                 <a:sym typeface="Cabin"/>
               </a:rPr>
               <a:t> </a:t>
             </a:r>
             <a:r>
-              <a:rPr lang="en-US" sz="3600" b="0" i="0" u="none" strike="noStrike" cap="none">
+              <a:rPr lang="en-US" sz="3600" u="none" strike="noStrike" cap="none">
                 <a:solidFill>
                   <a:srgbClr val="FFFF00"/>
                 </a:solidFill>
-                <a:latin typeface="Cabin"/>
-                <a:ea typeface="Cabin"/>
-                <a:cs typeface="Cabin"/>
+                <a:latin typeface="Arial" charset="0"/>
+                <a:ea typeface="Arial" charset="0"/>
+                <a:cs typeface="Arial" charset="0"/>
                 <a:sym typeface="Cabin"/>
               </a:rPr>
               <a:t>reserved words</a:t>
             </a:r>
             <a:r>
-              <a:rPr lang="en-US" sz="3600" b="0" i="0" u="none" strike="noStrike" cap="none">
-                <a:solidFill>
-                  <a:schemeClr val="lt1"/>
-                </a:solidFill>
-                <a:latin typeface="Cabin"/>
-                <a:ea typeface="Cabin"/>
-                <a:cs typeface="Cabin"/>
+              <a:rPr lang="en-US" sz="3600" u="none" strike="noStrike" cap="none">
+                <a:solidFill>
+                  <a:schemeClr val="lt1"/>
+                </a:solidFill>
+                <a:latin typeface="Arial" charset="0"/>
+                <a:ea typeface="Arial" charset="0"/>
+                <a:cs typeface="Arial" charset="0"/>
                 <a:sym typeface="Cabin"/>
               </a:rPr>
               <a:t> </a:t>
             </a:r>
             <a:br>
-              <a:rPr lang="en-US" sz="3600" b="0" i="0" u="none" strike="noStrike" cap="none">
-                <a:solidFill>
-                  <a:schemeClr val="lt1"/>
-                </a:solidFill>
-                <a:latin typeface="Cabin"/>
-                <a:ea typeface="Cabin"/>
-                <a:cs typeface="Cabin"/>
+              <a:rPr lang="en-US" sz="3600" u="none" strike="noStrike" cap="none">
+                <a:solidFill>
+                  <a:schemeClr val="lt1"/>
+                </a:solidFill>
+                <a:latin typeface="Arial" charset="0"/>
+                <a:ea typeface="Arial" charset="0"/>
+                <a:cs typeface="Arial" charset="0"/>
                 <a:sym typeface="Cabin"/>
               </a:rPr>
             </a:br>
             <a:r>
-              <a:rPr lang="en-US" sz="3600" b="0" i="0" u="none" strike="noStrike" cap="none">
-                <a:solidFill>
-                  <a:schemeClr val="lt1"/>
-                </a:solidFill>
-                <a:latin typeface="Cabin"/>
-                <a:ea typeface="Cabin"/>
-                <a:cs typeface="Cabin"/>
+              <a:rPr lang="en-US" sz="3600" u="none" strike="noStrike" cap="none">
+                <a:solidFill>
+                  <a:schemeClr val="lt1"/>
+                </a:solidFill>
+                <a:latin typeface="Arial" charset="0"/>
+                <a:ea typeface="Arial" charset="0"/>
+                <a:cs typeface="Arial" charset="0"/>
                 <a:sym typeface="Cabin"/>
               </a:rPr>
               <a:t>(i.e., we avoid them as variable names)</a:t>
@@ -34014,13 +34019,13 @@
               <a:buNone/>
             </a:pPr>
             <a:r>
-              <a:rPr lang="en-US" sz="7600" b="0" i="0" u="none" strike="noStrike" cap="none">
+              <a:rPr lang="en-US" sz="7600" u="none" strike="noStrike" cap="none">
                 <a:solidFill>
                   <a:srgbClr val="FFFF00"/>
                 </a:solidFill>
-                <a:latin typeface="Cabin"/>
-                <a:ea typeface="Cabin"/>
-                <a:cs typeface="Cabin"/>
+                <a:latin typeface="Arial" charset="0"/>
+                <a:ea typeface="Arial" charset="0"/>
+                <a:cs typeface="Arial" charset="0"/>
                 <a:sym typeface="Cabin"/>
               </a:rPr>
               <a:t>Function Definition</a:t>
@@ -34075,61 +34080,61 @@
               <a:buChar char="•"/>
             </a:pPr>
             <a:r>
-              <a:rPr lang="en-US" sz="3600" b="0" i="0" u="none" strike="noStrike" cap="none">
-                <a:solidFill>
-                  <a:schemeClr val="lt1"/>
-                </a:solidFill>
-                <a:latin typeface="Cabin"/>
-                <a:ea typeface="Cabin"/>
-                <a:cs typeface="Cabin"/>
+              <a:rPr lang="en-US" sz="3600" u="none" strike="noStrike" cap="none">
+                <a:solidFill>
+                  <a:schemeClr val="lt1"/>
+                </a:solidFill>
+                <a:latin typeface="Arial" charset="0"/>
+                <a:ea typeface="Arial" charset="0"/>
+                <a:cs typeface="Arial" charset="0"/>
                 <a:sym typeface="Cabin"/>
               </a:rPr>
               <a:t>In Python a </a:t>
             </a:r>
             <a:r>
-              <a:rPr lang="en-US" sz="3600" b="0" i="0" u="none" strike="noStrike" cap="none">
+              <a:rPr lang="en-US" sz="3600" u="none" strike="noStrike" cap="none">
                 <a:solidFill>
                   <a:srgbClr val="00FF00"/>
                 </a:solidFill>
-                <a:latin typeface="Cabin"/>
-                <a:ea typeface="Cabin"/>
-                <a:cs typeface="Cabin"/>
+                <a:latin typeface="Arial" charset="0"/>
+                <a:ea typeface="Arial" charset="0"/>
+                <a:cs typeface="Arial" charset="0"/>
                 <a:sym typeface="Cabin"/>
               </a:rPr>
               <a:t>function</a:t>
             </a:r>
             <a:r>
-              <a:rPr lang="en-US" sz="3600" b="0" i="0" u="none" strike="noStrike" cap="none">
-                <a:solidFill>
-                  <a:schemeClr val="lt1"/>
-                </a:solidFill>
-                <a:latin typeface="Cabin"/>
-                <a:ea typeface="Cabin"/>
-                <a:cs typeface="Cabin"/>
+              <a:rPr lang="en-US" sz="3600" u="none" strike="noStrike" cap="none">
+                <a:solidFill>
+                  <a:schemeClr val="lt1"/>
+                </a:solidFill>
+                <a:latin typeface="Arial" charset="0"/>
+                <a:ea typeface="Arial" charset="0"/>
+                <a:cs typeface="Arial" charset="0"/>
                 <a:sym typeface="Cabin"/>
               </a:rPr>
               <a:t> is some reusable code that takes </a:t>
             </a:r>
             <a:r>
-              <a:rPr lang="en-US" sz="3600" b="0" i="0" u="none" strike="noStrike" cap="none">
+              <a:rPr lang="en-US" sz="3600" u="none" strike="noStrike" cap="none">
                 <a:solidFill>
                   <a:srgbClr val="FF7F00"/>
                 </a:solidFill>
-                <a:latin typeface="Cabin"/>
-                <a:ea typeface="Cabin"/>
-                <a:cs typeface="Cabin"/>
+                <a:latin typeface="Arial" charset="0"/>
+                <a:ea typeface="Arial" charset="0"/>
+                <a:cs typeface="Arial" charset="0"/>
                 <a:sym typeface="Cabin"/>
               </a:rPr>
               <a:t>arguments</a:t>
             </a:r>
             <a:r>
-              <a:rPr lang="en-US" sz="3600" b="0" i="0" u="none" strike="noStrike" cap="none">
-                <a:solidFill>
-                  <a:schemeClr val="lt1"/>
-                </a:solidFill>
-                <a:latin typeface="Cabin"/>
-                <a:ea typeface="Cabin"/>
-                <a:cs typeface="Cabin"/>
+              <a:rPr lang="en-US" sz="3600" u="none" strike="noStrike" cap="none">
+                <a:solidFill>
+                  <a:schemeClr val="lt1"/>
+                </a:solidFill>
+                <a:latin typeface="Arial" charset="0"/>
+                <a:ea typeface="Arial" charset="0"/>
+                <a:cs typeface="Arial" charset="0"/>
                 <a:sym typeface="Cabin"/>
               </a:rPr>
               <a:t>(s) as input, does some computation, and then returns a result or results</a:t>
@@ -34154,61 +34159,61 @@
               <a:buChar char="•"/>
             </a:pPr>
             <a:r>
-              <a:rPr lang="en-US" sz="3600" b="0" i="0" u="none" strike="noStrike" cap="none">
-                <a:solidFill>
-                  <a:schemeClr val="lt1"/>
-                </a:solidFill>
-                <a:latin typeface="Cabin"/>
-                <a:ea typeface="Cabin"/>
-                <a:cs typeface="Cabin"/>
+              <a:rPr lang="en-US" sz="3600" u="none" strike="noStrike" cap="none">
+                <a:solidFill>
+                  <a:schemeClr val="lt1"/>
+                </a:solidFill>
+                <a:latin typeface="Arial" charset="0"/>
+                <a:ea typeface="Arial" charset="0"/>
+                <a:cs typeface="Arial" charset="0"/>
                 <a:sym typeface="Cabin"/>
               </a:rPr>
               <a:t>We define a </a:t>
             </a:r>
             <a:r>
-              <a:rPr lang="en-US" sz="3600" b="0" i="0" u="none" strike="noStrike" cap="none">
+              <a:rPr lang="en-US" sz="3600" u="none" strike="noStrike" cap="none">
                 <a:solidFill>
                   <a:srgbClr val="00FF00"/>
                 </a:solidFill>
-                <a:latin typeface="Cabin"/>
-                <a:ea typeface="Cabin"/>
-                <a:cs typeface="Cabin"/>
+                <a:latin typeface="Arial" charset="0"/>
+                <a:ea typeface="Arial" charset="0"/>
+                <a:cs typeface="Arial" charset="0"/>
                 <a:sym typeface="Cabin"/>
               </a:rPr>
               <a:t>function</a:t>
             </a:r>
             <a:r>
-              <a:rPr lang="en-US" sz="3600" b="0" i="0" u="none" strike="noStrike" cap="none">
-                <a:solidFill>
-                  <a:schemeClr val="lt1"/>
-                </a:solidFill>
-                <a:latin typeface="Cabin"/>
-                <a:ea typeface="Cabin"/>
-                <a:cs typeface="Cabin"/>
+              <a:rPr lang="en-US" sz="3600" u="none" strike="noStrike" cap="none">
+                <a:solidFill>
+                  <a:schemeClr val="lt1"/>
+                </a:solidFill>
+                <a:latin typeface="Arial" charset="0"/>
+                <a:ea typeface="Arial" charset="0"/>
+                <a:cs typeface="Arial" charset="0"/>
                 <a:sym typeface="Cabin"/>
               </a:rPr>
               <a:t> using the </a:t>
             </a:r>
             <a:r>
-              <a:rPr lang="en-US" sz="3600" b="0" i="0" u="none" strike="noStrike" cap="none">
+              <a:rPr lang="en-US" sz="3600" u="none" strike="noStrike" cap="none">
                 <a:solidFill>
                   <a:srgbClr val="FFFF00"/>
                 </a:solidFill>
-                <a:latin typeface="Cabin"/>
-                <a:ea typeface="Cabin"/>
-                <a:cs typeface="Cabin"/>
+                <a:latin typeface="Arial" charset="0"/>
+                <a:ea typeface="Arial" charset="0"/>
+                <a:cs typeface="Arial" charset="0"/>
                 <a:sym typeface="Cabin"/>
               </a:rPr>
               <a:t>def</a:t>
             </a:r>
             <a:r>
-              <a:rPr lang="en-US" sz="3600" b="0" i="0" u="none" strike="noStrike" cap="none">
-                <a:solidFill>
-                  <a:schemeClr val="lt1"/>
-                </a:solidFill>
-                <a:latin typeface="Cabin"/>
-                <a:ea typeface="Cabin"/>
-                <a:cs typeface="Cabin"/>
+              <a:rPr lang="en-US" sz="3600" u="none" strike="noStrike" cap="none">
+                <a:solidFill>
+                  <a:schemeClr val="lt1"/>
+                </a:solidFill>
+                <a:latin typeface="Arial" charset="0"/>
+                <a:ea typeface="Arial" charset="0"/>
+                <a:cs typeface="Arial" charset="0"/>
                 <a:sym typeface="Cabin"/>
               </a:rPr>
               <a:t> reserved word</a:t>
@@ -34233,37 +34238,37 @@
               <a:buChar char="•"/>
             </a:pPr>
             <a:r>
-              <a:rPr lang="en-US" sz="3600" b="0" i="0" u="none" strike="noStrike" cap="none">
-                <a:solidFill>
-                  <a:schemeClr val="lt1"/>
-                </a:solidFill>
-                <a:latin typeface="Cabin"/>
-                <a:ea typeface="Cabin"/>
-                <a:cs typeface="Cabin"/>
+              <a:rPr lang="en-US" sz="3600" u="none" strike="noStrike" cap="none">
+                <a:solidFill>
+                  <a:schemeClr val="lt1"/>
+                </a:solidFill>
+                <a:latin typeface="Arial" charset="0"/>
+                <a:ea typeface="Arial" charset="0"/>
+                <a:cs typeface="Arial" charset="0"/>
                 <a:sym typeface="Cabin"/>
               </a:rPr>
               <a:t>We call/invoke the </a:t>
             </a:r>
             <a:r>
-              <a:rPr lang="en-US" sz="3600" b="0" i="0" u="none" strike="noStrike" cap="none">
+              <a:rPr lang="en-US" sz="3600" u="none" strike="noStrike" cap="none">
                 <a:solidFill>
                   <a:srgbClr val="00FF00"/>
                 </a:solidFill>
-                <a:latin typeface="Cabin"/>
-                <a:ea typeface="Cabin"/>
-                <a:cs typeface="Cabin"/>
+                <a:latin typeface="Arial" charset="0"/>
+                <a:ea typeface="Arial" charset="0"/>
+                <a:cs typeface="Arial" charset="0"/>
                 <a:sym typeface="Cabin"/>
               </a:rPr>
               <a:t>function</a:t>
             </a:r>
             <a:r>
-              <a:rPr lang="en-US" sz="3600" b="0" i="0" u="none" strike="noStrike" cap="none">
-                <a:solidFill>
-                  <a:schemeClr val="lt1"/>
-                </a:solidFill>
-                <a:latin typeface="Cabin"/>
-                <a:ea typeface="Cabin"/>
-                <a:cs typeface="Cabin"/>
+              <a:rPr lang="en-US" sz="3600" u="none" strike="noStrike" cap="none">
+                <a:solidFill>
+                  <a:schemeClr val="lt1"/>
+                </a:solidFill>
+                <a:latin typeface="Arial" charset="0"/>
+                <a:ea typeface="Arial" charset="0"/>
+                <a:cs typeface="Arial" charset="0"/>
                 <a:sym typeface="Cabin"/>
               </a:rPr>
               <a:t> by using the function name, parenthes</a:t>
@@ -34273,45 +34278,45 @@
                 <a:solidFill>
                   <a:schemeClr val="lt1"/>
                 </a:solidFill>
-                <a:latin typeface="Cabin"/>
-                <a:ea typeface="Cabin"/>
-                <a:cs typeface="Cabin"/>
+                <a:latin typeface="Arial" charset="0"/>
+                <a:ea typeface="Arial" charset="0"/>
+                <a:cs typeface="Arial" charset="0"/>
                 <a:sym typeface="Cabin"/>
               </a:rPr>
               <a:t>e</a:t>
             </a:r>
             <a:r>
-              <a:rPr lang="en-US" sz="3600" b="0" i="0" u="none" strike="noStrike" cap="none">
-                <a:solidFill>
-                  <a:schemeClr val="lt1"/>
-                </a:solidFill>
-                <a:latin typeface="Cabin"/>
-                <a:ea typeface="Cabin"/>
-                <a:cs typeface="Cabin"/>
+              <a:rPr lang="en-US" sz="3600" u="none" strike="noStrike" cap="none">
+                <a:solidFill>
+                  <a:schemeClr val="lt1"/>
+                </a:solidFill>
+                <a:latin typeface="Arial" charset="0"/>
+                <a:ea typeface="Arial" charset="0"/>
+                <a:cs typeface="Arial" charset="0"/>
                 <a:sym typeface="Cabin"/>
               </a:rPr>
               <a:t>s, and </a:t>
             </a:r>
             <a:r>
-              <a:rPr lang="en-US" sz="3600" b="0" i="0" u="none" strike="noStrike" cap="none">
+              <a:rPr lang="en-US" sz="3600" u="none" strike="noStrike" cap="none">
                 <a:solidFill>
                   <a:srgbClr val="FF7F00"/>
                 </a:solidFill>
-                <a:latin typeface="Cabin"/>
-                <a:ea typeface="Cabin"/>
-                <a:cs typeface="Cabin"/>
+                <a:latin typeface="Arial" charset="0"/>
+                <a:ea typeface="Arial" charset="0"/>
+                <a:cs typeface="Arial" charset="0"/>
                 <a:sym typeface="Cabin"/>
               </a:rPr>
               <a:t>arguments</a:t>
             </a:r>
             <a:r>
-              <a:rPr lang="en-US" sz="3600" b="0" i="0" u="none" strike="noStrike" cap="none">
-                <a:solidFill>
-                  <a:schemeClr val="lt1"/>
-                </a:solidFill>
-                <a:latin typeface="Cabin"/>
-                <a:ea typeface="Cabin"/>
-                <a:cs typeface="Cabin"/>
+              <a:rPr lang="en-US" sz="3600" u="none" strike="noStrike" cap="none">
+                <a:solidFill>
+                  <a:schemeClr val="lt1"/>
+                </a:solidFill>
+                <a:latin typeface="Arial" charset="0"/>
+                <a:ea typeface="Arial" charset="0"/>
+                <a:cs typeface="Arial" charset="0"/>
                 <a:sym typeface="Cabin"/>
               </a:rPr>
               <a:t> in an expression </a:t>
@@ -34794,49 +34799,49 @@
               <a:buNone/>
             </a:pPr>
             <a:r>
-              <a:rPr lang="en-US" sz="4900" b="0" i="0" u="none" strike="noStrike" cap="none">
+              <a:rPr lang="en-US" sz="4900" u="none" strike="noStrike" cap="none">
                 <a:solidFill>
                   <a:srgbClr val="00FF00"/>
                 </a:solidFill>
-                <a:latin typeface="Cabin"/>
-                <a:ea typeface="Cabin"/>
-                <a:cs typeface="Cabin"/>
+                <a:latin typeface="Arial" charset="0"/>
+                <a:ea typeface="Arial" charset="0"/>
+                <a:cs typeface="Arial" charset="0"/>
                 <a:sym typeface="Cabin"/>
               </a:rPr>
               <a:t>big</a:t>
             </a:r>
             <a:r>
-              <a:rPr lang="en-US" sz="4900" b="0" i="0" u="none" strike="noStrike" cap="none">
-                <a:solidFill>
-                  <a:schemeClr val="lt1"/>
-                </a:solidFill>
-                <a:latin typeface="Cabin"/>
-                <a:ea typeface="Cabin"/>
-                <a:cs typeface="Cabin"/>
+              <a:rPr lang="en-US" sz="4900" u="none" strike="noStrike" cap="none">
+                <a:solidFill>
+                  <a:schemeClr val="lt1"/>
+                </a:solidFill>
+                <a:latin typeface="Arial" charset="0"/>
+                <a:ea typeface="Arial" charset="0"/>
+                <a:cs typeface="Arial" charset="0"/>
                 <a:sym typeface="Cabin"/>
               </a:rPr>
               <a:t> =  </a:t>
             </a:r>
             <a:r>
-              <a:rPr lang="en-US" sz="4900" b="0" i="0" u="none" strike="noStrike" cap="none">
+              <a:rPr lang="en-US" sz="4900" u="none" strike="noStrike" cap="none">
                 <a:solidFill>
                   <a:srgbClr val="FF00FF"/>
                 </a:solidFill>
-                <a:latin typeface="Cabin"/>
-                <a:ea typeface="Cabin"/>
-                <a:cs typeface="Cabin"/>
+                <a:latin typeface="Arial" charset="0"/>
+                <a:ea typeface="Arial" charset="0"/>
+                <a:cs typeface="Arial" charset="0"/>
                 <a:sym typeface="Cabin"/>
               </a:rPr>
               <a:t>max</a:t>
             </a:r>
             <a:r>
-              <a:rPr lang="en-US" sz="4900" b="0" i="0" u="none" strike="noStrike" cap="none">
-                <a:solidFill>
-                  <a:schemeClr val="lt1"/>
-                </a:solidFill>
-                <a:latin typeface="Cabin"/>
-                <a:ea typeface="Cabin"/>
-                <a:cs typeface="Cabin"/>
+              <a:rPr lang="en-US" sz="4900" u="none" strike="noStrike" cap="none">
+                <a:solidFill>
+                  <a:schemeClr val="lt1"/>
+                </a:solidFill>
+                <a:latin typeface="Arial" charset="0"/>
+                <a:ea typeface="Arial" charset="0"/>
+                <a:cs typeface="Arial" charset="0"/>
                 <a:sym typeface="Cabin"/>
               </a:rPr>
               <a:t>('Hello world')</a:t>
@@ -34887,13 +34892,13 @@
               <a:buNone/>
             </a:pPr>
             <a:r>
-              <a:rPr lang="en-US" sz="3600" b="0" i="0" u="none" strike="noStrike" cap="none">
-                <a:solidFill>
-                  <a:schemeClr val="lt1"/>
-                </a:solidFill>
-                <a:latin typeface="Cabin"/>
-                <a:ea typeface="Cabin"/>
-                <a:cs typeface="Cabin"/>
+              <a:rPr lang="en-US" sz="3600" u="none" strike="noStrike" cap="none">
+                <a:solidFill>
+                  <a:schemeClr val="lt1"/>
+                </a:solidFill>
+                <a:latin typeface="Arial" charset="0"/>
+                <a:ea typeface="Arial" charset="0"/>
+                <a:cs typeface="Arial" charset="0"/>
                 <a:sym typeface="Cabin"/>
               </a:rPr>
               <a:t>Argument</a:t>
@@ -34970,13 +34975,13 @@
               <a:buNone/>
             </a:pPr>
             <a:r>
-              <a:rPr lang="en-US" sz="3600" b="0" i="0" u="none" strike="noStrike" cap="none">
+              <a:rPr lang="en-US" sz="3600" u="none" strike="noStrike" cap="none">
                 <a:solidFill>
                   <a:srgbClr val="FFFF00"/>
                 </a:solidFill>
-                <a:latin typeface="Cabin"/>
-                <a:ea typeface="Cabin"/>
-                <a:cs typeface="Cabin"/>
+                <a:latin typeface="Arial" charset="0"/>
+                <a:ea typeface="Arial" charset="0"/>
+                <a:cs typeface="Arial" charset="0"/>
                 <a:sym typeface="Cabin"/>
               </a:rPr>
               <a:t>'w'</a:t>
@@ -35053,13 +35058,13 @@
               <a:buNone/>
             </a:pPr>
             <a:r>
-              <a:rPr lang="en-US" sz="3400" b="0" i="0" u="none" strike="noStrike" cap="none">
+              <a:rPr lang="en-US" sz="3400" u="none" strike="noStrike" cap="none">
                 <a:solidFill>
                   <a:srgbClr val="FFFF00"/>
                 </a:solidFill>
-                <a:latin typeface="Cabin"/>
-                <a:ea typeface="Cabin"/>
-                <a:cs typeface="Cabin"/>
+                <a:latin typeface="Arial" charset="0"/>
+                <a:ea typeface="Arial" charset="0"/>
+                <a:cs typeface="Arial" charset="0"/>
                 <a:sym typeface="Cabin"/>
               </a:rPr>
               <a:t>Result</a:t>
@@ -35136,13 +35141,13 @@
               <a:buNone/>
             </a:pPr>
             <a:r>
-              <a:rPr lang="en-US" sz="3400" b="0" i="0" u="none" strike="noStrike" cap="none">
+              <a:rPr lang="en-US" sz="3400" u="none" strike="noStrike" cap="none">
                 <a:solidFill>
                   <a:srgbClr val="00FF00"/>
                 </a:solidFill>
-                <a:latin typeface="Cabin"/>
-                <a:ea typeface="Cabin"/>
-                <a:cs typeface="Cabin"/>
+                <a:latin typeface="Arial" charset="0"/>
+                <a:ea typeface="Arial" charset="0"/>
+                <a:cs typeface="Arial" charset="0"/>
                 <a:sym typeface="Cabin"/>
               </a:rPr>
               <a:t>Assignment</a:t>
@@ -35248,13 +35253,13 @@
               <a:buNone/>
             </a:pPr>
             <a:r>
-              <a:rPr lang="en-US" sz="7600" b="0" i="0" u="none" strike="noStrike" cap="none">
+              <a:rPr lang="en-US" sz="7600" u="none" strike="noStrike" cap="none">
                 <a:solidFill>
                   <a:srgbClr val="FFFF00"/>
                 </a:solidFill>
-                <a:latin typeface="Cabin"/>
-                <a:ea typeface="Cabin"/>
-                <a:cs typeface="Cabin"/>
+                <a:latin typeface="Arial" charset="0"/>
+                <a:ea typeface="Arial" charset="0"/>
+                <a:cs typeface="Arial" charset="0"/>
                 <a:sym typeface="Cabin"/>
               </a:rPr>
               <a:t>Max Function</a:t>
@@ -35514,13 +35519,13 @@
               <a:buNone/>
             </a:pPr>
             <a:r>
-              <a:rPr lang="en-US" sz="5400" b="0" i="0" u="none" strike="noStrike" cap="none">
-                <a:solidFill>
-                  <a:schemeClr val="lt1"/>
-                </a:solidFill>
-                <a:latin typeface="Cabin"/>
-                <a:ea typeface="Cabin"/>
-                <a:cs typeface="Cabin"/>
+              <a:rPr lang="en-US" sz="5400" u="none" strike="noStrike" cap="none">
+                <a:solidFill>
+                  <a:schemeClr val="lt1"/>
+                </a:solidFill>
+                <a:latin typeface="Arial" charset="0"/>
+                <a:ea typeface="Arial" charset="0"/>
+                <a:cs typeface="Arial" charset="0"/>
                 <a:sym typeface="Cabin"/>
               </a:rPr>
               <a:t>max()</a:t>
@@ -35545,13 +35550,13 @@
               <a:buNone/>
             </a:pPr>
             <a:r>
-              <a:rPr lang="en-US" sz="5400" b="0" i="0" u="none" strike="noStrike" cap="none">
-                <a:solidFill>
-                  <a:schemeClr val="lt1"/>
-                </a:solidFill>
-                <a:latin typeface="Cabin"/>
-                <a:ea typeface="Cabin"/>
-                <a:cs typeface="Cabin"/>
+              <a:rPr lang="en-US" sz="5400" u="none" strike="noStrike" cap="none">
+                <a:solidFill>
+                  <a:schemeClr val="lt1"/>
+                </a:solidFill>
+                <a:latin typeface="Arial" charset="0"/>
+                <a:ea typeface="Arial" charset="0"/>
+                <a:cs typeface="Arial" charset="0"/>
                 <a:sym typeface="Cabin"/>
               </a:rPr>
               <a:t>function</a:t>
@@ -35636,13 +35641,13 @@
               <a:t>'</a:t>
             </a:r>
             <a:r>
-              <a:rPr lang="en-US" sz="3600" b="0" i="0" u="none" strike="noStrike" cap="none">
+              <a:rPr lang="en-US" sz="3600" u="none" strike="noStrike" cap="none">
                 <a:solidFill>
                   <a:srgbClr val="FF7F00"/>
                 </a:solidFill>
-                <a:latin typeface="Cabin"/>
-                <a:ea typeface="Cabin"/>
-                <a:cs typeface="Cabin"/>
+                <a:latin typeface="Arial" charset="0"/>
+                <a:ea typeface="Arial" charset="0"/>
+                <a:cs typeface="Arial" charset="0"/>
                 <a:sym typeface="Cabin"/>
               </a:rPr>
               <a:t>Hello world</a:t>
@@ -35656,13 +35661,13 @@
               <a:t>'</a:t>
             </a:r>
             <a:r>
-              <a:rPr lang="en-US" sz="3600" b="0" i="0" u="none" strike="noStrike" cap="none">
+              <a:rPr lang="en-US" sz="3600" u="none" strike="noStrike" cap="none">
                 <a:solidFill>
                   <a:srgbClr val="FF7F00"/>
                 </a:solidFill>
-                <a:latin typeface="Cabin"/>
-                <a:ea typeface="Cabin"/>
-                <a:cs typeface="Cabin"/>
+                <a:latin typeface="Arial" charset="0"/>
+                <a:ea typeface="Arial" charset="0"/>
+                <a:cs typeface="Arial" charset="0"/>
                 <a:sym typeface="Cabin"/>
               </a:rPr>
               <a:t> </a:t>
@@ -35687,13 +35692,13 @@
               <a:buNone/>
             </a:pPr>
             <a:r>
-              <a:rPr lang="en-US" sz="3600" b="0" i="0" u="none" strike="noStrike" cap="none">
+              <a:rPr lang="en-US" sz="3600" u="none" strike="noStrike" cap="none">
                 <a:solidFill>
                   <a:srgbClr val="F3F3F3"/>
                 </a:solidFill>
-                <a:latin typeface="Cabin"/>
-                <a:ea typeface="Cabin"/>
-                <a:cs typeface="Cabin"/>
+                <a:latin typeface="Arial" charset="0"/>
+                <a:ea typeface="Arial" charset="0"/>
+                <a:cs typeface="Arial" charset="0"/>
                 <a:sym typeface="Cabin"/>
               </a:rPr>
               <a:t>(a string)</a:t>
@@ -35752,13 +35757,13 @@
               <a:t>'</a:t>
             </a:r>
             <a:r>
-              <a:rPr lang="en-US" sz="3600" b="0" i="0" u="none" strike="noStrike" cap="none">
+              <a:rPr lang="en-US" sz="3600" u="none" strike="noStrike" cap="none">
                 <a:solidFill>
                   <a:srgbClr val="00FF00"/>
                 </a:solidFill>
-                <a:latin typeface="Cabin"/>
-                <a:ea typeface="Cabin"/>
-                <a:cs typeface="Cabin"/>
+                <a:latin typeface="Arial" charset="0"/>
+                <a:ea typeface="Arial" charset="0"/>
+                <a:cs typeface="Arial" charset="0"/>
                 <a:sym typeface="Cabin"/>
               </a:rPr>
               <a:t>w</a:t>
@@ -35791,13 +35796,13 @@
               <a:buNone/>
             </a:pPr>
             <a:r>
-              <a:rPr lang="en-US" sz="3600" b="0" i="0" u="none" strike="noStrike" cap="none">
+              <a:rPr lang="en-US" sz="3600" u="none" strike="noStrike" cap="none">
                 <a:solidFill>
                   <a:srgbClr val="FFFFFF"/>
                 </a:solidFill>
-                <a:latin typeface="Cabin"/>
-                <a:ea typeface="Cabin"/>
-                <a:cs typeface="Cabin"/>
+                <a:latin typeface="Arial" charset="0"/>
+                <a:ea typeface="Arial" charset="0"/>
+                <a:cs typeface="Arial" charset="0"/>
                 <a:sym typeface="Cabin"/>
               </a:rPr>
               <a:t>(a string)</a:t>
@@ -35874,109 +35879,109 @@
               <a:buNone/>
             </a:pPr>
             <a:r>
-              <a:rPr lang="en-US" sz="3600" b="0" i="0" u="none" strike="noStrike" cap="none">
-                <a:solidFill>
-                  <a:schemeClr val="lt1"/>
-                </a:solidFill>
-                <a:latin typeface="Cabin"/>
-                <a:ea typeface="Cabin"/>
-                <a:cs typeface="Cabin"/>
+              <a:rPr lang="en-US" sz="3600" u="none" strike="noStrike" cap="none">
+                <a:solidFill>
+                  <a:schemeClr val="lt1"/>
+                </a:solidFill>
+                <a:latin typeface="Arial" charset="0"/>
+                <a:ea typeface="Arial" charset="0"/>
+                <a:cs typeface="Arial" charset="0"/>
                 <a:sym typeface="Cabin"/>
               </a:rPr>
               <a:t>A </a:t>
             </a:r>
             <a:r>
-              <a:rPr lang="en-US" sz="3600" b="0" i="0" u="none" strike="noStrike" cap="none">
+              <a:rPr lang="en-US" sz="3600" u="none" strike="noStrike" cap="none">
                 <a:solidFill>
                   <a:srgbClr val="FF00FF"/>
                 </a:solidFill>
-                <a:latin typeface="Cabin"/>
-                <a:ea typeface="Cabin"/>
-                <a:cs typeface="Cabin"/>
+                <a:latin typeface="Arial" charset="0"/>
+                <a:ea typeface="Arial" charset="0"/>
+                <a:cs typeface="Arial" charset="0"/>
                 <a:sym typeface="Cabin"/>
               </a:rPr>
               <a:t>function</a:t>
             </a:r>
             <a:r>
-              <a:rPr lang="en-US" sz="3600" b="0" i="0" u="none" strike="noStrike" cap="none">
-                <a:solidFill>
-                  <a:schemeClr val="lt1"/>
-                </a:solidFill>
-                <a:latin typeface="Cabin"/>
-                <a:ea typeface="Cabin"/>
-                <a:cs typeface="Cabin"/>
+              <a:rPr lang="en-US" sz="3600" u="none" strike="noStrike" cap="none">
+                <a:solidFill>
+                  <a:schemeClr val="lt1"/>
+                </a:solidFill>
+                <a:latin typeface="Arial" charset="0"/>
+                <a:ea typeface="Arial" charset="0"/>
+                <a:cs typeface="Arial" charset="0"/>
                 <a:sym typeface="Cabin"/>
               </a:rPr>
               <a:t> is </a:t>
             </a:r>
             <a:r>
-              <a:rPr lang="en-US" sz="3600" b="0" i="0" u="none" strike="noStrike" cap="none">
+              <a:rPr lang="en-US" sz="3600" u="none" strike="noStrike" cap="none">
                 <a:solidFill>
                   <a:srgbClr val="FF00FF"/>
                 </a:solidFill>
-                <a:latin typeface="Cabin"/>
-                <a:ea typeface="Cabin"/>
-                <a:cs typeface="Cabin"/>
+                <a:latin typeface="Arial" charset="0"/>
+                <a:ea typeface="Arial" charset="0"/>
+                <a:cs typeface="Arial" charset="0"/>
                 <a:sym typeface="Cabin"/>
               </a:rPr>
               <a:t>some stored code</a:t>
             </a:r>
             <a:r>
-              <a:rPr lang="en-US" sz="3600" b="0" i="0" u="none" strike="noStrike" cap="none">
-                <a:solidFill>
-                  <a:schemeClr val="lt1"/>
-                </a:solidFill>
-                <a:latin typeface="Cabin"/>
-                <a:ea typeface="Cabin"/>
-                <a:cs typeface="Cabin"/>
+              <a:rPr lang="en-US" sz="3600" u="none" strike="noStrike" cap="none">
+                <a:solidFill>
+                  <a:schemeClr val="lt1"/>
+                </a:solidFill>
+                <a:latin typeface="Arial" charset="0"/>
+                <a:ea typeface="Arial" charset="0"/>
+                <a:cs typeface="Arial" charset="0"/>
                 <a:sym typeface="Cabin"/>
               </a:rPr>
               <a:t> that we use. A function takes some </a:t>
             </a:r>
             <a:r>
-              <a:rPr lang="en-US" sz="3600" b="0" i="0" u="none" strike="noStrike" cap="none">
+              <a:rPr lang="en-US" sz="3600" u="none" strike="noStrike" cap="none">
                 <a:solidFill>
                   <a:srgbClr val="FF7F00"/>
                 </a:solidFill>
-                <a:latin typeface="Cabin"/>
-                <a:ea typeface="Cabin"/>
-                <a:cs typeface="Cabin"/>
+                <a:latin typeface="Arial" charset="0"/>
+                <a:ea typeface="Arial" charset="0"/>
+                <a:cs typeface="Arial" charset="0"/>
                 <a:sym typeface="Cabin"/>
               </a:rPr>
               <a:t>input</a:t>
             </a:r>
             <a:r>
-              <a:rPr lang="en-US" sz="3600" b="0" i="0" u="none" strike="noStrike" cap="none">
-                <a:solidFill>
-                  <a:schemeClr val="lt1"/>
-                </a:solidFill>
-                <a:latin typeface="Cabin"/>
-                <a:ea typeface="Cabin"/>
-                <a:cs typeface="Cabin"/>
+              <a:rPr lang="en-US" sz="3600" u="none" strike="noStrike" cap="none">
+                <a:solidFill>
+                  <a:schemeClr val="lt1"/>
+                </a:solidFill>
+                <a:latin typeface="Arial" charset="0"/>
+                <a:ea typeface="Arial" charset="0"/>
+                <a:cs typeface="Arial" charset="0"/>
                 <a:sym typeface="Cabin"/>
               </a:rPr>
               <a:t> and produces an </a:t>
             </a:r>
             <a:r>
-              <a:rPr lang="en-US" sz="3600" b="0" i="0" u="none" strike="noStrike" cap="none">
+              <a:rPr lang="en-US" sz="3600" u="none" strike="noStrike" cap="none">
                 <a:solidFill>
                   <a:srgbClr val="00FF00"/>
                 </a:solidFill>
-                <a:latin typeface="Cabin"/>
-                <a:ea typeface="Cabin"/>
-                <a:cs typeface="Cabin"/>
+                <a:latin typeface="Arial" charset="0"/>
+                <a:ea typeface="Arial" charset="0"/>
+                <a:cs typeface="Arial" charset="0"/>
                 <a:sym typeface="Cabin"/>
               </a:rPr>
               <a:t>output</a:t>
             </a:r>
             <a:r>
-              <a:rPr lang="en-US" sz="3600" b="0" i="0" u="none" strike="noStrike" cap="none">
-                <a:solidFill>
-                  <a:schemeClr val="lt1"/>
-                </a:solidFill>
-                <a:latin typeface="Cabin"/>
-                <a:ea typeface="Cabin"/>
-                <a:cs typeface="Cabin"/>
+              <a:rPr lang="en-US" sz="3600" u="none" strike="noStrike" cap="none">
+                <a:solidFill>
+                  <a:schemeClr val="lt1"/>
+                </a:solidFill>
+                <a:latin typeface="Arial" charset="0"/>
+                <a:ea typeface="Arial" charset="0"/>
+                <a:cs typeface="Arial" charset="0"/>
                 <a:sym typeface="Cabin"/>
               </a:rPr>
               <a:t>.</a:t>
@@ -36027,13 +36032,13 @@
               <a:buNone/>
             </a:pPr>
             <a:r>
-              <a:rPr lang="en-US" sz="3600" b="0" i="0" u="none" strike="noStrike" cap="none">
-                <a:solidFill>
-                  <a:schemeClr val="lt1"/>
-                </a:solidFill>
-                <a:latin typeface="Cabin"/>
-                <a:ea typeface="Cabin"/>
-                <a:cs typeface="Cabin"/>
+              <a:rPr lang="en-US" sz="3600" u="none" strike="noStrike" cap="none">
+                <a:solidFill>
+                  <a:schemeClr val="lt1"/>
+                </a:solidFill>
+                <a:latin typeface="Arial" charset="0"/>
+                <a:ea typeface="Arial" charset="0"/>
+                <a:cs typeface="Arial" charset="0"/>
                 <a:sym typeface="Cabin"/>
               </a:rPr>
               <a:t>Guido wrote this code</a:t>
@@ -36119,13 +36124,13 @@
               <a:buNone/>
             </a:pPr>
             <a:r>
-              <a:rPr lang="en-US" sz="7600" b="0" i="0" u="none" strike="noStrike" cap="none">
+              <a:rPr lang="en-US" sz="7600" u="none" strike="noStrike" cap="none">
                 <a:solidFill>
                   <a:srgbClr val="FFFF00"/>
                 </a:solidFill>
-                <a:latin typeface="Cabin"/>
-                <a:ea typeface="Cabin"/>
-                <a:cs typeface="Cabin"/>
+                <a:latin typeface="Arial" charset="0"/>
+                <a:ea typeface="Arial" charset="0"/>
+                <a:cs typeface="Arial" charset="0"/>
                 <a:sym typeface="Cabin"/>
               </a:rPr>
               <a:t>Max Function</a:t>
@@ -36500,13 +36505,13 @@
               <a:t>'</a:t>
             </a:r>
             <a:r>
-              <a:rPr lang="en-US" sz="3600" b="0" i="0" u="none" strike="noStrike" cap="none">
+              <a:rPr lang="en-US" sz="3600" u="none" strike="noStrike" cap="none">
                 <a:solidFill>
                   <a:srgbClr val="FF7F00"/>
                 </a:solidFill>
-                <a:latin typeface="Cabin"/>
-                <a:ea typeface="Cabin"/>
-                <a:cs typeface="Cabin"/>
+                <a:latin typeface="Arial" charset="0"/>
+                <a:ea typeface="Arial" charset="0"/>
+                <a:cs typeface="Arial" charset="0"/>
                 <a:sym typeface="Cabin"/>
               </a:rPr>
               <a:t>Hello world</a:t>
@@ -36520,13 +36525,13 @@
               <a:t>'</a:t>
             </a:r>
             <a:r>
-              <a:rPr lang="en-US" sz="3600" b="0" i="0" u="none" strike="noStrike" cap="none">
+              <a:rPr lang="en-US" sz="3600" u="none" strike="noStrike" cap="none">
                 <a:solidFill>
                   <a:srgbClr val="FF7F00"/>
                 </a:solidFill>
-                <a:latin typeface="Cabin"/>
-                <a:ea typeface="Cabin"/>
-                <a:cs typeface="Cabin"/>
+                <a:latin typeface="Arial" charset="0"/>
+                <a:ea typeface="Arial" charset="0"/>
+                <a:cs typeface="Arial" charset="0"/>
                 <a:sym typeface="Cabin"/>
               </a:rPr>
               <a:t> </a:t>
@@ -36551,13 +36556,13 @@
               <a:buNone/>
             </a:pPr>
             <a:r>
-              <a:rPr lang="en-US" sz="3600" b="0" i="0" u="none" strike="noStrike" cap="none">
+              <a:rPr lang="en-US" sz="3600" u="none" strike="noStrike" cap="none">
                 <a:solidFill>
                   <a:srgbClr val="FF7F00"/>
                 </a:solidFill>
-                <a:latin typeface="Cabin"/>
-                <a:ea typeface="Cabin"/>
-                <a:cs typeface="Cabin"/>
+                <a:latin typeface="Arial" charset="0"/>
+                <a:ea typeface="Arial" charset="0"/>
+                <a:cs typeface="Arial" charset="0"/>
                 <a:sym typeface="Cabin"/>
               </a:rPr>
               <a:t>(a string)</a:t>
@@ -36616,13 +36621,13 @@
               <a:t>'</a:t>
             </a:r>
             <a:r>
-              <a:rPr lang="en-US" sz="3600" b="0" i="0" u="none" strike="noStrike" cap="none">
+              <a:rPr lang="en-US" sz="3600" u="none" strike="noStrike" cap="none">
                 <a:solidFill>
                   <a:srgbClr val="00FF00"/>
                 </a:solidFill>
-                <a:latin typeface="Cabin"/>
-                <a:ea typeface="Cabin"/>
-                <a:cs typeface="Cabin"/>
+                <a:latin typeface="Arial" charset="0"/>
+                <a:ea typeface="Arial" charset="0"/>
+                <a:cs typeface="Arial" charset="0"/>
                 <a:sym typeface="Cabin"/>
               </a:rPr>
               <a:t>w</a:t>
@@ -36655,13 +36660,13 @@
               <a:buNone/>
             </a:pPr>
             <a:r>
-              <a:rPr lang="en-US" sz="3600" b="0" i="0" u="none" strike="noStrike" cap="none">
+              <a:rPr lang="en-US" sz="3600" u="none" strike="noStrike" cap="none">
                 <a:solidFill>
                   <a:srgbClr val="00FF00"/>
                 </a:solidFill>
-                <a:latin typeface="Cabin"/>
-                <a:ea typeface="Cabin"/>
-                <a:cs typeface="Cabin"/>
+                <a:latin typeface="Arial" charset="0"/>
+                <a:ea typeface="Arial" charset="0"/>
+                <a:cs typeface="Arial" charset="0"/>
                 <a:sym typeface="Cabin"/>
               </a:rPr>
               <a:t>(a string)</a:t>
@@ -36738,13 +36743,13 @@
               <a:buNone/>
             </a:pPr>
             <a:r>
-              <a:rPr lang="en-US" sz="3600" b="0" i="0" u="none" strike="noStrike" cap="none">
-                <a:solidFill>
-                  <a:schemeClr val="lt1"/>
-                </a:solidFill>
-                <a:latin typeface="Cabin"/>
-                <a:ea typeface="Cabin"/>
-                <a:cs typeface="Cabin"/>
+              <a:rPr lang="en-US" sz="3600" u="none" strike="noStrike" cap="none">
+                <a:solidFill>
+                  <a:schemeClr val="lt1"/>
+                </a:solidFill>
+                <a:latin typeface="Arial" charset="0"/>
+                <a:ea typeface="Arial" charset="0"/>
+                <a:cs typeface="Arial" charset="0"/>
                 <a:sym typeface="Cabin"/>
               </a:rPr>
               <a:t>Guido wrote this code</a:t>
@@ -36998,109 +37003,109 @@
               <a:buNone/>
             </a:pPr>
             <a:r>
-              <a:rPr lang="en-US" sz="3600" b="0" i="0" u="none" strike="noStrike" cap="none">
-                <a:solidFill>
-                  <a:schemeClr val="lt1"/>
-                </a:solidFill>
-                <a:latin typeface="Cabin"/>
-                <a:ea typeface="Cabin"/>
-                <a:cs typeface="Cabin"/>
+              <a:rPr lang="en-US" sz="3600" u="none" strike="noStrike" cap="none">
+                <a:solidFill>
+                  <a:schemeClr val="lt1"/>
+                </a:solidFill>
+                <a:latin typeface="Arial" charset="0"/>
+                <a:ea typeface="Arial" charset="0"/>
+                <a:cs typeface="Arial" charset="0"/>
                 <a:sym typeface="Cabin"/>
               </a:rPr>
               <a:t>A </a:t>
             </a:r>
             <a:r>
-              <a:rPr lang="en-US" sz="3600" b="0" i="0" u="none" strike="noStrike" cap="none">
+              <a:rPr lang="en-US" sz="3600" u="none" strike="noStrike" cap="none">
                 <a:solidFill>
                   <a:srgbClr val="FF00FF"/>
                 </a:solidFill>
-                <a:latin typeface="Cabin"/>
-                <a:ea typeface="Cabin"/>
-                <a:cs typeface="Cabin"/>
+                <a:latin typeface="Arial" charset="0"/>
+                <a:ea typeface="Arial" charset="0"/>
+                <a:cs typeface="Arial" charset="0"/>
                 <a:sym typeface="Cabin"/>
               </a:rPr>
               <a:t>function</a:t>
             </a:r>
             <a:r>
-              <a:rPr lang="en-US" sz="3600" b="0" i="0" u="none" strike="noStrike" cap="none">
-                <a:solidFill>
-                  <a:schemeClr val="lt1"/>
-                </a:solidFill>
-                <a:latin typeface="Cabin"/>
-                <a:ea typeface="Cabin"/>
-                <a:cs typeface="Cabin"/>
+              <a:rPr lang="en-US" sz="3600" u="none" strike="noStrike" cap="none">
+                <a:solidFill>
+                  <a:schemeClr val="lt1"/>
+                </a:solidFill>
+                <a:latin typeface="Arial" charset="0"/>
+                <a:ea typeface="Arial" charset="0"/>
+                <a:cs typeface="Arial" charset="0"/>
                 <a:sym typeface="Cabin"/>
               </a:rPr>
               <a:t> is </a:t>
             </a:r>
             <a:r>
-              <a:rPr lang="en-US" sz="3600" b="0" i="0" u="none" strike="noStrike" cap="none">
+              <a:rPr lang="en-US" sz="3600" u="none" strike="noStrike" cap="none">
                 <a:solidFill>
                   <a:srgbClr val="FF00FF"/>
                 </a:solidFill>
-                <a:latin typeface="Cabin"/>
-                <a:ea typeface="Cabin"/>
-                <a:cs typeface="Cabin"/>
+                <a:latin typeface="Arial" charset="0"/>
+                <a:ea typeface="Arial" charset="0"/>
+                <a:cs typeface="Arial" charset="0"/>
                 <a:sym typeface="Cabin"/>
               </a:rPr>
               <a:t>some stored code</a:t>
             </a:r>
             <a:r>
-              <a:rPr lang="en-US" sz="3600" b="0" i="0" u="none" strike="noStrike" cap="none">
-                <a:solidFill>
-                  <a:schemeClr val="lt1"/>
-                </a:solidFill>
-                <a:latin typeface="Cabin"/>
-                <a:ea typeface="Cabin"/>
-                <a:cs typeface="Cabin"/>
+              <a:rPr lang="en-US" sz="3600" u="none" strike="noStrike" cap="none">
+                <a:solidFill>
+                  <a:schemeClr val="lt1"/>
+                </a:solidFill>
+                <a:latin typeface="Arial" charset="0"/>
+                <a:ea typeface="Arial" charset="0"/>
+                <a:cs typeface="Arial" charset="0"/>
                 <a:sym typeface="Cabin"/>
               </a:rPr>
               <a:t> that we use. A function takes some </a:t>
             </a:r>
             <a:r>
-              <a:rPr lang="en-US" sz="3600" b="0" i="0" u="none" strike="noStrike" cap="none">
+              <a:rPr lang="en-US" sz="3600" u="none" strike="noStrike" cap="none">
                 <a:solidFill>
                   <a:srgbClr val="FF7F00"/>
                 </a:solidFill>
-                <a:latin typeface="Cabin"/>
-                <a:ea typeface="Cabin"/>
-                <a:cs typeface="Cabin"/>
+                <a:latin typeface="Arial" charset="0"/>
+                <a:ea typeface="Arial" charset="0"/>
+                <a:cs typeface="Arial" charset="0"/>
                 <a:sym typeface="Cabin"/>
               </a:rPr>
               <a:t>input</a:t>
             </a:r>
             <a:r>
-              <a:rPr lang="en-US" sz="3600" b="0" i="0" u="none" strike="noStrike" cap="none">
-                <a:solidFill>
-                  <a:schemeClr val="lt1"/>
-                </a:solidFill>
-                <a:latin typeface="Cabin"/>
-                <a:ea typeface="Cabin"/>
-                <a:cs typeface="Cabin"/>
+              <a:rPr lang="en-US" sz="3600" u="none" strike="noStrike" cap="none">
+                <a:solidFill>
+                  <a:schemeClr val="lt1"/>
+                </a:solidFill>
+                <a:latin typeface="Arial" charset="0"/>
+                <a:ea typeface="Arial" charset="0"/>
+                <a:cs typeface="Arial" charset="0"/>
                 <a:sym typeface="Cabin"/>
               </a:rPr>
               <a:t> and produces an </a:t>
             </a:r>
             <a:r>
-              <a:rPr lang="en-US" sz="3600" b="0" i="0" u="none" strike="noStrike" cap="none">
+              <a:rPr lang="en-US" sz="3600" u="none" strike="noStrike" cap="none">
                 <a:solidFill>
                   <a:srgbClr val="00FF00"/>
                 </a:solidFill>
-                <a:latin typeface="Cabin"/>
-                <a:ea typeface="Cabin"/>
-                <a:cs typeface="Cabin"/>
+                <a:latin typeface="Arial" charset="0"/>
+                <a:ea typeface="Arial" charset="0"/>
+                <a:cs typeface="Arial" charset="0"/>
                 <a:sym typeface="Cabin"/>
               </a:rPr>
               <a:t>output</a:t>
             </a:r>
             <a:r>
-              <a:rPr lang="en-US" sz="3600" b="0" i="0" u="none" strike="noStrike" cap="none">
-                <a:solidFill>
-                  <a:schemeClr val="lt1"/>
-                </a:solidFill>
-                <a:latin typeface="Cabin"/>
-                <a:ea typeface="Cabin"/>
-                <a:cs typeface="Cabin"/>
+              <a:rPr lang="en-US" sz="3600" u="none" strike="noStrike" cap="none">
+                <a:solidFill>
+                  <a:schemeClr val="lt1"/>
+                </a:solidFill>
+                <a:latin typeface="Arial" charset="0"/>
+                <a:ea typeface="Arial" charset="0"/>
+                <a:cs typeface="Arial" charset="0"/>
                 <a:sym typeface="Cabin"/>
               </a:rPr>
               <a:t>.</a:t>
@@ -37180,13 +37185,13 @@
               <a:buNone/>
             </a:pPr>
             <a:r>
-              <a:rPr lang="en-US" sz="7600" b="0" i="0" u="none" strike="noStrike" cap="none">
+              <a:rPr lang="en-US" sz="7600" u="none" strike="noStrike" cap="none">
                 <a:solidFill>
                   <a:srgbClr val="FFFF00"/>
                 </a:solidFill>
-                <a:latin typeface="Cabin"/>
-                <a:ea typeface="Cabin"/>
-                <a:cs typeface="Cabin"/>
+                <a:latin typeface="Arial" charset="0"/>
+                <a:ea typeface="Arial" charset="0"/>
+                <a:cs typeface="Arial" charset="0"/>
                 <a:sym typeface="Cabin"/>
               </a:rPr>
               <a:t>Type Conversions</a:t>
@@ -37241,37 +37246,37 @@
               <a:buChar char="•"/>
             </a:pPr>
             <a:r>
-              <a:rPr lang="en-US" sz="3600" b="0" i="0" u="none" strike="noStrike" cap="none">
-                <a:solidFill>
-                  <a:schemeClr val="lt1"/>
-                </a:solidFill>
-                <a:latin typeface="Cabin"/>
-                <a:ea typeface="Cabin"/>
-                <a:cs typeface="Cabin"/>
+              <a:rPr lang="en-US" sz="3600" u="none" strike="noStrike" cap="none">
+                <a:solidFill>
+                  <a:schemeClr val="lt1"/>
+                </a:solidFill>
+                <a:latin typeface="Arial" charset="0"/>
+                <a:ea typeface="Arial" charset="0"/>
+                <a:cs typeface="Arial" charset="0"/>
                 <a:sym typeface="Cabin"/>
               </a:rPr>
               <a:t>When you put an integer and floating point in an expression, the integer is </a:t>
             </a:r>
             <a:r>
-              <a:rPr lang="en-US" sz="3600" b="0" i="0" u="none" strike="noStrike" cap="none">
+              <a:rPr lang="en-US" sz="3600" u="none" strike="noStrike" cap="none">
                 <a:solidFill>
                   <a:srgbClr val="FFFF00"/>
                 </a:solidFill>
-                <a:latin typeface="Cabin"/>
-                <a:ea typeface="Cabin"/>
-                <a:cs typeface="Cabin"/>
+                <a:latin typeface="Arial" charset="0"/>
+                <a:ea typeface="Arial" charset="0"/>
+                <a:cs typeface="Arial" charset="0"/>
                 <a:sym typeface="Cabin"/>
               </a:rPr>
               <a:t>implicitly</a:t>
             </a:r>
             <a:r>
-              <a:rPr lang="en-US" sz="3600" b="0" i="0" u="none" strike="noStrike" cap="none">
-                <a:solidFill>
-                  <a:schemeClr val="lt1"/>
-                </a:solidFill>
-                <a:latin typeface="Cabin"/>
-                <a:ea typeface="Cabin"/>
-                <a:cs typeface="Cabin"/>
+              <a:rPr lang="en-US" sz="3600" u="none" strike="noStrike" cap="none">
+                <a:solidFill>
+                  <a:schemeClr val="lt1"/>
+                </a:solidFill>
+                <a:latin typeface="Arial" charset="0"/>
+                <a:ea typeface="Arial" charset="0"/>
+                <a:cs typeface="Arial" charset="0"/>
                 <a:sym typeface="Cabin"/>
               </a:rPr>
               <a:t> converted to a float</a:t>
@@ -37296,13 +37301,13 @@
               <a:buChar char="•"/>
             </a:pPr>
             <a:r>
-              <a:rPr lang="en-US" sz="3600" b="0" i="0" u="none" strike="noStrike" cap="none">
-                <a:solidFill>
-                  <a:schemeClr val="lt1"/>
-                </a:solidFill>
-                <a:latin typeface="Cabin"/>
-                <a:ea typeface="Cabin"/>
-                <a:cs typeface="Cabin"/>
+              <a:rPr lang="en-US" sz="3600" u="none" strike="noStrike" cap="none">
+                <a:solidFill>
+                  <a:schemeClr val="lt1"/>
+                </a:solidFill>
+                <a:latin typeface="Arial" charset="0"/>
+                <a:ea typeface="Arial" charset="0"/>
+                <a:cs typeface="Arial" charset="0"/>
                 <a:sym typeface="Cabin"/>
               </a:rPr>
               <a:t>You can control this with the built</a:t>
@@ -37312,21 +37317,21 @@
                 <a:solidFill>
                   <a:schemeClr val="lt1"/>
                 </a:solidFill>
-                <a:latin typeface="Cabin"/>
-                <a:ea typeface="Cabin"/>
-                <a:cs typeface="Cabin"/>
+                <a:latin typeface="Arial" charset="0"/>
+                <a:ea typeface="Arial" charset="0"/>
+                <a:cs typeface="Arial" charset="0"/>
                 <a:sym typeface="Cabin"/>
               </a:rPr>
               <a:t>-</a:t>
             </a:r>
             <a:r>
-              <a:rPr lang="en-US" sz="3600" b="0" i="0" u="none" strike="noStrike" cap="none">
-                <a:solidFill>
-                  <a:schemeClr val="lt1"/>
-                </a:solidFill>
-                <a:latin typeface="Cabin"/>
-                <a:ea typeface="Cabin"/>
-                <a:cs typeface="Cabin"/>
+              <a:rPr lang="en-US" sz="3600" u="none" strike="noStrike" cap="none">
+                <a:solidFill>
+                  <a:schemeClr val="lt1"/>
+                </a:solidFill>
+                <a:latin typeface="Arial" charset="0"/>
+                <a:ea typeface="Arial" charset="0"/>
+                <a:cs typeface="Arial" charset="0"/>
                 <a:sym typeface="Cabin"/>
               </a:rPr>
               <a:t>in functions int() and float()</a:t>
@@ -38159,13 +38164,13 @@
               <a:buNone/>
             </a:pPr>
             <a:r>
-              <a:rPr lang="en-US" sz="7600" b="0" i="0" u="none" strike="noStrike" cap="none">
+              <a:rPr lang="en-US" sz="7600" u="none" strike="noStrike" cap="none">
                 <a:solidFill>
                   <a:srgbClr val="FFFF00"/>
                 </a:solidFill>
-                <a:latin typeface="Cabin"/>
-                <a:ea typeface="Cabin"/>
-                <a:cs typeface="Cabin"/>
+                <a:latin typeface="Arial" charset="0"/>
+                <a:ea typeface="Arial" charset="0"/>
+                <a:cs typeface="Arial" charset="0"/>
                 <a:sym typeface="Cabin"/>
               </a:rPr>
               <a:t>String Conversions</a:t>
@@ -38220,61 +38225,61 @@
               <a:buChar char="•"/>
             </a:pPr>
             <a:r>
-              <a:rPr lang="en-US" sz="3600" b="0" i="0" u="none" strike="noStrike" cap="none">
-                <a:solidFill>
-                  <a:schemeClr val="lt1"/>
-                </a:solidFill>
-                <a:latin typeface="Cabin"/>
-                <a:ea typeface="Cabin"/>
-                <a:cs typeface="Cabin"/>
+              <a:rPr lang="en-US" sz="3600" u="none" strike="noStrike" cap="none">
+                <a:solidFill>
+                  <a:schemeClr val="lt1"/>
+                </a:solidFill>
+                <a:latin typeface="Arial" charset="0"/>
+                <a:ea typeface="Arial" charset="0"/>
+                <a:cs typeface="Arial" charset="0"/>
                 <a:sym typeface="Cabin"/>
               </a:rPr>
               <a:t>You can also use </a:t>
             </a:r>
             <a:r>
-              <a:rPr lang="en-US" sz="3600" b="0" i="0" u="none" strike="noStrike" cap="none">
+              <a:rPr lang="en-US" sz="3600" u="none" strike="noStrike" cap="none">
                 <a:solidFill>
                   <a:srgbClr val="FFFF00"/>
                 </a:solidFill>
-                <a:latin typeface="Cabin"/>
-                <a:ea typeface="Cabin"/>
-                <a:cs typeface="Cabin"/>
+                <a:latin typeface="Arial" charset="0"/>
+                <a:ea typeface="Arial" charset="0"/>
+                <a:cs typeface="Arial" charset="0"/>
                 <a:sym typeface="Cabin"/>
               </a:rPr>
               <a:t>int()</a:t>
             </a:r>
             <a:r>
-              <a:rPr lang="en-US" sz="3600" b="0" i="0" u="none" strike="noStrike" cap="none">
-                <a:solidFill>
-                  <a:schemeClr val="lt1"/>
-                </a:solidFill>
-                <a:latin typeface="Cabin"/>
-                <a:ea typeface="Cabin"/>
-                <a:cs typeface="Cabin"/>
+              <a:rPr lang="en-US" sz="3600" u="none" strike="noStrike" cap="none">
+                <a:solidFill>
+                  <a:schemeClr val="lt1"/>
+                </a:solidFill>
+                <a:latin typeface="Arial" charset="0"/>
+                <a:ea typeface="Arial" charset="0"/>
+                <a:cs typeface="Arial" charset="0"/>
                 <a:sym typeface="Cabin"/>
               </a:rPr>
               <a:t> and </a:t>
             </a:r>
             <a:r>
-              <a:rPr lang="en-US" sz="3600" b="0" i="0" u="none" strike="noStrike" cap="none">
+              <a:rPr lang="en-US" sz="3600" u="none" strike="noStrike" cap="none">
                 <a:solidFill>
                   <a:srgbClr val="FFFF00"/>
                 </a:solidFill>
-                <a:latin typeface="Cabin"/>
-                <a:ea typeface="Cabin"/>
-                <a:cs typeface="Cabin"/>
+                <a:latin typeface="Arial" charset="0"/>
+                <a:ea typeface="Arial" charset="0"/>
+                <a:cs typeface="Arial" charset="0"/>
                 <a:sym typeface="Cabin"/>
               </a:rPr>
               <a:t>float()</a:t>
             </a:r>
             <a:r>
-              <a:rPr lang="en-US" sz="3600" b="0" i="0" u="none" strike="noStrike" cap="none">
-                <a:solidFill>
-                  <a:schemeClr val="lt1"/>
-                </a:solidFill>
-                <a:latin typeface="Cabin"/>
-                <a:ea typeface="Cabin"/>
-                <a:cs typeface="Cabin"/>
+              <a:rPr lang="en-US" sz="3600" u="none" strike="noStrike" cap="none">
+                <a:solidFill>
+                  <a:schemeClr val="lt1"/>
+                </a:solidFill>
+                <a:latin typeface="Arial" charset="0"/>
+                <a:ea typeface="Arial" charset="0"/>
+                <a:cs typeface="Arial" charset="0"/>
                 <a:sym typeface="Cabin"/>
               </a:rPr>
               <a:t> to convert between strings and integers</a:t>
@@ -38299,37 +38304,37 @@
               <a:buChar char="•"/>
             </a:pPr>
             <a:r>
-              <a:rPr lang="en-US" sz="3600" b="0" i="0" u="none" strike="noStrike" cap="none">
-                <a:solidFill>
-                  <a:schemeClr val="lt1"/>
-                </a:solidFill>
-                <a:latin typeface="Cabin"/>
-                <a:ea typeface="Cabin"/>
-                <a:cs typeface="Cabin"/>
+              <a:rPr lang="en-US" sz="3600" u="none" strike="noStrike" cap="none">
+                <a:solidFill>
+                  <a:schemeClr val="lt1"/>
+                </a:solidFill>
+                <a:latin typeface="Arial" charset="0"/>
+                <a:ea typeface="Arial" charset="0"/>
+                <a:cs typeface="Arial" charset="0"/>
                 <a:sym typeface="Cabin"/>
               </a:rPr>
               <a:t>You will get an </a:t>
             </a:r>
             <a:r>
-              <a:rPr lang="en-US" sz="3600" b="0" i="0" u="none" strike="noStrike" cap="none">
+              <a:rPr lang="en-US" sz="3600" u="none" strike="noStrike" cap="none">
                 <a:solidFill>
                   <a:srgbClr val="E06666"/>
                 </a:solidFill>
-                <a:latin typeface="Cabin"/>
-                <a:ea typeface="Cabin"/>
-                <a:cs typeface="Cabin"/>
+                <a:latin typeface="Arial" charset="0"/>
+                <a:ea typeface="Arial" charset="0"/>
+                <a:cs typeface="Arial" charset="0"/>
                 <a:sym typeface="Cabin"/>
               </a:rPr>
               <a:t>error</a:t>
             </a:r>
             <a:r>
-              <a:rPr lang="en-US" sz="3600" b="0" i="0" u="none" strike="noStrike" cap="none">
-                <a:solidFill>
-                  <a:schemeClr val="lt1"/>
-                </a:solidFill>
-                <a:latin typeface="Cabin"/>
-                <a:ea typeface="Cabin"/>
-                <a:cs typeface="Cabin"/>
+              <a:rPr lang="en-US" sz="3600" u="none" strike="noStrike" cap="none">
+                <a:solidFill>
+                  <a:schemeClr val="lt1"/>
+                </a:solidFill>
+                <a:latin typeface="Arial" charset="0"/>
+                <a:ea typeface="Arial" charset="0"/>
+                <a:cs typeface="Arial" charset="0"/>
                 <a:sym typeface="Cabin"/>
               </a:rPr>
               <a:t> if the string does not contain numeric characters</a:t>

--- a/lectures3/Pythonlearn-04-Functions.pptx
+++ b/lectures3/Pythonlearn-04-Functions.pptx
@@ -5176,6 +5176,13 @@
   <p:clrMapOvr>
     <a:masterClrMapping/>
   </p:clrMapOvr>
+  <p:timing>
+    <p:tnLst>
+      <p:par>
+        <p:cTn id="1" dur="indefinite" restart="never" nodeType="tmRoot"/>
+      </p:par>
+    </p:tnLst>
+  </p:timing>
 </p:sld>
 </file>
 
@@ -14831,25 +14838,6 @@
               </a:rPr>
               <a:t>Stored (and reused) Steps</a:t>
             </a:r>
-          </a:p>
-        </p:txBody>
-      </p:sp>
-      <p:sp>
-        <p:nvSpPr>
-          <p:cNvPr id="2" name="Text Placeholder 1"/>
-          <p:cNvSpPr>
-            <a:spLocks noGrp="1"/>
-          </p:cNvSpPr>
-          <p:nvPr>
-            <p:ph type="body" idx="1"/>
-          </p:nvPr>
-        </p:nvSpPr>
-        <p:spPr/>
-        <p:txBody>
-          <a:bodyPr/>
-          <a:lstStyle/>
-          <a:p>
-            <a:endParaRPr lang="en-US"/>
           </a:p>
         </p:txBody>
       </p:sp>
@@ -16423,6 +16411,13 @@
   <p:clrMapOvr>
     <a:masterClrMapping/>
   </p:clrMapOvr>
+  <p:timing>
+    <p:tnLst>
+      <p:par>
+        <p:cTn id="1" dur="indefinite" restart="never" nodeType="tmRoot"/>
+      </p:par>
+    </p:tnLst>
+  </p:timing>
 </p:sld>
 </file>
 
@@ -18354,7 +18349,7 @@
               <a:buChar char="•"/>
             </a:pPr>
             <a:r>
-              <a:rPr lang="en-US" sz="3600" u="none" strike="noStrike" cap="none">
+              <a:rPr lang="en-US" sz="3600" u="none" strike="noStrike" cap="none" dirty="0">
                 <a:solidFill>
                   <a:schemeClr val="lt1"/>
                 </a:solidFill>
@@ -18366,7 +18361,7 @@
               <a:t>There are two kinds of </a:t>
             </a:r>
             <a:r>
-              <a:rPr lang="en-US" sz="3600" u="none" strike="noStrike" cap="none">
+              <a:rPr lang="en-US" sz="3600" u="none" strike="noStrike" cap="none" dirty="0">
                 <a:solidFill>
                   <a:srgbClr val="FFFFFF"/>
                 </a:solidFill>
@@ -18378,7 +18373,7 @@
               <a:t>functions</a:t>
             </a:r>
             <a:r>
-              <a:rPr lang="en-US" sz="3600" u="none" strike="noStrike" cap="none">
+              <a:rPr lang="en-US" sz="3600" u="none" strike="noStrike" cap="none" dirty="0">
                 <a:solidFill>
                   <a:schemeClr val="lt1"/>
                 </a:solidFill>
@@ -18408,7 +18403,7 @@
               <a:buFont typeface="Cabin"/>
             </a:pPr>
             <a:r>
-              <a:rPr lang="en-US" sz="3600" u="none" strike="noStrike" cap="none">
+              <a:rPr lang="en-US" sz="3600" u="none" strike="noStrike" cap="none" dirty="0">
                 <a:solidFill>
                   <a:srgbClr val="00FF00"/>
                 </a:solidFill>
@@ -18420,7 +18415,7 @@
               <a:t>Built-in functions</a:t>
             </a:r>
             <a:r>
-              <a:rPr lang="en-US" sz="3600" u="none" strike="noStrike" cap="none">
+              <a:rPr lang="en-US" sz="3600" u="none" strike="noStrike" cap="none" dirty="0">
                 <a:solidFill>
                   <a:srgbClr val="FFFFFF"/>
                 </a:solidFill>
@@ -18429,7 +18424,67 @@
                 <a:cs typeface="Arial" charset="0"/>
                 <a:sym typeface="Cabin"/>
               </a:rPr>
-              <a:t> that are provided as part of Python - raw_input(), type(), float(), int() ...</a:t>
+              <a:t> that are provided as part of Python - </a:t>
+            </a:r>
+            <a:r>
+              <a:rPr lang="en-US" sz="3600" dirty="0" smtClean="0">
+                <a:solidFill>
+                  <a:srgbClr val="FFFFFF"/>
+                </a:solidFill>
+                <a:latin typeface="Arial" charset="0"/>
+                <a:ea typeface="Arial" charset="0"/>
+                <a:cs typeface="Arial" charset="0"/>
+                <a:sym typeface="Cabin"/>
+              </a:rPr>
+              <a:t>print(), </a:t>
+            </a:r>
+            <a:r>
+              <a:rPr lang="en-US" sz="3600" u="none" strike="noStrike" cap="none" dirty="0" smtClean="0">
+                <a:solidFill>
+                  <a:srgbClr val="FFFFFF"/>
+                </a:solidFill>
+                <a:latin typeface="Arial" charset="0"/>
+                <a:ea typeface="Arial" charset="0"/>
+                <a:cs typeface="Arial" charset="0"/>
+                <a:sym typeface="Cabin"/>
+              </a:rPr>
+              <a:t>input</a:t>
+            </a:r>
+            <a:r>
+              <a:rPr lang="en-US" sz="3600" u="none" strike="noStrike" cap="none" dirty="0">
+                <a:solidFill>
+                  <a:srgbClr val="FFFFFF"/>
+                </a:solidFill>
+                <a:latin typeface="Arial" charset="0"/>
+                <a:ea typeface="Arial" charset="0"/>
+                <a:cs typeface="Arial" charset="0"/>
+                <a:sym typeface="Cabin"/>
+              </a:rPr>
+              <a:t>(), type(), float(), </a:t>
+            </a:r>
+            <a:r>
+              <a:rPr lang="en-US" sz="3600" u="none" strike="noStrike" cap="none" dirty="0" err="1">
+                <a:solidFill>
+                  <a:srgbClr val="FFFFFF"/>
+                </a:solidFill>
+                <a:latin typeface="Arial" charset="0"/>
+                <a:ea typeface="Arial" charset="0"/>
+                <a:cs typeface="Arial" charset="0"/>
+                <a:sym typeface="Cabin"/>
+              </a:rPr>
+              <a:t>int</a:t>
+            </a:r>
+            <a:r>
+              <a:rPr lang="en-US" sz="3600" u="none" strike="noStrike" cap="none" dirty="0">
+                <a:solidFill>
+                  <a:srgbClr val="FFFFFF"/>
+                </a:solidFill>
+                <a:latin typeface="Arial" charset="0"/>
+                <a:ea typeface="Arial" charset="0"/>
+                <a:cs typeface="Arial" charset="0"/>
+                <a:sym typeface="Cabin"/>
+              </a:rPr>
+              <a:t>() ...</a:t>
             </a:r>
           </a:p>
           <a:p>
@@ -18450,7 +18505,7 @@
               <a:buFont typeface="Cabin"/>
             </a:pPr>
             <a:r>
-              <a:rPr lang="en-US" sz="3600" u="none" strike="noStrike" cap="none">
+              <a:rPr lang="en-US" sz="3600" u="none" strike="noStrike" cap="none" dirty="0">
                 <a:solidFill>
                   <a:srgbClr val="00FF00"/>
                 </a:solidFill>
@@ -18462,7 +18517,7 @@
               <a:t>Functions that we define ourselves</a:t>
             </a:r>
             <a:r>
-              <a:rPr lang="en-US" sz="3600" u="none" strike="noStrike" cap="none">
+              <a:rPr lang="en-US" sz="3600" u="none" strike="noStrike" cap="none" dirty="0">
                 <a:solidFill>
                   <a:schemeClr val="lt1"/>
                 </a:solidFill>
@@ -18493,7 +18548,7 @@
               <a:buChar char="•"/>
             </a:pPr>
             <a:r>
-              <a:rPr lang="en-US" sz="3600" u="none" strike="noStrike" cap="none">
+              <a:rPr lang="en-US" sz="3600" u="none" strike="noStrike" cap="none" dirty="0">
                 <a:solidFill>
                   <a:schemeClr val="lt1"/>
                 </a:solidFill>
@@ -18505,7 +18560,7 @@
               <a:t>We treat the built-in</a:t>
             </a:r>
             <a:r>
-              <a:rPr lang="en-US" sz="3600" u="none" strike="noStrike" cap="none">
+              <a:rPr lang="en-US" sz="3600" u="none" strike="noStrike" cap="none" dirty="0">
                 <a:solidFill>
                   <a:srgbClr val="FFFFFF"/>
                 </a:solidFill>
@@ -18517,7 +18572,7 @@
               <a:t> function </a:t>
             </a:r>
             <a:r>
-              <a:rPr lang="en-US" sz="3600" u="none" strike="noStrike" cap="none">
+              <a:rPr lang="en-US" sz="3600" u="none" strike="noStrike" cap="none" dirty="0">
                 <a:solidFill>
                   <a:schemeClr val="lt1"/>
                 </a:solidFill>
@@ -18529,7 +18584,7 @@
               <a:t>names as </a:t>
             </a:r>
             <a:r>
-              <a:rPr lang="en-US" sz="3600">
+              <a:rPr lang="en-US" sz="3600" dirty="0">
                 <a:solidFill>
                   <a:schemeClr val="lt1"/>
                 </a:solidFill>
@@ -18541,7 +18596,7 @@
               <a:t>“</a:t>
             </a:r>
             <a:r>
-              <a:rPr lang="en-US" sz="3600" u="none" strike="noStrike" cap="none">
+              <a:rPr lang="en-US" sz="3600" u="none" strike="noStrike" cap="none" dirty="0">
                 <a:solidFill>
                   <a:schemeClr val="lt1"/>
                 </a:solidFill>
@@ -18553,7 +18608,7 @@
               <a:t>new</a:t>
             </a:r>
             <a:r>
-              <a:rPr lang="en-US" sz="3600">
+              <a:rPr lang="en-US" sz="3600" dirty="0">
                 <a:solidFill>
                   <a:schemeClr val="lt1"/>
                 </a:solidFill>
@@ -18565,7 +18620,7 @@
               <a:t>”</a:t>
             </a:r>
             <a:r>
-              <a:rPr lang="en-US" sz="3600" u="none" strike="noStrike" cap="none">
+              <a:rPr lang="en-US" sz="3600" u="none" strike="noStrike" cap="none" dirty="0">
                 <a:solidFill>
                   <a:schemeClr val="lt1"/>
                 </a:solidFill>
@@ -18577,7 +18632,7 @@
               <a:t> </a:t>
             </a:r>
             <a:r>
-              <a:rPr lang="en-US" sz="3600" u="none" strike="noStrike" cap="none">
+              <a:rPr lang="en-US" sz="3600" u="none" strike="noStrike" cap="none" dirty="0">
                 <a:solidFill>
                   <a:srgbClr val="FFFF00"/>
                 </a:solidFill>
@@ -18589,7 +18644,7 @@
               <a:t>reserved words</a:t>
             </a:r>
             <a:r>
-              <a:rPr lang="en-US" sz="3600" u="none" strike="noStrike" cap="none">
+              <a:rPr lang="en-US" sz="3600" u="none" strike="noStrike" cap="none" dirty="0">
                 <a:solidFill>
                   <a:schemeClr val="lt1"/>
                 </a:solidFill>
@@ -18601,7 +18656,7 @@
               <a:t> </a:t>
             </a:r>
             <a:br>
-              <a:rPr lang="en-US" sz="3600" u="none" strike="noStrike" cap="none">
+              <a:rPr lang="en-US" sz="3600" u="none" strike="noStrike" cap="none" dirty="0">
                 <a:solidFill>
                   <a:schemeClr val="lt1"/>
                 </a:solidFill>
@@ -18612,7 +18667,7 @@
               </a:rPr>
             </a:br>
             <a:r>
-              <a:rPr lang="en-US" sz="3600" u="none" strike="noStrike" cap="none">
+              <a:rPr lang="en-US" sz="3600" u="none" strike="noStrike" cap="none" dirty="0">
                 <a:solidFill>
                   <a:schemeClr val="lt1"/>
                 </a:solidFill>
@@ -18631,6 +18686,13 @@
   <p:clrMapOvr>
     <a:masterClrMapping/>
   </p:clrMapOvr>
+  <p:timing>
+    <p:tnLst>
+      <p:par>
+        <p:cTn id="1" dur="indefinite" restart="never" nodeType="tmRoot"/>
+      </p:par>
+    </p:tnLst>
+  </p:timing>
 </p:sld>
 </file>
 
@@ -19000,6 +19062,13 @@
   <p:clrMapOvr>
     <a:masterClrMapping/>
   </p:clrMapOvr>
+  <p:timing>
+    <p:tnLst>
+      <p:par>
+        <p:cTn id="1" dur="indefinite" restart="never" nodeType="tmRoot"/>
+      </p:par>
+    </p:tnLst>
+  </p:timing>
 </p:sld>
 </file>
 
@@ -19512,7 +19581,7 @@
               <a:buNone/>
             </a:pPr>
             <a:r>
-              <a:rPr lang="en-US" sz="4900" u="none" strike="noStrike" cap="none">
+              <a:rPr lang="en-US" sz="4900" u="none" strike="noStrike" cap="none" dirty="0">
                 <a:solidFill>
                   <a:srgbClr val="00FF00"/>
                 </a:solidFill>
@@ -19524,7 +19593,7 @@
               <a:t>big</a:t>
             </a:r>
             <a:r>
-              <a:rPr lang="en-US" sz="4900" u="none" strike="noStrike" cap="none">
+              <a:rPr lang="en-US" sz="4900" u="none" strike="noStrike" cap="none" dirty="0">
                 <a:solidFill>
                   <a:schemeClr val="lt1"/>
                 </a:solidFill>
@@ -19536,7 +19605,7 @@
               <a:t> =  </a:t>
             </a:r>
             <a:r>
-              <a:rPr lang="en-US" sz="4900" u="none" strike="noStrike" cap="none">
+              <a:rPr lang="en-US" sz="4900" u="none" strike="noStrike" cap="none" dirty="0">
                 <a:solidFill>
                   <a:srgbClr val="FF00FF"/>
                 </a:solidFill>
@@ -19548,16 +19617,40 @@
               <a:t>max</a:t>
             </a:r>
             <a:r>
-              <a:rPr lang="en-US" sz="4900" u="none" strike="noStrike" cap="none">
-                <a:solidFill>
-                  <a:schemeClr val="lt1"/>
-                </a:solidFill>
-                <a:latin typeface="Arial" charset="0"/>
-                <a:ea typeface="Arial" charset="0"/>
-                <a:cs typeface="Arial" charset="0"/>
-                <a:sym typeface="Cabin"/>
-              </a:rPr>
-              <a:t>('Hello world')</a:t>
+              <a:rPr lang="en-US" sz="4900" u="none" strike="noStrike" cap="none" dirty="0">
+                <a:solidFill>
+                  <a:srgbClr val="FF40FF"/>
+                </a:solidFill>
+                <a:latin typeface="Arial" charset="0"/>
+                <a:ea typeface="Arial" charset="0"/>
+                <a:cs typeface="Arial" charset="0"/>
+                <a:sym typeface="Cabin"/>
+              </a:rPr>
+              <a:t>(</a:t>
+            </a:r>
+            <a:r>
+              <a:rPr lang="en-US" sz="4900" u="none" strike="noStrike" cap="none" dirty="0">
+                <a:solidFill>
+                  <a:schemeClr val="lt1"/>
+                </a:solidFill>
+                <a:latin typeface="Arial" charset="0"/>
+                <a:ea typeface="Arial" charset="0"/>
+                <a:cs typeface="Arial" charset="0"/>
+                <a:sym typeface="Cabin"/>
+              </a:rPr>
+              <a:t>'Hello world'</a:t>
+            </a:r>
+            <a:r>
+              <a:rPr lang="en-US" sz="4900" u="none" strike="noStrike" cap="none" dirty="0">
+                <a:solidFill>
+                  <a:srgbClr val="FF40FF"/>
+                </a:solidFill>
+                <a:latin typeface="Arial" charset="0"/>
+                <a:ea typeface="Arial" charset="0"/>
+                <a:cs typeface="Arial" charset="0"/>
+                <a:sym typeface="Cabin"/>
+              </a:rPr>
+              <a:t>)</a:t>
             </a:r>
           </a:p>
         </p:txBody>
@@ -19901,6 +19994,13 @@
   <p:clrMapOvr>
     <a:masterClrMapping/>
   </p:clrMapOvr>
+  <p:timing>
+    <p:tnLst>
+      <p:par>
+        <p:cTn id="1" dur="indefinite" restart="never" nodeType="tmRoot"/>
+      </p:par>
+    </p:tnLst>
+  </p:timing>
 </p:sld>
 </file>
 
@@ -20783,6 +20883,13 @@
   <p:clrMapOvr>
     <a:masterClrMapping/>
   </p:clrMapOvr>
+  <p:timing>
+    <p:tnLst>
+      <p:par>
+        <p:cTn id="1" dur="indefinite" restart="never" nodeType="tmRoot"/>
+      </p:par>
+    </p:tnLst>
+  </p:timing>
 </p:sld>
 </file>
 

--- a/lectures3/Pythonlearn-04-Functions.pptx
+++ b/lectures3/Pythonlearn-04-Functions.pptx
@@ -239,7 +239,7 @@
   </p:defaultTextStyle>
   <p:extLst>
     <p:ext uri="{EFAFB233-063F-42B5-8137-9DF3F51BA10A}">
-      <p15:sldGuideLst xmlns:p15="http://schemas.microsoft.com/office/powerpoint/2012/main"/>
+      <p15:sldGuideLst xmlns:p15="http://schemas.microsoft.com/office/powerpoint/2012/main" xmlns=""/>
     </p:ext>
   </p:extLst>
 </p:presentation>
@@ -4938,7 +4938,7 @@
               <a:buNone/>
             </a:pPr>
             <a:r>
-              <a:rPr lang="en-US" sz="7600" u="none" strike="noStrike" cap="none">
+              <a:rPr lang="en-US" sz="7600" u="none" strike="noStrike" cap="none" dirty="0">
                 <a:solidFill>
                   <a:srgbClr val="FFFF00"/>
                 </a:solidFill>
@@ -4995,7 +4995,7 @@
               <a:buNone/>
             </a:pPr>
             <a:r>
-              <a:rPr lang="en-US" sz="4800" u="none" strike="noStrike" cap="none">
+              <a:rPr lang="en-US" sz="4800" u="none" strike="noStrike" cap="none" dirty="0">
                 <a:solidFill>
                   <a:schemeClr val="lt1"/>
                 </a:solidFill>
@@ -5179,7 +5179,7 @@
   <p:timing>
     <p:tnLst>
       <p:par>
-        <p:cTn id="1" dur="indefinite" restart="never" nodeType="tmRoot"/>
+        <p:cTn xmlns:p14="http://schemas.microsoft.com/office/powerpoint/2010/main" id="1" dur="indefinite" restart="never" nodeType="tmRoot"/>
       </p:par>
     </p:tnLst>
   </p:timing>
@@ -5546,7 +5546,7 @@
               <a:buNone/>
             </a:pPr>
             <a:r>
-              <a:rPr lang="en-US" sz="2600" b="1" i="0" u="none" strike="noStrike" cap="none" dirty="0" err="1">
+              <a:rPr lang="en-US" sz="2600" i="0" u="none" strike="noStrike" cap="none" dirty="0" err="1">
                 <a:solidFill>
                   <a:srgbClr val="FFFF00"/>
                 </a:solidFill>
@@ -5558,7 +5558,7 @@
               <a:t>def</a:t>
             </a:r>
             <a:r>
-              <a:rPr lang="en-US" sz="2600" b="1" i="0" u="none" strike="noStrike" cap="none" dirty="0">
+              <a:rPr lang="en-US" sz="2600" i="0" u="none" strike="noStrike" cap="none" dirty="0">
                 <a:solidFill>
                   <a:schemeClr val="lt1"/>
                 </a:solidFill>
@@ -5570,7 +5570,7 @@
               <a:t> </a:t>
             </a:r>
             <a:r>
-              <a:rPr lang="en-US" sz="2600" b="1" i="0" u="none" strike="noStrike" cap="none" dirty="0" err="1">
+              <a:rPr lang="en-US" sz="2600" i="0" u="none" strike="noStrike" cap="none" dirty="0" err="1">
                 <a:solidFill>
                   <a:srgbClr val="00FF00"/>
                 </a:solidFill>
@@ -5582,7 +5582,7 @@
               <a:t>print_lyrics</a:t>
             </a:r>
             <a:r>
-              <a:rPr lang="en-US" sz="2600" b="1" i="0" u="none" strike="noStrike" cap="none" dirty="0">
+              <a:rPr lang="en-US" sz="2600" i="0" u="none" strike="noStrike" cap="none" dirty="0">
                 <a:solidFill>
                   <a:schemeClr val="lt1"/>
                 </a:solidFill>
@@ -5613,7 +5613,7 @@
               <a:buNone/>
             </a:pPr>
             <a:r>
-              <a:rPr lang="en-US" sz="2600" b="1" i="0" u="none" strike="noStrike" cap="none" dirty="0">
+              <a:rPr lang="en-US" sz="2600" i="0" u="none" strike="noStrike" cap="none" dirty="0">
                 <a:solidFill>
                   <a:schemeClr val="lt1"/>
                 </a:solidFill>
@@ -5625,7 +5625,7 @@
               <a:t>    </a:t>
             </a:r>
             <a:r>
-              <a:rPr lang="en-US" sz="2600" b="1" i="0" u="none" strike="noStrike" cap="none" dirty="0" smtClean="0">
+              <a:rPr lang="en-US" sz="2600" i="0" u="none" strike="noStrike" cap="none" dirty="0" smtClean="0">
                 <a:solidFill>
                   <a:srgbClr val="FFFF00"/>
                 </a:solidFill>
@@ -5637,7 +5637,7 @@
               <a:t>print</a:t>
             </a:r>
             <a:r>
-              <a:rPr lang="en-US" sz="2600" b="1" dirty="0">
+              <a:rPr lang="en-US" sz="2600" dirty="0">
                 <a:solidFill>
                   <a:schemeClr val="lt1"/>
                 </a:solidFill>
@@ -5649,7 +5649,7 @@
               <a:t>(</a:t>
             </a:r>
             <a:r>
-              <a:rPr lang="en-US" sz="2600" b="1" i="0" u="none" strike="noStrike" cap="none" dirty="0" smtClean="0">
+              <a:rPr lang="en-US" sz="2600" i="0" u="none" strike="noStrike" cap="none" dirty="0" smtClean="0">
                 <a:solidFill>
                   <a:schemeClr val="lt1"/>
                 </a:solidFill>
@@ -5661,7 +5661,7 @@
               <a:t>"I'm </a:t>
             </a:r>
             <a:r>
-              <a:rPr lang="en-US" sz="2600" b="1" i="0" u="none" strike="noStrike" cap="none" dirty="0">
+              <a:rPr lang="en-US" sz="2600" i="0" u="none" strike="noStrike" cap="none" dirty="0">
                 <a:solidFill>
                   <a:schemeClr val="lt1"/>
                 </a:solidFill>
@@ -5673,7 +5673,7 @@
               <a:t>a lumberjack, and I'm okay</a:t>
             </a:r>
             <a:r>
-              <a:rPr lang="en-US" sz="2600" b="1" i="0" u="none" strike="noStrike" cap="none" dirty="0" smtClean="0">
+              <a:rPr lang="en-US" sz="2600" i="0" u="none" strike="noStrike" cap="none" dirty="0" smtClean="0">
                 <a:solidFill>
                   <a:schemeClr val="lt1"/>
                 </a:solidFill>
@@ -5685,7 +5685,7 @@
               <a:t>.</a:t>
             </a:r>
             <a:r>
-              <a:rPr lang="en-US" sz="2600" b="1" dirty="0" smtClean="0">
+              <a:rPr lang="en-US" sz="2600" dirty="0" smtClean="0">
                 <a:solidFill>
                   <a:schemeClr val="lt1"/>
                 </a:solidFill>
@@ -5696,7 +5696,7 @@
               </a:rPr>
               <a:t>")</a:t>
             </a:r>
-            <a:endParaRPr lang="en-US" sz="2600" b="1" dirty="0">
+            <a:endParaRPr lang="en-US" sz="2600" dirty="0">
               <a:solidFill>
                 <a:schemeClr val="lt1"/>
               </a:solidFill>
@@ -5725,7 +5725,7 @@
               <a:buNone/>
             </a:pPr>
             <a:r>
-              <a:rPr lang="en-US" sz="2600" b="1" i="0" u="none" strike="noStrike" cap="none" dirty="0">
+              <a:rPr lang="en-US" sz="2600" i="0" u="none" strike="noStrike" cap="none" dirty="0">
                 <a:solidFill>
                   <a:schemeClr val="lt1"/>
                 </a:solidFill>
@@ -5737,7 +5737,7 @@
               <a:t>    </a:t>
             </a:r>
             <a:r>
-              <a:rPr lang="en-US" sz="2600" b="1" i="0" u="none" strike="noStrike" cap="none" dirty="0" smtClean="0">
+              <a:rPr lang="en-US" sz="2600" i="0" u="none" strike="noStrike" cap="none" dirty="0" smtClean="0">
                 <a:solidFill>
                   <a:srgbClr val="FFFF00"/>
                 </a:solidFill>
@@ -5749,7 +5749,7 @@
               <a:t>print</a:t>
             </a:r>
             <a:r>
-              <a:rPr lang="en-US" sz="2600" b="1" dirty="0">
+              <a:rPr lang="en-US" sz="2600" dirty="0">
                 <a:solidFill>
                   <a:schemeClr val="lt1"/>
                 </a:solidFill>
@@ -5761,7 +5761,7 @@
               <a:t>(</a:t>
             </a:r>
             <a:r>
-              <a:rPr lang="en-US" sz="2600" b="1" i="0" u="none" strike="noStrike" cap="none" dirty="0" smtClean="0">
+              <a:rPr lang="en-US" sz="2600" i="0" u="none" strike="noStrike" cap="none" dirty="0" smtClean="0">
                 <a:solidFill>
                   <a:schemeClr val="lt1"/>
                 </a:solidFill>
@@ -5773,7 +5773,7 @@
               <a:t>'I </a:t>
             </a:r>
             <a:r>
-              <a:rPr lang="en-US" sz="2600" b="1" i="0" u="none" strike="noStrike" cap="none" dirty="0">
+              <a:rPr lang="en-US" sz="2600" i="0" u="none" strike="noStrike" cap="none" dirty="0">
                 <a:solidFill>
                   <a:schemeClr val="lt1"/>
                 </a:solidFill>
@@ -5785,7 +5785,7 @@
               <a:t>sleep all night and I work all day</a:t>
             </a:r>
             <a:r>
-              <a:rPr lang="en-US" sz="2600" b="1" i="0" u="none" strike="noStrike" cap="none" dirty="0" smtClean="0">
+              <a:rPr lang="en-US" sz="2600" i="0" u="none" strike="noStrike" cap="none" dirty="0" smtClean="0">
                 <a:solidFill>
                   <a:schemeClr val="lt1"/>
                 </a:solidFill>
@@ -5796,7 +5796,7 @@
               </a:rPr>
               <a:t>.')</a:t>
             </a:r>
-            <a:endParaRPr lang="en-US" sz="2600" b="1" i="0" u="none" strike="noStrike" cap="none" dirty="0">
+            <a:endParaRPr lang="en-US" sz="2600" i="0" u="none" strike="noStrike" cap="none" dirty="0">
               <a:solidFill>
                 <a:schemeClr val="lt1"/>
               </a:solidFill>
@@ -5876,7 +5876,7 @@
               <a:buNone/>
             </a:pPr>
             <a:r>
-              <a:rPr lang="en-US" sz="2800" b="1" i="0" u="none" strike="noStrike" cap="none" dirty="0">
+              <a:rPr lang="en-US" sz="2800" i="0" u="none" strike="noStrike" cap="none" dirty="0">
                 <a:solidFill>
                   <a:srgbClr val="00FF00"/>
                 </a:solidFill>
@@ -5888,7 +5888,7 @@
               <a:t>x</a:t>
             </a:r>
             <a:r>
-              <a:rPr lang="en-US" sz="2800" b="1" i="0" u="none" strike="noStrike" cap="none" dirty="0">
+              <a:rPr lang="en-US" sz="2800" i="0" u="none" strike="noStrike" cap="none" dirty="0">
                 <a:solidFill>
                   <a:schemeClr val="lt1"/>
                 </a:solidFill>
@@ -5919,7 +5919,7 @@
               <a:buNone/>
             </a:pPr>
             <a:r>
-              <a:rPr lang="en-US" sz="2800" b="1" i="0" u="none" strike="noStrike" cap="none" dirty="0" smtClean="0">
+              <a:rPr lang="en-US" sz="2800" i="0" u="none" strike="noStrike" cap="none" dirty="0" smtClean="0">
                 <a:solidFill>
                   <a:srgbClr val="FFFF00"/>
                 </a:solidFill>
@@ -5931,7 +5931,7 @@
               <a:t>print</a:t>
             </a:r>
             <a:r>
-              <a:rPr lang="en-US" sz="2800" b="1" dirty="0">
+              <a:rPr lang="en-US" sz="2800" dirty="0">
                 <a:solidFill>
                   <a:schemeClr val="lt1"/>
                 </a:solidFill>
@@ -5943,7 +5943,7 @@
               <a:t>(</a:t>
             </a:r>
             <a:r>
-              <a:rPr lang="en-US" sz="2800" b="1" i="0" u="none" strike="noStrike" cap="none" dirty="0" smtClean="0">
+              <a:rPr lang="en-US" sz="2800" i="0" u="none" strike="noStrike" cap="none" dirty="0" smtClean="0">
                 <a:solidFill>
                   <a:schemeClr val="lt1"/>
                 </a:solidFill>
@@ -5954,7 +5954,7 @@
               </a:rPr>
               <a:t>'Hello')</a:t>
             </a:r>
-            <a:endParaRPr lang="en-US" sz="2800" b="1" i="0" u="none" strike="noStrike" cap="none" dirty="0">
+            <a:endParaRPr lang="en-US" sz="2800" i="0" u="none" strike="noStrike" cap="none" dirty="0">
               <a:solidFill>
                 <a:schemeClr val="lt1"/>
               </a:solidFill>
@@ -5977,7 +5977,7 @@
               </a:spcAft>
               <a:buNone/>
             </a:pPr>
-            <a:endParaRPr sz="2800" b="1" i="0" u="none" strike="noStrike" cap="none" dirty="0">
+            <a:endParaRPr sz="2800" i="0" u="none" strike="noStrike" cap="none" dirty="0">
               <a:solidFill>
                 <a:srgbClr val="FFFF00"/>
               </a:solidFill>
@@ -6006,7 +6006,7 @@
               <a:buNone/>
             </a:pPr>
             <a:r>
-              <a:rPr lang="en-US" sz="2800" b="1" i="0" u="none" strike="noStrike" cap="none" dirty="0" err="1">
+              <a:rPr lang="en-US" sz="2800" i="0" u="none" strike="noStrike" cap="none" dirty="0" err="1">
                 <a:solidFill>
                   <a:srgbClr val="FFFF00"/>
                 </a:solidFill>
@@ -6018,7 +6018,7 @@
               <a:t>def</a:t>
             </a:r>
             <a:r>
-              <a:rPr lang="en-US" sz="2800" b="1" i="0" u="none" strike="noStrike" cap="none" dirty="0">
+              <a:rPr lang="en-US" sz="2800" i="0" u="none" strike="noStrike" cap="none" dirty="0">
                 <a:solidFill>
                   <a:schemeClr val="lt1"/>
                 </a:solidFill>
@@ -6030,7 +6030,7 @@
               <a:t> </a:t>
             </a:r>
             <a:r>
-              <a:rPr lang="en-US" sz="2800" b="1" i="0" u="none" strike="noStrike" cap="none" dirty="0" err="1">
+              <a:rPr lang="en-US" sz="2800" i="0" u="none" strike="noStrike" cap="none" dirty="0" err="1">
                 <a:solidFill>
                   <a:srgbClr val="00FF00"/>
                 </a:solidFill>
@@ -6042,7 +6042,7 @@
               <a:t>print_lyrics</a:t>
             </a:r>
             <a:r>
-              <a:rPr lang="en-US" sz="2800" b="1" i="0" u="none" strike="noStrike" cap="none" dirty="0">
+              <a:rPr lang="en-US" sz="2800" i="0" u="none" strike="noStrike" cap="none" dirty="0">
                 <a:solidFill>
                   <a:schemeClr val="lt1"/>
                 </a:solidFill>
@@ -6073,7 +6073,7 @@
               <a:buNone/>
             </a:pPr>
             <a:r>
-              <a:rPr lang="en-US" sz="2800" b="1" i="0" u="none" strike="noStrike" cap="none" dirty="0">
+              <a:rPr lang="en-US" sz="2800" i="0" u="none" strike="noStrike" cap="none" dirty="0">
                 <a:solidFill>
                   <a:schemeClr val="lt1"/>
                 </a:solidFill>
@@ -6085,7 +6085,7 @@
               <a:t>    </a:t>
             </a:r>
             <a:r>
-              <a:rPr lang="en-US" sz="2800" b="1" i="0" u="none" strike="noStrike" cap="none" dirty="0" smtClean="0">
+              <a:rPr lang="en-US" sz="2800" i="0" u="none" strike="noStrike" cap="none" dirty="0" smtClean="0">
                 <a:solidFill>
                   <a:srgbClr val="FFFF00"/>
                 </a:solidFill>
@@ -6097,7 +6097,7 @@
               <a:t>print</a:t>
             </a:r>
             <a:r>
-              <a:rPr lang="en-US" sz="2800" b="1" dirty="0">
+              <a:rPr lang="en-US" sz="2800" dirty="0">
                 <a:solidFill>
                   <a:schemeClr val="lt1"/>
                 </a:solidFill>
@@ -6109,7 +6109,7 @@
               <a:t>(</a:t>
             </a:r>
             <a:r>
-              <a:rPr lang="en-US" sz="2800" b="1" i="0" u="none" strike="noStrike" cap="none" dirty="0" smtClean="0">
+              <a:rPr lang="en-US" sz="2800" i="0" u="none" strike="noStrike" cap="none" dirty="0" smtClean="0">
                 <a:solidFill>
                   <a:schemeClr val="lt1"/>
                 </a:solidFill>
@@ -6121,7 +6121,7 @@
               <a:t>"I'm </a:t>
             </a:r>
             <a:r>
-              <a:rPr lang="en-US" sz="2800" b="1" i="0" u="none" strike="noStrike" cap="none" dirty="0">
+              <a:rPr lang="en-US" sz="2800" i="0" u="none" strike="noStrike" cap="none" dirty="0">
                 <a:solidFill>
                   <a:schemeClr val="lt1"/>
                 </a:solidFill>
@@ -6133,7 +6133,7 @@
               <a:t>a lumberjack, and I'm okay</a:t>
             </a:r>
             <a:r>
-              <a:rPr lang="en-US" sz="2800" b="1" i="0" u="none" strike="noStrike" cap="none" dirty="0" smtClean="0">
+              <a:rPr lang="en-US" sz="2800" i="0" u="none" strike="noStrike" cap="none" dirty="0" smtClean="0">
                 <a:solidFill>
                   <a:schemeClr val="lt1"/>
                 </a:solidFill>
@@ -6145,7 +6145,7 @@
               <a:t>.</a:t>
             </a:r>
             <a:r>
-              <a:rPr lang="en-US" sz="2800" b="1" dirty="0" smtClean="0">
+              <a:rPr lang="en-US" sz="2800" dirty="0" smtClean="0">
                 <a:solidFill>
                   <a:schemeClr val="lt1"/>
                 </a:solidFill>
@@ -6156,7 +6156,7 @@
               </a:rPr>
               <a:t>")</a:t>
             </a:r>
-            <a:endParaRPr lang="en-US" sz="2800" b="1" dirty="0">
+            <a:endParaRPr lang="en-US" sz="2800" dirty="0">
               <a:solidFill>
                 <a:schemeClr val="lt1"/>
               </a:solidFill>
@@ -6185,7 +6185,7 @@
               <a:buNone/>
             </a:pPr>
             <a:r>
-              <a:rPr lang="en-US" sz="2800" b="1" i="0" u="none" strike="noStrike" cap="none" dirty="0">
+              <a:rPr lang="en-US" sz="2800" i="0" u="none" strike="noStrike" cap="none" dirty="0">
                 <a:solidFill>
                   <a:schemeClr val="lt1"/>
                 </a:solidFill>
@@ -6197,7 +6197,7 @@
               <a:t>    </a:t>
             </a:r>
             <a:r>
-              <a:rPr lang="en-US" sz="2800" b="1" i="0" u="none" strike="noStrike" cap="none" dirty="0" smtClean="0">
+              <a:rPr lang="en-US" sz="2800" i="0" u="none" strike="noStrike" cap="none" dirty="0" smtClean="0">
                 <a:solidFill>
                   <a:srgbClr val="FFFF00"/>
                 </a:solidFill>
@@ -6209,7 +6209,7 @@
               <a:t>print</a:t>
             </a:r>
             <a:r>
-              <a:rPr lang="en-US" sz="2800" b="1" dirty="0">
+              <a:rPr lang="en-US" sz="2800" dirty="0">
                 <a:solidFill>
                   <a:schemeClr val="lt1"/>
                 </a:solidFill>
@@ -6221,7 +6221,7 @@
               <a:t>(</a:t>
             </a:r>
             <a:r>
-              <a:rPr lang="en-US" sz="2800" b="1" i="0" u="none" strike="noStrike" cap="none" dirty="0" smtClean="0">
+              <a:rPr lang="en-US" sz="2800" i="0" u="none" strike="noStrike" cap="none" dirty="0" smtClean="0">
                 <a:solidFill>
                   <a:schemeClr val="lt1"/>
                 </a:solidFill>
@@ -6233,7 +6233,7 @@
               <a:t>'I </a:t>
             </a:r>
             <a:r>
-              <a:rPr lang="en-US" sz="2800" b="1" i="0" u="none" strike="noStrike" cap="none" dirty="0">
+              <a:rPr lang="en-US" sz="2800" i="0" u="none" strike="noStrike" cap="none" dirty="0">
                 <a:solidFill>
                   <a:schemeClr val="lt1"/>
                 </a:solidFill>
@@ -6245,7 +6245,7 @@
               <a:t>sleep all night and I work all day</a:t>
             </a:r>
             <a:r>
-              <a:rPr lang="en-US" sz="2800" b="1" i="0" u="none" strike="noStrike" cap="none" dirty="0" smtClean="0">
+              <a:rPr lang="en-US" sz="2800" i="0" u="none" strike="noStrike" cap="none" dirty="0" smtClean="0">
                 <a:solidFill>
                   <a:schemeClr val="lt1"/>
                 </a:solidFill>
@@ -6256,7 +6256,7 @@
               </a:rPr>
               <a:t>.')</a:t>
             </a:r>
-            <a:endParaRPr lang="en-US" sz="2800" b="1" i="0" u="none" strike="noStrike" cap="none" dirty="0">
+            <a:endParaRPr lang="en-US" sz="2800" i="0" u="none" strike="noStrike" cap="none" dirty="0">
               <a:solidFill>
                 <a:schemeClr val="lt1"/>
               </a:solidFill>
@@ -6279,7 +6279,7 @@
               </a:spcAft>
               <a:buNone/>
             </a:pPr>
-            <a:endParaRPr sz="2800" b="1" i="0" u="none" strike="noStrike" cap="none" dirty="0">
+            <a:endParaRPr sz="2800" i="0" u="none" strike="noStrike" cap="none" dirty="0">
               <a:solidFill>
                 <a:schemeClr val="lt1"/>
               </a:solidFill>
@@ -6308,7 +6308,7 @@
               <a:buNone/>
             </a:pPr>
             <a:r>
-              <a:rPr lang="en-US" sz="2800" b="1" i="0" u="none" strike="noStrike" cap="none" dirty="0" smtClean="0">
+              <a:rPr lang="en-US" sz="2800" i="0" u="none" strike="noStrike" cap="none" dirty="0" smtClean="0">
                 <a:solidFill>
                   <a:srgbClr val="FFFF00"/>
                 </a:solidFill>
@@ -6320,7 +6320,7 @@
               <a:t>print</a:t>
             </a:r>
             <a:r>
-              <a:rPr lang="en-US" sz="2800" b="1" dirty="0">
+              <a:rPr lang="en-US" sz="2800" dirty="0">
                 <a:solidFill>
                   <a:schemeClr val="lt1"/>
                 </a:solidFill>
@@ -6332,7 +6332,7 @@
               <a:t>(</a:t>
             </a:r>
             <a:r>
-              <a:rPr lang="en-US" sz="2800" b="1" i="0" u="none" strike="noStrike" cap="none" dirty="0" smtClean="0">
+              <a:rPr lang="en-US" sz="2800" i="0" u="none" strike="noStrike" cap="none" dirty="0" smtClean="0">
                 <a:solidFill>
                   <a:schemeClr val="lt1"/>
                 </a:solidFill>
@@ -6344,7 +6344,7 @@
               <a:t>'</a:t>
             </a:r>
             <a:r>
-              <a:rPr lang="en-US" sz="2800" b="1" i="0" u="none" strike="noStrike" cap="none" dirty="0" err="1" smtClean="0">
+              <a:rPr lang="en-US" sz="2800" i="0" u="none" strike="noStrike" cap="none" dirty="0" err="1" smtClean="0">
                 <a:solidFill>
                   <a:schemeClr val="lt1"/>
                 </a:solidFill>
@@ -6356,7 +6356,7 @@
               <a:t>Yo</a:t>
             </a:r>
             <a:r>
-              <a:rPr lang="en-US" sz="2800" b="1" i="0" u="none" strike="noStrike" cap="none" dirty="0" smtClean="0">
+              <a:rPr lang="en-US" sz="2800" i="0" u="none" strike="noStrike" cap="none" dirty="0" smtClean="0">
                 <a:solidFill>
                   <a:schemeClr val="lt1"/>
                 </a:solidFill>
@@ -6367,7 +6367,7 @@
               </a:rPr>
               <a:t>')</a:t>
             </a:r>
-            <a:endParaRPr lang="en-US" sz="2800" b="1" i="0" u="none" strike="noStrike" cap="none" dirty="0">
+            <a:endParaRPr lang="en-US" sz="2800" i="0" u="none" strike="noStrike" cap="none" dirty="0">
               <a:solidFill>
                 <a:schemeClr val="lt1"/>
               </a:solidFill>
@@ -6396,7 +6396,7 @@
               <a:buNone/>
             </a:pPr>
             <a:r>
-              <a:rPr lang="en-US" sz="2800" b="1" i="0" u="none" strike="noStrike" cap="none" dirty="0">
+              <a:rPr lang="en-US" sz="2800" i="0" u="none" strike="noStrike" cap="none" dirty="0">
                 <a:solidFill>
                   <a:srgbClr val="00FF00"/>
                 </a:solidFill>
@@ -6408,7 +6408,7 @@
               <a:t>x</a:t>
             </a:r>
             <a:r>
-              <a:rPr lang="en-US" sz="2800" b="1" i="0" u="none" strike="noStrike" cap="none" dirty="0">
+              <a:rPr lang="en-US" sz="2800" i="0" u="none" strike="noStrike" cap="none" dirty="0">
                 <a:solidFill>
                   <a:schemeClr val="lt1"/>
                 </a:solidFill>
@@ -6420,7 +6420,7 @@
               <a:t> = </a:t>
             </a:r>
             <a:r>
-              <a:rPr lang="en-US" sz="2800" b="1" i="0" u="none" strike="noStrike" cap="none" dirty="0">
+              <a:rPr lang="en-US" sz="2800" i="0" u="none" strike="noStrike" cap="none" dirty="0">
                 <a:solidFill>
                   <a:srgbClr val="00FF00"/>
                 </a:solidFill>
@@ -6432,7 +6432,7 @@
               <a:t>x</a:t>
             </a:r>
             <a:r>
-              <a:rPr lang="en-US" sz="2800" b="1" i="0" u="none" strike="noStrike" cap="none" dirty="0">
+              <a:rPr lang="en-US" sz="2800" i="0" u="none" strike="noStrike" cap="none" dirty="0">
                 <a:solidFill>
                   <a:schemeClr val="lt1"/>
                 </a:solidFill>
@@ -6444,7 +6444,7 @@
               <a:t> </a:t>
             </a:r>
             <a:r>
-              <a:rPr lang="en-US" sz="2800" b="1" i="0" u="none" strike="noStrike" cap="none" dirty="0">
+              <a:rPr lang="en-US" sz="2800" i="0" u="none" strike="noStrike" cap="none" dirty="0">
                 <a:solidFill>
                   <a:srgbClr val="00FFFF"/>
                 </a:solidFill>
@@ -6456,7 +6456,7 @@
               <a:t>+</a:t>
             </a:r>
             <a:r>
-              <a:rPr lang="en-US" sz="2800" b="1" i="0" u="none" strike="noStrike" cap="none" dirty="0">
+              <a:rPr lang="en-US" sz="2800" i="0" u="none" strike="noStrike" cap="none" dirty="0">
                 <a:solidFill>
                   <a:schemeClr val="lt1"/>
                 </a:solidFill>
@@ -6487,7 +6487,7 @@
               <a:buNone/>
             </a:pPr>
             <a:r>
-              <a:rPr lang="en-US" sz="2800" b="1" i="0" u="none" strike="noStrike" cap="none" dirty="0" smtClean="0">
+              <a:rPr lang="en-US" sz="2800" i="0" u="none" strike="noStrike" cap="none" dirty="0" smtClean="0">
                 <a:solidFill>
                   <a:srgbClr val="FFFF00"/>
                 </a:solidFill>
@@ -6499,7 +6499,7 @@
               <a:t>print</a:t>
             </a:r>
             <a:r>
-              <a:rPr lang="en-US" sz="2800" b="1" dirty="0">
+              <a:rPr lang="en-US" sz="2800" dirty="0">
                 <a:solidFill>
                   <a:schemeClr val="lt1"/>
                 </a:solidFill>
@@ -6511,7 +6511,7 @@
               <a:t>(</a:t>
             </a:r>
             <a:r>
-              <a:rPr lang="en-US" sz="2800" b="1" i="0" u="none" strike="noStrike" cap="none" dirty="0" smtClean="0">
+              <a:rPr lang="en-US" sz="2800" i="0" u="none" strike="noStrike" cap="none" dirty="0" smtClean="0">
                 <a:solidFill>
                   <a:srgbClr val="00FF00"/>
                 </a:solidFill>
@@ -6523,7 +6523,7 @@
               <a:t>x</a:t>
             </a:r>
             <a:r>
-              <a:rPr lang="en-US" sz="2800" b="1" i="0" u="none" strike="noStrike" cap="none" dirty="0" smtClean="0">
+              <a:rPr lang="en-US" sz="2800" i="0" u="none" strike="noStrike" cap="none" dirty="0" smtClean="0">
                 <a:solidFill>
                   <a:schemeClr val="bg1"/>
                 </a:solidFill>
@@ -6534,7 +6534,7 @@
               </a:rPr>
               <a:t>)</a:t>
             </a:r>
-            <a:endParaRPr lang="en-US" sz="2800" b="1" i="0" u="none" strike="noStrike" cap="none" dirty="0">
+            <a:endParaRPr lang="en-US" sz="2800" i="0" u="none" strike="noStrike" cap="none" dirty="0">
               <a:solidFill>
                 <a:schemeClr val="bg1"/>
               </a:solidFill>
@@ -6723,7 +6723,7 @@
               <a:buNone/>
             </a:pPr>
             <a:r>
-              <a:rPr lang="en-US" sz="2500" u="none" strike="noStrike" cap="none">
+              <a:rPr lang="en-US" sz="2500" u="none" strike="noStrike" cap="none" dirty="0">
                 <a:solidFill>
                   <a:schemeClr val="lt1"/>
                 </a:solidFill>
@@ -6735,7 +6735,7 @@
               <a:t>    </a:t>
             </a:r>
             <a:r>
-              <a:rPr lang="en-US" sz="2500" u="none" strike="noStrike" cap="none">
+              <a:rPr lang="en-US" sz="2500" u="none" strike="noStrike" cap="none" dirty="0">
                 <a:solidFill>
                   <a:srgbClr val="FFFF00"/>
                 </a:solidFill>
@@ -6747,7 +6747,7 @@
               <a:t>print</a:t>
             </a:r>
             <a:r>
-              <a:rPr lang="en-US" sz="2500" u="none" strike="noStrike" cap="none">
+              <a:rPr lang="en-US" sz="2500" u="none" strike="noStrike" cap="none" dirty="0">
                 <a:solidFill>
                   <a:schemeClr val="lt1"/>
                 </a:solidFill>
@@ -6778,7 +6778,7 @@
               <a:buNone/>
             </a:pPr>
             <a:r>
-              <a:rPr lang="en-US" sz="2500" u="none" strike="noStrike" cap="none">
+              <a:rPr lang="en-US" sz="2500" u="none" strike="noStrike" cap="none" dirty="0">
                 <a:solidFill>
                   <a:schemeClr val="lt1"/>
                 </a:solidFill>
@@ -6790,7 +6790,7 @@
               <a:t>    </a:t>
             </a:r>
             <a:r>
-              <a:rPr lang="en-US" sz="2500" u="none" strike="noStrike" cap="none">
+              <a:rPr lang="en-US" sz="2500" u="none" strike="noStrike" cap="none" dirty="0">
                 <a:solidFill>
                   <a:srgbClr val="FFFF00"/>
                 </a:solidFill>
@@ -6802,7 +6802,7 @@
               <a:t>print</a:t>
             </a:r>
             <a:r>
-              <a:rPr lang="en-US" sz="2500" u="none" strike="noStrike" cap="none">
+              <a:rPr lang="en-US" sz="2500" u="none" strike="noStrike" cap="none" dirty="0">
                 <a:solidFill>
                   <a:schemeClr val="lt1"/>
                 </a:solidFill>
@@ -6859,7 +6859,7 @@
               <a:buNone/>
             </a:pPr>
             <a:r>
-              <a:rPr lang="en-US" sz="2800" u="none" strike="noStrike" cap="none">
+              <a:rPr lang="en-US" sz="2800" u="none" strike="noStrike" cap="none" dirty="0" err="1">
                 <a:solidFill>
                   <a:srgbClr val="00FF00"/>
                 </a:solidFill>
@@ -6871,7 +6871,7 @@
               <a:t>print_lyrics</a:t>
             </a:r>
             <a:r>
-              <a:rPr lang="en-US" sz="2800" u="none" strike="noStrike" cap="none">
+              <a:rPr lang="en-US" sz="2800" u="none" strike="noStrike" cap="none" dirty="0">
                 <a:solidFill>
                   <a:schemeClr val="lt1"/>
                 </a:solidFill>
@@ -7266,7 +7266,7 @@
               <a:buNone/>
             </a:pPr>
             <a:r>
-              <a:rPr lang="en-US" sz="3000" b="1" i="0" u="none" strike="noStrike" cap="none" dirty="0">
+              <a:rPr lang="en-US" sz="3000" i="0" u="none" strike="noStrike" cap="none" dirty="0">
                 <a:solidFill>
                   <a:srgbClr val="00FF00"/>
                 </a:solidFill>
@@ -7278,7 +7278,7 @@
               <a:t>x</a:t>
             </a:r>
             <a:r>
-              <a:rPr lang="en-US" sz="3000" b="1" i="0" u="none" strike="noStrike" cap="none" dirty="0">
+              <a:rPr lang="en-US" sz="3000" i="0" u="none" strike="noStrike" cap="none" dirty="0">
                 <a:solidFill>
                   <a:schemeClr val="lt1"/>
                 </a:solidFill>
@@ -7309,7 +7309,7 @@
               <a:buNone/>
             </a:pPr>
             <a:r>
-              <a:rPr lang="en-US" sz="3000" b="1" i="0" u="none" strike="noStrike" cap="none" dirty="0" smtClean="0">
+              <a:rPr lang="en-US" sz="3000" i="0" u="none" strike="noStrike" cap="none" dirty="0" smtClean="0">
                 <a:solidFill>
                   <a:srgbClr val="FFFF00"/>
                 </a:solidFill>
@@ -7321,7 +7321,7 @@
               <a:t>print</a:t>
             </a:r>
             <a:r>
-              <a:rPr lang="en-US" sz="3000" b="1" dirty="0">
+              <a:rPr lang="en-US" sz="3000" dirty="0">
                 <a:solidFill>
                   <a:schemeClr val="lt1"/>
                 </a:solidFill>
@@ -7333,7 +7333,7 @@
               <a:t>(</a:t>
             </a:r>
             <a:r>
-              <a:rPr lang="en-US" sz="3000" b="1" i="0" u="none" strike="noStrike" cap="none" dirty="0" smtClean="0">
+              <a:rPr lang="en-US" sz="3000" i="0" u="none" strike="noStrike" cap="none" dirty="0" smtClean="0">
                 <a:solidFill>
                   <a:schemeClr val="lt1"/>
                 </a:solidFill>
@@ -7344,7 +7344,7 @@
               </a:rPr>
               <a:t>'Hello')</a:t>
             </a:r>
-            <a:endParaRPr lang="en-US" sz="3000" b="1" i="0" u="none" strike="noStrike" cap="none" dirty="0">
+            <a:endParaRPr lang="en-US" sz="3000" i="0" u="none" strike="noStrike" cap="none" dirty="0">
               <a:solidFill>
                 <a:schemeClr val="lt1"/>
               </a:solidFill>
@@ -7367,7 +7367,7 @@
               </a:spcAft>
               <a:buNone/>
             </a:pPr>
-            <a:endParaRPr sz="3000" b="1" i="0" u="none" strike="noStrike" cap="none" dirty="0">
+            <a:endParaRPr sz="3000" i="0" u="none" strike="noStrike" cap="none" dirty="0">
               <a:solidFill>
                 <a:srgbClr val="FFFF00"/>
               </a:solidFill>
@@ -7396,7 +7396,7 @@
               <a:buNone/>
             </a:pPr>
             <a:r>
-              <a:rPr lang="en-US" sz="3000" b="1" i="0" u="none" strike="noStrike" cap="none" dirty="0" err="1">
+              <a:rPr lang="en-US" sz="3000" i="0" u="none" strike="noStrike" cap="none" dirty="0" err="1">
                 <a:solidFill>
                   <a:srgbClr val="FFFF00"/>
                 </a:solidFill>
@@ -7408,7 +7408,7 @@
               <a:t>def</a:t>
             </a:r>
             <a:r>
-              <a:rPr lang="en-US" sz="3000" b="1" i="0" u="none" strike="noStrike" cap="none" dirty="0">
+              <a:rPr lang="en-US" sz="3000" i="0" u="none" strike="noStrike" cap="none" dirty="0">
                 <a:solidFill>
                   <a:schemeClr val="lt1"/>
                 </a:solidFill>
@@ -7420,7 +7420,7 @@
               <a:t> </a:t>
             </a:r>
             <a:r>
-              <a:rPr lang="en-US" sz="3000" b="1" i="0" u="none" strike="noStrike" cap="none" dirty="0" err="1">
+              <a:rPr lang="en-US" sz="3000" i="0" u="none" strike="noStrike" cap="none" dirty="0" err="1">
                 <a:solidFill>
                   <a:srgbClr val="00FF00"/>
                 </a:solidFill>
@@ -7432,7 +7432,7 @@
               <a:t>print_lyrics</a:t>
             </a:r>
             <a:r>
-              <a:rPr lang="en-US" sz="3000" b="1" i="0" u="none" strike="noStrike" cap="none" dirty="0">
+              <a:rPr lang="en-US" sz="3000" i="0" u="none" strike="noStrike" cap="none" dirty="0">
                 <a:solidFill>
                   <a:schemeClr val="lt1"/>
                 </a:solidFill>
@@ -7463,7 +7463,7 @@
               <a:buNone/>
             </a:pPr>
             <a:r>
-              <a:rPr lang="en-US" sz="3000" b="1" i="0" u="none" strike="noStrike" cap="none" dirty="0">
+              <a:rPr lang="en-US" sz="3000" i="0" u="none" strike="noStrike" cap="none" dirty="0">
                 <a:solidFill>
                   <a:schemeClr val="lt1"/>
                 </a:solidFill>
@@ -7475,7 +7475,7 @@
               <a:t>   </a:t>
             </a:r>
             <a:r>
-              <a:rPr lang="en-US" sz="3000" b="1" i="0" u="none" strike="noStrike" cap="none" dirty="0" smtClean="0">
+              <a:rPr lang="en-US" sz="3000" i="0" u="none" strike="noStrike" cap="none" dirty="0" smtClean="0">
                 <a:solidFill>
                   <a:srgbClr val="FFFF00"/>
                 </a:solidFill>
@@ -7487,7 +7487,7 @@
               <a:t>print</a:t>
             </a:r>
             <a:r>
-              <a:rPr lang="en-US" sz="3000" b="1" dirty="0">
+              <a:rPr lang="en-US" sz="3000" dirty="0">
                 <a:solidFill>
                   <a:schemeClr val="lt1"/>
                 </a:solidFill>
@@ -7499,7 +7499,7 @@
               <a:t>(</a:t>
             </a:r>
             <a:r>
-              <a:rPr lang="en-US" sz="3000" b="1" i="0" u="none" strike="noStrike" cap="none" dirty="0" smtClean="0">
+              <a:rPr lang="en-US" sz="3000" i="0" u="none" strike="noStrike" cap="none" dirty="0" smtClean="0">
                 <a:solidFill>
                   <a:schemeClr val="lt1"/>
                 </a:solidFill>
@@ -7511,7 +7511,7 @@
               <a:t>"I'm </a:t>
             </a:r>
             <a:r>
-              <a:rPr lang="en-US" sz="3000" b="1" i="0" u="none" strike="noStrike" cap="none" dirty="0">
+              <a:rPr lang="en-US" sz="3000" i="0" u="none" strike="noStrike" cap="none" dirty="0">
                 <a:solidFill>
                   <a:schemeClr val="lt1"/>
                 </a:solidFill>
@@ -7523,7 +7523,7 @@
               <a:t>a lumberjack, and I'm okay</a:t>
             </a:r>
             <a:r>
-              <a:rPr lang="en-US" sz="3000" b="1" i="0" u="none" strike="noStrike" cap="none" dirty="0" smtClean="0">
+              <a:rPr lang="en-US" sz="3000" i="0" u="none" strike="noStrike" cap="none" dirty="0" smtClean="0">
                 <a:solidFill>
                   <a:schemeClr val="lt1"/>
                 </a:solidFill>
@@ -7535,7 +7535,7 @@
               <a:t>.</a:t>
             </a:r>
             <a:r>
-              <a:rPr lang="en-US" sz="3000" b="1" dirty="0" smtClean="0">
+              <a:rPr lang="en-US" sz="3000" dirty="0" smtClean="0">
                 <a:solidFill>
                   <a:schemeClr val="lt1"/>
                 </a:solidFill>
@@ -7546,7 +7546,7 @@
               </a:rPr>
               <a:t>")</a:t>
             </a:r>
-            <a:endParaRPr lang="en-US" sz="3000" b="1" dirty="0">
+            <a:endParaRPr lang="en-US" sz="3000" dirty="0">
               <a:solidFill>
                 <a:schemeClr val="lt1"/>
               </a:solidFill>
@@ -7575,7 +7575,7 @@
               <a:buNone/>
             </a:pPr>
             <a:r>
-              <a:rPr lang="en-US" sz="3000" b="1" i="0" u="none" strike="noStrike" cap="none" dirty="0">
+              <a:rPr lang="en-US" sz="3000" i="0" u="none" strike="noStrike" cap="none" dirty="0">
                 <a:solidFill>
                   <a:schemeClr val="lt1"/>
                 </a:solidFill>
@@ -7587,7 +7587,7 @@
               <a:t>   </a:t>
             </a:r>
             <a:r>
-              <a:rPr lang="en-US" sz="3000" b="1" i="0" u="none" strike="noStrike" cap="none" dirty="0" smtClean="0">
+              <a:rPr lang="en-US" sz="3000" i="0" u="none" strike="noStrike" cap="none" dirty="0" smtClean="0">
                 <a:solidFill>
                   <a:srgbClr val="FFFF00"/>
                 </a:solidFill>
@@ -7599,7 +7599,7 @@
               <a:t>print</a:t>
             </a:r>
             <a:r>
-              <a:rPr lang="en-US" sz="3000" b="1" dirty="0">
+              <a:rPr lang="en-US" sz="3000" dirty="0">
                 <a:solidFill>
                   <a:schemeClr val="lt1"/>
                 </a:solidFill>
@@ -7611,7 +7611,7 @@
               <a:t>(</a:t>
             </a:r>
             <a:r>
-              <a:rPr lang="en-US" sz="3000" b="1" i="0" u="none" strike="noStrike" cap="none" dirty="0" smtClean="0">
+              <a:rPr lang="en-US" sz="3000" i="0" u="none" strike="noStrike" cap="none" dirty="0" smtClean="0">
                 <a:solidFill>
                   <a:schemeClr val="lt1"/>
                 </a:solidFill>
@@ -7623,7 +7623,7 @@
               <a:t>'I </a:t>
             </a:r>
             <a:r>
-              <a:rPr lang="en-US" sz="3000" b="1" i="0" u="none" strike="noStrike" cap="none" dirty="0">
+              <a:rPr lang="en-US" sz="3000" i="0" u="none" strike="noStrike" cap="none" dirty="0">
                 <a:solidFill>
                   <a:schemeClr val="lt1"/>
                 </a:solidFill>
@@ -7635,7 +7635,7 @@
               <a:t>sleep all night and I work all day</a:t>
             </a:r>
             <a:r>
-              <a:rPr lang="en-US" sz="3000" b="1" i="0" u="none" strike="noStrike" cap="none" dirty="0" smtClean="0">
+              <a:rPr lang="en-US" sz="3000" i="0" u="none" strike="noStrike" cap="none" dirty="0" smtClean="0">
                 <a:solidFill>
                   <a:schemeClr val="lt1"/>
                 </a:solidFill>
@@ -7646,7 +7646,7 @@
               </a:rPr>
               <a:t>.')</a:t>
             </a:r>
-            <a:endParaRPr lang="en-US" sz="3000" b="1" i="0" u="none" strike="noStrike" cap="none" dirty="0">
+            <a:endParaRPr lang="en-US" sz="3000" i="0" u="none" strike="noStrike" cap="none" dirty="0">
               <a:solidFill>
                 <a:schemeClr val="lt1"/>
               </a:solidFill>
@@ -7669,7 +7669,7 @@
               </a:spcAft>
               <a:buNone/>
             </a:pPr>
-            <a:endParaRPr sz="3000" b="1" i="0" u="none" strike="noStrike" cap="none" dirty="0">
+            <a:endParaRPr sz="3000" i="0" u="none" strike="noStrike" cap="none" dirty="0">
               <a:solidFill>
                 <a:schemeClr val="lt1"/>
               </a:solidFill>
@@ -7698,7 +7698,7 @@
               <a:buNone/>
             </a:pPr>
             <a:r>
-              <a:rPr lang="en-US" sz="3000" b="1" i="0" u="none" strike="noStrike" cap="none" dirty="0" smtClean="0">
+              <a:rPr lang="en-US" sz="3000" i="0" u="none" strike="noStrike" cap="none" dirty="0" smtClean="0">
                 <a:solidFill>
                   <a:srgbClr val="FFFF00"/>
                 </a:solidFill>
@@ -7710,7 +7710,7 @@
               <a:t>print</a:t>
             </a:r>
             <a:r>
-              <a:rPr lang="en-US" sz="3000" b="1" dirty="0">
+              <a:rPr lang="en-US" sz="3000" dirty="0">
                 <a:solidFill>
                   <a:schemeClr val="lt1"/>
                 </a:solidFill>
@@ -7722,7 +7722,7 @@
               <a:t>(</a:t>
             </a:r>
             <a:r>
-              <a:rPr lang="en-US" sz="3000" b="1" i="0" u="none" strike="noStrike" cap="none" dirty="0" smtClean="0">
+              <a:rPr lang="en-US" sz="3000" i="0" u="none" strike="noStrike" cap="none" dirty="0" smtClean="0">
                 <a:solidFill>
                   <a:schemeClr val="lt1"/>
                 </a:solidFill>
@@ -7734,7 +7734,7 @@
               <a:t>'</a:t>
             </a:r>
             <a:r>
-              <a:rPr lang="en-US" sz="3000" b="1" i="0" u="none" strike="noStrike" cap="none" dirty="0" err="1" smtClean="0">
+              <a:rPr lang="en-US" sz="3000" i="0" u="none" strike="noStrike" cap="none" dirty="0" err="1" smtClean="0">
                 <a:solidFill>
                   <a:schemeClr val="lt1"/>
                 </a:solidFill>
@@ -7746,7 +7746,7 @@
               <a:t>Yo</a:t>
             </a:r>
             <a:r>
-              <a:rPr lang="en-US" sz="3000" b="1" i="0" u="none" strike="noStrike" cap="none" dirty="0" smtClean="0">
+              <a:rPr lang="en-US" sz="3000" i="0" u="none" strike="noStrike" cap="none" dirty="0" smtClean="0">
                 <a:solidFill>
                   <a:schemeClr val="lt1"/>
                 </a:solidFill>
@@ -7757,7 +7757,7 @@
               </a:rPr>
               <a:t>')</a:t>
             </a:r>
-            <a:endParaRPr lang="en-US" sz="3000" b="1" i="0" u="none" strike="noStrike" cap="none" dirty="0">
+            <a:endParaRPr lang="en-US" sz="3000" i="0" u="none" strike="noStrike" cap="none" dirty="0">
               <a:solidFill>
                 <a:schemeClr val="lt1"/>
               </a:solidFill>
@@ -7786,7 +7786,7 @@
               <a:buNone/>
             </a:pPr>
             <a:r>
-              <a:rPr lang="en-US" sz="3000" b="1" i="0" u="none" strike="noStrike" cap="none" dirty="0" err="1">
+              <a:rPr lang="en-US" sz="3000" i="0" u="none" strike="noStrike" cap="none" dirty="0" err="1">
                 <a:solidFill>
                   <a:srgbClr val="00FF00"/>
                 </a:solidFill>
@@ -7798,7 +7798,7 @@
               <a:t>print_lyrics</a:t>
             </a:r>
             <a:r>
-              <a:rPr lang="en-US" sz="3000" b="1" i="0" u="none" strike="noStrike" cap="none" dirty="0">
+              <a:rPr lang="en-US" sz="3000" i="0" u="none" strike="noStrike" cap="none" dirty="0">
                 <a:solidFill>
                   <a:schemeClr val="lt1"/>
                 </a:solidFill>
@@ -7829,7 +7829,7 @@
               <a:buNone/>
             </a:pPr>
             <a:r>
-              <a:rPr lang="en-US" sz="3000" b="1" i="0" u="none" strike="noStrike" cap="none" dirty="0">
+              <a:rPr lang="en-US" sz="3000" i="0" u="none" strike="noStrike" cap="none" dirty="0">
                 <a:solidFill>
                   <a:srgbClr val="00FF00"/>
                 </a:solidFill>
@@ -7841,7 +7841,7 @@
               <a:t>x</a:t>
             </a:r>
             <a:r>
-              <a:rPr lang="en-US" sz="3000" b="1" i="0" u="none" strike="noStrike" cap="none" dirty="0">
+              <a:rPr lang="en-US" sz="3000" i="0" u="none" strike="noStrike" cap="none" dirty="0">
                 <a:solidFill>
                   <a:schemeClr val="lt1"/>
                 </a:solidFill>
@@ -7853,7 +7853,7 @@
               <a:t> = </a:t>
             </a:r>
             <a:r>
-              <a:rPr lang="en-US" sz="3000" b="1" i="0" u="none" strike="noStrike" cap="none" dirty="0">
+              <a:rPr lang="en-US" sz="3000" i="0" u="none" strike="noStrike" cap="none" dirty="0">
                 <a:solidFill>
                   <a:srgbClr val="00FF00"/>
                 </a:solidFill>
@@ -7865,7 +7865,7 @@
               <a:t>x</a:t>
             </a:r>
             <a:r>
-              <a:rPr lang="en-US" sz="3000" b="1" i="0" u="none" strike="noStrike" cap="none" dirty="0">
+              <a:rPr lang="en-US" sz="3000" i="0" u="none" strike="noStrike" cap="none" dirty="0">
                 <a:solidFill>
                   <a:schemeClr val="lt1"/>
                 </a:solidFill>
@@ -7877,7 +7877,7 @@
               <a:t> </a:t>
             </a:r>
             <a:r>
-              <a:rPr lang="en-US" sz="3000" b="1" i="0" u="none" strike="noStrike" cap="none" dirty="0">
+              <a:rPr lang="en-US" sz="3000" i="0" u="none" strike="noStrike" cap="none" dirty="0">
                 <a:solidFill>
                   <a:srgbClr val="00FFFF"/>
                 </a:solidFill>
@@ -7889,7 +7889,7 @@
               <a:t>+</a:t>
             </a:r>
             <a:r>
-              <a:rPr lang="en-US" sz="3000" b="1" i="0" u="none" strike="noStrike" cap="none" dirty="0">
+              <a:rPr lang="en-US" sz="3000" i="0" u="none" strike="noStrike" cap="none" dirty="0">
                 <a:solidFill>
                   <a:schemeClr val="lt1"/>
                 </a:solidFill>
@@ -7920,7 +7920,7 @@
               <a:buNone/>
             </a:pPr>
             <a:r>
-              <a:rPr lang="en-US" sz="3000" b="1" i="0" u="none" strike="noStrike" cap="none" dirty="0" smtClean="0">
+              <a:rPr lang="en-US" sz="3000" i="0" u="none" strike="noStrike" cap="none" dirty="0" smtClean="0">
                 <a:solidFill>
                   <a:srgbClr val="FFFF00"/>
                 </a:solidFill>
@@ -7932,7 +7932,7 @@
               <a:t>print</a:t>
             </a:r>
             <a:r>
-              <a:rPr lang="en-US" sz="3000" b="1" dirty="0">
+              <a:rPr lang="en-US" sz="3000" dirty="0">
                 <a:solidFill>
                   <a:schemeClr val="lt1"/>
                 </a:solidFill>
@@ -7944,7 +7944,7 @@
               <a:t>(</a:t>
             </a:r>
             <a:r>
-              <a:rPr lang="en-US" sz="3000" b="1" i="0" u="none" strike="noStrike" cap="none" dirty="0" smtClean="0">
+              <a:rPr lang="en-US" sz="3000" i="0" u="none" strike="noStrike" cap="none" dirty="0" smtClean="0">
                 <a:solidFill>
                   <a:srgbClr val="00FF00"/>
                 </a:solidFill>
@@ -7956,7 +7956,7 @@
               <a:t>x</a:t>
             </a:r>
             <a:r>
-              <a:rPr lang="en-US" sz="3000" b="1" i="0" u="none" strike="noStrike" cap="none" dirty="0" smtClean="0">
+              <a:rPr lang="en-US" sz="3000" i="0" u="none" strike="noStrike" cap="none" dirty="0" smtClean="0">
                 <a:solidFill>
                   <a:schemeClr val="bg1"/>
                 </a:solidFill>
@@ -7967,7 +7967,7 @@
               </a:rPr>
               <a:t>)</a:t>
             </a:r>
-            <a:endParaRPr lang="en-US" sz="3000" b="1" i="0" u="none" strike="noStrike" cap="none" dirty="0">
+            <a:endParaRPr lang="en-US" sz="3000" i="0" u="none" strike="noStrike" cap="none" dirty="0">
               <a:solidFill>
                 <a:schemeClr val="bg1"/>
               </a:solidFill>
@@ -8843,6 +8843,10 @@
           </p:nvPr>
         </p:nvSpPr>
         <p:spPr>
+          <a:xfrm>
+            <a:off x="1155700" y="803564"/>
+            <a:ext cx="13345391" cy="1736336"/>
+          </a:xfrm>
           <a:prstGeom prst="rect">
             <a:avLst/>
           </a:prstGeom>
@@ -8875,7 +8879,7 @@
               <a:buNone/>
             </a:pPr>
             <a:r>
-              <a:rPr lang="en-US" sz="7600" u="none" strike="noStrike" cap="none">
+              <a:rPr lang="en-US" sz="7600" u="none" strike="noStrike" cap="none" dirty="0">
                 <a:solidFill>
                   <a:srgbClr val="FFFF00"/>
                 </a:solidFill>
@@ -9185,7 +9189,7 @@
         </p:nvSpPr>
         <p:spPr>
           <a:xfrm>
-            <a:off x="10052050" y="1622425"/>
+            <a:off x="9867323" y="1968775"/>
             <a:ext cx="5713800" cy="6648299"/>
           </a:xfrm>
           <a:prstGeom prst="rect">
@@ -9220,7 +9224,7 @@
               <a:buNone/>
             </a:pPr>
             <a:r>
-              <a:rPr lang="en-US" sz="2600" b="1" i="0" u="none" strike="noStrike" cap="none" dirty="0">
+              <a:rPr lang="en-US" sz="2600" i="0" u="none" strike="noStrike" cap="none" dirty="0">
                 <a:solidFill>
                   <a:schemeClr val="lt1"/>
                 </a:solidFill>
@@ -9232,7 +9236,7 @@
               <a:t>&gt;&gt;&gt; </a:t>
             </a:r>
             <a:r>
-              <a:rPr lang="en-US" sz="2600" b="1" i="0" u="none" strike="noStrike" cap="none" dirty="0" err="1">
+              <a:rPr lang="en-US" sz="2600" i="0" u="none" strike="noStrike" cap="none" dirty="0" err="1">
                 <a:solidFill>
                   <a:srgbClr val="FFFF00"/>
                 </a:solidFill>
@@ -9244,7 +9248,7 @@
               <a:t>def</a:t>
             </a:r>
             <a:r>
-              <a:rPr lang="en-US" sz="2600" b="1" i="0" u="none" strike="noStrike" cap="none" dirty="0">
+              <a:rPr lang="en-US" sz="2600" i="0" u="none" strike="noStrike" cap="none" dirty="0">
                 <a:solidFill>
                   <a:schemeClr val="lt1"/>
                 </a:solidFill>
@@ -9256,7 +9260,7 @@
               <a:t> </a:t>
             </a:r>
             <a:r>
-              <a:rPr lang="en-US" sz="2600" b="1" i="0" u="none" strike="noStrike" cap="none" dirty="0">
+              <a:rPr lang="en-US" sz="2600" i="0" u="none" strike="noStrike" cap="none" dirty="0">
                 <a:solidFill>
                   <a:srgbClr val="00FF00"/>
                 </a:solidFill>
@@ -9268,7 +9272,7 @@
               <a:t>greet</a:t>
             </a:r>
             <a:r>
-              <a:rPr lang="en-US" sz="2600" b="1" i="0" u="none" strike="noStrike" cap="none" dirty="0">
+              <a:rPr lang="en-US" sz="2600" i="0" u="none" strike="noStrike" cap="none" dirty="0">
                 <a:solidFill>
                   <a:schemeClr val="lt1"/>
                 </a:solidFill>
@@ -9280,7 +9284,7 @@
               <a:t>(</a:t>
             </a:r>
             <a:r>
-              <a:rPr lang="en-US" sz="2600" b="1" i="0" u="none" strike="noStrike" cap="none" dirty="0" err="1">
+              <a:rPr lang="en-US" sz="2600" i="0" u="none" strike="noStrike" cap="none" dirty="0" err="1">
                 <a:solidFill>
                   <a:srgbClr val="00FFFF"/>
                 </a:solidFill>
@@ -9292,7 +9296,7 @@
               <a:t>lang</a:t>
             </a:r>
             <a:r>
-              <a:rPr lang="en-US" sz="2600" b="1" i="0" u="none" strike="noStrike" cap="none" dirty="0">
+              <a:rPr lang="en-US" sz="2600" i="0" u="none" strike="noStrike" cap="none" dirty="0">
                 <a:solidFill>
                   <a:schemeClr val="lt1"/>
                 </a:solidFill>
@@ -9323,7 +9327,7 @@
               <a:buNone/>
             </a:pPr>
             <a:r>
-              <a:rPr lang="en-US" sz="2600" b="1" i="0" u="none" strike="noStrike" cap="none" dirty="0">
+              <a:rPr lang="en-US" sz="2600" i="0" u="none" strike="noStrike" cap="none" dirty="0">
                 <a:solidFill>
                   <a:schemeClr val="lt1"/>
                 </a:solidFill>
@@ -9335,7 +9339,7 @@
               <a:t>... </a:t>
             </a:r>
             <a:r>
-              <a:rPr lang="en-US" sz="2600" b="1" dirty="0">
+              <a:rPr lang="en-US" sz="2600" dirty="0">
                 <a:solidFill>
                   <a:schemeClr val="lt1"/>
                 </a:solidFill>
@@ -9347,7 +9351,7 @@
               <a:t>    </a:t>
             </a:r>
             <a:r>
-              <a:rPr lang="en-US" sz="2600" b="1" i="0" u="none" strike="noStrike" cap="none" dirty="0">
+              <a:rPr lang="en-US" sz="2600" i="0" u="none" strike="noStrike" cap="none" dirty="0">
                 <a:solidFill>
                   <a:srgbClr val="FFFF00"/>
                 </a:solidFill>
@@ -9359,7 +9363,7 @@
               <a:t>if</a:t>
             </a:r>
             <a:r>
-              <a:rPr lang="en-US" sz="2600" b="1" i="0" u="none" strike="noStrike" cap="none" dirty="0">
+              <a:rPr lang="en-US" sz="2600" i="0" u="none" strike="noStrike" cap="none" dirty="0">
                 <a:solidFill>
                   <a:schemeClr val="lt1"/>
                 </a:solidFill>
@@ -9371,7 +9375,7 @@
               <a:t> </a:t>
             </a:r>
             <a:r>
-              <a:rPr lang="en-US" sz="2600" b="1" i="0" u="none" strike="noStrike" cap="none" dirty="0" err="1">
+              <a:rPr lang="en-US" sz="2600" i="0" u="none" strike="noStrike" cap="none" dirty="0" err="1">
                 <a:solidFill>
                   <a:srgbClr val="00FFFF"/>
                 </a:solidFill>
@@ -9383,7 +9387,7 @@
               <a:t>lang</a:t>
             </a:r>
             <a:r>
-              <a:rPr lang="en-US" sz="2600" b="1" i="0" u="none" strike="noStrike" cap="none" dirty="0">
+              <a:rPr lang="en-US" sz="2600" i="0" u="none" strike="noStrike" cap="none" dirty="0">
                 <a:solidFill>
                   <a:schemeClr val="lt1"/>
                 </a:solidFill>
@@ -9395,7 +9399,7 @@
               <a:t> == '</a:t>
             </a:r>
             <a:r>
-              <a:rPr lang="en-US" sz="2600" b="1" i="0" u="none" strike="noStrike" cap="none" dirty="0" err="1">
+              <a:rPr lang="en-US" sz="2600" i="0" u="none" strike="noStrike" cap="none" dirty="0" err="1">
                 <a:solidFill>
                   <a:schemeClr val="lt1"/>
                 </a:solidFill>
@@ -9407,7 +9411,7 @@
               <a:t>es</a:t>
             </a:r>
             <a:r>
-              <a:rPr lang="en-US" sz="2600" b="1" i="0" u="none" strike="noStrike" cap="none" dirty="0">
+              <a:rPr lang="en-US" sz="2600" i="0" u="none" strike="noStrike" cap="none" dirty="0">
                 <a:solidFill>
                   <a:schemeClr val="lt1"/>
                 </a:solidFill>
@@ -9438,7 +9442,7 @@
               <a:buNone/>
             </a:pPr>
             <a:r>
-              <a:rPr lang="en-US" sz="2600" b="1" i="0" u="none" strike="noStrike" cap="none" dirty="0">
+              <a:rPr lang="en-US" sz="2600" i="0" u="none" strike="noStrike" cap="none" dirty="0">
                 <a:solidFill>
                   <a:schemeClr val="lt1"/>
                 </a:solidFill>
@@ -9450,7 +9454,7 @@
               <a:t>...        </a:t>
             </a:r>
             <a:r>
-              <a:rPr lang="en-US" sz="2600" b="1" i="0" u="none" strike="noStrike" cap="none" dirty="0" smtClean="0">
+              <a:rPr lang="en-US" sz="2600" i="0" u="none" strike="noStrike" cap="none" dirty="0" smtClean="0">
                 <a:solidFill>
                   <a:srgbClr val="FFFF00"/>
                 </a:solidFill>
@@ -9462,7 +9466,7 @@
               <a:t>print</a:t>
             </a:r>
             <a:r>
-              <a:rPr lang="en-US" sz="2600" b="1" dirty="0">
+              <a:rPr lang="en-US" sz="2600" dirty="0">
                 <a:solidFill>
                   <a:schemeClr val="lt1"/>
                 </a:solidFill>
@@ -9474,7 +9478,7 @@
               <a:t>(</a:t>
             </a:r>
             <a:r>
-              <a:rPr lang="en-US" sz="2600" b="1" i="0" u="none" strike="noStrike" cap="none" dirty="0" smtClean="0">
+              <a:rPr lang="en-US" sz="2600" i="0" u="none" strike="noStrike" cap="none" dirty="0" smtClean="0">
                 <a:solidFill>
                   <a:schemeClr val="lt1"/>
                 </a:solidFill>
@@ -9486,7 +9490,7 @@
               <a:t>'</a:t>
             </a:r>
             <a:r>
-              <a:rPr lang="en-US" sz="2600" b="1" i="0" u="none" strike="noStrike" cap="none" dirty="0" err="1" smtClean="0">
+              <a:rPr lang="en-US" sz="2600" i="0" u="none" strike="noStrike" cap="none" dirty="0" err="1" smtClean="0">
                 <a:solidFill>
                   <a:schemeClr val="lt1"/>
                 </a:solidFill>
@@ -9498,7 +9502,7 @@
               <a:t>Hola</a:t>
             </a:r>
             <a:r>
-              <a:rPr lang="en-US" sz="2600" b="1" dirty="0" smtClean="0">
+              <a:rPr lang="en-US" sz="2600" dirty="0" smtClean="0">
                 <a:solidFill>
                   <a:schemeClr val="lt1"/>
                 </a:solidFill>
@@ -9509,7 +9513,7 @@
               </a:rPr>
               <a:t>')</a:t>
             </a:r>
-            <a:endParaRPr lang="en-US" sz="2600" b="1" dirty="0">
+            <a:endParaRPr lang="en-US" sz="2600" dirty="0">
               <a:solidFill>
                 <a:schemeClr val="lt1"/>
               </a:solidFill>
@@ -9538,7 +9542,7 @@
               <a:buNone/>
             </a:pPr>
             <a:r>
-              <a:rPr lang="en-US" sz="2600" b="1" i="0" u="none" strike="noStrike" cap="none" dirty="0">
+              <a:rPr lang="en-US" sz="2600" i="0" u="none" strike="noStrike" cap="none" dirty="0">
                 <a:solidFill>
                   <a:schemeClr val="lt1"/>
                 </a:solidFill>
@@ -9550,7 +9554,7 @@
               <a:t>...     </a:t>
             </a:r>
             <a:r>
-              <a:rPr lang="en-US" sz="2600" b="1" i="0" u="none" strike="noStrike" cap="none" dirty="0" err="1">
+              <a:rPr lang="en-US" sz="2600" i="0" u="none" strike="noStrike" cap="none" dirty="0" err="1">
                 <a:solidFill>
                   <a:srgbClr val="FFFF00"/>
                 </a:solidFill>
@@ -9562,7 +9566,7 @@
               <a:t>elif</a:t>
             </a:r>
             <a:r>
-              <a:rPr lang="en-US" sz="2600" b="1" i="0" u="none" strike="noStrike" cap="none" dirty="0">
+              <a:rPr lang="en-US" sz="2600" i="0" u="none" strike="noStrike" cap="none" dirty="0">
                 <a:solidFill>
                   <a:schemeClr val="lt1"/>
                 </a:solidFill>
@@ -9574,7 +9578,7 @@
               <a:t> </a:t>
             </a:r>
             <a:r>
-              <a:rPr lang="en-US" sz="2600" b="1" i="0" u="none" strike="noStrike" cap="none" dirty="0" err="1">
+              <a:rPr lang="en-US" sz="2600" i="0" u="none" strike="noStrike" cap="none" dirty="0" err="1">
                 <a:solidFill>
                   <a:srgbClr val="00FFFF"/>
                 </a:solidFill>
@@ -9586,7 +9590,7 @@
               <a:t>lang</a:t>
             </a:r>
             <a:r>
-              <a:rPr lang="en-US" sz="2600" b="1" i="0" u="none" strike="noStrike" cap="none" dirty="0">
+              <a:rPr lang="en-US" sz="2600" i="0" u="none" strike="noStrike" cap="none" dirty="0">
                 <a:solidFill>
                   <a:schemeClr val="lt1"/>
                 </a:solidFill>
@@ -9598,7 +9602,7 @@
               <a:t> == '</a:t>
             </a:r>
             <a:r>
-              <a:rPr lang="en-US" sz="2600" b="1" i="0" u="none" strike="noStrike" cap="none" dirty="0" err="1">
+              <a:rPr lang="en-US" sz="2600" i="0" u="none" strike="noStrike" cap="none" dirty="0" err="1">
                 <a:solidFill>
                   <a:schemeClr val="lt1"/>
                 </a:solidFill>
@@ -9610,7 +9614,7 @@
               <a:t>fr</a:t>
             </a:r>
             <a:r>
-              <a:rPr lang="en-US" sz="2600" b="1" i="0" u="none" strike="noStrike" cap="none" dirty="0">
+              <a:rPr lang="en-US" sz="2600" i="0" u="none" strike="noStrike" cap="none" dirty="0">
                 <a:solidFill>
                   <a:schemeClr val="lt1"/>
                 </a:solidFill>
@@ -9641,7 +9645,7 @@
               <a:buNone/>
             </a:pPr>
             <a:r>
-              <a:rPr lang="en-US" sz="2600" b="1" i="0" u="none" strike="noStrike" cap="none" dirty="0">
+              <a:rPr lang="en-US" sz="2600" i="0" u="none" strike="noStrike" cap="none" dirty="0">
                 <a:solidFill>
                   <a:schemeClr val="lt1"/>
                 </a:solidFill>
@@ -9653,7 +9657,7 @@
               <a:t>...        </a:t>
             </a:r>
             <a:r>
-              <a:rPr lang="en-US" sz="2600" b="1" i="0" u="none" strike="noStrike" cap="none" dirty="0" smtClean="0">
+              <a:rPr lang="en-US" sz="2600" i="0" u="none" strike="noStrike" cap="none" dirty="0" smtClean="0">
                 <a:solidFill>
                   <a:srgbClr val="FFFF00"/>
                 </a:solidFill>
@@ -9665,7 +9669,7 @@
               <a:t>print</a:t>
             </a:r>
             <a:r>
-              <a:rPr lang="en-US" sz="2600" b="1" dirty="0">
+              <a:rPr lang="en-US" sz="2600" dirty="0">
                 <a:solidFill>
                   <a:schemeClr val="lt1"/>
                 </a:solidFill>
@@ -9677,7 +9681,7 @@
               <a:t>(</a:t>
             </a:r>
             <a:r>
-              <a:rPr lang="en-US" sz="2600" b="1" i="0" u="none" strike="noStrike" cap="none" dirty="0" smtClean="0">
+              <a:rPr lang="en-US" sz="2600" i="0" u="none" strike="noStrike" cap="none" dirty="0" smtClean="0">
                 <a:solidFill>
                   <a:schemeClr val="lt1"/>
                 </a:solidFill>
@@ -9689,7 +9693,7 @@
               <a:t>'Bonjour</a:t>
             </a:r>
             <a:r>
-              <a:rPr lang="en-US" sz="2600" b="1" dirty="0" smtClean="0">
+              <a:rPr lang="en-US" sz="2600" dirty="0" smtClean="0">
                 <a:solidFill>
                   <a:schemeClr val="lt1"/>
                 </a:solidFill>
@@ -9700,7 +9704,7 @@
               </a:rPr>
               <a:t>')</a:t>
             </a:r>
-            <a:endParaRPr lang="en-US" sz="2600" b="1" dirty="0">
+            <a:endParaRPr lang="en-US" sz="2600" dirty="0">
               <a:solidFill>
                 <a:schemeClr val="lt1"/>
               </a:solidFill>
@@ -9729,7 +9733,7 @@
               <a:buNone/>
             </a:pPr>
             <a:r>
-              <a:rPr lang="en-US" sz="2600" b="1" i="0" u="none" strike="noStrike" cap="none" dirty="0">
+              <a:rPr lang="en-US" sz="2600" i="0" u="none" strike="noStrike" cap="none" dirty="0">
                 <a:solidFill>
                   <a:schemeClr val="lt1"/>
                 </a:solidFill>
@@ -9741,7 +9745,7 @@
               <a:t>...     </a:t>
             </a:r>
             <a:r>
-              <a:rPr lang="en-US" sz="2600" b="1" i="0" u="none" strike="noStrike" cap="none" dirty="0">
+              <a:rPr lang="en-US" sz="2600" i="0" u="none" strike="noStrike" cap="none" dirty="0">
                 <a:solidFill>
                   <a:srgbClr val="FFFF00"/>
                 </a:solidFill>
@@ -9772,7 +9776,7 @@
               <a:buNone/>
             </a:pPr>
             <a:r>
-              <a:rPr lang="en-US" sz="2600" b="1" i="0" u="none" strike="noStrike" cap="none" dirty="0">
+              <a:rPr lang="en-US" sz="2600" i="0" u="none" strike="noStrike" cap="none" dirty="0">
                 <a:solidFill>
                   <a:schemeClr val="lt1"/>
                 </a:solidFill>
@@ -9784,7 +9788,7 @@
               <a:t>...     </a:t>
             </a:r>
             <a:r>
-              <a:rPr lang="en-US" sz="2600" b="1" i="0" u="none" strike="noStrike" cap="none" dirty="0">
+              <a:rPr lang="en-US" sz="2600" i="0" u="none" strike="noStrike" cap="none" dirty="0">
                 <a:solidFill>
                   <a:srgbClr val="FFFF00"/>
                 </a:solidFill>
@@ -9796,7 +9800,7 @@
               <a:t>   </a:t>
             </a:r>
             <a:r>
-              <a:rPr lang="en-US" sz="2600" b="1" i="0" u="none" strike="noStrike" cap="none" dirty="0" smtClean="0">
+              <a:rPr lang="en-US" sz="2600" i="0" u="none" strike="noStrike" cap="none" dirty="0" smtClean="0">
                 <a:solidFill>
                   <a:srgbClr val="FFFF00"/>
                 </a:solidFill>
@@ -9808,7 +9812,7 @@
               <a:t>print</a:t>
             </a:r>
             <a:r>
-              <a:rPr lang="en-US" sz="2600" b="1" dirty="0">
+              <a:rPr lang="en-US" sz="2600" dirty="0">
                 <a:solidFill>
                   <a:schemeClr val="lt1"/>
                 </a:solidFill>
@@ -9820,7 +9824,7 @@
               <a:t>(</a:t>
             </a:r>
             <a:r>
-              <a:rPr lang="en-US" sz="2600" b="1" i="0" u="none" strike="noStrike" cap="none" dirty="0" smtClean="0">
+              <a:rPr lang="en-US" sz="2600" i="0" u="none" strike="noStrike" cap="none" dirty="0" smtClean="0">
                 <a:solidFill>
                   <a:schemeClr val="lt1"/>
                 </a:solidFill>
@@ -9832,7 +9836,7 @@
               <a:t>'Hello</a:t>
             </a:r>
             <a:r>
-              <a:rPr lang="en-US" sz="2600" b="1" dirty="0" smtClean="0">
+              <a:rPr lang="en-US" sz="2600" dirty="0" smtClean="0">
                 <a:solidFill>
                   <a:schemeClr val="lt1"/>
                 </a:solidFill>
@@ -9843,7 +9847,7 @@
               </a:rPr>
               <a:t>')</a:t>
             </a:r>
-            <a:endParaRPr lang="en-US" sz="2600" b="1" dirty="0">
+            <a:endParaRPr lang="en-US" sz="2600" dirty="0">
               <a:solidFill>
                 <a:schemeClr val="lt1"/>
               </a:solidFill>
@@ -9872,7 +9876,7 @@
               <a:buNone/>
             </a:pPr>
             <a:r>
-              <a:rPr lang="en-US" sz="2600" b="1" i="0" u="none" strike="noStrike" cap="none" dirty="0">
+              <a:rPr lang="en-US" sz="2600" i="0" u="none" strike="noStrike" cap="none" dirty="0">
                 <a:solidFill>
                   <a:schemeClr val="lt1"/>
                 </a:solidFill>
@@ -9903,7 +9907,7 @@
               <a:buNone/>
             </a:pPr>
             <a:r>
-              <a:rPr lang="en-US" sz="2600" b="1" i="0" u="none" strike="noStrike" cap="none" dirty="0">
+              <a:rPr lang="en-US" sz="2600" i="0" u="none" strike="noStrike" cap="none" dirty="0">
                 <a:solidFill>
                   <a:schemeClr val="lt1"/>
                 </a:solidFill>
@@ -9915,7 +9919,7 @@
               <a:t>&gt;&gt;&gt; </a:t>
             </a:r>
             <a:r>
-              <a:rPr lang="en-US" sz="2600" b="1" i="0" u="none" strike="noStrike" cap="none" dirty="0">
+              <a:rPr lang="en-US" sz="2600" i="0" u="none" strike="noStrike" cap="none" dirty="0">
                 <a:solidFill>
                   <a:srgbClr val="00FF00"/>
                 </a:solidFill>
@@ -9927,7 +9931,7 @@
               <a:t>greet</a:t>
             </a:r>
             <a:r>
-              <a:rPr lang="en-US" sz="2600" b="1" i="0" u="none" strike="noStrike" cap="none" dirty="0">
+              <a:rPr lang="en-US" sz="2600" i="0" u="none" strike="noStrike" cap="none" dirty="0">
                 <a:solidFill>
                   <a:schemeClr val="lt1"/>
                 </a:solidFill>
@@ -9939,7 +9943,7 @@
               <a:t>(</a:t>
             </a:r>
             <a:r>
-              <a:rPr lang="en-US" sz="2600" b="1" i="0" u="none" strike="noStrike" cap="none" dirty="0">
+              <a:rPr lang="en-US" sz="2600" i="0" u="none" strike="noStrike" cap="none" dirty="0">
                 <a:solidFill>
                   <a:srgbClr val="FF7F00"/>
                 </a:solidFill>
@@ -9951,7 +9955,7 @@
               <a:t>'</a:t>
             </a:r>
             <a:r>
-              <a:rPr lang="en-US" sz="2600" b="1" i="0" u="none" strike="noStrike" cap="none" dirty="0" err="1">
+              <a:rPr lang="en-US" sz="2600" i="0" u="none" strike="noStrike" cap="none" dirty="0" err="1">
                 <a:solidFill>
                   <a:srgbClr val="FF7F00"/>
                 </a:solidFill>
@@ -9963,7 +9967,7 @@
               <a:t>en</a:t>
             </a:r>
             <a:r>
-              <a:rPr lang="en-US" sz="2600" b="1" i="0" u="none" strike="noStrike" cap="none" dirty="0">
+              <a:rPr lang="en-US" sz="2600" i="0" u="none" strike="noStrike" cap="none" dirty="0">
                 <a:solidFill>
                   <a:srgbClr val="FF7F00"/>
                 </a:solidFill>
@@ -9975,7 +9979,7 @@
               <a:t>'</a:t>
             </a:r>
             <a:r>
-              <a:rPr lang="en-US" sz="2600" b="1" i="0" u="none" strike="noStrike" cap="none" dirty="0">
+              <a:rPr lang="en-US" sz="2600" i="0" u="none" strike="noStrike" cap="none" dirty="0">
                 <a:solidFill>
                   <a:schemeClr val="lt1"/>
                 </a:solidFill>
@@ -10006,7 +10010,7 @@
               <a:buNone/>
             </a:pPr>
             <a:r>
-              <a:rPr lang="en-US" sz="2600" b="1" i="0" u="none" strike="noStrike" cap="none" dirty="0">
+              <a:rPr lang="en-US" sz="2600" i="0" u="none" strike="noStrike" cap="none" dirty="0">
                 <a:solidFill>
                   <a:schemeClr val="lt1"/>
                 </a:solidFill>
@@ -10037,7 +10041,7 @@
               <a:buNone/>
             </a:pPr>
             <a:r>
-              <a:rPr lang="en-US" sz="2600" b="1" i="0" u="none" strike="noStrike" cap="none" dirty="0">
+              <a:rPr lang="en-US" sz="2600" i="0" u="none" strike="noStrike" cap="none" dirty="0">
                 <a:solidFill>
                   <a:schemeClr val="lt1"/>
                 </a:solidFill>
@@ -10049,7 +10053,7 @@
               <a:t>&gt;&gt;&gt; </a:t>
             </a:r>
             <a:r>
-              <a:rPr lang="en-US" sz="2600" b="1" i="0" u="none" strike="noStrike" cap="none" dirty="0">
+              <a:rPr lang="en-US" sz="2600" i="0" u="none" strike="noStrike" cap="none" dirty="0">
                 <a:solidFill>
                   <a:srgbClr val="00FF00"/>
                 </a:solidFill>
@@ -10061,7 +10065,7 @@
               <a:t>greet</a:t>
             </a:r>
             <a:r>
-              <a:rPr lang="en-US" sz="2600" b="1" i="0" u="none" strike="noStrike" cap="none" dirty="0">
+              <a:rPr lang="en-US" sz="2600" i="0" u="none" strike="noStrike" cap="none" dirty="0">
                 <a:solidFill>
                   <a:schemeClr val="lt1"/>
                 </a:solidFill>
@@ -10073,7 +10077,7 @@
               <a:t>(</a:t>
             </a:r>
             <a:r>
-              <a:rPr lang="en-US" sz="2600" b="1" i="0" u="none" strike="noStrike" cap="none" dirty="0">
+              <a:rPr lang="en-US" sz="2600" i="0" u="none" strike="noStrike" cap="none" dirty="0">
                 <a:solidFill>
                   <a:srgbClr val="FF7F00"/>
                 </a:solidFill>
@@ -10085,7 +10089,7 @@
               <a:t>'</a:t>
             </a:r>
             <a:r>
-              <a:rPr lang="en-US" sz="2600" b="1" i="0" u="none" strike="noStrike" cap="none" dirty="0" err="1">
+              <a:rPr lang="en-US" sz="2600" i="0" u="none" strike="noStrike" cap="none" dirty="0" err="1">
                 <a:solidFill>
                   <a:srgbClr val="FF7F00"/>
                 </a:solidFill>
@@ -10097,7 +10101,7 @@
               <a:t>es</a:t>
             </a:r>
             <a:r>
-              <a:rPr lang="en-US" sz="2600" b="1" i="0" u="none" strike="noStrike" cap="none" dirty="0">
+              <a:rPr lang="en-US" sz="2600" i="0" u="none" strike="noStrike" cap="none" dirty="0">
                 <a:solidFill>
                   <a:srgbClr val="FF7F00"/>
                 </a:solidFill>
@@ -10109,7 +10113,7 @@
               <a:t>'</a:t>
             </a:r>
             <a:r>
-              <a:rPr lang="en-US" sz="2600" b="1" i="0" u="none" strike="noStrike" cap="none" dirty="0">
+              <a:rPr lang="en-US" sz="2600" i="0" u="none" strike="noStrike" cap="none" dirty="0">
                 <a:solidFill>
                   <a:schemeClr val="lt1"/>
                 </a:solidFill>
@@ -10140,7 +10144,7 @@
               <a:buNone/>
             </a:pPr>
             <a:r>
-              <a:rPr lang="en-US" sz="2600" b="1" i="0" u="none" strike="noStrike" cap="none" dirty="0" err="1">
+              <a:rPr lang="en-US" sz="2600" i="0" u="none" strike="noStrike" cap="none" dirty="0" err="1">
                 <a:solidFill>
                   <a:schemeClr val="lt1"/>
                 </a:solidFill>
@@ -10151,7 +10155,7 @@
               </a:rPr>
               <a:t>Hola</a:t>
             </a:r>
-            <a:endParaRPr lang="en-US" sz="2600" b="1" i="0" u="none" strike="noStrike" cap="none" dirty="0">
+            <a:endParaRPr lang="en-US" sz="2600" i="0" u="none" strike="noStrike" cap="none" dirty="0">
               <a:solidFill>
                 <a:schemeClr val="lt1"/>
               </a:solidFill>
@@ -10180,7 +10184,7 @@
               <a:buNone/>
             </a:pPr>
             <a:r>
-              <a:rPr lang="en-US" sz="2600" b="1" i="0" u="none" strike="noStrike" cap="none" dirty="0">
+              <a:rPr lang="en-US" sz="2600" i="0" u="none" strike="noStrike" cap="none" dirty="0">
                 <a:solidFill>
                   <a:schemeClr val="lt1"/>
                 </a:solidFill>
@@ -10192,7 +10196,7 @@
               <a:t>&gt;&gt;&gt; </a:t>
             </a:r>
             <a:r>
-              <a:rPr lang="en-US" sz="2600" b="1" i="0" u="none" strike="noStrike" cap="none" dirty="0">
+              <a:rPr lang="en-US" sz="2600" i="0" u="none" strike="noStrike" cap="none" dirty="0">
                 <a:solidFill>
                   <a:srgbClr val="00FF00"/>
                 </a:solidFill>
@@ -10204,7 +10208,7 @@
               <a:t>greet</a:t>
             </a:r>
             <a:r>
-              <a:rPr lang="en-US" sz="2600" b="1" i="0" u="none" strike="noStrike" cap="none" dirty="0">
+              <a:rPr lang="en-US" sz="2600" i="0" u="none" strike="noStrike" cap="none" dirty="0">
                 <a:solidFill>
                   <a:schemeClr val="lt1"/>
                 </a:solidFill>
@@ -10216,7 +10220,7 @@
               <a:t>(</a:t>
             </a:r>
             <a:r>
-              <a:rPr lang="en-US" sz="2600" b="1" i="0" u="none" strike="noStrike" cap="none" dirty="0">
+              <a:rPr lang="en-US" sz="2600" i="0" u="none" strike="noStrike" cap="none" dirty="0">
                 <a:solidFill>
                   <a:srgbClr val="FF7F00"/>
                 </a:solidFill>
@@ -10228,7 +10232,7 @@
               <a:t>'</a:t>
             </a:r>
             <a:r>
-              <a:rPr lang="en-US" sz="2600" b="1" i="0" u="none" strike="noStrike" cap="none" dirty="0" err="1">
+              <a:rPr lang="en-US" sz="2600" i="0" u="none" strike="noStrike" cap="none" dirty="0" err="1">
                 <a:solidFill>
                   <a:srgbClr val="FF7F00"/>
                 </a:solidFill>
@@ -10240,7 +10244,7 @@
               <a:t>fr</a:t>
             </a:r>
             <a:r>
-              <a:rPr lang="en-US" sz="2600" b="1" i="0" u="none" strike="noStrike" cap="none" dirty="0">
+              <a:rPr lang="en-US" sz="2600" i="0" u="none" strike="noStrike" cap="none" dirty="0">
                 <a:solidFill>
                   <a:srgbClr val="FF7F00"/>
                 </a:solidFill>
@@ -10252,7 +10256,7 @@
               <a:t>'</a:t>
             </a:r>
             <a:r>
-              <a:rPr lang="en-US" sz="2600" b="1" i="0" u="none" strike="noStrike" cap="none" dirty="0">
+              <a:rPr lang="en-US" sz="2600" i="0" u="none" strike="noStrike" cap="none" dirty="0">
                 <a:solidFill>
                   <a:schemeClr val="lt1"/>
                 </a:solidFill>
@@ -10283,7 +10287,7 @@
               <a:buNone/>
             </a:pPr>
             <a:r>
-              <a:rPr lang="en-US" sz="2600" b="1" i="0" u="none" strike="noStrike" cap="none" dirty="0">
+              <a:rPr lang="en-US" sz="2600" i="0" u="none" strike="noStrike" cap="none" dirty="0">
                 <a:solidFill>
                   <a:schemeClr val="lt1"/>
                 </a:solidFill>
@@ -10314,7 +10318,7 @@
               <a:buNone/>
             </a:pPr>
             <a:r>
-              <a:rPr lang="en-US" sz="2600" b="1" i="0" u="none" strike="noStrike" cap="none" dirty="0">
+              <a:rPr lang="en-US" sz="2600" i="0" u="none" strike="noStrike" cap="none" dirty="0">
                 <a:solidFill>
                   <a:schemeClr val="lt1"/>
                 </a:solidFill>
@@ -10593,7 +10597,7 @@
               <a:buNone/>
             </a:pPr>
             <a:r>
-              <a:rPr lang="en-US" sz="3200" b="1" i="0" u="none" strike="noStrike" cap="none" dirty="0" err="1">
+              <a:rPr lang="en-US" sz="3200" i="0" u="none" strike="noStrike" cap="none" dirty="0" err="1">
                 <a:solidFill>
                   <a:srgbClr val="FFFF00"/>
                 </a:solidFill>
@@ -10605,7 +10609,7 @@
               <a:t>def</a:t>
             </a:r>
             <a:r>
-              <a:rPr lang="en-US" sz="3200" b="1" i="0" u="none" strike="noStrike" cap="none" dirty="0">
+              <a:rPr lang="en-US" sz="3200" i="0" u="none" strike="noStrike" cap="none" dirty="0">
                 <a:solidFill>
                   <a:srgbClr val="FFFF00"/>
                 </a:solidFill>
@@ -10617,7 +10621,7 @@
               <a:t> </a:t>
             </a:r>
             <a:r>
-              <a:rPr lang="en-US" sz="3200" b="1" i="0" u="none" strike="noStrike" cap="none" dirty="0">
+              <a:rPr lang="en-US" sz="3200" i="0" u="none" strike="noStrike" cap="none" dirty="0">
                 <a:solidFill>
                   <a:srgbClr val="00FF00"/>
                 </a:solidFill>
@@ -10629,7 +10633,7 @@
               <a:t>greet</a:t>
             </a:r>
             <a:r>
-              <a:rPr lang="en-US" sz="3200" b="1" i="0" u="none" strike="noStrike" cap="none" dirty="0">
+              <a:rPr lang="en-US" sz="3200" i="0" u="none" strike="noStrike" cap="none" dirty="0">
                 <a:solidFill>
                   <a:srgbClr val="FFFF00"/>
                 </a:solidFill>
@@ -10660,7 +10664,7 @@
               <a:buNone/>
             </a:pPr>
             <a:r>
-              <a:rPr lang="en-US" sz="3200" b="1" i="0" u="none" strike="noStrike" cap="none" dirty="0">
+              <a:rPr lang="en-US" sz="3200" i="0" u="none" strike="noStrike" cap="none" dirty="0">
                 <a:solidFill>
                   <a:srgbClr val="FFFF00"/>
                 </a:solidFill>
@@ -10672,7 +10676,7 @@
               <a:t>    </a:t>
             </a:r>
             <a:r>
-              <a:rPr lang="en-US" sz="3200" b="1" i="0" u="none" strike="noStrike" cap="none" dirty="0">
+              <a:rPr lang="en-US" sz="3200" i="0" u="none" strike="noStrike" cap="none" dirty="0">
                 <a:solidFill>
                   <a:srgbClr val="FF7F00"/>
                 </a:solidFill>
@@ -10684,7 +10688,7 @@
               <a:t>return</a:t>
             </a:r>
             <a:r>
-              <a:rPr lang="en-US" sz="3200" b="1" i="0" u="none" strike="noStrike" cap="none" dirty="0">
+              <a:rPr lang="en-US" sz="3200" i="0" u="none" strike="noStrike" cap="none" dirty="0">
                 <a:solidFill>
                   <a:srgbClr val="FFFF00"/>
                 </a:solidFill>
@@ -10696,7 +10700,7 @@
               <a:t> "Hello</a:t>
             </a:r>
             <a:r>
-              <a:rPr lang="en-US" sz="3200" b="1" dirty="0">
+              <a:rPr lang="en-US" sz="3200" dirty="0">
                 <a:solidFill>
                   <a:srgbClr val="FFFF00"/>
                 </a:solidFill>
@@ -10721,7 +10725,7 @@
               </a:spcAft>
               <a:buNone/>
             </a:pPr>
-            <a:endParaRPr sz="3200" b="1" i="0" u="none" strike="noStrike" cap="none" dirty="0">
+            <a:endParaRPr sz="3200" i="0" u="none" strike="noStrike" cap="none" dirty="0">
               <a:solidFill>
                 <a:srgbClr val="FFFF00"/>
               </a:solidFill>
@@ -10750,7 +10754,7 @@
               <a:buNone/>
             </a:pPr>
             <a:r>
-              <a:rPr lang="en-US" sz="3200" b="1" i="0" u="none" strike="noStrike" cap="none" dirty="0" smtClean="0">
+              <a:rPr lang="en-US" sz="3200" i="0" u="none" strike="noStrike" cap="none" dirty="0" smtClean="0">
                 <a:solidFill>
                   <a:srgbClr val="FFFF00"/>
                 </a:solidFill>
@@ -10762,7 +10766,7 @@
               <a:t>print(</a:t>
             </a:r>
             <a:r>
-              <a:rPr lang="en-US" sz="3200" b="1" i="0" u="none" strike="noStrike" cap="none" dirty="0" smtClean="0">
+              <a:rPr lang="en-US" sz="3200" i="0" u="none" strike="noStrike" cap="none" dirty="0" smtClean="0">
                 <a:solidFill>
                   <a:srgbClr val="FF00FF"/>
                 </a:solidFill>
@@ -10774,7 +10778,7 @@
               <a:t>greet</a:t>
             </a:r>
             <a:r>
-              <a:rPr lang="en-US" sz="3200" b="1" i="0" u="none" strike="noStrike" cap="none" dirty="0">
+              <a:rPr lang="en-US" sz="3200" i="0" u="none" strike="noStrike" cap="none" dirty="0">
                 <a:solidFill>
                   <a:srgbClr val="FF00FF"/>
                 </a:solidFill>
@@ -10786,7 +10790,7 @@
               <a:t>()</a:t>
             </a:r>
             <a:r>
-              <a:rPr lang="en-US" sz="3200" b="1" i="0" u="none" strike="noStrike" cap="none" dirty="0">
+              <a:rPr lang="en-US" sz="3200" i="0" u="none" strike="noStrike" cap="none" dirty="0">
                 <a:solidFill>
                   <a:srgbClr val="FFFF00"/>
                 </a:solidFill>
@@ -10798,7 +10802,7 @@
               <a:t>, "Glenn</a:t>
             </a:r>
             <a:r>
-              <a:rPr lang="en-US" sz="3200" b="1" dirty="0" smtClean="0">
+              <a:rPr lang="en-US" sz="3200" dirty="0" smtClean="0">
                 <a:solidFill>
                   <a:srgbClr val="FFFF00"/>
                 </a:solidFill>
@@ -10809,7 +10813,7 @@
               </a:rPr>
               <a:t>")</a:t>
             </a:r>
-            <a:endParaRPr lang="en-US" sz="3200" b="1" dirty="0">
+            <a:endParaRPr lang="en-US" sz="3200" dirty="0">
               <a:solidFill>
                 <a:srgbClr val="FFFF00"/>
               </a:solidFill>
@@ -10838,6 +10842,66 @@
               <a:buNone/>
             </a:pPr>
             <a:r>
+              <a:rPr lang="en-US" sz="3200" i="0" u="none" strike="noStrike" cap="none" dirty="0" smtClean="0">
+                <a:solidFill>
+                  <a:srgbClr val="FFFF00"/>
+                </a:solidFill>
+                <a:latin typeface="Courier New"/>
+                <a:ea typeface="Courier New"/>
+                <a:cs typeface="Courier New"/>
+                <a:sym typeface="Courier New"/>
+              </a:rPr>
+              <a:t>print(</a:t>
+            </a:r>
+            <a:r>
+              <a:rPr lang="en-US" sz="3200" i="0" u="none" strike="noStrike" cap="none" dirty="0" smtClean="0">
+                <a:solidFill>
+                  <a:srgbClr val="FF00FF"/>
+                </a:solidFill>
+                <a:latin typeface="Courier New"/>
+                <a:ea typeface="Courier New"/>
+                <a:cs typeface="Courier New"/>
+                <a:sym typeface="Courier New"/>
+              </a:rPr>
+              <a:t>greet</a:t>
+            </a:r>
+            <a:r>
+              <a:rPr lang="en-US" sz="3200" i="0" u="none" strike="noStrike" cap="none" dirty="0">
+                <a:solidFill>
+                  <a:srgbClr val="FF00FF"/>
+                </a:solidFill>
+                <a:latin typeface="Courier New"/>
+                <a:ea typeface="Courier New"/>
+                <a:cs typeface="Courier New"/>
+                <a:sym typeface="Courier New"/>
+              </a:rPr>
+              <a:t>()</a:t>
+            </a:r>
+            <a:r>
+              <a:rPr lang="en-US" sz="3200" i="0" u="none" strike="noStrike" cap="none" dirty="0">
+                <a:solidFill>
+                  <a:srgbClr val="FFFF00"/>
+                </a:solidFill>
+                <a:latin typeface="Courier New"/>
+                <a:ea typeface="Courier New"/>
+                <a:cs typeface="Courier New"/>
+                <a:sym typeface="Courier New"/>
+              </a:rPr>
+              <a:t>, "Sally</a:t>
+            </a:r>
+            <a:r>
+              <a:rPr lang="en-US" sz="3200" i="0" u="none" strike="noStrike" cap="none" dirty="0" smtClean="0">
+                <a:solidFill>
+                  <a:srgbClr val="FFFF00"/>
+                </a:solidFill>
+                <a:latin typeface="Courier New"/>
+                <a:ea typeface="Courier New"/>
+                <a:cs typeface="Courier New"/>
+                <a:sym typeface="Courier New"/>
+              </a:rPr>
+              <a:t>"</a:t>
+            </a:r>
+            <a:r>
               <a:rPr lang="en-US" sz="3200" b="1" i="0" u="none" strike="noStrike" cap="none" dirty="0" smtClean="0">
                 <a:solidFill>
                   <a:srgbClr val="FFFF00"/>
@@ -10847,55 +10911,7 @@
                 <a:cs typeface="Courier New"/>
                 <a:sym typeface="Courier New"/>
               </a:rPr>
-              <a:t>print(</a:t>
-            </a:r>
-            <a:r>
-              <a:rPr lang="en-US" sz="3200" b="1" i="0" u="none" strike="noStrike" cap="none" dirty="0" smtClean="0">
-                <a:solidFill>
-                  <a:srgbClr val="FF00FF"/>
-                </a:solidFill>
-                <a:latin typeface="Courier New"/>
-                <a:ea typeface="Courier New"/>
-                <a:cs typeface="Courier New"/>
-                <a:sym typeface="Courier New"/>
-              </a:rPr>
-              <a:t>greet</a:t>
-            </a:r>
-            <a:r>
-              <a:rPr lang="en-US" sz="3200" b="1" i="0" u="none" strike="noStrike" cap="none" dirty="0">
-                <a:solidFill>
-                  <a:srgbClr val="FF00FF"/>
-                </a:solidFill>
-                <a:latin typeface="Courier New"/>
-                <a:ea typeface="Courier New"/>
-                <a:cs typeface="Courier New"/>
-                <a:sym typeface="Courier New"/>
-              </a:rPr>
-              <a:t>()</a:t>
-            </a:r>
-            <a:r>
-              <a:rPr lang="en-US" sz="3200" b="1" i="0" u="none" strike="noStrike" cap="none" dirty="0">
-                <a:solidFill>
-                  <a:srgbClr val="FFFF00"/>
-                </a:solidFill>
-                <a:latin typeface="Courier New"/>
-                <a:ea typeface="Courier New"/>
-                <a:cs typeface="Courier New"/>
-                <a:sym typeface="Courier New"/>
-              </a:rPr>
-              <a:t>, "Sally</a:t>
-            </a:r>
-            <a:r>
-              <a:rPr lang="en-US" sz="3200" b="1" i="0" u="none" strike="noStrike" cap="none" dirty="0" smtClean="0">
-                <a:solidFill>
-                  <a:srgbClr val="FFFF00"/>
-                </a:solidFill>
-                <a:latin typeface="Courier New"/>
-                <a:ea typeface="Courier New"/>
-                <a:cs typeface="Courier New"/>
-                <a:sym typeface="Courier New"/>
-              </a:rPr>
-              <a:t>")</a:t>
+              <a:t>)</a:t>
             </a:r>
             <a:endParaRPr lang="en-US" sz="3200" b="1" i="0" u="none" strike="noStrike" cap="none" dirty="0">
               <a:solidFill>
@@ -11490,7 +11506,7 @@
               <a:buNone/>
             </a:pPr>
             <a:r>
-              <a:rPr lang="en-US" sz="2500" b="1" i="0" u="none" strike="noStrike" cap="none" dirty="0">
+              <a:rPr lang="en-US" sz="2500" i="0" u="none" strike="noStrike" cap="none" dirty="0">
                 <a:solidFill>
                   <a:schemeClr val="lt1"/>
                 </a:solidFill>
@@ -11502,7 +11518,7 @@
               <a:t>&gt;&gt;&gt; </a:t>
             </a:r>
             <a:r>
-              <a:rPr lang="en-US" sz="2500" b="1" i="0" u="none" strike="noStrike" cap="none" dirty="0" err="1">
+              <a:rPr lang="en-US" sz="2500" i="0" u="none" strike="noStrike" cap="none" dirty="0" err="1">
                 <a:solidFill>
                   <a:srgbClr val="FFFF00"/>
                 </a:solidFill>
@@ -11514,7 +11530,7 @@
               <a:t>def</a:t>
             </a:r>
             <a:r>
-              <a:rPr lang="en-US" sz="2500" b="1" i="0" u="none" strike="noStrike" cap="none" dirty="0">
+              <a:rPr lang="en-US" sz="2500" i="0" u="none" strike="noStrike" cap="none" dirty="0">
                 <a:solidFill>
                   <a:schemeClr val="lt1"/>
                 </a:solidFill>
@@ -11526,7 +11542,7 @@
               <a:t> </a:t>
             </a:r>
             <a:r>
-              <a:rPr lang="en-US" sz="2500" b="1" i="0" u="none" strike="noStrike" cap="none" dirty="0">
+              <a:rPr lang="en-US" sz="2500" i="0" u="none" strike="noStrike" cap="none" dirty="0">
                 <a:solidFill>
                   <a:srgbClr val="00FF00"/>
                 </a:solidFill>
@@ -11538,7 +11554,7 @@
               <a:t>greet</a:t>
             </a:r>
             <a:r>
-              <a:rPr lang="en-US" sz="2500" b="1" i="0" u="none" strike="noStrike" cap="none" dirty="0">
+              <a:rPr lang="en-US" sz="2500" i="0" u="none" strike="noStrike" cap="none" dirty="0">
                 <a:solidFill>
                   <a:schemeClr val="lt1"/>
                 </a:solidFill>
@@ -11550,7 +11566,7 @@
               <a:t>(</a:t>
             </a:r>
             <a:r>
-              <a:rPr lang="en-US" sz="2500" b="1" i="0" u="none" strike="noStrike" cap="none" dirty="0" err="1">
+              <a:rPr lang="en-US" sz="2500" i="0" u="none" strike="noStrike" cap="none" dirty="0" err="1">
                 <a:solidFill>
                   <a:srgbClr val="00FFFF"/>
                 </a:solidFill>
@@ -11562,7 +11578,7 @@
               <a:t>lang</a:t>
             </a:r>
             <a:r>
-              <a:rPr lang="en-US" sz="2500" b="1" i="0" u="none" strike="noStrike" cap="none" dirty="0">
+              <a:rPr lang="en-US" sz="2500" i="0" u="none" strike="noStrike" cap="none" dirty="0">
                 <a:solidFill>
                   <a:schemeClr val="lt1"/>
                 </a:solidFill>
@@ -11593,7 +11609,7 @@
               <a:buNone/>
             </a:pPr>
             <a:r>
-              <a:rPr lang="en-US" sz="2500" b="1" i="0" u="none" strike="noStrike" cap="none" dirty="0">
+              <a:rPr lang="en-US" sz="2500" i="0" u="none" strike="noStrike" cap="none" dirty="0">
                 <a:solidFill>
                   <a:schemeClr val="lt1"/>
                 </a:solidFill>
@@ -11605,7 +11621,7 @@
               <a:t>... </a:t>
             </a:r>
             <a:r>
-              <a:rPr lang="en-US" sz="2500" b="1" dirty="0">
+              <a:rPr lang="en-US" sz="2500" dirty="0">
                 <a:solidFill>
                   <a:schemeClr val="lt1"/>
                 </a:solidFill>
@@ -11617,7 +11633,7 @@
               <a:t>    </a:t>
             </a:r>
             <a:r>
-              <a:rPr lang="en-US" sz="2500" b="1" i="0" u="none" strike="noStrike" cap="none" dirty="0">
+              <a:rPr lang="en-US" sz="2500" i="0" u="none" strike="noStrike" cap="none" dirty="0">
                 <a:solidFill>
                   <a:srgbClr val="FFFF00"/>
                 </a:solidFill>
@@ -11629,7 +11645,7 @@
               <a:t>if</a:t>
             </a:r>
             <a:r>
-              <a:rPr lang="en-US" sz="2500" b="1" i="0" u="none" strike="noStrike" cap="none" dirty="0">
+              <a:rPr lang="en-US" sz="2500" i="0" u="none" strike="noStrike" cap="none" dirty="0">
                 <a:solidFill>
                   <a:schemeClr val="lt1"/>
                 </a:solidFill>
@@ -11641,7 +11657,7 @@
               <a:t> </a:t>
             </a:r>
             <a:r>
-              <a:rPr lang="en-US" sz="2500" b="1" i="0" u="none" strike="noStrike" cap="none" dirty="0" err="1">
+              <a:rPr lang="en-US" sz="2500" i="0" u="none" strike="noStrike" cap="none" dirty="0" err="1">
                 <a:solidFill>
                   <a:srgbClr val="00FFFF"/>
                 </a:solidFill>
@@ -11653,7 +11669,7 @@
               <a:t>lang</a:t>
             </a:r>
             <a:r>
-              <a:rPr lang="en-US" sz="2500" b="1" i="0" u="none" strike="noStrike" cap="none" dirty="0">
+              <a:rPr lang="en-US" sz="2500" i="0" u="none" strike="noStrike" cap="none" dirty="0">
                 <a:solidFill>
                   <a:schemeClr val="lt1"/>
                 </a:solidFill>
@@ -11665,7 +11681,7 @@
               <a:t> == '</a:t>
             </a:r>
             <a:r>
-              <a:rPr lang="en-US" sz="2500" b="1" i="0" u="none" strike="noStrike" cap="none" dirty="0" err="1">
+              <a:rPr lang="en-US" sz="2500" i="0" u="none" strike="noStrike" cap="none" dirty="0" err="1">
                 <a:solidFill>
                   <a:schemeClr val="lt1"/>
                 </a:solidFill>
@@ -11677,7 +11693,7 @@
               <a:t>es</a:t>
             </a:r>
             <a:r>
-              <a:rPr lang="en-US" sz="2500" b="1" i="0" u="none" strike="noStrike" cap="none" dirty="0">
+              <a:rPr lang="en-US" sz="2500" i="0" u="none" strike="noStrike" cap="none" dirty="0">
                 <a:solidFill>
                   <a:schemeClr val="lt1"/>
                 </a:solidFill>
@@ -11708,7 +11724,7 @@
               <a:buNone/>
             </a:pPr>
             <a:r>
-              <a:rPr lang="en-US" sz="2500" b="1" i="0" u="none" strike="noStrike" cap="none" dirty="0">
+              <a:rPr lang="en-US" sz="2500" i="0" u="none" strike="noStrike" cap="none" dirty="0">
                 <a:solidFill>
                   <a:schemeClr val="lt1"/>
                 </a:solidFill>
@@ -11720,7 +11736,7 @@
               <a:t>...     </a:t>
             </a:r>
             <a:r>
-              <a:rPr lang="en-US" sz="2500" b="1" dirty="0">
+              <a:rPr lang="en-US" sz="2500" dirty="0">
                 <a:solidFill>
                   <a:schemeClr val="lt1"/>
                 </a:solidFill>
@@ -11732,7 +11748,7 @@
               <a:t>    </a:t>
             </a:r>
             <a:r>
-              <a:rPr lang="en-US" sz="2500" b="1" i="0" u="none" strike="noStrike" cap="none" dirty="0">
+              <a:rPr lang="en-US" sz="2500" i="0" u="none" strike="noStrike" cap="none" dirty="0">
                 <a:solidFill>
                   <a:srgbClr val="FFFF00"/>
                 </a:solidFill>
@@ -11744,7 +11760,7 @@
               <a:t>return</a:t>
             </a:r>
             <a:r>
-              <a:rPr lang="en-US" sz="2500" b="1" i="0" u="none" strike="noStrike" cap="none" dirty="0">
+              <a:rPr lang="en-US" sz="2500" i="0" u="none" strike="noStrike" cap="none" dirty="0">
                 <a:solidFill>
                   <a:schemeClr val="lt1"/>
                 </a:solidFill>
@@ -11756,7 +11772,7 @@
               <a:t> </a:t>
             </a:r>
             <a:r>
-              <a:rPr lang="en-US" sz="2500" b="1" i="0" u="none" strike="noStrike" cap="none" dirty="0">
+              <a:rPr lang="en-US" sz="2500" i="0" u="none" strike="noStrike" cap="none" dirty="0">
                 <a:solidFill>
                   <a:srgbClr val="FF00FF"/>
                 </a:solidFill>
@@ -11768,7 +11784,7 @@
               <a:t>'</a:t>
             </a:r>
             <a:r>
-              <a:rPr lang="en-US" sz="2500" b="1" i="0" u="none" strike="noStrike" cap="none" dirty="0" err="1">
+              <a:rPr lang="en-US" sz="2500" i="0" u="none" strike="noStrike" cap="none" dirty="0" err="1">
                 <a:solidFill>
                   <a:srgbClr val="FF00FF"/>
                 </a:solidFill>
@@ -11780,7 +11796,7 @@
               <a:t>Hola</a:t>
             </a:r>
             <a:r>
-              <a:rPr lang="en-US" sz="2500" b="1" dirty="0">
+              <a:rPr lang="en-US" sz="2500" dirty="0">
                 <a:solidFill>
                   <a:srgbClr val="FF00FF"/>
                 </a:solidFill>
@@ -11811,7 +11827,7 @@
               <a:buNone/>
             </a:pPr>
             <a:r>
-              <a:rPr lang="en-US" sz="2500" b="1" i="0" u="none" strike="noStrike" cap="none" dirty="0">
+              <a:rPr lang="en-US" sz="2500" i="0" u="none" strike="noStrike" cap="none" dirty="0">
                 <a:solidFill>
                   <a:schemeClr val="lt1"/>
                 </a:solidFill>
@@ -11823,7 +11839,7 @@
               <a:t>...     </a:t>
             </a:r>
             <a:r>
-              <a:rPr lang="en-US" sz="2500" b="1" i="0" u="none" strike="noStrike" cap="none" dirty="0" err="1">
+              <a:rPr lang="en-US" sz="2500" i="0" u="none" strike="noStrike" cap="none" dirty="0" err="1">
                 <a:solidFill>
                   <a:srgbClr val="FFFF00"/>
                 </a:solidFill>
@@ -11835,7 +11851,7 @@
               <a:t>elif</a:t>
             </a:r>
             <a:r>
-              <a:rPr lang="en-US" sz="2500" b="1" i="0" u="none" strike="noStrike" cap="none" dirty="0">
+              <a:rPr lang="en-US" sz="2500" i="0" u="none" strike="noStrike" cap="none" dirty="0">
                 <a:solidFill>
                   <a:schemeClr val="lt1"/>
                 </a:solidFill>
@@ -11847,7 +11863,7 @@
               <a:t> </a:t>
             </a:r>
             <a:r>
-              <a:rPr lang="en-US" sz="2500" b="1" i="0" u="none" strike="noStrike" cap="none" dirty="0" err="1">
+              <a:rPr lang="en-US" sz="2500" i="0" u="none" strike="noStrike" cap="none" dirty="0" err="1">
                 <a:solidFill>
                   <a:srgbClr val="00FFFF"/>
                 </a:solidFill>
@@ -11859,7 +11875,7 @@
               <a:t>lang</a:t>
             </a:r>
             <a:r>
-              <a:rPr lang="en-US" sz="2500" b="1" i="0" u="none" strike="noStrike" cap="none" dirty="0">
+              <a:rPr lang="en-US" sz="2500" i="0" u="none" strike="noStrike" cap="none" dirty="0">
                 <a:solidFill>
                   <a:schemeClr val="lt1"/>
                 </a:solidFill>
@@ -11871,7 +11887,7 @@
               <a:t> == '</a:t>
             </a:r>
             <a:r>
-              <a:rPr lang="en-US" sz="2500" b="1" i="0" u="none" strike="noStrike" cap="none" dirty="0" err="1">
+              <a:rPr lang="en-US" sz="2500" i="0" u="none" strike="noStrike" cap="none" dirty="0" err="1">
                 <a:solidFill>
                   <a:schemeClr val="lt1"/>
                 </a:solidFill>
@@ -11883,7 +11899,7 @@
               <a:t>fr</a:t>
             </a:r>
             <a:r>
-              <a:rPr lang="en-US" sz="2500" b="1" i="0" u="none" strike="noStrike" cap="none" dirty="0">
+              <a:rPr lang="en-US" sz="2500" i="0" u="none" strike="noStrike" cap="none" dirty="0">
                 <a:solidFill>
                   <a:schemeClr val="lt1"/>
                 </a:solidFill>
@@ -11914,7 +11930,7 @@
               <a:buNone/>
             </a:pPr>
             <a:r>
-              <a:rPr lang="en-US" sz="2500" b="1" i="0" u="none" strike="noStrike" cap="none" dirty="0">
+              <a:rPr lang="en-US" sz="2500" i="0" u="none" strike="noStrike" cap="none" dirty="0">
                 <a:solidFill>
                   <a:schemeClr val="lt1"/>
                 </a:solidFill>
@@ -11926,7 +11942,7 @@
               <a:t>...        </a:t>
             </a:r>
             <a:r>
-              <a:rPr lang="en-US" sz="2500" b="1" dirty="0">
+              <a:rPr lang="en-US" sz="2500" dirty="0">
                 <a:solidFill>
                   <a:schemeClr val="lt1"/>
                 </a:solidFill>
@@ -11938,7 +11954,7 @@
               <a:t> </a:t>
             </a:r>
             <a:r>
-              <a:rPr lang="en-US" sz="2500" b="1" i="0" u="none" strike="noStrike" cap="none" dirty="0">
+              <a:rPr lang="en-US" sz="2500" i="0" u="none" strike="noStrike" cap="none" dirty="0">
                 <a:solidFill>
                   <a:srgbClr val="FFFF00"/>
                 </a:solidFill>
@@ -11950,7 +11966,7 @@
               <a:t>return</a:t>
             </a:r>
             <a:r>
-              <a:rPr lang="en-US" sz="2500" b="1" i="0" u="none" strike="noStrike" cap="none" dirty="0">
+              <a:rPr lang="en-US" sz="2500" i="0" u="none" strike="noStrike" cap="none" dirty="0">
                 <a:solidFill>
                   <a:schemeClr val="lt1"/>
                 </a:solidFill>
@@ -11962,7 +11978,7 @@
               <a:t> </a:t>
             </a:r>
             <a:r>
-              <a:rPr lang="en-US" sz="2500" b="1" i="0" u="none" strike="noStrike" cap="none" dirty="0">
+              <a:rPr lang="en-US" sz="2500" i="0" u="none" strike="noStrike" cap="none" dirty="0">
                 <a:solidFill>
                   <a:srgbClr val="FF00FF"/>
                 </a:solidFill>
@@ -11974,7 +11990,7 @@
               <a:t>'Bonjour</a:t>
             </a:r>
             <a:r>
-              <a:rPr lang="en-US" sz="2500" b="1" dirty="0">
+              <a:rPr lang="en-US" sz="2500" dirty="0">
                 <a:solidFill>
                   <a:srgbClr val="FF00FF"/>
                 </a:solidFill>
@@ -12005,7 +12021,7 @@
               <a:buNone/>
             </a:pPr>
             <a:r>
-              <a:rPr lang="en-US" sz="2500" b="1" i="0" u="none" strike="noStrike" cap="none" dirty="0">
+              <a:rPr lang="en-US" sz="2500" i="0" u="none" strike="noStrike" cap="none" dirty="0">
                 <a:solidFill>
                   <a:schemeClr val="lt1"/>
                 </a:solidFill>
@@ -12017,7 +12033,7 @@
               <a:t>...     </a:t>
             </a:r>
             <a:r>
-              <a:rPr lang="en-US" sz="2500" b="1" i="0" u="none" strike="noStrike" cap="none" dirty="0">
+              <a:rPr lang="en-US" sz="2500" i="0" u="none" strike="noStrike" cap="none" dirty="0">
                 <a:solidFill>
                   <a:srgbClr val="FFFF00"/>
                 </a:solidFill>
@@ -12048,7 +12064,7 @@
               <a:buNone/>
             </a:pPr>
             <a:r>
-              <a:rPr lang="en-US" sz="2500" b="1" i="0" u="none" strike="noStrike" cap="none" dirty="0">
+              <a:rPr lang="en-US" sz="2500" i="0" u="none" strike="noStrike" cap="none" dirty="0">
                 <a:solidFill>
                   <a:schemeClr val="lt1"/>
                 </a:solidFill>
@@ -12060,7 +12076,7 @@
               <a:t>...         </a:t>
             </a:r>
             <a:r>
-              <a:rPr lang="en-US" sz="2500" b="1" i="0" u="none" strike="noStrike" cap="none" dirty="0">
+              <a:rPr lang="en-US" sz="2500" i="0" u="none" strike="noStrike" cap="none" dirty="0">
                 <a:solidFill>
                   <a:srgbClr val="FFFF00"/>
                 </a:solidFill>
@@ -12072,7 +12088,7 @@
               <a:t>return</a:t>
             </a:r>
             <a:r>
-              <a:rPr lang="en-US" sz="2500" b="1" i="0" u="none" strike="noStrike" cap="none" dirty="0">
+              <a:rPr lang="en-US" sz="2500" i="0" u="none" strike="noStrike" cap="none" dirty="0">
                 <a:solidFill>
                   <a:schemeClr val="lt1"/>
                 </a:solidFill>
@@ -12084,7 +12100,7 @@
               <a:t> </a:t>
             </a:r>
             <a:r>
-              <a:rPr lang="en-US" sz="2500" b="1" i="0" u="none" strike="noStrike" cap="none" dirty="0">
+              <a:rPr lang="en-US" sz="2500" i="0" u="none" strike="noStrike" cap="none" dirty="0">
                 <a:solidFill>
                   <a:srgbClr val="FF00FF"/>
                 </a:solidFill>
@@ -12096,7 +12112,7 @@
               <a:t>'Hello</a:t>
             </a:r>
             <a:r>
-              <a:rPr lang="en-US" sz="2500" b="1" dirty="0">
+              <a:rPr lang="en-US" sz="2500" dirty="0">
                 <a:solidFill>
                   <a:srgbClr val="FF00FF"/>
                 </a:solidFill>
@@ -12127,7 +12143,7 @@
               <a:buNone/>
             </a:pPr>
             <a:r>
-              <a:rPr lang="en-US" sz="2500" b="1" i="0" u="none" strike="noStrike" cap="none" dirty="0">
+              <a:rPr lang="en-US" sz="2500" i="0" u="none" strike="noStrike" cap="none" dirty="0">
                 <a:solidFill>
                   <a:schemeClr val="lt1"/>
                 </a:solidFill>
@@ -12158,7 +12174,7 @@
               <a:buNone/>
             </a:pPr>
             <a:r>
-              <a:rPr lang="en-US" sz="2500" b="1" i="0" u="none" strike="noStrike" cap="none" dirty="0">
+              <a:rPr lang="en-US" sz="2500" i="0" u="none" strike="noStrike" cap="none" dirty="0">
                 <a:solidFill>
                   <a:schemeClr val="lt1"/>
                 </a:solidFill>
@@ -12170,7 +12186,7 @@
               <a:t>&gt;&gt;&gt; </a:t>
             </a:r>
             <a:r>
-              <a:rPr lang="en-US" sz="2500" b="1" i="0" u="none" strike="noStrike" cap="none" dirty="0" smtClean="0">
+              <a:rPr lang="en-US" sz="2500" i="0" u="none" strike="noStrike" cap="none" dirty="0" smtClean="0">
                 <a:solidFill>
                   <a:srgbClr val="FFFF00"/>
                 </a:solidFill>
@@ -12182,7 +12198,7 @@
               <a:t>print</a:t>
             </a:r>
             <a:r>
-              <a:rPr lang="en-US" sz="2500" b="1" dirty="0">
+              <a:rPr lang="en-US" sz="2500" dirty="0">
                 <a:solidFill>
                   <a:schemeClr val="lt1"/>
                 </a:solidFill>
@@ -12194,7 +12210,7 @@
               <a:t>(</a:t>
             </a:r>
             <a:r>
-              <a:rPr lang="en-US" sz="2500" b="1" i="0" u="none" strike="noStrike" cap="none" dirty="0" smtClean="0">
+              <a:rPr lang="en-US" sz="2500" i="0" u="none" strike="noStrike" cap="none" dirty="0" smtClean="0">
                 <a:solidFill>
                   <a:srgbClr val="00FF00"/>
                 </a:solidFill>
@@ -12206,7 +12222,7 @@
               <a:t>greet</a:t>
             </a:r>
             <a:r>
-              <a:rPr lang="en-US" sz="2500" b="1" i="0" u="none" strike="noStrike" cap="none" dirty="0">
+              <a:rPr lang="en-US" sz="2500" i="0" u="none" strike="noStrike" cap="none" dirty="0">
                 <a:solidFill>
                   <a:schemeClr val="lt1"/>
                 </a:solidFill>
@@ -12218,7 +12234,7 @@
               <a:t>(</a:t>
             </a:r>
             <a:r>
-              <a:rPr lang="en-US" sz="2500" b="1" i="0" u="none" strike="noStrike" cap="none" dirty="0">
+              <a:rPr lang="en-US" sz="2500" i="0" u="none" strike="noStrike" cap="none" dirty="0">
                 <a:solidFill>
                   <a:srgbClr val="FF7F00"/>
                 </a:solidFill>
@@ -12230,7 +12246,7 @@
               <a:t>'</a:t>
             </a:r>
             <a:r>
-              <a:rPr lang="en-US" sz="2500" b="1" i="0" u="none" strike="noStrike" cap="none" dirty="0" err="1">
+              <a:rPr lang="en-US" sz="2500" i="0" u="none" strike="noStrike" cap="none" dirty="0" err="1">
                 <a:solidFill>
                   <a:srgbClr val="FF7F00"/>
                 </a:solidFill>
@@ -12242,7 +12258,7 @@
               <a:t>en</a:t>
             </a:r>
             <a:r>
-              <a:rPr lang="en-US" sz="2500" b="1" i="0" u="none" strike="noStrike" cap="none" dirty="0">
+              <a:rPr lang="en-US" sz="2500" i="0" u="none" strike="noStrike" cap="none" dirty="0">
                 <a:solidFill>
                   <a:srgbClr val="FF7F00"/>
                 </a:solidFill>
@@ -12254,7 +12270,7 @@
               <a:t>'</a:t>
             </a:r>
             <a:r>
-              <a:rPr lang="en-US" sz="2500" b="1" i="0" u="none" strike="noStrike" cap="none" dirty="0">
+              <a:rPr lang="en-US" sz="2500" i="0" u="none" strike="noStrike" cap="none" dirty="0">
                 <a:solidFill>
                   <a:schemeClr val="lt1"/>
                 </a:solidFill>
@@ -12266,7 +12282,7 @@
               <a:t>),'Glenn</a:t>
             </a:r>
             <a:r>
-              <a:rPr lang="en-US" sz="2500" b="1" dirty="0" smtClean="0">
+              <a:rPr lang="en-US" sz="2500" dirty="0" smtClean="0">
                 <a:solidFill>
                   <a:schemeClr val="lt1"/>
                 </a:solidFill>
@@ -12277,7 +12293,7 @@
               </a:rPr>
               <a:t>')</a:t>
             </a:r>
-            <a:endParaRPr lang="en-US" sz="2500" b="1" dirty="0">
+            <a:endParaRPr lang="en-US" sz="2500" dirty="0">
               <a:solidFill>
                 <a:schemeClr val="lt1"/>
               </a:solidFill>
@@ -12306,7 +12322,7 @@
               <a:buNone/>
             </a:pPr>
             <a:r>
-              <a:rPr lang="en-US" sz="2500" b="1" i="0" u="none" strike="noStrike" cap="none" dirty="0">
+              <a:rPr lang="en-US" sz="2500" i="0" u="none" strike="noStrike" cap="none" dirty="0">
                 <a:solidFill>
                   <a:schemeClr val="lt1"/>
                 </a:solidFill>
@@ -12337,7 +12353,7 @@
               <a:buNone/>
             </a:pPr>
             <a:r>
-              <a:rPr lang="en-US" sz="2500" b="1" i="0" u="none" strike="noStrike" cap="none" dirty="0">
+              <a:rPr lang="en-US" sz="2500" i="0" u="none" strike="noStrike" cap="none" dirty="0">
                 <a:solidFill>
                   <a:schemeClr val="lt1"/>
                 </a:solidFill>
@@ -12349,7 +12365,7 @@
               <a:t>&gt;&gt;&gt; </a:t>
             </a:r>
             <a:r>
-              <a:rPr lang="en-US" sz="2500" b="1" i="0" u="none" strike="noStrike" cap="none" dirty="0" smtClean="0">
+              <a:rPr lang="en-US" sz="2500" i="0" u="none" strike="noStrike" cap="none" dirty="0" smtClean="0">
                 <a:solidFill>
                   <a:srgbClr val="FFFF00"/>
                 </a:solidFill>
@@ -12361,7 +12377,7 @@
               <a:t>print</a:t>
             </a:r>
             <a:r>
-              <a:rPr lang="en-US" sz="2500" b="1" dirty="0">
+              <a:rPr lang="en-US" sz="2500" dirty="0">
                 <a:solidFill>
                   <a:schemeClr val="lt1"/>
                 </a:solidFill>
@@ -12373,7 +12389,7 @@
               <a:t>(</a:t>
             </a:r>
             <a:r>
-              <a:rPr lang="en-US" sz="2500" b="1" i="0" u="none" strike="noStrike" cap="none" dirty="0" smtClean="0">
+              <a:rPr lang="en-US" sz="2500" i="0" u="none" strike="noStrike" cap="none" dirty="0" smtClean="0">
                 <a:solidFill>
                   <a:srgbClr val="00FF00"/>
                 </a:solidFill>
@@ -12385,7 +12401,7 @@
               <a:t>greet</a:t>
             </a:r>
             <a:r>
-              <a:rPr lang="en-US" sz="2500" b="1" i="0" u="none" strike="noStrike" cap="none" dirty="0">
+              <a:rPr lang="en-US" sz="2500" i="0" u="none" strike="noStrike" cap="none" dirty="0">
                 <a:solidFill>
                   <a:schemeClr val="lt1"/>
                 </a:solidFill>
@@ -12397,7 +12413,7 @@
               <a:t>(</a:t>
             </a:r>
             <a:r>
-              <a:rPr lang="en-US" sz="2500" b="1" i="0" u="none" strike="noStrike" cap="none" dirty="0">
+              <a:rPr lang="en-US" sz="2500" i="0" u="none" strike="noStrike" cap="none" dirty="0">
                 <a:solidFill>
                   <a:srgbClr val="FF7F00"/>
                 </a:solidFill>
@@ -12409,7 +12425,7 @@
               <a:t>'</a:t>
             </a:r>
             <a:r>
-              <a:rPr lang="en-US" sz="2500" b="1" i="0" u="none" strike="noStrike" cap="none" dirty="0" err="1">
+              <a:rPr lang="en-US" sz="2500" i="0" u="none" strike="noStrike" cap="none" dirty="0" err="1">
                 <a:solidFill>
                   <a:srgbClr val="FF7F00"/>
                 </a:solidFill>
@@ -12421,7 +12437,7 @@
               <a:t>es</a:t>
             </a:r>
             <a:r>
-              <a:rPr lang="en-US" sz="2500" b="1" i="0" u="none" strike="noStrike" cap="none" dirty="0">
+              <a:rPr lang="en-US" sz="2500" i="0" u="none" strike="noStrike" cap="none" dirty="0">
                 <a:solidFill>
                   <a:srgbClr val="FF7F00"/>
                 </a:solidFill>
@@ -12433,7 +12449,7 @@
               <a:t>'</a:t>
             </a:r>
             <a:r>
-              <a:rPr lang="en-US" sz="2500" b="1" i="0" u="none" strike="noStrike" cap="none" dirty="0">
+              <a:rPr lang="en-US" sz="2500" i="0" u="none" strike="noStrike" cap="none" dirty="0">
                 <a:solidFill>
                   <a:schemeClr val="lt1"/>
                 </a:solidFill>
@@ -12445,7 +12461,7 @@
               <a:t>),'Sally</a:t>
             </a:r>
             <a:r>
-              <a:rPr lang="en-US" sz="2500" b="1" dirty="0" smtClean="0">
+              <a:rPr lang="en-US" sz="2500" dirty="0" smtClean="0">
                 <a:solidFill>
                   <a:schemeClr val="lt1"/>
                 </a:solidFill>
@@ -12456,7 +12472,7 @@
               </a:rPr>
               <a:t>')</a:t>
             </a:r>
-            <a:endParaRPr lang="en-US" sz="2500" b="1" dirty="0">
+            <a:endParaRPr lang="en-US" sz="2500" dirty="0">
               <a:solidFill>
                 <a:schemeClr val="lt1"/>
               </a:solidFill>
@@ -12485,7 +12501,7 @@
               <a:buNone/>
             </a:pPr>
             <a:r>
-              <a:rPr lang="en-US" sz="2500" b="1" i="0" u="none" strike="noStrike" cap="none" dirty="0" err="1">
+              <a:rPr lang="en-US" sz="2500" i="0" u="none" strike="noStrike" cap="none" dirty="0" err="1">
                 <a:solidFill>
                   <a:schemeClr val="lt1"/>
                 </a:solidFill>
@@ -12497,7 +12513,7 @@
               <a:t>Hola</a:t>
             </a:r>
             <a:r>
-              <a:rPr lang="en-US" sz="2500" b="1" i="0" u="none" strike="noStrike" cap="none" dirty="0">
+              <a:rPr lang="en-US" sz="2500" i="0" u="none" strike="noStrike" cap="none" dirty="0">
                 <a:solidFill>
                   <a:schemeClr val="lt1"/>
                 </a:solidFill>
@@ -12528,7 +12544,7 @@
               <a:buNone/>
             </a:pPr>
             <a:r>
-              <a:rPr lang="en-US" sz="2500" b="1" i="0" u="none" strike="noStrike" cap="none" dirty="0">
+              <a:rPr lang="en-US" sz="2500" i="0" u="none" strike="noStrike" cap="none" dirty="0">
                 <a:solidFill>
                   <a:schemeClr val="lt1"/>
                 </a:solidFill>
@@ -12540,7 +12556,7 @@
               <a:t>&gt;&gt;&gt; </a:t>
             </a:r>
             <a:r>
-              <a:rPr lang="en-US" sz="2500" b="1" i="0" u="none" strike="noStrike" cap="none" dirty="0" smtClean="0">
+              <a:rPr lang="en-US" sz="2500" i="0" u="none" strike="noStrike" cap="none" dirty="0" smtClean="0">
                 <a:solidFill>
                   <a:srgbClr val="FFFF00"/>
                 </a:solidFill>
@@ -12552,7 +12568,7 @@
               <a:t>print</a:t>
             </a:r>
             <a:r>
-              <a:rPr lang="en-US" sz="2500" b="1" dirty="0">
+              <a:rPr lang="en-US" sz="2500" dirty="0">
                 <a:solidFill>
                   <a:schemeClr val="lt1"/>
                 </a:solidFill>
@@ -12564,7 +12580,7 @@
               <a:t>(</a:t>
             </a:r>
             <a:r>
-              <a:rPr lang="en-US" sz="2500" b="1" i="0" u="none" strike="noStrike" cap="none" dirty="0" smtClean="0">
+              <a:rPr lang="en-US" sz="2500" i="0" u="none" strike="noStrike" cap="none" dirty="0" smtClean="0">
                 <a:solidFill>
                   <a:srgbClr val="00FF00"/>
                 </a:solidFill>
@@ -12576,7 +12592,7 @@
               <a:t>greet</a:t>
             </a:r>
             <a:r>
-              <a:rPr lang="en-US" sz="2500" b="1" i="0" u="none" strike="noStrike" cap="none" dirty="0">
+              <a:rPr lang="en-US" sz="2500" i="0" u="none" strike="noStrike" cap="none" dirty="0">
                 <a:solidFill>
                   <a:schemeClr val="lt1"/>
                 </a:solidFill>
@@ -12588,7 +12604,7 @@
               <a:t>(</a:t>
             </a:r>
             <a:r>
-              <a:rPr lang="en-US" sz="2500" b="1" i="0" u="none" strike="noStrike" cap="none" dirty="0">
+              <a:rPr lang="en-US" sz="2500" i="0" u="none" strike="noStrike" cap="none" dirty="0">
                 <a:solidFill>
                   <a:srgbClr val="FF7F00"/>
                 </a:solidFill>
@@ -12600,7 +12616,7 @@
               <a:t>'</a:t>
             </a:r>
             <a:r>
-              <a:rPr lang="en-US" sz="2500" b="1" i="0" u="none" strike="noStrike" cap="none" dirty="0" err="1">
+              <a:rPr lang="en-US" sz="2500" i="0" u="none" strike="noStrike" cap="none" dirty="0" err="1">
                 <a:solidFill>
                   <a:srgbClr val="FF7F00"/>
                 </a:solidFill>
@@ -12612,7 +12628,7 @@
               <a:t>fr</a:t>
             </a:r>
             <a:r>
-              <a:rPr lang="en-US" sz="2500" b="1" i="0" u="none" strike="noStrike" cap="none" dirty="0">
+              <a:rPr lang="en-US" sz="2500" i="0" u="none" strike="noStrike" cap="none" dirty="0">
                 <a:solidFill>
                   <a:srgbClr val="FF7F00"/>
                 </a:solidFill>
@@ -12624,7 +12640,7 @@
               <a:t>'</a:t>
             </a:r>
             <a:r>
-              <a:rPr lang="en-US" sz="2500" b="1" i="0" u="none" strike="noStrike" cap="none" dirty="0">
+              <a:rPr lang="en-US" sz="2500" i="0" u="none" strike="noStrike" cap="none" dirty="0">
                 <a:solidFill>
                   <a:schemeClr val="lt1"/>
                 </a:solidFill>
@@ -12636,7 +12652,7 @@
               <a:t>),'Michael</a:t>
             </a:r>
             <a:r>
-              <a:rPr lang="en-US" sz="2500" b="1" dirty="0" smtClean="0">
+              <a:rPr lang="en-US" sz="2500" dirty="0" smtClean="0">
                 <a:solidFill>
                   <a:schemeClr val="lt1"/>
                 </a:solidFill>
@@ -12647,7 +12663,7 @@
               </a:rPr>
               <a:t>')</a:t>
             </a:r>
-            <a:endParaRPr lang="en-US" sz="2500" b="1" dirty="0">
+            <a:endParaRPr lang="en-US" sz="2500" dirty="0">
               <a:solidFill>
                 <a:schemeClr val="lt1"/>
               </a:solidFill>
@@ -12676,7 +12692,7 @@
               <a:buNone/>
             </a:pPr>
             <a:r>
-              <a:rPr lang="en-US" sz="2500" b="1" i="0" u="none" strike="noStrike" cap="none" dirty="0">
+              <a:rPr lang="en-US" sz="2500" i="0" u="none" strike="noStrike" cap="none" dirty="0">
                 <a:solidFill>
                   <a:schemeClr val="lt1"/>
                 </a:solidFill>
@@ -12707,7 +12723,7 @@
               <a:buNone/>
             </a:pPr>
             <a:r>
-              <a:rPr lang="en-US" sz="2500" b="1" i="0" u="none" strike="noStrike" cap="none" dirty="0">
+              <a:rPr lang="en-US" sz="2500" i="0" u="none" strike="noStrike" cap="none" dirty="0">
                 <a:solidFill>
                   <a:schemeClr val="lt1"/>
                 </a:solidFill>
@@ -12789,7 +12805,7 @@
               <a:buNone/>
             </a:pPr>
             <a:r>
-              <a:rPr lang="en-US" sz="7100" u="none" strike="noStrike" cap="none">
+              <a:rPr lang="en-US" sz="7100" u="none" strike="noStrike" cap="none" dirty="0">
                 <a:solidFill>
                   <a:srgbClr val="FF7F00"/>
                 </a:solidFill>
@@ -12801,7 +12817,7 @@
               <a:t>Arguments</a:t>
             </a:r>
             <a:r>
-              <a:rPr lang="en-US" sz="7100" u="none" strike="noStrike" cap="none">
+              <a:rPr lang="en-US" sz="7100" u="none" strike="noStrike" cap="none" dirty="0">
                 <a:solidFill>
                   <a:schemeClr val="lt1"/>
                 </a:solidFill>
@@ -12813,7 +12829,7 @@
               <a:t>,</a:t>
             </a:r>
             <a:r>
-              <a:rPr lang="en-US" sz="7100" u="none" strike="noStrike" cap="none">
+              <a:rPr lang="en-US" sz="7100" u="none" strike="noStrike" cap="none" dirty="0">
                 <a:solidFill>
                   <a:srgbClr val="FFFF00"/>
                 </a:solidFill>
@@ -12825,7 +12841,7 @@
               <a:t> </a:t>
             </a:r>
             <a:r>
-              <a:rPr lang="en-US" sz="7100" u="none" strike="noStrike" cap="none">
+              <a:rPr lang="en-US" sz="7100" u="none" strike="noStrike" cap="none" dirty="0">
                 <a:solidFill>
                   <a:srgbClr val="00FFFF"/>
                 </a:solidFill>
@@ -12837,7 +12853,7 @@
               <a:t>Parameters</a:t>
             </a:r>
             <a:r>
-              <a:rPr lang="en-US" sz="7100" u="none" strike="noStrike" cap="none">
+              <a:rPr lang="en-US" sz="7100" u="none" strike="noStrike" cap="none" dirty="0">
                 <a:solidFill>
                   <a:schemeClr val="lt1"/>
                 </a:solidFill>
@@ -12849,7 +12865,7 @@
               <a:t>, and</a:t>
             </a:r>
             <a:r>
-              <a:rPr lang="en-US" sz="7100" u="none" strike="noStrike" cap="none">
+              <a:rPr lang="en-US" sz="7100" u="none" strike="noStrike" cap="none" dirty="0">
                 <a:solidFill>
                   <a:srgbClr val="FF00FF"/>
                 </a:solidFill>
@@ -12861,7 +12877,7 @@
               <a:t> </a:t>
             </a:r>
             <a:r>
-              <a:rPr lang="en-US" sz="7100" u="none" strike="noStrike" cap="none">
+              <a:rPr lang="en-US" sz="7100" u="none" strike="noStrike" cap="none" dirty="0">
                 <a:solidFill>
                   <a:srgbClr val="00FF00"/>
                 </a:solidFill>
@@ -12883,7 +12899,7 @@
         </p:nvSpPr>
         <p:spPr>
           <a:xfrm>
-            <a:off x="1200150" y="2616200"/>
+            <a:off x="1155700" y="2908300"/>
             <a:ext cx="7557000" cy="1663800"/>
           </a:xfrm>
           <a:prstGeom prst="rect">
@@ -12918,7 +12934,7 @@
               <a:buNone/>
             </a:pPr>
             <a:r>
-              <a:rPr lang="en-US" sz="3000" b="1" i="0" u="none" strike="noStrike" cap="none" dirty="0">
+              <a:rPr lang="en-US" sz="3000" i="0" u="none" strike="noStrike" cap="none" dirty="0" smtClean="0">
                 <a:solidFill>
                   <a:schemeClr val="lt1"/>
                 </a:solidFill>
@@ -12930,7 +12946,7 @@
               <a:t>&gt;&gt;&gt; </a:t>
             </a:r>
             <a:r>
-              <a:rPr lang="en-US" sz="3000" b="1" i="0" u="none" strike="noStrike" cap="none" dirty="0">
+              <a:rPr lang="en-US" sz="3000" i="0" u="none" strike="noStrike" cap="none" dirty="0" smtClean="0">
                 <a:solidFill>
                   <a:srgbClr val="00FF00"/>
                 </a:solidFill>
@@ -12942,7 +12958,7 @@
               <a:t>big</a:t>
             </a:r>
             <a:r>
-              <a:rPr lang="en-US" sz="3000" b="1" i="0" u="none" strike="noStrike" cap="none" dirty="0">
+              <a:rPr lang="en-US" sz="3000" i="0" u="none" strike="noStrike" cap="none" dirty="0" smtClean="0">
                 <a:solidFill>
                   <a:schemeClr val="lt1"/>
                 </a:solidFill>
@@ -12954,7 +12970,7 @@
               <a:t> = </a:t>
             </a:r>
             <a:r>
-              <a:rPr lang="en-US" sz="3000" b="1" i="0" u="none" strike="noStrike" cap="none" dirty="0">
+              <a:rPr lang="en-US" sz="3000" i="0" u="none" strike="noStrike" cap="none" dirty="0" smtClean="0">
                 <a:solidFill>
                   <a:srgbClr val="FF00FF"/>
                 </a:solidFill>
@@ -12966,7 +12982,7 @@
               <a:t>max</a:t>
             </a:r>
             <a:r>
-              <a:rPr lang="en-US" sz="3000" b="1" i="0" u="none" strike="noStrike" cap="none" dirty="0">
+              <a:rPr lang="en-US" sz="3000" i="0" u="none" strike="noStrike" cap="none" dirty="0" smtClean="0">
                 <a:solidFill>
                   <a:schemeClr val="lt1"/>
                 </a:solidFill>
@@ -12978,7 +12994,7 @@
               <a:t>(</a:t>
             </a:r>
             <a:r>
-              <a:rPr lang="en-US" sz="3000" b="1" i="0" u="none" strike="noStrike" cap="none" dirty="0">
+              <a:rPr lang="en-US" sz="3000" i="0" u="none" strike="noStrike" cap="none" dirty="0" smtClean="0">
                 <a:solidFill>
                   <a:srgbClr val="00FF00"/>
                 </a:solidFill>
@@ -12990,7 +13006,7 @@
               <a:t>'Hello world'</a:t>
             </a:r>
             <a:r>
-              <a:rPr lang="en-US" sz="3000" b="1" i="0" u="none" strike="noStrike" cap="none" dirty="0">
+              <a:rPr lang="en-US" sz="3000" i="0" u="none" strike="noStrike" cap="none" dirty="0" smtClean="0">
                 <a:solidFill>
                   <a:schemeClr val="lt1"/>
                 </a:solidFill>
@@ -13021,7 +13037,7 @@
               <a:buNone/>
             </a:pPr>
             <a:r>
-              <a:rPr lang="en-US" sz="3000" b="1" i="0" u="none" strike="noStrike" cap="none" dirty="0">
+              <a:rPr lang="en-US" sz="3000" i="0" u="none" strike="noStrike" cap="none" dirty="0" smtClean="0">
                 <a:solidFill>
                   <a:schemeClr val="lt1"/>
                 </a:solidFill>
@@ -13033,7 +13049,7 @@
               <a:t>&gt;&gt;&gt; </a:t>
             </a:r>
             <a:r>
-              <a:rPr lang="en-US" sz="3000" b="1" i="0" u="none" strike="noStrike" cap="none" dirty="0" smtClean="0">
+              <a:rPr lang="en-US" sz="3000" i="0" u="none" strike="noStrike" cap="none" dirty="0" smtClean="0">
                 <a:solidFill>
                   <a:srgbClr val="FFFF00"/>
                 </a:solidFill>
@@ -13045,7 +13061,7 @@
               <a:t>print</a:t>
             </a:r>
             <a:r>
-              <a:rPr lang="en-US" sz="3000" b="1" dirty="0">
+              <a:rPr lang="en-US" sz="3000" dirty="0" smtClean="0">
                 <a:solidFill>
                   <a:schemeClr val="lt1"/>
                 </a:solidFill>
@@ -13057,7 +13073,7 @@
               <a:t>(</a:t>
             </a:r>
             <a:r>
-              <a:rPr lang="en-US" sz="3000" b="1" i="0" u="none" strike="noStrike" cap="none" dirty="0" smtClean="0">
+              <a:rPr lang="en-US" sz="3000" i="0" u="none" strike="noStrike" cap="none" dirty="0" smtClean="0">
                 <a:solidFill>
                   <a:srgbClr val="00FF00"/>
                 </a:solidFill>
@@ -13069,7 +13085,7 @@
               <a:t>big</a:t>
             </a:r>
             <a:r>
-              <a:rPr lang="en-US" sz="3000" b="1" i="0" u="none" strike="noStrike" cap="none" dirty="0" smtClean="0">
+              <a:rPr lang="en-US" sz="3000" i="0" u="none" strike="noStrike" cap="none" dirty="0" smtClean="0">
                 <a:solidFill>
                   <a:schemeClr val="bg1"/>
                 </a:solidFill>
@@ -13080,46 +13096,46 @@
               </a:rPr>
               <a:t>)</a:t>
             </a:r>
-            <a:endParaRPr lang="en-US" sz="3000" b="1" i="0" u="none" strike="noStrike" cap="none" dirty="0">
+          </a:p>
+          <a:p>
+            <a:pPr marL="0" marR="0" lvl="0" indent="0" algn="l" rtl="0">
+              <a:lnSpc>
+                <a:spcPct val="100000"/>
+              </a:lnSpc>
+              <a:spcBef>
+                <a:spcPts val="0"/>
+              </a:spcBef>
+              <a:spcAft>
+                <a:spcPts val="0"/>
+              </a:spcAft>
+              <a:buClr>
+                <a:schemeClr val="lt1"/>
+              </a:buClr>
+              <a:buSzPct val="25000"/>
+              <a:buFont typeface="Cabin"/>
+              <a:buNone/>
+            </a:pPr>
+            <a:r>
+              <a:rPr lang="en-US" sz="3000" i="0" u="none" strike="noStrike" cap="none" dirty="0" smtClean="0">
+                <a:solidFill>
+                  <a:srgbClr val="00FF00"/>
+                </a:solidFill>
+                <a:latin typeface="Courier New"/>
+                <a:ea typeface="Courier New"/>
+                <a:cs typeface="Courier New"/>
+                <a:sym typeface="Courier New"/>
+              </a:rPr>
+              <a:t>w</a:t>
+            </a:r>
+            <a:endParaRPr lang="en-US" sz="3000" i="0" u="none" strike="noStrike" cap="none" dirty="0">
               <a:solidFill>
-                <a:schemeClr val="bg1"/>
+                <a:srgbClr val="00FF00"/>
               </a:solidFill>
               <a:latin typeface="Courier New"/>
               <a:ea typeface="Courier New"/>
               <a:cs typeface="Courier New"/>
               <a:sym typeface="Courier New"/>
             </a:endParaRPr>
-          </a:p>
-          <a:p>
-            <a:pPr marL="0" marR="0" lvl="0" indent="0" algn="l" rtl="0">
-              <a:lnSpc>
-                <a:spcPct val="100000"/>
-              </a:lnSpc>
-              <a:spcBef>
-                <a:spcPts val="0"/>
-              </a:spcBef>
-              <a:spcAft>
-                <a:spcPts val="0"/>
-              </a:spcAft>
-              <a:buClr>
-                <a:schemeClr val="lt1"/>
-              </a:buClr>
-              <a:buSzPct val="25000"/>
-              <a:buFont typeface="Cabin"/>
-              <a:buNone/>
-            </a:pPr>
-            <a:r>
-              <a:rPr lang="en-US" sz="3000" b="1" i="0" u="none" strike="noStrike" cap="none" dirty="0">
-                <a:solidFill>
-                  <a:srgbClr val="00FF00"/>
-                </a:solidFill>
-                <a:latin typeface="Courier New"/>
-                <a:ea typeface="Courier New"/>
-                <a:cs typeface="Courier New"/>
-                <a:sym typeface="Courier New"/>
-              </a:rPr>
-              <a:t>w</a:t>
-            </a:r>
           </a:p>
         </p:txBody>
       </p:sp>
@@ -13172,7 +13188,7 @@
               <a:buNone/>
             </a:pPr>
             <a:r>
-              <a:rPr lang="en-US" sz="2400" b="1">
+              <a:rPr lang="en-US" sz="2400" b="1" dirty="0">
                 <a:solidFill>
                   <a:srgbClr val="FFFF00"/>
                 </a:solidFill>
@@ -13184,7 +13200,7 @@
               <a:t> </a:t>
             </a:r>
             <a:r>
-              <a:rPr lang="en-US" sz="2400" b="1" i="0" u="none" strike="noStrike" cap="none">
+              <a:rPr lang="en-US" sz="2400" i="0" u="none" strike="noStrike" cap="none" dirty="0" err="1">
                 <a:solidFill>
                   <a:srgbClr val="FFFF00"/>
                 </a:solidFill>
@@ -13196,7 +13212,7 @@
               <a:t>def</a:t>
             </a:r>
             <a:r>
-              <a:rPr lang="en-US" sz="2400" b="1" i="0" u="none" strike="noStrike" cap="none">
+              <a:rPr lang="en-US" sz="2400" i="0" u="none" strike="noStrike" cap="none" dirty="0">
                 <a:solidFill>
                   <a:schemeClr val="lt1"/>
                 </a:solidFill>
@@ -13208,7 +13224,7 @@
               <a:t> max(</a:t>
             </a:r>
             <a:r>
-              <a:rPr lang="en-US" sz="2400" b="1" i="0" u="none" strike="noStrike" cap="none">
+              <a:rPr lang="en-US" sz="2400" i="0" u="none" strike="noStrike" cap="none" dirty="0" err="1">
                 <a:solidFill>
                   <a:srgbClr val="00FFFF"/>
                 </a:solidFill>
@@ -13220,7 +13236,7 @@
               <a:t>inp</a:t>
             </a:r>
             <a:r>
-              <a:rPr lang="en-US" sz="2400" b="1" i="0" u="none" strike="noStrike" cap="none">
+              <a:rPr lang="en-US" sz="2400" i="0" u="none" strike="noStrike" cap="none" dirty="0">
                 <a:solidFill>
                   <a:schemeClr val="lt1"/>
                 </a:solidFill>
@@ -13251,7 +13267,7 @@
               <a:buNone/>
             </a:pPr>
             <a:r>
-              <a:rPr lang="en-US" sz="2400" b="1" i="0" u="none" strike="noStrike" cap="none">
+              <a:rPr lang="en-US" sz="2400" i="0" u="none" strike="noStrike" cap="none" dirty="0">
                 <a:solidFill>
                   <a:schemeClr val="lt1"/>
                 </a:solidFill>
@@ -13282,7 +13298,7 @@
               <a:buNone/>
             </a:pPr>
             <a:r>
-              <a:rPr lang="en-US" sz="2400" b="1" i="0" u="none" strike="noStrike" cap="none">
+              <a:rPr lang="en-US" sz="2400" i="0" u="none" strike="noStrike" cap="none" dirty="0">
                 <a:solidFill>
                   <a:schemeClr val="lt1"/>
                 </a:solidFill>
@@ -13313,7 +13329,7 @@
               <a:buNone/>
             </a:pPr>
             <a:r>
-              <a:rPr lang="en-US" sz="2400" b="1" i="0" u="none" strike="noStrike" cap="none">
+              <a:rPr lang="en-US" sz="2400" i="0" u="none" strike="noStrike" cap="none" dirty="0">
                 <a:solidFill>
                   <a:schemeClr val="lt1"/>
                 </a:solidFill>
@@ -13325,7 +13341,7 @@
               <a:t>    </a:t>
             </a:r>
             <a:r>
-              <a:rPr lang="en-US" sz="2400" b="1" i="0" u="none" strike="noStrike" cap="none">
+              <a:rPr lang="en-US" sz="2400" i="0" u="none" strike="noStrike" cap="none" dirty="0">
                 <a:solidFill>
                   <a:srgbClr val="FFFF00"/>
                 </a:solidFill>
@@ -13337,7 +13353,7 @@
               <a:t>for</a:t>
             </a:r>
             <a:r>
-              <a:rPr lang="en-US" sz="2400" b="1" i="0" u="none" strike="noStrike" cap="none">
+              <a:rPr lang="en-US" sz="2400" i="0" u="none" strike="noStrike" cap="none" dirty="0">
                 <a:solidFill>
                   <a:schemeClr val="lt1"/>
                 </a:solidFill>
@@ -13349,7 +13365,7 @@
               <a:t> x </a:t>
             </a:r>
             <a:r>
-              <a:rPr lang="en-US" sz="2400" b="1" i="0" u="none" strike="noStrike" cap="none">
+              <a:rPr lang="en-US" sz="2400" i="0" u="none" strike="noStrike" cap="none" dirty="0">
                 <a:solidFill>
                   <a:srgbClr val="FFFF00"/>
                 </a:solidFill>
@@ -13361,7 +13377,7 @@
               <a:t>in</a:t>
             </a:r>
             <a:r>
-              <a:rPr lang="en-US" sz="2400" b="1" i="0" u="none" strike="noStrike" cap="none">
+              <a:rPr lang="en-US" sz="2400" i="0" u="none" strike="noStrike" cap="none" dirty="0">
                 <a:solidFill>
                   <a:schemeClr val="lt1"/>
                 </a:solidFill>
@@ -13392,7 +13408,7 @@
               <a:buNone/>
             </a:pPr>
             <a:r>
-              <a:rPr lang="en-US" sz="2400" b="1" i="0" u="none" strike="noStrike" cap="none">
+              <a:rPr lang="en-US" sz="2400" i="0" u="none" strike="noStrike" cap="none" dirty="0">
                 <a:solidFill>
                   <a:schemeClr val="lt1"/>
                 </a:solidFill>
@@ -13423,7 +13439,7 @@
               <a:buNone/>
             </a:pPr>
             <a:r>
-              <a:rPr lang="en-US" sz="2400" b="1" i="0" u="none" strike="noStrike" cap="none">
+              <a:rPr lang="en-US" sz="2400" i="0" u="none" strike="noStrike" cap="none" dirty="0">
                 <a:solidFill>
                   <a:schemeClr val="lt1"/>
                 </a:solidFill>
@@ -13454,7 +13470,7 @@
               <a:buNone/>
             </a:pPr>
             <a:r>
-              <a:rPr lang="en-US" sz="2400" b="1" i="0" u="none" strike="noStrike" cap="none">
+              <a:rPr lang="en-US" sz="2400" i="0" u="none" strike="noStrike" cap="none" dirty="0">
                 <a:solidFill>
                   <a:schemeClr val="lt1"/>
                 </a:solidFill>
@@ -13466,7 +13482,7 @@
               <a:t>    </a:t>
             </a:r>
             <a:r>
-              <a:rPr lang="en-US" sz="2400" b="1" i="0" u="none" strike="noStrike" cap="none">
+              <a:rPr lang="en-US" sz="2400" i="0" u="none" strike="noStrike" cap="none" dirty="0">
                 <a:solidFill>
                   <a:srgbClr val="00FF00"/>
                 </a:solidFill>
@@ -13478,7 +13494,7 @@
               <a:t>return </a:t>
             </a:r>
             <a:r>
-              <a:rPr lang="en-US" sz="2400" b="1">
+              <a:rPr lang="en-US" sz="2400" dirty="0">
                 <a:solidFill>
                   <a:srgbClr val="00FF00"/>
                 </a:solidFill>
@@ -13490,7 +13506,7 @@
               <a:t>'</a:t>
             </a:r>
             <a:r>
-              <a:rPr lang="en-US" sz="2400" b="1" i="0" u="none" strike="noStrike" cap="none">
+              <a:rPr lang="en-US" sz="2400" i="0" u="none" strike="noStrike" cap="none" dirty="0">
                 <a:solidFill>
                   <a:srgbClr val="00FF00"/>
                 </a:solidFill>
@@ -13502,7 +13518,7 @@
               <a:t>w</a:t>
             </a:r>
             <a:r>
-              <a:rPr lang="en-US" sz="2400" b="1">
+              <a:rPr lang="en-US" sz="2400" dirty="0">
                 <a:solidFill>
                   <a:srgbClr val="00FF00"/>
                 </a:solidFill>
@@ -13818,7 +13834,7 @@
         <p:spPr>
           <a:xfrm>
             <a:off x="11231561" y="2908300"/>
-            <a:ext cx="2041524" cy="622299"/>
+            <a:ext cx="2479674" cy="622299"/>
           </a:xfrm>
           <a:prstGeom prst="rect">
             <a:avLst/>
@@ -13852,7 +13868,7 @@
               <a:buNone/>
             </a:pPr>
             <a:r>
-              <a:rPr lang="en-US" sz="3600" u="none" strike="noStrike" cap="none">
+              <a:rPr lang="en-US" sz="3600" u="none" strike="noStrike" cap="none" dirty="0">
                 <a:solidFill>
                   <a:srgbClr val="00FFFF"/>
                 </a:solidFill>
@@ -13935,7 +13951,7 @@
               <a:buNone/>
             </a:pPr>
             <a:r>
-              <a:rPr lang="en-US" sz="3600" u="none" strike="noStrike" cap="none">
+              <a:rPr lang="en-US" sz="3600" u="none" strike="noStrike" cap="none" dirty="0">
                 <a:solidFill>
                   <a:srgbClr val="00FF00"/>
                 </a:solidFill>
@@ -13958,7 +13974,7 @@
         <p:spPr>
           <a:xfrm>
             <a:off x="13377862" y="5940425"/>
-            <a:ext cx="19049" cy="711200"/>
+            <a:ext cx="0" cy="711200"/>
           </a:xfrm>
           <a:prstGeom prst="straightConnector1">
             <a:avLst/>
@@ -14308,7 +14324,7 @@
         </p:nvSpPr>
         <p:spPr>
           <a:xfrm>
-            <a:off x="9966100" y="3923300"/>
+            <a:off x="9966100" y="3380664"/>
             <a:ext cx="5481000" cy="3934825"/>
           </a:xfrm>
           <a:prstGeom prst="rect">
@@ -14343,7 +14359,7 @@
               <a:buNone/>
             </a:pPr>
             <a:r>
-              <a:rPr lang="en-US" sz="3000" b="1" i="0" u="none" strike="noStrike" cap="none" dirty="0" err="1">
+              <a:rPr lang="en-US" sz="3000" i="0" u="none" strike="noStrike" cap="none" dirty="0" err="1">
                 <a:solidFill>
                   <a:srgbClr val="FFFF00"/>
                 </a:solidFill>
@@ -14355,7 +14371,7 @@
               <a:t>def</a:t>
             </a:r>
             <a:r>
-              <a:rPr lang="en-US" sz="3000" b="1" i="0" u="none" strike="noStrike" cap="none" dirty="0">
+              <a:rPr lang="en-US" sz="3000" i="0" u="none" strike="noStrike" cap="none" dirty="0">
                 <a:solidFill>
                   <a:schemeClr val="lt1"/>
                 </a:solidFill>
@@ -14367,7 +14383,7 @@
               <a:t> </a:t>
             </a:r>
             <a:r>
-              <a:rPr lang="en-US" sz="3000" b="1" i="0" u="none" strike="noStrike" cap="none" dirty="0" err="1">
+              <a:rPr lang="en-US" sz="3000" i="0" u="none" strike="noStrike" cap="none" dirty="0" err="1">
                 <a:solidFill>
                   <a:srgbClr val="00FF00"/>
                 </a:solidFill>
@@ -14379,7 +14395,7 @@
               <a:t>addtwo</a:t>
             </a:r>
             <a:r>
-              <a:rPr lang="en-US" sz="3000" b="1" i="0" u="none" strike="noStrike" cap="none" dirty="0">
+              <a:rPr lang="en-US" sz="3000" i="0" u="none" strike="noStrike" cap="none" dirty="0">
                 <a:solidFill>
                   <a:schemeClr val="lt1"/>
                 </a:solidFill>
@@ -14391,7 +14407,7 @@
               <a:t>(</a:t>
             </a:r>
             <a:r>
-              <a:rPr lang="en-US" sz="3000" b="1" i="0" u="none" strike="noStrike" cap="none" dirty="0">
+              <a:rPr lang="en-US" sz="3000" i="0" u="none" strike="noStrike" cap="none" dirty="0">
                 <a:solidFill>
                   <a:srgbClr val="00FFFF"/>
                 </a:solidFill>
@@ -14403,7 +14419,7 @@
               <a:t>a, b</a:t>
             </a:r>
             <a:r>
-              <a:rPr lang="en-US" sz="3000" b="1" i="0" u="none" strike="noStrike" cap="none" dirty="0">
+              <a:rPr lang="en-US" sz="3000" i="0" u="none" strike="noStrike" cap="none" dirty="0">
                 <a:solidFill>
                   <a:schemeClr val="lt1"/>
                 </a:solidFill>
@@ -14434,7 +14450,7 @@
               <a:buNone/>
             </a:pPr>
             <a:r>
-              <a:rPr lang="en-US" sz="3000" b="1" i="0" u="none" strike="noStrike" cap="none" dirty="0">
+              <a:rPr lang="en-US" sz="3000" i="0" u="none" strike="noStrike" cap="none" dirty="0">
                 <a:solidFill>
                   <a:schemeClr val="lt1"/>
                 </a:solidFill>
@@ -14446,7 +14462,7 @@
               <a:t>    added = </a:t>
             </a:r>
             <a:r>
-              <a:rPr lang="en-US" sz="3000" b="1" i="0" u="none" strike="noStrike" cap="none" dirty="0">
+              <a:rPr lang="en-US" sz="3000" i="0" u="none" strike="noStrike" cap="none" dirty="0">
                 <a:solidFill>
                   <a:srgbClr val="00FFFF"/>
                 </a:solidFill>
@@ -14458,7 +14474,7 @@
               <a:t>a</a:t>
             </a:r>
             <a:r>
-              <a:rPr lang="en-US" sz="3000" b="1" i="0" u="none" strike="noStrike" cap="none" dirty="0">
+              <a:rPr lang="en-US" sz="3000" i="0" u="none" strike="noStrike" cap="none" dirty="0">
                 <a:solidFill>
                   <a:schemeClr val="lt1"/>
                 </a:solidFill>
@@ -14470,7 +14486,7 @@
               <a:t> + </a:t>
             </a:r>
             <a:r>
-              <a:rPr lang="en-US" sz="3000" b="1" i="0" u="none" strike="noStrike" cap="none" dirty="0">
+              <a:rPr lang="en-US" sz="3000" i="0" u="none" strike="noStrike" cap="none" dirty="0">
                 <a:solidFill>
                   <a:srgbClr val="00FFFF"/>
                 </a:solidFill>
@@ -14501,7 +14517,7 @@
               <a:buNone/>
             </a:pPr>
             <a:r>
-              <a:rPr lang="en-US" sz="3000" b="1" i="0" u="none" strike="noStrike" cap="none" dirty="0">
+              <a:rPr lang="en-US" sz="3000" i="0" u="none" strike="noStrike" cap="none" dirty="0">
                 <a:solidFill>
                   <a:schemeClr val="lt1"/>
                 </a:solidFill>
@@ -14513,7 +14529,7 @@
               <a:t>    </a:t>
             </a:r>
             <a:r>
-              <a:rPr lang="en-US" sz="3000" b="1" i="0" u="none" strike="noStrike" cap="none" dirty="0">
+              <a:rPr lang="en-US" sz="3000" i="0" u="none" strike="noStrike" cap="none" dirty="0">
                 <a:solidFill>
                   <a:srgbClr val="FFFF00"/>
                 </a:solidFill>
@@ -14525,7 +14541,7 @@
               <a:t>return</a:t>
             </a:r>
             <a:r>
-              <a:rPr lang="en-US" sz="3000" b="1" i="0" u="none" strike="noStrike" cap="none" dirty="0">
+              <a:rPr lang="en-US" sz="3000" i="0" u="none" strike="noStrike" cap="none" dirty="0">
                 <a:solidFill>
                   <a:schemeClr val="lt1"/>
                 </a:solidFill>
@@ -14554,7 +14570,7 @@
               <a:buFont typeface="Cabin"/>
               <a:buNone/>
             </a:pPr>
-            <a:endParaRPr sz="3000" b="1" dirty="0">
+            <a:endParaRPr sz="3000" dirty="0">
               <a:solidFill>
                 <a:schemeClr val="lt1"/>
               </a:solidFill>
@@ -14583,7 +14599,7 @@
               <a:buNone/>
             </a:pPr>
             <a:r>
-              <a:rPr lang="en-US" sz="3000" b="1" i="0" u="none" strike="noStrike" cap="none" dirty="0">
+              <a:rPr lang="en-US" sz="3000" i="0" u="none" strike="noStrike" cap="none" dirty="0">
                 <a:solidFill>
                   <a:schemeClr val="lt1"/>
                 </a:solidFill>
@@ -14595,7 +14611,7 @@
               <a:t>x = </a:t>
             </a:r>
             <a:r>
-              <a:rPr lang="en-US" sz="3000" b="1" i="0" u="none" strike="noStrike" cap="none" dirty="0" err="1">
+              <a:rPr lang="en-US" sz="3000" i="0" u="none" strike="noStrike" cap="none" dirty="0" err="1">
                 <a:solidFill>
                   <a:srgbClr val="00FF00"/>
                 </a:solidFill>
@@ -14607,7 +14623,7 @@
               <a:t>addtwo</a:t>
             </a:r>
             <a:r>
-              <a:rPr lang="en-US" sz="3000" b="1" i="0" u="none" strike="noStrike" cap="none" dirty="0">
+              <a:rPr lang="en-US" sz="3000" i="0" u="none" strike="noStrike" cap="none" dirty="0">
                 <a:solidFill>
                   <a:schemeClr val="lt1"/>
                 </a:solidFill>
@@ -14619,7 +14635,7 @@
               <a:t>(</a:t>
             </a:r>
             <a:r>
-              <a:rPr lang="en-US" sz="3000" b="1" i="0" u="none" strike="noStrike" cap="none" dirty="0">
+              <a:rPr lang="en-US" sz="3000" i="0" u="none" strike="noStrike" cap="none" dirty="0">
                 <a:solidFill>
                   <a:srgbClr val="FF7F00"/>
                 </a:solidFill>
@@ -14631,7 +14647,7 @@
               <a:t>3, 5</a:t>
             </a:r>
             <a:r>
-              <a:rPr lang="en-US" sz="3000" b="1" i="0" u="none" strike="noStrike" cap="none" dirty="0">
+              <a:rPr lang="en-US" sz="3000" i="0" u="none" strike="noStrike" cap="none" dirty="0">
                 <a:solidFill>
                   <a:schemeClr val="lt1"/>
                 </a:solidFill>
@@ -14662,7 +14678,7 @@
               <a:buNone/>
             </a:pPr>
             <a:r>
-              <a:rPr lang="en-US" sz="3000" b="1" i="0" u="none" strike="noStrike" cap="none" dirty="0" smtClean="0">
+              <a:rPr lang="en-US" sz="3000" i="0" u="none" strike="noStrike" cap="none" dirty="0" smtClean="0">
                 <a:solidFill>
                   <a:srgbClr val="FFFF00"/>
                 </a:solidFill>
@@ -14674,7 +14690,7 @@
               <a:t>print</a:t>
             </a:r>
             <a:r>
-              <a:rPr lang="en-US" sz="3000" b="1" dirty="0" smtClean="0">
+              <a:rPr lang="en-US" sz="3000" dirty="0" smtClean="0">
                 <a:solidFill>
                   <a:schemeClr val="lt1"/>
                 </a:solidFill>
@@ -14686,7 +14702,7 @@
               <a:t>(</a:t>
             </a:r>
             <a:r>
-              <a:rPr lang="en-US" sz="3000" b="1" i="0" u="none" strike="noStrike" cap="none" dirty="0" smtClean="0">
+              <a:rPr lang="en-US" sz="3000" i="0" u="none" strike="noStrike" cap="none" dirty="0" smtClean="0">
                 <a:solidFill>
                   <a:schemeClr val="lt1"/>
                 </a:solidFill>
@@ -14716,7 +14732,7 @@
               <a:buFont typeface="Cabin"/>
               <a:buNone/>
             </a:pPr>
-            <a:endParaRPr lang="en-US" sz="3000" b="1" i="0" u="none" strike="noStrike" cap="none" dirty="0">
+            <a:endParaRPr lang="en-US" sz="3000" i="0" u="none" strike="noStrike" cap="none" dirty="0">
               <a:solidFill>
                 <a:schemeClr val="lt1"/>
               </a:solidFill>
@@ -14745,9 +14761,9 @@
               <a:buNone/>
             </a:pPr>
             <a:r>
-              <a:rPr lang="en-US" sz="3000" b="1" dirty="0">
-                <a:solidFill>
-                  <a:srgbClr val="00B050"/>
+              <a:rPr lang="en-US" sz="3000" dirty="0">
+                <a:solidFill>
+                  <a:srgbClr val="00FF00"/>
                 </a:solidFill>
                 <a:latin typeface="Courier New"/>
                 <a:ea typeface="Courier New"/>
@@ -15173,7 +15189,7 @@
               <a:buNone/>
             </a:pPr>
             <a:r>
-              <a:rPr lang="en-US" sz="2500" b="1" i="0" u="none" strike="noStrike" cap="none" dirty="0" err="1">
+              <a:rPr lang="en-US" sz="2500" i="0" u="none" strike="noStrike" cap="none" dirty="0" err="1">
                 <a:solidFill>
                   <a:srgbClr val="FFFF00"/>
                 </a:solidFill>
@@ -15185,7 +15201,7 @@
               <a:t>def</a:t>
             </a:r>
             <a:r>
-              <a:rPr lang="en-US" sz="2500" b="1" i="0" u="none" strike="noStrike" cap="none" dirty="0">
+              <a:rPr lang="en-US" sz="2500" i="0" u="none" strike="noStrike" cap="none" dirty="0">
                 <a:solidFill>
                   <a:srgbClr val="FF7F00"/>
                 </a:solidFill>
@@ -15216,7 +15232,7 @@
               <a:buNone/>
             </a:pPr>
             <a:r>
-              <a:rPr lang="en-US" sz="2500" b="1" i="0" u="none" strike="noStrike" cap="none" dirty="0">
+              <a:rPr lang="en-US" sz="2500" i="0" u="none" strike="noStrike" cap="none" dirty="0">
                 <a:solidFill>
                   <a:srgbClr val="FF7F00"/>
                 </a:solidFill>
@@ -15228,7 +15244,7 @@
               <a:t>    </a:t>
             </a:r>
             <a:r>
-              <a:rPr lang="en-US" sz="2500" b="1" i="0" u="none" strike="noStrike" cap="none" dirty="0" smtClean="0">
+              <a:rPr lang="en-US" sz="2500" i="0" u="none" strike="noStrike" cap="none" dirty="0" smtClean="0">
                 <a:solidFill>
                   <a:srgbClr val="FFFF00"/>
                 </a:solidFill>
@@ -15240,7 +15256,7 @@
               <a:t>print</a:t>
             </a:r>
             <a:r>
-              <a:rPr lang="en-US" sz="2500" b="1" dirty="0">
+              <a:rPr lang="en-US" sz="2500" dirty="0">
                 <a:solidFill>
                   <a:srgbClr val="FF7F00"/>
                 </a:solidFill>
@@ -15252,7 +15268,7 @@
               <a:t>(</a:t>
             </a:r>
             <a:r>
-              <a:rPr lang="en-US" sz="2500" b="1" i="0" u="none" strike="noStrike" cap="none" dirty="0" smtClean="0">
+              <a:rPr lang="en-US" sz="2500" i="0" u="none" strike="noStrike" cap="none" dirty="0" smtClean="0">
                 <a:solidFill>
                   <a:srgbClr val="FF7F00"/>
                 </a:solidFill>
@@ -15264,7 +15280,7 @@
               <a:t>'Hello</a:t>
             </a:r>
             <a:r>
-              <a:rPr lang="en-US" sz="2500" b="1" dirty="0" smtClean="0">
+              <a:rPr lang="en-US" sz="2500" dirty="0" smtClean="0">
                 <a:solidFill>
                   <a:srgbClr val="FF7F00"/>
                 </a:solidFill>
@@ -15275,7 +15291,7 @@
               </a:rPr>
               <a:t>')</a:t>
             </a:r>
-            <a:endParaRPr lang="en-US" sz="2500" b="1" dirty="0">
+            <a:endParaRPr lang="en-US" sz="2500" dirty="0">
               <a:solidFill>
                 <a:srgbClr val="FF7F00"/>
               </a:solidFill>
@@ -15304,7 +15320,7 @@
               <a:buNone/>
             </a:pPr>
             <a:r>
-              <a:rPr lang="en-US" sz="2500" b="1" i="0" u="none" strike="noStrike" cap="none" dirty="0">
+              <a:rPr lang="en-US" sz="2500" i="0" u="none" strike="noStrike" cap="none" dirty="0">
                 <a:solidFill>
                   <a:srgbClr val="FF7F00"/>
                 </a:solidFill>
@@ -15316,7 +15332,7 @@
               <a:t>    </a:t>
             </a:r>
             <a:r>
-              <a:rPr lang="en-US" sz="2500" b="1" i="0" u="none" strike="noStrike" cap="none" dirty="0" smtClean="0">
+              <a:rPr lang="en-US" sz="2500" i="0" u="none" strike="noStrike" cap="none" dirty="0" smtClean="0">
                 <a:solidFill>
                   <a:srgbClr val="FFFF00"/>
                 </a:solidFill>
@@ -15328,7 +15344,7 @@
               <a:t>print</a:t>
             </a:r>
             <a:r>
-              <a:rPr lang="en-US" sz="2500" b="1" dirty="0">
+              <a:rPr lang="en-US" sz="2500" dirty="0">
                 <a:solidFill>
                   <a:srgbClr val="FF7F00"/>
                 </a:solidFill>
@@ -15340,7 +15356,7 @@
               <a:t>(</a:t>
             </a:r>
             <a:r>
-              <a:rPr lang="en-US" sz="2500" b="1" i="0" u="none" strike="noStrike" cap="none" dirty="0" smtClean="0">
+              <a:rPr lang="en-US" sz="2500" i="0" u="none" strike="noStrike" cap="none" dirty="0" smtClean="0">
                 <a:solidFill>
                   <a:srgbClr val="FF7F00"/>
                 </a:solidFill>
@@ -15352,7 +15368,7 @@
               <a:t>'Fun</a:t>
             </a:r>
             <a:r>
-              <a:rPr lang="en-US" sz="2500" b="1" dirty="0" smtClean="0">
+              <a:rPr lang="en-US" sz="2500" dirty="0" smtClean="0">
                 <a:solidFill>
                   <a:srgbClr val="FF7F00"/>
                 </a:solidFill>
@@ -15363,7 +15379,7 @@
               </a:rPr>
               <a:t>')</a:t>
             </a:r>
-            <a:endParaRPr lang="en-US" sz="2500" b="1" dirty="0">
+            <a:endParaRPr lang="en-US" sz="2500" dirty="0">
               <a:solidFill>
                 <a:srgbClr val="FF7F00"/>
               </a:solidFill>
@@ -15392,7 +15408,7 @@
               <a:buNone/>
             </a:pPr>
             <a:r>
-              <a:rPr lang="en-US" sz="2500" b="1" i="0" u="none" strike="noStrike" cap="none" dirty="0">
+              <a:rPr lang="en-US" sz="2500" i="0" u="none" strike="noStrike" cap="none" dirty="0">
                 <a:solidFill>
                   <a:srgbClr val="FF7F00"/>
                 </a:solidFill>
@@ -15423,7 +15439,7 @@
               <a:buNone/>
             </a:pPr>
             <a:r>
-              <a:rPr lang="en-US" sz="2500" b="1" i="0" u="none" strike="noStrike" cap="none" dirty="0">
+              <a:rPr lang="en-US" sz="2500" i="0" u="none" strike="noStrike" cap="none" dirty="0">
                 <a:solidFill>
                   <a:srgbClr val="FF7F00"/>
                 </a:solidFill>
@@ -15454,7 +15470,7 @@
               <a:buNone/>
             </a:pPr>
             <a:r>
-              <a:rPr lang="en-US" sz="2500" b="1" i="0" u="none" strike="noStrike" cap="none" dirty="0" smtClean="0">
+              <a:rPr lang="en-US" sz="2500" i="0" u="none" strike="noStrike" cap="none" dirty="0" smtClean="0">
                 <a:solidFill>
                   <a:srgbClr val="FFFF00"/>
                 </a:solidFill>
@@ -15466,7 +15482,7 @@
               <a:t>print</a:t>
             </a:r>
             <a:r>
-              <a:rPr lang="en-US" sz="2500" b="1" dirty="0">
+              <a:rPr lang="en-US" sz="2500" dirty="0">
                 <a:solidFill>
                   <a:srgbClr val="FF7F00"/>
                 </a:solidFill>
@@ -15478,7 +15494,7 @@
               <a:t>(</a:t>
             </a:r>
             <a:r>
-              <a:rPr lang="en-US" sz="2500" b="1" i="0" u="none" strike="noStrike" cap="none" dirty="0" smtClean="0">
+              <a:rPr lang="en-US" sz="2500" i="0" u="none" strike="noStrike" cap="none" dirty="0" smtClean="0">
                 <a:solidFill>
                   <a:srgbClr val="FF7F00"/>
                 </a:solidFill>
@@ -15490,7 +15506,7 @@
               <a:t>'Zip</a:t>
             </a:r>
             <a:r>
-              <a:rPr lang="en-US" sz="2500" b="1" dirty="0" smtClean="0">
+              <a:rPr lang="en-US" sz="2500" dirty="0" smtClean="0">
                 <a:solidFill>
                   <a:srgbClr val="FF7F00"/>
                 </a:solidFill>
@@ -15501,7 +15517,7 @@
               </a:rPr>
               <a:t>')</a:t>
             </a:r>
-            <a:endParaRPr lang="en-US" sz="2500" b="1" dirty="0">
+            <a:endParaRPr lang="en-US" sz="2500" dirty="0">
               <a:solidFill>
                 <a:srgbClr val="FF7F00"/>
               </a:solidFill>
@@ -15530,7 +15546,7 @@
               <a:buNone/>
             </a:pPr>
             <a:r>
-              <a:rPr lang="en-US" sz="2500" b="1" i="0" u="none" strike="noStrike" cap="none" dirty="0">
+              <a:rPr lang="en-US" sz="2500" i="0" u="none" strike="noStrike" cap="none" dirty="0">
                 <a:solidFill>
                   <a:srgbClr val="FF7F00"/>
                 </a:solidFill>
@@ -15792,22 +15808,11 @@
             </a:endParaRPr>
           </a:p>
           <a:p>
-            <a:pPr marL="0" marR="0" lvl="0" indent="0" algn="ctr" rtl="0">
-              <a:lnSpc>
-                <a:spcPct val="100000"/>
-              </a:lnSpc>
-              <a:spcBef>
-                <a:spcPts val="0"/>
-              </a:spcBef>
-              <a:spcAft>
-                <a:spcPts val="0"/>
-              </a:spcAft>
+            <a:pPr lvl="0" algn="ctr">
               <a:buClr>
                 <a:schemeClr val="lt1"/>
               </a:buClr>
               <a:buSzPct val="25000"/>
-              <a:buFont typeface="Cabin"/>
-              <a:buNone/>
             </a:pPr>
             <a:r>
               <a:rPr lang="en-US" sz="3500" dirty="0" smtClean="0">
@@ -15822,6 +15827,18 @@
               <a:t>print</a:t>
             </a:r>
             <a:r>
+              <a:rPr lang="en-US" sz="3500" dirty="0" smtClean="0">
+                <a:solidFill>
+                  <a:schemeClr val="lt1"/>
+                </a:solidFill>
+                <a:latin typeface="Arial" charset="0"/>
+                <a:ea typeface="Arial" charset="0"/>
+                <a:cs typeface="Arial" charset="0"/>
+                <a:sym typeface="Cabin"/>
+              </a:rPr>
+              <a:t>(</a:t>
+            </a:r>
+            <a:r>
               <a:rPr lang="en-US" sz="3500" dirty="0">
                 <a:solidFill>
                   <a:schemeClr val="lt1"/>
@@ -15831,7 +15848,7 @@
                 <a:cs typeface="Arial" charset="0"/>
                 <a:sym typeface="Cabin"/>
               </a:rPr>
-              <a:t>(</a:t>
+              <a:t>'</a:t>
             </a:r>
             <a:r>
               <a:rPr lang="en-US" sz="3500" dirty="0" smtClean="0">
@@ -15843,7 +15860,31 @@
                 <a:cs typeface="Arial" charset="0"/>
                 <a:sym typeface="Cabin"/>
               </a:rPr>
-              <a:t>‘Fun’)</a:t>
+              <a:t>Fun</a:t>
+            </a:r>
+            <a:r>
+              <a:rPr lang="en-US" sz="3500" dirty="0">
+                <a:solidFill>
+                  <a:schemeClr val="lt1"/>
+                </a:solidFill>
+                <a:latin typeface="Arial" charset="0"/>
+                <a:ea typeface="Arial" charset="0"/>
+                <a:cs typeface="Arial" charset="0"/>
+                <a:sym typeface="Cabin"/>
+              </a:rPr>
+              <a:t>'</a:t>
+            </a:r>
+            <a:r>
+              <a:rPr lang="en-US" sz="3500" dirty="0" smtClean="0">
+                <a:solidFill>
+                  <a:schemeClr val="lt1"/>
+                </a:solidFill>
+                <a:latin typeface="Arial" charset="0"/>
+                <a:ea typeface="Arial" charset="0"/>
+                <a:cs typeface="Arial" charset="0"/>
+                <a:sym typeface="Cabin"/>
+              </a:rPr>
+              <a:t>)</a:t>
             </a:r>
             <a:endParaRPr lang="en-US" sz="3500" dirty="0">
               <a:solidFill>
@@ -16046,7 +16087,7 @@
         </p:nvSpPr>
         <p:spPr>
           <a:xfrm>
-            <a:off x="3527424" y="7623775"/>
+            <a:off x="3850696" y="7773866"/>
             <a:ext cx="8802689" cy="622199"/>
           </a:xfrm>
           <a:prstGeom prst="rect">
@@ -16081,7 +16122,7 @@
               <a:buNone/>
             </a:pPr>
             <a:r>
-              <a:rPr lang="en-US" sz="2400" u="none" strike="noStrike" cap="none">
+              <a:rPr lang="en-US" sz="2800" u="none" strike="noStrike" cap="none" dirty="0">
                 <a:solidFill>
                   <a:schemeClr val="lt1"/>
                 </a:solidFill>
@@ -16093,7 +16134,7 @@
               <a:t>We call these reusable pieces of code </a:t>
             </a:r>
             <a:r>
-              <a:rPr lang="en-US" sz="2400" b="0" i="0" u="none" strike="noStrike" cap="none">
+              <a:rPr lang="en-US" sz="2800" b="0" i="0" u="none" strike="noStrike" cap="none" dirty="0">
                 <a:solidFill>
                   <a:schemeClr val="lt1"/>
                 </a:solidFill>
@@ -16102,7 +16143,7 @@
               <a:t>“</a:t>
             </a:r>
             <a:r>
-              <a:rPr lang="en-US" sz="2400" u="none" strike="noStrike" cap="none">
+              <a:rPr lang="en-US" sz="2800" u="none" strike="noStrike" cap="none" dirty="0">
                 <a:solidFill>
                   <a:schemeClr val="lt1"/>
                 </a:solidFill>
@@ -16114,7 +16155,7 @@
               <a:t>functions</a:t>
             </a:r>
             <a:r>
-              <a:rPr lang="en-US" sz="2400" b="0" i="0" u="none" strike="noStrike" cap="none">
+              <a:rPr lang="en-US" sz="2800" b="0" i="0" u="none" strike="noStrike" cap="none" dirty="0">
                 <a:solidFill>
                   <a:schemeClr val="lt1"/>
                 </a:solidFill>
@@ -16344,7 +16385,7 @@
               <a:buNone/>
             </a:pPr>
             <a:r>
-              <a:rPr lang="en-US" sz="3500" u="none" strike="noStrike" cap="none">
+              <a:rPr lang="en-US" sz="3500" u="none" strike="noStrike" cap="none" dirty="0">
                 <a:solidFill>
                   <a:srgbClr val="FFFF00"/>
                 </a:solidFill>
@@ -16356,7 +16397,7 @@
               <a:t>print</a:t>
             </a:r>
             <a:r>
-              <a:rPr lang="en-US" sz="3500" u="none" strike="noStrike" cap="none">
+              <a:rPr lang="en-US" sz="3500" u="none" strike="noStrike" cap="none" dirty="0">
                 <a:solidFill>
                   <a:schemeClr val="lt1"/>
                 </a:solidFill>
@@ -16368,7 +16409,7 @@
               <a:t> </a:t>
             </a:r>
             <a:r>
-              <a:rPr lang="en-US" sz="3500">
+              <a:rPr lang="en-US" sz="3500" dirty="0">
                 <a:solidFill>
                   <a:schemeClr val="lt1"/>
                 </a:solidFill>
@@ -16380,7 +16421,7 @@
               <a:t>'</a:t>
             </a:r>
             <a:r>
-              <a:rPr lang="en-US" sz="3500" u="none" strike="noStrike" cap="none">
+              <a:rPr lang="en-US" sz="3500" u="none" strike="noStrike" cap="none" dirty="0">
                 <a:solidFill>
                   <a:schemeClr val="lt1"/>
                 </a:solidFill>
@@ -16392,7 +16433,7 @@
               <a:t>Zip</a:t>
             </a:r>
             <a:r>
-              <a:rPr lang="en-US" sz="3500">
+              <a:rPr lang="en-US" sz="3500" dirty="0">
                 <a:solidFill>
                   <a:schemeClr val="lt1"/>
                 </a:solidFill>
@@ -16414,7 +16455,7 @@
   <p:timing>
     <p:tnLst>
       <p:par>
-        <p:cTn id="1" dur="indefinite" restart="never" nodeType="tmRoot"/>
+        <p:cTn xmlns:p14="http://schemas.microsoft.com/office/powerpoint/2010/main" id="1" dur="indefinite" restart="never" nodeType="tmRoot"/>
       </p:par>
     </p:tnLst>
   </p:timing>
@@ -17188,8 +17229,8 @@
         </p:nvSpPr>
         <p:spPr>
           <a:xfrm>
-            <a:off x="3136900" y="2133600"/>
-            <a:ext cx="10706100" cy="4013200"/>
+            <a:off x="3136900" y="2133599"/>
+            <a:ext cx="10706100" cy="4712855"/>
           </a:xfrm>
           <a:prstGeom prst="rect">
             <a:avLst/>
@@ -17223,7 +17264,7 @@
               <a:buNone/>
             </a:pPr>
             <a:r>
-              <a:rPr lang="en-US" sz="3800" u="none" strike="noStrike" cap="none">
+              <a:rPr lang="en-US" sz="3800" u="none" strike="noStrike" cap="none" dirty="0">
                 <a:solidFill>
                   <a:schemeClr val="lt1"/>
                 </a:solidFill>
@@ -17235,7 +17276,7 @@
               <a:t>Rewrite your pay computation with time-and-a-half for overtime and create a function called </a:t>
             </a:r>
             <a:r>
-              <a:rPr lang="en-US" sz="3800" u="none" strike="noStrike" cap="none">
+              <a:rPr lang="en-US" sz="3800" u="none" strike="noStrike" cap="none" dirty="0" err="1">
                 <a:solidFill>
                   <a:srgbClr val="00FF00"/>
                 </a:solidFill>
@@ -17247,7 +17288,7 @@
               <a:t>computepay</a:t>
             </a:r>
             <a:r>
-              <a:rPr lang="en-US" sz="3800" u="none" strike="noStrike" cap="none">
+              <a:rPr lang="en-US" sz="3800" u="none" strike="noStrike" cap="none" dirty="0">
                 <a:solidFill>
                   <a:schemeClr val="lt1"/>
                 </a:solidFill>
@@ -17276,7 +17317,7 @@
               <a:buFont typeface="Cabin"/>
               <a:buNone/>
             </a:pPr>
-            <a:endParaRPr sz="3800">
+            <a:endParaRPr sz="3800" dirty="0">
               <a:solidFill>
                 <a:schemeClr val="lt1"/>
               </a:solidFill>
@@ -17305,7 +17346,7 @@
               <a:buNone/>
             </a:pPr>
             <a:r>
-              <a:rPr lang="en-US" sz="3800" u="none" strike="noStrike" cap="none">
+              <a:rPr lang="en-US" sz="3800" u="none" strike="noStrike" cap="none" dirty="0">
                 <a:solidFill>
                   <a:schemeClr val="lt1"/>
                 </a:solidFill>
@@ -17317,7 +17358,7 @@
               <a:t>Enter Hours: </a:t>
             </a:r>
             <a:r>
-              <a:rPr lang="en-US" sz="3800" u="none" strike="noStrike" cap="none">
+              <a:rPr lang="en-US" sz="3800" u="none" strike="noStrike" cap="none" dirty="0">
                 <a:solidFill>
                   <a:srgbClr val="FFFF00"/>
                 </a:solidFill>
@@ -17348,7 +17389,7 @@
               <a:buNone/>
             </a:pPr>
             <a:r>
-              <a:rPr lang="en-US" sz="3800" u="none" strike="noStrike" cap="none">
+              <a:rPr lang="en-US" sz="3800" u="none" strike="noStrike" cap="none" dirty="0">
                 <a:solidFill>
                   <a:schemeClr val="lt1"/>
                 </a:solidFill>
@@ -17360,7 +17401,7 @@
               <a:t>Enter Rate: </a:t>
             </a:r>
             <a:r>
-              <a:rPr lang="en-US" sz="3800" u="none" strike="noStrike" cap="none">
+              <a:rPr lang="en-US" sz="3800" u="none" strike="noStrike" cap="none" dirty="0">
                 <a:solidFill>
                   <a:srgbClr val="FFFF00"/>
                 </a:solidFill>
@@ -17372,7 +17413,7 @@
               <a:t>10</a:t>
             </a:r>
             <a:r>
-              <a:rPr lang="en-US" sz="3800" u="none" strike="noStrike" cap="none">
+              <a:rPr lang="en-US" sz="3800" u="none" strike="noStrike" cap="none" dirty="0">
                 <a:solidFill>
                   <a:schemeClr val="lt1"/>
                 </a:solidFill>
@@ -17383,6 +17424,15 @@
               </a:rPr>
               <a:t> </a:t>
             </a:r>
+            <a:endParaRPr lang="en-US" sz="3800" u="none" strike="noStrike" cap="none" dirty="0" smtClean="0">
+              <a:solidFill>
+                <a:schemeClr val="lt1"/>
+              </a:solidFill>
+              <a:latin typeface="Arial" charset="0"/>
+              <a:ea typeface="Arial" charset="0"/>
+              <a:cs typeface="Arial" charset="0"/>
+              <a:sym typeface="Cabin"/>
+            </a:endParaRPr>
           </a:p>
           <a:p>
             <a:pPr marL="0" marR="0" lvl="0" indent="0" algn="l" rtl="0">
@@ -17402,8 +17452,36 @@
               <a:buFont typeface="Cabin"/>
               <a:buNone/>
             </a:pPr>
-            <a:r>
-              <a:rPr lang="en-US" sz="3800" u="none" strike="noStrike" cap="none">
+            <a:endParaRPr lang="en-US" sz="3800" u="none" strike="noStrike" cap="none" dirty="0">
+              <a:solidFill>
+                <a:schemeClr val="lt1"/>
+              </a:solidFill>
+              <a:latin typeface="Arial" charset="0"/>
+              <a:ea typeface="Arial" charset="0"/>
+              <a:cs typeface="Arial" charset="0"/>
+              <a:sym typeface="Cabin"/>
+            </a:endParaRPr>
+          </a:p>
+          <a:p>
+            <a:pPr marL="0" marR="0" lvl="0" indent="0" algn="l" rtl="0">
+              <a:lnSpc>
+                <a:spcPct val="100000"/>
+              </a:lnSpc>
+              <a:spcBef>
+                <a:spcPts val="0"/>
+              </a:spcBef>
+              <a:spcAft>
+                <a:spcPts val="0"/>
+              </a:spcAft>
+              <a:buClr>
+                <a:schemeClr val="lt1"/>
+              </a:buClr>
+              <a:buSzPct val="25000"/>
+              <a:buFont typeface="Cabin"/>
+              <a:buNone/>
+            </a:pPr>
+            <a:r>
+              <a:rPr lang="en-US" sz="3800" u="none" strike="noStrike" cap="none" dirty="0">
                 <a:solidFill>
                   <a:schemeClr val="lt1"/>
                 </a:solidFill>
@@ -17425,7 +17503,7 @@
         </p:nvSpPr>
         <p:spPr>
           <a:xfrm>
-            <a:off x="9896475" y="6731000"/>
+            <a:off x="9746384" y="7061200"/>
             <a:ext cx="5233988" cy="660400"/>
           </a:xfrm>
           <a:prstGeom prst="rect">
@@ -17542,7 +17620,7 @@
               <a:buNone/>
             </a:pPr>
             <a:r>
-              <a:rPr lang="en-US" sz="7600" u="none" strike="noStrike" cap="none" smtClean="0">
+              <a:rPr lang="en-US" sz="7600" u="none" strike="noStrike" cap="none" dirty="0" smtClean="0">
                 <a:solidFill>
                   <a:srgbClr val="FFFF00"/>
                 </a:solidFill>
@@ -17553,7 +17631,7 @@
               </a:rPr>
               <a:t>Summary</a:t>
             </a:r>
-            <a:endParaRPr lang="en-US" sz="7600" u="none" strike="noStrike" cap="none">
+            <a:endParaRPr lang="en-US" sz="7600" u="none" strike="noStrike" cap="none" dirty="0">
               <a:solidFill>
                 <a:srgbClr val="FFFF00"/>
               </a:solidFill>
@@ -17576,6 +17654,10 @@
           </p:nvPr>
         </p:nvSpPr>
         <p:spPr>
+          <a:xfrm>
+            <a:off x="1155700" y="2886163"/>
+            <a:ext cx="13932000" cy="5702399"/>
+          </a:xfrm>
           <a:prstGeom prst="rect">
             <a:avLst/>
           </a:prstGeom>
@@ -17608,7 +17690,7 @@
               <a:buChar char="•"/>
             </a:pPr>
             <a:r>
-              <a:rPr lang="en-US" sz="3600" smtClean="0">
+              <a:rPr lang="en-US" sz="3600" dirty="0" smtClean="0">
                 <a:solidFill>
                   <a:schemeClr val="lt1"/>
                 </a:solidFill>
@@ -17639,7 +17721,7 @@
               <a:buChar char="•"/>
             </a:pPr>
             <a:r>
-              <a:rPr lang="en-US" sz="3600" smtClean="0">
+              <a:rPr lang="en-US" sz="3600" dirty="0" smtClean="0">
                 <a:solidFill>
                   <a:schemeClr val="lt1"/>
                 </a:solidFill>
@@ -17670,7 +17752,7 @@
               <a:buChar char="•"/>
             </a:pPr>
             <a:r>
-              <a:rPr lang="en-US" sz="3600" smtClean="0">
+              <a:rPr lang="en-US" sz="3600" dirty="0" smtClean="0">
                 <a:solidFill>
                   <a:schemeClr val="lt1"/>
                 </a:solidFill>
@@ -17701,7 +17783,7 @@
               <a:buChar char="•"/>
             </a:pPr>
             <a:r>
-              <a:rPr lang="en-US" sz="3600" smtClean="0">
+              <a:rPr lang="en-US" sz="3600" dirty="0" smtClean="0">
                 <a:solidFill>
                   <a:schemeClr val="lt1"/>
                 </a:solidFill>
@@ -17712,7 +17794,7 @@
               </a:rPr>
               <a:t>Why use functions?</a:t>
             </a:r>
-            <a:endParaRPr lang="en-US" sz="3600">
+            <a:endParaRPr lang="en-US" sz="3600" dirty="0">
               <a:solidFill>
                 <a:schemeClr val="lt1"/>
               </a:solidFill>
@@ -17736,7 +17818,7 @@
         </p:nvSpPr>
         <p:spPr>
           <a:xfrm>
-            <a:off x="8329612" y="2354262"/>
+            <a:off x="8329612" y="2874718"/>
             <a:ext cx="6370638" cy="4967288"/>
           </a:xfrm>
           <a:prstGeom prst="rect">
@@ -18689,7 +18771,7 @@
   <p:timing>
     <p:tnLst>
       <p:par>
-        <p:cTn id="1" dur="indefinite" restart="never" nodeType="tmRoot"/>
+        <p:cTn xmlns:p14="http://schemas.microsoft.com/office/powerpoint/2010/main" id="1" dur="indefinite" restart="never" nodeType="tmRoot"/>
       </p:par>
     </p:tnLst>
   </p:timing>
@@ -19065,7 +19147,7 @@
   <p:timing>
     <p:tnLst>
       <p:par>
-        <p:cTn id="1" dur="indefinite" restart="never" nodeType="tmRoot"/>
+        <p:cTn xmlns:p14="http://schemas.microsoft.com/office/powerpoint/2010/main" id="1" dur="indefinite" restart="never" nodeType="tmRoot"/>
       </p:par>
     </p:tnLst>
   </p:timing>
@@ -19722,8 +19804,8 @@
         </p:nvCxnSpPr>
         <p:spPr>
           <a:xfrm flipV="1">
-            <a:off x="7057075" y="1259033"/>
-            <a:ext cx="1757324" cy="480242"/>
+            <a:off x="7723909" y="1259033"/>
+            <a:ext cx="1090490" cy="565149"/>
           </a:xfrm>
           <a:prstGeom prst="straightConnector1">
             <a:avLst/>
@@ -19997,7 +20079,7 @@
   <p:timing>
     <p:tnLst>
       <p:par>
-        <p:cTn id="1" dur="indefinite" restart="never" nodeType="tmRoot"/>
+        <p:cTn xmlns:p14="http://schemas.microsoft.com/office/powerpoint/2010/main" id="1" dur="indefinite" restart="never" nodeType="tmRoot"/>
       </p:par>
     </p:tnLst>
   </p:timing>
@@ -20064,7 +20146,7 @@
               <a:buNone/>
             </a:pPr>
             <a:r>
-              <a:rPr lang="en-US" sz="7600" u="none" strike="noStrike" cap="none">
+              <a:rPr lang="en-US" sz="7600" u="none" strike="noStrike" cap="none" dirty="0">
                 <a:solidFill>
                   <a:srgbClr val="FFFF00"/>
                 </a:solidFill>
@@ -20676,7 +20758,7 @@
         </p:nvSpPr>
         <p:spPr>
           <a:xfrm>
-            <a:off x="10474325" y="2057400"/>
+            <a:off x="10474325" y="2265220"/>
             <a:ext cx="4940400" cy="2635150"/>
           </a:xfrm>
           <a:prstGeom prst="rect">
@@ -20886,7 +20968,7 @@
   <p:timing>
     <p:tnLst>
       <p:par>
-        <p:cTn id="1" dur="indefinite" restart="never" nodeType="tmRoot"/>
+        <p:cTn xmlns:p14="http://schemas.microsoft.com/office/powerpoint/2010/main" id="1" dur="indefinite" restart="never" nodeType="tmRoot"/>
       </p:par>
     </p:tnLst>
   </p:timing>
@@ -20953,7 +21035,7 @@
               <a:buNone/>
             </a:pPr>
             <a:r>
-              <a:rPr lang="en-US" sz="7600" u="none" strike="noStrike" cap="none">
+              <a:rPr lang="en-US" sz="7600" u="none" strike="noStrike" cap="none" dirty="0">
                 <a:solidFill>
                   <a:srgbClr val="FFFF00"/>
                 </a:solidFill>
@@ -21728,7 +21810,7 @@
         </p:nvSpPr>
         <p:spPr>
           <a:xfrm>
-            <a:off x="10474325" y="2057400"/>
+            <a:off x="10474325" y="2265218"/>
             <a:ext cx="4940400" cy="2635150"/>
           </a:xfrm>
           <a:prstGeom prst="rect">
@@ -22224,7 +22306,7 @@
               <a:buNone/>
             </a:pPr>
             <a:r>
-              <a:rPr lang="en-US" sz="2800" b="1" i="0" u="none" strike="noStrike" cap="none" dirty="0">
+              <a:rPr lang="en-US" sz="2800" i="0" u="none" strike="noStrike" cap="none" dirty="0">
                 <a:solidFill>
                   <a:schemeClr val="lt1"/>
                 </a:solidFill>
@@ -22236,7 +22318,7 @@
               <a:t>&gt;&gt;&gt; </a:t>
             </a:r>
             <a:r>
-              <a:rPr lang="en-US" sz="2800" b="1" i="0" u="none" strike="noStrike" cap="none" dirty="0">
+              <a:rPr lang="en-US" sz="2800" i="0" u="none" strike="noStrike" cap="none" dirty="0">
                 <a:solidFill>
                   <a:srgbClr val="FFFF00"/>
                 </a:solidFill>
@@ -22248,7 +22330,7 @@
               <a:t>print</a:t>
             </a:r>
             <a:r>
-              <a:rPr lang="en-US" sz="2800" b="1" i="0" u="none" strike="noStrike" cap="none" dirty="0">
+              <a:rPr lang="en-US" sz="2800" i="0" u="none" strike="noStrike" cap="none" dirty="0">
                 <a:solidFill>
                   <a:schemeClr val="lt1"/>
                 </a:solidFill>
@@ -22260,7 +22342,7 @@
               <a:t> </a:t>
             </a:r>
             <a:r>
-              <a:rPr lang="en-US" sz="2800" b="1" i="0" u="none" strike="noStrike" cap="none" dirty="0">
+              <a:rPr lang="en-US" sz="2800" i="0" u="none" strike="noStrike" cap="none" dirty="0">
                 <a:solidFill>
                   <a:srgbClr val="FF00FF"/>
                 </a:solidFill>
@@ -22272,7 +22354,7 @@
               <a:t>float</a:t>
             </a:r>
             <a:r>
-              <a:rPr lang="en-US" sz="2800" b="1" i="0" u="none" strike="noStrike" cap="none" dirty="0">
+              <a:rPr lang="en-US" sz="2800" i="0" u="none" strike="noStrike" cap="none" dirty="0">
                 <a:solidFill>
                   <a:schemeClr val="lt1"/>
                 </a:solidFill>
@@ -22284,7 +22366,7 @@
               <a:t>(99) </a:t>
             </a:r>
             <a:r>
-              <a:rPr lang="en-US" sz="2800" b="1" i="0" u="none" strike="noStrike" cap="none" dirty="0">
+              <a:rPr lang="en-US" sz="2800" i="0" u="none" strike="noStrike" cap="none" dirty="0">
                 <a:solidFill>
                   <a:srgbClr val="00FFFF"/>
                 </a:solidFill>
@@ -22296,7 +22378,7 @@
               <a:t>/</a:t>
             </a:r>
             <a:r>
-              <a:rPr lang="en-US" sz="2800" b="1" i="0" u="none" strike="noStrike" cap="none" dirty="0">
+              <a:rPr lang="en-US" sz="2800" i="0" u="none" strike="noStrike" cap="none" dirty="0">
                 <a:solidFill>
                   <a:schemeClr val="lt1"/>
                 </a:solidFill>
@@ -22327,7 +22409,7 @@
               <a:buNone/>
             </a:pPr>
             <a:r>
-              <a:rPr lang="en-US" sz="2800" b="1" i="0" u="none" strike="noStrike" cap="none" dirty="0">
+              <a:rPr lang="en-US" sz="2800" i="0" u="none" strike="noStrike" cap="none" dirty="0">
                 <a:solidFill>
                   <a:schemeClr val="lt1"/>
                 </a:solidFill>
@@ -22358,7 +22440,7 @@
               <a:buNone/>
             </a:pPr>
             <a:r>
-              <a:rPr lang="en-US" sz="2800" b="1" i="0" u="none" strike="noStrike" cap="none" dirty="0">
+              <a:rPr lang="en-US" sz="2800" i="0" u="none" strike="noStrike" cap="none" dirty="0">
                 <a:solidFill>
                   <a:schemeClr val="lt1"/>
                 </a:solidFill>
@@ -22370,7 +22452,7 @@
               <a:t>&gt;&gt;&gt; </a:t>
             </a:r>
             <a:r>
-              <a:rPr lang="en-US" sz="2800" b="1" i="0" u="none" strike="noStrike" cap="none" dirty="0" err="1">
+              <a:rPr lang="en-US" sz="2800" i="0" u="none" strike="noStrike" cap="none" dirty="0" err="1">
                 <a:solidFill>
                   <a:schemeClr val="lt1"/>
                 </a:solidFill>
@@ -22382,7 +22464,7 @@
               <a:t>i</a:t>
             </a:r>
             <a:r>
-              <a:rPr lang="en-US" sz="2800" b="1" i="0" u="none" strike="noStrike" cap="none" dirty="0">
+              <a:rPr lang="en-US" sz="2800" i="0" u="none" strike="noStrike" cap="none" dirty="0">
                 <a:solidFill>
                   <a:schemeClr val="lt1"/>
                 </a:solidFill>
@@ -22413,7 +22495,7 @@
               <a:buNone/>
             </a:pPr>
             <a:r>
-              <a:rPr lang="en-US" sz="2800" b="1" i="0" u="none" strike="noStrike" cap="none" dirty="0">
+              <a:rPr lang="en-US" sz="2800" i="0" u="none" strike="noStrike" cap="none" dirty="0">
                 <a:solidFill>
                   <a:schemeClr val="lt1"/>
                 </a:solidFill>
@@ -22425,7 +22507,7 @@
               <a:t>&gt;&gt;&gt; </a:t>
             </a:r>
             <a:r>
-              <a:rPr lang="en-US" sz="2800" b="1" i="0" u="none" strike="noStrike" cap="none" dirty="0">
+              <a:rPr lang="en-US" sz="2800" i="0" u="none" strike="noStrike" cap="none" dirty="0">
                 <a:solidFill>
                   <a:srgbClr val="FF00FF"/>
                 </a:solidFill>
@@ -22437,7 +22519,7 @@
               <a:t>type</a:t>
             </a:r>
             <a:r>
-              <a:rPr lang="en-US" sz="2800" b="1" i="0" u="none" strike="noStrike" cap="none" dirty="0">
+              <a:rPr lang="en-US" sz="2800" i="0" u="none" strike="noStrike" cap="none" dirty="0">
                 <a:solidFill>
                   <a:schemeClr val="lt1"/>
                 </a:solidFill>
@@ -22449,7 +22531,7 @@
               <a:t>(</a:t>
             </a:r>
             <a:r>
-              <a:rPr lang="en-US" sz="2800" b="1" i="0" u="none" strike="noStrike" cap="none" dirty="0" err="1">
+              <a:rPr lang="en-US" sz="2800" i="0" u="none" strike="noStrike" cap="none" dirty="0" err="1">
                 <a:solidFill>
                   <a:schemeClr val="lt1"/>
                 </a:solidFill>
@@ -22461,7 +22543,7 @@
               <a:t>i</a:t>
             </a:r>
             <a:r>
-              <a:rPr lang="en-US" sz="2800" b="1" i="0" u="none" strike="noStrike" cap="none" dirty="0">
+              <a:rPr lang="en-US" sz="2800" i="0" u="none" strike="noStrike" cap="none" dirty="0">
                 <a:solidFill>
                   <a:schemeClr val="lt1"/>
                 </a:solidFill>
@@ -22492,7 +22574,7 @@
               <a:buNone/>
             </a:pPr>
             <a:r>
-              <a:rPr lang="en-US" sz="2800" b="1" i="0" u="none" strike="noStrike" cap="none" dirty="0" smtClean="0">
+              <a:rPr lang="en-US" sz="2800" i="0" u="none" strike="noStrike" cap="none" dirty="0" smtClean="0">
                 <a:solidFill>
                   <a:schemeClr val="lt1"/>
                 </a:solidFill>
@@ -22504,7 +22586,7 @@
               <a:t>&lt;class '</a:t>
             </a:r>
             <a:r>
-              <a:rPr lang="en-US" sz="2800" b="1" i="0" u="none" strike="noStrike" cap="none" dirty="0" err="1" smtClean="0">
+              <a:rPr lang="en-US" sz="2800" i="0" u="none" strike="noStrike" cap="none" dirty="0" err="1" smtClean="0">
                 <a:solidFill>
                   <a:schemeClr val="lt1"/>
                 </a:solidFill>
@@ -22516,7 +22598,7 @@
               <a:t>int</a:t>
             </a:r>
             <a:r>
-              <a:rPr lang="en-US" sz="2800" b="1" i="0" u="none" strike="noStrike" cap="none" dirty="0">
+              <a:rPr lang="en-US" sz="2800" i="0" u="none" strike="noStrike" cap="none" dirty="0">
                 <a:solidFill>
                   <a:schemeClr val="lt1"/>
                 </a:solidFill>
@@ -22547,7 +22629,7 @@
               <a:buNone/>
             </a:pPr>
             <a:r>
-              <a:rPr lang="en-US" sz="2800" b="1" i="0" u="none" strike="noStrike" cap="none" dirty="0">
+              <a:rPr lang="en-US" sz="2800" i="0" u="none" strike="noStrike" cap="none" dirty="0">
                 <a:solidFill>
                   <a:schemeClr val="lt1"/>
                 </a:solidFill>
@@ -22559,7 +22641,7 @@
               <a:t>&gt;&gt;&gt; f = </a:t>
             </a:r>
             <a:r>
-              <a:rPr lang="en-US" sz="2800" b="1" i="0" u="none" strike="noStrike" cap="none" dirty="0">
+              <a:rPr lang="en-US" sz="2800" i="0" u="none" strike="noStrike" cap="none" dirty="0">
                 <a:solidFill>
                   <a:srgbClr val="FF00FF"/>
                 </a:solidFill>
@@ -22571,7 +22653,7 @@
               <a:t>float</a:t>
             </a:r>
             <a:r>
-              <a:rPr lang="en-US" sz="2800" b="1" i="0" u="none" strike="noStrike" cap="none" dirty="0">
+              <a:rPr lang="en-US" sz="2800" i="0" u="none" strike="noStrike" cap="none" dirty="0">
                 <a:solidFill>
                   <a:schemeClr val="lt1"/>
                 </a:solidFill>
@@ -22583,7 +22665,7 @@
               <a:t>(</a:t>
             </a:r>
             <a:r>
-              <a:rPr lang="en-US" sz="2800" b="1" i="0" u="none" strike="noStrike" cap="none" dirty="0" err="1">
+              <a:rPr lang="en-US" sz="2800" i="0" u="none" strike="noStrike" cap="none" dirty="0" err="1">
                 <a:solidFill>
                   <a:schemeClr val="lt1"/>
                 </a:solidFill>
@@ -22595,7 +22677,7 @@
               <a:t>i</a:t>
             </a:r>
             <a:r>
-              <a:rPr lang="en-US" sz="2800" b="1" i="0" u="none" strike="noStrike" cap="none" dirty="0">
+              <a:rPr lang="en-US" sz="2800" i="0" u="none" strike="noStrike" cap="none" dirty="0">
                 <a:solidFill>
                   <a:schemeClr val="lt1"/>
                 </a:solidFill>
@@ -22626,7 +22708,7 @@
               <a:buNone/>
             </a:pPr>
             <a:r>
-              <a:rPr lang="en-US" sz="2800" b="1" i="0" u="none" strike="noStrike" cap="none" dirty="0">
+              <a:rPr lang="en-US" sz="2800" i="0" u="none" strike="noStrike" cap="none" dirty="0">
                 <a:solidFill>
                   <a:schemeClr val="lt1"/>
                 </a:solidFill>
@@ -22638,7 +22720,7 @@
               <a:t>&gt;&gt;&gt; </a:t>
             </a:r>
             <a:r>
-              <a:rPr lang="en-US" sz="2800" b="1" i="0" u="none" strike="noStrike" cap="none" dirty="0" smtClean="0">
+              <a:rPr lang="en-US" sz="2800" i="0" u="none" strike="noStrike" cap="none" dirty="0" smtClean="0">
                 <a:solidFill>
                   <a:srgbClr val="FFFF00"/>
                 </a:solidFill>
@@ -22650,7 +22732,7 @@
               <a:t>print</a:t>
             </a:r>
             <a:r>
-              <a:rPr lang="en-US" sz="2800" b="1" dirty="0" smtClean="0">
+              <a:rPr lang="en-US" sz="2800" dirty="0" smtClean="0">
                 <a:solidFill>
                   <a:schemeClr val="lt1"/>
                 </a:solidFill>
@@ -22662,7 +22744,7 @@
               <a:t>(</a:t>
             </a:r>
             <a:r>
-              <a:rPr lang="en-US" sz="2800" b="1" i="0" u="none" strike="noStrike" cap="none" dirty="0" smtClean="0">
+              <a:rPr lang="en-US" sz="2800" i="0" u="none" strike="noStrike" cap="none" dirty="0" smtClean="0">
                 <a:solidFill>
                   <a:schemeClr val="lt1"/>
                 </a:solidFill>
@@ -22673,7 +22755,7 @@
               </a:rPr>
               <a:t>f)</a:t>
             </a:r>
-            <a:endParaRPr lang="en-US" sz="2800" b="1" i="0" u="none" strike="noStrike" cap="none" dirty="0">
+            <a:endParaRPr lang="en-US" sz="2800" i="0" u="none" strike="noStrike" cap="none" dirty="0">
               <a:solidFill>
                 <a:schemeClr val="lt1"/>
               </a:solidFill>
@@ -22702,7 +22784,7 @@
               <a:buNone/>
             </a:pPr>
             <a:r>
-              <a:rPr lang="en-US" sz="2800" b="1" i="0" u="none" strike="noStrike" cap="none" dirty="0">
+              <a:rPr lang="en-US" sz="2800" i="0" u="none" strike="noStrike" cap="none" dirty="0">
                 <a:solidFill>
                   <a:schemeClr val="lt1"/>
                 </a:solidFill>
@@ -22733,7 +22815,7 @@
               <a:buNone/>
             </a:pPr>
             <a:r>
-              <a:rPr lang="en-US" sz="2800" b="1" i="0" u="none" strike="noStrike" cap="none" dirty="0">
+              <a:rPr lang="en-US" sz="2800" i="0" u="none" strike="noStrike" cap="none" dirty="0">
                 <a:solidFill>
                   <a:schemeClr val="lt1"/>
                 </a:solidFill>
@@ -22745,7 +22827,7 @@
               <a:t>&gt;&gt;&gt; </a:t>
             </a:r>
             <a:r>
-              <a:rPr lang="en-US" sz="2800" b="1" i="0" u="none" strike="noStrike" cap="none" dirty="0">
+              <a:rPr lang="en-US" sz="2800" i="0" u="none" strike="noStrike" cap="none" dirty="0">
                 <a:solidFill>
                   <a:srgbClr val="FF00FF"/>
                 </a:solidFill>
@@ -22757,7 +22839,7 @@
               <a:t>type</a:t>
             </a:r>
             <a:r>
-              <a:rPr lang="en-US" sz="2800" b="1" i="0" u="none" strike="noStrike" cap="none" dirty="0">
+              <a:rPr lang="en-US" sz="2800" i="0" u="none" strike="noStrike" cap="none" dirty="0">
                 <a:solidFill>
                   <a:schemeClr val="lt1"/>
                 </a:solidFill>
@@ -22788,7 +22870,7 @@
               <a:buNone/>
             </a:pPr>
             <a:r>
-              <a:rPr lang="en-US" sz="2800" b="1" i="0" u="none" strike="noStrike" cap="none" dirty="0" smtClean="0">
+              <a:rPr lang="en-US" sz="2800" i="0" u="none" strike="noStrike" cap="none" dirty="0" smtClean="0">
                 <a:solidFill>
                   <a:schemeClr val="lt1"/>
                 </a:solidFill>
@@ -22800,7 +22882,7 @@
               <a:t>&lt;class 'float</a:t>
             </a:r>
             <a:r>
-              <a:rPr lang="en-US" sz="2800" b="1" i="0" u="none" strike="noStrike" cap="none" dirty="0">
+              <a:rPr lang="en-US" sz="2800" i="0" u="none" strike="noStrike" cap="none" dirty="0">
                 <a:solidFill>
                   <a:schemeClr val="lt1"/>
                 </a:solidFill>
@@ -22831,7 +22913,7 @@
               <a:buNone/>
             </a:pPr>
             <a:r>
-              <a:rPr lang="en-US" sz="2800" b="1" i="0" u="none" strike="noStrike" cap="none" dirty="0">
+              <a:rPr lang="en-US" sz="2800" i="0" u="none" strike="noStrike" cap="none" dirty="0">
                 <a:solidFill>
                   <a:schemeClr val="lt1"/>
                 </a:solidFill>
@@ -22843,7 +22925,7 @@
               <a:t>&gt;&gt;&gt; </a:t>
             </a:r>
             <a:r>
-              <a:rPr lang="en-US" sz="2800" b="1" i="0" u="none" strike="noStrike" cap="none" dirty="0" smtClean="0">
+              <a:rPr lang="en-US" sz="2800" i="0" u="none" strike="noStrike" cap="none" dirty="0" smtClean="0">
                 <a:solidFill>
                   <a:srgbClr val="FFFF00"/>
                 </a:solidFill>
@@ -22855,7 +22937,7 @@
               <a:t>print</a:t>
             </a:r>
             <a:r>
-              <a:rPr lang="en-US" sz="2800" b="1" dirty="0">
+              <a:rPr lang="en-US" sz="2800" dirty="0">
                 <a:solidFill>
                   <a:schemeClr val="lt1"/>
                 </a:solidFill>
@@ -22867,7 +22949,7 @@
               <a:t>(</a:t>
             </a:r>
             <a:r>
-              <a:rPr lang="en-US" sz="2800" b="1" i="0" u="none" strike="noStrike" cap="none" dirty="0" smtClean="0">
+              <a:rPr lang="en-US" sz="2800" i="0" u="none" strike="noStrike" cap="none" dirty="0" smtClean="0">
                 <a:solidFill>
                   <a:schemeClr val="lt1"/>
                 </a:solidFill>
@@ -22879,7 +22961,7 @@
               <a:t>1 </a:t>
             </a:r>
             <a:r>
-              <a:rPr lang="en-US" sz="2800" b="1" i="0" u="none" strike="noStrike" cap="none" dirty="0">
+              <a:rPr lang="en-US" sz="2800" i="0" u="none" strike="noStrike" cap="none" dirty="0">
                 <a:solidFill>
                   <a:srgbClr val="00FFFF"/>
                 </a:solidFill>
@@ -22891,7 +22973,7 @@
               <a:t>+</a:t>
             </a:r>
             <a:r>
-              <a:rPr lang="en-US" sz="2800" b="1" i="0" u="none" strike="noStrike" cap="none" dirty="0">
+              <a:rPr lang="en-US" sz="2800" i="0" u="none" strike="noStrike" cap="none" dirty="0">
                 <a:solidFill>
                   <a:schemeClr val="lt1"/>
                 </a:solidFill>
@@ -22903,7 +22985,7 @@
               <a:t> 2 </a:t>
             </a:r>
             <a:r>
-              <a:rPr lang="en-US" sz="2800" b="1" i="0" u="none" strike="noStrike" cap="none" dirty="0">
+              <a:rPr lang="en-US" sz="2800" i="0" u="none" strike="noStrike" cap="none" dirty="0">
                 <a:solidFill>
                   <a:srgbClr val="00FFFF"/>
                 </a:solidFill>
@@ -22915,7 +22997,7 @@
               <a:t>*</a:t>
             </a:r>
             <a:r>
-              <a:rPr lang="en-US" sz="2800" b="1" i="0" u="none" strike="noStrike" cap="none" dirty="0">
+              <a:rPr lang="en-US" sz="2800" i="0" u="none" strike="noStrike" cap="none" dirty="0">
                 <a:solidFill>
                   <a:schemeClr val="lt1"/>
                 </a:solidFill>
@@ -22927,7 +23009,7 @@
               <a:t> </a:t>
             </a:r>
             <a:r>
-              <a:rPr lang="en-US" sz="2800" b="1" i="0" u="none" strike="noStrike" cap="none" dirty="0">
+              <a:rPr lang="en-US" sz="2800" i="0" u="none" strike="noStrike" cap="none" dirty="0">
                 <a:solidFill>
                   <a:srgbClr val="FF00FF"/>
                 </a:solidFill>
@@ -22939,7 +23021,7 @@
               <a:t>float</a:t>
             </a:r>
             <a:r>
-              <a:rPr lang="en-US" sz="2800" b="1" i="0" u="none" strike="noStrike" cap="none" dirty="0">
+              <a:rPr lang="en-US" sz="2800" i="0" u="none" strike="noStrike" cap="none" dirty="0">
                 <a:solidFill>
                   <a:schemeClr val="lt1"/>
                 </a:solidFill>
@@ -22951,7 +23033,7 @@
               <a:t>(3) </a:t>
             </a:r>
             <a:r>
-              <a:rPr lang="en-US" sz="2800" b="1" i="0" u="none" strike="noStrike" cap="none" dirty="0">
+              <a:rPr lang="en-US" sz="2800" i="0" u="none" strike="noStrike" cap="none" dirty="0">
                 <a:solidFill>
                   <a:srgbClr val="00FFFF"/>
                 </a:solidFill>
@@ -22963,7 +23045,7 @@
               <a:t>/</a:t>
             </a:r>
             <a:r>
-              <a:rPr lang="en-US" sz="2800" b="1" dirty="0">
+              <a:rPr lang="en-US" sz="2800" dirty="0">
                 <a:solidFill>
                   <a:schemeClr val="lt1"/>
                 </a:solidFill>
@@ -22975,7 +23057,7 @@
               <a:t> </a:t>
             </a:r>
             <a:r>
-              <a:rPr lang="en-US" sz="2800" b="1" i="0" u="none" strike="noStrike" cap="none" dirty="0">
+              <a:rPr lang="en-US" sz="2800" i="0" u="none" strike="noStrike" cap="none" dirty="0">
                 <a:solidFill>
                   <a:schemeClr val="lt1"/>
                 </a:solidFill>
@@ -22987,7 +23069,7 @@
               <a:t>4 </a:t>
             </a:r>
             <a:r>
-              <a:rPr lang="en-US" sz="2800" b="1" i="0" u="none" strike="noStrike" cap="none" dirty="0" smtClean="0">
+              <a:rPr lang="en-US" sz="2800" i="0" u="none" strike="noStrike" cap="none" dirty="0" smtClean="0">
                 <a:solidFill>
                   <a:srgbClr val="00FFFF"/>
                 </a:solidFill>
@@ -22999,7 +23081,7 @@
               <a:t>–</a:t>
             </a:r>
             <a:r>
-              <a:rPr lang="en-US" sz="2800" b="1" i="0" u="none" strike="noStrike" cap="none" dirty="0" smtClean="0">
+              <a:rPr lang="en-US" sz="2800" i="0" u="none" strike="noStrike" cap="none" dirty="0" smtClean="0">
                 <a:solidFill>
                   <a:schemeClr val="lt1"/>
                 </a:solidFill>
@@ -23010,7 +23092,7 @@
               </a:rPr>
               <a:t> 5)</a:t>
             </a:r>
-            <a:endParaRPr lang="en-US" sz="2800" b="1" i="0" u="none" strike="noStrike" cap="none" dirty="0">
+            <a:endParaRPr lang="en-US" sz="2800" i="0" u="none" strike="noStrike" cap="none" dirty="0">
               <a:solidFill>
                 <a:schemeClr val="lt1"/>
               </a:solidFill>
@@ -23039,7 +23121,7 @@
               <a:buNone/>
             </a:pPr>
             <a:r>
-              <a:rPr lang="en-US" sz="2800" b="1" i="0" u="none" strike="noStrike" cap="none" dirty="0">
+              <a:rPr lang="en-US" sz="2800" i="0" u="none" strike="noStrike" cap="none" dirty="0">
                 <a:solidFill>
                   <a:schemeClr val="lt1"/>
                 </a:solidFill>
@@ -23070,7 +23152,7 @@
               <a:buNone/>
             </a:pPr>
             <a:r>
-              <a:rPr lang="en-US" sz="2800" b="1" i="0" u="none" strike="noStrike" cap="none" dirty="0">
+              <a:rPr lang="en-US" sz="2800" i="0" u="none" strike="noStrike" cap="none" dirty="0">
                 <a:solidFill>
                   <a:schemeClr val="lt1"/>
                 </a:solidFill>
@@ -23389,7 +23471,7 @@
               <a:buNone/>
             </a:pPr>
             <a:r>
-              <a:rPr lang="en-US" sz="2500" b="1" i="0" u="none" strike="noStrike" cap="none" dirty="0">
+              <a:rPr lang="en-US" sz="2500" i="0" u="none" strike="noStrike" cap="none" dirty="0">
                 <a:solidFill>
                   <a:schemeClr val="lt1"/>
                 </a:solidFill>
@@ -23401,7 +23483,7 @@
               <a:t>&gt;&gt;&gt; </a:t>
             </a:r>
             <a:r>
-              <a:rPr lang="en-US" sz="2500" b="1" i="0" u="none" strike="noStrike" cap="none" dirty="0" err="1">
+              <a:rPr lang="en-US" sz="2500" i="0" u="none" strike="noStrike" cap="none" dirty="0" err="1">
                 <a:solidFill>
                   <a:srgbClr val="00FF00"/>
                 </a:solidFill>
@@ -23413,7 +23495,7 @@
               <a:t>sval</a:t>
             </a:r>
             <a:r>
-              <a:rPr lang="en-US" sz="2500" b="1" i="0" u="none" strike="noStrike" cap="none" dirty="0">
+              <a:rPr lang="en-US" sz="2500" i="0" u="none" strike="noStrike" cap="none" dirty="0">
                 <a:solidFill>
                   <a:schemeClr val="lt1"/>
                 </a:solidFill>
@@ -23444,7 +23526,7 @@
               <a:buNone/>
             </a:pPr>
             <a:r>
-              <a:rPr lang="en-US" sz="2500" b="1" i="0" u="none" strike="noStrike" cap="none" dirty="0">
+              <a:rPr lang="en-US" sz="2500" i="0" u="none" strike="noStrike" cap="none" dirty="0">
                 <a:solidFill>
                   <a:schemeClr val="lt1"/>
                 </a:solidFill>
@@ -23456,7 +23538,7 @@
               <a:t>&gt;&gt;&gt; </a:t>
             </a:r>
             <a:r>
-              <a:rPr lang="en-US" sz="2500" b="1" i="0" u="none" strike="noStrike" cap="none" dirty="0">
+              <a:rPr lang="en-US" sz="2500" i="0" u="none" strike="noStrike" cap="none" dirty="0">
                 <a:solidFill>
                   <a:srgbClr val="FF00FF"/>
                 </a:solidFill>
@@ -23468,7 +23550,7 @@
               <a:t>type</a:t>
             </a:r>
             <a:r>
-              <a:rPr lang="en-US" sz="2500" b="1" i="0" u="none" strike="noStrike" cap="none" dirty="0">
+              <a:rPr lang="en-US" sz="2500" i="0" u="none" strike="noStrike" cap="none" dirty="0">
                 <a:solidFill>
                   <a:schemeClr val="lt1"/>
                 </a:solidFill>
@@ -23480,7 +23562,7 @@
               <a:t>(</a:t>
             </a:r>
             <a:r>
-              <a:rPr lang="en-US" sz="2500" b="1" i="0" u="none" strike="noStrike" cap="none" dirty="0" err="1">
+              <a:rPr lang="en-US" sz="2500" i="0" u="none" strike="noStrike" cap="none" dirty="0" err="1">
                 <a:solidFill>
                   <a:srgbClr val="00FF00"/>
                 </a:solidFill>
@@ -23492,7 +23574,7 @@
               <a:t>sval</a:t>
             </a:r>
             <a:r>
-              <a:rPr lang="en-US" sz="2500" b="1" i="0" u="none" strike="noStrike" cap="none" dirty="0">
+              <a:rPr lang="en-US" sz="2500" i="0" u="none" strike="noStrike" cap="none" dirty="0">
                 <a:solidFill>
                   <a:schemeClr val="lt1"/>
                 </a:solidFill>
@@ -23523,7 +23605,7 @@
               <a:buNone/>
             </a:pPr>
             <a:r>
-              <a:rPr lang="en-US" sz="2500" b="1" i="0" u="none" strike="noStrike" cap="none" dirty="0" smtClean="0">
+              <a:rPr lang="en-US" sz="2500" i="0" u="none" strike="noStrike" cap="none" dirty="0" smtClean="0">
                 <a:solidFill>
                   <a:schemeClr val="lt1"/>
                 </a:solidFill>
@@ -23535,7 +23617,7 @@
               <a:t>&lt;class '</a:t>
             </a:r>
             <a:r>
-              <a:rPr lang="en-US" sz="2500" b="1" i="0" u="none" strike="noStrike" cap="none" dirty="0" err="1" smtClean="0">
+              <a:rPr lang="en-US" sz="2500" i="0" u="none" strike="noStrike" cap="none" dirty="0" err="1" smtClean="0">
                 <a:solidFill>
                   <a:schemeClr val="lt1"/>
                 </a:solidFill>
@@ -23547,7 +23629,7 @@
               <a:t>str</a:t>
             </a:r>
             <a:r>
-              <a:rPr lang="en-US" sz="2500" b="1" i="0" u="none" strike="noStrike" cap="none" dirty="0">
+              <a:rPr lang="en-US" sz="2500" i="0" u="none" strike="noStrike" cap="none" dirty="0">
                 <a:solidFill>
                   <a:schemeClr val="lt1"/>
                 </a:solidFill>
@@ -23578,7 +23660,7 @@
               <a:buNone/>
             </a:pPr>
             <a:r>
-              <a:rPr lang="en-US" sz="2500" b="1" i="0" u="none" strike="noStrike" cap="none" dirty="0">
+              <a:rPr lang="en-US" sz="2500" i="0" u="none" strike="noStrike" cap="none" dirty="0">
                 <a:solidFill>
                   <a:schemeClr val="lt1"/>
                 </a:solidFill>
@@ -23590,7 +23672,7 @@
               <a:t>&gt;&gt;&gt; </a:t>
             </a:r>
             <a:r>
-              <a:rPr lang="en-US" sz="2500" b="1" i="0" u="none" strike="noStrike" cap="none" dirty="0" smtClean="0">
+              <a:rPr lang="en-US" sz="2500" i="0" u="none" strike="noStrike" cap="none" dirty="0" smtClean="0">
                 <a:solidFill>
                   <a:srgbClr val="FFFF00"/>
                 </a:solidFill>
@@ -23602,7 +23684,7 @@
               <a:t>print</a:t>
             </a:r>
             <a:r>
-              <a:rPr lang="en-US" sz="2500" b="1" dirty="0">
+              <a:rPr lang="en-US" sz="2500" dirty="0">
                 <a:solidFill>
                   <a:schemeClr val="lt1"/>
                 </a:solidFill>
@@ -23614,7 +23696,7 @@
               <a:t>(</a:t>
             </a:r>
             <a:r>
-              <a:rPr lang="en-US" sz="2500" b="1" i="0" u="none" strike="noStrike" cap="none" dirty="0" err="1" smtClean="0">
+              <a:rPr lang="en-US" sz="2500" i="0" u="none" strike="noStrike" cap="none" dirty="0" err="1" smtClean="0">
                 <a:solidFill>
                   <a:srgbClr val="00FF00"/>
                 </a:solidFill>
@@ -23626,7 +23708,7 @@
               <a:t>sval</a:t>
             </a:r>
             <a:r>
-              <a:rPr lang="en-US" sz="2500" b="1" i="0" u="none" strike="noStrike" cap="none" dirty="0" smtClean="0">
+              <a:rPr lang="en-US" sz="2500" i="0" u="none" strike="noStrike" cap="none" dirty="0" smtClean="0">
                 <a:solidFill>
                   <a:schemeClr val="lt1"/>
                 </a:solidFill>
@@ -23638,7 +23720,7 @@
               <a:t> </a:t>
             </a:r>
             <a:r>
-              <a:rPr lang="en-US" sz="2500" b="1" i="0" u="none" strike="noStrike" cap="none" dirty="0">
+              <a:rPr lang="en-US" sz="2500" i="0" u="none" strike="noStrike" cap="none" dirty="0">
                 <a:solidFill>
                   <a:srgbClr val="00FFFF"/>
                 </a:solidFill>
@@ -23650,7 +23732,7 @@
               <a:t>+</a:t>
             </a:r>
             <a:r>
-              <a:rPr lang="en-US" sz="2500" b="1" i="0" u="none" strike="noStrike" cap="none" dirty="0">
+              <a:rPr lang="en-US" sz="2500" i="0" u="none" strike="noStrike" cap="none" dirty="0">
                 <a:solidFill>
                   <a:schemeClr val="lt1"/>
                 </a:solidFill>
@@ -23662,7 +23744,7 @@
               <a:t> </a:t>
             </a:r>
             <a:r>
-              <a:rPr lang="en-US" sz="2500" b="1" i="0" u="none" strike="noStrike" cap="none" dirty="0" smtClean="0">
+              <a:rPr lang="en-US" sz="2500" i="0" u="none" strike="noStrike" cap="none" dirty="0" smtClean="0">
                 <a:solidFill>
                   <a:schemeClr val="lt1"/>
                 </a:solidFill>
@@ -23673,7 +23755,7 @@
               </a:rPr>
               <a:t>1)</a:t>
             </a:r>
-            <a:endParaRPr lang="en-US" sz="2500" b="1" i="0" u="none" strike="noStrike" cap="none" dirty="0">
+            <a:endParaRPr lang="en-US" sz="2500" i="0" u="none" strike="noStrike" cap="none" dirty="0">
               <a:solidFill>
                 <a:schemeClr val="lt1"/>
               </a:solidFill>
@@ -23702,7 +23784,7 @@
               <a:buNone/>
             </a:pPr>
             <a:r>
-              <a:rPr lang="en-US" sz="2500" b="1" i="0" u="none" strike="noStrike" cap="none" dirty="0" err="1">
+              <a:rPr lang="en-US" sz="2500" i="0" u="none" strike="noStrike" cap="none" dirty="0" err="1">
                 <a:solidFill>
                   <a:srgbClr val="E06666"/>
                 </a:solidFill>
@@ -23714,7 +23796,7 @@
               <a:t>Traceback</a:t>
             </a:r>
             <a:r>
-              <a:rPr lang="en-US" sz="2500" b="1" i="0" u="none" strike="noStrike" cap="none" dirty="0">
+              <a:rPr lang="en-US" sz="2500" i="0" u="none" strike="noStrike" cap="none" dirty="0">
                 <a:solidFill>
                   <a:srgbClr val="E06666"/>
                 </a:solidFill>
@@ -23745,7 +23827,7 @@
               <a:buNone/>
             </a:pPr>
             <a:r>
-              <a:rPr lang="en-US" sz="2500" b="1" i="0" u="none" strike="noStrike" cap="none" dirty="0">
+              <a:rPr lang="en-US" sz="2500" i="0" u="none" strike="noStrike" cap="none" dirty="0">
                 <a:solidFill>
                   <a:srgbClr val="E06666"/>
                 </a:solidFill>
@@ -23757,7 +23839,7 @@
               <a:t>  File "&lt;</a:t>
             </a:r>
             <a:r>
-              <a:rPr lang="en-US" sz="2500" b="1" i="0" u="none" strike="noStrike" cap="none" dirty="0" err="1">
+              <a:rPr lang="en-US" sz="2500" i="0" u="none" strike="noStrike" cap="none" dirty="0" err="1">
                 <a:solidFill>
                   <a:srgbClr val="E06666"/>
                 </a:solidFill>
@@ -23769,7 +23851,7 @@
               <a:t>stdin</a:t>
             </a:r>
             <a:r>
-              <a:rPr lang="en-US" sz="2500" b="1" i="0" u="none" strike="noStrike" cap="none" dirty="0">
+              <a:rPr lang="en-US" sz="2500" i="0" u="none" strike="noStrike" cap="none" dirty="0">
                 <a:solidFill>
                   <a:srgbClr val="E06666"/>
                 </a:solidFill>
@@ -23800,7 +23882,7 @@
               <a:buNone/>
             </a:pPr>
             <a:r>
-              <a:rPr lang="en-US" sz="2500" b="1" i="0" u="none" strike="noStrike" cap="none" dirty="0" err="1">
+              <a:rPr lang="en-US" sz="2500" i="0" u="none" strike="noStrike" cap="none" dirty="0" err="1">
                 <a:solidFill>
                   <a:srgbClr val="E06666"/>
                 </a:solidFill>
@@ -23812,7 +23894,7 @@
               <a:t>TypeError</a:t>
             </a:r>
             <a:r>
-              <a:rPr lang="en-US" sz="2500" b="1" i="0" u="none" strike="noStrike" cap="none" dirty="0">
+              <a:rPr lang="en-US" sz="2500" i="0" u="none" strike="noStrike" cap="none" dirty="0">
                 <a:solidFill>
                   <a:srgbClr val="E06666"/>
                 </a:solidFill>
@@ -23824,7 +23906,7 @@
               <a:t>: cannot concatenate '</a:t>
             </a:r>
             <a:r>
-              <a:rPr lang="en-US" sz="2500" b="1" i="0" u="none" strike="noStrike" cap="none" dirty="0" err="1">
+              <a:rPr lang="en-US" sz="2500" i="0" u="none" strike="noStrike" cap="none" dirty="0" err="1">
                 <a:solidFill>
                   <a:srgbClr val="E06666"/>
                 </a:solidFill>
@@ -23836,7 +23918,7 @@
               <a:t>str</a:t>
             </a:r>
             <a:r>
-              <a:rPr lang="en-US" sz="2500" b="1" i="0" u="none" strike="noStrike" cap="none" dirty="0">
+              <a:rPr lang="en-US" sz="2500" i="0" u="none" strike="noStrike" cap="none" dirty="0">
                 <a:solidFill>
                   <a:srgbClr val="E06666"/>
                 </a:solidFill>
@@ -23848,7 +23930,7 @@
               <a:t>' and '</a:t>
             </a:r>
             <a:r>
-              <a:rPr lang="en-US" sz="2500" b="1" i="0" u="none" strike="noStrike" cap="none" dirty="0" err="1">
+              <a:rPr lang="en-US" sz="2500" i="0" u="none" strike="noStrike" cap="none" dirty="0" err="1">
                 <a:solidFill>
                   <a:srgbClr val="E06666"/>
                 </a:solidFill>
@@ -23860,7 +23942,7 @@
               <a:t>int</a:t>
             </a:r>
             <a:r>
-              <a:rPr lang="en-US" sz="2500" b="1" i="0" u="none" strike="noStrike" cap="none" dirty="0">
+              <a:rPr lang="en-US" sz="2500" i="0" u="none" strike="noStrike" cap="none" dirty="0">
                 <a:solidFill>
                   <a:srgbClr val="E06666"/>
                 </a:solidFill>
@@ -23891,7 +23973,7 @@
               <a:buNone/>
             </a:pPr>
             <a:r>
-              <a:rPr lang="en-US" sz="2500" b="1" i="0" u="none" strike="noStrike" cap="none" dirty="0">
+              <a:rPr lang="en-US" sz="2500" i="0" u="none" strike="noStrike" cap="none" dirty="0">
                 <a:solidFill>
                   <a:schemeClr val="lt1"/>
                 </a:solidFill>
@@ -23903,7 +23985,7 @@
               <a:t>&gt;&gt;&gt; </a:t>
             </a:r>
             <a:r>
-              <a:rPr lang="en-US" sz="2500" b="1" i="0" u="none" strike="noStrike" cap="none" dirty="0" err="1">
+              <a:rPr lang="en-US" sz="2500" i="0" u="none" strike="noStrike" cap="none" dirty="0" err="1">
                 <a:solidFill>
                   <a:srgbClr val="00FF00"/>
                 </a:solidFill>
@@ -23915,7 +23997,7 @@
               <a:t>ival</a:t>
             </a:r>
             <a:r>
-              <a:rPr lang="en-US" sz="2500" b="1" i="0" u="none" strike="noStrike" cap="none" dirty="0">
+              <a:rPr lang="en-US" sz="2500" i="0" u="none" strike="noStrike" cap="none" dirty="0">
                 <a:solidFill>
                   <a:schemeClr val="lt1"/>
                 </a:solidFill>
@@ -23927,7 +24009,7 @@
               <a:t> = </a:t>
             </a:r>
             <a:r>
-              <a:rPr lang="en-US" sz="2500" b="1" i="0" u="none" strike="noStrike" cap="none" dirty="0" err="1">
+              <a:rPr lang="en-US" sz="2500" i="0" u="none" strike="noStrike" cap="none" dirty="0" err="1">
                 <a:solidFill>
                   <a:srgbClr val="FF00FF"/>
                 </a:solidFill>
@@ -23939,7 +24021,7 @@
               <a:t>int</a:t>
             </a:r>
             <a:r>
-              <a:rPr lang="en-US" sz="2500" b="1" i="0" u="none" strike="noStrike" cap="none" dirty="0">
+              <a:rPr lang="en-US" sz="2500" i="0" u="none" strike="noStrike" cap="none" dirty="0">
                 <a:solidFill>
                   <a:schemeClr val="lt1"/>
                 </a:solidFill>
@@ -23951,7 +24033,7 @@
               <a:t>(</a:t>
             </a:r>
             <a:r>
-              <a:rPr lang="en-US" sz="2500" b="1" i="0" u="none" strike="noStrike" cap="none" dirty="0" err="1">
+              <a:rPr lang="en-US" sz="2500" i="0" u="none" strike="noStrike" cap="none" dirty="0" err="1">
                 <a:solidFill>
                   <a:srgbClr val="00FF00"/>
                 </a:solidFill>
@@ -23963,7 +24045,7 @@
               <a:t>sval</a:t>
             </a:r>
             <a:r>
-              <a:rPr lang="en-US" sz="2500" b="1" i="0" u="none" strike="noStrike" cap="none" dirty="0">
+              <a:rPr lang="en-US" sz="2500" i="0" u="none" strike="noStrike" cap="none" dirty="0">
                 <a:solidFill>
                   <a:schemeClr val="lt1"/>
                 </a:solidFill>
@@ -23994,7 +24076,7 @@
               <a:buNone/>
             </a:pPr>
             <a:r>
-              <a:rPr lang="en-US" sz="2500" b="1" i="0" u="none" strike="noStrike" cap="none" dirty="0">
+              <a:rPr lang="en-US" sz="2500" i="0" u="none" strike="noStrike" cap="none" dirty="0">
                 <a:solidFill>
                   <a:schemeClr val="lt1"/>
                 </a:solidFill>
@@ -24006,7 +24088,7 @@
               <a:t>&gt;&gt;&gt; </a:t>
             </a:r>
             <a:r>
-              <a:rPr lang="en-US" sz="2500" b="1" i="0" u="none" strike="noStrike" cap="none" dirty="0">
+              <a:rPr lang="en-US" sz="2500" i="0" u="none" strike="noStrike" cap="none" dirty="0">
                 <a:solidFill>
                   <a:srgbClr val="FF00FF"/>
                 </a:solidFill>
@@ -24018,7 +24100,7 @@
               <a:t>type</a:t>
             </a:r>
             <a:r>
-              <a:rPr lang="en-US" sz="2500" b="1" i="0" u="none" strike="noStrike" cap="none" dirty="0">
+              <a:rPr lang="en-US" sz="2500" i="0" u="none" strike="noStrike" cap="none" dirty="0">
                 <a:solidFill>
                   <a:schemeClr val="lt1"/>
                 </a:solidFill>
@@ -24030,7 +24112,7 @@
               <a:t>(</a:t>
             </a:r>
             <a:r>
-              <a:rPr lang="en-US" sz="2500" b="1" i="0" u="none" strike="noStrike" cap="none" dirty="0" err="1">
+              <a:rPr lang="en-US" sz="2500" i="0" u="none" strike="noStrike" cap="none" dirty="0" err="1">
                 <a:solidFill>
                   <a:srgbClr val="00FF00"/>
                 </a:solidFill>
@@ -24042,7 +24124,7 @@
               <a:t>ival</a:t>
             </a:r>
             <a:r>
-              <a:rPr lang="en-US" sz="2500" b="1" i="0" u="none" strike="noStrike" cap="none" dirty="0">
+              <a:rPr lang="en-US" sz="2500" i="0" u="none" strike="noStrike" cap="none" dirty="0">
                 <a:solidFill>
                   <a:schemeClr val="lt1"/>
                 </a:solidFill>
@@ -24073,7 +24155,7 @@
               <a:buNone/>
             </a:pPr>
             <a:r>
-              <a:rPr lang="en-US" sz="2500" b="1" i="0" u="none" strike="noStrike" cap="none" smtClean="0">
+              <a:rPr lang="en-US" sz="2500" i="0" u="none" strike="noStrike" cap="none" dirty="0" smtClean="0">
                 <a:solidFill>
                   <a:schemeClr val="lt1"/>
                 </a:solidFill>
@@ -24085,7 +24167,7 @@
               <a:t>&lt;class '</a:t>
             </a:r>
             <a:r>
-              <a:rPr lang="en-US" sz="2500" b="1" i="0" u="none" strike="noStrike" cap="none" dirty="0" err="1" smtClean="0">
+              <a:rPr lang="en-US" sz="2500" i="0" u="none" strike="noStrike" cap="none" dirty="0" err="1" smtClean="0">
                 <a:solidFill>
                   <a:schemeClr val="lt1"/>
                 </a:solidFill>
@@ -24097,7 +24179,7 @@
               <a:t>int</a:t>
             </a:r>
             <a:r>
-              <a:rPr lang="en-US" sz="2500" b="1" i="0" u="none" strike="noStrike" cap="none" dirty="0">
+              <a:rPr lang="en-US" sz="2500" i="0" u="none" strike="noStrike" cap="none" dirty="0">
                 <a:solidFill>
                   <a:schemeClr val="lt1"/>
                 </a:solidFill>
@@ -24128,7 +24210,7 @@
               <a:buNone/>
             </a:pPr>
             <a:r>
-              <a:rPr lang="en-US" sz="2500" b="1" i="0" u="none" strike="noStrike" cap="none" dirty="0">
+              <a:rPr lang="en-US" sz="2500" i="0" u="none" strike="noStrike" cap="none" dirty="0">
                 <a:solidFill>
                   <a:schemeClr val="lt1"/>
                 </a:solidFill>
@@ -24140,7 +24222,7 @@
               <a:t>&gt;&gt;&gt; </a:t>
             </a:r>
             <a:r>
-              <a:rPr lang="en-US" sz="2500" b="1" i="0" u="none" strike="noStrike" cap="none" dirty="0" smtClean="0">
+              <a:rPr lang="en-US" sz="2500" i="0" u="none" strike="noStrike" cap="none" dirty="0" smtClean="0">
                 <a:solidFill>
                   <a:srgbClr val="FFFF00"/>
                 </a:solidFill>
@@ -24152,7 +24234,7 @@
               <a:t>print</a:t>
             </a:r>
             <a:r>
-              <a:rPr lang="en-US" sz="2500" b="1" dirty="0">
+              <a:rPr lang="en-US" sz="2500" dirty="0">
                 <a:solidFill>
                   <a:schemeClr val="lt1"/>
                 </a:solidFill>
@@ -24164,7 +24246,7 @@
               <a:t>(</a:t>
             </a:r>
             <a:r>
-              <a:rPr lang="en-US" sz="2500" b="1" i="0" u="none" strike="noStrike" cap="none" dirty="0" err="1" smtClean="0">
+              <a:rPr lang="en-US" sz="2500" i="0" u="none" strike="noStrike" cap="none" dirty="0" err="1" smtClean="0">
                 <a:solidFill>
                   <a:srgbClr val="00FF00"/>
                 </a:solidFill>
@@ -24176,7 +24258,7 @@
               <a:t>ival</a:t>
             </a:r>
             <a:r>
-              <a:rPr lang="en-US" sz="2500" b="1" i="0" u="none" strike="noStrike" cap="none" dirty="0" smtClean="0">
+              <a:rPr lang="en-US" sz="2500" i="0" u="none" strike="noStrike" cap="none" dirty="0" smtClean="0">
                 <a:solidFill>
                   <a:schemeClr val="lt1"/>
                 </a:solidFill>
@@ -24188,7 +24270,7 @@
               <a:t> </a:t>
             </a:r>
             <a:r>
-              <a:rPr lang="en-US" sz="2500" b="1" i="0" u="none" strike="noStrike" cap="none" dirty="0">
+              <a:rPr lang="en-US" sz="2500" i="0" u="none" strike="noStrike" cap="none" dirty="0">
                 <a:solidFill>
                   <a:schemeClr val="lt1"/>
                 </a:solidFill>
@@ -24200,7 +24282,7 @@
               <a:t>+ </a:t>
             </a:r>
             <a:r>
-              <a:rPr lang="en-US" sz="2500" b="1" i="0" u="none" strike="noStrike" cap="none" dirty="0" smtClean="0">
+              <a:rPr lang="en-US" sz="2500" i="0" u="none" strike="noStrike" cap="none" dirty="0" smtClean="0">
                 <a:solidFill>
                   <a:schemeClr val="lt1"/>
                 </a:solidFill>
@@ -24211,7 +24293,7 @@
               </a:rPr>
               <a:t>1)</a:t>
             </a:r>
-            <a:endParaRPr lang="en-US" sz="2500" b="1" i="0" u="none" strike="noStrike" cap="none" dirty="0">
+            <a:endParaRPr lang="en-US" sz="2500" i="0" u="none" strike="noStrike" cap="none" dirty="0">
               <a:solidFill>
                 <a:schemeClr val="lt1"/>
               </a:solidFill>
@@ -24240,7 +24322,7 @@
               <a:buNone/>
             </a:pPr>
             <a:r>
-              <a:rPr lang="en-US" sz="2500" b="1" i="0" u="none" strike="noStrike" cap="none" dirty="0">
+              <a:rPr lang="en-US" sz="2500" i="0" u="none" strike="noStrike" cap="none" dirty="0">
                 <a:solidFill>
                   <a:schemeClr val="lt1"/>
                 </a:solidFill>
@@ -24271,7 +24353,7 @@
               <a:buNone/>
             </a:pPr>
             <a:r>
-              <a:rPr lang="en-US" sz="2500" b="1" i="0" u="none" strike="noStrike" cap="none" dirty="0">
+              <a:rPr lang="en-US" sz="2500" i="0" u="none" strike="noStrike" cap="none" dirty="0">
                 <a:solidFill>
                   <a:schemeClr val="lt1"/>
                 </a:solidFill>
@@ -24283,7 +24365,7 @@
               <a:t>&gt;&gt;&gt; </a:t>
             </a:r>
             <a:r>
-              <a:rPr lang="en-US" sz="2500" b="1" i="0" u="none" strike="noStrike" cap="none" dirty="0" err="1">
+              <a:rPr lang="en-US" sz="2500" i="0" u="none" strike="noStrike" cap="none" dirty="0" err="1">
                 <a:solidFill>
                   <a:srgbClr val="00FF00"/>
                 </a:solidFill>
@@ -24295,7 +24377,7 @@
               <a:t>nsv</a:t>
             </a:r>
             <a:r>
-              <a:rPr lang="en-US" sz="2500" b="1" i="0" u="none" strike="noStrike" cap="none" dirty="0">
+              <a:rPr lang="en-US" sz="2500" i="0" u="none" strike="noStrike" cap="none" dirty="0">
                 <a:solidFill>
                   <a:schemeClr val="lt1"/>
                 </a:solidFill>
@@ -24326,7 +24408,7 @@
               <a:buNone/>
             </a:pPr>
             <a:r>
-              <a:rPr lang="en-US" sz="2500" b="1" i="0" u="none" strike="noStrike" cap="none" dirty="0">
+              <a:rPr lang="en-US" sz="2500" i="0" u="none" strike="noStrike" cap="none" dirty="0">
                 <a:solidFill>
                   <a:schemeClr val="lt1"/>
                 </a:solidFill>
@@ -24338,7 +24420,7 @@
               <a:t>&gt;&gt;&gt; </a:t>
             </a:r>
             <a:r>
-              <a:rPr lang="en-US" sz="2500" b="1" i="0" u="none" strike="noStrike" cap="none" dirty="0" err="1">
+              <a:rPr lang="en-US" sz="2500" i="0" u="none" strike="noStrike" cap="none" dirty="0" err="1">
                 <a:solidFill>
                   <a:srgbClr val="00FF00"/>
                 </a:solidFill>
@@ -24350,7 +24432,7 @@
               <a:t>niv</a:t>
             </a:r>
             <a:r>
-              <a:rPr lang="en-US" sz="2500" b="1" i="0" u="none" strike="noStrike" cap="none" dirty="0">
+              <a:rPr lang="en-US" sz="2500" i="0" u="none" strike="noStrike" cap="none" dirty="0">
                 <a:solidFill>
                   <a:schemeClr val="lt1"/>
                 </a:solidFill>
@@ -24362,7 +24444,7 @@
               <a:t> = </a:t>
             </a:r>
             <a:r>
-              <a:rPr lang="en-US" sz="2500" b="1" i="0" u="none" strike="noStrike" cap="none" dirty="0" err="1">
+              <a:rPr lang="en-US" sz="2500" i="0" u="none" strike="noStrike" cap="none" dirty="0" err="1">
                 <a:solidFill>
                   <a:srgbClr val="FF00FF"/>
                 </a:solidFill>
@@ -24374,7 +24456,7 @@
               <a:t>int</a:t>
             </a:r>
             <a:r>
-              <a:rPr lang="en-US" sz="2500" b="1" i="0" u="none" strike="noStrike" cap="none" dirty="0">
+              <a:rPr lang="en-US" sz="2500" i="0" u="none" strike="noStrike" cap="none" dirty="0">
                 <a:solidFill>
                   <a:schemeClr val="lt1"/>
                 </a:solidFill>
@@ -24386,7 +24468,7 @@
               <a:t>(</a:t>
             </a:r>
             <a:r>
-              <a:rPr lang="en-US" sz="2500" b="1" i="0" u="none" strike="noStrike" cap="none" dirty="0" err="1">
+              <a:rPr lang="en-US" sz="2500" i="0" u="none" strike="noStrike" cap="none" dirty="0" err="1">
                 <a:solidFill>
                   <a:srgbClr val="00FF00"/>
                 </a:solidFill>
@@ -24398,7 +24480,7 @@
               <a:t>nsv</a:t>
             </a:r>
             <a:r>
-              <a:rPr lang="en-US" sz="2500" b="1" i="0" u="none" strike="noStrike" cap="none" dirty="0">
+              <a:rPr lang="en-US" sz="2500" i="0" u="none" strike="noStrike" cap="none" dirty="0">
                 <a:solidFill>
                   <a:schemeClr val="lt1"/>
                 </a:solidFill>
@@ -24429,7 +24511,7 @@
               <a:buNone/>
             </a:pPr>
             <a:r>
-              <a:rPr lang="en-US" sz="2500" b="1" i="0" u="none" strike="noStrike" cap="none" dirty="0" err="1">
+              <a:rPr lang="en-US" sz="2500" i="0" u="none" strike="noStrike" cap="none" dirty="0" err="1">
                 <a:solidFill>
                   <a:srgbClr val="E06666"/>
                 </a:solidFill>
@@ -24441,7 +24523,7 @@
               <a:t>Traceback</a:t>
             </a:r>
             <a:r>
-              <a:rPr lang="en-US" sz="2500" b="1" i="0" u="none" strike="noStrike" cap="none" dirty="0">
+              <a:rPr lang="en-US" sz="2500" i="0" u="none" strike="noStrike" cap="none" dirty="0">
                 <a:solidFill>
                   <a:srgbClr val="E06666"/>
                 </a:solidFill>
@@ -24472,7 +24554,7 @@
               <a:buNone/>
             </a:pPr>
             <a:r>
-              <a:rPr lang="en-US" sz="2500" b="1" i="0" u="none" strike="noStrike" cap="none" dirty="0">
+              <a:rPr lang="en-US" sz="2500" i="0" u="none" strike="noStrike" cap="none" dirty="0">
                 <a:solidFill>
                   <a:srgbClr val="E06666"/>
                 </a:solidFill>
@@ -24484,7 +24566,7 @@
               <a:t>  File "&lt;</a:t>
             </a:r>
             <a:r>
-              <a:rPr lang="en-US" sz="2500" b="1" i="0" u="none" strike="noStrike" cap="none" dirty="0" err="1">
+              <a:rPr lang="en-US" sz="2500" i="0" u="none" strike="noStrike" cap="none" dirty="0" err="1">
                 <a:solidFill>
                   <a:srgbClr val="E06666"/>
                 </a:solidFill>
@@ -24496,7 +24578,7 @@
               <a:t>stdin</a:t>
             </a:r>
             <a:r>
-              <a:rPr lang="en-US" sz="2500" b="1" i="0" u="none" strike="noStrike" cap="none" dirty="0">
+              <a:rPr lang="en-US" sz="2500" i="0" u="none" strike="noStrike" cap="none" dirty="0">
                 <a:solidFill>
                   <a:srgbClr val="E06666"/>
                 </a:solidFill>
@@ -24527,7 +24609,7 @@
               <a:buNone/>
             </a:pPr>
             <a:r>
-              <a:rPr lang="en-US" sz="2500" b="1" i="0" u="none" strike="noStrike" cap="none" dirty="0" err="1">
+              <a:rPr lang="en-US" sz="2500" i="0" u="none" strike="noStrike" cap="none" dirty="0" err="1">
                 <a:solidFill>
                   <a:srgbClr val="E06666"/>
                 </a:solidFill>
@@ -24539,7 +24621,7 @@
               <a:t>ValueError</a:t>
             </a:r>
             <a:r>
-              <a:rPr lang="en-US" sz="2500" b="1" i="0" u="none" strike="noStrike" cap="none" dirty="0">
+              <a:rPr lang="en-US" sz="2500" i="0" u="none" strike="noStrike" cap="none" dirty="0">
                 <a:solidFill>
                   <a:srgbClr val="E06666"/>
                 </a:solidFill>
@@ -24551,7 +24633,7 @@
               <a:t>: invalid literal for </a:t>
             </a:r>
             <a:r>
-              <a:rPr lang="en-US" sz="2500" b="1" i="0" u="none" strike="noStrike" cap="none" dirty="0" err="1">
+              <a:rPr lang="en-US" sz="2500" i="0" u="none" strike="noStrike" cap="none" dirty="0" err="1">
                 <a:solidFill>
                   <a:srgbClr val="E06666"/>
                 </a:solidFill>
@@ -24563,7 +24645,7 @@
               <a:t>int</a:t>
             </a:r>
             <a:r>
-              <a:rPr lang="en-US" sz="2500" b="1" i="0" u="none" strike="noStrike" cap="none" dirty="0">
+              <a:rPr lang="en-US" sz="2500" i="0" u="none" strike="noStrike" cap="none" dirty="0">
                 <a:solidFill>
                   <a:srgbClr val="E06666"/>
                 </a:solidFill>

--- a/lectures3/Pythonlearn-04-Functions.pptx
+++ b/lectures3/Pythonlearn-04-Functions.pptx
@@ -5,7 +5,7 @@
     <p:sldMasterId id="2147483703" r:id="rId1"/>
   </p:sldMasterIdLst>
   <p:notesMasterIdLst>
-    <p:notesMasterId r:id="rId26"/>
+    <p:notesMasterId r:id="rId27"/>
   </p:notesMasterIdLst>
   <p:sldIdLst>
     <p:sldId id="256" r:id="rId2"/>
@@ -17,21 +17,22 @@
     <p:sldId id="280" r:id="rId8"/>
     <p:sldId id="263" r:id="rId9"/>
     <p:sldId id="264" r:id="rId10"/>
-    <p:sldId id="265" r:id="rId11"/>
-    <p:sldId id="266" r:id="rId12"/>
-    <p:sldId id="267" r:id="rId13"/>
-    <p:sldId id="268" r:id="rId14"/>
-    <p:sldId id="269" r:id="rId15"/>
-    <p:sldId id="270" r:id="rId16"/>
-    <p:sldId id="271" r:id="rId17"/>
-    <p:sldId id="272" r:id="rId18"/>
-    <p:sldId id="273" r:id="rId19"/>
-    <p:sldId id="274" r:id="rId20"/>
-    <p:sldId id="275" r:id="rId21"/>
-    <p:sldId id="276" r:id="rId22"/>
-    <p:sldId id="277" r:id="rId23"/>
+    <p:sldId id="281" r:id="rId11"/>
+    <p:sldId id="265" r:id="rId12"/>
+    <p:sldId id="266" r:id="rId13"/>
+    <p:sldId id="267" r:id="rId14"/>
+    <p:sldId id="268" r:id="rId15"/>
+    <p:sldId id="269" r:id="rId16"/>
+    <p:sldId id="270" r:id="rId17"/>
+    <p:sldId id="271" r:id="rId18"/>
+    <p:sldId id="272" r:id="rId19"/>
+    <p:sldId id="273" r:id="rId20"/>
+    <p:sldId id="274" r:id="rId21"/>
+    <p:sldId id="275" r:id="rId22"/>
+    <p:sldId id="276" r:id="rId23"/>
     <p:sldId id="278" r:id="rId24"/>
-    <p:sldId id="279" r:id="rId25"/>
+    <p:sldId id="277" r:id="rId25"/>
+    <p:sldId id="279" r:id="rId26"/>
   </p:sldIdLst>
   <p:sldSz cx="16256000" cy="9144000"/>
   <p:notesSz cx="6858000" cy="9144000"/>
@@ -239,7 +240,18 @@
   </p:defaultTextStyle>
   <p:extLst>
     <p:ext uri="{EFAFB233-063F-42B5-8137-9DF3F51BA10A}">
-      <p15:sldGuideLst xmlns:p15="http://schemas.microsoft.com/office/powerpoint/2012/main" xmlns=""/>
+      <p15:sldGuideLst xmlns:p15="http://schemas.microsoft.com/office/powerpoint/2012/main">
+        <p15:guide id="1" orient="horz" pos="2880">
+          <p15:clr>
+            <a:srgbClr val="A4A3A4"/>
+          </p15:clr>
+        </p15:guide>
+        <p15:guide id="2" pos="5120">
+          <p15:clr>
+            <a:srgbClr val="A4A3A4"/>
+          </p15:clr>
+        </p15:guide>
+      </p15:sldGuideLst>
     </p:ext>
   </p:extLst>
 </p:presentation>
@@ -2059,6 +2071,116 @@
   <p:cSld>
     <p:spTree>
       <p:nvGrpSpPr>
+        <p:cNvPr id="1" name="Shape 399"/>
+        <p:cNvGrpSpPr/>
+        <p:nvPr/>
+      </p:nvGrpSpPr>
+      <p:grpSpPr>
+        <a:xfrm>
+          <a:off x="0" y="0"/>
+          <a:ext cx="0" cy="0"/>
+          <a:chOff x="0" y="0"/>
+          <a:chExt cx="0" cy="0"/>
+        </a:xfrm>
+      </p:grpSpPr>
+      <p:sp>
+        <p:nvSpPr>
+          <p:cNvPr id="400" name="Shape 400"/>
+          <p:cNvSpPr txBox="1">
+            <a:spLocks noGrp="1"/>
+          </p:cNvSpPr>
+          <p:nvPr>
+            <p:ph type="body" idx="1"/>
+          </p:nvPr>
+        </p:nvSpPr>
+        <p:spPr>
+          <a:xfrm>
+            <a:off x="685800" y="4343400"/>
+            <a:ext cx="5486399" cy="4114800"/>
+          </a:xfrm>
+          <a:prstGeom prst="rect">
+            <a:avLst/>
+          </a:prstGeom>
+          <a:noFill/>
+          <a:ln>
+            <a:noFill/>
+          </a:ln>
+        </p:spPr>
+        <p:txBody>
+          <a:bodyPr lIns="91425" tIns="91425" rIns="91425" bIns="91425" anchor="ctr" anchorCtr="0">
+            <a:noAutofit/>
+          </a:bodyPr>
+          <a:lstStyle/>
+          <a:p>
+            <a:pPr lvl="0">
+              <a:spcBef>
+                <a:spcPts val="0"/>
+              </a:spcBef>
+              <a:buNone/>
+            </a:pPr>
+            <a:endParaRPr/>
+          </a:p>
+        </p:txBody>
+      </p:sp>
+      <p:sp>
+        <p:nvSpPr>
+          <p:cNvPr id="401" name="Shape 401"/>
+          <p:cNvSpPr>
+            <a:spLocks noGrp="1" noRot="1" noChangeAspect="1"/>
+          </p:cNvSpPr>
+          <p:nvPr>
+            <p:ph type="sldImg" idx="2"/>
+          </p:nvPr>
+        </p:nvSpPr>
+        <p:spPr>
+          <a:xfrm>
+            <a:off x="381000" y="685800"/>
+            <a:ext cx="6096000" cy="3429000"/>
+          </a:xfrm>
+          <a:custGeom>
+            <a:avLst/>
+            <a:gdLst/>
+            <a:ahLst/>
+            <a:cxnLst/>
+            <a:rect l="0" t="0" r="0" b="0"/>
+            <a:pathLst>
+              <a:path w="120000" h="120000" extrusionOk="0">
+                <a:moveTo>
+                  <a:pt x="0" y="0"/>
+                </a:moveTo>
+                <a:lnTo>
+                  <a:pt x="120000" y="0"/>
+                </a:lnTo>
+                <a:lnTo>
+                  <a:pt x="120000" y="120000"/>
+                </a:lnTo>
+                <a:lnTo>
+                  <a:pt x="0" y="120000"/>
+                </a:lnTo>
+                <a:close/>
+              </a:path>
+            </a:pathLst>
+          </a:custGeom>
+        </p:spPr>
+      </p:sp>
+    </p:spTree>
+    <p:extLst>
+      <p:ext uri="{BB962C8B-B14F-4D97-AF65-F5344CB8AC3E}">
+        <p14:creationId xmlns:p14="http://schemas.microsoft.com/office/powerpoint/2010/main" val="496146402"/>
+      </p:ext>
+    </p:extLst>
+  </p:cSld>
+  <p:clrMapOvr>
+    <a:masterClrMapping/>
+  </p:clrMapOvr>
+</p:notes>
+</file>
+
+<file path=ppt/notesSlides/notesSlide23.xml><?xml version="1.0" encoding="utf-8"?>
+<p:notes xmlns:a="http://schemas.openxmlformats.org/drawingml/2006/main" xmlns:r="http://schemas.openxmlformats.org/officeDocument/2006/relationships" xmlns:p="http://schemas.openxmlformats.org/presentationml/2006/main" showMasterSp="0" showMasterPhAnim="0">
+  <p:cSld>
+    <p:spTree>
+      <p:nvGrpSpPr>
         <p:cNvPr id="1" name="Shape 392"/>
         <p:cNvGrpSpPr/>
         <p:nvPr/>
@@ -2155,116 +2277,6 @@
     <p:extLst>
       <p:ext uri="{BB962C8B-B14F-4D97-AF65-F5344CB8AC3E}">
         <p14:creationId xmlns:p14="http://schemas.microsoft.com/office/powerpoint/2010/main" val="2133713665"/>
-      </p:ext>
-    </p:extLst>
-  </p:cSld>
-  <p:clrMapOvr>
-    <a:masterClrMapping/>
-  </p:clrMapOvr>
-</p:notes>
-</file>
-
-<file path=ppt/notesSlides/notesSlide23.xml><?xml version="1.0" encoding="utf-8"?>
-<p:notes xmlns:a="http://schemas.openxmlformats.org/drawingml/2006/main" xmlns:r="http://schemas.openxmlformats.org/officeDocument/2006/relationships" xmlns:p="http://schemas.openxmlformats.org/presentationml/2006/main" showMasterSp="0" showMasterPhAnim="0">
-  <p:cSld>
-    <p:spTree>
-      <p:nvGrpSpPr>
-        <p:cNvPr id="1" name="Shape 399"/>
-        <p:cNvGrpSpPr/>
-        <p:nvPr/>
-      </p:nvGrpSpPr>
-      <p:grpSpPr>
-        <a:xfrm>
-          <a:off x="0" y="0"/>
-          <a:ext cx="0" cy="0"/>
-          <a:chOff x="0" y="0"/>
-          <a:chExt cx="0" cy="0"/>
-        </a:xfrm>
-      </p:grpSpPr>
-      <p:sp>
-        <p:nvSpPr>
-          <p:cNvPr id="400" name="Shape 400"/>
-          <p:cNvSpPr txBox="1">
-            <a:spLocks noGrp="1"/>
-          </p:cNvSpPr>
-          <p:nvPr>
-            <p:ph type="body" idx="1"/>
-          </p:nvPr>
-        </p:nvSpPr>
-        <p:spPr>
-          <a:xfrm>
-            <a:off x="685800" y="4343400"/>
-            <a:ext cx="5486399" cy="4114800"/>
-          </a:xfrm>
-          <a:prstGeom prst="rect">
-            <a:avLst/>
-          </a:prstGeom>
-          <a:noFill/>
-          <a:ln>
-            <a:noFill/>
-          </a:ln>
-        </p:spPr>
-        <p:txBody>
-          <a:bodyPr lIns="91425" tIns="91425" rIns="91425" bIns="91425" anchor="ctr" anchorCtr="0">
-            <a:noAutofit/>
-          </a:bodyPr>
-          <a:lstStyle/>
-          <a:p>
-            <a:pPr lvl="0">
-              <a:spcBef>
-                <a:spcPts val="0"/>
-              </a:spcBef>
-              <a:buNone/>
-            </a:pPr>
-            <a:endParaRPr/>
-          </a:p>
-        </p:txBody>
-      </p:sp>
-      <p:sp>
-        <p:nvSpPr>
-          <p:cNvPr id="401" name="Shape 401"/>
-          <p:cNvSpPr>
-            <a:spLocks noGrp="1" noRot="1" noChangeAspect="1"/>
-          </p:cNvSpPr>
-          <p:nvPr>
-            <p:ph type="sldImg" idx="2"/>
-          </p:nvPr>
-        </p:nvSpPr>
-        <p:spPr>
-          <a:xfrm>
-            <a:off x="381000" y="685800"/>
-            <a:ext cx="6096000" cy="3429000"/>
-          </a:xfrm>
-          <a:custGeom>
-            <a:avLst/>
-            <a:gdLst/>
-            <a:ahLst/>
-            <a:cxnLst/>
-            <a:rect l="0" t="0" r="0" b="0"/>
-            <a:pathLst>
-              <a:path w="120000" h="120000" extrusionOk="0">
-                <a:moveTo>
-                  <a:pt x="0" y="0"/>
-                </a:moveTo>
-                <a:lnTo>
-                  <a:pt x="120000" y="0"/>
-                </a:lnTo>
-                <a:lnTo>
-                  <a:pt x="120000" y="120000"/>
-                </a:lnTo>
-                <a:lnTo>
-                  <a:pt x="0" y="120000"/>
-                </a:lnTo>
-                <a:close/>
-              </a:path>
-            </a:pathLst>
-          </a:custGeom>
-        </p:spPr>
-      </p:sp>
-    </p:spTree>
-    <p:extLst>
-      <p:ext uri="{BB962C8B-B14F-4D97-AF65-F5344CB8AC3E}">
-        <p14:creationId xmlns:p14="http://schemas.microsoft.com/office/powerpoint/2010/main" val="496146402"/>
       </p:ext>
     </p:extLst>
   </p:cSld>
@@ -3280,7 +3292,7 @@
             </a:lvl9pPr>
           </a:lstStyle>
           <a:p>
-            <a:endParaRPr/>
+            <a:endParaRPr dirty="0"/>
           </a:p>
         </p:txBody>
       </p:sp>
@@ -3317,7 +3329,7 @@
               <a:spcAft>
                 <a:spcPts val="0"/>
               </a:spcAft>
-              <a:defRPr/>
+              <a:defRPr sz="4000"/>
             </a:lvl1pPr>
             <a:lvl2pPr lvl="1" algn="ctr" rtl="0">
               <a:spcBef>
@@ -3393,7 +3405,7 @@
             </a:lvl9pPr>
           </a:lstStyle>
           <a:p>
-            <a:endParaRPr/>
+            <a:endParaRPr dirty="0"/>
           </a:p>
         </p:txBody>
       </p:sp>
@@ -3531,7 +3543,7 @@
             </a:lvl9pPr>
           </a:lstStyle>
           <a:p>
-            <a:endParaRPr/>
+            <a:endParaRPr dirty="0"/>
           </a:p>
         </p:txBody>
       </p:sp>
@@ -3573,7 +3585,7 @@
               </a:buClr>
               <a:buFont typeface="Cabin"/>
               <a:buChar char="•"/>
-              <a:defRPr/>
+              <a:defRPr sz="4000"/>
             </a:lvl1pPr>
             <a:lvl2pPr marL="1003300" lvl="1" indent="-142494" algn="l" rtl="0">
               <a:spcBef>
@@ -3689,7 +3701,7 @@
             </a:lvl9pPr>
           </a:lstStyle>
           <a:p>
-            <a:endParaRPr/>
+            <a:endParaRPr dirty="0"/>
           </a:p>
         </p:txBody>
       </p:sp>
@@ -4008,7 +4020,7 @@
             </a:lvl9pPr>
           </a:lstStyle>
           <a:p>
-            <a:endParaRPr/>
+            <a:endParaRPr dirty="0"/>
           </a:p>
         </p:txBody>
       </p:sp>
@@ -4121,7 +4133,7 @@
             </a:lvl9pPr>
           </a:lstStyle>
           <a:p>
-            <a:endParaRPr/>
+            <a:endParaRPr dirty="0"/>
           </a:p>
         </p:txBody>
       </p:sp>
@@ -4459,7 +4471,7 @@
           <a:spcPts val="0"/>
         </a:spcAft>
         <a:buNone/>
-        <a:defRPr sz="1400" b="0" i="0" u="none" strike="noStrike" cap="none">
+        <a:defRPr sz="7200" b="0" i="0" u="none" strike="noStrike" cap="none">
           <a:solidFill>
             <a:srgbClr val="000000"/>
           </a:solidFill>
@@ -4493,7 +4505,7 @@
           <a:spcPts val="0"/>
         </a:spcAft>
         <a:buNone/>
-        <a:defRPr sz="1400" b="0" i="0" u="none" strike="noStrike" cap="none">
+        <a:defRPr sz="4000" b="0" i="0" u="none" strike="noStrike" cap="none">
           <a:solidFill>
             <a:srgbClr val="000000"/>
           </a:solidFill>
@@ -5179,7 +5191,7 @@
   <p:timing>
     <p:tnLst>
       <p:par>
-        <p:cTn xmlns:p14="http://schemas.microsoft.com/office/powerpoint/2010/main" id="1" dur="indefinite" restart="never" nodeType="tmRoot"/>
+        <p:cTn id="1" dur="indefinite" restart="never" nodeType="tmRoot"/>
       </p:par>
     </p:tnLst>
   </p:timing>
@@ -5187,6 +5199,105 @@
 </file>
 
 <file path=ppt/slides/slide10.xml><?xml version="1.0" encoding="utf-8"?>
+<p:sld xmlns:a="http://schemas.openxmlformats.org/drawingml/2006/main" xmlns:r="http://schemas.openxmlformats.org/officeDocument/2006/relationships" xmlns:p="http://schemas.openxmlformats.org/presentationml/2006/main">
+  <p:cSld>
+    <p:spTree>
+      <p:nvGrpSpPr>
+        <p:cNvPr id="1" name=""/>
+        <p:cNvGrpSpPr/>
+        <p:nvPr/>
+      </p:nvGrpSpPr>
+      <p:grpSpPr>
+        <a:xfrm>
+          <a:off x="0" y="0"/>
+          <a:ext cx="0" cy="0"/>
+          <a:chOff x="0" y="0"/>
+          <a:chExt cx="0" cy="0"/>
+        </a:xfrm>
+      </p:grpSpPr>
+      <p:sp>
+        <p:nvSpPr>
+          <p:cNvPr id="4" name="Title 3"/>
+          <p:cNvSpPr>
+            <a:spLocks noGrp="1"/>
+          </p:cNvSpPr>
+          <p:nvPr>
+            <p:ph type="title"/>
+          </p:nvPr>
+        </p:nvSpPr>
+        <p:spPr/>
+        <p:txBody>
+          <a:bodyPr/>
+          <a:lstStyle/>
+          <a:p>
+            <a:r>
+              <a:rPr lang="en-US" sz="7200" dirty="0" smtClean="0">
+                <a:solidFill>
+                  <a:srgbClr val="FFFF00"/>
+                </a:solidFill>
+                <a:latin typeface="Arial" charset="0"/>
+                <a:ea typeface="Arial" charset="0"/>
+                <a:cs typeface="Arial" charset="0"/>
+                <a:sym typeface="Cabin"/>
+              </a:rPr>
+              <a:t>Functions of Our Own</a:t>
+            </a:r>
+            <a:r>
+              <a:rPr lang="is-IS" sz="7200" dirty="0" smtClean="0">
+                <a:solidFill>
+                  <a:srgbClr val="FFFF00"/>
+                </a:solidFill>
+                <a:latin typeface="Arial" charset="0"/>
+                <a:ea typeface="Arial" charset="0"/>
+                <a:cs typeface="Arial" charset="0"/>
+                <a:sym typeface="Cabin"/>
+              </a:rPr>
+              <a:t>…</a:t>
+            </a:r>
+            <a:endParaRPr lang="en-US" sz="7200" dirty="0"/>
+          </a:p>
+        </p:txBody>
+      </p:sp>
+      <p:sp>
+        <p:nvSpPr>
+          <p:cNvPr id="5" name="Text Placeholder 4"/>
+          <p:cNvSpPr>
+            <a:spLocks noGrp="1"/>
+          </p:cNvSpPr>
+          <p:nvPr>
+            <p:ph type="body" idx="1"/>
+          </p:nvPr>
+        </p:nvSpPr>
+        <p:spPr/>
+        <p:txBody>
+          <a:bodyPr/>
+          <a:lstStyle/>
+          <a:p>
+            <a:endParaRPr lang="en-US" dirty="0"/>
+          </a:p>
+        </p:txBody>
+      </p:sp>
+    </p:spTree>
+    <p:extLst>
+      <p:ext uri="{BB962C8B-B14F-4D97-AF65-F5344CB8AC3E}">
+        <p14:creationId xmlns:p14="http://schemas.microsoft.com/office/powerpoint/2010/main" val="1963290136"/>
+      </p:ext>
+    </p:extLst>
+  </p:cSld>
+  <p:clrMapOvr>
+    <a:masterClrMapping/>
+  </p:clrMapOvr>
+  <p:timing>
+    <p:tnLst>
+      <p:par>
+        <p:cTn id="1" dur="indefinite" restart="never" nodeType="tmRoot"/>
+      </p:par>
+    </p:tnLst>
+  </p:timing>
+</p:sld>
+</file>
+
+<file path=ppt/slides/slide11.xml><?xml version="1.0" encoding="utf-8"?>
 <p:sld xmlns:a="http://schemas.openxmlformats.org/drawingml/2006/main" xmlns:r="http://schemas.openxmlformats.org/officeDocument/2006/relationships" xmlns:p="http://schemas.openxmlformats.org/presentationml/2006/main">
   <p:cSld>
     <p:spTree>
@@ -5546,7 +5657,7 @@
               <a:buNone/>
             </a:pPr>
             <a:r>
-              <a:rPr lang="en-US" sz="2600" i="0" u="none" strike="noStrike" cap="none" dirty="0" err="1">
+              <a:rPr lang="en-US" sz="2600" b="1" i="0" u="none" strike="noStrike" cap="none" dirty="0" err="1">
                 <a:solidFill>
                   <a:srgbClr val="FFFF00"/>
                 </a:solidFill>
@@ -5558,7 +5669,7 @@
               <a:t>def</a:t>
             </a:r>
             <a:r>
-              <a:rPr lang="en-US" sz="2600" i="0" u="none" strike="noStrike" cap="none" dirty="0">
+              <a:rPr lang="en-US" sz="2600" b="1" i="0" u="none" strike="noStrike" cap="none" dirty="0">
                 <a:solidFill>
                   <a:schemeClr val="lt1"/>
                 </a:solidFill>
@@ -5570,7 +5681,7 @@
               <a:t> </a:t>
             </a:r>
             <a:r>
-              <a:rPr lang="en-US" sz="2600" i="0" u="none" strike="noStrike" cap="none" dirty="0" err="1">
+              <a:rPr lang="en-US" sz="2600" b="1" i="0" u="none" strike="noStrike" cap="none" dirty="0" err="1">
                 <a:solidFill>
                   <a:srgbClr val="00FF00"/>
                 </a:solidFill>
@@ -5582,7 +5693,7 @@
               <a:t>print_lyrics</a:t>
             </a:r>
             <a:r>
-              <a:rPr lang="en-US" sz="2600" i="0" u="none" strike="noStrike" cap="none" dirty="0">
+              <a:rPr lang="en-US" sz="2600" b="1" i="0" u="none" strike="noStrike" cap="none" dirty="0">
                 <a:solidFill>
                   <a:schemeClr val="lt1"/>
                 </a:solidFill>
@@ -5613,7 +5724,7 @@
               <a:buNone/>
             </a:pPr>
             <a:r>
-              <a:rPr lang="en-US" sz="2600" i="0" u="none" strike="noStrike" cap="none" dirty="0">
+              <a:rPr lang="en-US" sz="2600" b="1" i="0" u="none" strike="noStrike" cap="none" dirty="0">
                 <a:solidFill>
                   <a:schemeClr val="lt1"/>
                 </a:solidFill>
@@ -5625,7 +5736,7 @@
               <a:t>    </a:t>
             </a:r>
             <a:r>
-              <a:rPr lang="en-US" sz="2600" i="0" u="none" strike="noStrike" cap="none" dirty="0" smtClean="0">
+              <a:rPr lang="en-US" sz="2600" b="1" i="0" u="none" strike="noStrike" cap="none" dirty="0" smtClean="0">
                 <a:solidFill>
                   <a:srgbClr val="FFFF00"/>
                 </a:solidFill>
@@ -5637,7 +5748,7 @@
               <a:t>print</a:t>
             </a:r>
             <a:r>
-              <a:rPr lang="en-US" sz="2600" dirty="0">
+              <a:rPr lang="en-US" sz="2600" b="1" dirty="0">
                 <a:solidFill>
                   <a:schemeClr val="lt1"/>
                 </a:solidFill>
@@ -5649,7 +5760,7 @@
               <a:t>(</a:t>
             </a:r>
             <a:r>
-              <a:rPr lang="en-US" sz="2600" i="0" u="none" strike="noStrike" cap="none" dirty="0" smtClean="0">
+              <a:rPr lang="en-US" sz="2600" b="1" i="0" u="none" strike="noStrike" cap="none" dirty="0" smtClean="0">
                 <a:solidFill>
                   <a:schemeClr val="lt1"/>
                 </a:solidFill>
@@ -5661,7 +5772,7 @@
               <a:t>"I'm </a:t>
             </a:r>
             <a:r>
-              <a:rPr lang="en-US" sz="2600" i="0" u="none" strike="noStrike" cap="none" dirty="0">
+              <a:rPr lang="en-US" sz="2600" b="1" i="0" u="none" strike="noStrike" cap="none" dirty="0">
                 <a:solidFill>
                   <a:schemeClr val="lt1"/>
                 </a:solidFill>
@@ -5673,7 +5784,7 @@
               <a:t>a lumberjack, and I'm okay</a:t>
             </a:r>
             <a:r>
-              <a:rPr lang="en-US" sz="2600" i="0" u="none" strike="noStrike" cap="none" dirty="0" smtClean="0">
+              <a:rPr lang="en-US" sz="2600" b="1" i="0" u="none" strike="noStrike" cap="none" dirty="0" smtClean="0">
                 <a:solidFill>
                   <a:schemeClr val="lt1"/>
                 </a:solidFill>
@@ -5685,7 +5796,7 @@
               <a:t>.</a:t>
             </a:r>
             <a:r>
-              <a:rPr lang="en-US" sz="2600" dirty="0" smtClean="0">
+              <a:rPr lang="en-US" sz="2600" b="1" dirty="0" smtClean="0">
                 <a:solidFill>
                   <a:schemeClr val="lt1"/>
                 </a:solidFill>
@@ -5696,7 +5807,7 @@
               </a:rPr>
               <a:t>")</a:t>
             </a:r>
-            <a:endParaRPr lang="en-US" sz="2600" dirty="0">
+            <a:endParaRPr lang="en-US" sz="2600" b="1" dirty="0">
               <a:solidFill>
                 <a:schemeClr val="lt1"/>
               </a:solidFill>
@@ -5725,7 +5836,7 @@
               <a:buNone/>
             </a:pPr>
             <a:r>
-              <a:rPr lang="en-US" sz="2600" i="0" u="none" strike="noStrike" cap="none" dirty="0">
+              <a:rPr lang="en-US" sz="2600" b="1" i="0" u="none" strike="noStrike" cap="none" dirty="0">
                 <a:solidFill>
                   <a:schemeClr val="lt1"/>
                 </a:solidFill>
@@ -5737,7 +5848,7 @@
               <a:t>    </a:t>
             </a:r>
             <a:r>
-              <a:rPr lang="en-US" sz="2600" i="0" u="none" strike="noStrike" cap="none" dirty="0" smtClean="0">
+              <a:rPr lang="en-US" sz="2600" b="1" i="0" u="none" strike="noStrike" cap="none" dirty="0" smtClean="0">
                 <a:solidFill>
                   <a:srgbClr val="FFFF00"/>
                 </a:solidFill>
@@ -5749,7 +5860,7 @@
               <a:t>print</a:t>
             </a:r>
             <a:r>
-              <a:rPr lang="en-US" sz="2600" dirty="0">
+              <a:rPr lang="en-US" sz="2600" b="1" dirty="0">
                 <a:solidFill>
                   <a:schemeClr val="lt1"/>
                 </a:solidFill>
@@ -5761,7 +5872,7 @@
               <a:t>(</a:t>
             </a:r>
             <a:r>
-              <a:rPr lang="en-US" sz="2600" i="0" u="none" strike="noStrike" cap="none" dirty="0" smtClean="0">
+              <a:rPr lang="en-US" sz="2600" b="1" i="0" u="none" strike="noStrike" cap="none" dirty="0" smtClean="0">
                 <a:solidFill>
                   <a:schemeClr val="lt1"/>
                 </a:solidFill>
@@ -5773,7 +5884,7 @@
               <a:t>'I </a:t>
             </a:r>
             <a:r>
-              <a:rPr lang="en-US" sz="2600" i="0" u="none" strike="noStrike" cap="none" dirty="0">
+              <a:rPr lang="en-US" sz="2600" b="1" i="0" u="none" strike="noStrike" cap="none" dirty="0">
                 <a:solidFill>
                   <a:schemeClr val="lt1"/>
                 </a:solidFill>
@@ -5785,7 +5896,7 @@
               <a:t>sleep all night and I work all day</a:t>
             </a:r>
             <a:r>
-              <a:rPr lang="en-US" sz="2600" i="0" u="none" strike="noStrike" cap="none" dirty="0" smtClean="0">
+              <a:rPr lang="en-US" sz="2600" b="1" i="0" u="none" strike="noStrike" cap="none" dirty="0" smtClean="0">
                 <a:solidFill>
                   <a:schemeClr val="lt1"/>
                 </a:solidFill>
@@ -5796,7 +5907,7 @@
               </a:rPr>
               <a:t>.')</a:t>
             </a:r>
-            <a:endParaRPr lang="en-US" sz="2600" i="0" u="none" strike="noStrike" cap="none" dirty="0">
+            <a:endParaRPr lang="en-US" sz="2600" b="1" i="0" u="none" strike="noStrike" cap="none" dirty="0">
               <a:solidFill>
                 <a:schemeClr val="lt1"/>
               </a:solidFill>
@@ -5813,10 +5924,17 @@
   <p:clrMapOvr>
     <a:masterClrMapping/>
   </p:clrMapOvr>
+  <p:timing>
+    <p:tnLst>
+      <p:par>
+        <p:cTn id="1" dur="indefinite" restart="never" nodeType="tmRoot"/>
+      </p:par>
+    </p:tnLst>
+  </p:timing>
 </p:sld>
 </file>
 
-<file path=ppt/slides/slide11.xml><?xml version="1.0" encoding="utf-8"?>
+<file path=ppt/slides/slide12.xml><?xml version="1.0" encoding="utf-8"?>
 <p:sld xmlns:a="http://schemas.openxmlformats.org/drawingml/2006/main" xmlns:r="http://schemas.openxmlformats.org/officeDocument/2006/relationships" xmlns:p="http://schemas.openxmlformats.org/presentationml/2006/main">
   <p:cSld>
     <p:spTree>
@@ -5876,7 +5994,7 @@
               <a:buNone/>
             </a:pPr>
             <a:r>
-              <a:rPr lang="en-US" sz="2800" i="0" u="none" strike="noStrike" cap="none" dirty="0">
+              <a:rPr lang="en-US" sz="2800" b="1" i="0" u="none" strike="noStrike" cap="none" dirty="0">
                 <a:solidFill>
                   <a:srgbClr val="00FF00"/>
                 </a:solidFill>
@@ -5888,7 +6006,7 @@
               <a:t>x</a:t>
             </a:r>
             <a:r>
-              <a:rPr lang="en-US" sz="2800" i="0" u="none" strike="noStrike" cap="none" dirty="0">
+              <a:rPr lang="en-US" sz="2800" b="1" i="0" u="none" strike="noStrike" cap="none" dirty="0">
                 <a:solidFill>
                   <a:schemeClr val="lt1"/>
                 </a:solidFill>
@@ -5919,7 +6037,7 @@
               <a:buNone/>
             </a:pPr>
             <a:r>
-              <a:rPr lang="en-US" sz="2800" i="0" u="none" strike="noStrike" cap="none" dirty="0" smtClean="0">
+              <a:rPr lang="en-US" sz="2800" b="1" i="0" u="none" strike="noStrike" cap="none" dirty="0" smtClean="0">
                 <a:solidFill>
                   <a:srgbClr val="FFFF00"/>
                 </a:solidFill>
@@ -5931,7 +6049,7 @@
               <a:t>print</a:t>
             </a:r>
             <a:r>
-              <a:rPr lang="en-US" sz="2800" dirty="0">
+              <a:rPr lang="en-US" sz="2800" b="1" dirty="0">
                 <a:solidFill>
                   <a:schemeClr val="lt1"/>
                 </a:solidFill>
@@ -5943,7 +6061,7 @@
               <a:t>(</a:t>
             </a:r>
             <a:r>
-              <a:rPr lang="en-US" sz="2800" i="0" u="none" strike="noStrike" cap="none" dirty="0" smtClean="0">
+              <a:rPr lang="en-US" sz="2800" b="1" i="0" u="none" strike="noStrike" cap="none" dirty="0" smtClean="0">
                 <a:solidFill>
                   <a:schemeClr val="lt1"/>
                 </a:solidFill>
@@ -5954,7 +6072,7 @@
               </a:rPr>
               <a:t>'Hello')</a:t>
             </a:r>
-            <a:endParaRPr lang="en-US" sz="2800" i="0" u="none" strike="noStrike" cap="none" dirty="0">
+            <a:endParaRPr lang="en-US" sz="2800" b="1" i="0" u="none" strike="noStrike" cap="none" dirty="0">
               <a:solidFill>
                 <a:schemeClr val="lt1"/>
               </a:solidFill>
@@ -5977,7 +6095,7 @@
               </a:spcAft>
               <a:buNone/>
             </a:pPr>
-            <a:endParaRPr sz="2800" i="0" u="none" strike="noStrike" cap="none" dirty="0">
+            <a:endParaRPr sz="2800" b="1" i="0" u="none" strike="noStrike" cap="none" dirty="0">
               <a:solidFill>
                 <a:srgbClr val="FFFF00"/>
               </a:solidFill>
@@ -6006,7 +6124,7 @@
               <a:buNone/>
             </a:pPr>
             <a:r>
-              <a:rPr lang="en-US" sz="2800" i="0" u="none" strike="noStrike" cap="none" dirty="0" err="1">
+              <a:rPr lang="en-US" sz="2800" b="1" i="0" u="none" strike="noStrike" cap="none" dirty="0" err="1">
                 <a:solidFill>
                   <a:srgbClr val="FFFF00"/>
                 </a:solidFill>
@@ -6018,7 +6136,7 @@
               <a:t>def</a:t>
             </a:r>
             <a:r>
-              <a:rPr lang="en-US" sz="2800" i="0" u="none" strike="noStrike" cap="none" dirty="0">
+              <a:rPr lang="en-US" sz="2800" b="1" i="0" u="none" strike="noStrike" cap="none" dirty="0">
                 <a:solidFill>
                   <a:schemeClr val="lt1"/>
                 </a:solidFill>
@@ -6030,7 +6148,7 @@
               <a:t> </a:t>
             </a:r>
             <a:r>
-              <a:rPr lang="en-US" sz="2800" i="0" u="none" strike="noStrike" cap="none" dirty="0" err="1">
+              <a:rPr lang="en-US" sz="2800" b="1" i="0" u="none" strike="noStrike" cap="none" dirty="0" err="1">
                 <a:solidFill>
                   <a:srgbClr val="00FF00"/>
                 </a:solidFill>
@@ -6042,7 +6160,7 @@
               <a:t>print_lyrics</a:t>
             </a:r>
             <a:r>
-              <a:rPr lang="en-US" sz="2800" i="0" u="none" strike="noStrike" cap="none" dirty="0">
+              <a:rPr lang="en-US" sz="2800" b="1" i="0" u="none" strike="noStrike" cap="none" dirty="0">
                 <a:solidFill>
                   <a:schemeClr val="lt1"/>
                 </a:solidFill>
@@ -6073,7 +6191,7 @@
               <a:buNone/>
             </a:pPr>
             <a:r>
-              <a:rPr lang="en-US" sz="2800" i="0" u="none" strike="noStrike" cap="none" dirty="0">
+              <a:rPr lang="en-US" sz="2800" b="1" i="0" u="none" strike="noStrike" cap="none" dirty="0">
                 <a:solidFill>
                   <a:schemeClr val="lt1"/>
                 </a:solidFill>
@@ -6085,7 +6203,7 @@
               <a:t>    </a:t>
             </a:r>
             <a:r>
-              <a:rPr lang="en-US" sz="2800" i="0" u="none" strike="noStrike" cap="none" dirty="0" smtClean="0">
+              <a:rPr lang="en-US" sz="2800" b="1" i="0" u="none" strike="noStrike" cap="none" dirty="0" smtClean="0">
                 <a:solidFill>
                   <a:srgbClr val="FFFF00"/>
                 </a:solidFill>
@@ -6097,7 +6215,7 @@
               <a:t>print</a:t>
             </a:r>
             <a:r>
-              <a:rPr lang="en-US" sz="2800" dirty="0">
+              <a:rPr lang="en-US" sz="2800" b="1" dirty="0">
                 <a:solidFill>
                   <a:schemeClr val="lt1"/>
                 </a:solidFill>
@@ -6109,7 +6227,7 @@
               <a:t>(</a:t>
             </a:r>
             <a:r>
-              <a:rPr lang="en-US" sz="2800" i="0" u="none" strike="noStrike" cap="none" dirty="0" smtClean="0">
+              <a:rPr lang="en-US" sz="2800" b="1" i="0" u="none" strike="noStrike" cap="none" dirty="0" smtClean="0">
                 <a:solidFill>
                   <a:schemeClr val="lt1"/>
                 </a:solidFill>
@@ -6121,7 +6239,7 @@
               <a:t>"I'm </a:t>
             </a:r>
             <a:r>
-              <a:rPr lang="en-US" sz="2800" i="0" u="none" strike="noStrike" cap="none" dirty="0">
+              <a:rPr lang="en-US" sz="2800" b="1" i="0" u="none" strike="noStrike" cap="none" dirty="0">
                 <a:solidFill>
                   <a:schemeClr val="lt1"/>
                 </a:solidFill>
@@ -6133,7 +6251,7 @@
               <a:t>a lumberjack, and I'm okay</a:t>
             </a:r>
             <a:r>
-              <a:rPr lang="en-US" sz="2800" i="0" u="none" strike="noStrike" cap="none" dirty="0" smtClean="0">
+              <a:rPr lang="en-US" sz="2800" b="1" i="0" u="none" strike="noStrike" cap="none" dirty="0" smtClean="0">
                 <a:solidFill>
                   <a:schemeClr val="lt1"/>
                 </a:solidFill>
@@ -6145,7 +6263,7 @@
               <a:t>.</a:t>
             </a:r>
             <a:r>
-              <a:rPr lang="en-US" sz="2800" dirty="0" smtClean="0">
+              <a:rPr lang="en-US" sz="2800" b="1" dirty="0" smtClean="0">
                 <a:solidFill>
                   <a:schemeClr val="lt1"/>
                 </a:solidFill>
@@ -6156,7 +6274,7 @@
               </a:rPr>
               <a:t>")</a:t>
             </a:r>
-            <a:endParaRPr lang="en-US" sz="2800" dirty="0">
+            <a:endParaRPr lang="en-US" sz="2800" b="1" dirty="0">
               <a:solidFill>
                 <a:schemeClr val="lt1"/>
               </a:solidFill>
@@ -6185,7 +6303,7 @@
               <a:buNone/>
             </a:pPr>
             <a:r>
-              <a:rPr lang="en-US" sz="2800" i="0" u="none" strike="noStrike" cap="none" dirty="0">
+              <a:rPr lang="en-US" sz="2800" b="1" i="0" u="none" strike="noStrike" cap="none" dirty="0">
                 <a:solidFill>
                   <a:schemeClr val="lt1"/>
                 </a:solidFill>
@@ -6197,7 +6315,7 @@
               <a:t>    </a:t>
             </a:r>
             <a:r>
-              <a:rPr lang="en-US" sz="2800" i="0" u="none" strike="noStrike" cap="none" dirty="0" smtClean="0">
+              <a:rPr lang="en-US" sz="2800" b="1" i="0" u="none" strike="noStrike" cap="none" dirty="0" smtClean="0">
                 <a:solidFill>
                   <a:srgbClr val="FFFF00"/>
                 </a:solidFill>
@@ -6209,7 +6327,7 @@
               <a:t>print</a:t>
             </a:r>
             <a:r>
-              <a:rPr lang="en-US" sz="2800" dirty="0">
+              <a:rPr lang="en-US" sz="2800" b="1" dirty="0">
                 <a:solidFill>
                   <a:schemeClr val="lt1"/>
                 </a:solidFill>
@@ -6221,7 +6339,7 @@
               <a:t>(</a:t>
             </a:r>
             <a:r>
-              <a:rPr lang="en-US" sz="2800" i="0" u="none" strike="noStrike" cap="none" dirty="0" smtClean="0">
+              <a:rPr lang="en-US" sz="2800" b="1" i="0" u="none" strike="noStrike" cap="none" dirty="0" smtClean="0">
                 <a:solidFill>
                   <a:schemeClr val="lt1"/>
                 </a:solidFill>
@@ -6233,7 +6351,7 @@
               <a:t>'I </a:t>
             </a:r>
             <a:r>
-              <a:rPr lang="en-US" sz="2800" i="0" u="none" strike="noStrike" cap="none" dirty="0">
+              <a:rPr lang="en-US" sz="2800" b="1" i="0" u="none" strike="noStrike" cap="none" dirty="0">
                 <a:solidFill>
                   <a:schemeClr val="lt1"/>
                 </a:solidFill>
@@ -6245,7 +6363,7 @@
               <a:t>sleep all night and I work all day</a:t>
             </a:r>
             <a:r>
-              <a:rPr lang="en-US" sz="2800" i="0" u="none" strike="noStrike" cap="none" dirty="0" smtClean="0">
+              <a:rPr lang="en-US" sz="2800" b="1" i="0" u="none" strike="noStrike" cap="none" dirty="0" smtClean="0">
                 <a:solidFill>
                   <a:schemeClr val="lt1"/>
                 </a:solidFill>
@@ -6256,7 +6374,7 @@
               </a:rPr>
               <a:t>.')</a:t>
             </a:r>
-            <a:endParaRPr lang="en-US" sz="2800" i="0" u="none" strike="noStrike" cap="none" dirty="0">
+            <a:endParaRPr lang="en-US" sz="2800" b="1" i="0" u="none" strike="noStrike" cap="none" dirty="0">
               <a:solidFill>
                 <a:schemeClr val="lt1"/>
               </a:solidFill>
@@ -6279,7 +6397,7 @@
               </a:spcAft>
               <a:buNone/>
             </a:pPr>
-            <a:endParaRPr sz="2800" i="0" u="none" strike="noStrike" cap="none" dirty="0">
+            <a:endParaRPr sz="2800" b="1" i="0" u="none" strike="noStrike" cap="none" dirty="0">
               <a:solidFill>
                 <a:schemeClr val="lt1"/>
               </a:solidFill>
@@ -6308,7 +6426,7 @@
               <a:buNone/>
             </a:pPr>
             <a:r>
-              <a:rPr lang="en-US" sz="2800" i="0" u="none" strike="noStrike" cap="none" dirty="0" smtClean="0">
+              <a:rPr lang="en-US" sz="2800" b="1" i="0" u="none" strike="noStrike" cap="none" dirty="0" smtClean="0">
                 <a:solidFill>
                   <a:srgbClr val="FFFF00"/>
                 </a:solidFill>
@@ -6320,7 +6438,7 @@
               <a:t>print</a:t>
             </a:r>
             <a:r>
-              <a:rPr lang="en-US" sz="2800" dirty="0">
+              <a:rPr lang="en-US" sz="2800" b="1" dirty="0">
                 <a:solidFill>
                   <a:schemeClr val="lt1"/>
                 </a:solidFill>
@@ -6332,7 +6450,7 @@
               <a:t>(</a:t>
             </a:r>
             <a:r>
-              <a:rPr lang="en-US" sz="2800" i="0" u="none" strike="noStrike" cap="none" dirty="0" smtClean="0">
+              <a:rPr lang="en-US" sz="2800" b="1" i="0" u="none" strike="noStrike" cap="none" dirty="0" smtClean="0">
                 <a:solidFill>
                   <a:schemeClr val="lt1"/>
                 </a:solidFill>
@@ -6344,7 +6462,7 @@
               <a:t>'</a:t>
             </a:r>
             <a:r>
-              <a:rPr lang="en-US" sz="2800" i="0" u="none" strike="noStrike" cap="none" dirty="0" err="1" smtClean="0">
+              <a:rPr lang="en-US" sz="2800" b="1" i="0" u="none" strike="noStrike" cap="none" dirty="0" err="1" smtClean="0">
                 <a:solidFill>
                   <a:schemeClr val="lt1"/>
                 </a:solidFill>
@@ -6356,7 +6474,7 @@
               <a:t>Yo</a:t>
             </a:r>
             <a:r>
-              <a:rPr lang="en-US" sz="2800" i="0" u="none" strike="noStrike" cap="none" dirty="0" smtClean="0">
+              <a:rPr lang="en-US" sz="2800" b="1" i="0" u="none" strike="noStrike" cap="none" dirty="0" smtClean="0">
                 <a:solidFill>
                   <a:schemeClr val="lt1"/>
                 </a:solidFill>
@@ -6367,7 +6485,7 @@
               </a:rPr>
               <a:t>')</a:t>
             </a:r>
-            <a:endParaRPr lang="en-US" sz="2800" i="0" u="none" strike="noStrike" cap="none" dirty="0">
+            <a:endParaRPr lang="en-US" sz="2800" b="1" i="0" u="none" strike="noStrike" cap="none" dirty="0">
               <a:solidFill>
                 <a:schemeClr val="lt1"/>
               </a:solidFill>
@@ -6396,7 +6514,7 @@
               <a:buNone/>
             </a:pPr>
             <a:r>
-              <a:rPr lang="en-US" sz="2800" i="0" u="none" strike="noStrike" cap="none" dirty="0">
+              <a:rPr lang="en-US" sz="2800" b="1" i="0" u="none" strike="noStrike" cap="none" dirty="0">
                 <a:solidFill>
                   <a:srgbClr val="00FF00"/>
                 </a:solidFill>
@@ -6408,7 +6526,7 @@
               <a:t>x</a:t>
             </a:r>
             <a:r>
-              <a:rPr lang="en-US" sz="2800" i="0" u="none" strike="noStrike" cap="none" dirty="0">
+              <a:rPr lang="en-US" sz="2800" b="1" i="0" u="none" strike="noStrike" cap="none" dirty="0">
                 <a:solidFill>
                   <a:schemeClr val="lt1"/>
                 </a:solidFill>
@@ -6420,7 +6538,7 @@
               <a:t> = </a:t>
             </a:r>
             <a:r>
-              <a:rPr lang="en-US" sz="2800" i="0" u="none" strike="noStrike" cap="none" dirty="0">
+              <a:rPr lang="en-US" sz="2800" b="1" i="0" u="none" strike="noStrike" cap="none" dirty="0">
                 <a:solidFill>
                   <a:srgbClr val="00FF00"/>
                 </a:solidFill>
@@ -6432,7 +6550,7 @@
               <a:t>x</a:t>
             </a:r>
             <a:r>
-              <a:rPr lang="en-US" sz="2800" i="0" u="none" strike="noStrike" cap="none" dirty="0">
+              <a:rPr lang="en-US" sz="2800" b="1" i="0" u="none" strike="noStrike" cap="none" dirty="0">
                 <a:solidFill>
                   <a:schemeClr val="lt1"/>
                 </a:solidFill>
@@ -6444,7 +6562,7 @@
               <a:t> </a:t>
             </a:r>
             <a:r>
-              <a:rPr lang="en-US" sz="2800" i="0" u="none" strike="noStrike" cap="none" dirty="0">
+              <a:rPr lang="en-US" sz="2800" b="1" i="0" u="none" strike="noStrike" cap="none" dirty="0">
                 <a:solidFill>
                   <a:srgbClr val="00FFFF"/>
                 </a:solidFill>
@@ -6456,7 +6574,7 @@
               <a:t>+</a:t>
             </a:r>
             <a:r>
-              <a:rPr lang="en-US" sz="2800" i="0" u="none" strike="noStrike" cap="none" dirty="0">
+              <a:rPr lang="en-US" sz="2800" b="1" i="0" u="none" strike="noStrike" cap="none" dirty="0">
                 <a:solidFill>
                   <a:schemeClr val="lt1"/>
                 </a:solidFill>
@@ -6487,7 +6605,7 @@
               <a:buNone/>
             </a:pPr>
             <a:r>
-              <a:rPr lang="en-US" sz="2800" i="0" u="none" strike="noStrike" cap="none" dirty="0" smtClean="0">
+              <a:rPr lang="en-US" sz="2800" b="1" i="0" u="none" strike="noStrike" cap="none" dirty="0" smtClean="0">
                 <a:solidFill>
                   <a:srgbClr val="FFFF00"/>
                 </a:solidFill>
@@ -6499,7 +6617,7 @@
               <a:t>print</a:t>
             </a:r>
             <a:r>
-              <a:rPr lang="en-US" sz="2800" dirty="0">
+              <a:rPr lang="en-US" sz="2800" b="1" dirty="0">
                 <a:solidFill>
                   <a:schemeClr val="lt1"/>
                 </a:solidFill>
@@ -6511,7 +6629,7 @@
               <a:t>(</a:t>
             </a:r>
             <a:r>
-              <a:rPr lang="en-US" sz="2800" i="0" u="none" strike="noStrike" cap="none" dirty="0" smtClean="0">
+              <a:rPr lang="en-US" sz="2800" b="1" i="0" u="none" strike="noStrike" cap="none" dirty="0" smtClean="0">
                 <a:solidFill>
                   <a:srgbClr val="00FF00"/>
                 </a:solidFill>
@@ -6523,7 +6641,7 @@
               <a:t>x</a:t>
             </a:r>
             <a:r>
-              <a:rPr lang="en-US" sz="2800" i="0" u="none" strike="noStrike" cap="none" dirty="0" smtClean="0">
+              <a:rPr lang="en-US" sz="2800" b="1" i="0" u="none" strike="noStrike" cap="none" dirty="0" smtClean="0">
                 <a:solidFill>
                   <a:schemeClr val="bg1"/>
                 </a:solidFill>
@@ -6534,7 +6652,7 @@
               </a:rPr>
               <a:t>)</a:t>
             </a:r>
-            <a:endParaRPr lang="en-US" sz="2800" i="0" u="none" strike="noStrike" cap="none" dirty="0">
+            <a:endParaRPr lang="en-US" sz="2800" b="1" i="0" u="none" strike="noStrike" cap="none" dirty="0">
               <a:solidFill>
                 <a:schemeClr val="bg1"/>
               </a:solidFill>
@@ -6890,10 +7008,17 @@
   <p:clrMapOvr>
     <a:masterClrMapping/>
   </p:clrMapOvr>
+  <p:timing>
+    <p:tnLst>
+      <p:par>
+        <p:cTn id="1" dur="indefinite" restart="never" nodeType="tmRoot"/>
+      </p:par>
+    </p:tnLst>
+  </p:timing>
 </p:sld>
 </file>
 
-<file path=ppt/slides/slide12.xml><?xml version="1.0" encoding="utf-8"?>
+<file path=ppt/slides/slide13.xml><?xml version="1.0" encoding="utf-8"?>
 <p:sld xmlns:a="http://schemas.openxmlformats.org/drawingml/2006/main" xmlns:r="http://schemas.openxmlformats.org/officeDocument/2006/relationships" xmlns:p="http://schemas.openxmlformats.org/presentationml/2006/main">
   <p:cSld>
     <p:spTree>
@@ -7203,10 +7328,17 @@
   <p:clrMapOvr>
     <a:masterClrMapping/>
   </p:clrMapOvr>
+  <p:timing>
+    <p:tnLst>
+      <p:par>
+        <p:cTn id="1" dur="indefinite" restart="never" nodeType="tmRoot"/>
+      </p:par>
+    </p:tnLst>
+  </p:timing>
 </p:sld>
 </file>
 
-<file path=ppt/slides/slide13.xml><?xml version="1.0" encoding="utf-8"?>
+<file path=ppt/slides/slide14.xml><?xml version="1.0" encoding="utf-8"?>
 <p:sld xmlns:a="http://schemas.openxmlformats.org/drawingml/2006/main" xmlns:r="http://schemas.openxmlformats.org/officeDocument/2006/relationships" xmlns:p="http://schemas.openxmlformats.org/presentationml/2006/main">
   <p:cSld>
     <p:spTree>
@@ -7266,7 +7398,7 @@
               <a:buNone/>
             </a:pPr>
             <a:r>
-              <a:rPr lang="en-US" sz="3000" i="0" u="none" strike="noStrike" cap="none" dirty="0">
+              <a:rPr lang="en-US" sz="3000" b="1" i="0" u="none" strike="noStrike" cap="none" dirty="0">
                 <a:solidFill>
                   <a:srgbClr val="00FF00"/>
                 </a:solidFill>
@@ -7278,7 +7410,7 @@
               <a:t>x</a:t>
             </a:r>
             <a:r>
-              <a:rPr lang="en-US" sz="3000" i="0" u="none" strike="noStrike" cap="none" dirty="0">
+              <a:rPr lang="en-US" sz="3000" b="1" i="0" u="none" strike="noStrike" cap="none" dirty="0">
                 <a:solidFill>
                   <a:schemeClr val="lt1"/>
                 </a:solidFill>
@@ -7309,7 +7441,7 @@
               <a:buNone/>
             </a:pPr>
             <a:r>
-              <a:rPr lang="en-US" sz="3000" i="0" u="none" strike="noStrike" cap="none" dirty="0" smtClean="0">
+              <a:rPr lang="en-US" sz="3000" b="1" i="0" u="none" strike="noStrike" cap="none" dirty="0" smtClean="0">
                 <a:solidFill>
                   <a:srgbClr val="FFFF00"/>
                 </a:solidFill>
@@ -7321,7 +7453,7 @@
               <a:t>print</a:t>
             </a:r>
             <a:r>
-              <a:rPr lang="en-US" sz="3000" dirty="0">
+              <a:rPr lang="en-US" sz="3000" b="1" dirty="0">
                 <a:solidFill>
                   <a:schemeClr val="lt1"/>
                 </a:solidFill>
@@ -7333,7 +7465,7 @@
               <a:t>(</a:t>
             </a:r>
             <a:r>
-              <a:rPr lang="en-US" sz="3000" i="0" u="none" strike="noStrike" cap="none" dirty="0" smtClean="0">
+              <a:rPr lang="en-US" sz="3000" b="1" i="0" u="none" strike="noStrike" cap="none" dirty="0" smtClean="0">
                 <a:solidFill>
                   <a:schemeClr val="lt1"/>
                 </a:solidFill>
@@ -7344,7 +7476,7 @@
               </a:rPr>
               <a:t>'Hello')</a:t>
             </a:r>
-            <a:endParaRPr lang="en-US" sz="3000" i="0" u="none" strike="noStrike" cap="none" dirty="0">
+            <a:endParaRPr lang="en-US" sz="3000" b="1" i="0" u="none" strike="noStrike" cap="none" dirty="0">
               <a:solidFill>
                 <a:schemeClr val="lt1"/>
               </a:solidFill>
@@ -7367,7 +7499,7 @@
               </a:spcAft>
               <a:buNone/>
             </a:pPr>
-            <a:endParaRPr sz="3000" i="0" u="none" strike="noStrike" cap="none" dirty="0">
+            <a:endParaRPr sz="3000" b="1" i="0" u="none" strike="noStrike" cap="none" dirty="0">
               <a:solidFill>
                 <a:srgbClr val="FFFF00"/>
               </a:solidFill>
@@ -7396,7 +7528,7 @@
               <a:buNone/>
             </a:pPr>
             <a:r>
-              <a:rPr lang="en-US" sz="3000" i="0" u="none" strike="noStrike" cap="none" dirty="0" err="1">
+              <a:rPr lang="en-US" sz="3000" b="1" i="0" u="none" strike="noStrike" cap="none" dirty="0" err="1">
                 <a:solidFill>
                   <a:srgbClr val="FFFF00"/>
                 </a:solidFill>
@@ -7408,7 +7540,7 @@
               <a:t>def</a:t>
             </a:r>
             <a:r>
-              <a:rPr lang="en-US" sz="3000" i="0" u="none" strike="noStrike" cap="none" dirty="0">
+              <a:rPr lang="en-US" sz="3000" b="1" i="0" u="none" strike="noStrike" cap="none" dirty="0">
                 <a:solidFill>
                   <a:schemeClr val="lt1"/>
                 </a:solidFill>
@@ -7420,7 +7552,7 @@
               <a:t> </a:t>
             </a:r>
             <a:r>
-              <a:rPr lang="en-US" sz="3000" i="0" u="none" strike="noStrike" cap="none" dirty="0" err="1">
+              <a:rPr lang="en-US" sz="3000" b="1" i="0" u="none" strike="noStrike" cap="none" dirty="0" err="1">
                 <a:solidFill>
                   <a:srgbClr val="00FF00"/>
                 </a:solidFill>
@@ -7432,7 +7564,7 @@
               <a:t>print_lyrics</a:t>
             </a:r>
             <a:r>
-              <a:rPr lang="en-US" sz="3000" i="0" u="none" strike="noStrike" cap="none" dirty="0">
+              <a:rPr lang="en-US" sz="3000" b="1" i="0" u="none" strike="noStrike" cap="none" dirty="0">
                 <a:solidFill>
                   <a:schemeClr val="lt1"/>
                 </a:solidFill>
@@ -7463,7 +7595,7 @@
               <a:buNone/>
             </a:pPr>
             <a:r>
-              <a:rPr lang="en-US" sz="3000" i="0" u="none" strike="noStrike" cap="none" dirty="0">
+              <a:rPr lang="en-US" sz="3000" b="1" i="0" u="none" strike="noStrike" cap="none" dirty="0">
                 <a:solidFill>
                   <a:schemeClr val="lt1"/>
                 </a:solidFill>
@@ -7475,7 +7607,7 @@
               <a:t>   </a:t>
             </a:r>
             <a:r>
-              <a:rPr lang="en-US" sz="3000" i="0" u="none" strike="noStrike" cap="none" dirty="0" smtClean="0">
+              <a:rPr lang="en-US" sz="3000" b="1" i="0" u="none" strike="noStrike" cap="none" dirty="0" smtClean="0">
                 <a:solidFill>
                   <a:srgbClr val="FFFF00"/>
                 </a:solidFill>
@@ -7487,7 +7619,7 @@
               <a:t>print</a:t>
             </a:r>
             <a:r>
-              <a:rPr lang="en-US" sz="3000" dirty="0">
+              <a:rPr lang="en-US" sz="3000" b="1" dirty="0">
                 <a:solidFill>
                   <a:schemeClr val="lt1"/>
                 </a:solidFill>
@@ -7499,7 +7631,7 @@
               <a:t>(</a:t>
             </a:r>
             <a:r>
-              <a:rPr lang="en-US" sz="3000" i="0" u="none" strike="noStrike" cap="none" dirty="0" smtClean="0">
+              <a:rPr lang="en-US" sz="3000" b="1" i="0" u="none" strike="noStrike" cap="none" dirty="0" smtClean="0">
                 <a:solidFill>
                   <a:schemeClr val="lt1"/>
                 </a:solidFill>
@@ -7511,7 +7643,7 @@
               <a:t>"I'm </a:t>
             </a:r>
             <a:r>
-              <a:rPr lang="en-US" sz="3000" i="0" u="none" strike="noStrike" cap="none" dirty="0">
+              <a:rPr lang="en-US" sz="3000" b="1" i="0" u="none" strike="noStrike" cap="none" dirty="0">
                 <a:solidFill>
                   <a:schemeClr val="lt1"/>
                 </a:solidFill>
@@ -7523,7 +7655,7 @@
               <a:t>a lumberjack, and I'm okay</a:t>
             </a:r>
             <a:r>
-              <a:rPr lang="en-US" sz="3000" i="0" u="none" strike="noStrike" cap="none" dirty="0" smtClean="0">
+              <a:rPr lang="en-US" sz="3000" b="1" i="0" u="none" strike="noStrike" cap="none" dirty="0" smtClean="0">
                 <a:solidFill>
                   <a:schemeClr val="lt1"/>
                 </a:solidFill>
@@ -7535,7 +7667,7 @@
               <a:t>.</a:t>
             </a:r>
             <a:r>
-              <a:rPr lang="en-US" sz="3000" dirty="0" smtClean="0">
+              <a:rPr lang="en-US" sz="3000" b="1" dirty="0" smtClean="0">
                 <a:solidFill>
                   <a:schemeClr val="lt1"/>
                 </a:solidFill>
@@ -7546,7 +7678,7 @@
               </a:rPr>
               <a:t>")</a:t>
             </a:r>
-            <a:endParaRPr lang="en-US" sz="3000" dirty="0">
+            <a:endParaRPr lang="en-US" sz="3000" b="1" dirty="0">
               <a:solidFill>
                 <a:schemeClr val="lt1"/>
               </a:solidFill>
@@ -7575,7 +7707,7 @@
               <a:buNone/>
             </a:pPr>
             <a:r>
-              <a:rPr lang="en-US" sz="3000" i="0" u="none" strike="noStrike" cap="none" dirty="0">
+              <a:rPr lang="en-US" sz="3000" b="1" i="0" u="none" strike="noStrike" cap="none" dirty="0">
                 <a:solidFill>
                   <a:schemeClr val="lt1"/>
                 </a:solidFill>
@@ -7587,7 +7719,7 @@
               <a:t>   </a:t>
             </a:r>
             <a:r>
-              <a:rPr lang="en-US" sz="3000" i="0" u="none" strike="noStrike" cap="none" dirty="0" smtClean="0">
+              <a:rPr lang="en-US" sz="3000" b="1" i="0" u="none" strike="noStrike" cap="none" dirty="0" smtClean="0">
                 <a:solidFill>
                   <a:srgbClr val="FFFF00"/>
                 </a:solidFill>
@@ -7599,7 +7731,7 @@
               <a:t>print</a:t>
             </a:r>
             <a:r>
-              <a:rPr lang="en-US" sz="3000" dirty="0">
+              <a:rPr lang="en-US" sz="3000" b="1" dirty="0">
                 <a:solidFill>
                   <a:schemeClr val="lt1"/>
                 </a:solidFill>
@@ -7611,7 +7743,7 @@
               <a:t>(</a:t>
             </a:r>
             <a:r>
-              <a:rPr lang="en-US" sz="3000" i="0" u="none" strike="noStrike" cap="none" dirty="0" smtClean="0">
+              <a:rPr lang="en-US" sz="3000" b="1" i="0" u="none" strike="noStrike" cap="none" dirty="0" smtClean="0">
                 <a:solidFill>
                   <a:schemeClr val="lt1"/>
                 </a:solidFill>
@@ -7623,7 +7755,7 @@
               <a:t>'I </a:t>
             </a:r>
             <a:r>
-              <a:rPr lang="en-US" sz="3000" i="0" u="none" strike="noStrike" cap="none" dirty="0">
+              <a:rPr lang="en-US" sz="3000" b="1" i="0" u="none" strike="noStrike" cap="none" dirty="0">
                 <a:solidFill>
                   <a:schemeClr val="lt1"/>
                 </a:solidFill>
@@ -7635,7 +7767,7 @@
               <a:t>sleep all night and I work all day</a:t>
             </a:r>
             <a:r>
-              <a:rPr lang="en-US" sz="3000" i="0" u="none" strike="noStrike" cap="none" dirty="0" smtClean="0">
+              <a:rPr lang="en-US" sz="3000" b="1" i="0" u="none" strike="noStrike" cap="none" dirty="0" smtClean="0">
                 <a:solidFill>
                   <a:schemeClr val="lt1"/>
                 </a:solidFill>
@@ -7646,7 +7778,7 @@
               </a:rPr>
               <a:t>.')</a:t>
             </a:r>
-            <a:endParaRPr lang="en-US" sz="3000" i="0" u="none" strike="noStrike" cap="none" dirty="0">
+            <a:endParaRPr lang="en-US" sz="3000" b="1" i="0" u="none" strike="noStrike" cap="none" dirty="0">
               <a:solidFill>
                 <a:schemeClr val="lt1"/>
               </a:solidFill>
@@ -7669,7 +7801,7 @@
               </a:spcAft>
               <a:buNone/>
             </a:pPr>
-            <a:endParaRPr sz="3000" i="0" u="none" strike="noStrike" cap="none" dirty="0">
+            <a:endParaRPr sz="3000" b="1" i="0" u="none" strike="noStrike" cap="none" dirty="0">
               <a:solidFill>
                 <a:schemeClr val="lt1"/>
               </a:solidFill>
@@ -7698,7 +7830,7 @@
               <a:buNone/>
             </a:pPr>
             <a:r>
-              <a:rPr lang="en-US" sz="3000" i="0" u="none" strike="noStrike" cap="none" dirty="0" smtClean="0">
+              <a:rPr lang="en-US" sz="3000" b="1" i="0" u="none" strike="noStrike" cap="none" dirty="0" smtClean="0">
                 <a:solidFill>
                   <a:srgbClr val="FFFF00"/>
                 </a:solidFill>
@@ -7710,7 +7842,7 @@
               <a:t>print</a:t>
             </a:r>
             <a:r>
-              <a:rPr lang="en-US" sz="3000" dirty="0">
+              <a:rPr lang="en-US" sz="3000" b="1" dirty="0">
                 <a:solidFill>
                   <a:schemeClr val="lt1"/>
                 </a:solidFill>
@@ -7722,7 +7854,7 @@
               <a:t>(</a:t>
             </a:r>
             <a:r>
-              <a:rPr lang="en-US" sz="3000" i="0" u="none" strike="noStrike" cap="none" dirty="0" smtClean="0">
+              <a:rPr lang="en-US" sz="3000" b="1" i="0" u="none" strike="noStrike" cap="none" dirty="0" smtClean="0">
                 <a:solidFill>
                   <a:schemeClr val="lt1"/>
                 </a:solidFill>
@@ -7734,7 +7866,7 @@
               <a:t>'</a:t>
             </a:r>
             <a:r>
-              <a:rPr lang="en-US" sz="3000" i="0" u="none" strike="noStrike" cap="none" dirty="0" err="1" smtClean="0">
+              <a:rPr lang="en-US" sz="3000" b="1" i="0" u="none" strike="noStrike" cap="none" dirty="0" err="1" smtClean="0">
                 <a:solidFill>
                   <a:schemeClr val="lt1"/>
                 </a:solidFill>
@@ -7746,7 +7878,7 @@
               <a:t>Yo</a:t>
             </a:r>
             <a:r>
-              <a:rPr lang="en-US" sz="3000" i="0" u="none" strike="noStrike" cap="none" dirty="0" smtClean="0">
+              <a:rPr lang="en-US" sz="3000" b="1" i="0" u="none" strike="noStrike" cap="none" dirty="0" smtClean="0">
                 <a:solidFill>
                   <a:schemeClr val="lt1"/>
                 </a:solidFill>
@@ -7757,7 +7889,7 @@
               </a:rPr>
               <a:t>')</a:t>
             </a:r>
-            <a:endParaRPr lang="en-US" sz="3000" i="0" u="none" strike="noStrike" cap="none" dirty="0">
+            <a:endParaRPr lang="en-US" sz="3000" b="1" i="0" u="none" strike="noStrike" cap="none" dirty="0">
               <a:solidFill>
                 <a:schemeClr val="lt1"/>
               </a:solidFill>
@@ -7786,7 +7918,7 @@
               <a:buNone/>
             </a:pPr>
             <a:r>
-              <a:rPr lang="en-US" sz="3000" i="0" u="none" strike="noStrike" cap="none" dirty="0" err="1">
+              <a:rPr lang="en-US" sz="3000" b="1" i="0" u="none" strike="noStrike" cap="none" dirty="0" err="1">
                 <a:solidFill>
                   <a:srgbClr val="00FF00"/>
                 </a:solidFill>
@@ -7798,7 +7930,7 @@
               <a:t>print_lyrics</a:t>
             </a:r>
             <a:r>
-              <a:rPr lang="en-US" sz="3000" i="0" u="none" strike="noStrike" cap="none" dirty="0">
+              <a:rPr lang="en-US" sz="3000" b="1" i="0" u="none" strike="noStrike" cap="none" dirty="0">
                 <a:solidFill>
                   <a:schemeClr val="lt1"/>
                 </a:solidFill>
@@ -7829,7 +7961,7 @@
               <a:buNone/>
             </a:pPr>
             <a:r>
-              <a:rPr lang="en-US" sz="3000" i="0" u="none" strike="noStrike" cap="none" dirty="0">
+              <a:rPr lang="en-US" sz="3000" b="1" i="0" u="none" strike="noStrike" cap="none" dirty="0">
                 <a:solidFill>
                   <a:srgbClr val="00FF00"/>
                 </a:solidFill>
@@ -7841,7 +7973,7 @@
               <a:t>x</a:t>
             </a:r>
             <a:r>
-              <a:rPr lang="en-US" sz="3000" i="0" u="none" strike="noStrike" cap="none" dirty="0">
+              <a:rPr lang="en-US" sz="3000" b="1" i="0" u="none" strike="noStrike" cap="none" dirty="0">
                 <a:solidFill>
                   <a:schemeClr val="lt1"/>
                 </a:solidFill>
@@ -7853,7 +7985,7 @@
               <a:t> = </a:t>
             </a:r>
             <a:r>
-              <a:rPr lang="en-US" sz="3000" i="0" u="none" strike="noStrike" cap="none" dirty="0">
+              <a:rPr lang="en-US" sz="3000" b="1" i="0" u="none" strike="noStrike" cap="none" dirty="0">
                 <a:solidFill>
                   <a:srgbClr val="00FF00"/>
                 </a:solidFill>
@@ -7865,7 +7997,7 @@
               <a:t>x</a:t>
             </a:r>
             <a:r>
-              <a:rPr lang="en-US" sz="3000" i="0" u="none" strike="noStrike" cap="none" dirty="0">
+              <a:rPr lang="en-US" sz="3000" b="1" i="0" u="none" strike="noStrike" cap="none" dirty="0">
                 <a:solidFill>
                   <a:schemeClr val="lt1"/>
                 </a:solidFill>
@@ -7877,7 +8009,7 @@
               <a:t> </a:t>
             </a:r>
             <a:r>
-              <a:rPr lang="en-US" sz="3000" i="0" u="none" strike="noStrike" cap="none" dirty="0">
+              <a:rPr lang="en-US" sz="3000" b="1" i="0" u="none" strike="noStrike" cap="none" dirty="0">
                 <a:solidFill>
                   <a:srgbClr val="00FFFF"/>
                 </a:solidFill>
@@ -7889,7 +8021,7 @@
               <a:t>+</a:t>
             </a:r>
             <a:r>
-              <a:rPr lang="en-US" sz="3000" i="0" u="none" strike="noStrike" cap="none" dirty="0">
+              <a:rPr lang="en-US" sz="3000" b="1" i="0" u="none" strike="noStrike" cap="none" dirty="0">
                 <a:solidFill>
                   <a:schemeClr val="lt1"/>
                 </a:solidFill>
@@ -7920,7 +8052,7 @@
               <a:buNone/>
             </a:pPr>
             <a:r>
-              <a:rPr lang="en-US" sz="3000" i="0" u="none" strike="noStrike" cap="none" dirty="0" smtClean="0">
+              <a:rPr lang="en-US" sz="3000" b="1" i="0" u="none" strike="noStrike" cap="none" dirty="0" smtClean="0">
                 <a:solidFill>
                   <a:srgbClr val="FFFF00"/>
                 </a:solidFill>
@@ -7932,7 +8064,7 @@
               <a:t>print</a:t>
             </a:r>
             <a:r>
-              <a:rPr lang="en-US" sz="3000" dirty="0">
+              <a:rPr lang="en-US" sz="3000" b="1" dirty="0">
                 <a:solidFill>
                   <a:schemeClr val="lt1"/>
                 </a:solidFill>
@@ -7944,7 +8076,7 @@
               <a:t>(</a:t>
             </a:r>
             <a:r>
-              <a:rPr lang="en-US" sz="3000" i="0" u="none" strike="noStrike" cap="none" dirty="0" smtClean="0">
+              <a:rPr lang="en-US" sz="3000" b="1" i="0" u="none" strike="noStrike" cap="none" dirty="0" smtClean="0">
                 <a:solidFill>
                   <a:srgbClr val="00FF00"/>
                 </a:solidFill>
@@ -7956,7 +8088,7 @@
               <a:t>x</a:t>
             </a:r>
             <a:r>
-              <a:rPr lang="en-US" sz="3000" i="0" u="none" strike="noStrike" cap="none" dirty="0" smtClean="0">
+              <a:rPr lang="en-US" sz="3000" b="1" i="0" u="none" strike="noStrike" cap="none" dirty="0" smtClean="0">
                 <a:solidFill>
                   <a:schemeClr val="bg1"/>
                 </a:solidFill>
@@ -7967,7 +8099,7 @@
               </a:rPr>
               <a:t>)</a:t>
             </a:r>
-            <a:endParaRPr lang="en-US" sz="3000" i="0" u="none" strike="noStrike" cap="none" dirty="0">
+            <a:endParaRPr lang="en-US" sz="3000" b="1" i="0" u="none" strike="noStrike" cap="none" dirty="0">
               <a:solidFill>
                 <a:schemeClr val="bg1"/>
               </a:solidFill>
@@ -7988,7 +8120,7 @@
         <p:spPr>
           <a:xfrm>
             <a:off x="8877300" y="5327650"/>
-            <a:ext cx="6591299" cy="2705100"/>
+            <a:ext cx="6913685" cy="2705100"/>
           </a:xfrm>
           <a:prstGeom prst="rect">
             <a:avLst/>
@@ -8053,7 +8185,7 @@
               <a:buNone/>
             </a:pPr>
             <a:r>
-              <a:rPr lang="en-US" sz="3600" u="none" strike="noStrike" cap="none">
+              <a:rPr lang="en-US" sz="3600" u="none" strike="noStrike" cap="none" dirty="0" err="1">
                 <a:solidFill>
                   <a:srgbClr val="FFFF00"/>
                 </a:solidFill>
@@ -8064,6 +8196,15 @@
               </a:rPr>
               <a:t>Yo</a:t>
             </a:r>
+            <a:endParaRPr lang="en-US" sz="3600" u="none" strike="noStrike" cap="none" dirty="0">
+              <a:solidFill>
+                <a:srgbClr val="FFFF00"/>
+              </a:solidFill>
+              <a:latin typeface="Arial" charset="0"/>
+              <a:ea typeface="Arial" charset="0"/>
+              <a:cs typeface="Arial" charset="0"/>
+              <a:sym typeface="Cabin"/>
+            </a:endParaRPr>
           </a:p>
           <a:p>
             <a:pPr marL="0" marR="0" lvl="0" indent="0" algn="l" rtl="0">
@@ -8084,7 +8225,7 @@
               <a:buNone/>
             </a:pPr>
             <a:r>
-              <a:rPr lang="en-US" sz="3600" u="none" strike="noStrike" cap="none">
+              <a:rPr lang="en-US" sz="3600" u="none" strike="noStrike" cap="none" dirty="0">
                 <a:solidFill>
                   <a:srgbClr val="00FF00"/>
                 </a:solidFill>
@@ -8115,7 +8256,7 @@
               <a:buNone/>
             </a:pPr>
             <a:r>
-              <a:rPr lang="en-US" sz="3600" u="none" strike="noStrike" cap="none">
+              <a:rPr lang="en-US" sz="3600" u="none" strike="noStrike" cap="none" dirty="0">
                 <a:solidFill>
                   <a:srgbClr val="00FF00"/>
                 </a:solidFill>
@@ -8146,7 +8287,7 @@
               <a:buNone/>
             </a:pPr>
             <a:r>
-              <a:rPr lang="en-US" sz="3600" u="none" strike="noStrike" cap="none">
+              <a:rPr lang="en-US" sz="3600" u="none" strike="noStrike" cap="none" dirty="0">
                 <a:solidFill>
                   <a:srgbClr val="FFFF00"/>
                 </a:solidFill>
@@ -8191,10 +8332,17 @@
   <p:clrMapOvr>
     <a:masterClrMapping/>
   </p:clrMapOvr>
+  <p:timing>
+    <p:tnLst>
+      <p:par>
+        <p:cTn id="1" dur="indefinite" restart="never" nodeType="tmRoot"/>
+      </p:par>
+    </p:tnLst>
+  </p:timing>
 </p:sld>
 </file>
 
-<file path=ppt/slides/slide14.xml><?xml version="1.0" encoding="utf-8"?>
+<file path=ppt/slides/slide15.xml><?xml version="1.0" encoding="utf-8"?>
 <p:sld xmlns:a="http://schemas.openxmlformats.org/drawingml/2006/main" xmlns:r="http://schemas.openxmlformats.org/officeDocument/2006/relationships" xmlns:p="http://schemas.openxmlformats.org/presentationml/2006/main">
   <p:cSld>
     <p:spTree>
@@ -8812,10 +8960,17 @@
   <p:clrMapOvr>
     <a:masterClrMapping/>
   </p:clrMapOvr>
+  <p:timing>
+    <p:tnLst>
+      <p:par>
+        <p:cTn id="1" dur="indefinite" restart="never" nodeType="tmRoot"/>
+      </p:par>
+    </p:tnLst>
+  </p:timing>
 </p:sld>
 </file>
 
-<file path=ppt/slides/slide15.xml><?xml version="1.0" encoding="utf-8"?>
+<file path=ppt/slides/slide16.xml><?xml version="1.0" encoding="utf-8"?>
 <p:sld xmlns:a="http://schemas.openxmlformats.org/drawingml/2006/main" xmlns:r="http://schemas.openxmlformats.org/officeDocument/2006/relationships" xmlns:p="http://schemas.openxmlformats.org/presentationml/2006/main">
   <p:cSld>
     <p:spTree>
@@ -9224,7 +9379,7 @@
               <a:buNone/>
             </a:pPr>
             <a:r>
-              <a:rPr lang="en-US" sz="2600" i="0" u="none" strike="noStrike" cap="none" dirty="0">
+              <a:rPr lang="en-US" sz="2600" b="1" i="0" u="none" strike="noStrike" cap="none" dirty="0">
                 <a:solidFill>
                   <a:schemeClr val="lt1"/>
                 </a:solidFill>
@@ -9236,7 +9391,7 @@
               <a:t>&gt;&gt;&gt; </a:t>
             </a:r>
             <a:r>
-              <a:rPr lang="en-US" sz="2600" i="0" u="none" strike="noStrike" cap="none" dirty="0" err="1">
+              <a:rPr lang="en-US" sz="2600" b="1" i="0" u="none" strike="noStrike" cap="none" dirty="0" err="1">
                 <a:solidFill>
                   <a:srgbClr val="FFFF00"/>
                 </a:solidFill>
@@ -9248,7 +9403,7 @@
               <a:t>def</a:t>
             </a:r>
             <a:r>
-              <a:rPr lang="en-US" sz="2600" i="0" u="none" strike="noStrike" cap="none" dirty="0">
+              <a:rPr lang="en-US" sz="2600" b="1" i="0" u="none" strike="noStrike" cap="none" dirty="0">
                 <a:solidFill>
                   <a:schemeClr val="lt1"/>
                 </a:solidFill>
@@ -9260,7 +9415,7 @@
               <a:t> </a:t>
             </a:r>
             <a:r>
-              <a:rPr lang="en-US" sz="2600" i="0" u="none" strike="noStrike" cap="none" dirty="0">
+              <a:rPr lang="en-US" sz="2600" b="1" i="0" u="none" strike="noStrike" cap="none" dirty="0">
                 <a:solidFill>
                   <a:srgbClr val="00FF00"/>
                 </a:solidFill>
@@ -9272,7 +9427,7 @@
               <a:t>greet</a:t>
             </a:r>
             <a:r>
-              <a:rPr lang="en-US" sz="2600" i="0" u="none" strike="noStrike" cap="none" dirty="0">
+              <a:rPr lang="en-US" sz="2600" b="1" i="0" u="none" strike="noStrike" cap="none" dirty="0">
                 <a:solidFill>
                   <a:schemeClr val="lt1"/>
                 </a:solidFill>
@@ -9284,7 +9439,7 @@
               <a:t>(</a:t>
             </a:r>
             <a:r>
-              <a:rPr lang="en-US" sz="2600" i="0" u="none" strike="noStrike" cap="none" dirty="0" err="1">
+              <a:rPr lang="en-US" sz="2600" b="1" i="0" u="none" strike="noStrike" cap="none" dirty="0" err="1">
                 <a:solidFill>
                   <a:srgbClr val="00FFFF"/>
                 </a:solidFill>
@@ -9296,7 +9451,7 @@
               <a:t>lang</a:t>
             </a:r>
             <a:r>
-              <a:rPr lang="en-US" sz="2600" i="0" u="none" strike="noStrike" cap="none" dirty="0">
+              <a:rPr lang="en-US" sz="2600" b="1" i="0" u="none" strike="noStrike" cap="none" dirty="0">
                 <a:solidFill>
                   <a:schemeClr val="lt1"/>
                 </a:solidFill>
@@ -9327,7 +9482,7 @@
               <a:buNone/>
             </a:pPr>
             <a:r>
-              <a:rPr lang="en-US" sz="2600" i="0" u="none" strike="noStrike" cap="none" dirty="0">
+              <a:rPr lang="en-US" sz="2600" b="1" i="0" u="none" strike="noStrike" cap="none" dirty="0">
                 <a:solidFill>
                   <a:schemeClr val="lt1"/>
                 </a:solidFill>
@@ -9339,7 +9494,7 @@
               <a:t>... </a:t>
             </a:r>
             <a:r>
-              <a:rPr lang="en-US" sz="2600" dirty="0">
+              <a:rPr lang="en-US" sz="2600" b="1" dirty="0">
                 <a:solidFill>
                   <a:schemeClr val="lt1"/>
                 </a:solidFill>
@@ -9351,7 +9506,7 @@
               <a:t>    </a:t>
             </a:r>
             <a:r>
-              <a:rPr lang="en-US" sz="2600" i="0" u="none" strike="noStrike" cap="none" dirty="0">
+              <a:rPr lang="en-US" sz="2600" b="1" i="0" u="none" strike="noStrike" cap="none" dirty="0">
                 <a:solidFill>
                   <a:srgbClr val="FFFF00"/>
                 </a:solidFill>
@@ -9363,7 +9518,7 @@
               <a:t>if</a:t>
             </a:r>
             <a:r>
-              <a:rPr lang="en-US" sz="2600" i="0" u="none" strike="noStrike" cap="none" dirty="0">
+              <a:rPr lang="en-US" sz="2600" b="1" i="0" u="none" strike="noStrike" cap="none" dirty="0">
                 <a:solidFill>
                   <a:schemeClr val="lt1"/>
                 </a:solidFill>
@@ -9375,7 +9530,7 @@
               <a:t> </a:t>
             </a:r>
             <a:r>
-              <a:rPr lang="en-US" sz="2600" i="0" u="none" strike="noStrike" cap="none" dirty="0" err="1">
+              <a:rPr lang="en-US" sz="2600" b="1" i="0" u="none" strike="noStrike" cap="none" dirty="0" err="1">
                 <a:solidFill>
                   <a:srgbClr val="00FFFF"/>
                 </a:solidFill>
@@ -9387,7 +9542,7 @@
               <a:t>lang</a:t>
             </a:r>
             <a:r>
-              <a:rPr lang="en-US" sz="2600" i="0" u="none" strike="noStrike" cap="none" dirty="0">
+              <a:rPr lang="en-US" sz="2600" b="1" i="0" u="none" strike="noStrike" cap="none" dirty="0">
                 <a:solidFill>
                   <a:schemeClr val="lt1"/>
                 </a:solidFill>
@@ -9399,7 +9554,7 @@
               <a:t> == '</a:t>
             </a:r>
             <a:r>
-              <a:rPr lang="en-US" sz="2600" i="0" u="none" strike="noStrike" cap="none" dirty="0" err="1">
+              <a:rPr lang="en-US" sz="2600" b="1" i="0" u="none" strike="noStrike" cap="none" dirty="0" err="1">
                 <a:solidFill>
                   <a:schemeClr val="lt1"/>
                 </a:solidFill>
@@ -9411,7 +9566,7 @@
               <a:t>es</a:t>
             </a:r>
             <a:r>
-              <a:rPr lang="en-US" sz="2600" i="0" u="none" strike="noStrike" cap="none" dirty="0">
+              <a:rPr lang="en-US" sz="2600" b="1" i="0" u="none" strike="noStrike" cap="none" dirty="0">
                 <a:solidFill>
                   <a:schemeClr val="lt1"/>
                 </a:solidFill>
@@ -9442,7 +9597,7 @@
               <a:buNone/>
             </a:pPr>
             <a:r>
-              <a:rPr lang="en-US" sz="2600" i="0" u="none" strike="noStrike" cap="none" dirty="0">
+              <a:rPr lang="en-US" sz="2600" b="1" i="0" u="none" strike="noStrike" cap="none" dirty="0">
                 <a:solidFill>
                   <a:schemeClr val="lt1"/>
                 </a:solidFill>
@@ -9454,7 +9609,7 @@
               <a:t>...        </a:t>
             </a:r>
             <a:r>
-              <a:rPr lang="en-US" sz="2600" i="0" u="none" strike="noStrike" cap="none" dirty="0" smtClean="0">
+              <a:rPr lang="en-US" sz="2600" b="1" i="0" u="none" strike="noStrike" cap="none" dirty="0" smtClean="0">
                 <a:solidFill>
                   <a:srgbClr val="FFFF00"/>
                 </a:solidFill>
@@ -9466,7 +9621,7 @@
               <a:t>print</a:t>
             </a:r>
             <a:r>
-              <a:rPr lang="en-US" sz="2600" dirty="0">
+              <a:rPr lang="en-US" sz="2600" b="1" dirty="0">
                 <a:solidFill>
                   <a:schemeClr val="lt1"/>
                 </a:solidFill>
@@ -9478,7 +9633,7 @@
               <a:t>(</a:t>
             </a:r>
             <a:r>
-              <a:rPr lang="en-US" sz="2600" i="0" u="none" strike="noStrike" cap="none" dirty="0" smtClean="0">
+              <a:rPr lang="en-US" sz="2600" b="1" i="0" u="none" strike="noStrike" cap="none" dirty="0" smtClean="0">
                 <a:solidFill>
                   <a:schemeClr val="lt1"/>
                 </a:solidFill>
@@ -9490,7 +9645,7 @@
               <a:t>'</a:t>
             </a:r>
             <a:r>
-              <a:rPr lang="en-US" sz="2600" i="0" u="none" strike="noStrike" cap="none" dirty="0" err="1" smtClean="0">
+              <a:rPr lang="en-US" sz="2600" b="1" i="0" u="none" strike="noStrike" cap="none" dirty="0" err="1" smtClean="0">
                 <a:solidFill>
                   <a:schemeClr val="lt1"/>
                 </a:solidFill>
@@ -9502,7 +9657,7 @@
               <a:t>Hola</a:t>
             </a:r>
             <a:r>
-              <a:rPr lang="en-US" sz="2600" dirty="0" smtClean="0">
+              <a:rPr lang="en-US" sz="2600" b="1" dirty="0" smtClean="0">
                 <a:solidFill>
                   <a:schemeClr val="lt1"/>
                 </a:solidFill>
@@ -9513,7 +9668,7 @@
               </a:rPr>
               <a:t>')</a:t>
             </a:r>
-            <a:endParaRPr lang="en-US" sz="2600" dirty="0">
+            <a:endParaRPr lang="en-US" sz="2600" b="1" dirty="0">
               <a:solidFill>
                 <a:schemeClr val="lt1"/>
               </a:solidFill>
@@ -9542,7 +9697,7 @@
               <a:buNone/>
             </a:pPr>
             <a:r>
-              <a:rPr lang="en-US" sz="2600" i="0" u="none" strike="noStrike" cap="none" dirty="0">
+              <a:rPr lang="en-US" sz="2600" b="1" i="0" u="none" strike="noStrike" cap="none" dirty="0">
                 <a:solidFill>
                   <a:schemeClr val="lt1"/>
                 </a:solidFill>
@@ -9554,7 +9709,7 @@
               <a:t>...     </a:t>
             </a:r>
             <a:r>
-              <a:rPr lang="en-US" sz="2600" i="0" u="none" strike="noStrike" cap="none" dirty="0" err="1">
+              <a:rPr lang="en-US" sz="2600" b="1" i="0" u="none" strike="noStrike" cap="none" dirty="0" err="1">
                 <a:solidFill>
                   <a:srgbClr val="FFFF00"/>
                 </a:solidFill>
@@ -9566,7 +9721,7 @@
               <a:t>elif</a:t>
             </a:r>
             <a:r>
-              <a:rPr lang="en-US" sz="2600" i="0" u="none" strike="noStrike" cap="none" dirty="0">
+              <a:rPr lang="en-US" sz="2600" b="1" i="0" u="none" strike="noStrike" cap="none" dirty="0">
                 <a:solidFill>
                   <a:schemeClr val="lt1"/>
                 </a:solidFill>
@@ -9578,7 +9733,7 @@
               <a:t> </a:t>
             </a:r>
             <a:r>
-              <a:rPr lang="en-US" sz="2600" i="0" u="none" strike="noStrike" cap="none" dirty="0" err="1">
+              <a:rPr lang="en-US" sz="2600" b="1" i="0" u="none" strike="noStrike" cap="none" dirty="0" err="1">
                 <a:solidFill>
                   <a:srgbClr val="00FFFF"/>
                 </a:solidFill>
@@ -9590,7 +9745,7 @@
               <a:t>lang</a:t>
             </a:r>
             <a:r>
-              <a:rPr lang="en-US" sz="2600" i="0" u="none" strike="noStrike" cap="none" dirty="0">
+              <a:rPr lang="en-US" sz="2600" b="1" i="0" u="none" strike="noStrike" cap="none" dirty="0">
                 <a:solidFill>
                   <a:schemeClr val="lt1"/>
                 </a:solidFill>
@@ -9602,7 +9757,7 @@
               <a:t> == '</a:t>
             </a:r>
             <a:r>
-              <a:rPr lang="en-US" sz="2600" i="0" u="none" strike="noStrike" cap="none" dirty="0" err="1">
+              <a:rPr lang="en-US" sz="2600" b="1" i="0" u="none" strike="noStrike" cap="none" dirty="0" err="1">
                 <a:solidFill>
                   <a:schemeClr val="lt1"/>
                 </a:solidFill>
@@ -9614,7 +9769,7 @@
               <a:t>fr</a:t>
             </a:r>
             <a:r>
-              <a:rPr lang="en-US" sz="2600" i="0" u="none" strike="noStrike" cap="none" dirty="0">
+              <a:rPr lang="en-US" sz="2600" b="1" i="0" u="none" strike="noStrike" cap="none" dirty="0">
                 <a:solidFill>
                   <a:schemeClr val="lt1"/>
                 </a:solidFill>
@@ -9645,7 +9800,7 @@
               <a:buNone/>
             </a:pPr>
             <a:r>
-              <a:rPr lang="en-US" sz="2600" i="0" u="none" strike="noStrike" cap="none" dirty="0">
+              <a:rPr lang="en-US" sz="2600" b="1" i="0" u="none" strike="noStrike" cap="none" dirty="0">
                 <a:solidFill>
                   <a:schemeClr val="lt1"/>
                 </a:solidFill>
@@ -9657,7 +9812,7 @@
               <a:t>...        </a:t>
             </a:r>
             <a:r>
-              <a:rPr lang="en-US" sz="2600" i="0" u="none" strike="noStrike" cap="none" dirty="0" smtClean="0">
+              <a:rPr lang="en-US" sz="2600" b="1" i="0" u="none" strike="noStrike" cap="none" dirty="0" smtClean="0">
                 <a:solidFill>
                   <a:srgbClr val="FFFF00"/>
                 </a:solidFill>
@@ -9669,7 +9824,7 @@
               <a:t>print</a:t>
             </a:r>
             <a:r>
-              <a:rPr lang="en-US" sz="2600" dirty="0">
+              <a:rPr lang="en-US" sz="2600" b="1" dirty="0">
                 <a:solidFill>
                   <a:schemeClr val="lt1"/>
                 </a:solidFill>
@@ -9681,7 +9836,7 @@
               <a:t>(</a:t>
             </a:r>
             <a:r>
-              <a:rPr lang="en-US" sz="2600" i="0" u="none" strike="noStrike" cap="none" dirty="0" smtClean="0">
+              <a:rPr lang="en-US" sz="2600" b="1" i="0" u="none" strike="noStrike" cap="none" dirty="0" smtClean="0">
                 <a:solidFill>
                   <a:schemeClr val="lt1"/>
                 </a:solidFill>
@@ -9693,7 +9848,7 @@
               <a:t>'Bonjour</a:t>
             </a:r>
             <a:r>
-              <a:rPr lang="en-US" sz="2600" dirty="0" smtClean="0">
+              <a:rPr lang="en-US" sz="2600" b="1" dirty="0" smtClean="0">
                 <a:solidFill>
                   <a:schemeClr val="lt1"/>
                 </a:solidFill>
@@ -9704,7 +9859,7 @@
               </a:rPr>
               <a:t>')</a:t>
             </a:r>
-            <a:endParaRPr lang="en-US" sz="2600" dirty="0">
+            <a:endParaRPr lang="en-US" sz="2600" b="1" dirty="0">
               <a:solidFill>
                 <a:schemeClr val="lt1"/>
               </a:solidFill>
@@ -9733,7 +9888,7 @@
               <a:buNone/>
             </a:pPr>
             <a:r>
-              <a:rPr lang="en-US" sz="2600" i="0" u="none" strike="noStrike" cap="none" dirty="0">
+              <a:rPr lang="en-US" sz="2600" b="1" i="0" u="none" strike="noStrike" cap="none" dirty="0">
                 <a:solidFill>
                   <a:schemeClr val="lt1"/>
                 </a:solidFill>
@@ -9745,7 +9900,7 @@
               <a:t>...     </a:t>
             </a:r>
             <a:r>
-              <a:rPr lang="en-US" sz="2600" i="0" u="none" strike="noStrike" cap="none" dirty="0">
+              <a:rPr lang="en-US" sz="2600" b="1" i="0" u="none" strike="noStrike" cap="none" dirty="0">
                 <a:solidFill>
                   <a:srgbClr val="FFFF00"/>
                 </a:solidFill>
@@ -9776,7 +9931,7 @@
               <a:buNone/>
             </a:pPr>
             <a:r>
-              <a:rPr lang="en-US" sz="2600" i="0" u="none" strike="noStrike" cap="none" dirty="0">
+              <a:rPr lang="en-US" sz="2600" b="1" i="0" u="none" strike="noStrike" cap="none" dirty="0">
                 <a:solidFill>
                   <a:schemeClr val="lt1"/>
                 </a:solidFill>
@@ -9788,7 +9943,7 @@
               <a:t>...     </a:t>
             </a:r>
             <a:r>
-              <a:rPr lang="en-US" sz="2600" i="0" u="none" strike="noStrike" cap="none" dirty="0">
+              <a:rPr lang="en-US" sz="2600" b="1" i="0" u="none" strike="noStrike" cap="none" dirty="0">
                 <a:solidFill>
                   <a:srgbClr val="FFFF00"/>
                 </a:solidFill>
@@ -9800,7 +9955,7 @@
               <a:t>   </a:t>
             </a:r>
             <a:r>
-              <a:rPr lang="en-US" sz="2600" i="0" u="none" strike="noStrike" cap="none" dirty="0" smtClean="0">
+              <a:rPr lang="en-US" sz="2600" b="1" i="0" u="none" strike="noStrike" cap="none" dirty="0" smtClean="0">
                 <a:solidFill>
                   <a:srgbClr val="FFFF00"/>
                 </a:solidFill>
@@ -9812,7 +9967,7 @@
               <a:t>print</a:t>
             </a:r>
             <a:r>
-              <a:rPr lang="en-US" sz="2600" dirty="0">
+              <a:rPr lang="en-US" sz="2600" b="1" dirty="0">
                 <a:solidFill>
                   <a:schemeClr val="lt1"/>
                 </a:solidFill>
@@ -9824,7 +9979,7 @@
               <a:t>(</a:t>
             </a:r>
             <a:r>
-              <a:rPr lang="en-US" sz="2600" i="0" u="none" strike="noStrike" cap="none" dirty="0" smtClean="0">
+              <a:rPr lang="en-US" sz="2600" b="1" i="0" u="none" strike="noStrike" cap="none" dirty="0" smtClean="0">
                 <a:solidFill>
                   <a:schemeClr val="lt1"/>
                 </a:solidFill>
@@ -9836,7 +9991,7 @@
               <a:t>'Hello</a:t>
             </a:r>
             <a:r>
-              <a:rPr lang="en-US" sz="2600" dirty="0" smtClean="0">
+              <a:rPr lang="en-US" sz="2600" b="1" dirty="0" smtClean="0">
                 <a:solidFill>
                   <a:schemeClr val="lt1"/>
                 </a:solidFill>
@@ -9847,7 +10002,7 @@
               </a:rPr>
               <a:t>')</a:t>
             </a:r>
-            <a:endParaRPr lang="en-US" sz="2600" dirty="0">
+            <a:endParaRPr lang="en-US" sz="2600" b="1" dirty="0">
               <a:solidFill>
                 <a:schemeClr val="lt1"/>
               </a:solidFill>
@@ -9876,7 +10031,7 @@
               <a:buNone/>
             </a:pPr>
             <a:r>
-              <a:rPr lang="en-US" sz="2600" i="0" u="none" strike="noStrike" cap="none" dirty="0">
+              <a:rPr lang="en-US" sz="2600" b="1" i="0" u="none" strike="noStrike" cap="none" dirty="0">
                 <a:solidFill>
                   <a:schemeClr val="lt1"/>
                 </a:solidFill>
@@ -9907,7 +10062,7 @@
               <a:buNone/>
             </a:pPr>
             <a:r>
-              <a:rPr lang="en-US" sz="2600" i="0" u="none" strike="noStrike" cap="none" dirty="0">
+              <a:rPr lang="en-US" sz="2600" b="1" i="0" u="none" strike="noStrike" cap="none" dirty="0">
                 <a:solidFill>
                   <a:schemeClr val="lt1"/>
                 </a:solidFill>
@@ -9919,7 +10074,7 @@
               <a:t>&gt;&gt;&gt; </a:t>
             </a:r>
             <a:r>
-              <a:rPr lang="en-US" sz="2600" i="0" u="none" strike="noStrike" cap="none" dirty="0">
+              <a:rPr lang="en-US" sz="2600" b="1" i="0" u="none" strike="noStrike" cap="none" dirty="0">
                 <a:solidFill>
                   <a:srgbClr val="00FF00"/>
                 </a:solidFill>
@@ -9931,7 +10086,7 @@
               <a:t>greet</a:t>
             </a:r>
             <a:r>
-              <a:rPr lang="en-US" sz="2600" i="0" u="none" strike="noStrike" cap="none" dirty="0">
+              <a:rPr lang="en-US" sz="2600" b="1" i="0" u="none" strike="noStrike" cap="none" dirty="0">
                 <a:solidFill>
                   <a:schemeClr val="lt1"/>
                 </a:solidFill>
@@ -9943,7 +10098,7 @@
               <a:t>(</a:t>
             </a:r>
             <a:r>
-              <a:rPr lang="en-US" sz="2600" i="0" u="none" strike="noStrike" cap="none" dirty="0">
+              <a:rPr lang="en-US" sz="2600" b="1" i="0" u="none" strike="noStrike" cap="none" dirty="0">
                 <a:solidFill>
                   <a:srgbClr val="FF7F00"/>
                 </a:solidFill>
@@ -9955,7 +10110,7 @@
               <a:t>'</a:t>
             </a:r>
             <a:r>
-              <a:rPr lang="en-US" sz="2600" i="0" u="none" strike="noStrike" cap="none" dirty="0" err="1">
+              <a:rPr lang="en-US" sz="2600" b="1" i="0" u="none" strike="noStrike" cap="none" dirty="0" err="1">
                 <a:solidFill>
                   <a:srgbClr val="FF7F00"/>
                 </a:solidFill>
@@ -9967,7 +10122,7 @@
               <a:t>en</a:t>
             </a:r>
             <a:r>
-              <a:rPr lang="en-US" sz="2600" i="0" u="none" strike="noStrike" cap="none" dirty="0">
+              <a:rPr lang="en-US" sz="2600" b="1" i="0" u="none" strike="noStrike" cap="none" dirty="0">
                 <a:solidFill>
                   <a:srgbClr val="FF7F00"/>
                 </a:solidFill>
@@ -9979,7 +10134,7 @@
               <a:t>'</a:t>
             </a:r>
             <a:r>
-              <a:rPr lang="en-US" sz="2600" i="0" u="none" strike="noStrike" cap="none" dirty="0">
+              <a:rPr lang="en-US" sz="2600" b="1" i="0" u="none" strike="noStrike" cap="none" dirty="0">
                 <a:solidFill>
                   <a:schemeClr val="lt1"/>
                 </a:solidFill>
@@ -10010,7 +10165,7 @@
               <a:buNone/>
             </a:pPr>
             <a:r>
-              <a:rPr lang="en-US" sz="2600" i="0" u="none" strike="noStrike" cap="none" dirty="0">
+              <a:rPr lang="en-US" sz="2600" b="1" i="0" u="none" strike="noStrike" cap="none" dirty="0">
                 <a:solidFill>
                   <a:schemeClr val="lt1"/>
                 </a:solidFill>
@@ -10041,7 +10196,7 @@
               <a:buNone/>
             </a:pPr>
             <a:r>
-              <a:rPr lang="en-US" sz="2600" i="0" u="none" strike="noStrike" cap="none" dirty="0">
+              <a:rPr lang="en-US" sz="2600" b="1" i="0" u="none" strike="noStrike" cap="none" dirty="0">
                 <a:solidFill>
                   <a:schemeClr val="lt1"/>
                 </a:solidFill>
@@ -10053,7 +10208,7 @@
               <a:t>&gt;&gt;&gt; </a:t>
             </a:r>
             <a:r>
-              <a:rPr lang="en-US" sz="2600" i="0" u="none" strike="noStrike" cap="none" dirty="0">
+              <a:rPr lang="en-US" sz="2600" b="1" i="0" u="none" strike="noStrike" cap="none" dirty="0">
                 <a:solidFill>
                   <a:srgbClr val="00FF00"/>
                 </a:solidFill>
@@ -10065,7 +10220,7 @@
               <a:t>greet</a:t>
             </a:r>
             <a:r>
-              <a:rPr lang="en-US" sz="2600" i="0" u="none" strike="noStrike" cap="none" dirty="0">
+              <a:rPr lang="en-US" sz="2600" b="1" i="0" u="none" strike="noStrike" cap="none" dirty="0">
                 <a:solidFill>
                   <a:schemeClr val="lt1"/>
                 </a:solidFill>
@@ -10077,7 +10232,7 @@
               <a:t>(</a:t>
             </a:r>
             <a:r>
-              <a:rPr lang="en-US" sz="2600" i="0" u="none" strike="noStrike" cap="none" dirty="0">
+              <a:rPr lang="en-US" sz="2600" b="1" i="0" u="none" strike="noStrike" cap="none" dirty="0">
                 <a:solidFill>
                   <a:srgbClr val="FF7F00"/>
                 </a:solidFill>
@@ -10089,7 +10244,7 @@
               <a:t>'</a:t>
             </a:r>
             <a:r>
-              <a:rPr lang="en-US" sz="2600" i="0" u="none" strike="noStrike" cap="none" dirty="0" err="1">
+              <a:rPr lang="en-US" sz="2600" b="1" i="0" u="none" strike="noStrike" cap="none" dirty="0" err="1">
                 <a:solidFill>
                   <a:srgbClr val="FF7F00"/>
                 </a:solidFill>
@@ -10101,7 +10256,7 @@
               <a:t>es</a:t>
             </a:r>
             <a:r>
-              <a:rPr lang="en-US" sz="2600" i="0" u="none" strike="noStrike" cap="none" dirty="0">
+              <a:rPr lang="en-US" sz="2600" b="1" i="0" u="none" strike="noStrike" cap="none" dirty="0">
                 <a:solidFill>
                   <a:srgbClr val="FF7F00"/>
                 </a:solidFill>
@@ -10113,7 +10268,7 @@
               <a:t>'</a:t>
             </a:r>
             <a:r>
-              <a:rPr lang="en-US" sz="2600" i="0" u="none" strike="noStrike" cap="none" dirty="0">
+              <a:rPr lang="en-US" sz="2600" b="1" i="0" u="none" strike="noStrike" cap="none" dirty="0">
                 <a:solidFill>
                   <a:schemeClr val="lt1"/>
                 </a:solidFill>
@@ -10144,7 +10299,7 @@
               <a:buNone/>
             </a:pPr>
             <a:r>
-              <a:rPr lang="en-US" sz="2600" i="0" u="none" strike="noStrike" cap="none" dirty="0" err="1">
+              <a:rPr lang="en-US" sz="2600" b="1" i="0" u="none" strike="noStrike" cap="none" dirty="0" err="1">
                 <a:solidFill>
                   <a:schemeClr val="lt1"/>
                 </a:solidFill>
@@ -10155,7 +10310,7 @@
               </a:rPr>
               <a:t>Hola</a:t>
             </a:r>
-            <a:endParaRPr lang="en-US" sz="2600" i="0" u="none" strike="noStrike" cap="none" dirty="0">
+            <a:endParaRPr lang="en-US" sz="2600" b="1" i="0" u="none" strike="noStrike" cap="none" dirty="0">
               <a:solidFill>
                 <a:schemeClr val="lt1"/>
               </a:solidFill>
@@ -10184,7 +10339,7 @@
               <a:buNone/>
             </a:pPr>
             <a:r>
-              <a:rPr lang="en-US" sz="2600" i="0" u="none" strike="noStrike" cap="none" dirty="0">
+              <a:rPr lang="en-US" sz="2600" b="1" i="0" u="none" strike="noStrike" cap="none" dirty="0">
                 <a:solidFill>
                   <a:schemeClr val="lt1"/>
                 </a:solidFill>
@@ -10196,7 +10351,7 @@
               <a:t>&gt;&gt;&gt; </a:t>
             </a:r>
             <a:r>
-              <a:rPr lang="en-US" sz="2600" i="0" u="none" strike="noStrike" cap="none" dirty="0">
+              <a:rPr lang="en-US" sz="2600" b="1" i="0" u="none" strike="noStrike" cap="none" dirty="0">
                 <a:solidFill>
                   <a:srgbClr val="00FF00"/>
                 </a:solidFill>
@@ -10208,7 +10363,7 @@
               <a:t>greet</a:t>
             </a:r>
             <a:r>
-              <a:rPr lang="en-US" sz="2600" i="0" u="none" strike="noStrike" cap="none" dirty="0">
+              <a:rPr lang="en-US" sz="2600" b="1" i="0" u="none" strike="noStrike" cap="none" dirty="0">
                 <a:solidFill>
                   <a:schemeClr val="lt1"/>
                 </a:solidFill>
@@ -10220,7 +10375,7 @@
               <a:t>(</a:t>
             </a:r>
             <a:r>
-              <a:rPr lang="en-US" sz="2600" i="0" u="none" strike="noStrike" cap="none" dirty="0">
+              <a:rPr lang="en-US" sz="2600" b="1" i="0" u="none" strike="noStrike" cap="none" dirty="0">
                 <a:solidFill>
                   <a:srgbClr val="FF7F00"/>
                 </a:solidFill>
@@ -10232,7 +10387,7 @@
               <a:t>'</a:t>
             </a:r>
             <a:r>
-              <a:rPr lang="en-US" sz="2600" i="0" u="none" strike="noStrike" cap="none" dirty="0" err="1">
+              <a:rPr lang="en-US" sz="2600" b="1" i="0" u="none" strike="noStrike" cap="none" dirty="0" err="1">
                 <a:solidFill>
                   <a:srgbClr val="FF7F00"/>
                 </a:solidFill>
@@ -10244,7 +10399,7 @@
               <a:t>fr</a:t>
             </a:r>
             <a:r>
-              <a:rPr lang="en-US" sz="2600" i="0" u="none" strike="noStrike" cap="none" dirty="0">
+              <a:rPr lang="en-US" sz="2600" b="1" i="0" u="none" strike="noStrike" cap="none" dirty="0">
                 <a:solidFill>
                   <a:srgbClr val="FF7F00"/>
                 </a:solidFill>
@@ -10256,7 +10411,7 @@
               <a:t>'</a:t>
             </a:r>
             <a:r>
-              <a:rPr lang="en-US" sz="2600" i="0" u="none" strike="noStrike" cap="none" dirty="0">
+              <a:rPr lang="en-US" sz="2600" b="1" i="0" u="none" strike="noStrike" cap="none" dirty="0">
                 <a:solidFill>
                   <a:schemeClr val="lt1"/>
                 </a:solidFill>
@@ -10287,7 +10442,7 @@
               <a:buNone/>
             </a:pPr>
             <a:r>
-              <a:rPr lang="en-US" sz="2600" i="0" u="none" strike="noStrike" cap="none" dirty="0">
+              <a:rPr lang="en-US" sz="2600" b="1" i="0" u="none" strike="noStrike" cap="none" dirty="0">
                 <a:solidFill>
                   <a:schemeClr val="lt1"/>
                 </a:solidFill>
@@ -10318,7 +10473,7 @@
               <a:buNone/>
             </a:pPr>
             <a:r>
-              <a:rPr lang="en-US" sz="2600" i="0" u="none" strike="noStrike" cap="none" dirty="0">
+              <a:rPr lang="en-US" sz="2600" b="1" i="0" u="none" strike="noStrike" cap="none" dirty="0">
                 <a:solidFill>
                   <a:schemeClr val="lt1"/>
                 </a:solidFill>
@@ -10337,10 +10492,17 @@
   <p:clrMapOvr>
     <a:masterClrMapping/>
   </p:clrMapOvr>
+  <p:timing>
+    <p:tnLst>
+      <p:par>
+        <p:cTn id="1" dur="indefinite" restart="never" nodeType="tmRoot"/>
+      </p:par>
+    </p:tnLst>
+  </p:timing>
 </p:sld>
 </file>
 
-<file path=ppt/slides/slide16.xml><?xml version="1.0" encoding="utf-8"?>
+<file path=ppt/slides/slide17.xml><?xml version="1.0" encoding="utf-8"?>
 <p:sld xmlns:a="http://schemas.openxmlformats.org/drawingml/2006/main" xmlns:r="http://schemas.openxmlformats.org/officeDocument/2006/relationships" xmlns:p="http://schemas.openxmlformats.org/presentationml/2006/main">
   <p:cSld>
     <p:spTree>
@@ -10597,7 +10759,7 @@
               <a:buNone/>
             </a:pPr>
             <a:r>
-              <a:rPr lang="en-US" sz="3200" i="0" u="none" strike="noStrike" cap="none" dirty="0" err="1">
+              <a:rPr lang="en-US" sz="3200" b="1" i="0" u="none" strike="noStrike" cap="none" dirty="0" err="1">
                 <a:solidFill>
                   <a:srgbClr val="FFFF00"/>
                 </a:solidFill>
@@ -10609,7 +10771,7 @@
               <a:t>def</a:t>
             </a:r>
             <a:r>
-              <a:rPr lang="en-US" sz="3200" i="0" u="none" strike="noStrike" cap="none" dirty="0">
+              <a:rPr lang="en-US" sz="3200" b="1" i="0" u="none" strike="noStrike" cap="none" dirty="0">
                 <a:solidFill>
                   <a:srgbClr val="FFFF00"/>
                 </a:solidFill>
@@ -10621,7 +10783,7 @@
               <a:t> </a:t>
             </a:r>
             <a:r>
-              <a:rPr lang="en-US" sz="3200" i="0" u="none" strike="noStrike" cap="none" dirty="0">
+              <a:rPr lang="en-US" sz="3200" b="1" i="0" u="none" strike="noStrike" cap="none" dirty="0">
                 <a:solidFill>
                   <a:srgbClr val="00FF00"/>
                 </a:solidFill>
@@ -10633,7 +10795,7 @@
               <a:t>greet</a:t>
             </a:r>
             <a:r>
-              <a:rPr lang="en-US" sz="3200" i="0" u="none" strike="noStrike" cap="none" dirty="0">
+              <a:rPr lang="en-US" sz="3200" b="1" i="0" u="none" strike="noStrike" cap="none" dirty="0">
                 <a:solidFill>
                   <a:srgbClr val="FFFF00"/>
                 </a:solidFill>
@@ -10664,7 +10826,7 @@
               <a:buNone/>
             </a:pPr>
             <a:r>
-              <a:rPr lang="en-US" sz="3200" i="0" u="none" strike="noStrike" cap="none" dirty="0">
+              <a:rPr lang="en-US" sz="3200" b="1" i="0" u="none" strike="noStrike" cap="none" dirty="0">
                 <a:solidFill>
                   <a:srgbClr val="FFFF00"/>
                 </a:solidFill>
@@ -10676,7 +10838,7 @@
               <a:t>    </a:t>
             </a:r>
             <a:r>
-              <a:rPr lang="en-US" sz="3200" i="0" u="none" strike="noStrike" cap="none" dirty="0">
+              <a:rPr lang="en-US" sz="3200" b="1" i="0" u="none" strike="noStrike" cap="none" dirty="0">
                 <a:solidFill>
                   <a:srgbClr val="FF7F00"/>
                 </a:solidFill>
@@ -10688,7 +10850,7 @@
               <a:t>return</a:t>
             </a:r>
             <a:r>
-              <a:rPr lang="en-US" sz="3200" i="0" u="none" strike="noStrike" cap="none" dirty="0">
+              <a:rPr lang="en-US" sz="3200" b="1" i="0" u="none" strike="noStrike" cap="none" dirty="0">
                 <a:solidFill>
                   <a:srgbClr val="FFFF00"/>
                 </a:solidFill>
@@ -10700,7 +10862,7 @@
               <a:t> "Hello</a:t>
             </a:r>
             <a:r>
-              <a:rPr lang="en-US" sz="3200" dirty="0">
+              <a:rPr lang="en-US" sz="3200" b="1" dirty="0">
                 <a:solidFill>
                   <a:srgbClr val="FFFF00"/>
                 </a:solidFill>
@@ -10725,7 +10887,7 @@
               </a:spcAft>
               <a:buNone/>
             </a:pPr>
-            <a:endParaRPr sz="3200" i="0" u="none" strike="noStrike" cap="none" dirty="0">
+            <a:endParaRPr sz="3200" b="1" i="0" u="none" strike="noStrike" cap="none" dirty="0">
               <a:solidFill>
                 <a:srgbClr val="FFFF00"/>
               </a:solidFill>
@@ -10754,7 +10916,7 @@
               <a:buNone/>
             </a:pPr>
             <a:r>
-              <a:rPr lang="en-US" sz="3200" i="0" u="none" strike="noStrike" cap="none" dirty="0" smtClean="0">
+              <a:rPr lang="en-US" sz="3200" b="1" i="0" u="none" strike="noStrike" cap="none" dirty="0" smtClean="0">
                 <a:solidFill>
                   <a:srgbClr val="FFFF00"/>
                 </a:solidFill>
@@ -10766,7 +10928,7 @@
               <a:t>print(</a:t>
             </a:r>
             <a:r>
-              <a:rPr lang="en-US" sz="3200" i="0" u="none" strike="noStrike" cap="none" dirty="0" smtClean="0">
+              <a:rPr lang="en-US" sz="3200" b="1" i="0" u="none" strike="noStrike" cap="none" dirty="0" smtClean="0">
                 <a:solidFill>
                   <a:srgbClr val="FF00FF"/>
                 </a:solidFill>
@@ -10778,7 +10940,7 @@
               <a:t>greet</a:t>
             </a:r>
             <a:r>
-              <a:rPr lang="en-US" sz="3200" i="0" u="none" strike="noStrike" cap="none" dirty="0">
+              <a:rPr lang="en-US" sz="3200" b="1" i="0" u="none" strike="noStrike" cap="none" dirty="0">
                 <a:solidFill>
                   <a:srgbClr val="FF00FF"/>
                 </a:solidFill>
@@ -10790,7 +10952,7 @@
               <a:t>()</a:t>
             </a:r>
             <a:r>
-              <a:rPr lang="en-US" sz="3200" i="0" u="none" strike="noStrike" cap="none" dirty="0">
+              <a:rPr lang="en-US" sz="3200" b="1" i="0" u="none" strike="noStrike" cap="none" dirty="0">
                 <a:solidFill>
                   <a:srgbClr val="FFFF00"/>
                 </a:solidFill>
@@ -10802,7 +10964,7 @@
               <a:t>, "Glenn</a:t>
             </a:r>
             <a:r>
-              <a:rPr lang="en-US" sz="3200" dirty="0" smtClean="0">
+              <a:rPr lang="en-US" sz="3200" b="1" dirty="0" smtClean="0">
                 <a:solidFill>
                   <a:srgbClr val="FFFF00"/>
                 </a:solidFill>
@@ -10813,7 +10975,7 @@
               </a:rPr>
               <a:t>")</a:t>
             </a:r>
-            <a:endParaRPr lang="en-US" sz="3200" dirty="0">
+            <a:endParaRPr lang="en-US" sz="3200" b="1" dirty="0">
               <a:solidFill>
                 <a:srgbClr val="FFFF00"/>
               </a:solidFill>
@@ -10842,7 +11004,7 @@
               <a:buNone/>
             </a:pPr>
             <a:r>
-              <a:rPr lang="en-US" sz="3200" i="0" u="none" strike="noStrike" cap="none" dirty="0" smtClean="0">
+              <a:rPr lang="en-US" sz="3200" b="1" i="0" u="none" strike="noStrike" cap="none" dirty="0" smtClean="0">
                 <a:solidFill>
                   <a:srgbClr val="FFFF00"/>
                 </a:solidFill>
@@ -10854,7 +11016,7 @@
               <a:t>print(</a:t>
             </a:r>
             <a:r>
-              <a:rPr lang="en-US" sz="3200" i="0" u="none" strike="noStrike" cap="none" dirty="0" smtClean="0">
+              <a:rPr lang="en-US" sz="3200" b="1" i="0" u="none" strike="noStrike" cap="none" dirty="0" smtClean="0">
                 <a:solidFill>
                   <a:srgbClr val="FF00FF"/>
                 </a:solidFill>
@@ -10866,7 +11028,7 @@
               <a:t>greet</a:t>
             </a:r>
             <a:r>
-              <a:rPr lang="en-US" sz="3200" i="0" u="none" strike="noStrike" cap="none" dirty="0">
+              <a:rPr lang="en-US" sz="3200" b="1" i="0" u="none" strike="noStrike" cap="none" dirty="0">
                 <a:solidFill>
                   <a:srgbClr val="FF00FF"/>
                 </a:solidFill>
@@ -10878,7 +11040,7 @@
               <a:t>()</a:t>
             </a:r>
             <a:r>
-              <a:rPr lang="en-US" sz="3200" i="0" u="none" strike="noStrike" cap="none" dirty="0">
+              <a:rPr lang="en-US" sz="3200" b="1" i="0" u="none" strike="noStrike" cap="none" dirty="0">
                 <a:solidFill>
                   <a:srgbClr val="FFFF00"/>
                 </a:solidFill>
@@ -10890,7 +11052,7 @@
               <a:t>, "Sally</a:t>
             </a:r>
             <a:r>
-              <a:rPr lang="en-US" sz="3200" i="0" u="none" strike="noStrike" cap="none" dirty="0" smtClean="0">
+              <a:rPr lang="en-US" sz="3200" b="1" i="0" u="none" strike="noStrike" cap="none" dirty="0" smtClean="0">
                 <a:solidFill>
                   <a:srgbClr val="FFFF00"/>
                 </a:solidFill>
@@ -10899,19 +11061,7 @@
                 <a:cs typeface="Courier New"/>
                 <a:sym typeface="Courier New"/>
               </a:rPr>
-              <a:t>"</a:t>
-            </a:r>
-            <a:r>
-              <a:rPr lang="en-US" sz="3200" b="1" i="0" u="none" strike="noStrike" cap="none" dirty="0" smtClean="0">
-                <a:solidFill>
-                  <a:srgbClr val="FFFF00"/>
-                </a:solidFill>
-                <a:latin typeface="Courier New"/>
-                <a:ea typeface="Courier New"/>
-                <a:cs typeface="Courier New"/>
-                <a:sym typeface="Courier New"/>
-              </a:rPr>
-              <a:t>)</a:t>
+              <a:t>")</a:t>
             </a:r>
             <a:endParaRPr lang="en-US" sz="3200" b="1" i="0" u="none" strike="noStrike" cap="none" dirty="0">
               <a:solidFill>
@@ -11018,10 +11168,17 @@
   <p:clrMapOvr>
     <a:masterClrMapping/>
   </p:clrMapOvr>
+  <p:timing>
+    <p:tnLst>
+      <p:par>
+        <p:cTn id="1" dur="indefinite" restart="never" nodeType="tmRoot"/>
+      </p:par>
+    </p:tnLst>
+  </p:timing>
 </p:sld>
 </file>
 
-<file path=ppt/slides/slide17.xml><?xml version="1.0" encoding="utf-8"?>
+<file path=ppt/slides/slide18.xml><?xml version="1.0" encoding="utf-8"?>
 <p:sld xmlns:a="http://schemas.openxmlformats.org/drawingml/2006/main" xmlns:r="http://schemas.openxmlformats.org/officeDocument/2006/relationships" xmlns:p="http://schemas.openxmlformats.org/presentationml/2006/main">
   <p:cSld>
     <p:spTree>
@@ -11506,7 +11663,7 @@
               <a:buNone/>
             </a:pPr>
             <a:r>
-              <a:rPr lang="en-US" sz="2500" i="0" u="none" strike="noStrike" cap="none" dirty="0">
+              <a:rPr lang="en-US" sz="2500" b="1" i="0" u="none" strike="noStrike" cap="none" dirty="0">
                 <a:solidFill>
                   <a:schemeClr val="lt1"/>
                 </a:solidFill>
@@ -11518,7 +11675,7 @@
               <a:t>&gt;&gt;&gt; </a:t>
             </a:r>
             <a:r>
-              <a:rPr lang="en-US" sz="2500" i="0" u="none" strike="noStrike" cap="none" dirty="0" err="1">
+              <a:rPr lang="en-US" sz="2500" b="1" i="0" u="none" strike="noStrike" cap="none" dirty="0" err="1">
                 <a:solidFill>
                   <a:srgbClr val="FFFF00"/>
                 </a:solidFill>
@@ -11530,7 +11687,7 @@
               <a:t>def</a:t>
             </a:r>
             <a:r>
-              <a:rPr lang="en-US" sz="2500" i="0" u="none" strike="noStrike" cap="none" dirty="0">
+              <a:rPr lang="en-US" sz="2500" b="1" i="0" u="none" strike="noStrike" cap="none" dirty="0">
                 <a:solidFill>
                   <a:schemeClr val="lt1"/>
                 </a:solidFill>
@@ -11542,7 +11699,7 @@
               <a:t> </a:t>
             </a:r>
             <a:r>
-              <a:rPr lang="en-US" sz="2500" i="0" u="none" strike="noStrike" cap="none" dirty="0">
+              <a:rPr lang="en-US" sz="2500" b="1" i="0" u="none" strike="noStrike" cap="none" dirty="0">
                 <a:solidFill>
                   <a:srgbClr val="00FF00"/>
                 </a:solidFill>
@@ -11554,7 +11711,7 @@
               <a:t>greet</a:t>
             </a:r>
             <a:r>
-              <a:rPr lang="en-US" sz="2500" i="0" u="none" strike="noStrike" cap="none" dirty="0">
+              <a:rPr lang="en-US" sz="2500" b="1" i="0" u="none" strike="noStrike" cap="none" dirty="0">
                 <a:solidFill>
                   <a:schemeClr val="lt1"/>
                 </a:solidFill>
@@ -11566,7 +11723,7 @@
               <a:t>(</a:t>
             </a:r>
             <a:r>
-              <a:rPr lang="en-US" sz="2500" i="0" u="none" strike="noStrike" cap="none" dirty="0" err="1">
+              <a:rPr lang="en-US" sz="2500" b="1" i="0" u="none" strike="noStrike" cap="none" dirty="0" err="1">
                 <a:solidFill>
                   <a:srgbClr val="00FFFF"/>
                 </a:solidFill>
@@ -11578,7 +11735,7 @@
               <a:t>lang</a:t>
             </a:r>
             <a:r>
-              <a:rPr lang="en-US" sz="2500" i="0" u="none" strike="noStrike" cap="none" dirty="0">
+              <a:rPr lang="en-US" sz="2500" b="1" i="0" u="none" strike="noStrike" cap="none" dirty="0">
                 <a:solidFill>
                   <a:schemeClr val="lt1"/>
                 </a:solidFill>
@@ -11609,7 +11766,7 @@
               <a:buNone/>
             </a:pPr>
             <a:r>
-              <a:rPr lang="en-US" sz="2500" i="0" u="none" strike="noStrike" cap="none" dirty="0">
+              <a:rPr lang="en-US" sz="2500" b="1" i="0" u="none" strike="noStrike" cap="none" dirty="0">
                 <a:solidFill>
                   <a:schemeClr val="lt1"/>
                 </a:solidFill>
@@ -11621,7 +11778,7 @@
               <a:t>... </a:t>
             </a:r>
             <a:r>
-              <a:rPr lang="en-US" sz="2500" dirty="0">
+              <a:rPr lang="en-US" sz="2500" b="1" dirty="0">
                 <a:solidFill>
                   <a:schemeClr val="lt1"/>
                 </a:solidFill>
@@ -11633,7 +11790,7 @@
               <a:t>    </a:t>
             </a:r>
             <a:r>
-              <a:rPr lang="en-US" sz="2500" i="0" u="none" strike="noStrike" cap="none" dirty="0">
+              <a:rPr lang="en-US" sz="2500" b="1" i="0" u="none" strike="noStrike" cap="none" dirty="0">
                 <a:solidFill>
                   <a:srgbClr val="FFFF00"/>
                 </a:solidFill>
@@ -11645,7 +11802,7 @@
               <a:t>if</a:t>
             </a:r>
             <a:r>
-              <a:rPr lang="en-US" sz="2500" i="0" u="none" strike="noStrike" cap="none" dirty="0">
+              <a:rPr lang="en-US" sz="2500" b="1" i="0" u="none" strike="noStrike" cap="none" dirty="0">
                 <a:solidFill>
                   <a:schemeClr val="lt1"/>
                 </a:solidFill>
@@ -11657,7 +11814,7 @@
               <a:t> </a:t>
             </a:r>
             <a:r>
-              <a:rPr lang="en-US" sz="2500" i="0" u="none" strike="noStrike" cap="none" dirty="0" err="1">
+              <a:rPr lang="en-US" sz="2500" b="1" i="0" u="none" strike="noStrike" cap="none" dirty="0" err="1">
                 <a:solidFill>
                   <a:srgbClr val="00FFFF"/>
                 </a:solidFill>
@@ -11669,7 +11826,7 @@
               <a:t>lang</a:t>
             </a:r>
             <a:r>
-              <a:rPr lang="en-US" sz="2500" i="0" u="none" strike="noStrike" cap="none" dirty="0">
+              <a:rPr lang="en-US" sz="2500" b="1" i="0" u="none" strike="noStrike" cap="none" dirty="0">
                 <a:solidFill>
                   <a:schemeClr val="lt1"/>
                 </a:solidFill>
@@ -11681,7 +11838,7 @@
               <a:t> == '</a:t>
             </a:r>
             <a:r>
-              <a:rPr lang="en-US" sz="2500" i="0" u="none" strike="noStrike" cap="none" dirty="0" err="1">
+              <a:rPr lang="en-US" sz="2500" b="1" i="0" u="none" strike="noStrike" cap="none" dirty="0" err="1">
                 <a:solidFill>
                   <a:schemeClr val="lt1"/>
                 </a:solidFill>
@@ -11693,7 +11850,7 @@
               <a:t>es</a:t>
             </a:r>
             <a:r>
-              <a:rPr lang="en-US" sz="2500" i="0" u="none" strike="noStrike" cap="none" dirty="0">
+              <a:rPr lang="en-US" sz="2500" b="1" i="0" u="none" strike="noStrike" cap="none" dirty="0">
                 <a:solidFill>
                   <a:schemeClr val="lt1"/>
                 </a:solidFill>
@@ -11724,7 +11881,7 @@
               <a:buNone/>
             </a:pPr>
             <a:r>
-              <a:rPr lang="en-US" sz="2500" i="0" u="none" strike="noStrike" cap="none" dirty="0">
+              <a:rPr lang="en-US" sz="2500" b="1" i="0" u="none" strike="noStrike" cap="none" dirty="0">
                 <a:solidFill>
                   <a:schemeClr val="lt1"/>
                 </a:solidFill>
@@ -11736,7 +11893,7 @@
               <a:t>...     </a:t>
             </a:r>
             <a:r>
-              <a:rPr lang="en-US" sz="2500" dirty="0">
+              <a:rPr lang="en-US" sz="2500" b="1" dirty="0">
                 <a:solidFill>
                   <a:schemeClr val="lt1"/>
                 </a:solidFill>
@@ -11748,7 +11905,7 @@
               <a:t>    </a:t>
             </a:r>
             <a:r>
-              <a:rPr lang="en-US" sz="2500" i="0" u="none" strike="noStrike" cap="none" dirty="0">
+              <a:rPr lang="en-US" sz="2500" b="1" i="0" u="none" strike="noStrike" cap="none" dirty="0">
                 <a:solidFill>
                   <a:srgbClr val="FFFF00"/>
                 </a:solidFill>
@@ -11760,7 +11917,7 @@
               <a:t>return</a:t>
             </a:r>
             <a:r>
-              <a:rPr lang="en-US" sz="2500" i="0" u="none" strike="noStrike" cap="none" dirty="0">
+              <a:rPr lang="en-US" sz="2500" b="1" i="0" u="none" strike="noStrike" cap="none" dirty="0">
                 <a:solidFill>
                   <a:schemeClr val="lt1"/>
                 </a:solidFill>
@@ -11772,7 +11929,7 @@
               <a:t> </a:t>
             </a:r>
             <a:r>
-              <a:rPr lang="en-US" sz="2500" i="0" u="none" strike="noStrike" cap="none" dirty="0">
+              <a:rPr lang="en-US" sz="2500" b="1" i="0" u="none" strike="noStrike" cap="none" dirty="0">
                 <a:solidFill>
                   <a:srgbClr val="FF00FF"/>
                 </a:solidFill>
@@ -11784,7 +11941,7 @@
               <a:t>'</a:t>
             </a:r>
             <a:r>
-              <a:rPr lang="en-US" sz="2500" i="0" u="none" strike="noStrike" cap="none" dirty="0" err="1">
+              <a:rPr lang="en-US" sz="2500" b="1" i="0" u="none" strike="noStrike" cap="none" dirty="0" err="1">
                 <a:solidFill>
                   <a:srgbClr val="FF00FF"/>
                 </a:solidFill>
@@ -11796,7 +11953,7 @@
               <a:t>Hola</a:t>
             </a:r>
             <a:r>
-              <a:rPr lang="en-US" sz="2500" dirty="0">
+              <a:rPr lang="en-US" sz="2500" b="1" dirty="0">
                 <a:solidFill>
                   <a:srgbClr val="FF00FF"/>
                 </a:solidFill>
@@ -11827,7 +11984,7 @@
               <a:buNone/>
             </a:pPr>
             <a:r>
-              <a:rPr lang="en-US" sz="2500" i="0" u="none" strike="noStrike" cap="none" dirty="0">
+              <a:rPr lang="en-US" sz="2500" b="1" i="0" u="none" strike="noStrike" cap="none" dirty="0">
                 <a:solidFill>
                   <a:schemeClr val="lt1"/>
                 </a:solidFill>
@@ -11839,7 +11996,7 @@
               <a:t>...     </a:t>
             </a:r>
             <a:r>
-              <a:rPr lang="en-US" sz="2500" i="0" u="none" strike="noStrike" cap="none" dirty="0" err="1">
+              <a:rPr lang="en-US" sz="2500" b="1" i="0" u="none" strike="noStrike" cap="none" dirty="0" err="1">
                 <a:solidFill>
                   <a:srgbClr val="FFFF00"/>
                 </a:solidFill>
@@ -11851,7 +12008,7 @@
               <a:t>elif</a:t>
             </a:r>
             <a:r>
-              <a:rPr lang="en-US" sz="2500" i="0" u="none" strike="noStrike" cap="none" dirty="0">
+              <a:rPr lang="en-US" sz="2500" b="1" i="0" u="none" strike="noStrike" cap="none" dirty="0">
                 <a:solidFill>
                   <a:schemeClr val="lt1"/>
                 </a:solidFill>
@@ -11863,7 +12020,7 @@
               <a:t> </a:t>
             </a:r>
             <a:r>
-              <a:rPr lang="en-US" sz="2500" i="0" u="none" strike="noStrike" cap="none" dirty="0" err="1">
+              <a:rPr lang="en-US" sz="2500" b="1" i="0" u="none" strike="noStrike" cap="none" dirty="0" err="1">
                 <a:solidFill>
                   <a:srgbClr val="00FFFF"/>
                 </a:solidFill>
@@ -11875,7 +12032,7 @@
               <a:t>lang</a:t>
             </a:r>
             <a:r>
-              <a:rPr lang="en-US" sz="2500" i="0" u="none" strike="noStrike" cap="none" dirty="0">
+              <a:rPr lang="en-US" sz="2500" b="1" i="0" u="none" strike="noStrike" cap="none" dirty="0">
                 <a:solidFill>
                   <a:schemeClr val="lt1"/>
                 </a:solidFill>
@@ -11887,7 +12044,7 @@
               <a:t> == '</a:t>
             </a:r>
             <a:r>
-              <a:rPr lang="en-US" sz="2500" i="0" u="none" strike="noStrike" cap="none" dirty="0" err="1">
+              <a:rPr lang="en-US" sz="2500" b="1" i="0" u="none" strike="noStrike" cap="none" dirty="0" err="1">
                 <a:solidFill>
                   <a:schemeClr val="lt1"/>
                 </a:solidFill>
@@ -11899,7 +12056,7 @@
               <a:t>fr</a:t>
             </a:r>
             <a:r>
-              <a:rPr lang="en-US" sz="2500" i="0" u="none" strike="noStrike" cap="none" dirty="0">
+              <a:rPr lang="en-US" sz="2500" b="1" i="0" u="none" strike="noStrike" cap="none" dirty="0">
                 <a:solidFill>
                   <a:schemeClr val="lt1"/>
                 </a:solidFill>
@@ -11930,7 +12087,7 @@
               <a:buNone/>
             </a:pPr>
             <a:r>
-              <a:rPr lang="en-US" sz="2500" i="0" u="none" strike="noStrike" cap="none" dirty="0">
+              <a:rPr lang="en-US" sz="2500" b="1" i="0" u="none" strike="noStrike" cap="none" dirty="0">
                 <a:solidFill>
                   <a:schemeClr val="lt1"/>
                 </a:solidFill>
@@ -11942,7 +12099,7 @@
               <a:t>...        </a:t>
             </a:r>
             <a:r>
-              <a:rPr lang="en-US" sz="2500" dirty="0">
+              <a:rPr lang="en-US" sz="2500" b="1" dirty="0">
                 <a:solidFill>
                   <a:schemeClr val="lt1"/>
                 </a:solidFill>
@@ -11954,7 +12111,7 @@
               <a:t> </a:t>
             </a:r>
             <a:r>
-              <a:rPr lang="en-US" sz="2500" i="0" u="none" strike="noStrike" cap="none" dirty="0">
+              <a:rPr lang="en-US" sz="2500" b="1" i="0" u="none" strike="noStrike" cap="none" dirty="0">
                 <a:solidFill>
                   <a:srgbClr val="FFFF00"/>
                 </a:solidFill>
@@ -11966,7 +12123,7 @@
               <a:t>return</a:t>
             </a:r>
             <a:r>
-              <a:rPr lang="en-US" sz="2500" i="0" u="none" strike="noStrike" cap="none" dirty="0">
+              <a:rPr lang="en-US" sz="2500" b="1" i="0" u="none" strike="noStrike" cap="none" dirty="0">
                 <a:solidFill>
                   <a:schemeClr val="lt1"/>
                 </a:solidFill>
@@ -11978,7 +12135,7 @@
               <a:t> </a:t>
             </a:r>
             <a:r>
-              <a:rPr lang="en-US" sz="2500" i="0" u="none" strike="noStrike" cap="none" dirty="0">
+              <a:rPr lang="en-US" sz="2500" b="1" i="0" u="none" strike="noStrike" cap="none" dirty="0">
                 <a:solidFill>
                   <a:srgbClr val="FF00FF"/>
                 </a:solidFill>
@@ -11990,7 +12147,7 @@
               <a:t>'Bonjour</a:t>
             </a:r>
             <a:r>
-              <a:rPr lang="en-US" sz="2500" dirty="0">
+              <a:rPr lang="en-US" sz="2500" b="1" dirty="0">
                 <a:solidFill>
                   <a:srgbClr val="FF00FF"/>
                 </a:solidFill>
@@ -12021,7 +12178,7 @@
               <a:buNone/>
             </a:pPr>
             <a:r>
-              <a:rPr lang="en-US" sz="2500" i="0" u="none" strike="noStrike" cap="none" dirty="0">
+              <a:rPr lang="en-US" sz="2500" b="1" i="0" u="none" strike="noStrike" cap="none" dirty="0">
                 <a:solidFill>
                   <a:schemeClr val="lt1"/>
                 </a:solidFill>
@@ -12033,7 +12190,7 @@
               <a:t>...     </a:t>
             </a:r>
             <a:r>
-              <a:rPr lang="en-US" sz="2500" i="0" u="none" strike="noStrike" cap="none" dirty="0">
+              <a:rPr lang="en-US" sz="2500" b="1" i="0" u="none" strike="noStrike" cap="none" dirty="0">
                 <a:solidFill>
                   <a:srgbClr val="FFFF00"/>
                 </a:solidFill>
@@ -12064,7 +12221,7 @@
               <a:buNone/>
             </a:pPr>
             <a:r>
-              <a:rPr lang="en-US" sz="2500" i="0" u="none" strike="noStrike" cap="none" dirty="0">
+              <a:rPr lang="en-US" sz="2500" b="1" i="0" u="none" strike="noStrike" cap="none" dirty="0">
                 <a:solidFill>
                   <a:schemeClr val="lt1"/>
                 </a:solidFill>
@@ -12076,7 +12233,7 @@
               <a:t>...         </a:t>
             </a:r>
             <a:r>
-              <a:rPr lang="en-US" sz="2500" i="0" u="none" strike="noStrike" cap="none" dirty="0">
+              <a:rPr lang="en-US" sz="2500" b="1" i="0" u="none" strike="noStrike" cap="none" dirty="0">
                 <a:solidFill>
                   <a:srgbClr val="FFFF00"/>
                 </a:solidFill>
@@ -12088,7 +12245,7 @@
               <a:t>return</a:t>
             </a:r>
             <a:r>
-              <a:rPr lang="en-US" sz="2500" i="0" u="none" strike="noStrike" cap="none" dirty="0">
+              <a:rPr lang="en-US" sz="2500" b="1" i="0" u="none" strike="noStrike" cap="none" dirty="0">
                 <a:solidFill>
                   <a:schemeClr val="lt1"/>
                 </a:solidFill>
@@ -12100,7 +12257,7 @@
               <a:t> </a:t>
             </a:r>
             <a:r>
-              <a:rPr lang="en-US" sz="2500" i="0" u="none" strike="noStrike" cap="none" dirty="0">
+              <a:rPr lang="en-US" sz="2500" b="1" i="0" u="none" strike="noStrike" cap="none" dirty="0">
                 <a:solidFill>
                   <a:srgbClr val="FF00FF"/>
                 </a:solidFill>
@@ -12112,7 +12269,7 @@
               <a:t>'Hello</a:t>
             </a:r>
             <a:r>
-              <a:rPr lang="en-US" sz="2500" dirty="0">
+              <a:rPr lang="en-US" sz="2500" b="1" dirty="0">
                 <a:solidFill>
                   <a:srgbClr val="FF00FF"/>
                 </a:solidFill>
@@ -12143,7 +12300,7 @@
               <a:buNone/>
             </a:pPr>
             <a:r>
-              <a:rPr lang="en-US" sz="2500" i="0" u="none" strike="noStrike" cap="none" dirty="0">
+              <a:rPr lang="en-US" sz="2500" b="1" i="0" u="none" strike="noStrike" cap="none" dirty="0">
                 <a:solidFill>
                   <a:schemeClr val="lt1"/>
                 </a:solidFill>
@@ -12174,7 +12331,7 @@
               <a:buNone/>
             </a:pPr>
             <a:r>
-              <a:rPr lang="en-US" sz="2500" i="0" u="none" strike="noStrike" cap="none" dirty="0">
+              <a:rPr lang="en-US" sz="2500" b="1" i="0" u="none" strike="noStrike" cap="none" dirty="0">
                 <a:solidFill>
                   <a:schemeClr val="lt1"/>
                 </a:solidFill>
@@ -12186,7 +12343,7 @@
               <a:t>&gt;&gt;&gt; </a:t>
             </a:r>
             <a:r>
-              <a:rPr lang="en-US" sz="2500" i="0" u="none" strike="noStrike" cap="none" dirty="0" smtClean="0">
+              <a:rPr lang="en-US" sz="2500" b="1" i="0" u="none" strike="noStrike" cap="none" dirty="0" smtClean="0">
                 <a:solidFill>
                   <a:srgbClr val="FFFF00"/>
                 </a:solidFill>
@@ -12198,7 +12355,7 @@
               <a:t>print</a:t>
             </a:r>
             <a:r>
-              <a:rPr lang="en-US" sz="2500" dirty="0">
+              <a:rPr lang="en-US" sz="2500" b="1" dirty="0">
                 <a:solidFill>
                   <a:schemeClr val="lt1"/>
                 </a:solidFill>
@@ -12210,7 +12367,7 @@
               <a:t>(</a:t>
             </a:r>
             <a:r>
-              <a:rPr lang="en-US" sz="2500" i="0" u="none" strike="noStrike" cap="none" dirty="0" smtClean="0">
+              <a:rPr lang="en-US" sz="2500" b="1" i="0" u="none" strike="noStrike" cap="none" dirty="0" smtClean="0">
                 <a:solidFill>
                   <a:srgbClr val="00FF00"/>
                 </a:solidFill>
@@ -12222,7 +12379,7 @@
               <a:t>greet</a:t>
             </a:r>
             <a:r>
-              <a:rPr lang="en-US" sz="2500" i="0" u="none" strike="noStrike" cap="none" dirty="0">
+              <a:rPr lang="en-US" sz="2500" b="1" i="0" u="none" strike="noStrike" cap="none" dirty="0">
                 <a:solidFill>
                   <a:schemeClr val="lt1"/>
                 </a:solidFill>
@@ -12234,7 +12391,7 @@
               <a:t>(</a:t>
             </a:r>
             <a:r>
-              <a:rPr lang="en-US" sz="2500" i="0" u="none" strike="noStrike" cap="none" dirty="0">
+              <a:rPr lang="en-US" sz="2500" b="1" i="0" u="none" strike="noStrike" cap="none" dirty="0">
                 <a:solidFill>
                   <a:srgbClr val="FF7F00"/>
                 </a:solidFill>
@@ -12246,7 +12403,7 @@
               <a:t>'</a:t>
             </a:r>
             <a:r>
-              <a:rPr lang="en-US" sz="2500" i="0" u="none" strike="noStrike" cap="none" dirty="0" err="1">
+              <a:rPr lang="en-US" sz="2500" b="1" i="0" u="none" strike="noStrike" cap="none" dirty="0" err="1">
                 <a:solidFill>
                   <a:srgbClr val="FF7F00"/>
                 </a:solidFill>
@@ -12258,7 +12415,7 @@
               <a:t>en</a:t>
             </a:r>
             <a:r>
-              <a:rPr lang="en-US" sz="2500" i="0" u="none" strike="noStrike" cap="none" dirty="0">
+              <a:rPr lang="en-US" sz="2500" b="1" i="0" u="none" strike="noStrike" cap="none" dirty="0">
                 <a:solidFill>
                   <a:srgbClr val="FF7F00"/>
                 </a:solidFill>
@@ -12270,7 +12427,7 @@
               <a:t>'</a:t>
             </a:r>
             <a:r>
-              <a:rPr lang="en-US" sz="2500" i="0" u="none" strike="noStrike" cap="none" dirty="0">
+              <a:rPr lang="en-US" sz="2500" b="1" i="0" u="none" strike="noStrike" cap="none" dirty="0">
                 <a:solidFill>
                   <a:schemeClr val="lt1"/>
                 </a:solidFill>
@@ -12282,7 +12439,7 @@
               <a:t>),'Glenn</a:t>
             </a:r>
             <a:r>
-              <a:rPr lang="en-US" sz="2500" dirty="0" smtClean="0">
+              <a:rPr lang="en-US" sz="2500" b="1" dirty="0" smtClean="0">
                 <a:solidFill>
                   <a:schemeClr val="lt1"/>
                 </a:solidFill>
@@ -12293,7 +12450,7 @@
               </a:rPr>
               <a:t>')</a:t>
             </a:r>
-            <a:endParaRPr lang="en-US" sz="2500" dirty="0">
+            <a:endParaRPr lang="en-US" sz="2500" b="1" dirty="0">
               <a:solidFill>
                 <a:schemeClr val="lt1"/>
               </a:solidFill>
@@ -12322,7 +12479,7 @@
               <a:buNone/>
             </a:pPr>
             <a:r>
-              <a:rPr lang="en-US" sz="2500" i="0" u="none" strike="noStrike" cap="none" dirty="0">
+              <a:rPr lang="en-US" sz="2500" b="1" i="0" u="none" strike="noStrike" cap="none" dirty="0">
                 <a:solidFill>
                   <a:schemeClr val="lt1"/>
                 </a:solidFill>
@@ -12353,7 +12510,7 @@
               <a:buNone/>
             </a:pPr>
             <a:r>
-              <a:rPr lang="en-US" sz="2500" i="0" u="none" strike="noStrike" cap="none" dirty="0">
+              <a:rPr lang="en-US" sz="2500" b="1" i="0" u="none" strike="noStrike" cap="none" dirty="0">
                 <a:solidFill>
                   <a:schemeClr val="lt1"/>
                 </a:solidFill>
@@ -12365,7 +12522,7 @@
               <a:t>&gt;&gt;&gt; </a:t>
             </a:r>
             <a:r>
-              <a:rPr lang="en-US" sz="2500" i="0" u="none" strike="noStrike" cap="none" dirty="0" smtClean="0">
+              <a:rPr lang="en-US" sz="2500" b="1" i="0" u="none" strike="noStrike" cap="none" dirty="0" smtClean="0">
                 <a:solidFill>
                   <a:srgbClr val="FFFF00"/>
                 </a:solidFill>
@@ -12377,7 +12534,7 @@
               <a:t>print</a:t>
             </a:r>
             <a:r>
-              <a:rPr lang="en-US" sz="2500" dirty="0">
+              <a:rPr lang="en-US" sz="2500" b="1" dirty="0">
                 <a:solidFill>
                   <a:schemeClr val="lt1"/>
                 </a:solidFill>
@@ -12389,7 +12546,7 @@
               <a:t>(</a:t>
             </a:r>
             <a:r>
-              <a:rPr lang="en-US" sz="2500" i="0" u="none" strike="noStrike" cap="none" dirty="0" smtClean="0">
+              <a:rPr lang="en-US" sz="2500" b="1" i="0" u="none" strike="noStrike" cap="none" dirty="0" smtClean="0">
                 <a:solidFill>
                   <a:srgbClr val="00FF00"/>
                 </a:solidFill>
@@ -12401,7 +12558,7 @@
               <a:t>greet</a:t>
             </a:r>
             <a:r>
-              <a:rPr lang="en-US" sz="2500" i="0" u="none" strike="noStrike" cap="none" dirty="0">
+              <a:rPr lang="en-US" sz="2500" b="1" i="0" u="none" strike="noStrike" cap="none" dirty="0">
                 <a:solidFill>
                   <a:schemeClr val="lt1"/>
                 </a:solidFill>
@@ -12413,7 +12570,7 @@
               <a:t>(</a:t>
             </a:r>
             <a:r>
-              <a:rPr lang="en-US" sz="2500" i="0" u="none" strike="noStrike" cap="none" dirty="0">
+              <a:rPr lang="en-US" sz="2500" b="1" i="0" u="none" strike="noStrike" cap="none" dirty="0">
                 <a:solidFill>
                   <a:srgbClr val="FF7F00"/>
                 </a:solidFill>
@@ -12425,7 +12582,7 @@
               <a:t>'</a:t>
             </a:r>
             <a:r>
-              <a:rPr lang="en-US" sz="2500" i="0" u="none" strike="noStrike" cap="none" dirty="0" err="1">
+              <a:rPr lang="en-US" sz="2500" b="1" i="0" u="none" strike="noStrike" cap="none" dirty="0" err="1">
                 <a:solidFill>
                   <a:srgbClr val="FF7F00"/>
                 </a:solidFill>
@@ -12437,7 +12594,7 @@
               <a:t>es</a:t>
             </a:r>
             <a:r>
-              <a:rPr lang="en-US" sz="2500" i="0" u="none" strike="noStrike" cap="none" dirty="0">
+              <a:rPr lang="en-US" sz="2500" b="1" i="0" u="none" strike="noStrike" cap="none" dirty="0">
                 <a:solidFill>
                   <a:srgbClr val="FF7F00"/>
                 </a:solidFill>
@@ -12449,7 +12606,7 @@
               <a:t>'</a:t>
             </a:r>
             <a:r>
-              <a:rPr lang="en-US" sz="2500" i="0" u="none" strike="noStrike" cap="none" dirty="0">
+              <a:rPr lang="en-US" sz="2500" b="1" i="0" u="none" strike="noStrike" cap="none" dirty="0">
                 <a:solidFill>
                   <a:schemeClr val="lt1"/>
                 </a:solidFill>
@@ -12461,7 +12618,7 @@
               <a:t>),'Sally</a:t>
             </a:r>
             <a:r>
-              <a:rPr lang="en-US" sz="2500" dirty="0" smtClean="0">
+              <a:rPr lang="en-US" sz="2500" b="1" dirty="0" smtClean="0">
                 <a:solidFill>
                   <a:schemeClr val="lt1"/>
                 </a:solidFill>
@@ -12472,7 +12629,7 @@
               </a:rPr>
               <a:t>')</a:t>
             </a:r>
-            <a:endParaRPr lang="en-US" sz="2500" dirty="0">
+            <a:endParaRPr lang="en-US" sz="2500" b="1" dirty="0">
               <a:solidFill>
                 <a:schemeClr val="lt1"/>
               </a:solidFill>
@@ -12501,7 +12658,7 @@
               <a:buNone/>
             </a:pPr>
             <a:r>
-              <a:rPr lang="en-US" sz="2500" i="0" u="none" strike="noStrike" cap="none" dirty="0" err="1">
+              <a:rPr lang="en-US" sz="2500" b="1" i="0" u="none" strike="noStrike" cap="none" dirty="0" err="1">
                 <a:solidFill>
                   <a:schemeClr val="lt1"/>
                 </a:solidFill>
@@ -12513,7 +12670,7 @@
               <a:t>Hola</a:t>
             </a:r>
             <a:r>
-              <a:rPr lang="en-US" sz="2500" i="0" u="none" strike="noStrike" cap="none" dirty="0">
+              <a:rPr lang="en-US" sz="2500" b="1" i="0" u="none" strike="noStrike" cap="none" dirty="0">
                 <a:solidFill>
                   <a:schemeClr val="lt1"/>
                 </a:solidFill>
@@ -12544,7 +12701,7 @@
               <a:buNone/>
             </a:pPr>
             <a:r>
-              <a:rPr lang="en-US" sz="2500" i="0" u="none" strike="noStrike" cap="none" dirty="0">
+              <a:rPr lang="en-US" sz="2500" b="1" i="0" u="none" strike="noStrike" cap="none" dirty="0">
                 <a:solidFill>
                   <a:schemeClr val="lt1"/>
                 </a:solidFill>
@@ -12556,7 +12713,7 @@
               <a:t>&gt;&gt;&gt; </a:t>
             </a:r>
             <a:r>
-              <a:rPr lang="en-US" sz="2500" i="0" u="none" strike="noStrike" cap="none" dirty="0" smtClean="0">
+              <a:rPr lang="en-US" sz="2500" b="1" i="0" u="none" strike="noStrike" cap="none" dirty="0" smtClean="0">
                 <a:solidFill>
                   <a:srgbClr val="FFFF00"/>
                 </a:solidFill>
@@ -12568,7 +12725,7 @@
               <a:t>print</a:t>
             </a:r>
             <a:r>
-              <a:rPr lang="en-US" sz="2500" dirty="0">
+              <a:rPr lang="en-US" sz="2500" b="1" dirty="0">
                 <a:solidFill>
                   <a:schemeClr val="lt1"/>
                 </a:solidFill>
@@ -12580,7 +12737,7 @@
               <a:t>(</a:t>
             </a:r>
             <a:r>
-              <a:rPr lang="en-US" sz="2500" i="0" u="none" strike="noStrike" cap="none" dirty="0" smtClean="0">
+              <a:rPr lang="en-US" sz="2500" b="1" i="0" u="none" strike="noStrike" cap="none" dirty="0" smtClean="0">
                 <a:solidFill>
                   <a:srgbClr val="00FF00"/>
                 </a:solidFill>
@@ -12592,7 +12749,7 @@
               <a:t>greet</a:t>
             </a:r>
             <a:r>
-              <a:rPr lang="en-US" sz="2500" i="0" u="none" strike="noStrike" cap="none" dirty="0">
+              <a:rPr lang="en-US" sz="2500" b="1" i="0" u="none" strike="noStrike" cap="none" dirty="0">
                 <a:solidFill>
                   <a:schemeClr val="lt1"/>
                 </a:solidFill>
@@ -12604,7 +12761,7 @@
               <a:t>(</a:t>
             </a:r>
             <a:r>
-              <a:rPr lang="en-US" sz="2500" i="0" u="none" strike="noStrike" cap="none" dirty="0">
+              <a:rPr lang="en-US" sz="2500" b="1" i="0" u="none" strike="noStrike" cap="none" dirty="0">
                 <a:solidFill>
                   <a:srgbClr val="FF7F00"/>
                 </a:solidFill>
@@ -12616,7 +12773,7 @@
               <a:t>'</a:t>
             </a:r>
             <a:r>
-              <a:rPr lang="en-US" sz="2500" i="0" u="none" strike="noStrike" cap="none" dirty="0" err="1">
+              <a:rPr lang="en-US" sz="2500" b="1" i="0" u="none" strike="noStrike" cap="none" dirty="0" err="1">
                 <a:solidFill>
                   <a:srgbClr val="FF7F00"/>
                 </a:solidFill>
@@ -12628,7 +12785,7 @@
               <a:t>fr</a:t>
             </a:r>
             <a:r>
-              <a:rPr lang="en-US" sz="2500" i="0" u="none" strike="noStrike" cap="none" dirty="0">
+              <a:rPr lang="en-US" sz="2500" b="1" i="0" u="none" strike="noStrike" cap="none" dirty="0">
                 <a:solidFill>
                   <a:srgbClr val="FF7F00"/>
                 </a:solidFill>
@@ -12640,7 +12797,7 @@
               <a:t>'</a:t>
             </a:r>
             <a:r>
-              <a:rPr lang="en-US" sz="2500" i="0" u="none" strike="noStrike" cap="none" dirty="0">
+              <a:rPr lang="en-US" sz="2500" b="1" i="0" u="none" strike="noStrike" cap="none" dirty="0">
                 <a:solidFill>
                   <a:schemeClr val="lt1"/>
                 </a:solidFill>
@@ -12652,7 +12809,7 @@
               <a:t>),'Michael</a:t>
             </a:r>
             <a:r>
-              <a:rPr lang="en-US" sz="2500" dirty="0" smtClean="0">
+              <a:rPr lang="en-US" sz="2500" b="1" dirty="0" smtClean="0">
                 <a:solidFill>
                   <a:schemeClr val="lt1"/>
                 </a:solidFill>
@@ -12663,7 +12820,7 @@
               </a:rPr>
               <a:t>')</a:t>
             </a:r>
-            <a:endParaRPr lang="en-US" sz="2500" dirty="0">
+            <a:endParaRPr lang="en-US" sz="2500" b="1" dirty="0">
               <a:solidFill>
                 <a:schemeClr val="lt1"/>
               </a:solidFill>
@@ -12692,7 +12849,7 @@
               <a:buNone/>
             </a:pPr>
             <a:r>
-              <a:rPr lang="en-US" sz="2500" i="0" u="none" strike="noStrike" cap="none" dirty="0">
+              <a:rPr lang="en-US" sz="2500" b="1" i="0" u="none" strike="noStrike" cap="none" dirty="0">
                 <a:solidFill>
                   <a:schemeClr val="lt1"/>
                 </a:solidFill>
@@ -12723,7 +12880,7 @@
               <a:buNone/>
             </a:pPr>
             <a:r>
-              <a:rPr lang="en-US" sz="2500" i="0" u="none" strike="noStrike" cap="none" dirty="0">
+              <a:rPr lang="en-US" sz="2500" b="1" i="0" u="none" strike="noStrike" cap="none" dirty="0">
                 <a:solidFill>
                   <a:schemeClr val="lt1"/>
                 </a:solidFill>
@@ -12742,10 +12899,17 @@
   <p:clrMapOvr>
     <a:masterClrMapping/>
   </p:clrMapOvr>
+  <p:timing>
+    <p:tnLst>
+      <p:par>
+        <p:cTn id="1" dur="indefinite" restart="never" nodeType="tmRoot"/>
+      </p:par>
+    </p:tnLst>
+  </p:timing>
 </p:sld>
 </file>
 
-<file path=ppt/slides/slide18.xml><?xml version="1.0" encoding="utf-8"?>
+<file path=ppt/slides/slide19.xml><?xml version="1.0" encoding="utf-8"?>
 <p:sld xmlns:a="http://schemas.openxmlformats.org/drawingml/2006/main" xmlns:r="http://schemas.openxmlformats.org/officeDocument/2006/relationships" xmlns:p="http://schemas.openxmlformats.org/presentationml/2006/main">
   <p:cSld>
     <p:spTree>
@@ -12934,7 +13098,7 @@
               <a:buNone/>
             </a:pPr>
             <a:r>
-              <a:rPr lang="en-US" sz="3000" i="0" u="none" strike="noStrike" cap="none" dirty="0" smtClean="0">
+              <a:rPr lang="en-US" sz="3000" b="1" i="0" u="none" strike="noStrike" cap="none" dirty="0" smtClean="0">
                 <a:solidFill>
                   <a:schemeClr val="lt1"/>
                 </a:solidFill>
@@ -12946,7 +13110,7 @@
               <a:t>&gt;&gt;&gt; </a:t>
             </a:r>
             <a:r>
-              <a:rPr lang="en-US" sz="3000" i="0" u="none" strike="noStrike" cap="none" dirty="0" smtClean="0">
+              <a:rPr lang="en-US" sz="3000" b="1" i="0" u="none" strike="noStrike" cap="none" dirty="0" smtClean="0">
                 <a:solidFill>
                   <a:srgbClr val="00FF00"/>
                 </a:solidFill>
@@ -12958,7 +13122,7 @@
               <a:t>big</a:t>
             </a:r>
             <a:r>
-              <a:rPr lang="en-US" sz="3000" i="0" u="none" strike="noStrike" cap="none" dirty="0" smtClean="0">
+              <a:rPr lang="en-US" sz="3000" b="1" i="0" u="none" strike="noStrike" cap="none" dirty="0" smtClean="0">
                 <a:solidFill>
                   <a:schemeClr val="lt1"/>
                 </a:solidFill>
@@ -12970,7 +13134,7 @@
               <a:t> = </a:t>
             </a:r>
             <a:r>
-              <a:rPr lang="en-US" sz="3000" i="0" u="none" strike="noStrike" cap="none" dirty="0" smtClean="0">
+              <a:rPr lang="en-US" sz="3000" b="1" i="0" u="none" strike="noStrike" cap="none" dirty="0" smtClean="0">
                 <a:solidFill>
                   <a:srgbClr val="FF00FF"/>
                 </a:solidFill>
@@ -12982,7 +13146,7 @@
               <a:t>max</a:t>
             </a:r>
             <a:r>
-              <a:rPr lang="en-US" sz="3000" i="0" u="none" strike="noStrike" cap="none" dirty="0" smtClean="0">
+              <a:rPr lang="en-US" sz="3000" b="1" i="0" u="none" strike="noStrike" cap="none" dirty="0" smtClean="0">
                 <a:solidFill>
                   <a:schemeClr val="lt1"/>
                 </a:solidFill>
@@ -12994,7 +13158,7 @@
               <a:t>(</a:t>
             </a:r>
             <a:r>
-              <a:rPr lang="en-US" sz="3000" i="0" u="none" strike="noStrike" cap="none" dirty="0" smtClean="0">
+              <a:rPr lang="en-US" sz="3000" b="1" i="0" u="none" strike="noStrike" cap="none" dirty="0" smtClean="0">
                 <a:solidFill>
                   <a:srgbClr val="00FF00"/>
                 </a:solidFill>
@@ -13006,7 +13170,7 @@
               <a:t>'Hello world'</a:t>
             </a:r>
             <a:r>
-              <a:rPr lang="en-US" sz="3000" i="0" u="none" strike="noStrike" cap="none" dirty="0" smtClean="0">
+              <a:rPr lang="en-US" sz="3000" b="1" i="0" u="none" strike="noStrike" cap="none" dirty="0" smtClean="0">
                 <a:solidFill>
                   <a:schemeClr val="lt1"/>
                 </a:solidFill>
@@ -13037,7 +13201,7 @@
               <a:buNone/>
             </a:pPr>
             <a:r>
-              <a:rPr lang="en-US" sz="3000" i="0" u="none" strike="noStrike" cap="none" dirty="0" smtClean="0">
+              <a:rPr lang="en-US" sz="3000" b="1" i="0" u="none" strike="noStrike" cap="none" dirty="0" smtClean="0">
                 <a:solidFill>
                   <a:schemeClr val="lt1"/>
                 </a:solidFill>
@@ -13049,7 +13213,7 @@
               <a:t>&gt;&gt;&gt; </a:t>
             </a:r>
             <a:r>
-              <a:rPr lang="en-US" sz="3000" i="0" u="none" strike="noStrike" cap="none" dirty="0" smtClean="0">
+              <a:rPr lang="en-US" sz="3000" b="1" i="0" u="none" strike="noStrike" cap="none" dirty="0" smtClean="0">
                 <a:solidFill>
                   <a:srgbClr val="FFFF00"/>
                 </a:solidFill>
@@ -13061,7 +13225,7 @@
               <a:t>print</a:t>
             </a:r>
             <a:r>
-              <a:rPr lang="en-US" sz="3000" dirty="0" smtClean="0">
+              <a:rPr lang="en-US" sz="3000" b="1" dirty="0" smtClean="0">
                 <a:solidFill>
                   <a:schemeClr val="lt1"/>
                 </a:solidFill>
@@ -13073,7 +13237,7 @@
               <a:t>(</a:t>
             </a:r>
             <a:r>
-              <a:rPr lang="en-US" sz="3000" i="0" u="none" strike="noStrike" cap="none" dirty="0" smtClean="0">
+              <a:rPr lang="en-US" sz="3000" b="1" i="0" u="none" strike="noStrike" cap="none" dirty="0" smtClean="0">
                 <a:solidFill>
                   <a:srgbClr val="00FF00"/>
                 </a:solidFill>
@@ -13085,7 +13249,7 @@
               <a:t>big</a:t>
             </a:r>
             <a:r>
-              <a:rPr lang="en-US" sz="3000" i="0" u="none" strike="noStrike" cap="none" dirty="0" smtClean="0">
+              <a:rPr lang="en-US" sz="3000" b="1" i="0" u="none" strike="noStrike" cap="none" dirty="0" smtClean="0">
                 <a:solidFill>
                   <a:schemeClr val="bg1"/>
                 </a:solidFill>
@@ -13116,7 +13280,7 @@
               <a:buNone/>
             </a:pPr>
             <a:r>
-              <a:rPr lang="en-US" sz="3000" i="0" u="none" strike="noStrike" cap="none" dirty="0" smtClean="0">
+              <a:rPr lang="en-US" sz="3000" b="1" i="0" u="none" strike="noStrike" cap="none" dirty="0" smtClean="0">
                 <a:solidFill>
                   <a:srgbClr val="00FF00"/>
                 </a:solidFill>
@@ -13127,7 +13291,7 @@
               </a:rPr>
               <a:t>w</a:t>
             </a:r>
-            <a:endParaRPr lang="en-US" sz="3000" i="0" u="none" strike="noStrike" cap="none" dirty="0">
+            <a:endParaRPr lang="en-US" sz="3000" b="1" i="0" u="none" strike="noStrike" cap="none" dirty="0">
               <a:solidFill>
                 <a:srgbClr val="00FF00"/>
               </a:solidFill>
@@ -13200,7 +13364,7 @@
               <a:t> </a:t>
             </a:r>
             <a:r>
-              <a:rPr lang="en-US" sz="2400" i="0" u="none" strike="noStrike" cap="none" dirty="0" err="1">
+              <a:rPr lang="en-US" sz="2400" b="1" i="0" u="none" strike="noStrike" cap="none" dirty="0" err="1">
                 <a:solidFill>
                   <a:srgbClr val="FFFF00"/>
                 </a:solidFill>
@@ -13212,7 +13376,7 @@
               <a:t>def</a:t>
             </a:r>
             <a:r>
-              <a:rPr lang="en-US" sz="2400" i="0" u="none" strike="noStrike" cap="none" dirty="0">
+              <a:rPr lang="en-US" sz="2400" b="1" i="0" u="none" strike="noStrike" cap="none" dirty="0">
                 <a:solidFill>
                   <a:schemeClr val="lt1"/>
                 </a:solidFill>
@@ -13224,7 +13388,7 @@
               <a:t> max(</a:t>
             </a:r>
             <a:r>
-              <a:rPr lang="en-US" sz="2400" i="0" u="none" strike="noStrike" cap="none" dirty="0" err="1">
+              <a:rPr lang="en-US" sz="2400" b="1" i="0" u="none" strike="noStrike" cap="none" dirty="0" err="1">
                 <a:solidFill>
                   <a:srgbClr val="00FFFF"/>
                 </a:solidFill>
@@ -13236,7 +13400,7 @@
               <a:t>inp</a:t>
             </a:r>
             <a:r>
-              <a:rPr lang="en-US" sz="2400" i="0" u="none" strike="noStrike" cap="none" dirty="0">
+              <a:rPr lang="en-US" sz="2400" b="1" i="0" u="none" strike="noStrike" cap="none" dirty="0">
                 <a:solidFill>
                   <a:schemeClr val="lt1"/>
                 </a:solidFill>
@@ -13267,7 +13431,7 @@
               <a:buNone/>
             </a:pPr>
             <a:r>
-              <a:rPr lang="en-US" sz="2400" i="0" u="none" strike="noStrike" cap="none" dirty="0">
+              <a:rPr lang="en-US" sz="2400" b="1" i="0" u="none" strike="noStrike" cap="none" dirty="0">
                 <a:solidFill>
                   <a:schemeClr val="lt1"/>
                 </a:solidFill>
@@ -13298,7 +13462,7 @@
               <a:buNone/>
             </a:pPr>
             <a:r>
-              <a:rPr lang="en-US" sz="2400" i="0" u="none" strike="noStrike" cap="none" dirty="0">
+              <a:rPr lang="en-US" sz="2400" b="1" i="0" u="none" strike="noStrike" cap="none" dirty="0">
                 <a:solidFill>
                   <a:schemeClr val="lt1"/>
                 </a:solidFill>
@@ -13329,7 +13493,7 @@
               <a:buNone/>
             </a:pPr>
             <a:r>
-              <a:rPr lang="en-US" sz="2400" i="0" u="none" strike="noStrike" cap="none" dirty="0">
+              <a:rPr lang="en-US" sz="2400" b="1" i="0" u="none" strike="noStrike" cap="none" dirty="0">
                 <a:solidFill>
                   <a:schemeClr val="lt1"/>
                 </a:solidFill>
@@ -13341,7 +13505,7 @@
               <a:t>    </a:t>
             </a:r>
             <a:r>
-              <a:rPr lang="en-US" sz="2400" i="0" u="none" strike="noStrike" cap="none" dirty="0">
+              <a:rPr lang="en-US" sz="2400" b="1" i="0" u="none" strike="noStrike" cap="none" dirty="0">
                 <a:solidFill>
                   <a:srgbClr val="FFFF00"/>
                 </a:solidFill>
@@ -13353,7 +13517,7 @@
               <a:t>for</a:t>
             </a:r>
             <a:r>
-              <a:rPr lang="en-US" sz="2400" i="0" u="none" strike="noStrike" cap="none" dirty="0">
+              <a:rPr lang="en-US" sz="2400" b="1" i="0" u="none" strike="noStrike" cap="none" dirty="0">
                 <a:solidFill>
                   <a:schemeClr val="lt1"/>
                 </a:solidFill>
@@ -13365,7 +13529,7 @@
               <a:t> x </a:t>
             </a:r>
             <a:r>
-              <a:rPr lang="en-US" sz="2400" i="0" u="none" strike="noStrike" cap="none" dirty="0">
+              <a:rPr lang="en-US" sz="2400" b="1" i="0" u="none" strike="noStrike" cap="none" dirty="0">
                 <a:solidFill>
                   <a:srgbClr val="FFFF00"/>
                 </a:solidFill>
@@ -13377,17 +13541,50 @@
               <a:t>in</a:t>
             </a:r>
             <a:r>
-              <a:rPr lang="en-US" sz="2400" i="0" u="none" strike="noStrike" cap="none" dirty="0">
-                <a:solidFill>
-                  <a:schemeClr val="lt1"/>
-                </a:solidFill>
-                <a:latin typeface="Courier New"/>
-                <a:ea typeface="Courier New"/>
-                <a:cs typeface="Courier New"/>
-                <a:sym typeface="Courier New"/>
-              </a:rPr>
-              <a:t> y:</a:t>
-            </a:r>
+              <a:rPr lang="en-US" sz="2400" b="1" i="0" u="none" strike="noStrike" cap="none" dirty="0">
+                <a:solidFill>
+                  <a:schemeClr val="lt1"/>
+                </a:solidFill>
+                <a:latin typeface="Courier New"/>
+                <a:ea typeface="Courier New"/>
+                <a:cs typeface="Courier New"/>
+                <a:sym typeface="Courier New"/>
+              </a:rPr>
+              <a:t> </a:t>
+            </a:r>
+            <a:r>
+              <a:rPr lang="en-US" sz="2400" b="1" i="0" u="none" strike="noStrike" cap="none" dirty="0" err="1" smtClean="0">
+                <a:solidFill>
+                  <a:srgbClr val="00FDFF"/>
+                </a:solidFill>
+                <a:latin typeface="Courier New"/>
+                <a:ea typeface="Courier New"/>
+                <a:cs typeface="Courier New"/>
+                <a:sym typeface="Courier New"/>
+              </a:rPr>
+              <a:t>inp</a:t>
+            </a:r>
+            <a:r>
+              <a:rPr lang="en-US" sz="2400" b="1" i="0" u="none" strike="noStrike" cap="none" dirty="0" smtClean="0">
+                <a:solidFill>
+                  <a:schemeClr val="lt1"/>
+                </a:solidFill>
+                <a:latin typeface="Courier New"/>
+                <a:ea typeface="Courier New"/>
+                <a:cs typeface="Courier New"/>
+                <a:sym typeface="Courier New"/>
+              </a:rPr>
+              <a:t>:</a:t>
+            </a:r>
+            <a:endParaRPr lang="en-US" sz="2400" b="1" i="0" u="none" strike="noStrike" cap="none" dirty="0">
+              <a:solidFill>
+                <a:schemeClr val="lt1"/>
+              </a:solidFill>
+              <a:latin typeface="Courier New"/>
+              <a:ea typeface="Courier New"/>
+              <a:cs typeface="Courier New"/>
+              <a:sym typeface="Courier New"/>
+            </a:endParaRPr>
           </a:p>
           <a:p>
             <a:pPr marL="0" marR="0" lvl="0" indent="0" algn="l" rtl="0">
@@ -13408,7 +13605,7 @@
               <a:buNone/>
             </a:pPr>
             <a:r>
-              <a:rPr lang="en-US" sz="2400" i="0" u="none" strike="noStrike" cap="none" dirty="0">
+              <a:rPr lang="en-US" sz="2400" b="1" i="0" u="none" strike="noStrike" cap="none" dirty="0">
                 <a:solidFill>
                   <a:schemeClr val="lt1"/>
                 </a:solidFill>
@@ -13439,7 +13636,7 @@
               <a:buNone/>
             </a:pPr>
             <a:r>
-              <a:rPr lang="en-US" sz="2400" i="0" u="none" strike="noStrike" cap="none" dirty="0">
+              <a:rPr lang="en-US" sz="2400" b="1" i="0" u="none" strike="noStrike" cap="none" dirty="0">
                 <a:solidFill>
                   <a:schemeClr val="lt1"/>
                 </a:solidFill>
@@ -13470,7 +13667,7 @@
               <a:buNone/>
             </a:pPr>
             <a:r>
-              <a:rPr lang="en-US" sz="2400" i="0" u="none" strike="noStrike" cap="none" dirty="0">
+              <a:rPr lang="en-US" sz="2400" b="1" i="0" u="none" strike="noStrike" cap="none" dirty="0">
                 <a:solidFill>
                   <a:schemeClr val="lt1"/>
                 </a:solidFill>
@@ -13482,7 +13679,7 @@
               <a:t>    </a:t>
             </a:r>
             <a:r>
-              <a:rPr lang="en-US" sz="2400" i="0" u="none" strike="noStrike" cap="none" dirty="0">
+              <a:rPr lang="en-US" sz="2400" b="1" i="0" u="none" strike="noStrike" cap="none" dirty="0">
                 <a:solidFill>
                   <a:srgbClr val="00FF00"/>
                 </a:solidFill>
@@ -13494,7 +13691,7 @@
               <a:t>return </a:t>
             </a:r>
             <a:r>
-              <a:rPr lang="en-US" sz="2400" dirty="0">
+              <a:rPr lang="en-US" sz="2400" b="1" dirty="0">
                 <a:solidFill>
                   <a:srgbClr val="00FF00"/>
                 </a:solidFill>
@@ -13506,7 +13703,7 @@
               <a:t>'</a:t>
             </a:r>
             <a:r>
-              <a:rPr lang="en-US" sz="2400" i="0" u="none" strike="noStrike" cap="none" dirty="0">
+              <a:rPr lang="en-US" sz="2400" b="1" i="0" u="none" strike="noStrike" cap="none" dirty="0">
                 <a:solidFill>
                   <a:srgbClr val="00FF00"/>
                 </a:solidFill>
@@ -13518,7 +13715,7 @@
               <a:t>w</a:t>
             </a:r>
             <a:r>
-              <a:rPr lang="en-US" sz="2400" dirty="0">
+              <a:rPr lang="en-US" sz="2400" b="1" dirty="0">
                 <a:solidFill>
                   <a:srgbClr val="00FF00"/>
                 </a:solidFill>
@@ -13996,790 +14193,13 @@
   <p:clrMapOvr>
     <a:masterClrMapping/>
   </p:clrMapOvr>
-</p:sld>
-</file>
-
-<file path=ppt/slides/slide19.xml><?xml version="1.0" encoding="utf-8"?>
-<p:sld xmlns:a="http://schemas.openxmlformats.org/drawingml/2006/main" xmlns:r="http://schemas.openxmlformats.org/officeDocument/2006/relationships" xmlns:p="http://schemas.openxmlformats.org/presentationml/2006/main">
-  <p:cSld>
-    <p:spTree>
-      <p:nvGrpSpPr>
-        <p:cNvPr id="1" name="Shape 376"/>
-        <p:cNvGrpSpPr/>
-        <p:nvPr/>
-      </p:nvGrpSpPr>
-      <p:grpSpPr>
-        <a:xfrm>
-          <a:off x="0" y="0"/>
-          <a:ext cx="0" cy="0"/>
-          <a:chOff x="0" y="0"/>
-          <a:chExt cx="0" cy="0"/>
-        </a:xfrm>
-      </p:grpSpPr>
-      <p:sp>
-        <p:nvSpPr>
-          <p:cNvPr id="377" name="Shape 377"/>
-          <p:cNvSpPr txBox="1">
-            <a:spLocks noGrp="1"/>
-          </p:cNvSpPr>
-          <p:nvPr>
-            <p:ph type="title"/>
-          </p:nvPr>
-        </p:nvSpPr>
-        <p:spPr>
-          <a:prstGeom prst="rect">
-            <a:avLst/>
-          </a:prstGeom>
-          <a:noFill/>
-          <a:ln>
-            <a:noFill/>
-          </a:ln>
-        </p:spPr>
-        <p:txBody>
-          <a:bodyPr lIns="38100" tIns="38100" rIns="38100" bIns="38100" anchor="ctr" anchorCtr="0">
-            <a:noAutofit/>
-          </a:bodyPr>
-          <a:lstStyle/>
-          <a:p>
-            <a:pPr marL="0" marR="0" lvl="0" indent="0" algn="ctr" rtl="0">
-              <a:lnSpc>
-                <a:spcPct val="100000"/>
-              </a:lnSpc>
-              <a:spcBef>
-                <a:spcPts val="0"/>
-              </a:spcBef>
-              <a:spcAft>
-                <a:spcPts val="0"/>
-              </a:spcAft>
-              <a:buClr>
-                <a:schemeClr val="lt1"/>
-              </a:buClr>
-              <a:buSzPct val="25000"/>
-              <a:buFont typeface="Cabin"/>
-              <a:buNone/>
-            </a:pPr>
-            <a:r>
-              <a:rPr lang="en-US" sz="7200" u="none" strike="noStrike" cap="none">
-                <a:solidFill>
-                  <a:schemeClr val="lt1"/>
-                </a:solidFill>
-                <a:latin typeface="Arial" charset="0"/>
-                <a:ea typeface="Arial" charset="0"/>
-                <a:cs typeface="Arial" charset="0"/>
-                <a:sym typeface="Cabin"/>
-              </a:rPr>
-              <a:t>Multiple </a:t>
-            </a:r>
-            <a:r>
-              <a:rPr lang="en-US" sz="7200" u="none" strike="noStrike" cap="none">
-                <a:solidFill>
-                  <a:srgbClr val="00FFFF"/>
-                </a:solidFill>
-                <a:latin typeface="Arial" charset="0"/>
-                <a:ea typeface="Arial" charset="0"/>
-                <a:cs typeface="Arial" charset="0"/>
-                <a:sym typeface="Cabin"/>
-              </a:rPr>
-              <a:t>Parameters</a:t>
-            </a:r>
-            <a:r>
-              <a:rPr lang="en-US" sz="7200" u="none" strike="noStrike" cap="none">
-                <a:solidFill>
-                  <a:schemeClr val="lt1"/>
-                </a:solidFill>
-                <a:latin typeface="Arial" charset="0"/>
-                <a:ea typeface="Arial" charset="0"/>
-                <a:cs typeface="Arial" charset="0"/>
-                <a:sym typeface="Cabin"/>
-              </a:rPr>
-              <a:t> / </a:t>
-            </a:r>
-            <a:r>
-              <a:rPr lang="en-US" sz="7200" u="none" strike="noStrike" cap="none">
-                <a:solidFill>
-                  <a:srgbClr val="FF7F00"/>
-                </a:solidFill>
-                <a:latin typeface="Arial" charset="0"/>
-                <a:ea typeface="Arial" charset="0"/>
-                <a:cs typeface="Arial" charset="0"/>
-                <a:sym typeface="Cabin"/>
-              </a:rPr>
-              <a:t>Arguments</a:t>
-            </a:r>
-          </a:p>
-        </p:txBody>
-      </p:sp>
-      <p:sp>
-        <p:nvSpPr>
-          <p:cNvPr id="378" name="Shape 378"/>
-          <p:cNvSpPr txBox="1">
-            <a:spLocks noGrp="1"/>
-          </p:cNvSpPr>
-          <p:nvPr>
-            <p:ph type="body" idx="1"/>
-          </p:nvPr>
-        </p:nvSpPr>
-        <p:spPr>
-          <a:xfrm>
-            <a:off x="1155700" y="2603500"/>
-            <a:ext cx="7588250" cy="5254625"/>
-          </a:xfrm>
-          <a:prstGeom prst="rect">
-            <a:avLst/>
-          </a:prstGeom>
-          <a:noFill/>
-          <a:ln>
-            <a:noFill/>
-          </a:ln>
-        </p:spPr>
-        <p:txBody>
-          <a:bodyPr lIns="38100" tIns="38100" rIns="38100" bIns="38100" anchor="ctr" anchorCtr="0">
-            <a:noAutofit/>
-          </a:bodyPr>
-          <a:lstStyle/>
-          <a:p>
-            <a:pPr marL="749300" marR="0" lvl="0" indent="-371094" algn="l" rtl="0">
-              <a:lnSpc>
-                <a:spcPct val="100000"/>
-              </a:lnSpc>
-              <a:spcBef>
-                <a:spcPts val="0"/>
-              </a:spcBef>
-              <a:spcAft>
-                <a:spcPts val="0"/>
-              </a:spcAft>
-              <a:buClr>
-                <a:schemeClr val="lt1"/>
-              </a:buClr>
-              <a:buSzPct val="100000"/>
-              <a:buFont typeface="Cabin"/>
-              <a:buChar char="•"/>
-            </a:pPr>
-            <a:r>
-              <a:rPr lang="en-US" sz="3600" u="none" strike="noStrike" cap="none" dirty="0">
-                <a:solidFill>
-                  <a:schemeClr val="lt1"/>
-                </a:solidFill>
-                <a:latin typeface="Arial" charset="0"/>
-                <a:ea typeface="Arial" charset="0"/>
-                <a:cs typeface="Arial" charset="0"/>
-                <a:sym typeface="Cabin"/>
-              </a:rPr>
-              <a:t>We can define more than one </a:t>
-            </a:r>
-            <a:r>
-              <a:rPr lang="en-US" sz="3600" u="none" strike="noStrike" cap="none" dirty="0">
-                <a:solidFill>
-                  <a:srgbClr val="00FFFF"/>
-                </a:solidFill>
-                <a:latin typeface="Arial" charset="0"/>
-                <a:ea typeface="Arial" charset="0"/>
-                <a:cs typeface="Arial" charset="0"/>
-                <a:sym typeface="Cabin"/>
-              </a:rPr>
-              <a:t>parameter</a:t>
-            </a:r>
-            <a:r>
-              <a:rPr lang="en-US" sz="3600" u="none" strike="noStrike" cap="none" dirty="0">
-                <a:solidFill>
-                  <a:schemeClr val="lt1"/>
-                </a:solidFill>
-                <a:latin typeface="Arial" charset="0"/>
-                <a:ea typeface="Arial" charset="0"/>
-                <a:cs typeface="Arial" charset="0"/>
-                <a:sym typeface="Cabin"/>
-              </a:rPr>
-              <a:t> in the </a:t>
-            </a:r>
-            <a:r>
-              <a:rPr lang="en-US" sz="3600" u="none" strike="noStrike" cap="none" dirty="0">
-                <a:solidFill>
-                  <a:srgbClr val="00FF00"/>
-                </a:solidFill>
-                <a:latin typeface="Arial" charset="0"/>
-                <a:ea typeface="Arial" charset="0"/>
-                <a:cs typeface="Arial" charset="0"/>
-                <a:sym typeface="Cabin"/>
-              </a:rPr>
-              <a:t>function</a:t>
-            </a:r>
-            <a:r>
-              <a:rPr lang="en-US" sz="3600" u="none" strike="noStrike" cap="none" dirty="0">
-                <a:solidFill>
-                  <a:srgbClr val="FFFF00"/>
-                </a:solidFill>
-                <a:latin typeface="Arial" charset="0"/>
-                <a:ea typeface="Arial" charset="0"/>
-                <a:cs typeface="Arial" charset="0"/>
-                <a:sym typeface="Cabin"/>
-              </a:rPr>
-              <a:t> definition</a:t>
-            </a:r>
-          </a:p>
-          <a:p>
-            <a:pPr marL="749300" marR="0" lvl="0" indent="-371094" algn="l" rtl="0">
-              <a:lnSpc>
-                <a:spcPct val="100000"/>
-              </a:lnSpc>
-              <a:spcBef>
-                <a:spcPts val="3500"/>
-              </a:spcBef>
-              <a:spcAft>
-                <a:spcPts val="0"/>
-              </a:spcAft>
-              <a:buClr>
-                <a:schemeClr val="lt1"/>
-              </a:buClr>
-              <a:buSzPct val="100000"/>
-              <a:buFont typeface="Cabin"/>
-              <a:buChar char="•"/>
-            </a:pPr>
-            <a:r>
-              <a:rPr lang="en-US" sz="3600" u="none" strike="noStrike" cap="none" dirty="0">
-                <a:solidFill>
-                  <a:schemeClr val="lt1"/>
-                </a:solidFill>
-                <a:latin typeface="Arial" charset="0"/>
-                <a:ea typeface="Arial" charset="0"/>
-                <a:cs typeface="Arial" charset="0"/>
-                <a:sym typeface="Cabin"/>
-              </a:rPr>
-              <a:t>We simply add more </a:t>
-            </a:r>
-            <a:r>
-              <a:rPr lang="en-US" sz="3600" u="none" strike="noStrike" cap="none" dirty="0">
-                <a:solidFill>
-                  <a:srgbClr val="FF7F00"/>
-                </a:solidFill>
-                <a:latin typeface="Arial" charset="0"/>
-                <a:ea typeface="Arial" charset="0"/>
-                <a:cs typeface="Arial" charset="0"/>
-                <a:sym typeface="Cabin"/>
-              </a:rPr>
-              <a:t>arguments</a:t>
-            </a:r>
-            <a:r>
-              <a:rPr lang="en-US" sz="3600" u="none" strike="noStrike" cap="none" dirty="0">
-                <a:solidFill>
-                  <a:schemeClr val="lt1"/>
-                </a:solidFill>
-                <a:latin typeface="Arial" charset="0"/>
-                <a:ea typeface="Arial" charset="0"/>
-                <a:cs typeface="Arial" charset="0"/>
-                <a:sym typeface="Cabin"/>
-              </a:rPr>
-              <a:t> when we call the </a:t>
-            </a:r>
-            <a:r>
-              <a:rPr lang="en-US" sz="3600" u="none" strike="noStrike" cap="none" dirty="0">
-                <a:solidFill>
-                  <a:srgbClr val="00FF00"/>
-                </a:solidFill>
-                <a:latin typeface="Arial" charset="0"/>
-                <a:ea typeface="Arial" charset="0"/>
-                <a:cs typeface="Arial" charset="0"/>
-                <a:sym typeface="Cabin"/>
-              </a:rPr>
-              <a:t>function</a:t>
-            </a:r>
-          </a:p>
-          <a:p>
-            <a:pPr marL="749300" marR="0" lvl="0" indent="-371094" algn="l" rtl="0">
-              <a:lnSpc>
-                <a:spcPct val="100000"/>
-              </a:lnSpc>
-              <a:spcBef>
-                <a:spcPts val="3500"/>
-              </a:spcBef>
-              <a:spcAft>
-                <a:spcPts val="0"/>
-              </a:spcAft>
-              <a:buClr>
-                <a:schemeClr val="lt1"/>
-              </a:buClr>
-              <a:buSzPct val="100000"/>
-              <a:buFont typeface="Cabin"/>
-              <a:buChar char="•"/>
-            </a:pPr>
-            <a:r>
-              <a:rPr lang="en-US" sz="3600" u="none" strike="noStrike" cap="none" dirty="0">
-                <a:solidFill>
-                  <a:schemeClr val="lt1"/>
-                </a:solidFill>
-                <a:latin typeface="Arial" charset="0"/>
-                <a:ea typeface="Arial" charset="0"/>
-                <a:cs typeface="Arial" charset="0"/>
-                <a:sym typeface="Cabin"/>
-              </a:rPr>
-              <a:t>We match the number and order of arguments and parameters</a:t>
-            </a:r>
-          </a:p>
-        </p:txBody>
-      </p:sp>
-      <p:sp>
-        <p:nvSpPr>
-          <p:cNvPr id="379" name="Shape 379"/>
-          <p:cNvSpPr txBox="1"/>
-          <p:nvPr/>
-        </p:nvSpPr>
-        <p:spPr>
-          <a:xfrm>
-            <a:off x="9966100" y="3380664"/>
-            <a:ext cx="5481000" cy="3934825"/>
-          </a:xfrm>
-          <a:prstGeom prst="rect">
-            <a:avLst/>
-          </a:prstGeom>
-          <a:noFill/>
-          <a:ln>
-            <a:noFill/>
-          </a:ln>
-        </p:spPr>
-        <p:txBody>
-          <a:bodyPr lIns="0" tIns="0" rIns="0" bIns="0" anchor="ctr" anchorCtr="0">
-            <a:noAutofit/>
-          </a:bodyPr>
-          <a:lstStyle/>
-          <a:p>
-            <a:pPr marL="0" marR="0" lvl="0" indent="0" algn="l" rtl="0">
-              <a:lnSpc>
-                <a:spcPct val="100000"/>
-              </a:lnSpc>
-              <a:spcBef>
-                <a:spcPts val="0"/>
-              </a:spcBef>
-              <a:spcAft>
-                <a:spcPts val="0"/>
-              </a:spcAft>
-              <a:buClr>
-                <a:srgbClr val="FFFF00"/>
-              </a:buClr>
-              <a:buSzPct val="25000"/>
-              <a:buFont typeface="Cabin"/>
-              <a:buNone/>
-            </a:pPr>
-            <a:r>
-              <a:rPr lang="en-US" sz="3000" i="0" u="none" strike="noStrike" cap="none" dirty="0" err="1">
-                <a:solidFill>
-                  <a:srgbClr val="FFFF00"/>
-                </a:solidFill>
-                <a:latin typeface="Courier New"/>
-                <a:ea typeface="Courier New"/>
-                <a:cs typeface="Courier New"/>
-                <a:sym typeface="Courier New"/>
-              </a:rPr>
-              <a:t>def</a:t>
-            </a:r>
-            <a:r>
-              <a:rPr lang="en-US" sz="3000" i="0" u="none" strike="noStrike" cap="none" dirty="0">
-                <a:solidFill>
-                  <a:schemeClr val="lt1"/>
-                </a:solidFill>
-                <a:latin typeface="Courier New"/>
-                <a:ea typeface="Courier New"/>
-                <a:cs typeface="Courier New"/>
-                <a:sym typeface="Courier New"/>
-              </a:rPr>
-              <a:t> </a:t>
-            </a:r>
-            <a:r>
-              <a:rPr lang="en-US" sz="3000" i="0" u="none" strike="noStrike" cap="none" dirty="0" err="1">
-                <a:solidFill>
-                  <a:srgbClr val="00FF00"/>
-                </a:solidFill>
-                <a:latin typeface="Courier New"/>
-                <a:ea typeface="Courier New"/>
-                <a:cs typeface="Courier New"/>
-                <a:sym typeface="Courier New"/>
-              </a:rPr>
-              <a:t>addtwo</a:t>
-            </a:r>
-            <a:r>
-              <a:rPr lang="en-US" sz="3000" i="0" u="none" strike="noStrike" cap="none" dirty="0">
-                <a:solidFill>
-                  <a:schemeClr val="lt1"/>
-                </a:solidFill>
-                <a:latin typeface="Courier New"/>
-                <a:ea typeface="Courier New"/>
-                <a:cs typeface="Courier New"/>
-                <a:sym typeface="Courier New"/>
-              </a:rPr>
-              <a:t>(</a:t>
-            </a:r>
-            <a:r>
-              <a:rPr lang="en-US" sz="3000" i="0" u="none" strike="noStrike" cap="none" dirty="0">
-                <a:solidFill>
-                  <a:srgbClr val="00FFFF"/>
-                </a:solidFill>
-                <a:latin typeface="Courier New"/>
-                <a:ea typeface="Courier New"/>
-                <a:cs typeface="Courier New"/>
-                <a:sym typeface="Courier New"/>
-              </a:rPr>
-              <a:t>a, b</a:t>
-            </a:r>
-            <a:r>
-              <a:rPr lang="en-US" sz="3000" i="0" u="none" strike="noStrike" cap="none" dirty="0">
-                <a:solidFill>
-                  <a:schemeClr val="lt1"/>
-                </a:solidFill>
-                <a:latin typeface="Courier New"/>
-                <a:ea typeface="Courier New"/>
-                <a:cs typeface="Courier New"/>
-                <a:sym typeface="Courier New"/>
-              </a:rPr>
-              <a:t>):</a:t>
-            </a:r>
-          </a:p>
-          <a:p>
-            <a:pPr marL="0" marR="0" lvl="0" indent="0" algn="l" rtl="0">
-              <a:lnSpc>
-                <a:spcPct val="100000"/>
-              </a:lnSpc>
-              <a:spcBef>
-                <a:spcPts val="0"/>
-              </a:spcBef>
-              <a:spcAft>
-                <a:spcPts val="0"/>
-              </a:spcAft>
-              <a:buClr>
-                <a:schemeClr val="lt1"/>
-              </a:buClr>
-              <a:buSzPct val="25000"/>
-              <a:buFont typeface="Cabin"/>
-              <a:buNone/>
-            </a:pPr>
-            <a:r>
-              <a:rPr lang="en-US" sz="3000" i="0" u="none" strike="noStrike" cap="none" dirty="0">
-                <a:solidFill>
-                  <a:schemeClr val="lt1"/>
-                </a:solidFill>
-                <a:latin typeface="Courier New"/>
-                <a:ea typeface="Courier New"/>
-                <a:cs typeface="Courier New"/>
-                <a:sym typeface="Courier New"/>
-              </a:rPr>
-              <a:t>    added = </a:t>
-            </a:r>
-            <a:r>
-              <a:rPr lang="en-US" sz="3000" i="0" u="none" strike="noStrike" cap="none" dirty="0">
-                <a:solidFill>
-                  <a:srgbClr val="00FFFF"/>
-                </a:solidFill>
-                <a:latin typeface="Courier New"/>
-                <a:ea typeface="Courier New"/>
-                <a:cs typeface="Courier New"/>
-                <a:sym typeface="Courier New"/>
-              </a:rPr>
-              <a:t>a</a:t>
-            </a:r>
-            <a:r>
-              <a:rPr lang="en-US" sz="3000" i="0" u="none" strike="noStrike" cap="none" dirty="0">
-                <a:solidFill>
-                  <a:schemeClr val="lt1"/>
-                </a:solidFill>
-                <a:latin typeface="Courier New"/>
-                <a:ea typeface="Courier New"/>
-                <a:cs typeface="Courier New"/>
-                <a:sym typeface="Courier New"/>
-              </a:rPr>
-              <a:t> + </a:t>
-            </a:r>
-            <a:r>
-              <a:rPr lang="en-US" sz="3000" i="0" u="none" strike="noStrike" cap="none" dirty="0">
-                <a:solidFill>
-                  <a:srgbClr val="00FFFF"/>
-                </a:solidFill>
-                <a:latin typeface="Courier New"/>
-                <a:ea typeface="Courier New"/>
-                <a:cs typeface="Courier New"/>
-                <a:sym typeface="Courier New"/>
-              </a:rPr>
-              <a:t>b</a:t>
-            </a:r>
-          </a:p>
-          <a:p>
-            <a:pPr marL="0" marR="0" lvl="0" indent="0" algn="l" rtl="0">
-              <a:lnSpc>
-                <a:spcPct val="100000"/>
-              </a:lnSpc>
-              <a:spcBef>
-                <a:spcPts val="0"/>
-              </a:spcBef>
-              <a:spcAft>
-                <a:spcPts val="0"/>
-              </a:spcAft>
-              <a:buClr>
-                <a:schemeClr val="lt1"/>
-              </a:buClr>
-              <a:buSzPct val="25000"/>
-              <a:buFont typeface="Cabin"/>
-              <a:buNone/>
-            </a:pPr>
-            <a:r>
-              <a:rPr lang="en-US" sz="3000" i="0" u="none" strike="noStrike" cap="none" dirty="0">
-                <a:solidFill>
-                  <a:schemeClr val="lt1"/>
-                </a:solidFill>
-                <a:latin typeface="Courier New"/>
-                <a:ea typeface="Courier New"/>
-                <a:cs typeface="Courier New"/>
-                <a:sym typeface="Courier New"/>
-              </a:rPr>
-              <a:t>    </a:t>
-            </a:r>
-            <a:r>
-              <a:rPr lang="en-US" sz="3000" i="0" u="none" strike="noStrike" cap="none" dirty="0">
-                <a:solidFill>
-                  <a:srgbClr val="FFFF00"/>
-                </a:solidFill>
-                <a:latin typeface="Courier New"/>
-                <a:ea typeface="Courier New"/>
-                <a:cs typeface="Courier New"/>
-                <a:sym typeface="Courier New"/>
-              </a:rPr>
-              <a:t>return</a:t>
-            </a:r>
-            <a:r>
-              <a:rPr lang="en-US" sz="3000" i="0" u="none" strike="noStrike" cap="none" dirty="0">
-                <a:solidFill>
-                  <a:schemeClr val="lt1"/>
-                </a:solidFill>
-                <a:latin typeface="Courier New"/>
-                <a:ea typeface="Courier New"/>
-                <a:cs typeface="Courier New"/>
-                <a:sym typeface="Courier New"/>
-              </a:rPr>
-              <a:t> added</a:t>
-            </a:r>
-          </a:p>
-          <a:p>
-            <a:pPr marL="0" marR="0" lvl="0" indent="0" algn="l" rtl="0">
-              <a:lnSpc>
-                <a:spcPct val="100000"/>
-              </a:lnSpc>
-              <a:spcBef>
-                <a:spcPts val="0"/>
-              </a:spcBef>
-              <a:spcAft>
-                <a:spcPts val="0"/>
-              </a:spcAft>
-              <a:buClr>
-                <a:schemeClr val="lt1"/>
-              </a:buClr>
-              <a:buFont typeface="Cabin"/>
-              <a:buNone/>
-            </a:pPr>
-            <a:endParaRPr sz="3000" dirty="0">
-              <a:solidFill>
-                <a:schemeClr val="lt1"/>
-              </a:solidFill>
-              <a:latin typeface="Courier New"/>
-              <a:ea typeface="Courier New"/>
-              <a:cs typeface="Courier New"/>
-              <a:sym typeface="Courier New"/>
-            </a:endParaRPr>
-          </a:p>
-          <a:p>
-            <a:pPr marL="0" marR="0" lvl="0" indent="0" algn="l" rtl="0">
-              <a:lnSpc>
-                <a:spcPct val="100000"/>
-              </a:lnSpc>
-              <a:spcBef>
-                <a:spcPts val="0"/>
-              </a:spcBef>
-              <a:spcAft>
-                <a:spcPts val="0"/>
-              </a:spcAft>
-              <a:buClr>
-                <a:schemeClr val="lt1"/>
-              </a:buClr>
-              <a:buSzPct val="25000"/>
-              <a:buFont typeface="Cabin"/>
-              <a:buNone/>
-            </a:pPr>
-            <a:r>
-              <a:rPr lang="en-US" sz="3000" i="0" u="none" strike="noStrike" cap="none" dirty="0">
-                <a:solidFill>
-                  <a:schemeClr val="lt1"/>
-                </a:solidFill>
-                <a:latin typeface="Courier New"/>
-                <a:ea typeface="Courier New"/>
-                <a:cs typeface="Courier New"/>
-                <a:sym typeface="Courier New"/>
-              </a:rPr>
-              <a:t>x = </a:t>
-            </a:r>
-            <a:r>
-              <a:rPr lang="en-US" sz="3000" i="0" u="none" strike="noStrike" cap="none" dirty="0" err="1">
-                <a:solidFill>
-                  <a:srgbClr val="00FF00"/>
-                </a:solidFill>
-                <a:latin typeface="Courier New"/>
-                <a:ea typeface="Courier New"/>
-                <a:cs typeface="Courier New"/>
-                <a:sym typeface="Courier New"/>
-              </a:rPr>
-              <a:t>addtwo</a:t>
-            </a:r>
-            <a:r>
-              <a:rPr lang="en-US" sz="3000" i="0" u="none" strike="noStrike" cap="none" dirty="0">
-                <a:solidFill>
-                  <a:schemeClr val="lt1"/>
-                </a:solidFill>
-                <a:latin typeface="Courier New"/>
-                <a:ea typeface="Courier New"/>
-                <a:cs typeface="Courier New"/>
-                <a:sym typeface="Courier New"/>
-              </a:rPr>
-              <a:t>(</a:t>
-            </a:r>
-            <a:r>
-              <a:rPr lang="en-US" sz="3000" i="0" u="none" strike="noStrike" cap="none" dirty="0">
-                <a:solidFill>
-                  <a:srgbClr val="FF7F00"/>
-                </a:solidFill>
-                <a:latin typeface="Courier New"/>
-                <a:ea typeface="Courier New"/>
-                <a:cs typeface="Courier New"/>
-                <a:sym typeface="Courier New"/>
-              </a:rPr>
-              <a:t>3, 5</a:t>
-            </a:r>
-            <a:r>
-              <a:rPr lang="en-US" sz="3000" i="0" u="none" strike="noStrike" cap="none" dirty="0">
-                <a:solidFill>
-                  <a:schemeClr val="lt1"/>
-                </a:solidFill>
-                <a:latin typeface="Courier New"/>
-                <a:ea typeface="Courier New"/>
-                <a:cs typeface="Courier New"/>
-                <a:sym typeface="Courier New"/>
-              </a:rPr>
-              <a:t>)</a:t>
-            </a:r>
-          </a:p>
-          <a:p>
-            <a:pPr marL="0" marR="0" lvl="0" indent="0" algn="l" rtl="0">
-              <a:lnSpc>
-                <a:spcPct val="100000"/>
-              </a:lnSpc>
-              <a:spcBef>
-                <a:spcPts val="0"/>
-              </a:spcBef>
-              <a:spcAft>
-                <a:spcPts val="0"/>
-              </a:spcAft>
-              <a:buClr>
-                <a:srgbClr val="FFFF00"/>
-              </a:buClr>
-              <a:buSzPct val="25000"/>
-              <a:buFont typeface="Cabin"/>
-              <a:buNone/>
-            </a:pPr>
-            <a:r>
-              <a:rPr lang="en-US" sz="3000" i="0" u="none" strike="noStrike" cap="none" dirty="0" smtClean="0">
-                <a:solidFill>
-                  <a:srgbClr val="FFFF00"/>
-                </a:solidFill>
-                <a:latin typeface="Courier New"/>
-                <a:ea typeface="Courier New"/>
-                <a:cs typeface="Courier New"/>
-                <a:sym typeface="Courier New"/>
-              </a:rPr>
-              <a:t>print</a:t>
-            </a:r>
-            <a:r>
-              <a:rPr lang="en-US" sz="3000" dirty="0" smtClean="0">
-                <a:solidFill>
-                  <a:schemeClr val="lt1"/>
-                </a:solidFill>
-                <a:latin typeface="Courier New"/>
-                <a:ea typeface="Courier New"/>
-                <a:cs typeface="Courier New"/>
-                <a:sym typeface="Courier New"/>
-              </a:rPr>
-              <a:t>(</a:t>
-            </a:r>
-            <a:r>
-              <a:rPr lang="en-US" sz="3000" i="0" u="none" strike="noStrike" cap="none" dirty="0" smtClean="0">
-                <a:solidFill>
-                  <a:schemeClr val="lt1"/>
-                </a:solidFill>
-                <a:latin typeface="Courier New"/>
-                <a:ea typeface="Courier New"/>
-                <a:cs typeface="Courier New"/>
-                <a:sym typeface="Courier New"/>
-              </a:rPr>
-              <a:t>x)</a:t>
-            </a:r>
-          </a:p>
-          <a:p>
-            <a:pPr marL="0" marR="0" lvl="0" indent="0" algn="l" rtl="0">
-              <a:lnSpc>
-                <a:spcPct val="100000"/>
-              </a:lnSpc>
-              <a:spcBef>
-                <a:spcPts val="0"/>
-              </a:spcBef>
-              <a:spcAft>
-                <a:spcPts val="0"/>
-              </a:spcAft>
-              <a:buClr>
-                <a:srgbClr val="FFFF00"/>
-              </a:buClr>
-              <a:buSzPct val="25000"/>
-              <a:buFont typeface="Cabin"/>
-              <a:buNone/>
-            </a:pPr>
-            <a:endParaRPr lang="en-US" sz="3000" i="0" u="none" strike="noStrike" cap="none" dirty="0">
-              <a:solidFill>
-                <a:schemeClr val="lt1"/>
-              </a:solidFill>
-              <a:latin typeface="Courier New"/>
-              <a:ea typeface="Courier New"/>
-              <a:cs typeface="Courier New"/>
-              <a:sym typeface="Courier New"/>
-            </a:endParaRPr>
-          </a:p>
-          <a:p>
-            <a:pPr marL="0" marR="0" lvl="0" indent="0" algn="l" rtl="0">
-              <a:lnSpc>
-                <a:spcPct val="100000"/>
-              </a:lnSpc>
-              <a:spcBef>
-                <a:spcPts val="0"/>
-              </a:spcBef>
-              <a:spcAft>
-                <a:spcPts val="0"/>
-              </a:spcAft>
-              <a:buClr>
-                <a:srgbClr val="FFFF00"/>
-              </a:buClr>
-              <a:buSzPct val="25000"/>
-              <a:buFont typeface="Cabin"/>
-              <a:buNone/>
-            </a:pPr>
-            <a:r>
-              <a:rPr lang="en-US" sz="3000" dirty="0">
-                <a:solidFill>
-                  <a:srgbClr val="00FF00"/>
-                </a:solidFill>
-                <a:latin typeface="Courier New"/>
-                <a:ea typeface="Courier New"/>
-                <a:cs typeface="Courier New"/>
-                <a:sym typeface="Courier New"/>
-              </a:rPr>
-              <a:t>8</a:t>
-            </a:r>
-          </a:p>
-        </p:txBody>
-      </p:sp>
-    </p:spTree>
-  </p:cSld>
-  <p:clrMapOvr>
-    <a:masterClrMapping/>
-  </p:clrMapOvr>
+  <p:timing>
+    <p:tnLst>
+      <p:par>
+        <p:cTn id="1" dur="indefinite" restart="never" nodeType="tmRoot"/>
+      </p:par>
+    </p:tnLst>
+  </p:timing>
 </p:sld>
 </file>
 
@@ -15189,7 +14609,7 @@
               <a:buNone/>
             </a:pPr>
             <a:r>
-              <a:rPr lang="en-US" sz="2500" i="0" u="none" strike="noStrike" cap="none" dirty="0" err="1">
+              <a:rPr lang="en-US" sz="2500" b="1" i="0" u="none" strike="noStrike" cap="none" dirty="0" err="1">
                 <a:solidFill>
                   <a:srgbClr val="FFFF00"/>
                 </a:solidFill>
@@ -15201,7 +14621,7 @@
               <a:t>def</a:t>
             </a:r>
             <a:r>
-              <a:rPr lang="en-US" sz="2500" i="0" u="none" strike="noStrike" cap="none" dirty="0">
+              <a:rPr lang="en-US" sz="2500" b="1" i="0" u="none" strike="noStrike" cap="none" dirty="0">
                 <a:solidFill>
                   <a:srgbClr val="FF7F00"/>
                 </a:solidFill>
@@ -15232,7 +14652,7 @@
               <a:buNone/>
             </a:pPr>
             <a:r>
-              <a:rPr lang="en-US" sz="2500" i="0" u="none" strike="noStrike" cap="none" dirty="0">
+              <a:rPr lang="en-US" sz="2500" b="1" i="0" u="none" strike="noStrike" cap="none" dirty="0">
                 <a:solidFill>
                   <a:srgbClr val="FF7F00"/>
                 </a:solidFill>
@@ -15244,7 +14664,7 @@
               <a:t>    </a:t>
             </a:r>
             <a:r>
-              <a:rPr lang="en-US" sz="2500" i="0" u="none" strike="noStrike" cap="none" dirty="0" smtClean="0">
+              <a:rPr lang="en-US" sz="2500" b="1" i="0" u="none" strike="noStrike" cap="none" dirty="0" smtClean="0">
                 <a:solidFill>
                   <a:srgbClr val="FFFF00"/>
                 </a:solidFill>
@@ -15256,7 +14676,7 @@
               <a:t>print</a:t>
             </a:r>
             <a:r>
-              <a:rPr lang="en-US" sz="2500" dirty="0">
+              <a:rPr lang="en-US" sz="2500" b="1" dirty="0">
                 <a:solidFill>
                   <a:srgbClr val="FF7F00"/>
                 </a:solidFill>
@@ -15268,7 +14688,7 @@
               <a:t>(</a:t>
             </a:r>
             <a:r>
-              <a:rPr lang="en-US" sz="2500" i="0" u="none" strike="noStrike" cap="none" dirty="0" smtClean="0">
+              <a:rPr lang="en-US" sz="2500" b="1" i="0" u="none" strike="noStrike" cap="none" dirty="0" smtClean="0">
                 <a:solidFill>
                   <a:srgbClr val="FF7F00"/>
                 </a:solidFill>
@@ -15280,7 +14700,7 @@
               <a:t>'Hello</a:t>
             </a:r>
             <a:r>
-              <a:rPr lang="en-US" sz="2500" dirty="0" smtClean="0">
+              <a:rPr lang="en-US" sz="2500" b="1" dirty="0" smtClean="0">
                 <a:solidFill>
                   <a:srgbClr val="FF7F00"/>
                 </a:solidFill>
@@ -15291,7 +14711,7 @@
               </a:rPr>
               <a:t>')</a:t>
             </a:r>
-            <a:endParaRPr lang="en-US" sz="2500" dirty="0">
+            <a:endParaRPr lang="en-US" sz="2500" b="1" dirty="0">
               <a:solidFill>
                 <a:srgbClr val="FF7F00"/>
               </a:solidFill>
@@ -15320,7 +14740,7 @@
               <a:buNone/>
             </a:pPr>
             <a:r>
-              <a:rPr lang="en-US" sz="2500" i="0" u="none" strike="noStrike" cap="none" dirty="0">
+              <a:rPr lang="en-US" sz="2500" b="1" i="0" u="none" strike="noStrike" cap="none" dirty="0">
                 <a:solidFill>
                   <a:srgbClr val="FF7F00"/>
                 </a:solidFill>
@@ -15332,7 +14752,7 @@
               <a:t>    </a:t>
             </a:r>
             <a:r>
-              <a:rPr lang="en-US" sz="2500" i="0" u="none" strike="noStrike" cap="none" dirty="0" smtClean="0">
+              <a:rPr lang="en-US" sz="2500" b="1" i="0" u="none" strike="noStrike" cap="none" dirty="0" smtClean="0">
                 <a:solidFill>
                   <a:srgbClr val="FFFF00"/>
                 </a:solidFill>
@@ -15344,7 +14764,7 @@
               <a:t>print</a:t>
             </a:r>
             <a:r>
-              <a:rPr lang="en-US" sz="2500" dirty="0">
+              <a:rPr lang="en-US" sz="2500" b="1" dirty="0">
                 <a:solidFill>
                   <a:srgbClr val="FF7F00"/>
                 </a:solidFill>
@@ -15356,7 +14776,7 @@
               <a:t>(</a:t>
             </a:r>
             <a:r>
-              <a:rPr lang="en-US" sz="2500" i="0" u="none" strike="noStrike" cap="none" dirty="0" smtClean="0">
+              <a:rPr lang="en-US" sz="2500" b="1" i="0" u="none" strike="noStrike" cap="none" dirty="0" smtClean="0">
                 <a:solidFill>
                   <a:srgbClr val="FF7F00"/>
                 </a:solidFill>
@@ -15368,7 +14788,7 @@
               <a:t>'Fun</a:t>
             </a:r>
             <a:r>
-              <a:rPr lang="en-US" sz="2500" dirty="0" smtClean="0">
+              <a:rPr lang="en-US" sz="2500" b="1" dirty="0" smtClean="0">
                 <a:solidFill>
                   <a:srgbClr val="FF7F00"/>
                 </a:solidFill>
@@ -15379,7 +14799,7 @@
               </a:rPr>
               <a:t>')</a:t>
             </a:r>
-            <a:endParaRPr lang="en-US" sz="2500" dirty="0">
+            <a:endParaRPr lang="en-US" sz="2500" b="1" dirty="0">
               <a:solidFill>
                 <a:srgbClr val="FF7F00"/>
               </a:solidFill>
@@ -15408,7 +14828,7 @@
               <a:buNone/>
             </a:pPr>
             <a:r>
-              <a:rPr lang="en-US" sz="2500" i="0" u="none" strike="noStrike" cap="none" dirty="0">
+              <a:rPr lang="en-US" sz="2500" b="1" i="0" u="none" strike="noStrike" cap="none" dirty="0">
                 <a:solidFill>
                   <a:srgbClr val="FF7F00"/>
                 </a:solidFill>
@@ -15439,7 +14859,7 @@
               <a:buNone/>
             </a:pPr>
             <a:r>
-              <a:rPr lang="en-US" sz="2500" i="0" u="none" strike="noStrike" cap="none" dirty="0">
+              <a:rPr lang="en-US" sz="2500" b="1" i="0" u="none" strike="noStrike" cap="none" dirty="0">
                 <a:solidFill>
                   <a:srgbClr val="FF7F00"/>
                 </a:solidFill>
@@ -15470,7 +14890,7 @@
               <a:buNone/>
             </a:pPr>
             <a:r>
-              <a:rPr lang="en-US" sz="2500" i="0" u="none" strike="noStrike" cap="none" dirty="0" smtClean="0">
+              <a:rPr lang="en-US" sz="2500" b="1" i="0" u="none" strike="noStrike" cap="none" dirty="0" smtClean="0">
                 <a:solidFill>
                   <a:srgbClr val="FFFF00"/>
                 </a:solidFill>
@@ -15482,7 +14902,7 @@
               <a:t>print</a:t>
             </a:r>
             <a:r>
-              <a:rPr lang="en-US" sz="2500" dirty="0">
+              <a:rPr lang="en-US" sz="2500" b="1" dirty="0">
                 <a:solidFill>
                   <a:srgbClr val="FF7F00"/>
                 </a:solidFill>
@@ -15494,7 +14914,7 @@
               <a:t>(</a:t>
             </a:r>
             <a:r>
-              <a:rPr lang="en-US" sz="2500" i="0" u="none" strike="noStrike" cap="none" dirty="0" smtClean="0">
+              <a:rPr lang="en-US" sz="2500" b="1" i="0" u="none" strike="noStrike" cap="none" dirty="0" smtClean="0">
                 <a:solidFill>
                   <a:srgbClr val="FF7F00"/>
                 </a:solidFill>
@@ -15506,7 +14926,7 @@
               <a:t>'Zip</a:t>
             </a:r>
             <a:r>
-              <a:rPr lang="en-US" sz="2500" dirty="0" smtClean="0">
+              <a:rPr lang="en-US" sz="2500" b="1" dirty="0" smtClean="0">
                 <a:solidFill>
                   <a:srgbClr val="FF7F00"/>
                 </a:solidFill>
@@ -15517,7 +14937,7 @@
               </a:rPr>
               <a:t>')</a:t>
             </a:r>
-            <a:endParaRPr lang="en-US" sz="2500" dirty="0">
+            <a:endParaRPr lang="en-US" sz="2500" b="1" dirty="0">
               <a:solidFill>
                 <a:srgbClr val="FF7F00"/>
               </a:solidFill>
@@ -15546,7 +14966,7 @@
               <a:buNone/>
             </a:pPr>
             <a:r>
-              <a:rPr lang="en-US" sz="2500" i="0" u="none" strike="noStrike" cap="none" dirty="0">
+              <a:rPr lang="en-US" sz="2500" b="1" i="0" u="none" strike="noStrike" cap="none" dirty="0">
                 <a:solidFill>
                   <a:srgbClr val="FF7F00"/>
                 </a:solidFill>
@@ -16455,7 +15875,7 @@
   <p:timing>
     <p:tnLst>
       <p:par>
-        <p:cTn xmlns:p14="http://schemas.microsoft.com/office/powerpoint/2010/main" id="1" dur="indefinite" restart="never" nodeType="tmRoot"/>
+        <p:cTn id="1" dur="indefinite" restart="never" nodeType="tmRoot"/>
       </p:par>
     </p:tnLst>
   </p:timing>
@@ -16463,6 +15883,797 @@
 </file>
 
 <file path=ppt/slides/slide20.xml><?xml version="1.0" encoding="utf-8"?>
+<p:sld xmlns:a="http://schemas.openxmlformats.org/drawingml/2006/main" xmlns:r="http://schemas.openxmlformats.org/officeDocument/2006/relationships" xmlns:p="http://schemas.openxmlformats.org/presentationml/2006/main">
+  <p:cSld>
+    <p:spTree>
+      <p:nvGrpSpPr>
+        <p:cNvPr id="1" name="Shape 376"/>
+        <p:cNvGrpSpPr/>
+        <p:nvPr/>
+      </p:nvGrpSpPr>
+      <p:grpSpPr>
+        <a:xfrm>
+          <a:off x="0" y="0"/>
+          <a:ext cx="0" cy="0"/>
+          <a:chOff x="0" y="0"/>
+          <a:chExt cx="0" cy="0"/>
+        </a:xfrm>
+      </p:grpSpPr>
+      <p:sp>
+        <p:nvSpPr>
+          <p:cNvPr id="377" name="Shape 377"/>
+          <p:cNvSpPr txBox="1">
+            <a:spLocks noGrp="1"/>
+          </p:cNvSpPr>
+          <p:nvPr>
+            <p:ph type="title"/>
+          </p:nvPr>
+        </p:nvSpPr>
+        <p:spPr>
+          <a:prstGeom prst="rect">
+            <a:avLst/>
+          </a:prstGeom>
+          <a:noFill/>
+          <a:ln>
+            <a:noFill/>
+          </a:ln>
+        </p:spPr>
+        <p:txBody>
+          <a:bodyPr lIns="38100" tIns="38100" rIns="38100" bIns="38100" anchor="ctr" anchorCtr="0">
+            <a:noAutofit/>
+          </a:bodyPr>
+          <a:lstStyle/>
+          <a:p>
+            <a:pPr marL="0" marR="0" lvl="0" indent="0" algn="ctr" rtl="0">
+              <a:lnSpc>
+                <a:spcPct val="100000"/>
+              </a:lnSpc>
+              <a:spcBef>
+                <a:spcPts val="0"/>
+              </a:spcBef>
+              <a:spcAft>
+                <a:spcPts val="0"/>
+              </a:spcAft>
+              <a:buClr>
+                <a:schemeClr val="lt1"/>
+              </a:buClr>
+              <a:buSzPct val="25000"/>
+              <a:buFont typeface="Cabin"/>
+              <a:buNone/>
+            </a:pPr>
+            <a:r>
+              <a:rPr lang="en-US" sz="7200" u="none" strike="noStrike" cap="none">
+                <a:solidFill>
+                  <a:schemeClr val="lt1"/>
+                </a:solidFill>
+                <a:latin typeface="Arial" charset="0"/>
+                <a:ea typeface="Arial" charset="0"/>
+                <a:cs typeface="Arial" charset="0"/>
+                <a:sym typeface="Cabin"/>
+              </a:rPr>
+              <a:t>Multiple </a:t>
+            </a:r>
+            <a:r>
+              <a:rPr lang="en-US" sz="7200" u="none" strike="noStrike" cap="none">
+                <a:solidFill>
+                  <a:srgbClr val="00FFFF"/>
+                </a:solidFill>
+                <a:latin typeface="Arial" charset="0"/>
+                <a:ea typeface="Arial" charset="0"/>
+                <a:cs typeface="Arial" charset="0"/>
+                <a:sym typeface="Cabin"/>
+              </a:rPr>
+              <a:t>Parameters</a:t>
+            </a:r>
+            <a:r>
+              <a:rPr lang="en-US" sz="7200" u="none" strike="noStrike" cap="none">
+                <a:solidFill>
+                  <a:schemeClr val="lt1"/>
+                </a:solidFill>
+                <a:latin typeface="Arial" charset="0"/>
+                <a:ea typeface="Arial" charset="0"/>
+                <a:cs typeface="Arial" charset="0"/>
+                <a:sym typeface="Cabin"/>
+              </a:rPr>
+              <a:t> / </a:t>
+            </a:r>
+            <a:r>
+              <a:rPr lang="en-US" sz="7200" u="none" strike="noStrike" cap="none">
+                <a:solidFill>
+                  <a:srgbClr val="FF7F00"/>
+                </a:solidFill>
+                <a:latin typeface="Arial" charset="0"/>
+                <a:ea typeface="Arial" charset="0"/>
+                <a:cs typeface="Arial" charset="0"/>
+                <a:sym typeface="Cabin"/>
+              </a:rPr>
+              <a:t>Arguments</a:t>
+            </a:r>
+          </a:p>
+        </p:txBody>
+      </p:sp>
+      <p:sp>
+        <p:nvSpPr>
+          <p:cNvPr id="378" name="Shape 378"/>
+          <p:cNvSpPr txBox="1">
+            <a:spLocks noGrp="1"/>
+          </p:cNvSpPr>
+          <p:nvPr>
+            <p:ph type="body" idx="1"/>
+          </p:nvPr>
+        </p:nvSpPr>
+        <p:spPr>
+          <a:xfrm>
+            <a:off x="1155700" y="2603500"/>
+            <a:ext cx="7588250" cy="5254625"/>
+          </a:xfrm>
+          <a:prstGeom prst="rect">
+            <a:avLst/>
+          </a:prstGeom>
+          <a:noFill/>
+          <a:ln>
+            <a:noFill/>
+          </a:ln>
+        </p:spPr>
+        <p:txBody>
+          <a:bodyPr lIns="38100" tIns="38100" rIns="38100" bIns="38100" anchor="ctr" anchorCtr="0">
+            <a:noAutofit/>
+          </a:bodyPr>
+          <a:lstStyle/>
+          <a:p>
+            <a:pPr marL="749300" marR="0" lvl="0" indent="-371094" algn="l" rtl="0">
+              <a:lnSpc>
+                <a:spcPct val="100000"/>
+              </a:lnSpc>
+              <a:spcBef>
+                <a:spcPts val="0"/>
+              </a:spcBef>
+              <a:spcAft>
+                <a:spcPts val="0"/>
+              </a:spcAft>
+              <a:buClr>
+                <a:schemeClr val="lt1"/>
+              </a:buClr>
+              <a:buSzPct val="100000"/>
+              <a:buFont typeface="Cabin"/>
+              <a:buChar char="•"/>
+            </a:pPr>
+            <a:r>
+              <a:rPr lang="en-US" sz="3600" u="none" strike="noStrike" cap="none" dirty="0">
+                <a:solidFill>
+                  <a:schemeClr val="lt1"/>
+                </a:solidFill>
+                <a:latin typeface="Arial" charset="0"/>
+                <a:ea typeface="Arial" charset="0"/>
+                <a:cs typeface="Arial" charset="0"/>
+                <a:sym typeface="Cabin"/>
+              </a:rPr>
+              <a:t>We can define more than one </a:t>
+            </a:r>
+            <a:r>
+              <a:rPr lang="en-US" sz="3600" u="none" strike="noStrike" cap="none" dirty="0">
+                <a:solidFill>
+                  <a:srgbClr val="00FFFF"/>
+                </a:solidFill>
+                <a:latin typeface="Arial" charset="0"/>
+                <a:ea typeface="Arial" charset="0"/>
+                <a:cs typeface="Arial" charset="0"/>
+                <a:sym typeface="Cabin"/>
+              </a:rPr>
+              <a:t>parameter</a:t>
+            </a:r>
+            <a:r>
+              <a:rPr lang="en-US" sz="3600" u="none" strike="noStrike" cap="none" dirty="0">
+                <a:solidFill>
+                  <a:schemeClr val="lt1"/>
+                </a:solidFill>
+                <a:latin typeface="Arial" charset="0"/>
+                <a:ea typeface="Arial" charset="0"/>
+                <a:cs typeface="Arial" charset="0"/>
+                <a:sym typeface="Cabin"/>
+              </a:rPr>
+              <a:t> in the </a:t>
+            </a:r>
+            <a:r>
+              <a:rPr lang="en-US" sz="3600" u="none" strike="noStrike" cap="none" dirty="0">
+                <a:solidFill>
+                  <a:srgbClr val="00FF00"/>
+                </a:solidFill>
+                <a:latin typeface="Arial" charset="0"/>
+                <a:ea typeface="Arial" charset="0"/>
+                <a:cs typeface="Arial" charset="0"/>
+                <a:sym typeface="Cabin"/>
+              </a:rPr>
+              <a:t>function</a:t>
+            </a:r>
+            <a:r>
+              <a:rPr lang="en-US" sz="3600" u="none" strike="noStrike" cap="none" dirty="0">
+                <a:solidFill>
+                  <a:srgbClr val="FFFF00"/>
+                </a:solidFill>
+                <a:latin typeface="Arial" charset="0"/>
+                <a:ea typeface="Arial" charset="0"/>
+                <a:cs typeface="Arial" charset="0"/>
+                <a:sym typeface="Cabin"/>
+              </a:rPr>
+              <a:t> definition</a:t>
+            </a:r>
+          </a:p>
+          <a:p>
+            <a:pPr marL="749300" marR="0" lvl="0" indent="-371094" algn="l" rtl="0">
+              <a:lnSpc>
+                <a:spcPct val="100000"/>
+              </a:lnSpc>
+              <a:spcBef>
+                <a:spcPts val="3500"/>
+              </a:spcBef>
+              <a:spcAft>
+                <a:spcPts val="0"/>
+              </a:spcAft>
+              <a:buClr>
+                <a:schemeClr val="lt1"/>
+              </a:buClr>
+              <a:buSzPct val="100000"/>
+              <a:buFont typeface="Cabin"/>
+              <a:buChar char="•"/>
+            </a:pPr>
+            <a:r>
+              <a:rPr lang="en-US" sz="3600" u="none" strike="noStrike" cap="none" dirty="0">
+                <a:solidFill>
+                  <a:schemeClr val="lt1"/>
+                </a:solidFill>
+                <a:latin typeface="Arial" charset="0"/>
+                <a:ea typeface="Arial" charset="0"/>
+                <a:cs typeface="Arial" charset="0"/>
+                <a:sym typeface="Cabin"/>
+              </a:rPr>
+              <a:t>We simply add more </a:t>
+            </a:r>
+            <a:r>
+              <a:rPr lang="en-US" sz="3600" u="none" strike="noStrike" cap="none" dirty="0">
+                <a:solidFill>
+                  <a:srgbClr val="FF7F00"/>
+                </a:solidFill>
+                <a:latin typeface="Arial" charset="0"/>
+                <a:ea typeface="Arial" charset="0"/>
+                <a:cs typeface="Arial" charset="0"/>
+                <a:sym typeface="Cabin"/>
+              </a:rPr>
+              <a:t>arguments</a:t>
+            </a:r>
+            <a:r>
+              <a:rPr lang="en-US" sz="3600" u="none" strike="noStrike" cap="none" dirty="0">
+                <a:solidFill>
+                  <a:schemeClr val="lt1"/>
+                </a:solidFill>
+                <a:latin typeface="Arial" charset="0"/>
+                <a:ea typeface="Arial" charset="0"/>
+                <a:cs typeface="Arial" charset="0"/>
+                <a:sym typeface="Cabin"/>
+              </a:rPr>
+              <a:t> when we call the </a:t>
+            </a:r>
+            <a:r>
+              <a:rPr lang="en-US" sz="3600" u="none" strike="noStrike" cap="none" dirty="0">
+                <a:solidFill>
+                  <a:srgbClr val="00FF00"/>
+                </a:solidFill>
+                <a:latin typeface="Arial" charset="0"/>
+                <a:ea typeface="Arial" charset="0"/>
+                <a:cs typeface="Arial" charset="0"/>
+                <a:sym typeface="Cabin"/>
+              </a:rPr>
+              <a:t>function</a:t>
+            </a:r>
+          </a:p>
+          <a:p>
+            <a:pPr marL="749300" marR="0" lvl="0" indent="-371094" algn="l" rtl="0">
+              <a:lnSpc>
+                <a:spcPct val="100000"/>
+              </a:lnSpc>
+              <a:spcBef>
+                <a:spcPts val="3500"/>
+              </a:spcBef>
+              <a:spcAft>
+                <a:spcPts val="0"/>
+              </a:spcAft>
+              <a:buClr>
+                <a:schemeClr val="lt1"/>
+              </a:buClr>
+              <a:buSzPct val="100000"/>
+              <a:buFont typeface="Cabin"/>
+              <a:buChar char="•"/>
+            </a:pPr>
+            <a:r>
+              <a:rPr lang="en-US" sz="3600" u="none" strike="noStrike" cap="none" dirty="0">
+                <a:solidFill>
+                  <a:schemeClr val="lt1"/>
+                </a:solidFill>
+                <a:latin typeface="Arial" charset="0"/>
+                <a:ea typeface="Arial" charset="0"/>
+                <a:cs typeface="Arial" charset="0"/>
+                <a:sym typeface="Cabin"/>
+              </a:rPr>
+              <a:t>We match the number and order of arguments and parameters</a:t>
+            </a:r>
+          </a:p>
+        </p:txBody>
+      </p:sp>
+      <p:sp>
+        <p:nvSpPr>
+          <p:cNvPr id="379" name="Shape 379"/>
+          <p:cNvSpPr txBox="1"/>
+          <p:nvPr/>
+        </p:nvSpPr>
+        <p:spPr>
+          <a:xfrm>
+            <a:off x="9966100" y="3380664"/>
+            <a:ext cx="5481000" cy="3934825"/>
+          </a:xfrm>
+          <a:prstGeom prst="rect">
+            <a:avLst/>
+          </a:prstGeom>
+          <a:noFill/>
+          <a:ln>
+            <a:noFill/>
+          </a:ln>
+        </p:spPr>
+        <p:txBody>
+          <a:bodyPr lIns="0" tIns="0" rIns="0" bIns="0" anchor="ctr" anchorCtr="0">
+            <a:noAutofit/>
+          </a:bodyPr>
+          <a:lstStyle/>
+          <a:p>
+            <a:pPr marL="0" marR="0" lvl="0" indent="0" algn="l" rtl="0">
+              <a:lnSpc>
+                <a:spcPct val="100000"/>
+              </a:lnSpc>
+              <a:spcBef>
+                <a:spcPts val="0"/>
+              </a:spcBef>
+              <a:spcAft>
+                <a:spcPts val="0"/>
+              </a:spcAft>
+              <a:buClr>
+                <a:srgbClr val="FFFF00"/>
+              </a:buClr>
+              <a:buSzPct val="25000"/>
+              <a:buFont typeface="Cabin"/>
+              <a:buNone/>
+            </a:pPr>
+            <a:r>
+              <a:rPr lang="en-US" sz="3000" b="1" i="0" u="none" strike="noStrike" cap="none" dirty="0" err="1">
+                <a:solidFill>
+                  <a:srgbClr val="FFFF00"/>
+                </a:solidFill>
+                <a:latin typeface="Courier New"/>
+                <a:ea typeface="Courier New"/>
+                <a:cs typeface="Courier New"/>
+                <a:sym typeface="Courier New"/>
+              </a:rPr>
+              <a:t>def</a:t>
+            </a:r>
+            <a:r>
+              <a:rPr lang="en-US" sz="3000" b="1" i="0" u="none" strike="noStrike" cap="none" dirty="0">
+                <a:solidFill>
+                  <a:schemeClr val="lt1"/>
+                </a:solidFill>
+                <a:latin typeface="Courier New"/>
+                <a:ea typeface="Courier New"/>
+                <a:cs typeface="Courier New"/>
+                <a:sym typeface="Courier New"/>
+              </a:rPr>
+              <a:t> </a:t>
+            </a:r>
+            <a:r>
+              <a:rPr lang="en-US" sz="3000" b="1" i="0" u="none" strike="noStrike" cap="none" dirty="0" err="1">
+                <a:solidFill>
+                  <a:srgbClr val="00FF00"/>
+                </a:solidFill>
+                <a:latin typeface="Courier New"/>
+                <a:ea typeface="Courier New"/>
+                <a:cs typeface="Courier New"/>
+                <a:sym typeface="Courier New"/>
+              </a:rPr>
+              <a:t>addtwo</a:t>
+            </a:r>
+            <a:r>
+              <a:rPr lang="en-US" sz="3000" b="1" i="0" u="none" strike="noStrike" cap="none" dirty="0">
+                <a:solidFill>
+                  <a:schemeClr val="lt1"/>
+                </a:solidFill>
+                <a:latin typeface="Courier New"/>
+                <a:ea typeface="Courier New"/>
+                <a:cs typeface="Courier New"/>
+                <a:sym typeface="Courier New"/>
+              </a:rPr>
+              <a:t>(</a:t>
+            </a:r>
+            <a:r>
+              <a:rPr lang="en-US" sz="3000" b="1" i="0" u="none" strike="noStrike" cap="none" dirty="0">
+                <a:solidFill>
+                  <a:srgbClr val="00FFFF"/>
+                </a:solidFill>
+                <a:latin typeface="Courier New"/>
+                <a:ea typeface="Courier New"/>
+                <a:cs typeface="Courier New"/>
+                <a:sym typeface="Courier New"/>
+              </a:rPr>
+              <a:t>a, b</a:t>
+            </a:r>
+            <a:r>
+              <a:rPr lang="en-US" sz="3000" b="1" i="0" u="none" strike="noStrike" cap="none" dirty="0">
+                <a:solidFill>
+                  <a:schemeClr val="lt1"/>
+                </a:solidFill>
+                <a:latin typeface="Courier New"/>
+                <a:ea typeface="Courier New"/>
+                <a:cs typeface="Courier New"/>
+                <a:sym typeface="Courier New"/>
+              </a:rPr>
+              <a:t>):</a:t>
+            </a:r>
+          </a:p>
+          <a:p>
+            <a:pPr marL="0" marR="0" lvl="0" indent="0" algn="l" rtl="0">
+              <a:lnSpc>
+                <a:spcPct val="100000"/>
+              </a:lnSpc>
+              <a:spcBef>
+                <a:spcPts val="0"/>
+              </a:spcBef>
+              <a:spcAft>
+                <a:spcPts val="0"/>
+              </a:spcAft>
+              <a:buClr>
+                <a:schemeClr val="lt1"/>
+              </a:buClr>
+              <a:buSzPct val="25000"/>
+              <a:buFont typeface="Cabin"/>
+              <a:buNone/>
+            </a:pPr>
+            <a:r>
+              <a:rPr lang="en-US" sz="3000" b="1" i="0" u="none" strike="noStrike" cap="none" dirty="0">
+                <a:solidFill>
+                  <a:schemeClr val="lt1"/>
+                </a:solidFill>
+                <a:latin typeface="Courier New"/>
+                <a:ea typeface="Courier New"/>
+                <a:cs typeface="Courier New"/>
+                <a:sym typeface="Courier New"/>
+              </a:rPr>
+              <a:t>    added = </a:t>
+            </a:r>
+            <a:r>
+              <a:rPr lang="en-US" sz="3000" b="1" i="0" u="none" strike="noStrike" cap="none" dirty="0">
+                <a:solidFill>
+                  <a:srgbClr val="00FFFF"/>
+                </a:solidFill>
+                <a:latin typeface="Courier New"/>
+                <a:ea typeface="Courier New"/>
+                <a:cs typeface="Courier New"/>
+                <a:sym typeface="Courier New"/>
+              </a:rPr>
+              <a:t>a</a:t>
+            </a:r>
+            <a:r>
+              <a:rPr lang="en-US" sz="3000" b="1" i="0" u="none" strike="noStrike" cap="none" dirty="0">
+                <a:solidFill>
+                  <a:schemeClr val="lt1"/>
+                </a:solidFill>
+                <a:latin typeface="Courier New"/>
+                <a:ea typeface="Courier New"/>
+                <a:cs typeface="Courier New"/>
+                <a:sym typeface="Courier New"/>
+              </a:rPr>
+              <a:t> + </a:t>
+            </a:r>
+            <a:r>
+              <a:rPr lang="en-US" sz="3000" b="1" i="0" u="none" strike="noStrike" cap="none" dirty="0">
+                <a:solidFill>
+                  <a:srgbClr val="00FFFF"/>
+                </a:solidFill>
+                <a:latin typeface="Courier New"/>
+                <a:ea typeface="Courier New"/>
+                <a:cs typeface="Courier New"/>
+                <a:sym typeface="Courier New"/>
+              </a:rPr>
+              <a:t>b</a:t>
+            </a:r>
+          </a:p>
+          <a:p>
+            <a:pPr marL="0" marR="0" lvl="0" indent="0" algn="l" rtl="0">
+              <a:lnSpc>
+                <a:spcPct val="100000"/>
+              </a:lnSpc>
+              <a:spcBef>
+                <a:spcPts val="0"/>
+              </a:spcBef>
+              <a:spcAft>
+                <a:spcPts val="0"/>
+              </a:spcAft>
+              <a:buClr>
+                <a:schemeClr val="lt1"/>
+              </a:buClr>
+              <a:buSzPct val="25000"/>
+              <a:buFont typeface="Cabin"/>
+              <a:buNone/>
+            </a:pPr>
+            <a:r>
+              <a:rPr lang="en-US" sz="3000" b="1" i="0" u="none" strike="noStrike" cap="none" dirty="0">
+                <a:solidFill>
+                  <a:schemeClr val="lt1"/>
+                </a:solidFill>
+                <a:latin typeface="Courier New"/>
+                <a:ea typeface="Courier New"/>
+                <a:cs typeface="Courier New"/>
+                <a:sym typeface="Courier New"/>
+              </a:rPr>
+              <a:t>    </a:t>
+            </a:r>
+            <a:r>
+              <a:rPr lang="en-US" sz="3000" b="1" i="0" u="none" strike="noStrike" cap="none" dirty="0">
+                <a:solidFill>
+                  <a:srgbClr val="FFFF00"/>
+                </a:solidFill>
+                <a:latin typeface="Courier New"/>
+                <a:ea typeface="Courier New"/>
+                <a:cs typeface="Courier New"/>
+                <a:sym typeface="Courier New"/>
+              </a:rPr>
+              <a:t>return</a:t>
+            </a:r>
+            <a:r>
+              <a:rPr lang="en-US" sz="3000" b="1" i="0" u="none" strike="noStrike" cap="none" dirty="0">
+                <a:solidFill>
+                  <a:schemeClr val="lt1"/>
+                </a:solidFill>
+                <a:latin typeface="Courier New"/>
+                <a:ea typeface="Courier New"/>
+                <a:cs typeface="Courier New"/>
+                <a:sym typeface="Courier New"/>
+              </a:rPr>
+              <a:t> added</a:t>
+            </a:r>
+          </a:p>
+          <a:p>
+            <a:pPr marL="0" marR="0" lvl="0" indent="0" algn="l" rtl="0">
+              <a:lnSpc>
+                <a:spcPct val="100000"/>
+              </a:lnSpc>
+              <a:spcBef>
+                <a:spcPts val="0"/>
+              </a:spcBef>
+              <a:spcAft>
+                <a:spcPts val="0"/>
+              </a:spcAft>
+              <a:buClr>
+                <a:schemeClr val="lt1"/>
+              </a:buClr>
+              <a:buFont typeface="Cabin"/>
+              <a:buNone/>
+            </a:pPr>
+            <a:endParaRPr sz="3000" b="1" dirty="0">
+              <a:solidFill>
+                <a:schemeClr val="lt1"/>
+              </a:solidFill>
+              <a:latin typeface="Courier New"/>
+              <a:ea typeface="Courier New"/>
+              <a:cs typeface="Courier New"/>
+              <a:sym typeface="Courier New"/>
+            </a:endParaRPr>
+          </a:p>
+          <a:p>
+            <a:pPr marL="0" marR="0" lvl="0" indent="0" algn="l" rtl="0">
+              <a:lnSpc>
+                <a:spcPct val="100000"/>
+              </a:lnSpc>
+              <a:spcBef>
+                <a:spcPts val="0"/>
+              </a:spcBef>
+              <a:spcAft>
+                <a:spcPts val="0"/>
+              </a:spcAft>
+              <a:buClr>
+                <a:schemeClr val="lt1"/>
+              </a:buClr>
+              <a:buSzPct val="25000"/>
+              <a:buFont typeface="Cabin"/>
+              <a:buNone/>
+            </a:pPr>
+            <a:r>
+              <a:rPr lang="en-US" sz="3000" b="1" i="0" u="none" strike="noStrike" cap="none" dirty="0">
+                <a:solidFill>
+                  <a:schemeClr val="lt1"/>
+                </a:solidFill>
+                <a:latin typeface="Courier New"/>
+                <a:ea typeface="Courier New"/>
+                <a:cs typeface="Courier New"/>
+                <a:sym typeface="Courier New"/>
+              </a:rPr>
+              <a:t>x = </a:t>
+            </a:r>
+            <a:r>
+              <a:rPr lang="en-US" sz="3000" b="1" i="0" u="none" strike="noStrike" cap="none" dirty="0" err="1">
+                <a:solidFill>
+                  <a:srgbClr val="00FF00"/>
+                </a:solidFill>
+                <a:latin typeface="Courier New"/>
+                <a:ea typeface="Courier New"/>
+                <a:cs typeface="Courier New"/>
+                <a:sym typeface="Courier New"/>
+              </a:rPr>
+              <a:t>addtwo</a:t>
+            </a:r>
+            <a:r>
+              <a:rPr lang="en-US" sz="3000" b="1" i="0" u="none" strike="noStrike" cap="none" dirty="0">
+                <a:solidFill>
+                  <a:schemeClr val="lt1"/>
+                </a:solidFill>
+                <a:latin typeface="Courier New"/>
+                <a:ea typeface="Courier New"/>
+                <a:cs typeface="Courier New"/>
+                <a:sym typeface="Courier New"/>
+              </a:rPr>
+              <a:t>(</a:t>
+            </a:r>
+            <a:r>
+              <a:rPr lang="en-US" sz="3000" b="1" i="0" u="none" strike="noStrike" cap="none" dirty="0">
+                <a:solidFill>
+                  <a:srgbClr val="FF7F00"/>
+                </a:solidFill>
+                <a:latin typeface="Courier New"/>
+                <a:ea typeface="Courier New"/>
+                <a:cs typeface="Courier New"/>
+                <a:sym typeface="Courier New"/>
+              </a:rPr>
+              <a:t>3, 5</a:t>
+            </a:r>
+            <a:r>
+              <a:rPr lang="en-US" sz="3000" b="1" i="0" u="none" strike="noStrike" cap="none" dirty="0">
+                <a:solidFill>
+                  <a:schemeClr val="lt1"/>
+                </a:solidFill>
+                <a:latin typeface="Courier New"/>
+                <a:ea typeface="Courier New"/>
+                <a:cs typeface="Courier New"/>
+                <a:sym typeface="Courier New"/>
+              </a:rPr>
+              <a:t>)</a:t>
+            </a:r>
+          </a:p>
+          <a:p>
+            <a:pPr marL="0" marR="0" lvl="0" indent="0" algn="l" rtl="0">
+              <a:lnSpc>
+                <a:spcPct val="100000"/>
+              </a:lnSpc>
+              <a:spcBef>
+                <a:spcPts val="0"/>
+              </a:spcBef>
+              <a:spcAft>
+                <a:spcPts val="0"/>
+              </a:spcAft>
+              <a:buClr>
+                <a:srgbClr val="FFFF00"/>
+              </a:buClr>
+              <a:buSzPct val="25000"/>
+              <a:buFont typeface="Cabin"/>
+              <a:buNone/>
+            </a:pPr>
+            <a:r>
+              <a:rPr lang="en-US" sz="3000" b="1" i="0" u="none" strike="noStrike" cap="none" dirty="0" smtClean="0">
+                <a:solidFill>
+                  <a:srgbClr val="FFFF00"/>
+                </a:solidFill>
+                <a:latin typeface="Courier New"/>
+                <a:ea typeface="Courier New"/>
+                <a:cs typeface="Courier New"/>
+                <a:sym typeface="Courier New"/>
+              </a:rPr>
+              <a:t>print</a:t>
+            </a:r>
+            <a:r>
+              <a:rPr lang="en-US" sz="3000" b="1" dirty="0" smtClean="0">
+                <a:solidFill>
+                  <a:schemeClr val="lt1"/>
+                </a:solidFill>
+                <a:latin typeface="Courier New"/>
+                <a:ea typeface="Courier New"/>
+                <a:cs typeface="Courier New"/>
+                <a:sym typeface="Courier New"/>
+              </a:rPr>
+              <a:t>(</a:t>
+            </a:r>
+            <a:r>
+              <a:rPr lang="en-US" sz="3000" b="1" i="0" u="none" strike="noStrike" cap="none" dirty="0" smtClean="0">
+                <a:solidFill>
+                  <a:schemeClr val="lt1"/>
+                </a:solidFill>
+                <a:latin typeface="Courier New"/>
+                <a:ea typeface="Courier New"/>
+                <a:cs typeface="Courier New"/>
+                <a:sym typeface="Courier New"/>
+              </a:rPr>
+              <a:t>x)</a:t>
+            </a:r>
+          </a:p>
+          <a:p>
+            <a:pPr marL="0" marR="0" lvl="0" indent="0" algn="l" rtl="0">
+              <a:lnSpc>
+                <a:spcPct val="100000"/>
+              </a:lnSpc>
+              <a:spcBef>
+                <a:spcPts val="0"/>
+              </a:spcBef>
+              <a:spcAft>
+                <a:spcPts val="0"/>
+              </a:spcAft>
+              <a:buClr>
+                <a:srgbClr val="FFFF00"/>
+              </a:buClr>
+              <a:buSzPct val="25000"/>
+              <a:buFont typeface="Cabin"/>
+              <a:buNone/>
+            </a:pPr>
+            <a:endParaRPr lang="en-US" sz="3000" b="1" i="0" u="none" strike="noStrike" cap="none" dirty="0">
+              <a:solidFill>
+                <a:schemeClr val="lt1"/>
+              </a:solidFill>
+              <a:latin typeface="Courier New"/>
+              <a:ea typeface="Courier New"/>
+              <a:cs typeface="Courier New"/>
+              <a:sym typeface="Courier New"/>
+            </a:endParaRPr>
+          </a:p>
+          <a:p>
+            <a:pPr marL="0" marR="0" lvl="0" indent="0" algn="l" rtl="0">
+              <a:lnSpc>
+                <a:spcPct val="100000"/>
+              </a:lnSpc>
+              <a:spcBef>
+                <a:spcPts val="0"/>
+              </a:spcBef>
+              <a:spcAft>
+                <a:spcPts val="0"/>
+              </a:spcAft>
+              <a:buClr>
+                <a:srgbClr val="FFFF00"/>
+              </a:buClr>
+              <a:buSzPct val="25000"/>
+              <a:buFont typeface="Cabin"/>
+              <a:buNone/>
+            </a:pPr>
+            <a:r>
+              <a:rPr lang="en-US" sz="3000" b="1" dirty="0">
+                <a:solidFill>
+                  <a:srgbClr val="00FF00"/>
+                </a:solidFill>
+                <a:latin typeface="Courier New"/>
+                <a:ea typeface="Courier New"/>
+                <a:cs typeface="Courier New"/>
+                <a:sym typeface="Courier New"/>
+              </a:rPr>
+              <a:t>8</a:t>
+            </a:r>
+          </a:p>
+        </p:txBody>
+      </p:sp>
+    </p:spTree>
+  </p:cSld>
+  <p:clrMapOvr>
+    <a:masterClrMapping/>
+  </p:clrMapOvr>
+  <p:timing>
+    <p:tnLst>
+      <p:par>
+        <p:cTn id="1" dur="indefinite" restart="never" nodeType="tmRoot"/>
+      </p:par>
+    </p:tnLst>
+  </p:timing>
+</p:sld>
+</file>
+
+<file path=ppt/slides/slide21.xml><?xml version="1.0" encoding="utf-8"?>
 <p:sld xmlns:a="http://schemas.openxmlformats.org/drawingml/2006/main" xmlns:r="http://schemas.openxmlformats.org/officeDocument/2006/relationships" xmlns:p="http://schemas.openxmlformats.org/presentationml/2006/main">
   <p:cSld>
     <p:spTree>
@@ -16804,10 +17015,17 @@
   <p:clrMapOvr>
     <a:masterClrMapping/>
   </p:clrMapOvr>
+  <p:timing>
+    <p:tnLst>
+      <p:par>
+        <p:cTn id="1" dur="indefinite" restart="never" nodeType="tmRoot"/>
+      </p:par>
+    </p:tnLst>
+  </p:timing>
 </p:sld>
 </file>
 
-<file path=ppt/slides/slide21.xml><?xml version="1.0" encoding="utf-8"?>
+<file path=ppt/slides/slide22.xml><?xml version="1.0" encoding="utf-8"?>
 <p:sld xmlns:a="http://schemas.openxmlformats.org/drawingml/2006/main" xmlns:r="http://schemas.openxmlformats.org/officeDocument/2006/relationships" xmlns:p="http://schemas.openxmlformats.org/presentationml/2006/main">
   <p:cSld>
     <p:spTree>
@@ -17144,419 +17362,13 @@
   <p:clrMapOvr>
     <a:masterClrMapping/>
   </p:clrMapOvr>
-</p:sld>
-</file>
-
-<file path=ppt/slides/slide22.xml><?xml version="1.0" encoding="utf-8"?>
-<p:sld xmlns:a="http://schemas.openxmlformats.org/drawingml/2006/main" xmlns:r="http://schemas.openxmlformats.org/officeDocument/2006/relationships" xmlns:p="http://schemas.openxmlformats.org/presentationml/2006/main">
-  <p:cSld>
-    <p:spTree>
-      <p:nvGrpSpPr>
-        <p:cNvPr id="1" name="Shape 395"/>
-        <p:cNvGrpSpPr/>
-        <p:nvPr/>
-      </p:nvGrpSpPr>
-      <p:grpSpPr>
-        <a:xfrm>
-          <a:off x="0" y="0"/>
-          <a:ext cx="0" cy="0"/>
-          <a:chOff x="0" y="0"/>
-          <a:chExt cx="0" cy="0"/>
-        </a:xfrm>
-      </p:grpSpPr>
-      <p:sp>
-        <p:nvSpPr>
-          <p:cNvPr id="396" name="Shape 396"/>
-          <p:cNvSpPr txBox="1"/>
-          <p:nvPr/>
-        </p:nvSpPr>
-        <p:spPr>
-          <a:xfrm>
-            <a:off x="735013" y="871538"/>
-            <a:ext cx="1993900" cy="660400"/>
-          </a:xfrm>
-          <a:prstGeom prst="rect">
-            <a:avLst/>
-          </a:prstGeom>
-          <a:noFill/>
-          <a:ln>
-            <a:noFill/>
-          </a:ln>
-        </p:spPr>
-        <p:txBody>
-          <a:bodyPr lIns="0" tIns="0" rIns="0" bIns="0" anchor="ctr" anchorCtr="0">
-            <a:noAutofit/>
-          </a:bodyPr>
-          <a:lstStyle/>
-          <a:p>
-            <a:pPr marL="0" marR="0" lvl="0" indent="0" algn="ctr" rtl="0">
-              <a:lnSpc>
-                <a:spcPct val="100000"/>
-              </a:lnSpc>
-              <a:spcBef>
-                <a:spcPts val="0"/>
-              </a:spcBef>
-              <a:spcAft>
-                <a:spcPts val="0"/>
-              </a:spcAft>
-              <a:buClr>
-                <a:srgbClr val="00FF00"/>
-              </a:buClr>
-              <a:buSzPct val="25000"/>
-              <a:buFont typeface="Cabin"/>
-              <a:buNone/>
-            </a:pPr>
-            <a:r>
-              <a:rPr lang="en-US" sz="3800" u="none" strike="noStrike" cap="none">
-                <a:solidFill>
-                  <a:srgbClr val="FFFF00"/>
-                </a:solidFill>
-                <a:latin typeface="Arial" charset="0"/>
-                <a:ea typeface="Arial" charset="0"/>
-                <a:cs typeface="Arial" charset="0"/>
-                <a:sym typeface="Cabin"/>
-              </a:rPr>
-              <a:t>Exercise</a:t>
-            </a:r>
-          </a:p>
-        </p:txBody>
-      </p:sp>
-      <p:sp>
-        <p:nvSpPr>
-          <p:cNvPr id="397" name="Shape 397"/>
-          <p:cNvSpPr txBox="1"/>
-          <p:nvPr/>
-        </p:nvSpPr>
-        <p:spPr>
-          <a:xfrm>
-            <a:off x="3136900" y="2133599"/>
-            <a:ext cx="10706100" cy="4712855"/>
-          </a:xfrm>
-          <a:prstGeom prst="rect">
-            <a:avLst/>
-          </a:prstGeom>
-          <a:noFill/>
-          <a:ln>
-            <a:noFill/>
-          </a:ln>
-        </p:spPr>
-        <p:txBody>
-          <a:bodyPr lIns="0" tIns="0" rIns="0" bIns="0" anchor="ctr" anchorCtr="0">
-            <a:noAutofit/>
-          </a:bodyPr>
-          <a:lstStyle/>
-          <a:p>
-            <a:pPr marL="0" marR="0" lvl="0" indent="0" algn="l" rtl="0">
-              <a:lnSpc>
-                <a:spcPct val="100000"/>
-              </a:lnSpc>
-              <a:spcBef>
-                <a:spcPts val="0"/>
-              </a:spcBef>
-              <a:spcAft>
-                <a:spcPts val="0"/>
-              </a:spcAft>
-              <a:buClr>
-                <a:schemeClr val="lt1"/>
-              </a:buClr>
-              <a:buSzPct val="25000"/>
-              <a:buFont typeface="Cabin"/>
-              <a:buNone/>
-            </a:pPr>
-            <a:r>
-              <a:rPr lang="en-US" sz="3800" u="none" strike="noStrike" cap="none" dirty="0">
-                <a:solidFill>
-                  <a:schemeClr val="lt1"/>
-                </a:solidFill>
-                <a:latin typeface="Arial" charset="0"/>
-                <a:ea typeface="Arial" charset="0"/>
-                <a:cs typeface="Arial" charset="0"/>
-                <a:sym typeface="Cabin"/>
-              </a:rPr>
-              <a:t>Rewrite your pay computation with time-and-a-half for overtime and create a function called </a:t>
-            </a:r>
-            <a:r>
-              <a:rPr lang="en-US" sz="3800" u="none" strike="noStrike" cap="none" dirty="0" err="1">
-                <a:solidFill>
-                  <a:srgbClr val="00FF00"/>
-                </a:solidFill>
-                <a:latin typeface="Arial" charset="0"/>
-                <a:ea typeface="Arial" charset="0"/>
-                <a:cs typeface="Arial" charset="0"/>
-                <a:sym typeface="Cabin"/>
-              </a:rPr>
-              <a:t>computepay</a:t>
-            </a:r>
-            <a:r>
-              <a:rPr lang="en-US" sz="3800" u="none" strike="noStrike" cap="none" dirty="0">
-                <a:solidFill>
-                  <a:schemeClr val="lt1"/>
-                </a:solidFill>
-                <a:latin typeface="Arial" charset="0"/>
-                <a:ea typeface="Arial" charset="0"/>
-                <a:cs typeface="Arial" charset="0"/>
-                <a:sym typeface="Cabin"/>
-              </a:rPr>
-              <a:t> which takes two parameters ( hours and  rate).</a:t>
-            </a:r>
-          </a:p>
-          <a:p>
-            <a:pPr marL="0" marR="0" lvl="0" indent="0" algn="l" rtl="0">
-              <a:lnSpc>
-                <a:spcPct val="100000"/>
-              </a:lnSpc>
-              <a:spcBef>
-                <a:spcPts val="0"/>
-              </a:spcBef>
-              <a:spcAft>
-                <a:spcPts val="0"/>
-              </a:spcAft>
-              <a:buClr>
-                <a:schemeClr val="lt1"/>
-              </a:buClr>
-              <a:buFont typeface="Cabin"/>
-              <a:buNone/>
-            </a:pPr>
-            <a:endParaRPr sz="3800" dirty="0">
-              <a:solidFill>
-                <a:schemeClr val="lt1"/>
-              </a:solidFill>
-              <a:latin typeface="Arial" charset="0"/>
-              <a:ea typeface="Arial" charset="0"/>
-              <a:cs typeface="Arial" charset="0"/>
-              <a:sym typeface="Cabin"/>
-            </a:endParaRPr>
-          </a:p>
-          <a:p>
-            <a:pPr marL="0" marR="0" lvl="0" indent="0" algn="l" rtl="0">
-              <a:lnSpc>
-                <a:spcPct val="100000"/>
-              </a:lnSpc>
-              <a:spcBef>
-                <a:spcPts val="0"/>
-              </a:spcBef>
-              <a:spcAft>
-                <a:spcPts val="0"/>
-              </a:spcAft>
-              <a:buClr>
-                <a:schemeClr val="lt1"/>
-              </a:buClr>
-              <a:buSzPct val="25000"/>
-              <a:buFont typeface="Cabin"/>
-              <a:buNone/>
-            </a:pPr>
-            <a:r>
-              <a:rPr lang="en-US" sz="3800" u="none" strike="noStrike" cap="none" dirty="0">
-                <a:solidFill>
-                  <a:schemeClr val="lt1"/>
-                </a:solidFill>
-                <a:latin typeface="Arial" charset="0"/>
-                <a:ea typeface="Arial" charset="0"/>
-                <a:cs typeface="Arial" charset="0"/>
-                <a:sym typeface="Cabin"/>
-              </a:rPr>
-              <a:t>Enter Hours: </a:t>
-            </a:r>
-            <a:r>
-              <a:rPr lang="en-US" sz="3800" u="none" strike="noStrike" cap="none" dirty="0">
-                <a:solidFill>
-                  <a:srgbClr val="FFFF00"/>
-                </a:solidFill>
-                <a:latin typeface="Arial" charset="0"/>
-                <a:ea typeface="Arial" charset="0"/>
-                <a:cs typeface="Arial" charset="0"/>
-                <a:sym typeface="Cabin"/>
-              </a:rPr>
-              <a:t>45</a:t>
-            </a:r>
-          </a:p>
-          <a:p>
-            <a:pPr marL="0" marR="0" lvl="0" indent="0" algn="l" rtl="0">
-              <a:lnSpc>
-                <a:spcPct val="100000"/>
-              </a:lnSpc>
-              <a:spcBef>
-                <a:spcPts val="0"/>
-              </a:spcBef>
-              <a:spcAft>
-                <a:spcPts val="0"/>
-              </a:spcAft>
-              <a:buClr>
-                <a:schemeClr val="lt1"/>
-              </a:buClr>
-              <a:buSzPct val="25000"/>
-              <a:buFont typeface="Cabin"/>
-              <a:buNone/>
-            </a:pPr>
-            <a:r>
-              <a:rPr lang="en-US" sz="3800" u="none" strike="noStrike" cap="none" dirty="0">
-                <a:solidFill>
-                  <a:schemeClr val="lt1"/>
-                </a:solidFill>
-                <a:latin typeface="Arial" charset="0"/>
-                <a:ea typeface="Arial" charset="0"/>
-                <a:cs typeface="Arial" charset="0"/>
-                <a:sym typeface="Cabin"/>
-              </a:rPr>
-              <a:t>Enter Rate: </a:t>
-            </a:r>
-            <a:r>
-              <a:rPr lang="en-US" sz="3800" u="none" strike="noStrike" cap="none" dirty="0">
-                <a:solidFill>
-                  <a:srgbClr val="FFFF00"/>
-                </a:solidFill>
-                <a:latin typeface="Arial" charset="0"/>
-                <a:ea typeface="Arial" charset="0"/>
-                <a:cs typeface="Arial" charset="0"/>
-                <a:sym typeface="Cabin"/>
-              </a:rPr>
-              <a:t>10</a:t>
-            </a:r>
-            <a:r>
-              <a:rPr lang="en-US" sz="3800" u="none" strike="noStrike" cap="none" dirty="0">
-                <a:solidFill>
-                  <a:schemeClr val="lt1"/>
-                </a:solidFill>
-                <a:latin typeface="Arial" charset="0"/>
-                <a:ea typeface="Arial" charset="0"/>
-                <a:cs typeface="Arial" charset="0"/>
-                <a:sym typeface="Cabin"/>
-              </a:rPr>
-              <a:t> </a:t>
-            </a:r>
-            <a:endParaRPr lang="en-US" sz="3800" u="none" strike="noStrike" cap="none" dirty="0" smtClean="0">
-              <a:solidFill>
-                <a:schemeClr val="lt1"/>
-              </a:solidFill>
-              <a:latin typeface="Arial" charset="0"/>
-              <a:ea typeface="Arial" charset="0"/>
-              <a:cs typeface="Arial" charset="0"/>
-              <a:sym typeface="Cabin"/>
-            </a:endParaRPr>
-          </a:p>
-          <a:p>
-            <a:pPr marL="0" marR="0" lvl="0" indent="0" algn="l" rtl="0">
-              <a:lnSpc>
-                <a:spcPct val="100000"/>
-              </a:lnSpc>
-              <a:spcBef>
-                <a:spcPts val="0"/>
-              </a:spcBef>
-              <a:spcAft>
-                <a:spcPts val="0"/>
-              </a:spcAft>
-              <a:buClr>
-                <a:schemeClr val="lt1"/>
-              </a:buClr>
-              <a:buSzPct val="25000"/>
-              <a:buFont typeface="Cabin"/>
-              <a:buNone/>
-            </a:pPr>
-            <a:endParaRPr lang="en-US" sz="3800" u="none" strike="noStrike" cap="none" dirty="0">
-              <a:solidFill>
-                <a:schemeClr val="lt1"/>
-              </a:solidFill>
-              <a:latin typeface="Arial" charset="0"/>
-              <a:ea typeface="Arial" charset="0"/>
-              <a:cs typeface="Arial" charset="0"/>
-              <a:sym typeface="Cabin"/>
-            </a:endParaRPr>
-          </a:p>
-          <a:p>
-            <a:pPr marL="0" marR="0" lvl="0" indent="0" algn="l" rtl="0">
-              <a:lnSpc>
-                <a:spcPct val="100000"/>
-              </a:lnSpc>
-              <a:spcBef>
-                <a:spcPts val="0"/>
-              </a:spcBef>
-              <a:spcAft>
-                <a:spcPts val="0"/>
-              </a:spcAft>
-              <a:buClr>
-                <a:schemeClr val="lt1"/>
-              </a:buClr>
-              <a:buSzPct val="25000"/>
-              <a:buFont typeface="Cabin"/>
-              <a:buNone/>
-            </a:pPr>
-            <a:r>
-              <a:rPr lang="en-US" sz="3800" u="none" strike="noStrike" cap="none" dirty="0">
-                <a:solidFill>
-                  <a:schemeClr val="lt1"/>
-                </a:solidFill>
-                <a:latin typeface="Arial" charset="0"/>
-                <a:ea typeface="Arial" charset="0"/>
-                <a:cs typeface="Arial" charset="0"/>
-                <a:sym typeface="Cabin"/>
-              </a:rPr>
-              <a:t>Pay: 475.0</a:t>
-            </a:r>
-          </a:p>
-        </p:txBody>
-      </p:sp>
-      <p:sp>
-        <p:nvSpPr>
-          <p:cNvPr id="398" name="Shape 398"/>
-          <p:cNvSpPr txBox="1"/>
-          <p:nvPr/>
-        </p:nvSpPr>
-        <p:spPr>
-          <a:xfrm>
-            <a:off x="9746384" y="7061200"/>
-            <a:ext cx="5233988" cy="660400"/>
-          </a:xfrm>
-          <a:prstGeom prst="rect">
-            <a:avLst/>
-          </a:prstGeom>
-          <a:noFill/>
-          <a:ln>
-            <a:noFill/>
-          </a:ln>
-        </p:spPr>
-        <p:txBody>
-          <a:bodyPr lIns="0" tIns="0" rIns="0" bIns="0" anchor="ctr" anchorCtr="0">
-            <a:noAutofit/>
-          </a:bodyPr>
-          <a:lstStyle/>
-          <a:p>
-            <a:pPr marL="0" marR="0" lvl="0" indent="0" algn="ctr" rtl="0">
-              <a:lnSpc>
-                <a:spcPct val="100000"/>
-              </a:lnSpc>
-              <a:spcBef>
-                <a:spcPts val="0"/>
-              </a:spcBef>
-              <a:spcAft>
-                <a:spcPts val="0"/>
-              </a:spcAft>
-              <a:buClr>
-                <a:schemeClr val="lt1"/>
-              </a:buClr>
-              <a:buSzPct val="25000"/>
-              <a:buFont typeface="Cabin"/>
-              <a:buNone/>
-            </a:pPr>
-            <a:r>
-              <a:rPr lang="en-US" sz="3800" u="none" strike="noStrike" cap="none">
-                <a:solidFill>
-                  <a:schemeClr val="lt1"/>
-                </a:solidFill>
-                <a:latin typeface="Arial" charset="0"/>
-                <a:ea typeface="Arial" charset="0"/>
-                <a:cs typeface="Arial" charset="0"/>
-                <a:sym typeface="Cabin"/>
-              </a:rPr>
-              <a:t>475 = 40 * 10 + 5 * 15</a:t>
-            </a:r>
-          </a:p>
-        </p:txBody>
-      </p:sp>
-    </p:spTree>
-  </p:cSld>
-  <p:clrMapOvr>
-    <a:masterClrMapping/>
-  </p:clrMapOvr>
+  <p:timing>
+    <p:tnLst>
+      <p:par>
+        <p:cTn id="1" dur="indefinite" restart="never" nodeType="tmRoot"/>
+      </p:par>
+    </p:tnLst>
+  </p:timing>
 </p:sld>
 </file>
 
@@ -18018,10 +17830,437 @@
   <p:clrMapOvr>
     <a:masterClrMapping/>
   </p:clrMapOvr>
+  <p:timing>
+    <p:tnLst>
+      <p:par>
+        <p:cTn id="1" dur="indefinite" restart="never" nodeType="tmRoot"/>
+      </p:par>
+    </p:tnLst>
+  </p:timing>
 </p:sld>
 </file>
 
 <file path=ppt/slides/slide24.xml><?xml version="1.0" encoding="utf-8"?>
+<p:sld xmlns:a="http://schemas.openxmlformats.org/drawingml/2006/main" xmlns:r="http://schemas.openxmlformats.org/officeDocument/2006/relationships" xmlns:p="http://schemas.openxmlformats.org/presentationml/2006/main">
+  <p:cSld>
+    <p:spTree>
+      <p:nvGrpSpPr>
+        <p:cNvPr id="1" name="Shape 395"/>
+        <p:cNvGrpSpPr/>
+        <p:nvPr/>
+      </p:nvGrpSpPr>
+      <p:grpSpPr>
+        <a:xfrm>
+          <a:off x="0" y="0"/>
+          <a:ext cx="0" cy="0"/>
+          <a:chOff x="0" y="0"/>
+          <a:chExt cx="0" cy="0"/>
+        </a:xfrm>
+      </p:grpSpPr>
+      <p:sp>
+        <p:nvSpPr>
+          <p:cNvPr id="396" name="Shape 396"/>
+          <p:cNvSpPr txBox="1"/>
+          <p:nvPr/>
+        </p:nvSpPr>
+        <p:spPr>
+          <a:xfrm>
+            <a:off x="735013" y="871538"/>
+            <a:ext cx="1993900" cy="660400"/>
+          </a:xfrm>
+          <a:prstGeom prst="rect">
+            <a:avLst/>
+          </a:prstGeom>
+          <a:noFill/>
+          <a:ln>
+            <a:noFill/>
+          </a:ln>
+        </p:spPr>
+        <p:txBody>
+          <a:bodyPr lIns="0" tIns="0" rIns="0" bIns="0" anchor="ctr" anchorCtr="0">
+            <a:noAutofit/>
+          </a:bodyPr>
+          <a:lstStyle/>
+          <a:p>
+            <a:pPr marL="0" marR="0" lvl="0" indent="0" algn="ctr" rtl="0">
+              <a:lnSpc>
+                <a:spcPct val="100000"/>
+              </a:lnSpc>
+              <a:spcBef>
+                <a:spcPts val="0"/>
+              </a:spcBef>
+              <a:spcAft>
+                <a:spcPts val="0"/>
+              </a:spcAft>
+              <a:buClr>
+                <a:srgbClr val="00FF00"/>
+              </a:buClr>
+              <a:buSzPct val="25000"/>
+              <a:buFont typeface="Cabin"/>
+              <a:buNone/>
+            </a:pPr>
+            <a:r>
+              <a:rPr lang="en-US" sz="3800" u="none" strike="noStrike" cap="none">
+                <a:solidFill>
+                  <a:srgbClr val="FFFF00"/>
+                </a:solidFill>
+                <a:latin typeface="Arial" charset="0"/>
+                <a:ea typeface="Arial" charset="0"/>
+                <a:cs typeface="Arial" charset="0"/>
+                <a:sym typeface="Cabin"/>
+              </a:rPr>
+              <a:t>Exercise</a:t>
+            </a:r>
+          </a:p>
+        </p:txBody>
+      </p:sp>
+      <p:sp>
+        <p:nvSpPr>
+          <p:cNvPr id="397" name="Shape 397"/>
+          <p:cNvSpPr txBox="1"/>
+          <p:nvPr/>
+        </p:nvSpPr>
+        <p:spPr>
+          <a:xfrm>
+            <a:off x="3136900" y="2133599"/>
+            <a:ext cx="10706100" cy="4712855"/>
+          </a:xfrm>
+          <a:prstGeom prst="rect">
+            <a:avLst/>
+          </a:prstGeom>
+          <a:noFill/>
+          <a:ln>
+            <a:noFill/>
+          </a:ln>
+        </p:spPr>
+        <p:txBody>
+          <a:bodyPr lIns="0" tIns="0" rIns="0" bIns="0" anchor="ctr" anchorCtr="0">
+            <a:noAutofit/>
+          </a:bodyPr>
+          <a:lstStyle/>
+          <a:p>
+            <a:pPr marL="0" marR="0" lvl="0" indent="0" algn="l" rtl="0">
+              <a:lnSpc>
+                <a:spcPct val="100000"/>
+              </a:lnSpc>
+              <a:spcBef>
+                <a:spcPts val="0"/>
+              </a:spcBef>
+              <a:spcAft>
+                <a:spcPts val="0"/>
+              </a:spcAft>
+              <a:buClr>
+                <a:schemeClr val="lt1"/>
+              </a:buClr>
+              <a:buSzPct val="25000"/>
+              <a:buFont typeface="Cabin"/>
+              <a:buNone/>
+            </a:pPr>
+            <a:r>
+              <a:rPr lang="en-US" sz="3800" u="none" strike="noStrike" cap="none" dirty="0">
+                <a:solidFill>
+                  <a:schemeClr val="lt1"/>
+                </a:solidFill>
+                <a:latin typeface="Arial" charset="0"/>
+                <a:ea typeface="Arial" charset="0"/>
+                <a:cs typeface="Arial" charset="0"/>
+                <a:sym typeface="Cabin"/>
+              </a:rPr>
+              <a:t>Rewrite your pay computation with time-and-a-half for overtime and create a function called </a:t>
+            </a:r>
+            <a:r>
+              <a:rPr lang="en-US" sz="3800" u="none" strike="noStrike" cap="none" dirty="0" err="1">
+                <a:solidFill>
+                  <a:srgbClr val="00FF00"/>
+                </a:solidFill>
+                <a:latin typeface="Arial" charset="0"/>
+                <a:ea typeface="Arial" charset="0"/>
+                <a:cs typeface="Arial" charset="0"/>
+                <a:sym typeface="Cabin"/>
+              </a:rPr>
+              <a:t>computepay</a:t>
+            </a:r>
+            <a:r>
+              <a:rPr lang="en-US" sz="3800" u="none" strike="noStrike" cap="none" dirty="0">
+                <a:solidFill>
+                  <a:schemeClr val="lt1"/>
+                </a:solidFill>
+                <a:latin typeface="Arial" charset="0"/>
+                <a:ea typeface="Arial" charset="0"/>
+                <a:cs typeface="Arial" charset="0"/>
+                <a:sym typeface="Cabin"/>
+              </a:rPr>
+              <a:t> which takes two parameters ( hours and  rate).</a:t>
+            </a:r>
+          </a:p>
+          <a:p>
+            <a:pPr marL="0" marR="0" lvl="0" indent="0" algn="l" rtl="0">
+              <a:lnSpc>
+                <a:spcPct val="100000"/>
+              </a:lnSpc>
+              <a:spcBef>
+                <a:spcPts val="0"/>
+              </a:spcBef>
+              <a:spcAft>
+                <a:spcPts val="0"/>
+              </a:spcAft>
+              <a:buClr>
+                <a:schemeClr val="lt1"/>
+              </a:buClr>
+              <a:buFont typeface="Cabin"/>
+              <a:buNone/>
+            </a:pPr>
+            <a:endParaRPr sz="3800" dirty="0">
+              <a:solidFill>
+                <a:schemeClr val="lt1"/>
+              </a:solidFill>
+              <a:latin typeface="Arial" charset="0"/>
+              <a:ea typeface="Arial" charset="0"/>
+              <a:cs typeface="Arial" charset="0"/>
+              <a:sym typeface="Cabin"/>
+            </a:endParaRPr>
+          </a:p>
+          <a:p>
+            <a:pPr marL="0" marR="0" lvl="0" indent="0" algn="l" rtl="0">
+              <a:lnSpc>
+                <a:spcPct val="100000"/>
+              </a:lnSpc>
+              <a:spcBef>
+                <a:spcPts val="0"/>
+              </a:spcBef>
+              <a:spcAft>
+                <a:spcPts val="0"/>
+              </a:spcAft>
+              <a:buClr>
+                <a:schemeClr val="lt1"/>
+              </a:buClr>
+              <a:buSzPct val="25000"/>
+              <a:buFont typeface="Cabin"/>
+              <a:buNone/>
+            </a:pPr>
+            <a:r>
+              <a:rPr lang="en-US" sz="3800" u="none" strike="noStrike" cap="none" dirty="0">
+                <a:solidFill>
+                  <a:schemeClr val="lt1"/>
+                </a:solidFill>
+                <a:latin typeface="Arial" charset="0"/>
+                <a:ea typeface="Arial" charset="0"/>
+                <a:cs typeface="Arial" charset="0"/>
+                <a:sym typeface="Cabin"/>
+              </a:rPr>
+              <a:t>Enter Hours: </a:t>
+            </a:r>
+            <a:r>
+              <a:rPr lang="en-US" sz="3800" u="none" strike="noStrike" cap="none" dirty="0">
+                <a:solidFill>
+                  <a:srgbClr val="FFFF00"/>
+                </a:solidFill>
+                <a:latin typeface="Arial" charset="0"/>
+                <a:ea typeface="Arial" charset="0"/>
+                <a:cs typeface="Arial" charset="0"/>
+                <a:sym typeface="Cabin"/>
+              </a:rPr>
+              <a:t>45</a:t>
+            </a:r>
+          </a:p>
+          <a:p>
+            <a:pPr marL="0" marR="0" lvl="0" indent="0" algn="l" rtl="0">
+              <a:lnSpc>
+                <a:spcPct val="100000"/>
+              </a:lnSpc>
+              <a:spcBef>
+                <a:spcPts val="0"/>
+              </a:spcBef>
+              <a:spcAft>
+                <a:spcPts val="0"/>
+              </a:spcAft>
+              <a:buClr>
+                <a:schemeClr val="lt1"/>
+              </a:buClr>
+              <a:buSzPct val="25000"/>
+              <a:buFont typeface="Cabin"/>
+              <a:buNone/>
+            </a:pPr>
+            <a:r>
+              <a:rPr lang="en-US" sz="3800" u="none" strike="noStrike" cap="none" dirty="0">
+                <a:solidFill>
+                  <a:schemeClr val="lt1"/>
+                </a:solidFill>
+                <a:latin typeface="Arial" charset="0"/>
+                <a:ea typeface="Arial" charset="0"/>
+                <a:cs typeface="Arial" charset="0"/>
+                <a:sym typeface="Cabin"/>
+              </a:rPr>
+              <a:t>Enter Rate: </a:t>
+            </a:r>
+            <a:r>
+              <a:rPr lang="en-US" sz="3800" u="none" strike="noStrike" cap="none" dirty="0">
+                <a:solidFill>
+                  <a:srgbClr val="FFFF00"/>
+                </a:solidFill>
+                <a:latin typeface="Arial" charset="0"/>
+                <a:ea typeface="Arial" charset="0"/>
+                <a:cs typeface="Arial" charset="0"/>
+                <a:sym typeface="Cabin"/>
+              </a:rPr>
+              <a:t>10</a:t>
+            </a:r>
+            <a:r>
+              <a:rPr lang="en-US" sz="3800" u="none" strike="noStrike" cap="none" dirty="0">
+                <a:solidFill>
+                  <a:schemeClr val="lt1"/>
+                </a:solidFill>
+                <a:latin typeface="Arial" charset="0"/>
+                <a:ea typeface="Arial" charset="0"/>
+                <a:cs typeface="Arial" charset="0"/>
+                <a:sym typeface="Cabin"/>
+              </a:rPr>
+              <a:t> </a:t>
+            </a:r>
+            <a:endParaRPr lang="en-US" sz="3800" u="none" strike="noStrike" cap="none" dirty="0" smtClean="0">
+              <a:solidFill>
+                <a:schemeClr val="lt1"/>
+              </a:solidFill>
+              <a:latin typeface="Arial" charset="0"/>
+              <a:ea typeface="Arial" charset="0"/>
+              <a:cs typeface="Arial" charset="0"/>
+              <a:sym typeface="Cabin"/>
+            </a:endParaRPr>
+          </a:p>
+          <a:p>
+            <a:pPr marL="0" marR="0" lvl="0" indent="0" algn="l" rtl="0">
+              <a:lnSpc>
+                <a:spcPct val="100000"/>
+              </a:lnSpc>
+              <a:spcBef>
+                <a:spcPts val="0"/>
+              </a:spcBef>
+              <a:spcAft>
+                <a:spcPts val="0"/>
+              </a:spcAft>
+              <a:buClr>
+                <a:schemeClr val="lt1"/>
+              </a:buClr>
+              <a:buSzPct val="25000"/>
+              <a:buFont typeface="Cabin"/>
+              <a:buNone/>
+            </a:pPr>
+            <a:endParaRPr lang="en-US" sz="3800" u="none" strike="noStrike" cap="none" dirty="0">
+              <a:solidFill>
+                <a:schemeClr val="lt1"/>
+              </a:solidFill>
+              <a:latin typeface="Arial" charset="0"/>
+              <a:ea typeface="Arial" charset="0"/>
+              <a:cs typeface="Arial" charset="0"/>
+              <a:sym typeface="Cabin"/>
+            </a:endParaRPr>
+          </a:p>
+          <a:p>
+            <a:pPr marL="0" marR="0" lvl="0" indent="0" algn="l" rtl="0">
+              <a:lnSpc>
+                <a:spcPct val="100000"/>
+              </a:lnSpc>
+              <a:spcBef>
+                <a:spcPts val="0"/>
+              </a:spcBef>
+              <a:spcAft>
+                <a:spcPts val="0"/>
+              </a:spcAft>
+              <a:buClr>
+                <a:schemeClr val="lt1"/>
+              </a:buClr>
+              <a:buSzPct val="25000"/>
+              <a:buFont typeface="Cabin"/>
+              <a:buNone/>
+            </a:pPr>
+            <a:r>
+              <a:rPr lang="en-US" sz="3800" u="none" strike="noStrike" cap="none" dirty="0">
+                <a:solidFill>
+                  <a:schemeClr val="lt1"/>
+                </a:solidFill>
+                <a:latin typeface="Arial" charset="0"/>
+                <a:ea typeface="Arial" charset="0"/>
+                <a:cs typeface="Arial" charset="0"/>
+                <a:sym typeface="Cabin"/>
+              </a:rPr>
+              <a:t>Pay: 475.0</a:t>
+            </a:r>
+          </a:p>
+        </p:txBody>
+      </p:sp>
+      <p:sp>
+        <p:nvSpPr>
+          <p:cNvPr id="398" name="Shape 398"/>
+          <p:cNvSpPr txBox="1"/>
+          <p:nvPr/>
+        </p:nvSpPr>
+        <p:spPr>
+          <a:xfrm>
+            <a:off x="9746384" y="7061200"/>
+            <a:ext cx="5233988" cy="660400"/>
+          </a:xfrm>
+          <a:prstGeom prst="rect">
+            <a:avLst/>
+          </a:prstGeom>
+          <a:noFill/>
+          <a:ln>
+            <a:noFill/>
+          </a:ln>
+        </p:spPr>
+        <p:txBody>
+          <a:bodyPr lIns="0" tIns="0" rIns="0" bIns="0" anchor="ctr" anchorCtr="0">
+            <a:noAutofit/>
+          </a:bodyPr>
+          <a:lstStyle/>
+          <a:p>
+            <a:pPr marL="0" marR="0" lvl="0" indent="0" algn="ctr" rtl="0">
+              <a:lnSpc>
+                <a:spcPct val="100000"/>
+              </a:lnSpc>
+              <a:spcBef>
+                <a:spcPts val="0"/>
+              </a:spcBef>
+              <a:spcAft>
+                <a:spcPts val="0"/>
+              </a:spcAft>
+              <a:buClr>
+                <a:schemeClr val="lt1"/>
+              </a:buClr>
+              <a:buSzPct val="25000"/>
+              <a:buFont typeface="Cabin"/>
+              <a:buNone/>
+            </a:pPr>
+            <a:r>
+              <a:rPr lang="en-US" sz="3800" u="none" strike="noStrike" cap="none">
+                <a:solidFill>
+                  <a:schemeClr val="lt1"/>
+                </a:solidFill>
+                <a:latin typeface="Arial" charset="0"/>
+                <a:ea typeface="Arial" charset="0"/>
+                <a:cs typeface="Arial" charset="0"/>
+                <a:sym typeface="Cabin"/>
+              </a:rPr>
+              <a:t>475 = 40 * 10 + 5 * 15</a:t>
+            </a:r>
+          </a:p>
+        </p:txBody>
+      </p:sp>
+    </p:spTree>
+  </p:cSld>
+  <p:clrMapOvr>
+    <a:masterClrMapping/>
+  </p:clrMapOvr>
+  <p:timing>
+    <p:tnLst>
+      <p:par>
+        <p:cTn id="1" dur="indefinite" restart="never" nodeType="tmRoot"/>
+      </p:par>
+    </p:tnLst>
+  </p:timing>
+</p:sld>
+</file>
+
+<file path=ppt/slides/slide25.xml><?xml version="1.0" encoding="utf-8"?>
 <p:sld xmlns:a="http://schemas.openxmlformats.org/drawingml/2006/main" xmlns:r="http://schemas.openxmlformats.org/officeDocument/2006/relationships" xmlns:p="http://schemas.openxmlformats.org/presentationml/2006/main">
   <p:cSld>
     <p:spTree>
@@ -18771,7 +19010,7 @@
   <p:timing>
     <p:tnLst>
       <p:par>
-        <p:cTn xmlns:p14="http://schemas.microsoft.com/office/powerpoint/2010/main" id="1" dur="indefinite" restart="never" nodeType="tmRoot"/>
+        <p:cTn id="1" dur="indefinite" restart="never" nodeType="tmRoot"/>
       </p:par>
     </p:tnLst>
   </p:timing>
@@ -19147,7 +19386,7 @@
   <p:timing>
     <p:tnLst>
       <p:par>
-        <p:cTn xmlns:p14="http://schemas.microsoft.com/office/powerpoint/2010/main" id="1" dur="indefinite" restart="never" nodeType="tmRoot"/>
+        <p:cTn id="1" dur="indefinite" restart="never" nodeType="tmRoot"/>
       </p:par>
     </p:tnLst>
   </p:timing>
@@ -19214,7 +19453,7 @@
               <a:buNone/>
             </a:pPr>
             <a:r>
-              <a:rPr lang="en-US" sz="3000" i="0" u="none" strike="noStrike" cap="none" dirty="0">
+              <a:rPr lang="en-US" sz="3000" b="1" i="0" u="none" strike="noStrike" cap="none" dirty="0">
                 <a:solidFill>
                   <a:schemeClr val="lt1"/>
                 </a:solidFill>
@@ -19226,7 +19465,7 @@
               <a:t>&gt;&gt;&gt; </a:t>
             </a:r>
             <a:r>
-              <a:rPr lang="en-US" sz="3000" i="0" u="none" strike="noStrike" cap="none" dirty="0">
+              <a:rPr lang="en-US" sz="3000" b="1" i="0" u="none" strike="noStrike" cap="none" dirty="0">
                 <a:solidFill>
                   <a:srgbClr val="00FF00"/>
                 </a:solidFill>
@@ -19238,7 +19477,7 @@
               <a:t>big</a:t>
             </a:r>
             <a:r>
-              <a:rPr lang="en-US" sz="3000" i="0" u="none" strike="noStrike" cap="none" dirty="0">
+              <a:rPr lang="en-US" sz="3000" b="1" i="0" u="none" strike="noStrike" cap="none" dirty="0">
                 <a:solidFill>
                   <a:schemeClr val="lt1"/>
                 </a:solidFill>
@@ -19250,7 +19489,7 @@
               <a:t> = </a:t>
             </a:r>
             <a:r>
-              <a:rPr lang="en-US" sz="3000" i="0" u="none" strike="noStrike" cap="none" dirty="0">
+              <a:rPr lang="en-US" sz="3000" b="1" i="0" u="none" strike="noStrike" cap="none" dirty="0">
                 <a:solidFill>
                   <a:srgbClr val="FF00FF"/>
                 </a:solidFill>
@@ -19262,7 +19501,7 @@
               <a:t>max</a:t>
             </a:r>
             <a:r>
-              <a:rPr lang="en-US" sz="3000" i="0" u="none" strike="noStrike" cap="none" dirty="0">
+              <a:rPr lang="en-US" sz="3000" b="1" i="0" u="none" strike="noStrike" cap="none" dirty="0">
                 <a:solidFill>
                   <a:schemeClr val="lt1"/>
                 </a:solidFill>
@@ -19293,7 +19532,7 @@
               <a:buNone/>
             </a:pPr>
             <a:r>
-              <a:rPr lang="en-US" sz="3000" i="0" u="none" strike="noStrike" cap="none" dirty="0">
+              <a:rPr lang="en-US" sz="3000" b="1" i="0" u="none" strike="noStrike" cap="none" dirty="0">
                 <a:solidFill>
                   <a:schemeClr val="lt1"/>
                 </a:solidFill>
@@ -19305,7 +19544,7 @@
               <a:t>&gt;&gt;&gt; </a:t>
             </a:r>
             <a:r>
-              <a:rPr lang="en-US" sz="3000" i="0" u="none" strike="noStrike" cap="none" dirty="0" smtClean="0">
+              <a:rPr lang="en-US" sz="3000" b="1" i="0" u="none" strike="noStrike" cap="none" dirty="0" smtClean="0">
                 <a:solidFill>
                   <a:srgbClr val="FFFF00"/>
                 </a:solidFill>
@@ -19317,7 +19556,7 @@
               <a:t>print</a:t>
             </a:r>
             <a:r>
-              <a:rPr lang="en-US" sz="3000" dirty="0" smtClean="0">
+              <a:rPr lang="en-US" sz="3000" b="1" dirty="0" smtClean="0">
                 <a:solidFill>
                   <a:schemeClr val="lt1"/>
                 </a:solidFill>
@@ -19329,7 +19568,7 @@
               <a:t>(</a:t>
             </a:r>
             <a:r>
-              <a:rPr lang="en-US" sz="3000" i="0" u="none" strike="noStrike" cap="none" dirty="0" smtClean="0">
+              <a:rPr lang="en-US" sz="3000" b="1" i="0" u="none" strike="noStrike" cap="none" dirty="0" smtClean="0">
                 <a:solidFill>
                   <a:srgbClr val="00FF00"/>
                 </a:solidFill>
@@ -19341,7 +19580,7 @@
               <a:t>big</a:t>
             </a:r>
             <a:r>
-              <a:rPr lang="en-US" sz="3000" i="0" u="none" strike="noStrike" cap="none" dirty="0" smtClean="0">
+              <a:rPr lang="en-US" sz="3000" b="1" i="0" u="none" strike="noStrike" cap="none" dirty="0" smtClean="0">
                 <a:solidFill>
                   <a:schemeClr val="bg1"/>
                 </a:solidFill>
@@ -19352,7 +19591,7 @@
               </a:rPr>
               <a:t>)</a:t>
             </a:r>
-            <a:endParaRPr lang="en-US" sz="3000" i="0" u="none" strike="noStrike" cap="none" dirty="0">
+            <a:endParaRPr lang="en-US" sz="3000" b="1" i="0" u="none" strike="noStrike" cap="none" dirty="0">
               <a:solidFill>
                 <a:schemeClr val="bg1"/>
               </a:solidFill>
@@ -19381,7 +19620,7 @@
               <a:buNone/>
             </a:pPr>
             <a:r>
-              <a:rPr lang="en-US" sz="3000" i="0" u="none" strike="noStrike" cap="none" dirty="0">
+              <a:rPr lang="en-US" sz="3000" b="1" i="0" u="none" strike="noStrike" cap="none" dirty="0">
                 <a:solidFill>
                   <a:schemeClr val="lt1"/>
                 </a:solidFill>
@@ -19412,7 +19651,7 @@
               <a:buNone/>
             </a:pPr>
             <a:r>
-              <a:rPr lang="en-US" sz="3000" i="0" u="none" strike="noStrike" cap="none" dirty="0">
+              <a:rPr lang="en-US" sz="3000" b="1" i="0" u="none" strike="noStrike" cap="none" dirty="0">
                 <a:solidFill>
                   <a:schemeClr val="lt1"/>
                 </a:solidFill>
@@ -19424,7 +19663,7 @@
               <a:t>&gt;&gt;&gt; </a:t>
             </a:r>
             <a:r>
-              <a:rPr lang="en-US" sz="3000" i="0" u="none" strike="noStrike" cap="none" dirty="0">
+              <a:rPr lang="en-US" sz="3000" b="1" i="0" u="none" strike="noStrike" cap="none" dirty="0">
                 <a:solidFill>
                   <a:srgbClr val="00FF00"/>
                 </a:solidFill>
@@ -19436,7 +19675,7 @@
               <a:t>tiny</a:t>
             </a:r>
             <a:r>
-              <a:rPr lang="en-US" sz="3000" i="0" u="none" strike="noStrike" cap="none" dirty="0">
+              <a:rPr lang="en-US" sz="3000" b="1" i="0" u="none" strike="noStrike" cap="none" dirty="0">
                 <a:solidFill>
                   <a:schemeClr val="lt1"/>
                 </a:solidFill>
@@ -19448,7 +19687,7 @@
               <a:t> = </a:t>
             </a:r>
             <a:r>
-              <a:rPr lang="en-US" sz="3000" i="0" u="none" strike="noStrike" cap="none" dirty="0">
+              <a:rPr lang="en-US" sz="3000" b="1" i="0" u="none" strike="noStrike" cap="none" dirty="0">
                 <a:solidFill>
                   <a:srgbClr val="FF00FF"/>
                 </a:solidFill>
@@ -19460,7 +19699,7 @@
               <a:t>min</a:t>
             </a:r>
             <a:r>
-              <a:rPr lang="en-US" sz="3000" i="0" u="none" strike="noStrike" cap="none" dirty="0">
+              <a:rPr lang="en-US" sz="3000" b="1" i="0" u="none" strike="noStrike" cap="none" dirty="0">
                 <a:solidFill>
                   <a:schemeClr val="lt1"/>
                 </a:solidFill>
@@ -19491,7 +19730,7 @@
               <a:buNone/>
             </a:pPr>
             <a:r>
-              <a:rPr lang="en-US" sz="3000" i="0" u="none" strike="noStrike" cap="none" dirty="0">
+              <a:rPr lang="en-US" sz="3000" b="1" i="0" u="none" strike="noStrike" cap="none" dirty="0">
                 <a:solidFill>
                   <a:schemeClr val="lt1"/>
                 </a:solidFill>
@@ -19503,7 +19742,7 @@
               <a:t>&gt;&gt;&gt; </a:t>
             </a:r>
             <a:r>
-              <a:rPr lang="en-US" sz="3000" i="0" u="none" strike="noStrike" cap="none" dirty="0" smtClean="0">
+              <a:rPr lang="en-US" sz="3000" b="1" i="0" u="none" strike="noStrike" cap="none" dirty="0" smtClean="0">
                 <a:solidFill>
                   <a:srgbClr val="FFFF00"/>
                 </a:solidFill>
@@ -19515,7 +19754,7 @@
               <a:t>print</a:t>
             </a:r>
             <a:r>
-              <a:rPr lang="en-US" sz="3000" dirty="0" smtClean="0">
+              <a:rPr lang="en-US" sz="3000" b="1" dirty="0" smtClean="0">
                 <a:solidFill>
                   <a:schemeClr val="lt1"/>
                 </a:solidFill>
@@ -19527,7 +19766,7 @@
               <a:t>(</a:t>
             </a:r>
             <a:r>
-              <a:rPr lang="en-US" sz="3000" i="0" u="none" strike="noStrike" cap="none" dirty="0" smtClean="0">
+              <a:rPr lang="en-US" sz="3000" b="1" i="0" u="none" strike="noStrike" cap="none" dirty="0" smtClean="0">
                 <a:solidFill>
                   <a:srgbClr val="00FF00"/>
                 </a:solidFill>
@@ -19539,7 +19778,7 @@
               <a:t>tiny</a:t>
             </a:r>
             <a:r>
-              <a:rPr lang="en-US" sz="3000" i="0" u="none" strike="noStrike" cap="none" dirty="0" smtClean="0">
+              <a:rPr lang="en-US" sz="3000" b="1" i="0" u="none" strike="noStrike" cap="none" dirty="0" smtClean="0">
                 <a:solidFill>
                   <a:schemeClr val="bg1"/>
                 </a:solidFill>
@@ -19550,7 +19789,7 @@
               </a:rPr>
               <a:t>)</a:t>
             </a:r>
-            <a:endParaRPr lang="en-US" sz="3000" i="0" u="none" strike="noStrike" cap="none" dirty="0">
+            <a:endParaRPr lang="en-US" sz="3000" b="1" i="0" u="none" strike="noStrike" cap="none" dirty="0">
               <a:solidFill>
                 <a:schemeClr val="bg1"/>
               </a:solidFill>
@@ -19577,7 +19816,7 @@
               <a:buFont typeface="Courier New"/>
               <a:buNone/>
             </a:pPr>
-            <a:endParaRPr sz="3000" dirty="0">
+            <a:endParaRPr sz="3000" b="1" dirty="0">
               <a:solidFill>
                 <a:srgbClr val="FFFFFF"/>
               </a:solidFill>
@@ -19606,7 +19845,7 @@
               <a:buNone/>
             </a:pPr>
             <a:r>
-              <a:rPr lang="en-US" sz="3000" i="0" u="none" strike="noStrike" cap="none" dirty="0">
+              <a:rPr lang="en-US" sz="3000" b="1" i="0" u="none" strike="noStrike" cap="none" dirty="0">
                 <a:solidFill>
                   <a:schemeClr val="lt1"/>
                 </a:solidFill>
@@ -20079,7 +20318,7 @@
   <p:timing>
     <p:tnLst>
       <p:par>
-        <p:cTn xmlns:p14="http://schemas.microsoft.com/office/powerpoint/2010/main" id="1" dur="indefinite" restart="never" nodeType="tmRoot"/>
+        <p:cTn id="1" dur="indefinite" restart="never" nodeType="tmRoot"/>
       </p:par>
     </p:tnLst>
   </p:timing>
@@ -20203,7 +20442,7 @@
               <a:buNone/>
             </a:pPr>
             <a:r>
-              <a:rPr lang="en-US" sz="3000" b="0" i="0" u="none" strike="noStrike" cap="none" dirty="0">
+              <a:rPr lang="en-US" sz="3000" b="1" i="0" u="none" strike="noStrike" cap="none" dirty="0">
                 <a:solidFill>
                   <a:schemeClr val="lt1"/>
                 </a:solidFill>
@@ -20215,7 +20454,7 @@
               <a:t>&gt;&gt;&gt; </a:t>
             </a:r>
             <a:r>
-              <a:rPr lang="en-US" sz="3000" b="0" i="0" u="none" strike="noStrike" cap="none" dirty="0">
+              <a:rPr lang="en-US" sz="3000" b="1" i="0" u="none" strike="noStrike" cap="none" dirty="0">
                 <a:solidFill>
                   <a:srgbClr val="00FF00"/>
                 </a:solidFill>
@@ -20227,7 +20466,7 @@
               <a:t>big</a:t>
             </a:r>
             <a:r>
-              <a:rPr lang="en-US" sz="3000" b="0" i="0" u="none" strike="noStrike" cap="none" dirty="0">
+              <a:rPr lang="en-US" sz="3000" b="1" i="0" u="none" strike="noStrike" cap="none" dirty="0">
                 <a:solidFill>
                   <a:schemeClr val="lt1"/>
                 </a:solidFill>
@@ -20239,7 +20478,7 @@
               <a:t> = </a:t>
             </a:r>
             <a:r>
-              <a:rPr lang="en-US" sz="3000" b="0" i="0" u="none" strike="noStrike" cap="none" dirty="0">
+              <a:rPr lang="en-US" sz="3000" b="1" i="0" u="none" strike="noStrike" cap="none" dirty="0">
                 <a:solidFill>
                   <a:srgbClr val="FF00FF"/>
                 </a:solidFill>
@@ -20251,7 +20490,7 @@
               <a:t>max</a:t>
             </a:r>
             <a:r>
-              <a:rPr lang="en-US" sz="3000" b="0" i="0" u="none" strike="noStrike" cap="none" dirty="0">
+              <a:rPr lang="en-US" sz="3000" b="1" i="0" u="none" strike="noStrike" cap="none" dirty="0">
                 <a:solidFill>
                   <a:schemeClr val="lt1"/>
                 </a:solidFill>
@@ -20282,7 +20521,7 @@
               <a:buNone/>
             </a:pPr>
             <a:r>
-              <a:rPr lang="en-US" sz="3000" b="0" i="0" u="none" strike="noStrike" cap="none" dirty="0">
+              <a:rPr lang="en-US" sz="3000" b="1" i="0" u="none" strike="noStrike" cap="none" dirty="0">
                 <a:solidFill>
                   <a:schemeClr val="lt1"/>
                 </a:solidFill>
@@ -20294,7 +20533,7 @@
               <a:t>&gt;&gt;&gt; </a:t>
             </a:r>
             <a:r>
-              <a:rPr lang="en-US" sz="3000" b="0" i="0" u="none" strike="noStrike" cap="none" dirty="0" smtClean="0">
+              <a:rPr lang="en-US" sz="3000" b="1" i="0" u="none" strike="noStrike" cap="none" dirty="0" smtClean="0">
                 <a:solidFill>
                   <a:srgbClr val="FFFF00"/>
                 </a:solidFill>
@@ -20306,7 +20545,7 @@
               <a:t>print</a:t>
             </a:r>
             <a:r>
-              <a:rPr lang="en-US" sz="3000" dirty="0" smtClean="0">
+              <a:rPr lang="en-US" sz="3000" b="1" dirty="0" smtClean="0">
                 <a:solidFill>
                   <a:schemeClr val="lt1"/>
                 </a:solidFill>
@@ -20318,7 +20557,7 @@
               <a:t>(</a:t>
             </a:r>
             <a:r>
-              <a:rPr lang="en-US" sz="3000" b="0" i="0" u="none" strike="noStrike" cap="none" dirty="0" smtClean="0">
+              <a:rPr lang="en-US" sz="3000" b="1" i="0" u="none" strike="noStrike" cap="none" dirty="0" smtClean="0">
                 <a:solidFill>
                   <a:srgbClr val="00FF00"/>
                 </a:solidFill>
@@ -20330,7 +20569,7 @@
               <a:t>big</a:t>
             </a:r>
             <a:r>
-              <a:rPr lang="en-US" sz="3000" b="0" i="0" u="none" strike="noStrike" cap="none" dirty="0" smtClean="0">
+              <a:rPr lang="en-US" sz="3000" b="1" i="0" u="none" strike="noStrike" cap="none" dirty="0" smtClean="0">
                 <a:solidFill>
                   <a:schemeClr val="bg1"/>
                 </a:solidFill>
@@ -20341,7 +20580,7 @@
               </a:rPr>
               <a:t>)</a:t>
             </a:r>
-            <a:endParaRPr lang="en-US" sz="3000" b="0" i="0" u="none" strike="noStrike" cap="none" dirty="0">
+            <a:endParaRPr lang="en-US" sz="3000" b="1" i="0" u="none" strike="noStrike" cap="none" dirty="0">
               <a:solidFill>
                 <a:schemeClr val="bg1"/>
               </a:solidFill>
@@ -20370,7 +20609,7 @@
               <a:buNone/>
             </a:pPr>
             <a:r>
-              <a:rPr lang="en-US" sz="3000" b="0" i="0" u="none" strike="noStrike" cap="none" dirty="0">
+              <a:rPr lang="en-US" sz="3000" b="1" i="0" u="none" strike="noStrike" cap="none" dirty="0">
                 <a:solidFill>
                   <a:schemeClr val="lt1"/>
                 </a:solidFill>
@@ -20968,7 +21207,7 @@
   <p:timing>
     <p:tnLst>
       <p:par>
-        <p:cTn xmlns:p14="http://schemas.microsoft.com/office/powerpoint/2010/main" id="1" dur="indefinite" restart="never" nodeType="tmRoot"/>
+        <p:cTn id="1" dur="indefinite" restart="never" nodeType="tmRoot"/>
       </p:par>
     </p:tnLst>
   </p:timing>
@@ -21092,7 +21331,7 @@
               <a:buNone/>
             </a:pPr>
             <a:r>
-              <a:rPr lang="en-US" sz="3000" b="0" i="0" u="none" strike="noStrike" cap="none" dirty="0">
+              <a:rPr lang="en-US" sz="3000" b="1" i="0" u="none" strike="noStrike" cap="none" dirty="0">
                 <a:solidFill>
                   <a:schemeClr val="lt1"/>
                 </a:solidFill>
@@ -21104,7 +21343,7 @@
               <a:t>&gt;&gt;&gt; </a:t>
             </a:r>
             <a:r>
-              <a:rPr lang="en-US" sz="3000" b="0" i="0" u="none" strike="noStrike" cap="none" dirty="0">
+              <a:rPr lang="en-US" sz="3000" b="1" i="0" u="none" strike="noStrike" cap="none" dirty="0">
                 <a:solidFill>
                   <a:srgbClr val="00FF00"/>
                 </a:solidFill>
@@ -21116,7 +21355,7 @@
               <a:t>big</a:t>
             </a:r>
             <a:r>
-              <a:rPr lang="en-US" sz="3000" b="0" i="0" u="none" strike="noStrike" cap="none" dirty="0">
+              <a:rPr lang="en-US" sz="3000" b="1" i="0" u="none" strike="noStrike" cap="none" dirty="0">
                 <a:solidFill>
                   <a:schemeClr val="lt1"/>
                 </a:solidFill>
@@ -21128,7 +21367,7 @@
               <a:t> = </a:t>
             </a:r>
             <a:r>
-              <a:rPr lang="en-US" sz="3000" b="0" i="0" u="none" strike="noStrike" cap="none" dirty="0">
+              <a:rPr lang="en-US" sz="3000" b="1" i="0" u="none" strike="noStrike" cap="none" dirty="0">
                 <a:solidFill>
                   <a:srgbClr val="FF00FF"/>
                 </a:solidFill>
@@ -21140,7 +21379,7 @@
               <a:t>max</a:t>
             </a:r>
             <a:r>
-              <a:rPr lang="en-US" sz="3000" b="0" i="0" u="none" strike="noStrike" cap="none" dirty="0">
+              <a:rPr lang="en-US" sz="3000" b="1" i="0" u="none" strike="noStrike" cap="none" dirty="0">
                 <a:solidFill>
                   <a:schemeClr val="lt1"/>
                 </a:solidFill>
@@ -21171,7 +21410,7 @@
               <a:buNone/>
             </a:pPr>
             <a:r>
-              <a:rPr lang="en-US" sz="3000" b="0" i="0" u="none" strike="noStrike" cap="none" dirty="0">
+              <a:rPr lang="en-US" sz="3000" b="1" i="0" u="none" strike="noStrike" cap="none" dirty="0">
                 <a:solidFill>
                   <a:schemeClr val="lt1"/>
                 </a:solidFill>
@@ -21183,7 +21422,7 @@
               <a:t>&gt;&gt;&gt; </a:t>
             </a:r>
             <a:r>
-              <a:rPr lang="en-US" sz="3000" b="0" i="0" u="none" strike="noStrike" cap="none" dirty="0" smtClean="0">
+              <a:rPr lang="en-US" sz="3000" b="1" i="0" u="none" strike="noStrike" cap="none" dirty="0" smtClean="0">
                 <a:solidFill>
                   <a:srgbClr val="FFFF00"/>
                 </a:solidFill>
@@ -21195,7 +21434,7 @@
               <a:t>print</a:t>
             </a:r>
             <a:r>
-              <a:rPr lang="en-US" sz="3000" b="0" i="0" u="none" strike="noStrike" cap="none" dirty="0" smtClean="0">
+              <a:rPr lang="en-US" sz="3000" b="1" i="0" u="none" strike="noStrike" cap="none" dirty="0" smtClean="0">
                 <a:solidFill>
                   <a:schemeClr val="lt1"/>
                 </a:solidFill>
@@ -21207,7 +21446,7 @@
               <a:t>(</a:t>
             </a:r>
             <a:r>
-              <a:rPr lang="en-US" sz="3000" b="0" i="0" u="none" strike="noStrike" cap="none" dirty="0" smtClean="0">
+              <a:rPr lang="en-US" sz="3000" b="1" i="0" u="none" strike="noStrike" cap="none" dirty="0" smtClean="0">
                 <a:solidFill>
                   <a:srgbClr val="00FF00"/>
                 </a:solidFill>
@@ -21219,7 +21458,7 @@
               <a:t>big</a:t>
             </a:r>
             <a:r>
-              <a:rPr lang="en-US" sz="3000" b="0" i="0" u="none" strike="noStrike" cap="none" dirty="0" smtClean="0">
+              <a:rPr lang="en-US" sz="3000" b="1" i="0" u="none" strike="noStrike" cap="none" dirty="0" smtClean="0">
                 <a:solidFill>
                   <a:schemeClr val="bg1"/>
                 </a:solidFill>
@@ -21230,7 +21469,7 @@
               </a:rPr>
               <a:t>)</a:t>
             </a:r>
-            <a:endParaRPr lang="en-US" sz="3000" b="0" i="0" u="none" strike="noStrike" cap="none" dirty="0">
+            <a:endParaRPr lang="en-US" sz="3000" b="1" i="0" u="none" strike="noStrike" cap="none" dirty="0">
               <a:solidFill>
                 <a:schemeClr val="bg1"/>
               </a:solidFill>
@@ -21259,7 +21498,7 @@
               <a:buNone/>
             </a:pPr>
             <a:r>
-              <a:rPr lang="en-US" sz="3000" b="0" i="0" u="none" strike="noStrike" cap="none" dirty="0" smtClean="0">
+              <a:rPr lang="en-US" sz="3000" b="1" i="0" u="none" strike="noStrike" cap="none" dirty="0" smtClean="0">
                 <a:solidFill>
                   <a:schemeClr val="lt1"/>
                 </a:solidFill>
@@ -21270,7 +21509,7 @@
               </a:rPr>
               <a:t>w</a:t>
             </a:r>
-            <a:endParaRPr lang="en-US" sz="3000" b="0" i="0" u="none" strike="noStrike" cap="none" dirty="0">
+            <a:endParaRPr lang="en-US" sz="3000" b="1" i="0" u="none" strike="noStrike" cap="none" dirty="0">
               <a:solidFill>
                 <a:schemeClr val="lt1"/>
               </a:solidFill>
@@ -21290,8 +21529,8 @@
         </p:nvSpPr>
         <p:spPr>
           <a:xfrm>
-            <a:off x="6845300" y="4468805"/>
-            <a:ext cx="2819400" cy="2819400"/>
+            <a:off x="6669089" y="4462455"/>
+            <a:ext cx="3159124" cy="2819400"/>
           </a:xfrm>
           <a:prstGeom prst="rect">
             <a:avLst/>
@@ -21320,7 +21559,7 @@
               <a:buSzPct val="25000"/>
             </a:pPr>
             <a:r>
-              <a:rPr lang="en-US" sz="2400" dirty="0">
+              <a:rPr lang="en-US" sz="2400" b="1" dirty="0">
                 <a:solidFill>
                   <a:srgbClr val="FFFF00"/>
                 </a:solidFill>
@@ -21332,7 +21571,7 @@
               <a:t> </a:t>
             </a:r>
             <a:r>
-              <a:rPr lang="en-US" sz="2400" dirty="0" err="1">
+              <a:rPr lang="en-US" sz="2400" b="1" dirty="0" err="1">
                 <a:solidFill>
                   <a:srgbClr val="FFFF00"/>
                 </a:solidFill>
@@ -21344,7 +21583,7 @@
               <a:t>def</a:t>
             </a:r>
             <a:r>
-              <a:rPr lang="en-US" sz="2400" dirty="0">
+              <a:rPr lang="en-US" sz="2400" b="1" dirty="0">
                 <a:solidFill>
                   <a:schemeClr val="lt1"/>
                 </a:solidFill>
@@ -21356,9 +21595,9 @@
               <a:t> max(</a:t>
             </a:r>
             <a:r>
-              <a:rPr lang="en-US" sz="2400" dirty="0" err="1">
-                <a:solidFill>
-                  <a:schemeClr val="lt1"/>
+              <a:rPr lang="en-US" sz="2400" b="1" dirty="0" err="1">
+                <a:solidFill>
+                  <a:srgbClr val="00FDFF"/>
                 </a:solidFill>
                 <a:latin typeface="Courier New"/>
                 <a:ea typeface="Courier New"/>
@@ -21368,7 +21607,7 @@
               <a:t>inp</a:t>
             </a:r>
             <a:r>
-              <a:rPr lang="en-US" sz="2400" dirty="0">
+              <a:rPr lang="en-US" sz="2400" b="1" dirty="0">
                 <a:solidFill>
                   <a:schemeClr val="lt1"/>
                 </a:solidFill>
@@ -21388,7 +21627,7 @@
               <a:buSzPct val="25000"/>
             </a:pPr>
             <a:r>
-              <a:rPr lang="en-US" sz="2400" dirty="0">
+              <a:rPr lang="en-US" sz="2400" b="1" dirty="0">
                 <a:solidFill>
                   <a:schemeClr val="lt1"/>
                 </a:solidFill>
@@ -21408,7 +21647,7 @@
               <a:buSzPct val="25000"/>
             </a:pPr>
             <a:r>
-              <a:rPr lang="en-US" sz="2400" dirty="0">
+              <a:rPr lang="en-US" sz="2400" b="1" dirty="0">
                 <a:solidFill>
                   <a:schemeClr val="lt1"/>
                 </a:solidFill>
@@ -21428,7 +21667,7 @@
               <a:buSzPct val="25000"/>
             </a:pPr>
             <a:r>
-              <a:rPr lang="en-US" sz="2400" dirty="0">
+              <a:rPr lang="en-US" sz="2400" b="1" dirty="0">
                 <a:solidFill>
                   <a:schemeClr val="lt1"/>
                 </a:solidFill>
@@ -21440,7 +21679,7 @@
               <a:t>    </a:t>
             </a:r>
             <a:r>
-              <a:rPr lang="en-US" sz="2400" dirty="0">
+              <a:rPr lang="en-US" sz="2400" b="1" dirty="0">
                 <a:solidFill>
                   <a:srgbClr val="FFFF00"/>
                 </a:solidFill>
@@ -21452,7 +21691,7 @@
               <a:t>for</a:t>
             </a:r>
             <a:r>
-              <a:rPr lang="en-US" sz="2400" dirty="0">
+              <a:rPr lang="en-US" sz="2400" b="1" dirty="0">
                 <a:solidFill>
                   <a:schemeClr val="lt1"/>
                 </a:solidFill>
@@ -21464,7 +21703,7 @@
               <a:t> x </a:t>
             </a:r>
             <a:r>
-              <a:rPr lang="en-US" sz="2400" dirty="0">
+              <a:rPr lang="en-US" sz="2400" b="1" dirty="0">
                 <a:solidFill>
                   <a:srgbClr val="FFFF00"/>
                 </a:solidFill>
@@ -21476,17 +21715,50 @@
               <a:t>in</a:t>
             </a:r>
             <a:r>
-              <a:rPr lang="en-US" sz="2400" dirty="0">
-                <a:solidFill>
-                  <a:schemeClr val="lt1"/>
-                </a:solidFill>
-                <a:latin typeface="Courier New"/>
-                <a:ea typeface="Courier New"/>
-                <a:cs typeface="Courier New"/>
-                <a:sym typeface="Courier New"/>
-              </a:rPr>
-              <a:t> y:</a:t>
-            </a:r>
+              <a:rPr lang="en-US" sz="2400" b="1" dirty="0">
+                <a:solidFill>
+                  <a:schemeClr val="lt1"/>
+                </a:solidFill>
+                <a:latin typeface="Courier New"/>
+                <a:ea typeface="Courier New"/>
+                <a:cs typeface="Courier New"/>
+                <a:sym typeface="Courier New"/>
+              </a:rPr>
+              <a:t> </a:t>
+            </a:r>
+            <a:r>
+              <a:rPr lang="en-US" sz="2400" b="1" dirty="0" err="1" smtClean="0">
+                <a:solidFill>
+                  <a:srgbClr val="00FDFF"/>
+                </a:solidFill>
+                <a:latin typeface="Courier New"/>
+                <a:ea typeface="Courier New"/>
+                <a:cs typeface="Courier New"/>
+                <a:sym typeface="Courier New"/>
+              </a:rPr>
+              <a:t>inp</a:t>
+            </a:r>
+            <a:r>
+              <a:rPr lang="en-US" sz="2400" b="1" dirty="0" smtClean="0">
+                <a:solidFill>
+                  <a:schemeClr val="lt1"/>
+                </a:solidFill>
+                <a:latin typeface="Courier New"/>
+                <a:ea typeface="Courier New"/>
+                <a:cs typeface="Courier New"/>
+                <a:sym typeface="Courier New"/>
+              </a:rPr>
+              <a:t>:</a:t>
+            </a:r>
+            <a:endParaRPr lang="en-US" sz="2400" b="1" dirty="0">
+              <a:solidFill>
+                <a:schemeClr val="lt1"/>
+              </a:solidFill>
+              <a:latin typeface="Courier New"/>
+              <a:ea typeface="Courier New"/>
+              <a:cs typeface="Courier New"/>
+              <a:sym typeface="Courier New"/>
+            </a:endParaRPr>
           </a:p>
           <a:p>
             <a:pPr lvl="0">
@@ -21496,7 +21768,7 @@
               <a:buSzPct val="25000"/>
             </a:pPr>
             <a:r>
-              <a:rPr lang="en-US" sz="2400" dirty="0">
+              <a:rPr lang="en-US" sz="2400" b="1" dirty="0">
                 <a:solidFill>
                   <a:schemeClr val="lt1"/>
                 </a:solidFill>
@@ -21516,7 +21788,7 @@
               <a:buSzPct val="25000"/>
             </a:pPr>
             <a:r>
-              <a:rPr lang="en-US" sz="2400" dirty="0">
+              <a:rPr lang="en-US" sz="2400" b="1" dirty="0">
                 <a:solidFill>
                   <a:schemeClr val="lt1"/>
                 </a:solidFill>
@@ -21539,7 +21811,7 @@
         <p:spPr>
           <a:xfrm flipH="1">
             <a:off x="5299074" y="5922955"/>
-            <a:ext cx="1492250" cy="17461"/>
+            <a:ext cx="1242403" cy="17461"/>
           </a:xfrm>
           <a:prstGeom prst="straightConnector1">
             <a:avLst/>
@@ -21784,8 +22056,8 @@
         </p:nvCxnSpPr>
         <p:spPr>
           <a:xfrm flipH="1">
-            <a:off x="9680574" y="5872155"/>
-            <a:ext cx="1492250" cy="17461"/>
+            <a:off x="10093569" y="5872155"/>
+            <a:ext cx="1079255" cy="0"/>
           </a:xfrm>
           <a:prstGeom prst="straightConnector1">
             <a:avLst/>
@@ -22022,6 +22294,13 @@
   <p:clrMapOvr>
     <a:masterClrMapping/>
   </p:clrMapOvr>
+  <p:timing>
+    <p:tnLst>
+      <p:par>
+        <p:cTn id="1" dur="indefinite" restart="never" nodeType="tmRoot"/>
+      </p:par>
+    </p:tnLst>
+  </p:timing>
 </p:sld>
 </file>
 
@@ -22306,7 +22585,7 @@
               <a:buNone/>
             </a:pPr>
             <a:r>
-              <a:rPr lang="en-US" sz="2800" i="0" u="none" strike="noStrike" cap="none" dirty="0">
+              <a:rPr lang="en-US" sz="2800" b="1" i="0" u="none" strike="noStrike" cap="none" dirty="0">
                 <a:solidFill>
                   <a:schemeClr val="lt1"/>
                 </a:solidFill>
@@ -22318,7 +22597,7 @@
               <a:t>&gt;&gt;&gt; </a:t>
             </a:r>
             <a:r>
-              <a:rPr lang="en-US" sz="2800" i="0" u="none" strike="noStrike" cap="none" dirty="0">
+              <a:rPr lang="en-US" sz="2800" b="1" i="0" u="none" strike="noStrike" cap="none" dirty="0">
                 <a:solidFill>
                   <a:srgbClr val="FFFF00"/>
                 </a:solidFill>
@@ -22330,7 +22609,7 @@
               <a:t>print</a:t>
             </a:r>
             <a:r>
-              <a:rPr lang="en-US" sz="2800" i="0" u="none" strike="noStrike" cap="none" dirty="0">
+              <a:rPr lang="en-US" sz="2800" b="1" i="0" u="none" strike="noStrike" cap="none" dirty="0">
                 <a:solidFill>
                   <a:schemeClr val="lt1"/>
                 </a:solidFill>
@@ -22342,7 +22621,7 @@
               <a:t> </a:t>
             </a:r>
             <a:r>
-              <a:rPr lang="en-US" sz="2800" i="0" u="none" strike="noStrike" cap="none" dirty="0">
+              <a:rPr lang="en-US" sz="2800" b="1" i="0" u="none" strike="noStrike" cap="none" dirty="0">
                 <a:solidFill>
                   <a:srgbClr val="FF00FF"/>
                 </a:solidFill>
@@ -22354,7 +22633,7 @@
               <a:t>float</a:t>
             </a:r>
             <a:r>
-              <a:rPr lang="en-US" sz="2800" i="0" u="none" strike="noStrike" cap="none" dirty="0">
+              <a:rPr lang="en-US" sz="2800" b="1" i="0" u="none" strike="noStrike" cap="none" dirty="0">
                 <a:solidFill>
                   <a:schemeClr val="lt1"/>
                 </a:solidFill>
@@ -22366,7 +22645,7 @@
               <a:t>(99) </a:t>
             </a:r>
             <a:r>
-              <a:rPr lang="en-US" sz="2800" i="0" u="none" strike="noStrike" cap="none" dirty="0">
+              <a:rPr lang="en-US" sz="2800" b="1" i="0" u="none" strike="noStrike" cap="none" dirty="0">
                 <a:solidFill>
                   <a:srgbClr val="00FFFF"/>
                 </a:solidFill>
@@ -22378,7 +22657,7 @@
               <a:t>/</a:t>
             </a:r>
             <a:r>
-              <a:rPr lang="en-US" sz="2800" i="0" u="none" strike="noStrike" cap="none" dirty="0">
+              <a:rPr lang="en-US" sz="2800" b="1" i="0" u="none" strike="noStrike" cap="none" dirty="0">
                 <a:solidFill>
                   <a:schemeClr val="lt1"/>
                 </a:solidFill>
@@ -22409,7 +22688,7 @@
               <a:buNone/>
             </a:pPr>
             <a:r>
-              <a:rPr lang="en-US" sz="2800" i="0" u="none" strike="noStrike" cap="none" dirty="0">
+              <a:rPr lang="en-US" sz="2800" b="1" i="0" u="none" strike="noStrike" cap="none" dirty="0">
                 <a:solidFill>
                   <a:schemeClr val="lt1"/>
                 </a:solidFill>
@@ -22440,7 +22719,7 @@
               <a:buNone/>
             </a:pPr>
             <a:r>
-              <a:rPr lang="en-US" sz="2800" i="0" u="none" strike="noStrike" cap="none" dirty="0">
+              <a:rPr lang="en-US" sz="2800" b="1" i="0" u="none" strike="noStrike" cap="none" dirty="0">
                 <a:solidFill>
                   <a:schemeClr val="lt1"/>
                 </a:solidFill>
@@ -22452,7 +22731,7 @@
               <a:t>&gt;&gt;&gt; </a:t>
             </a:r>
             <a:r>
-              <a:rPr lang="en-US" sz="2800" i="0" u="none" strike="noStrike" cap="none" dirty="0" err="1">
+              <a:rPr lang="en-US" sz="2800" b="1" i="0" u="none" strike="noStrike" cap="none" dirty="0" err="1">
                 <a:solidFill>
                   <a:schemeClr val="lt1"/>
                 </a:solidFill>
@@ -22464,7 +22743,7 @@
               <a:t>i</a:t>
             </a:r>
             <a:r>
-              <a:rPr lang="en-US" sz="2800" i="0" u="none" strike="noStrike" cap="none" dirty="0">
+              <a:rPr lang="en-US" sz="2800" b="1" i="0" u="none" strike="noStrike" cap="none" dirty="0">
                 <a:solidFill>
                   <a:schemeClr val="lt1"/>
                 </a:solidFill>
@@ -22495,7 +22774,7 @@
               <a:buNone/>
             </a:pPr>
             <a:r>
-              <a:rPr lang="en-US" sz="2800" i="0" u="none" strike="noStrike" cap="none" dirty="0">
+              <a:rPr lang="en-US" sz="2800" b="1" i="0" u="none" strike="noStrike" cap="none" dirty="0">
                 <a:solidFill>
                   <a:schemeClr val="lt1"/>
                 </a:solidFill>
@@ -22507,7 +22786,7 @@
               <a:t>&gt;&gt;&gt; </a:t>
             </a:r>
             <a:r>
-              <a:rPr lang="en-US" sz="2800" i="0" u="none" strike="noStrike" cap="none" dirty="0">
+              <a:rPr lang="en-US" sz="2800" b="1" i="0" u="none" strike="noStrike" cap="none" dirty="0">
                 <a:solidFill>
                   <a:srgbClr val="FF00FF"/>
                 </a:solidFill>
@@ -22519,7 +22798,7 @@
               <a:t>type</a:t>
             </a:r>
             <a:r>
-              <a:rPr lang="en-US" sz="2800" i="0" u="none" strike="noStrike" cap="none" dirty="0">
+              <a:rPr lang="en-US" sz="2800" b="1" i="0" u="none" strike="noStrike" cap="none" dirty="0">
                 <a:solidFill>
                   <a:schemeClr val="lt1"/>
                 </a:solidFill>
@@ -22531,7 +22810,7 @@
               <a:t>(</a:t>
             </a:r>
             <a:r>
-              <a:rPr lang="en-US" sz="2800" i="0" u="none" strike="noStrike" cap="none" dirty="0" err="1">
+              <a:rPr lang="en-US" sz="2800" b="1" i="0" u="none" strike="noStrike" cap="none" dirty="0" err="1">
                 <a:solidFill>
                   <a:schemeClr val="lt1"/>
                 </a:solidFill>
@@ -22543,7 +22822,7 @@
               <a:t>i</a:t>
             </a:r>
             <a:r>
-              <a:rPr lang="en-US" sz="2800" i="0" u="none" strike="noStrike" cap="none" dirty="0">
+              <a:rPr lang="en-US" sz="2800" b="1" i="0" u="none" strike="noStrike" cap="none" dirty="0">
                 <a:solidFill>
                   <a:schemeClr val="lt1"/>
                 </a:solidFill>
@@ -22574,7 +22853,7 @@
               <a:buNone/>
             </a:pPr>
             <a:r>
-              <a:rPr lang="en-US" sz="2800" i="0" u="none" strike="noStrike" cap="none" dirty="0" smtClean="0">
+              <a:rPr lang="en-US" sz="2800" b="1" i="0" u="none" strike="noStrike" cap="none" dirty="0" smtClean="0">
                 <a:solidFill>
                   <a:schemeClr val="lt1"/>
                 </a:solidFill>
@@ -22586,7 +22865,7 @@
               <a:t>&lt;class '</a:t>
             </a:r>
             <a:r>
-              <a:rPr lang="en-US" sz="2800" i="0" u="none" strike="noStrike" cap="none" dirty="0" err="1" smtClean="0">
+              <a:rPr lang="en-US" sz="2800" b="1" i="0" u="none" strike="noStrike" cap="none" dirty="0" err="1" smtClean="0">
                 <a:solidFill>
                   <a:schemeClr val="lt1"/>
                 </a:solidFill>
@@ -22598,7 +22877,7 @@
               <a:t>int</a:t>
             </a:r>
             <a:r>
-              <a:rPr lang="en-US" sz="2800" i="0" u="none" strike="noStrike" cap="none" dirty="0">
+              <a:rPr lang="en-US" sz="2800" b="1" i="0" u="none" strike="noStrike" cap="none" dirty="0">
                 <a:solidFill>
                   <a:schemeClr val="lt1"/>
                 </a:solidFill>
@@ -22629,7 +22908,7 @@
               <a:buNone/>
             </a:pPr>
             <a:r>
-              <a:rPr lang="en-US" sz="2800" i="0" u="none" strike="noStrike" cap="none" dirty="0">
+              <a:rPr lang="en-US" sz="2800" b="1" i="0" u="none" strike="noStrike" cap="none" dirty="0">
                 <a:solidFill>
                   <a:schemeClr val="lt1"/>
                 </a:solidFill>
@@ -22641,7 +22920,7 @@
               <a:t>&gt;&gt;&gt; f = </a:t>
             </a:r>
             <a:r>
-              <a:rPr lang="en-US" sz="2800" i="0" u="none" strike="noStrike" cap="none" dirty="0">
+              <a:rPr lang="en-US" sz="2800" b="1" i="0" u="none" strike="noStrike" cap="none" dirty="0">
                 <a:solidFill>
                   <a:srgbClr val="FF00FF"/>
                 </a:solidFill>
@@ -22653,7 +22932,7 @@
               <a:t>float</a:t>
             </a:r>
             <a:r>
-              <a:rPr lang="en-US" sz="2800" i="0" u="none" strike="noStrike" cap="none" dirty="0">
+              <a:rPr lang="en-US" sz="2800" b="1" i="0" u="none" strike="noStrike" cap="none" dirty="0">
                 <a:solidFill>
                   <a:schemeClr val="lt1"/>
                 </a:solidFill>
@@ -22665,7 +22944,7 @@
               <a:t>(</a:t>
             </a:r>
             <a:r>
-              <a:rPr lang="en-US" sz="2800" i="0" u="none" strike="noStrike" cap="none" dirty="0" err="1">
+              <a:rPr lang="en-US" sz="2800" b="1" i="0" u="none" strike="noStrike" cap="none" dirty="0" err="1">
                 <a:solidFill>
                   <a:schemeClr val="lt1"/>
                 </a:solidFill>
@@ -22677,7 +22956,7 @@
               <a:t>i</a:t>
             </a:r>
             <a:r>
-              <a:rPr lang="en-US" sz="2800" i="0" u="none" strike="noStrike" cap="none" dirty="0">
+              <a:rPr lang="en-US" sz="2800" b="1" i="0" u="none" strike="noStrike" cap="none" dirty="0">
                 <a:solidFill>
                   <a:schemeClr val="lt1"/>
                 </a:solidFill>
@@ -22708,7 +22987,7 @@
               <a:buNone/>
             </a:pPr>
             <a:r>
-              <a:rPr lang="en-US" sz="2800" i="0" u="none" strike="noStrike" cap="none" dirty="0">
+              <a:rPr lang="en-US" sz="2800" b="1" i="0" u="none" strike="noStrike" cap="none" dirty="0">
                 <a:solidFill>
                   <a:schemeClr val="lt1"/>
                 </a:solidFill>
@@ -22720,7 +22999,7 @@
               <a:t>&gt;&gt;&gt; </a:t>
             </a:r>
             <a:r>
-              <a:rPr lang="en-US" sz="2800" i="0" u="none" strike="noStrike" cap="none" dirty="0" smtClean="0">
+              <a:rPr lang="en-US" sz="2800" b="1" i="0" u="none" strike="noStrike" cap="none" dirty="0" smtClean="0">
                 <a:solidFill>
                   <a:srgbClr val="FFFF00"/>
                 </a:solidFill>
@@ -22732,7 +23011,7 @@
               <a:t>print</a:t>
             </a:r>
             <a:r>
-              <a:rPr lang="en-US" sz="2800" dirty="0" smtClean="0">
+              <a:rPr lang="en-US" sz="2800" b="1" dirty="0" smtClean="0">
                 <a:solidFill>
                   <a:schemeClr val="lt1"/>
                 </a:solidFill>
@@ -22744,7 +23023,7 @@
               <a:t>(</a:t>
             </a:r>
             <a:r>
-              <a:rPr lang="en-US" sz="2800" i="0" u="none" strike="noStrike" cap="none" dirty="0" smtClean="0">
+              <a:rPr lang="en-US" sz="2800" b="1" i="0" u="none" strike="noStrike" cap="none" dirty="0" smtClean="0">
                 <a:solidFill>
                   <a:schemeClr val="lt1"/>
                 </a:solidFill>
@@ -22755,7 +23034,7 @@
               </a:rPr>
               <a:t>f)</a:t>
             </a:r>
-            <a:endParaRPr lang="en-US" sz="2800" i="0" u="none" strike="noStrike" cap="none" dirty="0">
+            <a:endParaRPr lang="en-US" sz="2800" b="1" i="0" u="none" strike="noStrike" cap="none" dirty="0">
               <a:solidFill>
                 <a:schemeClr val="lt1"/>
               </a:solidFill>
@@ -22784,7 +23063,7 @@
               <a:buNone/>
             </a:pPr>
             <a:r>
-              <a:rPr lang="en-US" sz="2800" i="0" u="none" strike="noStrike" cap="none" dirty="0">
+              <a:rPr lang="en-US" sz="2800" b="1" i="0" u="none" strike="noStrike" cap="none" dirty="0">
                 <a:solidFill>
                   <a:schemeClr val="lt1"/>
                 </a:solidFill>
@@ -22815,7 +23094,7 @@
               <a:buNone/>
             </a:pPr>
             <a:r>
-              <a:rPr lang="en-US" sz="2800" i="0" u="none" strike="noStrike" cap="none" dirty="0">
+              <a:rPr lang="en-US" sz="2800" b="1" i="0" u="none" strike="noStrike" cap="none" dirty="0">
                 <a:solidFill>
                   <a:schemeClr val="lt1"/>
                 </a:solidFill>
@@ -22827,7 +23106,7 @@
               <a:t>&gt;&gt;&gt; </a:t>
             </a:r>
             <a:r>
-              <a:rPr lang="en-US" sz="2800" i="0" u="none" strike="noStrike" cap="none" dirty="0">
+              <a:rPr lang="en-US" sz="2800" b="1" i="0" u="none" strike="noStrike" cap="none" dirty="0">
                 <a:solidFill>
                   <a:srgbClr val="FF00FF"/>
                 </a:solidFill>
@@ -22839,7 +23118,7 @@
               <a:t>type</a:t>
             </a:r>
             <a:r>
-              <a:rPr lang="en-US" sz="2800" i="0" u="none" strike="noStrike" cap="none" dirty="0">
+              <a:rPr lang="en-US" sz="2800" b="1" i="0" u="none" strike="noStrike" cap="none" dirty="0">
                 <a:solidFill>
                   <a:schemeClr val="lt1"/>
                 </a:solidFill>
@@ -22870,7 +23149,7 @@
               <a:buNone/>
             </a:pPr>
             <a:r>
-              <a:rPr lang="en-US" sz="2800" i="0" u="none" strike="noStrike" cap="none" dirty="0" smtClean="0">
+              <a:rPr lang="en-US" sz="2800" b="1" i="0" u="none" strike="noStrike" cap="none" dirty="0" smtClean="0">
                 <a:solidFill>
                   <a:schemeClr val="lt1"/>
                 </a:solidFill>
@@ -22882,7 +23161,7 @@
               <a:t>&lt;class 'float</a:t>
             </a:r>
             <a:r>
-              <a:rPr lang="en-US" sz="2800" i="0" u="none" strike="noStrike" cap="none" dirty="0">
+              <a:rPr lang="en-US" sz="2800" b="1" i="0" u="none" strike="noStrike" cap="none" dirty="0">
                 <a:solidFill>
                   <a:schemeClr val="lt1"/>
                 </a:solidFill>
@@ -22913,7 +23192,7 @@
               <a:buNone/>
             </a:pPr>
             <a:r>
-              <a:rPr lang="en-US" sz="2800" i="0" u="none" strike="noStrike" cap="none" dirty="0">
+              <a:rPr lang="en-US" sz="2800" b="1" i="0" u="none" strike="noStrike" cap="none" dirty="0">
                 <a:solidFill>
                   <a:schemeClr val="lt1"/>
                 </a:solidFill>
@@ -22925,7 +23204,7 @@
               <a:t>&gt;&gt;&gt; </a:t>
             </a:r>
             <a:r>
-              <a:rPr lang="en-US" sz="2800" i="0" u="none" strike="noStrike" cap="none" dirty="0" smtClean="0">
+              <a:rPr lang="en-US" sz="2800" b="1" i="0" u="none" strike="noStrike" cap="none" dirty="0" smtClean="0">
                 <a:solidFill>
                   <a:srgbClr val="FFFF00"/>
                 </a:solidFill>
@@ -22937,7 +23216,7 @@
               <a:t>print</a:t>
             </a:r>
             <a:r>
-              <a:rPr lang="en-US" sz="2800" dirty="0">
+              <a:rPr lang="en-US" sz="2800" b="1" dirty="0">
                 <a:solidFill>
                   <a:schemeClr val="lt1"/>
                 </a:solidFill>
@@ -22949,7 +23228,7 @@
               <a:t>(</a:t>
             </a:r>
             <a:r>
-              <a:rPr lang="en-US" sz="2800" i="0" u="none" strike="noStrike" cap="none" dirty="0" smtClean="0">
+              <a:rPr lang="en-US" sz="2800" b="1" i="0" u="none" strike="noStrike" cap="none" dirty="0" smtClean="0">
                 <a:solidFill>
                   <a:schemeClr val="lt1"/>
                 </a:solidFill>
@@ -22961,7 +23240,7 @@
               <a:t>1 </a:t>
             </a:r>
             <a:r>
-              <a:rPr lang="en-US" sz="2800" i="0" u="none" strike="noStrike" cap="none" dirty="0">
+              <a:rPr lang="en-US" sz="2800" b="1" i="0" u="none" strike="noStrike" cap="none" dirty="0">
                 <a:solidFill>
                   <a:srgbClr val="00FFFF"/>
                 </a:solidFill>
@@ -22973,7 +23252,7 @@
               <a:t>+</a:t>
             </a:r>
             <a:r>
-              <a:rPr lang="en-US" sz="2800" i="0" u="none" strike="noStrike" cap="none" dirty="0">
+              <a:rPr lang="en-US" sz="2800" b="1" i="0" u="none" strike="noStrike" cap="none" dirty="0">
                 <a:solidFill>
                   <a:schemeClr val="lt1"/>
                 </a:solidFill>
@@ -22985,7 +23264,7 @@
               <a:t> 2 </a:t>
             </a:r>
             <a:r>
-              <a:rPr lang="en-US" sz="2800" i="0" u="none" strike="noStrike" cap="none" dirty="0">
+              <a:rPr lang="en-US" sz="2800" b="1" i="0" u="none" strike="noStrike" cap="none" dirty="0">
                 <a:solidFill>
                   <a:srgbClr val="00FFFF"/>
                 </a:solidFill>
@@ -22997,7 +23276,7 @@
               <a:t>*</a:t>
             </a:r>
             <a:r>
-              <a:rPr lang="en-US" sz="2800" i="0" u="none" strike="noStrike" cap="none" dirty="0">
+              <a:rPr lang="en-US" sz="2800" b="1" i="0" u="none" strike="noStrike" cap="none" dirty="0">
                 <a:solidFill>
                   <a:schemeClr val="lt1"/>
                 </a:solidFill>
@@ -23009,7 +23288,7 @@
               <a:t> </a:t>
             </a:r>
             <a:r>
-              <a:rPr lang="en-US" sz="2800" i="0" u="none" strike="noStrike" cap="none" dirty="0">
+              <a:rPr lang="en-US" sz="2800" b="1" i="0" u="none" strike="noStrike" cap="none" dirty="0">
                 <a:solidFill>
                   <a:srgbClr val="FF00FF"/>
                 </a:solidFill>
@@ -23021,7 +23300,7 @@
               <a:t>float</a:t>
             </a:r>
             <a:r>
-              <a:rPr lang="en-US" sz="2800" i="0" u="none" strike="noStrike" cap="none" dirty="0">
+              <a:rPr lang="en-US" sz="2800" b="1" i="0" u="none" strike="noStrike" cap="none" dirty="0">
                 <a:solidFill>
                   <a:schemeClr val="lt1"/>
                 </a:solidFill>
@@ -23033,7 +23312,7 @@
               <a:t>(3) </a:t>
             </a:r>
             <a:r>
-              <a:rPr lang="en-US" sz="2800" i="0" u="none" strike="noStrike" cap="none" dirty="0">
+              <a:rPr lang="en-US" sz="2800" b="1" i="0" u="none" strike="noStrike" cap="none" dirty="0">
                 <a:solidFill>
                   <a:srgbClr val="00FFFF"/>
                 </a:solidFill>
@@ -23045,7 +23324,7 @@
               <a:t>/</a:t>
             </a:r>
             <a:r>
-              <a:rPr lang="en-US" sz="2800" dirty="0">
+              <a:rPr lang="en-US" sz="2800" b="1" dirty="0">
                 <a:solidFill>
                   <a:schemeClr val="lt1"/>
                 </a:solidFill>
@@ -23057,7 +23336,7 @@
               <a:t> </a:t>
             </a:r>
             <a:r>
-              <a:rPr lang="en-US" sz="2800" i="0" u="none" strike="noStrike" cap="none" dirty="0">
+              <a:rPr lang="en-US" sz="2800" b="1" i="0" u="none" strike="noStrike" cap="none" dirty="0">
                 <a:solidFill>
                   <a:schemeClr val="lt1"/>
                 </a:solidFill>
@@ -23069,7 +23348,7 @@
               <a:t>4 </a:t>
             </a:r>
             <a:r>
-              <a:rPr lang="en-US" sz="2800" i="0" u="none" strike="noStrike" cap="none" dirty="0" smtClean="0">
+              <a:rPr lang="en-US" sz="2800" b="1" i="0" u="none" strike="noStrike" cap="none" dirty="0" smtClean="0">
                 <a:solidFill>
                   <a:srgbClr val="00FFFF"/>
                 </a:solidFill>
@@ -23081,7 +23360,7 @@
               <a:t>–</a:t>
             </a:r>
             <a:r>
-              <a:rPr lang="en-US" sz="2800" i="0" u="none" strike="noStrike" cap="none" dirty="0" smtClean="0">
+              <a:rPr lang="en-US" sz="2800" b="1" i="0" u="none" strike="noStrike" cap="none" dirty="0" smtClean="0">
                 <a:solidFill>
                   <a:schemeClr val="lt1"/>
                 </a:solidFill>
@@ -23092,7 +23371,7 @@
               </a:rPr>
               <a:t> 5)</a:t>
             </a:r>
-            <a:endParaRPr lang="en-US" sz="2800" i="0" u="none" strike="noStrike" cap="none" dirty="0">
+            <a:endParaRPr lang="en-US" sz="2800" b="1" i="0" u="none" strike="noStrike" cap="none" dirty="0">
               <a:solidFill>
                 <a:schemeClr val="lt1"/>
               </a:solidFill>
@@ -23121,7 +23400,7 @@
               <a:buNone/>
             </a:pPr>
             <a:r>
-              <a:rPr lang="en-US" sz="2800" i="0" u="none" strike="noStrike" cap="none" dirty="0">
+              <a:rPr lang="en-US" sz="2800" b="1" i="0" u="none" strike="noStrike" cap="none" dirty="0">
                 <a:solidFill>
                   <a:schemeClr val="lt1"/>
                 </a:solidFill>
@@ -23152,7 +23431,7 @@
               <a:buNone/>
             </a:pPr>
             <a:r>
-              <a:rPr lang="en-US" sz="2800" i="0" u="none" strike="noStrike" cap="none" dirty="0">
+              <a:rPr lang="en-US" sz="2800" b="1" i="0" u="none" strike="noStrike" cap="none" dirty="0">
                 <a:solidFill>
                   <a:schemeClr val="lt1"/>
                 </a:solidFill>
@@ -23171,6 +23450,13 @@
   <p:clrMapOvr>
     <a:masterClrMapping/>
   </p:clrMapOvr>
+  <p:timing>
+    <p:tnLst>
+      <p:par>
+        <p:cTn id="1" dur="indefinite" restart="never" nodeType="tmRoot"/>
+      </p:par>
+    </p:tnLst>
+  </p:timing>
 </p:sld>
 </file>
 
@@ -23471,7 +23757,7 @@
               <a:buNone/>
             </a:pPr>
             <a:r>
-              <a:rPr lang="en-US" sz="2500" i="0" u="none" strike="noStrike" cap="none" dirty="0">
+              <a:rPr lang="en-US" sz="2500" b="1" i="0" u="none" strike="noStrike" cap="none" dirty="0">
                 <a:solidFill>
                   <a:schemeClr val="lt1"/>
                 </a:solidFill>
@@ -23483,7 +23769,7 @@
               <a:t>&gt;&gt;&gt; </a:t>
             </a:r>
             <a:r>
-              <a:rPr lang="en-US" sz="2500" i="0" u="none" strike="noStrike" cap="none" dirty="0" err="1">
+              <a:rPr lang="en-US" sz="2500" b="1" i="0" u="none" strike="noStrike" cap="none" dirty="0" err="1">
                 <a:solidFill>
                   <a:srgbClr val="00FF00"/>
                 </a:solidFill>
@@ -23495,7 +23781,7 @@
               <a:t>sval</a:t>
             </a:r>
             <a:r>
-              <a:rPr lang="en-US" sz="2500" i="0" u="none" strike="noStrike" cap="none" dirty="0">
+              <a:rPr lang="en-US" sz="2500" b="1" i="0" u="none" strike="noStrike" cap="none" dirty="0">
                 <a:solidFill>
                   <a:schemeClr val="lt1"/>
                 </a:solidFill>
@@ -23526,7 +23812,7 @@
               <a:buNone/>
             </a:pPr>
             <a:r>
-              <a:rPr lang="en-US" sz="2500" i="0" u="none" strike="noStrike" cap="none" dirty="0">
+              <a:rPr lang="en-US" sz="2500" b="1" i="0" u="none" strike="noStrike" cap="none" dirty="0">
                 <a:solidFill>
                   <a:schemeClr val="lt1"/>
                 </a:solidFill>
@@ -23538,7 +23824,7 @@
               <a:t>&gt;&gt;&gt; </a:t>
             </a:r>
             <a:r>
-              <a:rPr lang="en-US" sz="2500" i="0" u="none" strike="noStrike" cap="none" dirty="0">
+              <a:rPr lang="en-US" sz="2500" b="1" i="0" u="none" strike="noStrike" cap="none" dirty="0">
                 <a:solidFill>
                   <a:srgbClr val="FF00FF"/>
                 </a:solidFill>
@@ -23550,7 +23836,7 @@
               <a:t>type</a:t>
             </a:r>
             <a:r>
-              <a:rPr lang="en-US" sz="2500" i="0" u="none" strike="noStrike" cap="none" dirty="0">
+              <a:rPr lang="en-US" sz="2500" b="1" i="0" u="none" strike="noStrike" cap="none" dirty="0">
                 <a:solidFill>
                   <a:schemeClr val="lt1"/>
                 </a:solidFill>
@@ -23562,7 +23848,7 @@
               <a:t>(</a:t>
             </a:r>
             <a:r>
-              <a:rPr lang="en-US" sz="2500" i="0" u="none" strike="noStrike" cap="none" dirty="0" err="1">
+              <a:rPr lang="en-US" sz="2500" b="1" i="0" u="none" strike="noStrike" cap="none" dirty="0" err="1">
                 <a:solidFill>
                   <a:srgbClr val="00FF00"/>
                 </a:solidFill>
@@ -23574,7 +23860,7 @@
               <a:t>sval</a:t>
             </a:r>
             <a:r>
-              <a:rPr lang="en-US" sz="2500" i="0" u="none" strike="noStrike" cap="none" dirty="0">
+              <a:rPr lang="en-US" sz="2500" b="1" i="0" u="none" strike="noStrike" cap="none" dirty="0">
                 <a:solidFill>
                   <a:schemeClr val="lt1"/>
                 </a:solidFill>
@@ -23605,7 +23891,7 @@
               <a:buNone/>
             </a:pPr>
             <a:r>
-              <a:rPr lang="en-US" sz="2500" i="0" u="none" strike="noStrike" cap="none" dirty="0" smtClean="0">
+              <a:rPr lang="en-US" sz="2500" b="1" i="0" u="none" strike="noStrike" cap="none" dirty="0" smtClean="0">
                 <a:solidFill>
                   <a:schemeClr val="lt1"/>
                 </a:solidFill>
@@ -23617,7 +23903,7 @@
               <a:t>&lt;class '</a:t>
             </a:r>
             <a:r>
-              <a:rPr lang="en-US" sz="2500" i="0" u="none" strike="noStrike" cap="none" dirty="0" err="1" smtClean="0">
+              <a:rPr lang="en-US" sz="2500" b="1" i="0" u="none" strike="noStrike" cap="none" dirty="0" err="1" smtClean="0">
                 <a:solidFill>
                   <a:schemeClr val="lt1"/>
                 </a:solidFill>
@@ -23629,7 +23915,7 @@
               <a:t>str</a:t>
             </a:r>
             <a:r>
-              <a:rPr lang="en-US" sz="2500" i="0" u="none" strike="noStrike" cap="none" dirty="0">
+              <a:rPr lang="en-US" sz="2500" b="1" i="0" u="none" strike="noStrike" cap="none" dirty="0">
                 <a:solidFill>
                   <a:schemeClr val="lt1"/>
                 </a:solidFill>
@@ -23660,7 +23946,7 @@
               <a:buNone/>
             </a:pPr>
             <a:r>
-              <a:rPr lang="en-US" sz="2500" i="0" u="none" strike="noStrike" cap="none" dirty="0">
+              <a:rPr lang="en-US" sz="2500" b="1" i="0" u="none" strike="noStrike" cap="none" dirty="0">
                 <a:solidFill>
                   <a:schemeClr val="lt1"/>
                 </a:solidFill>
@@ -23672,7 +23958,7 @@
               <a:t>&gt;&gt;&gt; </a:t>
             </a:r>
             <a:r>
-              <a:rPr lang="en-US" sz="2500" i="0" u="none" strike="noStrike" cap="none" dirty="0" smtClean="0">
+              <a:rPr lang="en-US" sz="2500" b="1" i="0" u="none" strike="noStrike" cap="none" dirty="0" smtClean="0">
                 <a:solidFill>
                   <a:srgbClr val="FFFF00"/>
                 </a:solidFill>
@@ -23684,7 +23970,7 @@
               <a:t>print</a:t>
             </a:r>
             <a:r>
-              <a:rPr lang="en-US" sz="2500" dirty="0">
+              <a:rPr lang="en-US" sz="2500" b="1" dirty="0">
                 <a:solidFill>
                   <a:schemeClr val="lt1"/>
                 </a:solidFill>
@@ -23696,7 +23982,7 @@
               <a:t>(</a:t>
             </a:r>
             <a:r>
-              <a:rPr lang="en-US" sz="2500" i="0" u="none" strike="noStrike" cap="none" dirty="0" err="1" smtClean="0">
+              <a:rPr lang="en-US" sz="2500" b="1" i="0" u="none" strike="noStrike" cap="none" dirty="0" err="1" smtClean="0">
                 <a:solidFill>
                   <a:srgbClr val="00FF00"/>
                 </a:solidFill>
@@ -23708,7 +23994,7 @@
               <a:t>sval</a:t>
             </a:r>
             <a:r>
-              <a:rPr lang="en-US" sz="2500" i="0" u="none" strike="noStrike" cap="none" dirty="0" smtClean="0">
+              <a:rPr lang="en-US" sz="2500" b="1" i="0" u="none" strike="noStrike" cap="none" dirty="0" smtClean="0">
                 <a:solidFill>
                   <a:schemeClr val="lt1"/>
                 </a:solidFill>
@@ -23720,7 +24006,7 @@
               <a:t> </a:t>
             </a:r>
             <a:r>
-              <a:rPr lang="en-US" sz="2500" i="0" u="none" strike="noStrike" cap="none" dirty="0">
+              <a:rPr lang="en-US" sz="2500" b="1" i="0" u="none" strike="noStrike" cap="none" dirty="0">
                 <a:solidFill>
                   <a:srgbClr val="00FFFF"/>
                 </a:solidFill>
@@ -23732,7 +24018,7 @@
               <a:t>+</a:t>
             </a:r>
             <a:r>
-              <a:rPr lang="en-US" sz="2500" i="0" u="none" strike="noStrike" cap="none" dirty="0">
+              <a:rPr lang="en-US" sz="2500" b="1" i="0" u="none" strike="noStrike" cap="none" dirty="0">
                 <a:solidFill>
                   <a:schemeClr val="lt1"/>
                 </a:solidFill>
@@ -23744,7 +24030,7 @@
               <a:t> </a:t>
             </a:r>
             <a:r>
-              <a:rPr lang="en-US" sz="2500" i="0" u="none" strike="noStrike" cap="none" dirty="0" smtClean="0">
+              <a:rPr lang="en-US" sz="2500" b="1" i="0" u="none" strike="noStrike" cap="none" dirty="0" smtClean="0">
                 <a:solidFill>
                   <a:schemeClr val="lt1"/>
                 </a:solidFill>
@@ -23755,7 +24041,7 @@
               </a:rPr>
               <a:t>1)</a:t>
             </a:r>
-            <a:endParaRPr lang="en-US" sz="2500" i="0" u="none" strike="noStrike" cap="none" dirty="0">
+            <a:endParaRPr lang="en-US" sz="2500" b="1" i="0" u="none" strike="noStrike" cap="none" dirty="0">
               <a:solidFill>
                 <a:schemeClr val="lt1"/>
               </a:solidFill>
@@ -23784,7 +24070,7 @@
               <a:buNone/>
             </a:pPr>
             <a:r>
-              <a:rPr lang="en-US" sz="2500" i="0" u="none" strike="noStrike" cap="none" dirty="0" err="1">
+              <a:rPr lang="en-US" sz="2500" b="1" i="0" u="none" strike="noStrike" cap="none" dirty="0" err="1">
                 <a:solidFill>
                   <a:srgbClr val="E06666"/>
                 </a:solidFill>
@@ -23796,7 +24082,7 @@
               <a:t>Traceback</a:t>
             </a:r>
             <a:r>
-              <a:rPr lang="en-US" sz="2500" i="0" u="none" strike="noStrike" cap="none" dirty="0">
+              <a:rPr lang="en-US" sz="2500" b="1" i="0" u="none" strike="noStrike" cap="none" dirty="0">
                 <a:solidFill>
                   <a:srgbClr val="E06666"/>
                 </a:solidFill>
@@ -23827,7 +24113,7 @@
               <a:buNone/>
             </a:pPr>
             <a:r>
-              <a:rPr lang="en-US" sz="2500" i="0" u="none" strike="noStrike" cap="none" dirty="0">
+              <a:rPr lang="en-US" sz="2500" b="1" i="0" u="none" strike="noStrike" cap="none" dirty="0">
                 <a:solidFill>
                   <a:srgbClr val="E06666"/>
                 </a:solidFill>
@@ -23839,7 +24125,7 @@
               <a:t>  File "&lt;</a:t>
             </a:r>
             <a:r>
-              <a:rPr lang="en-US" sz="2500" i="0" u="none" strike="noStrike" cap="none" dirty="0" err="1">
+              <a:rPr lang="en-US" sz="2500" b="1" i="0" u="none" strike="noStrike" cap="none" dirty="0" err="1">
                 <a:solidFill>
                   <a:srgbClr val="E06666"/>
                 </a:solidFill>
@@ -23851,7 +24137,7 @@
               <a:t>stdin</a:t>
             </a:r>
             <a:r>
-              <a:rPr lang="en-US" sz="2500" i="0" u="none" strike="noStrike" cap="none" dirty="0">
+              <a:rPr lang="en-US" sz="2500" b="1" i="0" u="none" strike="noStrike" cap="none" dirty="0">
                 <a:solidFill>
                   <a:srgbClr val="E06666"/>
                 </a:solidFill>
@@ -23882,7 +24168,7 @@
               <a:buNone/>
             </a:pPr>
             <a:r>
-              <a:rPr lang="en-US" sz="2500" i="0" u="none" strike="noStrike" cap="none" dirty="0" err="1">
+              <a:rPr lang="en-US" sz="2500" b="1" i="0" u="none" strike="noStrike" cap="none" dirty="0" err="1">
                 <a:solidFill>
                   <a:srgbClr val="E06666"/>
                 </a:solidFill>
@@ -23894,7 +24180,7 @@
               <a:t>TypeError</a:t>
             </a:r>
             <a:r>
-              <a:rPr lang="en-US" sz="2500" i="0" u="none" strike="noStrike" cap="none" dirty="0">
+              <a:rPr lang="en-US" sz="2500" b="1" i="0" u="none" strike="noStrike" cap="none" dirty="0">
                 <a:solidFill>
                   <a:srgbClr val="E06666"/>
                 </a:solidFill>
@@ -23906,7 +24192,7 @@
               <a:t>: cannot concatenate '</a:t>
             </a:r>
             <a:r>
-              <a:rPr lang="en-US" sz="2500" i="0" u="none" strike="noStrike" cap="none" dirty="0" err="1">
+              <a:rPr lang="en-US" sz="2500" b="1" i="0" u="none" strike="noStrike" cap="none" dirty="0" err="1">
                 <a:solidFill>
                   <a:srgbClr val="E06666"/>
                 </a:solidFill>
@@ -23918,7 +24204,7 @@
               <a:t>str</a:t>
             </a:r>
             <a:r>
-              <a:rPr lang="en-US" sz="2500" i="0" u="none" strike="noStrike" cap="none" dirty="0">
+              <a:rPr lang="en-US" sz="2500" b="1" i="0" u="none" strike="noStrike" cap="none" dirty="0">
                 <a:solidFill>
                   <a:srgbClr val="E06666"/>
                 </a:solidFill>
@@ -23930,7 +24216,7 @@
               <a:t>' and '</a:t>
             </a:r>
             <a:r>
-              <a:rPr lang="en-US" sz="2500" i="0" u="none" strike="noStrike" cap="none" dirty="0" err="1">
+              <a:rPr lang="en-US" sz="2500" b="1" i="0" u="none" strike="noStrike" cap="none" dirty="0" err="1">
                 <a:solidFill>
                   <a:srgbClr val="E06666"/>
                 </a:solidFill>
@@ -23942,7 +24228,7 @@
               <a:t>int</a:t>
             </a:r>
             <a:r>
-              <a:rPr lang="en-US" sz="2500" i="0" u="none" strike="noStrike" cap="none" dirty="0">
+              <a:rPr lang="en-US" sz="2500" b="1" i="0" u="none" strike="noStrike" cap="none" dirty="0">
                 <a:solidFill>
                   <a:srgbClr val="E06666"/>
                 </a:solidFill>
@@ -23973,7 +24259,7 @@
               <a:buNone/>
             </a:pPr>
             <a:r>
-              <a:rPr lang="en-US" sz="2500" i="0" u="none" strike="noStrike" cap="none" dirty="0">
+              <a:rPr lang="en-US" sz="2500" b="1" i="0" u="none" strike="noStrike" cap="none" dirty="0">
                 <a:solidFill>
                   <a:schemeClr val="lt1"/>
                 </a:solidFill>
@@ -23985,7 +24271,7 @@
               <a:t>&gt;&gt;&gt; </a:t>
             </a:r>
             <a:r>
-              <a:rPr lang="en-US" sz="2500" i="0" u="none" strike="noStrike" cap="none" dirty="0" err="1">
+              <a:rPr lang="en-US" sz="2500" b="1" i="0" u="none" strike="noStrike" cap="none" dirty="0" err="1">
                 <a:solidFill>
                   <a:srgbClr val="00FF00"/>
                 </a:solidFill>
@@ -23997,7 +24283,7 @@
               <a:t>ival</a:t>
             </a:r>
             <a:r>
-              <a:rPr lang="en-US" sz="2500" i="0" u="none" strike="noStrike" cap="none" dirty="0">
+              <a:rPr lang="en-US" sz="2500" b="1" i="0" u="none" strike="noStrike" cap="none" dirty="0">
                 <a:solidFill>
                   <a:schemeClr val="lt1"/>
                 </a:solidFill>
@@ -24009,7 +24295,7 @@
               <a:t> = </a:t>
             </a:r>
             <a:r>
-              <a:rPr lang="en-US" sz="2500" i="0" u="none" strike="noStrike" cap="none" dirty="0" err="1">
+              <a:rPr lang="en-US" sz="2500" b="1" i="0" u="none" strike="noStrike" cap="none" dirty="0" err="1">
                 <a:solidFill>
                   <a:srgbClr val="FF00FF"/>
                 </a:solidFill>
@@ -24021,7 +24307,7 @@
               <a:t>int</a:t>
             </a:r>
             <a:r>
-              <a:rPr lang="en-US" sz="2500" i="0" u="none" strike="noStrike" cap="none" dirty="0">
+              <a:rPr lang="en-US" sz="2500" b="1" i="0" u="none" strike="noStrike" cap="none" dirty="0">
                 <a:solidFill>
                   <a:schemeClr val="lt1"/>
                 </a:solidFill>
@@ -24033,7 +24319,7 @@
               <a:t>(</a:t>
             </a:r>
             <a:r>
-              <a:rPr lang="en-US" sz="2500" i="0" u="none" strike="noStrike" cap="none" dirty="0" err="1">
+              <a:rPr lang="en-US" sz="2500" b="1" i="0" u="none" strike="noStrike" cap="none" dirty="0" err="1">
                 <a:solidFill>
                   <a:srgbClr val="00FF00"/>
                 </a:solidFill>
@@ -24045,7 +24331,7 @@
               <a:t>sval</a:t>
             </a:r>
             <a:r>
-              <a:rPr lang="en-US" sz="2500" i="0" u="none" strike="noStrike" cap="none" dirty="0">
+              <a:rPr lang="en-US" sz="2500" b="1" i="0" u="none" strike="noStrike" cap="none" dirty="0">
                 <a:solidFill>
                   <a:schemeClr val="lt1"/>
                 </a:solidFill>
@@ -24076,7 +24362,7 @@
               <a:buNone/>
             </a:pPr>
             <a:r>
-              <a:rPr lang="en-US" sz="2500" i="0" u="none" strike="noStrike" cap="none" dirty="0">
+              <a:rPr lang="en-US" sz="2500" b="1" i="0" u="none" strike="noStrike" cap="none" dirty="0">
                 <a:solidFill>
                   <a:schemeClr val="lt1"/>
                 </a:solidFill>
@@ -24088,7 +24374,7 @@
               <a:t>&gt;&gt;&gt; </a:t>
             </a:r>
             <a:r>
-              <a:rPr lang="en-US" sz="2500" i="0" u="none" strike="noStrike" cap="none" dirty="0">
+              <a:rPr lang="en-US" sz="2500" b="1" i="0" u="none" strike="noStrike" cap="none" dirty="0">
                 <a:solidFill>
                   <a:srgbClr val="FF00FF"/>
                 </a:solidFill>
@@ -24100,7 +24386,7 @@
               <a:t>type</a:t>
             </a:r>
             <a:r>
-              <a:rPr lang="en-US" sz="2500" i="0" u="none" strike="noStrike" cap="none" dirty="0">
+              <a:rPr lang="en-US" sz="2500" b="1" i="0" u="none" strike="noStrike" cap="none" dirty="0">
                 <a:solidFill>
                   <a:schemeClr val="lt1"/>
                 </a:solidFill>
@@ -24112,7 +24398,7 @@
               <a:t>(</a:t>
             </a:r>
             <a:r>
-              <a:rPr lang="en-US" sz="2500" i="0" u="none" strike="noStrike" cap="none" dirty="0" err="1">
+              <a:rPr lang="en-US" sz="2500" b="1" i="0" u="none" strike="noStrike" cap="none" dirty="0" err="1">
                 <a:solidFill>
                   <a:srgbClr val="00FF00"/>
                 </a:solidFill>
@@ -24124,7 +24410,7 @@
               <a:t>ival</a:t>
             </a:r>
             <a:r>
-              <a:rPr lang="en-US" sz="2500" i="0" u="none" strike="noStrike" cap="none" dirty="0">
+              <a:rPr lang="en-US" sz="2500" b="1" i="0" u="none" strike="noStrike" cap="none" dirty="0">
                 <a:solidFill>
                   <a:schemeClr val="lt1"/>
                 </a:solidFill>
@@ -24155,7 +24441,7 @@
               <a:buNone/>
             </a:pPr>
             <a:r>
-              <a:rPr lang="en-US" sz="2500" i="0" u="none" strike="noStrike" cap="none" dirty="0" smtClean="0">
+              <a:rPr lang="en-US" sz="2500" b="1" i="0" u="none" strike="noStrike" cap="none" dirty="0" smtClean="0">
                 <a:solidFill>
                   <a:schemeClr val="lt1"/>
                 </a:solidFill>
@@ -24167,7 +24453,7 @@
               <a:t>&lt;class '</a:t>
             </a:r>
             <a:r>
-              <a:rPr lang="en-US" sz="2500" i="0" u="none" strike="noStrike" cap="none" dirty="0" err="1" smtClean="0">
+              <a:rPr lang="en-US" sz="2500" b="1" i="0" u="none" strike="noStrike" cap="none" dirty="0" err="1" smtClean="0">
                 <a:solidFill>
                   <a:schemeClr val="lt1"/>
                 </a:solidFill>
@@ -24179,7 +24465,7 @@
               <a:t>int</a:t>
             </a:r>
             <a:r>
-              <a:rPr lang="en-US" sz="2500" i="0" u="none" strike="noStrike" cap="none" dirty="0">
+              <a:rPr lang="en-US" sz="2500" b="1" i="0" u="none" strike="noStrike" cap="none" dirty="0">
                 <a:solidFill>
                   <a:schemeClr val="lt1"/>
                 </a:solidFill>
@@ -24210,7 +24496,7 @@
               <a:buNone/>
             </a:pPr>
             <a:r>
-              <a:rPr lang="en-US" sz="2500" i="0" u="none" strike="noStrike" cap="none" dirty="0">
+              <a:rPr lang="en-US" sz="2500" b="1" i="0" u="none" strike="noStrike" cap="none" dirty="0">
                 <a:solidFill>
                   <a:schemeClr val="lt1"/>
                 </a:solidFill>
@@ -24222,7 +24508,7 @@
               <a:t>&gt;&gt;&gt; </a:t>
             </a:r>
             <a:r>
-              <a:rPr lang="en-US" sz="2500" i="0" u="none" strike="noStrike" cap="none" dirty="0" smtClean="0">
+              <a:rPr lang="en-US" sz="2500" b="1" i="0" u="none" strike="noStrike" cap="none" dirty="0" smtClean="0">
                 <a:solidFill>
                   <a:srgbClr val="FFFF00"/>
                 </a:solidFill>
@@ -24234,7 +24520,7 @@
               <a:t>print</a:t>
             </a:r>
             <a:r>
-              <a:rPr lang="en-US" sz="2500" dirty="0">
+              <a:rPr lang="en-US" sz="2500" b="1" dirty="0">
                 <a:solidFill>
                   <a:schemeClr val="lt1"/>
                 </a:solidFill>
@@ -24246,7 +24532,7 @@
               <a:t>(</a:t>
             </a:r>
             <a:r>
-              <a:rPr lang="en-US" sz="2500" i="0" u="none" strike="noStrike" cap="none" dirty="0" err="1" smtClean="0">
+              <a:rPr lang="en-US" sz="2500" b="1" i="0" u="none" strike="noStrike" cap="none" dirty="0" err="1" smtClean="0">
                 <a:solidFill>
                   <a:srgbClr val="00FF00"/>
                 </a:solidFill>
@@ -24258,7 +24544,7 @@
               <a:t>ival</a:t>
             </a:r>
             <a:r>
-              <a:rPr lang="en-US" sz="2500" i="0" u="none" strike="noStrike" cap="none" dirty="0" smtClean="0">
+              <a:rPr lang="en-US" sz="2500" b="1" i="0" u="none" strike="noStrike" cap="none" dirty="0" smtClean="0">
                 <a:solidFill>
                   <a:schemeClr val="lt1"/>
                 </a:solidFill>
@@ -24270,7 +24556,7 @@
               <a:t> </a:t>
             </a:r>
             <a:r>
-              <a:rPr lang="en-US" sz="2500" i="0" u="none" strike="noStrike" cap="none" dirty="0">
+              <a:rPr lang="en-US" sz="2500" b="1" i="0" u="none" strike="noStrike" cap="none" dirty="0">
                 <a:solidFill>
                   <a:schemeClr val="lt1"/>
                 </a:solidFill>
@@ -24282,7 +24568,7 @@
               <a:t>+ </a:t>
             </a:r>
             <a:r>
-              <a:rPr lang="en-US" sz="2500" i="0" u="none" strike="noStrike" cap="none" dirty="0" smtClean="0">
+              <a:rPr lang="en-US" sz="2500" b="1" i="0" u="none" strike="noStrike" cap="none" dirty="0" smtClean="0">
                 <a:solidFill>
                   <a:schemeClr val="lt1"/>
                 </a:solidFill>
@@ -24293,7 +24579,7 @@
               </a:rPr>
               <a:t>1)</a:t>
             </a:r>
-            <a:endParaRPr lang="en-US" sz="2500" i="0" u="none" strike="noStrike" cap="none" dirty="0">
+            <a:endParaRPr lang="en-US" sz="2500" b="1" i="0" u="none" strike="noStrike" cap="none" dirty="0">
               <a:solidFill>
                 <a:schemeClr val="lt1"/>
               </a:solidFill>
@@ -24322,7 +24608,7 @@
               <a:buNone/>
             </a:pPr>
             <a:r>
-              <a:rPr lang="en-US" sz="2500" i="0" u="none" strike="noStrike" cap="none" dirty="0">
+              <a:rPr lang="en-US" sz="2500" b="1" i="0" u="none" strike="noStrike" cap="none" dirty="0">
                 <a:solidFill>
                   <a:schemeClr val="lt1"/>
                 </a:solidFill>
@@ -24353,7 +24639,7 @@
               <a:buNone/>
             </a:pPr>
             <a:r>
-              <a:rPr lang="en-US" sz="2500" i="0" u="none" strike="noStrike" cap="none" dirty="0">
+              <a:rPr lang="en-US" sz="2500" b="1" i="0" u="none" strike="noStrike" cap="none" dirty="0">
                 <a:solidFill>
                   <a:schemeClr val="lt1"/>
                 </a:solidFill>
@@ -24365,7 +24651,7 @@
               <a:t>&gt;&gt;&gt; </a:t>
             </a:r>
             <a:r>
-              <a:rPr lang="en-US" sz="2500" i="0" u="none" strike="noStrike" cap="none" dirty="0" err="1">
+              <a:rPr lang="en-US" sz="2500" b="1" i="0" u="none" strike="noStrike" cap="none" dirty="0" err="1">
                 <a:solidFill>
                   <a:srgbClr val="00FF00"/>
                 </a:solidFill>
@@ -24377,7 +24663,7 @@
               <a:t>nsv</a:t>
             </a:r>
             <a:r>
-              <a:rPr lang="en-US" sz="2500" i="0" u="none" strike="noStrike" cap="none" dirty="0">
+              <a:rPr lang="en-US" sz="2500" b="1" i="0" u="none" strike="noStrike" cap="none" dirty="0">
                 <a:solidFill>
                   <a:schemeClr val="lt1"/>
                 </a:solidFill>
@@ -24408,7 +24694,7 @@
               <a:buNone/>
             </a:pPr>
             <a:r>
-              <a:rPr lang="en-US" sz="2500" i="0" u="none" strike="noStrike" cap="none" dirty="0">
+              <a:rPr lang="en-US" sz="2500" b="1" i="0" u="none" strike="noStrike" cap="none" dirty="0">
                 <a:solidFill>
                   <a:schemeClr val="lt1"/>
                 </a:solidFill>
@@ -24420,7 +24706,7 @@
               <a:t>&gt;&gt;&gt; </a:t>
             </a:r>
             <a:r>
-              <a:rPr lang="en-US" sz="2500" i="0" u="none" strike="noStrike" cap="none" dirty="0" err="1">
+              <a:rPr lang="en-US" sz="2500" b="1" i="0" u="none" strike="noStrike" cap="none" dirty="0" err="1">
                 <a:solidFill>
                   <a:srgbClr val="00FF00"/>
                 </a:solidFill>
@@ -24432,7 +24718,7 @@
               <a:t>niv</a:t>
             </a:r>
             <a:r>
-              <a:rPr lang="en-US" sz="2500" i="0" u="none" strike="noStrike" cap="none" dirty="0">
+              <a:rPr lang="en-US" sz="2500" b="1" i="0" u="none" strike="noStrike" cap="none" dirty="0">
                 <a:solidFill>
                   <a:schemeClr val="lt1"/>
                 </a:solidFill>
@@ -24444,7 +24730,7 @@
               <a:t> = </a:t>
             </a:r>
             <a:r>
-              <a:rPr lang="en-US" sz="2500" i="0" u="none" strike="noStrike" cap="none" dirty="0" err="1">
+              <a:rPr lang="en-US" sz="2500" b="1" i="0" u="none" strike="noStrike" cap="none" dirty="0" err="1">
                 <a:solidFill>
                   <a:srgbClr val="FF00FF"/>
                 </a:solidFill>
@@ -24456,7 +24742,7 @@
               <a:t>int</a:t>
             </a:r>
             <a:r>
-              <a:rPr lang="en-US" sz="2500" i="0" u="none" strike="noStrike" cap="none" dirty="0">
+              <a:rPr lang="en-US" sz="2500" b="1" i="0" u="none" strike="noStrike" cap="none" dirty="0">
                 <a:solidFill>
                   <a:schemeClr val="lt1"/>
                 </a:solidFill>
@@ -24468,7 +24754,7 @@
               <a:t>(</a:t>
             </a:r>
             <a:r>
-              <a:rPr lang="en-US" sz="2500" i="0" u="none" strike="noStrike" cap="none" dirty="0" err="1">
+              <a:rPr lang="en-US" sz="2500" b="1" i="0" u="none" strike="noStrike" cap="none" dirty="0" err="1">
                 <a:solidFill>
                   <a:srgbClr val="00FF00"/>
                 </a:solidFill>
@@ -24480,7 +24766,7 @@
               <a:t>nsv</a:t>
             </a:r>
             <a:r>
-              <a:rPr lang="en-US" sz="2500" i="0" u="none" strike="noStrike" cap="none" dirty="0">
+              <a:rPr lang="en-US" sz="2500" b="1" i="0" u="none" strike="noStrike" cap="none" dirty="0">
                 <a:solidFill>
                   <a:schemeClr val="lt1"/>
                 </a:solidFill>
@@ -24511,7 +24797,7 @@
               <a:buNone/>
             </a:pPr>
             <a:r>
-              <a:rPr lang="en-US" sz="2500" i="0" u="none" strike="noStrike" cap="none" dirty="0" err="1">
+              <a:rPr lang="en-US" sz="2500" b="1" i="0" u="none" strike="noStrike" cap="none" dirty="0" err="1">
                 <a:solidFill>
                   <a:srgbClr val="E06666"/>
                 </a:solidFill>
@@ -24523,7 +24809,7 @@
               <a:t>Traceback</a:t>
             </a:r>
             <a:r>
-              <a:rPr lang="en-US" sz="2500" i="0" u="none" strike="noStrike" cap="none" dirty="0">
+              <a:rPr lang="en-US" sz="2500" b="1" i="0" u="none" strike="noStrike" cap="none" dirty="0">
                 <a:solidFill>
                   <a:srgbClr val="E06666"/>
                 </a:solidFill>
@@ -24554,7 +24840,7 @@
               <a:buNone/>
             </a:pPr>
             <a:r>
-              <a:rPr lang="en-US" sz="2500" i="0" u="none" strike="noStrike" cap="none" dirty="0">
+              <a:rPr lang="en-US" sz="2500" b="1" i="0" u="none" strike="noStrike" cap="none" dirty="0">
                 <a:solidFill>
                   <a:srgbClr val="E06666"/>
                 </a:solidFill>
@@ -24566,7 +24852,7 @@
               <a:t>  File "&lt;</a:t>
             </a:r>
             <a:r>
-              <a:rPr lang="en-US" sz="2500" i="0" u="none" strike="noStrike" cap="none" dirty="0" err="1">
+              <a:rPr lang="en-US" sz="2500" b="1" i="0" u="none" strike="noStrike" cap="none" dirty="0" err="1">
                 <a:solidFill>
                   <a:srgbClr val="E06666"/>
                 </a:solidFill>
@@ -24578,7 +24864,7 @@
               <a:t>stdin</a:t>
             </a:r>
             <a:r>
-              <a:rPr lang="en-US" sz="2500" i="0" u="none" strike="noStrike" cap="none" dirty="0">
+              <a:rPr lang="en-US" sz="2500" b="1" i="0" u="none" strike="noStrike" cap="none" dirty="0">
                 <a:solidFill>
                   <a:srgbClr val="E06666"/>
                 </a:solidFill>
@@ -24609,7 +24895,7 @@
               <a:buNone/>
             </a:pPr>
             <a:r>
-              <a:rPr lang="en-US" sz="2500" i="0" u="none" strike="noStrike" cap="none" dirty="0" err="1">
+              <a:rPr lang="en-US" sz="2500" b="1" i="0" u="none" strike="noStrike" cap="none" dirty="0" err="1">
                 <a:solidFill>
                   <a:srgbClr val="E06666"/>
                 </a:solidFill>
@@ -24621,7 +24907,7 @@
               <a:t>ValueError</a:t>
             </a:r>
             <a:r>
-              <a:rPr lang="en-US" sz="2500" i="0" u="none" strike="noStrike" cap="none" dirty="0">
+              <a:rPr lang="en-US" sz="2500" b="1" i="0" u="none" strike="noStrike" cap="none" dirty="0">
                 <a:solidFill>
                   <a:srgbClr val="E06666"/>
                 </a:solidFill>
@@ -24633,7 +24919,7 @@
               <a:t>: invalid literal for </a:t>
             </a:r>
             <a:r>
-              <a:rPr lang="en-US" sz="2500" i="0" u="none" strike="noStrike" cap="none" dirty="0" err="1">
+              <a:rPr lang="en-US" sz="2500" b="1" i="0" u="none" strike="noStrike" cap="none" dirty="0" err="1">
                 <a:solidFill>
                   <a:srgbClr val="E06666"/>
                 </a:solidFill>
@@ -24645,7 +24931,7 @@
               <a:t>int</a:t>
             </a:r>
             <a:r>
-              <a:rPr lang="en-US" sz="2500" i="0" u="none" strike="noStrike" cap="none" dirty="0">
+              <a:rPr lang="en-US" sz="2500" b="1" i="0" u="none" strike="noStrike" cap="none" dirty="0">
                 <a:solidFill>
                   <a:srgbClr val="E06666"/>
                 </a:solidFill>
@@ -24664,6 +24950,13 @@
   <p:clrMapOvr>
     <a:masterClrMapping/>
   </p:clrMapOvr>
+  <p:timing>
+    <p:tnLst>
+      <p:par>
+        <p:cTn id="1" dur="indefinite" restart="never" nodeType="tmRoot"/>
+      </p:par>
+    </p:tnLst>
+  </p:timing>
 </p:sld>
 </file>
 

--- a/lectures3/Pythonlearn-04-Functions.pptx
+++ b/lectures3/Pythonlearn-04-Functions.pptx
@@ -6853,8 +6853,56 @@
               <a:t>    </a:t>
             </a:r>
             <a:r>
+              <a:rPr lang="en-US" sz="2500" u="none" strike="noStrike" cap="none" dirty="0" smtClean="0">
+                <a:solidFill>
+                  <a:srgbClr val="FFFF00"/>
+                </a:solidFill>
+                <a:latin typeface="Arial" charset="0"/>
+                <a:ea typeface="Arial" charset="0"/>
+                <a:cs typeface="Arial" charset="0"/>
+                <a:sym typeface="Cabin"/>
+              </a:rPr>
+              <a:t>print(</a:t>
+            </a:r>
+            <a:r>
+              <a:rPr lang="en-US" sz="2500" u="none" strike="noStrike" cap="none" dirty="0" smtClean="0">
+                <a:solidFill>
+                  <a:schemeClr val="lt1"/>
+                </a:solidFill>
+                <a:latin typeface="Arial" charset="0"/>
+                <a:ea typeface="Arial" charset="0"/>
+                <a:cs typeface="Arial" charset="0"/>
+                <a:sym typeface="Cabin"/>
+              </a:rPr>
+              <a:t>"</a:t>
+            </a:r>
+            <a:r>
               <a:rPr lang="en-US" sz="2500" u="none" strike="noStrike" cap="none" dirty="0">
                 <a:solidFill>
+                  <a:schemeClr val="lt1"/>
+                </a:solidFill>
+                <a:latin typeface="Arial" charset="0"/>
+                <a:ea typeface="Arial" charset="0"/>
+                <a:cs typeface="Arial" charset="0"/>
+                <a:sym typeface="Cabin"/>
+              </a:rPr>
+              <a:t>I'm a lumberjack, and I'm okay</a:t>
+            </a:r>
+            <a:r>
+              <a:rPr lang="en-US" sz="2500" u="none" strike="noStrike" cap="none" dirty="0" smtClean="0">
+                <a:solidFill>
+                  <a:schemeClr val="lt1"/>
+                </a:solidFill>
+                <a:latin typeface="Arial" charset="0"/>
+                <a:ea typeface="Arial" charset="0"/>
+                <a:cs typeface="Arial" charset="0"/>
+                <a:sym typeface="Cabin"/>
+              </a:rPr>
+              <a:t>."</a:t>
+            </a:r>
+            <a:r>
+              <a:rPr lang="en-US" sz="2500" u="none" strike="noStrike" cap="none" dirty="0" smtClean="0">
+                <a:solidFill>
                   <a:srgbClr val="FFFF00"/>
                 </a:solidFill>
                 <a:latin typeface="Arial" charset="0"/>
@@ -6862,20 +6910,29 @@
                 <a:cs typeface="Arial" charset="0"/>
                 <a:sym typeface="Cabin"/>
               </a:rPr>
-              <a:t>print</a:t>
-            </a:r>
-            <a:r>
-              <a:rPr lang="en-US" sz="2500" u="none" strike="noStrike" cap="none" dirty="0">
-                <a:solidFill>
-                  <a:schemeClr val="lt1"/>
-                </a:solidFill>
-                <a:latin typeface="Arial" charset="0"/>
-                <a:ea typeface="Arial" charset="0"/>
-                <a:cs typeface="Arial" charset="0"/>
-                <a:sym typeface="Cabin"/>
-              </a:rPr>
-              <a:t> "I'm a lumberjack, and I'm okay."    </a:t>
-            </a:r>
+              <a:t>)</a:t>
+            </a:r>
+            <a:r>
+              <a:rPr lang="en-US" sz="2500" u="none" strike="noStrike" cap="none" dirty="0" smtClean="0">
+                <a:solidFill>
+                  <a:schemeClr val="lt1"/>
+                </a:solidFill>
+                <a:latin typeface="Arial" charset="0"/>
+                <a:ea typeface="Arial" charset="0"/>
+                <a:cs typeface="Arial" charset="0"/>
+                <a:sym typeface="Cabin"/>
+              </a:rPr>
+              <a:t>    </a:t>
+            </a:r>
+            <a:endParaRPr lang="en-US" sz="2500" u="none" strike="noStrike" cap="none" dirty="0">
+              <a:solidFill>
+                <a:schemeClr val="lt1"/>
+              </a:solidFill>
+              <a:latin typeface="Arial" charset="0"/>
+              <a:ea typeface="Arial" charset="0"/>
+              <a:cs typeface="Arial" charset="0"/>
+              <a:sym typeface="Cabin"/>
+            </a:endParaRPr>
           </a:p>
           <a:p>
             <a:pPr marL="0" marR="0" lvl="0" indent="0" algn="l" rtl="0">
@@ -6908,8 +6965,56 @@
               <a:t>    </a:t>
             </a:r>
             <a:r>
+              <a:rPr lang="en-US" sz="2500" u="none" strike="noStrike" cap="none" dirty="0" smtClean="0">
+                <a:solidFill>
+                  <a:srgbClr val="FFFF00"/>
+                </a:solidFill>
+                <a:latin typeface="Arial" charset="0"/>
+                <a:ea typeface="Arial" charset="0"/>
+                <a:cs typeface="Arial" charset="0"/>
+                <a:sym typeface="Cabin"/>
+              </a:rPr>
+              <a:t>print(</a:t>
+            </a:r>
+            <a:r>
+              <a:rPr lang="en-US" sz="2500" u="none" strike="noStrike" cap="none" dirty="0" smtClean="0">
+                <a:solidFill>
+                  <a:schemeClr val="lt1"/>
+                </a:solidFill>
+                <a:latin typeface="Arial" charset="0"/>
+                <a:ea typeface="Arial" charset="0"/>
+                <a:cs typeface="Arial" charset="0"/>
+                <a:sym typeface="Cabin"/>
+              </a:rPr>
+              <a:t>'I </a:t>
+            </a:r>
+            <a:r>
               <a:rPr lang="en-US" sz="2500" u="none" strike="noStrike" cap="none" dirty="0">
                 <a:solidFill>
+                  <a:schemeClr val="lt1"/>
+                </a:solidFill>
+                <a:latin typeface="Arial" charset="0"/>
+                <a:ea typeface="Arial" charset="0"/>
+                <a:cs typeface="Arial" charset="0"/>
+                <a:sym typeface="Cabin"/>
+              </a:rPr>
+              <a:t>sleep all night and I work all day</a:t>
+            </a:r>
+            <a:r>
+              <a:rPr lang="en-US" sz="2500" u="none" strike="noStrike" cap="none" dirty="0" smtClean="0">
+                <a:solidFill>
+                  <a:schemeClr val="lt1"/>
+                </a:solidFill>
+                <a:latin typeface="Arial" charset="0"/>
+                <a:ea typeface="Arial" charset="0"/>
+                <a:cs typeface="Arial" charset="0"/>
+                <a:sym typeface="Cabin"/>
+              </a:rPr>
+              <a:t>.'</a:t>
+            </a:r>
+            <a:r>
+              <a:rPr lang="en-US" sz="2500" u="none" strike="noStrike" cap="none" dirty="0" smtClean="0">
+                <a:solidFill>
                   <a:srgbClr val="FFFF00"/>
                 </a:solidFill>
                 <a:latin typeface="Arial" charset="0"/>
@@ -6917,20 +7022,17 @@
                 <a:cs typeface="Arial" charset="0"/>
                 <a:sym typeface="Cabin"/>
               </a:rPr>
-              <a:t>print</a:t>
-            </a:r>
-            <a:r>
-              <a:rPr lang="en-US" sz="2500" u="none" strike="noStrike" cap="none" dirty="0">
-                <a:solidFill>
-                  <a:schemeClr val="lt1"/>
-                </a:solidFill>
-                <a:latin typeface="Arial" charset="0"/>
-                <a:ea typeface="Arial" charset="0"/>
-                <a:cs typeface="Arial" charset="0"/>
-                <a:sym typeface="Cabin"/>
-              </a:rPr>
-              <a:t> 'I sleep all night and I work all day.'</a:t>
-            </a:r>
+              <a:t>)</a:t>
+            </a:r>
+            <a:endParaRPr lang="en-US" sz="2500" u="none" strike="noStrike" cap="none" dirty="0">
+              <a:solidFill>
+                <a:srgbClr val="FFFF00"/>
+              </a:solidFill>
+              <a:latin typeface="Arial" charset="0"/>
+              <a:ea typeface="Arial" charset="0"/>
+              <a:cs typeface="Arial" charset="0"/>
+              <a:sym typeface="Cabin"/>
+            </a:endParaRPr>
           </a:p>
         </p:txBody>
       </p:sp>
@@ -15805,7 +15907,7 @@
               <a:buNone/>
             </a:pPr>
             <a:r>
-              <a:rPr lang="en-US" sz="3500" u="none" strike="noStrike" cap="none" dirty="0">
+              <a:rPr lang="en-US" sz="3500" u="none" strike="noStrike" cap="none" dirty="0" smtClean="0">
                 <a:solidFill>
                   <a:srgbClr val="FFFF00"/>
                 </a:solidFill>
@@ -15814,22 +15916,10 @@
                 <a:cs typeface="Arial" charset="0"/>
                 <a:sym typeface="Cabin"/>
               </a:rPr>
-              <a:t>print</a:t>
-            </a:r>
-            <a:r>
-              <a:rPr lang="en-US" sz="3500" u="none" strike="noStrike" cap="none" dirty="0">
-                <a:solidFill>
-                  <a:schemeClr val="lt1"/>
-                </a:solidFill>
-                <a:latin typeface="Arial" charset="0"/>
-                <a:ea typeface="Arial" charset="0"/>
-                <a:cs typeface="Arial" charset="0"/>
-                <a:sym typeface="Cabin"/>
-              </a:rPr>
-              <a:t> </a:t>
-            </a:r>
-            <a:r>
-              <a:rPr lang="en-US" sz="3500" dirty="0">
+              <a:t>print(</a:t>
+            </a:r>
+            <a:r>
+              <a:rPr lang="en-US" sz="3500" dirty="0" smtClean="0">
                 <a:solidFill>
                   <a:schemeClr val="lt1"/>
                 </a:solidFill>
@@ -15841,7 +15931,7 @@
               <a:t>'</a:t>
             </a:r>
             <a:r>
-              <a:rPr lang="en-US" sz="3500" u="none" strike="noStrike" cap="none" dirty="0">
+              <a:rPr lang="en-US" sz="3500" u="none" strike="noStrike" cap="none" dirty="0" smtClean="0">
                 <a:solidFill>
                   <a:schemeClr val="lt1"/>
                 </a:solidFill>
@@ -15853,7 +15943,7 @@
               <a:t>Zip</a:t>
             </a:r>
             <a:r>
-              <a:rPr lang="en-US" sz="3500" dirty="0">
+              <a:rPr lang="en-US" sz="3500" dirty="0" smtClean="0">
                 <a:solidFill>
                   <a:schemeClr val="lt1"/>
                 </a:solidFill>
@@ -15864,6 +15954,27 @@
               </a:rPr>
               <a:t>'</a:t>
             </a:r>
+            <a:r>
+              <a:rPr lang="en-US" sz="3500" dirty="0" smtClean="0">
+                <a:solidFill>
+                  <a:srgbClr val="FFFF00"/>
+                </a:solidFill>
+                <a:latin typeface="Arial" charset="0"/>
+                <a:ea typeface="Arial" charset="0"/>
+                <a:cs typeface="Arial" charset="0"/>
+                <a:sym typeface="Cabin"/>
+              </a:rPr>
+              <a:t>)</a:t>
+            </a:r>
+            <a:endParaRPr lang="en-US" sz="3500" dirty="0">
+              <a:solidFill>
+                <a:srgbClr val="FFFF00"/>
+              </a:solidFill>
+              <a:latin typeface="Arial" charset="0"/>
+              <a:ea typeface="Arial" charset="0"/>
+              <a:cs typeface="Arial" charset="0"/>
+              <a:sym typeface="Cabin"/>
+            </a:endParaRPr>
           </a:p>
         </p:txBody>
       </p:sp>
@@ -22567,22 +22678,11 @@
           </a:bodyPr>
           <a:lstStyle/>
           <a:p>
-            <a:pPr marL="0" marR="0" lvl="0" indent="0" algn="l" rtl="0">
-              <a:lnSpc>
-                <a:spcPct val="100000"/>
-              </a:lnSpc>
-              <a:spcBef>
-                <a:spcPts val="0"/>
-              </a:spcBef>
-              <a:spcAft>
-                <a:spcPts val="0"/>
-              </a:spcAft>
+            <a:pPr>
               <a:buClr>
                 <a:schemeClr val="lt1"/>
               </a:buClr>
               <a:buSzPct val="25000"/>
-              <a:buFont typeface="Cabin"/>
-              <a:buNone/>
             </a:pPr>
             <a:r>
               <a:rPr lang="en-US" sz="2800" b="1" i="0" u="none" strike="noStrike" cap="none" dirty="0">
@@ -22597,8 +22697,92 @@
               <a:t>&gt;&gt;&gt; </a:t>
             </a:r>
             <a:r>
+              <a:rPr lang="en-US" sz="2800" b="1" i="0" u="none" strike="noStrike" cap="none" dirty="0" smtClean="0">
+                <a:solidFill>
+                  <a:srgbClr val="FFFF00"/>
+                </a:solidFill>
+                <a:latin typeface="Courier New"/>
+                <a:ea typeface="Courier New"/>
+                <a:cs typeface="Courier New"/>
+                <a:sym typeface="Courier New"/>
+              </a:rPr>
+              <a:t>print(</a:t>
+            </a:r>
+            <a:r>
+              <a:rPr lang="en-US" sz="2800" b="1" i="0" u="none" strike="noStrike" cap="none" dirty="0" smtClean="0">
+                <a:solidFill>
+                  <a:srgbClr val="FF00FF"/>
+                </a:solidFill>
+                <a:latin typeface="Courier New"/>
+                <a:ea typeface="Courier New"/>
+                <a:cs typeface="Courier New"/>
+                <a:sym typeface="Courier New"/>
+              </a:rPr>
+              <a:t>float</a:t>
+            </a:r>
+            <a:r>
+              <a:rPr lang="en-US" sz="2800" b="1" i="0" u="none" strike="noStrike" cap="none" dirty="0" smtClean="0">
+                <a:solidFill>
+                  <a:schemeClr val="lt1"/>
+                </a:solidFill>
+                <a:latin typeface="Courier New"/>
+                <a:ea typeface="Courier New"/>
+                <a:cs typeface="Courier New"/>
+                <a:sym typeface="Courier New"/>
+              </a:rPr>
+              <a:t>(99</a:t>
+            </a:r>
+            <a:r>
               <a:rPr lang="en-US" sz="2800" b="1" i="0" u="none" strike="noStrike" cap="none" dirty="0">
                 <a:solidFill>
+                  <a:schemeClr val="lt1"/>
+                </a:solidFill>
+                <a:latin typeface="Courier New"/>
+                <a:ea typeface="Courier New"/>
+                <a:cs typeface="Courier New"/>
+                <a:sym typeface="Courier New"/>
+              </a:rPr>
+              <a:t>) </a:t>
+            </a:r>
+            <a:r>
+              <a:rPr lang="en-US" sz="2800" b="1" i="0" u="none" strike="noStrike" cap="none" dirty="0">
+                <a:solidFill>
+                  <a:srgbClr val="00FFFF"/>
+                </a:solidFill>
+                <a:latin typeface="Courier New"/>
+                <a:ea typeface="Courier New"/>
+                <a:cs typeface="Courier New"/>
+                <a:sym typeface="Courier New"/>
+              </a:rPr>
+              <a:t>/</a:t>
+            </a:r>
+            <a:r>
+              <a:rPr lang="en-US" sz="2800" b="1" i="0" u="none" strike="noStrike" cap="none" dirty="0">
+                <a:solidFill>
+                  <a:schemeClr val="lt1"/>
+                </a:solidFill>
+                <a:latin typeface="Courier New"/>
+                <a:ea typeface="Courier New"/>
+                <a:cs typeface="Courier New"/>
+                <a:sym typeface="Courier New"/>
+              </a:rPr>
+              <a:t> </a:t>
+            </a:r>
+            <a:r>
+              <a:rPr lang="en-US" sz="2800" b="1" i="0" u="none" strike="noStrike" cap="none" dirty="0" smtClean="0">
+                <a:solidFill>
+                  <a:schemeClr val="lt1"/>
+                </a:solidFill>
+                <a:latin typeface="Courier New"/>
+                <a:ea typeface="Courier New"/>
+                <a:cs typeface="Courier New"/>
+                <a:sym typeface="Courier New"/>
+              </a:rPr>
+              <a:t>100</a:t>
+            </a:r>
+            <a:r>
+              <a:rPr lang="en-US" sz="2800" b="1" dirty="0" smtClean="0">
+                <a:solidFill>
                   <a:srgbClr val="FFFF00"/>
                 </a:solidFill>
                 <a:latin typeface="Courier New"/>
@@ -22606,68 +22790,17 @@
                 <a:cs typeface="Courier New"/>
                 <a:sym typeface="Courier New"/>
               </a:rPr>
-              <a:t>print</a:t>
-            </a:r>
-            <a:r>
-              <a:rPr lang="en-US" sz="2800" b="1" i="0" u="none" strike="noStrike" cap="none" dirty="0">
-                <a:solidFill>
-                  <a:schemeClr val="lt1"/>
-                </a:solidFill>
-                <a:latin typeface="Courier New"/>
-                <a:ea typeface="Courier New"/>
-                <a:cs typeface="Courier New"/>
-                <a:sym typeface="Courier New"/>
-              </a:rPr>
-              <a:t> </a:t>
-            </a:r>
-            <a:r>
-              <a:rPr lang="en-US" sz="2800" b="1" i="0" u="none" strike="noStrike" cap="none" dirty="0">
-                <a:solidFill>
-                  <a:srgbClr val="FF00FF"/>
-                </a:solidFill>
-                <a:latin typeface="Courier New"/>
-                <a:ea typeface="Courier New"/>
-                <a:cs typeface="Courier New"/>
-                <a:sym typeface="Courier New"/>
-              </a:rPr>
-              <a:t>float</a:t>
-            </a:r>
-            <a:r>
-              <a:rPr lang="en-US" sz="2800" b="1" i="0" u="none" strike="noStrike" cap="none" dirty="0">
-                <a:solidFill>
-                  <a:schemeClr val="lt1"/>
-                </a:solidFill>
-                <a:latin typeface="Courier New"/>
-                <a:ea typeface="Courier New"/>
-                <a:cs typeface="Courier New"/>
-                <a:sym typeface="Courier New"/>
-              </a:rPr>
-              <a:t>(99) </a:t>
-            </a:r>
-            <a:r>
-              <a:rPr lang="en-US" sz="2800" b="1" i="0" u="none" strike="noStrike" cap="none" dirty="0">
-                <a:solidFill>
-                  <a:srgbClr val="00FFFF"/>
-                </a:solidFill>
-                <a:latin typeface="Courier New"/>
-                <a:ea typeface="Courier New"/>
-                <a:cs typeface="Courier New"/>
-                <a:sym typeface="Courier New"/>
-              </a:rPr>
-              <a:t>/</a:t>
-            </a:r>
-            <a:r>
-              <a:rPr lang="en-US" sz="2800" b="1" i="0" u="none" strike="noStrike" cap="none" dirty="0">
-                <a:solidFill>
-                  <a:schemeClr val="lt1"/>
-                </a:solidFill>
-                <a:latin typeface="Courier New"/>
-                <a:ea typeface="Courier New"/>
-                <a:cs typeface="Courier New"/>
-                <a:sym typeface="Courier New"/>
-              </a:rPr>
-              <a:t> 100</a:t>
-            </a:r>
+              <a:t>)</a:t>
+            </a:r>
+            <a:endParaRPr lang="en-US" sz="2800" b="1" i="0" u="none" strike="noStrike" cap="none" dirty="0">
+              <a:solidFill>
+                <a:schemeClr val="lt1"/>
+              </a:solidFill>
+              <a:latin typeface="Courier New"/>
+              <a:ea typeface="Courier New"/>
+              <a:cs typeface="Courier New"/>
+              <a:sym typeface="Courier New"/>
+            </a:endParaRPr>
           </a:p>
           <a:p>
             <a:pPr marL="0" marR="0" lvl="0" indent="0" algn="l" rtl="0">

--- a/lectures3/Pythonlearn-04-Functions.pptx
+++ b/lectures3/Pythonlearn-04-Functions.pptx
@@ -240,7 +240,7 @@
   </p:defaultTextStyle>
   <p:extLst>
     <p:ext uri="{EFAFB233-063F-42B5-8137-9DF3F51BA10A}">
-      <p15:sldGuideLst xmlns:p15="http://schemas.microsoft.com/office/powerpoint/2012/main" xmlns="">
+      <p15:sldGuideLst xmlns="" xmlns:p15="http://schemas.microsoft.com/office/powerpoint/2012/main">
         <p15:guide id="1" orient="horz" pos="2880">
           <p15:clr>
             <a:srgbClr val="A4A3A4"/>
@@ -4952,7 +4952,7 @@
             <a:r>
               <a:rPr lang="en-US" sz="7600" u="none" strike="noStrike" cap="none" dirty="0">
                 <a:solidFill>
-                  <a:srgbClr val="FFFF00"/>
+                  <a:srgbClr val="FFD966"/>
                 </a:solidFill>
                 <a:latin typeface="Arial" charset="0"/>
                 <a:ea typeface="Arial" charset="0"/>
@@ -5233,7 +5233,7 @@
             <a:r>
               <a:rPr lang="en-US" sz="7200" dirty="0" smtClean="0">
                 <a:solidFill>
-                  <a:srgbClr val="FFFF00"/>
+                  <a:srgbClr val="FFD966"/>
                 </a:solidFill>
                 <a:latin typeface="Arial" charset="0"/>
                 <a:ea typeface="Arial" charset="0"/>
@@ -5245,7 +5245,7 @@
             <a:r>
               <a:rPr lang="is-IS" sz="7200" dirty="0" smtClean="0">
                 <a:solidFill>
-                  <a:srgbClr val="FFFF00"/>
+                  <a:srgbClr val="FFD966"/>
                 </a:solidFill>
                 <a:latin typeface="Arial" charset="0"/>
                 <a:ea typeface="Arial" charset="0"/>
@@ -5254,7 +5254,11 @@
               </a:rPr>
               <a:t>…</a:t>
             </a:r>
-            <a:endParaRPr lang="en-US" sz="7200" dirty="0"/>
+            <a:endParaRPr lang="en-US" sz="7200" dirty="0">
+              <a:solidFill>
+                <a:srgbClr val="FFD966"/>
+              </a:solidFill>
+            </a:endParaRPr>
           </a:p>
         </p:txBody>
       </p:sp>
@@ -5340,7 +5344,7 @@
             <a:r>
               <a:rPr lang="en-US" sz="7600" u="none" strike="noStrike" cap="none">
                 <a:solidFill>
-                  <a:srgbClr val="FFFF00"/>
+                  <a:srgbClr val="FFD966"/>
                 </a:solidFill>
                 <a:latin typeface="Arial" charset="0"/>
                 <a:ea typeface="Arial" charset="0"/>
@@ -7163,7 +7167,7 @@
             <a:r>
               <a:rPr lang="en-US" sz="7600" u="none" strike="noStrike" cap="none">
                 <a:solidFill>
-                  <a:srgbClr val="FFFF00"/>
+                  <a:srgbClr val="FFD966"/>
                 </a:solidFill>
                 <a:latin typeface="Arial" charset="0"/>
                 <a:ea typeface="Arial" charset="0"/>
@@ -8457,6 +8461,10 @@
           </p:nvPr>
         </p:nvSpPr>
         <p:spPr>
+          <a:xfrm>
+            <a:off x="1155700" y="803564"/>
+            <a:ext cx="13627100" cy="1736336"/>
+          </a:xfrm>
           <a:prstGeom prst="rect">
             <a:avLst/>
           </a:prstGeom>
@@ -8491,7 +8499,7 @@
             <a:r>
               <a:rPr lang="en-US" sz="7600" u="none" strike="noStrike" cap="none">
                 <a:solidFill>
-                  <a:srgbClr val="FFFF00"/>
+                  <a:srgbClr val="FFD966"/>
                 </a:solidFill>
                 <a:latin typeface="Arial" charset="0"/>
                 <a:ea typeface="Arial" charset="0"/>
@@ -9087,7 +9095,7 @@
         <p:spPr>
           <a:xfrm>
             <a:off x="1155700" y="803564"/>
-            <a:ext cx="13345391" cy="1736336"/>
+            <a:ext cx="13203767" cy="1736336"/>
           </a:xfrm>
           <a:prstGeom prst="rect">
             <a:avLst/>
@@ -9123,7 +9131,7 @@
             <a:r>
               <a:rPr lang="en-US" sz="7600" u="none" strike="noStrike" cap="none" dirty="0">
                 <a:solidFill>
-                  <a:srgbClr val="FFFF00"/>
+                  <a:srgbClr val="FFD966"/>
                 </a:solidFill>
                 <a:latin typeface="Arial" charset="0"/>
                 <a:ea typeface="Arial" charset="0"/>
@@ -10647,7 +10655,7 @@
             <a:r>
               <a:rPr lang="en-US" sz="7600" u="none" strike="noStrike" cap="none">
                 <a:solidFill>
-                  <a:srgbClr val="FFFF00"/>
+                  <a:srgbClr val="FFD966"/>
                 </a:solidFill>
                 <a:latin typeface="Arial" charset="0"/>
                 <a:ea typeface="Arial" charset="0"/>
@@ -11327,7 +11335,7 @@
             <a:r>
               <a:rPr lang="en-US" sz="7600" u="none" strike="noStrike" cap="none">
                 <a:solidFill>
-                  <a:srgbClr val="FFFF00"/>
+                  <a:srgbClr val="FFD966"/>
                 </a:solidFill>
                 <a:latin typeface="Arial" charset="0"/>
                 <a:ea typeface="Arial" charset="0"/>
@@ -14352,7 +14360,7 @@
             <a:r>
               <a:rPr lang="en-US" sz="7600" u="none" strike="noStrike" cap="none">
                 <a:solidFill>
-                  <a:srgbClr val="FFFF00"/>
+                  <a:srgbClr val="FFD966"/>
                 </a:solidFill>
                 <a:latin typeface="Arial" charset="0"/>
                 <a:ea typeface="Arial" charset="0"/>
@@ -16831,7 +16839,7 @@
             <a:r>
               <a:rPr lang="en-US" sz="7600" u="none" strike="noStrike" cap="none">
                 <a:solidFill>
-                  <a:srgbClr val="FFFF00"/>
+                  <a:srgbClr val="FFD966"/>
                 </a:solidFill>
                 <a:latin typeface="Arial" charset="0"/>
                 <a:ea typeface="Arial" charset="0"/>
@@ -17183,7 +17191,7 @@
             <a:r>
               <a:rPr lang="en-US" sz="7600" u="none" strike="noStrike" cap="none">
                 <a:solidFill>
-                  <a:srgbClr val="FFFF00"/>
+                  <a:srgbClr val="FFD966"/>
                 </a:solidFill>
                 <a:latin typeface="Arial" charset="0"/>
                 <a:ea typeface="Arial" charset="0"/>
@@ -17496,6 +17504,10 @@
           </p:nvPr>
         </p:nvSpPr>
         <p:spPr>
+          <a:xfrm>
+            <a:off x="1155700" y="803564"/>
+            <a:ext cx="13237633" cy="1736336"/>
+          </a:xfrm>
           <a:prstGeom prst="rect">
             <a:avLst/>
           </a:prstGeom>
@@ -17530,7 +17542,7 @@
             <a:r>
               <a:rPr lang="en-US" sz="7600" u="none" strike="noStrike" cap="none" dirty="0" smtClean="0">
                 <a:solidFill>
-                  <a:srgbClr val="FFFF00"/>
+                  <a:srgbClr val="FFD966"/>
                 </a:solidFill>
                 <a:latin typeface="Arial" charset="0"/>
                 <a:ea typeface="Arial" charset="0"/>
@@ -17541,7 +17553,7 @@
             </a:r>
             <a:endParaRPr lang="en-US" sz="7600" u="none" strike="noStrike" cap="none" dirty="0">
               <a:solidFill>
-                <a:srgbClr val="FFFF00"/>
+                <a:srgbClr val="FFD966"/>
               </a:solidFill>
               <a:latin typeface="Arial" charset="0"/>
               <a:ea typeface="Arial" charset="0"/>
@@ -17563,8 +17575,8 @@
         </p:nvSpPr>
         <p:spPr>
           <a:xfrm>
-            <a:off x="1155700" y="2886163"/>
-            <a:ext cx="13932000" cy="5702399"/>
+            <a:off x="8178800" y="2886163"/>
+            <a:ext cx="6908900" cy="5702399"/>
           </a:xfrm>
           <a:prstGeom prst="rect">
             <a:avLst/>
@@ -17726,7 +17738,7 @@
         </p:nvSpPr>
         <p:spPr>
           <a:xfrm>
-            <a:off x="8329612" y="2874718"/>
+            <a:off x="1353078" y="2886163"/>
             <a:ext cx="6370638" cy="4967288"/>
           </a:xfrm>
           <a:prstGeom prst="rect">
@@ -17805,24 +17817,22 @@
             </a:r>
           </a:p>
           <a:p>
-            <a:pPr marL="977900" marR="0" lvl="1" indent="-361886" algn="l" rtl="0">
+            <a:pPr marL="685800" indent="-361886" algn="l">
               <a:lnSpc>
                 <a:spcPct val="80000"/>
               </a:lnSpc>
               <a:spcBef>
                 <a:spcPts val="3500"/>
               </a:spcBef>
-              <a:spcAft>
-                <a:spcPts val="0"/>
-              </a:spcAft>
               <a:buClr>
                 <a:schemeClr val="lt1"/>
               </a:buClr>
               <a:buSzPct val="100000"/>
               <a:buFont typeface="Cabin"/>
-            </a:pPr>
-            <a:r>
-              <a:rPr lang="en-US" sz="3600" u="none" strike="noStrike" cap="none" dirty="0">
+              <a:buChar char="•"/>
+            </a:pPr>
+            <a:r>
+              <a:rPr lang="en-US" sz="3600" dirty="0">
                 <a:solidFill>
                   <a:schemeClr val="lt1"/>
                 </a:solidFill>
@@ -17834,7 +17844,7 @@
               <a:t>Type conversion (</a:t>
             </a:r>
             <a:r>
-              <a:rPr lang="en-US" sz="3600" u="none" strike="noStrike" cap="none" dirty="0" err="1">
+              <a:rPr lang="en-US" sz="3600" dirty="0" err="1">
                 <a:solidFill>
                   <a:schemeClr val="lt1"/>
                 </a:solidFill>
@@ -17846,7 +17856,7 @@
               <a:t>int</a:t>
             </a:r>
             <a:r>
-              <a:rPr lang="en-US" sz="3600" u="none" strike="noStrike" cap="none" dirty="0">
+              <a:rPr lang="en-US" sz="3600" dirty="0">
                 <a:solidFill>
                   <a:schemeClr val="lt1"/>
                 </a:solidFill>
@@ -17859,21 +17869,19 @@
             </a:r>
           </a:p>
           <a:p>
-            <a:pPr marL="977900" marR="0" lvl="1" indent="-361886" algn="l" rtl="0">
+            <a:pPr marL="685800" indent="-361886" algn="l">
               <a:lnSpc>
                 <a:spcPct val="80000"/>
               </a:lnSpc>
               <a:spcBef>
                 <a:spcPts val="3500"/>
               </a:spcBef>
-              <a:spcAft>
-                <a:spcPts val="0"/>
-              </a:spcAft>
               <a:buClr>
                 <a:schemeClr val="lt1"/>
               </a:buClr>
               <a:buSzPct val="100000"/>
               <a:buFont typeface="Cabin"/>
+              <a:buChar char="•"/>
             </a:pPr>
             <a:r>
               <a:rPr lang="en-US" sz="3600" dirty="0">
@@ -17887,6 +17895,15 @@
               </a:rPr>
               <a:t>String conversions</a:t>
             </a:r>
+            <a:endParaRPr lang="en-US" sz="3600" u="none" strike="noStrike" cap="none" dirty="0">
+              <a:solidFill>
+                <a:schemeClr val="lt1"/>
+              </a:solidFill>
+              <a:latin typeface="Arial" charset="0"/>
+              <a:ea typeface="Arial" charset="0"/>
+              <a:cs typeface="Arial" charset="0"/>
+              <a:sym typeface="Cabin"/>
+            </a:endParaRPr>
           </a:p>
           <a:p>
             <a:pPr marL="685800" marR="0" lvl="0" indent="-361886" algn="l" rtl="0">
@@ -18711,7 +18728,7 @@
             <a:r>
               <a:rPr lang="en-US" sz="7600" u="none" strike="noStrike" cap="none">
                 <a:solidFill>
-                  <a:srgbClr val="FFFF00"/>
+                  <a:srgbClr val="FFD966"/>
                 </a:solidFill>
                 <a:latin typeface="Arial" charset="0"/>
                 <a:ea typeface="Arial" charset="0"/>
@@ -19199,7 +19216,7 @@
             <a:r>
               <a:rPr lang="en-US" sz="7600" u="none" strike="noStrike" cap="none">
                 <a:solidFill>
-                  <a:srgbClr val="FFFF00"/>
+                  <a:srgbClr val="FFD966"/>
                 </a:solidFill>
                 <a:latin typeface="Arial" charset="0"/>
                 <a:ea typeface="Arial" charset="0"/>
@@ -20507,7 +20524,7 @@
             <a:r>
               <a:rPr lang="en-US" sz="7600" u="none" strike="noStrike" cap="none" dirty="0">
                 <a:solidFill>
-                  <a:srgbClr val="FFFF00"/>
+                  <a:srgbClr val="FFD966"/>
                 </a:solidFill>
                 <a:latin typeface="Arial" charset="0"/>
                 <a:ea typeface="Arial" charset="0"/>
@@ -21396,7 +21413,7 @@
             <a:r>
               <a:rPr lang="en-US" sz="7600" u="none" strike="noStrike" cap="none" dirty="0">
                 <a:solidFill>
-                  <a:srgbClr val="FFFF00"/>
+                  <a:srgbClr val="FFD966"/>
                 </a:solidFill>
                 <a:latin typeface="Arial" charset="0"/>
                 <a:ea typeface="Arial" charset="0"/>
@@ -22486,7 +22503,7 @@
             <a:r>
               <a:rPr lang="en-US" sz="7600" u="none" strike="noStrike" cap="none">
                 <a:solidFill>
-                  <a:srgbClr val="FFFF00"/>
+                  <a:srgbClr val="FFD966"/>
                 </a:solidFill>
                 <a:latin typeface="Arial" charset="0"/>
                 <a:ea typeface="Arial" charset="0"/>
@@ -23668,7 +23685,7 @@
             <a:r>
               <a:rPr lang="en-US" sz="7600" u="none" strike="noStrike" cap="none">
                 <a:solidFill>
-                  <a:srgbClr val="FFFF00"/>
+                  <a:srgbClr val="FFD966"/>
                 </a:solidFill>
                 <a:latin typeface="Arial" charset="0"/>
                 <a:ea typeface="Arial" charset="0"/>

--- a/lectures3/Pythonlearn-04-Functions.pptx
+++ b/lectures3/Pythonlearn-04-Functions.pptx
@@ -240,7 +240,7 @@
   </p:defaultTextStyle>
   <p:extLst>
     <p:ext uri="{EFAFB233-063F-42B5-8137-9DF3F51BA10A}">
-      <p15:sldGuideLst xmlns="" xmlns:p15="http://schemas.microsoft.com/office/powerpoint/2012/main">
+      <p15:sldGuideLst xmlns:p15="http://schemas.microsoft.com/office/powerpoint/2012/main">
         <p15:guide id="1" orient="horz" pos="2880">
           <p15:clr>
             <a:srgbClr val="A4A3A4"/>
@@ -5191,7 +5191,7 @@
   <p:timing>
     <p:tnLst>
       <p:par>
-        <p:cTn xmlns:p14="http://schemas.microsoft.com/office/powerpoint/2010/main" id="1" dur="indefinite" restart="never" nodeType="tmRoot"/>
+        <p:cTn id="1" dur="indefinite" restart="never" nodeType="tmRoot"/>
       </p:par>
     </p:tnLst>
   </p:timing>
@@ -5275,7 +5275,7 @@
   <p:timing>
     <p:tnLst>
       <p:par>
-        <p:cTn xmlns:p14="http://schemas.microsoft.com/office/powerpoint/2010/main" id="1" dur="indefinite" restart="never" nodeType="tmRoot"/>
+        <p:cTn id="1" dur="indefinite" restart="never" nodeType="tmRoot"/>
       </p:par>
     </p:tnLst>
   </p:timing>
@@ -5912,7 +5912,7 @@
   <p:timing>
     <p:tnLst>
       <p:par>
-        <p:cTn xmlns:p14="http://schemas.microsoft.com/office/powerpoint/2010/main" id="1" dur="indefinite" restart="never" nodeType="tmRoot"/>
+        <p:cTn id="1" dur="indefinite" restart="never" nodeType="tmRoot"/>
       </p:par>
     </p:tnLst>
   </p:timing>
@@ -7098,7 +7098,7 @@
   <p:timing>
     <p:tnLst>
       <p:par>
-        <p:cTn xmlns:p14="http://schemas.microsoft.com/office/powerpoint/2010/main" id="1" dur="indefinite" restart="never" nodeType="tmRoot"/>
+        <p:cTn id="1" dur="indefinite" restart="never" nodeType="tmRoot"/>
       </p:par>
     </p:tnLst>
   </p:timing>
@@ -7422,7 +7422,7 @@
   <p:timing>
     <p:tnLst>
       <p:par>
-        <p:cTn xmlns:p14="http://schemas.microsoft.com/office/powerpoint/2010/main" id="1" dur="indefinite" restart="never" nodeType="tmRoot"/>
+        <p:cTn id="1" dur="indefinite" restart="never" nodeType="tmRoot"/>
       </p:par>
     </p:tnLst>
   </p:timing>
@@ -8426,7 +8426,7 @@
   <p:timing>
     <p:tnLst>
       <p:par>
-        <p:cTn xmlns:p14="http://schemas.microsoft.com/office/powerpoint/2010/main" id="1" dur="indefinite" restart="never" nodeType="tmRoot"/>
+        <p:cTn id="1" dur="indefinite" restart="never" nodeType="tmRoot"/>
       </p:par>
     </p:tnLst>
   </p:timing>
@@ -9058,7 +9058,7 @@
   <p:timing>
     <p:tnLst>
       <p:par>
-        <p:cTn xmlns:p14="http://schemas.microsoft.com/office/powerpoint/2010/main" id="1" dur="indefinite" restart="never" nodeType="tmRoot"/>
+        <p:cTn id="1" dur="indefinite" restart="never" nodeType="tmRoot"/>
       </p:par>
     </p:tnLst>
   </p:timing>
@@ -10586,7 +10586,7 @@
   <p:timing>
     <p:tnLst>
       <p:par>
-        <p:cTn xmlns:p14="http://schemas.microsoft.com/office/powerpoint/2010/main" id="1" dur="indefinite" restart="never" nodeType="tmRoot"/>
+        <p:cTn id="1" dur="indefinite" restart="never" nodeType="tmRoot"/>
       </p:par>
     </p:tnLst>
   </p:timing>
@@ -11262,7 +11262,7 @@
   <p:timing>
     <p:tnLst>
       <p:par>
-        <p:cTn xmlns:p14="http://schemas.microsoft.com/office/powerpoint/2010/main" id="1" dur="indefinite" restart="never" nodeType="tmRoot"/>
+        <p:cTn id="1" dur="indefinite" restart="never" nodeType="tmRoot"/>
       </p:par>
     </p:tnLst>
   </p:timing>
@@ -12997,7 +12997,7 @@
   <p:timing>
     <p:tnLst>
       <p:par>
-        <p:cTn xmlns:p14="http://schemas.microsoft.com/office/powerpoint/2010/main" id="1" dur="indefinite" restart="never" nodeType="tmRoot"/>
+        <p:cTn id="1" dur="indefinite" restart="never" nodeType="tmRoot"/>
       </p:par>
     </p:tnLst>
   </p:timing>
@@ -14291,7 +14291,7 @@
   <p:timing>
     <p:tnLst>
       <p:par>
-        <p:cTn xmlns:p14="http://schemas.microsoft.com/office/powerpoint/2010/main" id="1" dur="indefinite" restart="never" nodeType="tmRoot"/>
+        <p:cTn id="1" dur="indefinite" restart="never" nodeType="tmRoot"/>
       </p:par>
     </p:tnLst>
   </p:timing>
@@ -15979,7 +15979,7 @@
   <p:timing>
     <p:tnLst>
       <p:par>
-        <p:cTn xmlns:p14="http://schemas.microsoft.com/office/powerpoint/2010/main" id="1" dur="indefinite" restart="never" nodeType="tmRoot"/>
+        <p:cTn id="1" dur="indefinite" restart="never" nodeType="tmRoot"/>
       </p:par>
     </p:tnLst>
   </p:timing>
@@ -16770,7 +16770,7 @@
   <p:timing>
     <p:tnLst>
       <p:par>
-        <p:cTn xmlns:p14="http://schemas.microsoft.com/office/powerpoint/2010/main" id="1" dur="indefinite" restart="never" nodeType="tmRoot"/>
+        <p:cTn id="1" dur="indefinite" restart="never" nodeType="tmRoot"/>
       </p:par>
     </p:tnLst>
   </p:timing>
@@ -17122,7 +17122,7 @@
   <p:timing>
     <p:tnLst>
       <p:par>
-        <p:cTn xmlns:p14="http://schemas.microsoft.com/office/powerpoint/2010/main" id="1" dur="indefinite" restart="never" nodeType="tmRoot"/>
+        <p:cTn id="1" dur="indefinite" restart="never" nodeType="tmRoot"/>
       </p:par>
     </p:tnLst>
   </p:timing>
@@ -17469,7 +17469,7 @@
   <p:timing>
     <p:tnLst>
       <p:par>
-        <p:cTn xmlns:p14="http://schemas.microsoft.com/office/powerpoint/2010/main" id="1" dur="indefinite" restart="never" nodeType="tmRoot"/>
+        <p:cTn id="1" dur="indefinite" restart="never" nodeType="tmRoot"/>
       </p:par>
     </p:tnLst>
   </p:timing>
@@ -17946,7 +17946,7 @@
   <p:timing>
     <p:tnLst>
       <p:par>
-        <p:cTn xmlns:p14="http://schemas.microsoft.com/office/powerpoint/2010/main" id="1" dur="indefinite" restart="never" nodeType="tmRoot"/>
+        <p:cTn id="1" dur="indefinite" restart="never" nodeType="tmRoot"/>
       </p:par>
     </p:tnLst>
   </p:timing>
@@ -18366,7 +18366,7 @@
   <p:timing>
     <p:tnLst>
       <p:par>
-        <p:cTn xmlns:p14="http://schemas.microsoft.com/office/powerpoint/2010/main" id="1" dur="indefinite" restart="never" nodeType="tmRoot"/>
+        <p:cTn id="1" dur="indefinite" restart="never" nodeType="tmRoot"/>
       </p:par>
     </p:tnLst>
   </p:timing>
@@ -19015,10 +19015,22 @@
                 <a:cs typeface="Arial" charset="0"/>
                 <a:sym typeface="Cabin"/>
               </a:rPr>
-              <a:t>We treat the built-in</a:t>
-            </a:r>
-            <a:r>
-              <a:rPr lang="en-US" sz="3600" u="none" strike="noStrike" cap="none" dirty="0">
+              <a:t>We </a:t>
+            </a:r>
+            <a:r>
+              <a:rPr lang="en-US" sz="3600" u="none" strike="noStrike" cap="none">
+                <a:solidFill>
+                  <a:schemeClr val="lt1"/>
+                </a:solidFill>
+                <a:latin typeface="Arial" charset="0"/>
+                <a:ea typeface="Arial" charset="0"/>
+                <a:cs typeface="Arial" charset="0"/>
+                <a:sym typeface="Cabin"/>
+              </a:rPr>
+              <a:t>treat </a:t>
+            </a:r>
+            <a:r>
+              <a:rPr lang="en-US" sz="3600" u="none" strike="noStrike" cap="none" smtClean="0">
                 <a:solidFill>
                   <a:srgbClr val="FFFFFF"/>
                 </a:solidFill>
@@ -19027,7 +19039,7 @@
                 <a:cs typeface="Arial" charset="0"/>
                 <a:sym typeface="Cabin"/>
               </a:rPr>
-              <a:t> function </a:t>
+              <a:t>function </a:t>
             </a:r>
             <a:r>
               <a:rPr lang="en-US" sz="3600" u="none" strike="noStrike" cap="none" dirty="0">
@@ -19147,7 +19159,7 @@
   <p:timing>
     <p:tnLst>
       <p:par>
-        <p:cTn xmlns:p14="http://schemas.microsoft.com/office/powerpoint/2010/main" id="1" dur="indefinite" restart="never" nodeType="tmRoot"/>
+        <p:cTn id="1" dur="indefinite" restart="never" nodeType="tmRoot"/>
       </p:par>
     </p:tnLst>
   </p:timing>
@@ -19523,7 +19535,7 @@
   <p:timing>
     <p:tnLst>
       <p:par>
-        <p:cTn xmlns:p14="http://schemas.microsoft.com/office/powerpoint/2010/main" id="1" dur="indefinite" restart="never" nodeType="tmRoot"/>
+        <p:cTn id="1" dur="indefinite" restart="never" nodeType="tmRoot"/>
       </p:par>
     </p:tnLst>
   </p:timing>
@@ -20455,7 +20467,7 @@
   <p:timing>
     <p:tnLst>
       <p:par>
-        <p:cTn xmlns:p14="http://schemas.microsoft.com/office/powerpoint/2010/main" id="1" dur="indefinite" restart="never" nodeType="tmRoot"/>
+        <p:cTn id="1" dur="indefinite" restart="never" nodeType="tmRoot"/>
       </p:par>
     </p:tnLst>
   </p:timing>
@@ -21344,7 +21356,7 @@
   <p:timing>
     <p:tnLst>
       <p:par>
-        <p:cTn xmlns:p14="http://schemas.microsoft.com/office/powerpoint/2010/main" id="1" dur="indefinite" restart="never" nodeType="tmRoot"/>
+        <p:cTn id="1" dur="indefinite" restart="never" nodeType="tmRoot"/>
       </p:par>
     </p:tnLst>
   </p:timing>
@@ -22434,7 +22446,7 @@
   <p:timing>
     <p:tnLst>
       <p:par>
-        <p:cTn xmlns:p14="http://schemas.microsoft.com/office/powerpoint/2010/main" id="1" dur="indefinite" restart="never" nodeType="tmRoot"/>
+        <p:cTn id="1" dur="indefinite" restart="never" nodeType="tmRoot"/>
       </p:par>
     </p:tnLst>
   </p:timing>
@@ -23612,7 +23624,7 @@
   <p:timing>
     <p:tnLst>
       <p:par>
-        <p:cTn xmlns:p14="http://schemas.microsoft.com/office/powerpoint/2010/main" id="1" dur="indefinite" restart="never" nodeType="tmRoot"/>
+        <p:cTn id="1" dur="indefinite" restart="never" nodeType="tmRoot"/>
       </p:par>
     </p:tnLst>
   </p:timing>
@@ -25112,7 +25124,7 @@
   <p:timing>
     <p:tnLst>
       <p:par>
-        <p:cTn xmlns:p14="http://schemas.microsoft.com/office/powerpoint/2010/main" id="1" dur="indefinite" restart="never" nodeType="tmRoot"/>
+        <p:cTn id="1" dur="indefinite" restart="never" nodeType="tmRoot"/>
       </p:par>
     </p:tnLst>
   </p:timing>

--- a/lectures3/Pythonlearn-04-Functions.pptx
+++ b/lectures3/Pythonlearn-04-Functions.pptx
@@ -4159,7 +4159,6 @@
           <a:ln>
             <a:noFill/>
           </a:ln>
-          <a:extLst/>
         </p:spPr>
         <p:txBody>
           <a:bodyPr/>
@@ -4283,7 +4282,7 @@
             <a:pPr eaLnBrk="1" hangingPunct="1">
               <a:defRPr/>
             </a:pPr>
-            <a:endParaRPr lang="en-US" altLang="en-US" sz="3600" smtClean="0"/>
+            <a:endParaRPr lang="en-US" altLang="en-US" sz="3600"/>
           </a:p>
         </p:txBody>
       </p:sp>
@@ -4309,7 +4308,6 @@
           <a:ln>
             <a:noFill/>
           </a:ln>
-          <a:extLst/>
         </p:spPr>
         <p:txBody>
           <a:bodyPr/>
@@ -4433,7 +4431,7 @@
             <a:pPr eaLnBrk="1" hangingPunct="1">
               <a:defRPr/>
             </a:pPr>
-            <a:endParaRPr lang="en-US" altLang="en-US" sz="3600" smtClean="0"/>
+            <a:endParaRPr lang="en-US" altLang="en-US" sz="3600"/>
           </a:p>
         </p:txBody>
       </p:sp>
@@ -5064,7 +5062,7 @@
               <a:buNone/>
             </a:pPr>
             <a:r>
-              <a:rPr lang="en-US" sz="3200" u="none" strike="noStrike" cap="none" dirty="0" smtClean="0">
+              <a:rPr lang="en-US" sz="3200" u="none" strike="noStrike" cap="none" dirty="0">
                 <a:solidFill>
                   <a:srgbClr val="FFFF00"/>
                 </a:solidFill>
@@ -5075,15 +5073,6 @@
               </a:rPr>
               <a:t>Python for Everybody</a:t>
             </a:r>
-            <a:endParaRPr lang="en-US" sz="3200" u="none" strike="noStrike" cap="none" dirty="0">
-              <a:solidFill>
-                <a:srgbClr val="FFFF00"/>
-              </a:solidFill>
-              <a:latin typeface="Arial" charset="0"/>
-              <a:ea typeface="Arial" charset="0"/>
-              <a:cs typeface="Arial" charset="0"/>
-              <a:sym typeface="Cabin"/>
-            </a:endParaRPr>
           </a:p>
           <a:p>
             <a:pPr marL="0" marR="0" lvl="0" indent="0" algn="ctr" rtl="0">
@@ -5104,7 +5093,7 @@
               <a:buNone/>
             </a:pPr>
             <a:r>
-              <a:rPr lang="en-US" sz="3200" u="sng" strike="noStrike" cap="none" dirty="0" smtClean="0">
+              <a:rPr lang="en-US" sz="3200" u="sng" strike="noStrike" cap="none" dirty="0">
                 <a:solidFill>
                   <a:srgbClr val="FFFF00"/>
                 </a:solidFill>
@@ -5116,16 +5105,6 @@
               </a:rPr>
               <a:t>www.py4e.com</a:t>
             </a:r>
-            <a:endParaRPr lang="en-US" sz="3200" u="sng" strike="noStrike" cap="none" dirty="0">
-              <a:solidFill>
-                <a:srgbClr val="FFFF00"/>
-              </a:solidFill>
-              <a:latin typeface="Arial" charset="0"/>
-              <a:ea typeface="Arial" charset="0"/>
-              <a:cs typeface="Arial" charset="0"/>
-              <a:sym typeface="Cabin"/>
-              <a:hlinkClick r:id="rId3"/>
-            </a:endParaRPr>
           </a:p>
         </p:txBody>
       </p:sp>
@@ -5188,13 +5167,6 @@
   <p:clrMapOvr>
     <a:masterClrMapping/>
   </p:clrMapOvr>
-  <p:timing>
-    <p:tnLst>
-      <p:par>
-        <p:cTn id="1" dur="indefinite" restart="never" nodeType="tmRoot"/>
-      </p:par>
-    </p:tnLst>
-  </p:timing>
 </p:sld>
 </file>
 
@@ -5231,7 +5203,7 @@
           <a:lstStyle/>
           <a:p>
             <a:r>
-              <a:rPr lang="en-US" sz="7200" dirty="0" smtClean="0">
+              <a:rPr lang="en-US" sz="7200" dirty="0">
                 <a:solidFill>
                   <a:srgbClr val="FFD966"/>
                 </a:solidFill>
@@ -5243,7 +5215,7 @@
               <a:t>Functions of Our Own</a:t>
             </a:r>
             <a:r>
-              <a:rPr lang="is-IS" sz="7200" dirty="0" smtClean="0">
+              <a:rPr lang="is-IS" sz="7200" dirty="0">
                 <a:solidFill>
                   <a:srgbClr val="FFD966"/>
                 </a:solidFill>
@@ -5272,13 +5244,6 @@
   <p:clrMapOvr>
     <a:masterClrMapping/>
   </p:clrMapOvr>
-  <p:timing>
-    <p:tnLst>
-      <p:par>
-        <p:cTn id="1" dur="indefinite" restart="never" nodeType="tmRoot"/>
-      </p:par>
-    </p:tnLst>
-  </p:timing>
 </p:sld>
 </file>
 
@@ -5642,7 +5607,7 @@
               <a:buNone/>
             </a:pPr>
             <a:r>
-              <a:rPr lang="en-US" sz="2600" i="0" u="none" strike="noStrike" cap="none" dirty="0" err="1">
+              <a:rPr lang="en-US" sz="2600" b="1" i="0" u="none" strike="noStrike" cap="none" dirty="0" err="1">
                 <a:solidFill>
                   <a:srgbClr val="FFFF00"/>
                 </a:solidFill>
@@ -5654,7 +5619,7 @@
               <a:t>def</a:t>
             </a:r>
             <a:r>
-              <a:rPr lang="en-US" sz="2600" i="0" u="none" strike="noStrike" cap="none" dirty="0">
+              <a:rPr lang="en-US" sz="2600" b="1" i="0" u="none" strike="noStrike" cap="none" dirty="0">
                 <a:solidFill>
                   <a:schemeClr val="lt1"/>
                 </a:solidFill>
@@ -5666,7 +5631,7 @@
               <a:t> </a:t>
             </a:r>
             <a:r>
-              <a:rPr lang="en-US" sz="2600" i="0" u="none" strike="noStrike" cap="none" dirty="0" err="1">
+              <a:rPr lang="en-US" sz="2600" b="1" i="0" u="none" strike="noStrike" cap="none" dirty="0" err="1">
                 <a:solidFill>
                   <a:srgbClr val="00FF00"/>
                 </a:solidFill>
@@ -5678,7 +5643,7 @@
               <a:t>print_lyrics</a:t>
             </a:r>
             <a:r>
-              <a:rPr lang="en-US" sz="2600" i="0" u="none" strike="noStrike" cap="none" dirty="0">
+              <a:rPr lang="en-US" sz="2600" b="1" i="0" u="none" strike="noStrike" cap="none" dirty="0">
                 <a:solidFill>
                   <a:schemeClr val="lt1"/>
                 </a:solidFill>
@@ -5709,7 +5674,7 @@
               <a:buNone/>
             </a:pPr>
             <a:r>
-              <a:rPr lang="en-US" sz="2600" i="0" u="none" strike="noStrike" cap="none" dirty="0">
+              <a:rPr lang="en-US" sz="2600" b="1" i="0" u="none" strike="noStrike" cap="none" dirty="0">
                 <a:solidFill>
                   <a:schemeClr val="lt1"/>
                 </a:solidFill>
@@ -5721,7 +5686,7 @@
               <a:t>    </a:t>
             </a:r>
             <a:r>
-              <a:rPr lang="en-US" sz="2600" i="0" u="none" strike="noStrike" cap="none" dirty="0" smtClean="0">
+              <a:rPr lang="en-US" sz="2600" b="1" i="0" u="none" strike="noStrike" cap="none" dirty="0">
                 <a:solidFill>
                   <a:srgbClr val="FFFF00"/>
                 </a:solidFill>
@@ -5733,7 +5698,7 @@
               <a:t>print</a:t>
             </a:r>
             <a:r>
-              <a:rPr lang="en-US" sz="2600" dirty="0">
+              <a:rPr lang="en-US" sz="2600" b="1" dirty="0">
                 <a:solidFill>
                   <a:schemeClr val="lt1"/>
                 </a:solidFill>
@@ -5745,43 +5710,19 @@
               <a:t>(</a:t>
             </a:r>
             <a:r>
-              <a:rPr lang="en-US" sz="2600" i="0" u="none" strike="noStrike" cap="none" dirty="0" smtClean="0">
-                <a:solidFill>
-                  <a:schemeClr val="lt1"/>
-                </a:solidFill>
-                <a:latin typeface="Courier"/>
-                <a:ea typeface="Courier"/>
-                <a:cs typeface="Courier"/>
-                <a:sym typeface="Courier New"/>
-              </a:rPr>
-              <a:t>"I'm </a:t>
-            </a:r>
-            <a:r>
-              <a:rPr lang="en-US" sz="2600" i="0" u="none" strike="noStrike" cap="none" dirty="0">
-                <a:solidFill>
-                  <a:schemeClr val="lt1"/>
-                </a:solidFill>
-                <a:latin typeface="Courier"/>
-                <a:ea typeface="Courier"/>
-                <a:cs typeface="Courier"/>
-                <a:sym typeface="Courier New"/>
-              </a:rPr>
-              <a:t>a lumberjack, and I'm okay</a:t>
-            </a:r>
-            <a:r>
-              <a:rPr lang="en-US" sz="2600" i="0" u="none" strike="noStrike" cap="none" dirty="0" smtClean="0">
-                <a:solidFill>
-                  <a:schemeClr val="lt1"/>
-                </a:solidFill>
-                <a:latin typeface="Courier"/>
-                <a:ea typeface="Courier"/>
-                <a:cs typeface="Courier"/>
-                <a:sym typeface="Courier New"/>
-              </a:rPr>
-              <a:t>.</a:t>
-            </a:r>
-            <a:r>
-              <a:rPr lang="en-US" sz="2600" dirty="0" smtClean="0">
+              <a:rPr lang="en-US" sz="2600" b="1" i="0" u="none" strike="noStrike" cap="none" dirty="0">
+                <a:solidFill>
+                  <a:schemeClr val="lt1"/>
+                </a:solidFill>
+                <a:latin typeface="Courier"/>
+                <a:ea typeface="Courier"/>
+                <a:cs typeface="Courier"/>
+                <a:sym typeface="Courier New"/>
+              </a:rPr>
+              <a:t>"I'm a lumberjack, and I'm okay.</a:t>
+            </a:r>
+            <a:r>
+              <a:rPr lang="en-US" sz="2600" b="1" dirty="0">
                 <a:solidFill>
                   <a:schemeClr val="lt1"/>
                 </a:solidFill>
@@ -5792,15 +5733,6 @@
               </a:rPr>
               <a:t>")</a:t>
             </a:r>
-            <a:endParaRPr lang="en-US" sz="2600" dirty="0">
-              <a:solidFill>
-                <a:schemeClr val="lt1"/>
-              </a:solidFill>
-              <a:latin typeface="Courier"/>
-              <a:ea typeface="Courier"/>
-              <a:cs typeface="Courier"/>
-              <a:sym typeface="Courier New"/>
-            </a:endParaRPr>
           </a:p>
           <a:p>
             <a:pPr marL="0" marR="0" lvl="0" indent="0" algn="l" rtl="0">
@@ -5821,7 +5753,7 @@
               <a:buNone/>
             </a:pPr>
             <a:r>
-              <a:rPr lang="en-US" sz="2600" i="0" u="none" strike="noStrike" cap="none" dirty="0">
+              <a:rPr lang="en-US" sz="2600" b="1" i="0" u="none" strike="noStrike" cap="none" dirty="0">
                 <a:solidFill>
                   <a:schemeClr val="lt1"/>
                 </a:solidFill>
@@ -5833,7 +5765,7 @@
               <a:t>    </a:t>
             </a:r>
             <a:r>
-              <a:rPr lang="en-US" sz="2600" i="0" u="none" strike="noStrike" cap="none" dirty="0" smtClean="0">
+              <a:rPr lang="en-US" sz="2600" b="1" i="0" u="none" strike="noStrike" cap="none" dirty="0">
                 <a:solidFill>
                   <a:srgbClr val="FFFF00"/>
                 </a:solidFill>
@@ -5845,7 +5777,7 @@
               <a:t>print</a:t>
             </a:r>
             <a:r>
-              <a:rPr lang="en-US" sz="2600" dirty="0">
+              <a:rPr lang="en-US" sz="2600" b="1" dirty="0">
                 <a:solidFill>
                   <a:schemeClr val="lt1"/>
                 </a:solidFill>
@@ -5857,50 +5789,17 @@
               <a:t>(</a:t>
             </a:r>
             <a:r>
-              <a:rPr lang="en-US" sz="2600" i="0" u="none" strike="noStrike" cap="none" dirty="0" smtClean="0">
-                <a:solidFill>
-                  <a:schemeClr val="lt1"/>
-                </a:solidFill>
-                <a:latin typeface="Courier"/>
-                <a:ea typeface="Courier"/>
-                <a:cs typeface="Courier"/>
-                <a:sym typeface="Courier New"/>
-              </a:rPr>
-              <a:t>'I </a:t>
-            </a:r>
-            <a:r>
-              <a:rPr lang="en-US" sz="2600" i="0" u="none" strike="noStrike" cap="none" dirty="0">
-                <a:solidFill>
-                  <a:schemeClr val="lt1"/>
-                </a:solidFill>
-                <a:latin typeface="Courier"/>
-                <a:ea typeface="Courier"/>
-                <a:cs typeface="Courier"/>
-                <a:sym typeface="Courier New"/>
-              </a:rPr>
-              <a:t>sleep all night and I work all day</a:t>
-            </a:r>
-            <a:r>
-              <a:rPr lang="en-US" sz="2600" i="0" u="none" strike="noStrike" cap="none" dirty="0" smtClean="0">
-                <a:solidFill>
-                  <a:schemeClr val="lt1"/>
-                </a:solidFill>
-                <a:latin typeface="Courier"/>
-                <a:ea typeface="Courier"/>
-                <a:cs typeface="Courier"/>
-                <a:sym typeface="Courier New"/>
-              </a:rPr>
-              <a:t>.')</a:t>
-            </a:r>
-            <a:endParaRPr lang="en-US" sz="2600" i="0" u="none" strike="noStrike" cap="none" dirty="0">
-              <a:solidFill>
-                <a:schemeClr val="lt1"/>
-              </a:solidFill>
-              <a:latin typeface="Courier"/>
-              <a:ea typeface="Courier"/>
-              <a:cs typeface="Courier"/>
-              <a:sym typeface="Courier New"/>
-            </a:endParaRPr>
+              <a:rPr lang="en-US" sz="2600" b="1" i="0" u="none" strike="noStrike" cap="none" dirty="0">
+                <a:solidFill>
+                  <a:schemeClr val="lt1"/>
+                </a:solidFill>
+                <a:latin typeface="Courier"/>
+                <a:ea typeface="Courier"/>
+                <a:cs typeface="Courier"/>
+                <a:sym typeface="Courier New"/>
+              </a:rPr>
+              <a:t>'I sleep all night and I work all day.')</a:t>
+            </a:r>
           </a:p>
         </p:txBody>
       </p:sp>
@@ -5909,13 +5808,6 @@
   <p:clrMapOvr>
     <a:masterClrMapping/>
   </p:clrMapOvr>
-  <p:timing>
-    <p:tnLst>
-      <p:par>
-        <p:cTn id="1" dur="indefinite" restart="never" nodeType="tmRoot"/>
-      </p:par>
-    </p:tnLst>
-  </p:timing>
 </p:sld>
 </file>
 
@@ -5979,7 +5871,7 @@
               <a:buNone/>
             </a:pPr>
             <a:r>
-              <a:rPr lang="en-US" sz="2800" i="0" u="none" strike="noStrike" cap="none" dirty="0">
+              <a:rPr lang="en-US" sz="2800" b="1" i="0" u="none" strike="noStrike" cap="none" dirty="0">
                 <a:solidFill>
                   <a:srgbClr val="00FF00"/>
                 </a:solidFill>
@@ -5991,7 +5883,7 @@
               <a:t>x</a:t>
             </a:r>
             <a:r>
-              <a:rPr lang="en-US" sz="2800" i="0" u="none" strike="noStrike" cap="none" dirty="0">
+              <a:rPr lang="en-US" sz="2800" b="1" i="0" u="none" strike="noStrike" cap="none" dirty="0">
                 <a:solidFill>
                   <a:schemeClr val="lt1"/>
                 </a:solidFill>
@@ -6022,7 +5914,7 @@
               <a:buNone/>
             </a:pPr>
             <a:r>
-              <a:rPr lang="en-US" sz="2800" i="0" u="none" strike="noStrike" cap="none" dirty="0" smtClean="0">
+              <a:rPr lang="en-US" sz="2800" b="1" i="0" u="none" strike="noStrike" cap="none" dirty="0">
                 <a:solidFill>
                   <a:srgbClr val="FFFF00"/>
                 </a:solidFill>
@@ -6034,7 +5926,7 @@
               <a:t>print</a:t>
             </a:r>
             <a:r>
-              <a:rPr lang="en-US" sz="2800" dirty="0">
+              <a:rPr lang="en-US" sz="2800" b="1" dirty="0">
                 <a:solidFill>
                   <a:schemeClr val="lt1"/>
                 </a:solidFill>
@@ -6046,7 +5938,7 @@
               <a:t>(</a:t>
             </a:r>
             <a:r>
-              <a:rPr lang="en-US" sz="2800" i="0" u="none" strike="noStrike" cap="none" dirty="0" smtClean="0">
+              <a:rPr lang="en-US" sz="2800" b="1" i="0" u="none" strike="noStrike" cap="none" dirty="0">
                 <a:solidFill>
                   <a:schemeClr val="lt1"/>
                 </a:solidFill>
@@ -6057,7 +5949,257 @@
               </a:rPr>
               <a:t>'Hello')</a:t>
             </a:r>
-            <a:endParaRPr lang="en-US" sz="2800" i="0" u="none" strike="noStrike" cap="none" dirty="0">
+          </a:p>
+          <a:p>
+            <a:pPr marL="0" marR="0" lvl="0" indent="0" algn="ctr" rtl="0">
+              <a:lnSpc>
+                <a:spcPct val="100000"/>
+              </a:lnSpc>
+              <a:spcBef>
+                <a:spcPts val="0"/>
+              </a:spcBef>
+              <a:spcAft>
+                <a:spcPts val="0"/>
+              </a:spcAft>
+              <a:buNone/>
+            </a:pPr>
+            <a:endParaRPr sz="2800" b="1" i="0" u="none" strike="noStrike" cap="none" dirty="0">
+              <a:solidFill>
+                <a:srgbClr val="FFFF00"/>
+              </a:solidFill>
+              <a:latin typeface="Courier"/>
+              <a:ea typeface="Courier"/>
+              <a:cs typeface="Courier"/>
+              <a:sym typeface="Courier New"/>
+            </a:endParaRPr>
+          </a:p>
+          <a:p>
+            <a:pPr marL="0" marR="0" lvl="0" indent="0" algn="l" rtl="0">
+              <a:lnSpc>
+                <a:spcPct val="100000"/>
+              </a:lnSpc>
+              <a:spcBef>
+                <a:spcPts val="0"/>
+              </a:spcBef>
+              <a:spcAft>
+                <a:spcPts val="0"/>
+              </a:spcAft>
+              <a:buClr>
+                <a:srgbClr val="FFFF00"/>
+              </a:buClr>
+              <a:buSzPct val="25000"/>
+              <a:buFont typeface="Cabin"/>
+              <a:buNone/>
+            </a:pPr>
+            <a:r>
+              <a:rPr lang="en-US" sz="2800" b="1" i="0" u="none" strike="noStrike" cap="none" dirty="0" err="1">
+                <a:solidFill>
+                  <a:srgbClr val="FFFF00"/>
+                </a:solidFill>
+                <a:latin typeface="Courier"/>
+                <a:ea typeface="Courier"/>
+                <a:cs typeface="Courier"/>
+                <a:sym typeface="Courier New"/>
+              </a:rPr>
+              <a:t>def</a:t>
+            </a:r>
+            <a:r>
+              <a:rPr lang="en-US" sz="2800" b="1" i="0" u="none" strike="noStrike" cap="none" dirty="0">
+                <a:solidFill>
+                  <a:schemeClr val="lt1"/>
+                </a:solidFill>
+                <a:latin typeface="Courier"/>
+                <a:ea typeface="Courier"/>
+                <a:cs typeface="Courier"/>
+                <a:sym typeface="Courier New"/>
+              </a:rPr>
+              <a:t> </a:t>
+            </a:r>
+            <a:r>
+              <a:rPr lang="en-US" sz="2800" b="1" i="0" u="none" strike="noStrike" cap="none" dirty="0" err="1">
+                <a:solidFill>
+                  <a:srgbClr val="00FF00"/>
+                </a:solidFill>
+                <a:latin typeface="Courier"/>
+                <a:ea typeface="Courier"/>
+                <a:cs typeface="Courier"/>
+                <a:sym typeface="Courier New"/>
+              </a:rPr>
+              <a:t>print_lyrics</a:t>
+            </a:r>
+            <a:r>
+              <a:rPr lang="en-US" sz="2800" b="1" i="0" u="none" strike="noStrike" cap="none" dirty="0">
+                <a:solidFill>
+                  <a:schemeClr val="lt1"/>
+                </a:solidFill>
+                <a:latin typeface="Courier"/>
+                <a:ea typeface="Courier"/>
+                <a:cs typeface="Courier"/>
+                <a:sym typeface="Courier New"/>
+              </a:rPr>
+              <a:t>():</a:t>
+            </a:r>
+          </a:p>
+          <a:p>
+            <a:pPr marL="0" marR="0" lvl="0" indent="0" algn="l" rtl="0">
+              <a:lnSpc>
+                <a:spcPct val="100000"/>
+              </a:lnSpc>
+              <a:spcBef>
+                <a:spcPts val="0"/>
+              </a:spcBef>
+              <a:spcAft>
+                <a:spcPts val="0"/>
+              </a:spcAft>
+              <a:buClr>
+                <a:schemeClr val="lt1"/>
+              </a:buClr>
+              <a:buSzPct val="25000"/>
+              <a:buFont typeface="Cabin"/>
+              <a:buNone/>
+            </a:pPr>
+            <a:r>
+              <a:rPr lang="en-US" sz="2800" b="1" i="0" u="none" strike="noStrike" cap="none" dirty="0">
+                <a:solidFill>
+                  <a:schemeClr val="lt1"/>
+                </a:solidFill>
+                <a:latin typeface="Courier"/>
+                <a:ea typeface="Courier"/>
+                <a:cs typeface="Courier"/>
+                <a:sym typeface="Courier New"/>
+              </a:rPr>
+              <a:t>    </a:t>
+            </a:r>
+            <a:r>
+              <a:rPr lang="en-US" sz="2800" b="1" i="0" u="none" strike="noStrike" cap="none" dirty="0">
+                <a:solidFill>
+                  <a:srgbClr val="FFFF00"/>
+                </a:solidFill>
+                <a:latin typeface="Courier"/>
+                <a:ea typeface="Courier"/>
+                <a:cs typeface="Courier"/>
+                <a:sym typeface="Courier New"/>
+              </a:rPr>
+              <a:t>print</a:t>
+            </a:r>
+            <a:r>
+              <a:rPr lang="en-US" sz="2800" b="1" dirty="0">
+                <a:solidFill>
+                  <a:schemeClr val="lt1"/>
+                </a:solidFill>
+                <a:latin typeface="Courier"/>
+                <a:ea typeface="Courier"/>
+                <a:cs typeface="Courier"/>
+                <a:sym typeface="Courier New"/>
+              </a:rPr>
+              <a:t>(</a:t>
+            </a:r>
+            <a:r>
+              <a:rPr lang="en-US" sz="2800" b="1" i="0" u="none" strike="noStrike" cap="none" dirty="0">
+                <a:solidFill>
+                  <a:schemeClr val="lt1"/>
+                </a:solidFill>
+                <a:latin typeface="Courier"/>
+                <a:ea typeface="Courier"/>
+                <a:cs typeface="Courier"/>
+                <a:sym typeface="Courier New"/>
+              </a:rPr>
+              <a:t>"I'm a lumberjack, and I'm okay.</a:t>
+            </a:r>
+            <a:r>
+              <a:rPr lang="en-US" sz="2800" b="1" dirty="0">
+                <a:solidFill>
+                  <a:schemeClr val="lt1"/>
+                </a:solidFill>
+                <a:latin typeface="Courier"/>
+                <a:ea typeface="Courier"/>
+                <a:cs typeface="Courier"/>
+                <a:sym typeface="Courier New"/>
+              </a:rPr>
+              <a:t>")</a:t>
+            </a:r>
+          </a:p>
+          <a:p>
+            <a:pPr marL="0" marR="0" lvl="0" indent="0" algn="l" rtl="0">
+              <a:lnSpc>
+                <a:spcPct val="100000"/>
+              </a:lnSpc>
+              <a:spcBef>
+                <a:spcPts val="0"/>
+              </a:spcBef>
+              <a:spcAft>
+                <a:spcPts val="0"/>
+              </a:spcAft>
+              <a:buClr>
+                <a:schemeClr val="lt1"/>
+              </a:buClr>
+              <a:buSzPct val="25000"/>
+              <a:buFont typeface="Cabin"/>
+              <a:buNone/>
+            </a:pPr>
+            <a:r>
+              <a:rPr lang="en-US" sz="2800" b="1" i="0" u="none" strike="noStrike" cap="none" dirty="0">
+                <a:solidFill>
+                  <a:schemeClr val="lt1"/>
+                </a:solidFill>
+                <a:latin typeface="Courier"/>
+                <a:ea typeface="Courier"/>
+                <a:cs typeface="Courier"/>
+                <a:sym typeface="Courier New"/>
+              </a:rPr>
+              <a:t>    </a:t>
+            </a:r>
+            <a:r>
+              <a:rPr lang="en-US" sz="2800" b="1" i="0" u="none" strike="noStrike" cap="none" dirty="0">
+                <a:solidFill>
+                  <a:srgbClr val="FFFF00"/>
+                </a:solidFill>
+                <a:latin typeface="Courier"/>
+                <a:ea typeface="Courier"/>
+                <a:cs typeface="Courier"/>
+                <a:sym typeface="Courier New"/>
+              </a:rPr>
+              <a:t>print</a:t>
+            </a:r>
+            <a:r>
+              <a:rPr lang="en-US" sz="2800" b="1" dirty="0">
+                <a:solidFill>
+                  <a:schemeClr val="lt1"/>
+                </a:solidFill>
+                <a:latin typeface="Courier"/>
+                <a:ea typeface="Courier"/>
+                <a:cs typeface="Courier"/>
+                <a:sym typeface="Courier New"/>
+              </a:rPr>
+              <a:t>(</a:t>
+            </a:r>
+            <a:r>
+              <a:rPr lang="en-US" sz="2800" b="1" i="0" u="none" strike="noStrike" cap="none" dirty="0">
+                <a:solidFill>
+                  <a:schemeClr val="lt1"/>
+                </a:solidFill>
+                <a:latin typeface="Courier"/>
+                <a:ea typeface="Courier"/>
+                <a:cs typeface="Courier"/>
+                <a:sym typeface="Courier New"/>
+              </a:rPr>
+              <a:t>'I sleep all night and I work all day.')</a:t>
+            </a:r>
+          </a:p>
+          <a:p>
+            <a:pPr marL="0" marR="0" lvl="0" indent="0" algn="ctr" rtl="0">
+              <a:lnSpc>
+                <a:spcPct val="100000"/>
+              </a:lnSpc>
+              <a:spcBef>
+                <a:spcPts val="0"/>
+              </a:spcBef>
+              <a:spcAft>
+                <a:spcPts val="0"/>
+              </a:spcAft>
+              <a:buNone/>
+            </a:pPr>
+            <a:endParaRPr sz="2800" b="1" i="0" u="none" strike="noStrike" cap="none" dirty="0">
               <a:solidFill>
                 <a:schemeClr val="lt1"/>
               </a:solidFill>
@@ -6068,29 +6210,6 @@
             </a:endParaRPr>
           </a:p>
           <a:p>
-            <a:pPr marL="0" marR="0" lvl="0" indent="0" algn="ctr" rtl="0">
-              <a:lnSpc>
-                <a:spcPct val="100000"/>
-              </a:lnSpc>
-              <a:spcBef>
-                <a:spcPts val="0"/>
-              </a:spcBef>
-              <a:spcAft>
-                <a:spcPts val="0"/>
-              </a:spcAft>
-              <a:buNone/>
-            </a:pPr>
-            <a:endParaRPr sz="2800" i="0" u="none" strike="noStrike" cap="none" dirty="0">
-              <a:solidFill>
-                <a:srgbClr val="FFFF00"/>
-              </a:solidFill>
-              <a:latin typeface="Courier"/>
-              <a:ea typeface="Courier"/>
-              <a:cs typeface="Courier"/>
-              <a:sym typeface="Courier New"/>
-            </a:endParaRPr>
-          </a:p>
-          <a:p>
             <a:pPr marL="0" marR="0" lvl="0" indent="0" algn="l" rtl="0">
               <a:lnSpc>
                 <a:spcPct val="100000"/>
@@ -6109,7 +6228,7 @@
               <a:buNone/>
             </a:pPr>
             <a:r>
-              <a:rPr lang="en-US" sz="2800" i="0" u="none" strike="noStrike" cap="none" dirty="0" err="1">
+              <a:rPr lang="en-US" sz="2800" b="1" i="0" u="none" strike="noStrike" cap="none" dirty="0">
                 <a:solidFill>
                   <a:srgbClr val="FFFF00"/>
                 </a:solidFill>
@@ -6118,43 +6237,55 @@
                 <a:cs typeface="Courier"/>
                 <a:sym typeface="Courier New"/>
               </a:rPr>
-              <a:t>def</a:t>
-            </a:r>
-            <a:r>
-              <a:rPr lang="en-US" sz="2800" i="0" u="none" strike="noStrike" cap="none" dirty="0">
-                <a:solidFill>
-                  <a:schemeClr val="lt1"/>
-                </a:solidFill>
-                <a:latin typeface="Courier"/>
-                <a:ea typeface="Courier"/>
-                <a:cs typeface="Courier"/>
-                <a:sym typeface="Courier New"/>
-              </a:rPr>
-              <a:t> </a:t>
-            </a:r>
-            <a:r>
-              <a:rPr lang="en-US" sz="2800" i="0" u="none" strike="noStrike" cap="none" dirty="0" err="1">
-                <a:solidFill>
-                  <a:srgbClr val="00FF00"/>
-                </a:solidFill>
-                <a:latin typeface="Courier"/>
-                <a:ea typeface="Courier"/>
-                <a:cs typeface="Courier"/>
-                <a:sym typeface="Courier New"/>
-              </a:rPr>
-              <a:t>print_lyrics</a:t>
-            </a:r>
-            <a:r>
-              <a:rPr lang="en-US" sz="2800" i="0" u="none" strike="noStrike" cap="none" dirty="0">
-                <a:solidFill>
-                  <a:schemeClr val="lt1"/>
-                </a:solidFill>
-                <a:latin typeface="Courier"/>
-                <a:ea typeface="Courier"/>
-                <a:cs typeface="Courier"/>
-                <a:sym typeface="Courier New"/>
-              </a:rPr>
-              <a:t>():</a:t>
+              <a:t>print</a:t>
+            </a:r>
+            <a:r>
+              <a:rPr lang="en-US" sz="2800" b="1" dirty="0">
+                <a:solidFill>
+                  <a:schemeClr val="lt1"/>
+                </a:solidFill>
+                <a:latin typeface="Courier"/>
+                <a:ea typeface="Courier"/>
+                <a:cs typeface="Courier"/>
+                <a:sym typeface="Courier New"/>
+              </a:rPr>
+              <a:t>(</a:t>
+            </a:r>
+            <a:r>
+              <a:rPr lang="en-US" sz="2800" b="1" i="0" u="none" strike="noStrike" cap="none" dirty="0">
+                <a:solidFill>
+                  <a:schemeClr val="lt1"/>
+                </a:solidFill>
+                <a:latin typeface="Courier"/>
+                <a:ea typeface="Courier"/>
+                <a:cs typeface="Courier"/>
+                <a:sym typeface="Courier New"/>
+              </a:rPr>
+              <a:t>'</a:t>
+            </a:r>
+            <a:r>
+              <a:rPr lang="en-US" sz="2800" b="1" i="0" u="none" strike="noStrike" cap="none" dirty="0" err="1">
+                <a:solidFill>
+                  <a:schemeClr val="lt1"/>
+                </a:solidFill>
+                <a:latin typeface="Courier"/>
+                <a:ea typeface="Courier"/>
+                <a:cs typeface="Courier"/>
+                <a:sym typeface="Courier New"/>
+              </a:rPr>
+              <a:t>Yo</a:t>
+            </a:r>
+            <a:r>
+              <a:rPr lang="en-US" sz="2800" b="1" i="0" u="none" strike="noStrike" cap="none" dirty="0">
+                <a:solidFill>
+                  <a:schemeClr val="lt1"/>
+                </a:solidFill>
+                <a:latin typeface="Courier"/>
+                <a:ea typeface="Courier"/>
+                <a:cs typeface="Courier"/>
+                <a:sym typeface="Courier New"/>
+              </a:rPr>
+              <a:t>')</a:t>
             </a:r>
           </a:p>
           <a:p>
@@ -6169,105 +6300,84 @@
                 <a:spcPts val="0"/>
               </a:spcAft>
               <a:buClr>
-                <a:schemeClr val="lt1"/>
+                <a:srgbClr val="00FF00"/>
               </a:buClr>
               <a:buSzPct val="25000"/>
               <a:buFont typeface="Cabin"/>
               <a:buNone/>
             </a:pPr>
             <a:r>
-              <a:rPr lang="en-US" sz="2800" i="0" u="none" strike="noStrike" cap="none" dirty="0">
-                <a:solidFill>
-                  <a:schemeClr val="lt1"/>
-                </a:solidFill>
-                <a:latin typeface="Courier"/>
-                <a:ea typeface="Courier"/>
-                <a:cs typeface="Courier"/>
-                <a:sym typeface="Courier New"/>
-              </a:rPr>
-              <a:t>    </a:t>
-            </a:r>
-            <a:r>
-              <a:rPr lang="en-US" sz="2800" i="0" u="none" strike="noStrike" cap="none" dirty="0" smtClean="0">
-                <a:solidFill>
-                  <a:srgbClr val="FFFF00"/>
-                </a:solidFill>
-                <a:latin typeface="Courier"/>
-                <a:ea typeface="Courier"/>
-                <a:cs typeface="Courier"/>
-                <a:sym typeface="Courier New"/>
-              </a:rPr>
-              <a:t>print</a:t>
-            </a:r>
-            <a:r>
-              <a:rPr lang="en-US" sz="2800" dirty="0">
-                <a:solidFill>
-                  <a:schemeClr val="lt1"/>
-                </a:solidFill>
-                <a:latin typeface="Courier"/>
-                <a:ea typeface="Courier"/>
-                <a:cs typeface="Courier"/>
-                <a:sym typeface="Courier New"/>
-              </a:rPr>
-              <a:t>(</a:t>
-            </a:r>
-            <a:r>
-              <a:rPr lang="en-US" sz="2800" i="0" u="none" strike="noStrike" cap="none" dirty="0" smtClean="0">
-                <a:solidFill>
-                  <a:schemeClr val="lt1"/>
-                </a:solidFill>
-                <a:latin typeface="Courier"/>
-                <a:ea typeface="Courier"/>
-                <a:cs typeface="Courier"/>
-                <a:sym typeface="Courier New"/>
-              </a:rPr>
-              <a:t>"I'm </a:t>
-            </a:r>
-            <a:r>
-              <a:rPr lang="en-US" sz="2800" i="0" u="none" strike="noStrike" cap="none" dirty="0">
-                <a:solidFill>
-                  <a:schemeClr val="lt1"/>
-                </a:solidFill>
-                <a:latin typeface="Courier"/>
-                <a:ea typeface="Courier"/>
-                <a:cs typeface="Courier"/>
-                <a:sym typeface="Courier New"/>
-              </a:rPr>
-              <a:t>a lumberjack, and I'm okay</a:t>
-            </a:r>
-            <a:r>
-              <a:rPr lang="en-US" sz="2800" i="0" u="none" strike="noStrike" cap="none" dirty="0" smtClean="0">
-                <a:solidFill>
-                  <a:schemeClr val="lt1"/>
-                </a:solidFill>
-                <a:latin typeface="Courier"/>
-                <a:ea typeface="Courier"/>
-                <a:cs typeface="Courier"/>
-                <a:sym typeface="Courier New"/>
-              </a:rPr>
-              <a:t>.</a:t>
-            </a:r>
-            <a:r>
-              <a:rPr lang="en-US" sz="2800" dirty="0" smtClean="0">
-                <a:solidFill>
-                  <a:schemeClr val="lt1"/>
-                </a:solidFill>
-                <a:latin typeface="Courier"/>
-                <a:ea typeface="Courier"/>
-                <a:cs typeface="Courier"/>
-                <a:sym typeface="Courier New"/>
-              </a:rPr>
-              <a:t>")</a:t>
-            </a:r>
-            <a:endParaRPr lang="en-US" sz="2800" dirty="0">
-              <a:solidFill>
-                <a:schemeClr val="lt1"/>
-              </a:solidFill>
-              <a:latin typeface="Courier"/>
-              <a:ea typeface="Courier"/>
-              <a:cs typeface="Courier"/>
-              <a:sym typeface="Courier New"/>
-            </a:endParaRPr>
+              <a:rPr lang="en-US" sz="2800" b="1" i="0" u="none" strike="noStrike" cap="none" dirty="0">
+                <a:solidFill>
+                  <a:srgbClr val="00FF00"/>
+                </a:solidFill>
+                <a:latin typeface="Courier"/>
+                <a:ea typeface="Courier"/>
+                <a:cs typeface="Courier"/>
+                <a:sym typeface="Courier New"/>
+              </a:rPr>
+              <a:t>x</a:t>
+            </a:r>
+            <a:r>
+              <a:rPr lang="en-US" sz="2800" b="1" i="0" u="none" strike="noStrike" cap="none" dirty="0">
+                <a:solidFill>
+                  <a:schemeClr val="lt1"/>
+                </a:solidFill>
+                <a:latin typeface="Courier"/>
+                <a:ea typeface="Courier"/>
+                <a:cs typeface="Courier"/>
+                <a:sym typeface="Courier New"/>
+              </a:rPr>
+              <a:t> = </a:t>
+            </a:r>
+            <a:r>
+              <a:rPr lang="en-US" sz="2800" b="1" i="0" u="none" strike="noStrike" cap="none" dirty="0">
+                <a:solidFill>
+                  <a:srgbClr val="00FF00"/>
+                </a:solidFill>
+                <a:latin typeface="Courier"/>
+                <a:ea typeface="Courier"/>
+                <a:cs typeface="Courier"/>
+                <a:sym typeface="Courier New"/>
+              </a:rPr>
+              <a:t>x</a:t>
+            </a:r>
+            <a:r>
+              <a:rPr lang="en-US" sz="2800" b="1" i="0" u="none" strike="noStrike" cap="none" dirty="0">
+                <a:solidFill>
+                  <a:schemeClr val="lt1"/>
+                </a:solidFill>
+                <a:latin typeface="Courier"/>
+                <a:ea typeface="Courier"/>
+                <a:cs typeface="Courier"/>
+                <a:sym typeface="Courier New"/>
+              </a:rPr>
+              <a:t> </a:t>
+            </a:r>
+            <a:r>
+              <a:rPr lang="en-US" sz="2800" b="1" i="0" u="none" strike="noStrike" cap="none" dirty="0">
+                <a:solidFill>
+                  <a:srgbClr val="00FFFF"/>
+                </a:solidFill>
+                <a:latin typeface="Courier"/>
+                <a:ea typeface="Courier"/>
+                <a:cs typeface="Courier"/>
+                <a:sym typeface="Courier New"/>
+              </a:rPr>
+              <a:t>+</a:t>
+            </a:r>
+            <a:r>
+              <a:rPr lang="en-US" sz="2800" b="1" i="0" u="none" strike="noStrike" cap="none" dirty="0">
+                <a:solidFill>
+                  <a:schemeClr val="lt1"/>
+                </a:solidFill>
+                <a:latin typeface="Courier"/>
+                <a:ea typeface="Courier"/>
+                <a:cs typeface="Courier"/>
+                <a:sym typeface="Courier New"/>
+              </a:rPr>
+              <a:t> 2</a:t>
+            </a:r>
           </a:p>
           <a:p>
             <a:pPr marL="0" marR="0" lvl="0" indent="0" algn="l" rtl="0">
@@ -6281,26 +6391,14 @@
                 <a:spcPts val="0"/>
               </a:spcAft>
               <a:buClr>
-                <a:schemeClr val="lt1"/>
+                <a:srgbClr val="FFFF00"/>
               </a:buClr>
               <a:buSzPct val="25000"/>
               <a:buFont typeface="Cabin"/>
               <a:buNone/>
             </a:pPr>
             <a:r>
-              <a:rPr lang="en-US" sz="2800" i="0" u="none" strike="noStrike" cap="none" dirty="0">
-                <a:solidFill>
-                  <a:schemeClr val="lt1"/>
-                </a:solidFill>
-                <a:latin typeface="Courier"/>
-                <a:ea typeface="Courier"/>
-                <a:cs typeface="Courier"/>
-                <a:sym typeface="Courier New"/>
-              </a:rPr>
-              <a:t>    </a:t>
-            </a:r>
-            <a:r>
-              <a:rPr lang="en-US" sz="2800" i="0" u="none" strike="noStrike" cap="none" dirty="0" smtClean="0">
+              <a:rPr lang="en-US" sz="2800" b="1" i="0" u="none" strike="noStrike" cap="none" dirty="0">
                 <a:solidFill>
                   <a:srgbClr val="FFFF00"/>
                 </a:solidFill>
@@ -6312,7 +6410,7 @@
               <a:t>print</a:t>
             </a:r>
             <a:r>
-              <a:rPr lang="en-US" sz="2800" dirty="0">
+              <a:rPr lang="en-US" sz="2800" b="1" dirty="0">
                 <a:solidFill>
                   <a:schemeClr val="lt1"/>
                 </a:solidFill>
@@ -6324,182 +6422,7 @@
               <a:t>(</a:t>
             </a:r>
             <a:r>
-              <a:rPr lang="en-US" sz="2800" i="0" u="none" strike="noStrike" cap="none" dirty="0" smtClean="0">
-                <a:solidFill>
-                  <a:schemeClr val="lt1"/>
-                </a:solidFill>
-                <a:latin typeface="Courier"/>
-                <a:ea typeface="Courier"/>
-                <a:cs typeface="Courier"/>
-                <a:sym typeface="Courier New"/>
-              </a:rPr>
-              <a:t>'I </a:t>
-            </a:r>
-            <a:r>
-              <a:rPr lang="en-US" sz="2800" i="0" u="none" strike="noStrike" cap="none" dirty="0">
-                <a:solidFill>
-                  <a:schemeClr val="lt1"/>
-                </a:solidFill>
-                <a:latin typeface="Courier"/>
-                <a:ea typeface="Courier"/>
-                <a:cs typeface="Courier"/>
-                <a:sym typeface="Courier New"/>
-              </a:rPr>
-              <a:t>sleep all night and I work all day</a:t>
-            </a:r>
-            <a:r>
-              <a:rPr lang="en-US" sz="2800" i="0" u="none" strike="noStrike" cap="none" dirty="0" smtClean="0">
-                <a:solidFill>
-                  <a:schemeClr val="lt1"/>
-                </a:solidFill>
-                <a:latin typeface="Courier"/>
-                <a:ea typeface="Courier"/>
-                <a:cs typeface="Courier"/>
-                <a:sym typeface="Courier New"/>
-              </a:rPr>
-              <a:t>.')</a:t>
-            </a:r>
-            <a:endParaRPr lang="en-US" sz="2800" i="0" u="none" strike="noStrike" cap="none" dirty="0">
-              <a:solidFill>
-                <a:schemeClr val="lt1"/>
-              </a:solidFill>
-              <a:latin typeface="Courier"/>
-              <a:ea typeface="Courier"/>
-              <a:cs typeface="Courier"/>
-              <a:sym typeface="Courier New"/>
-            </a:endParaRPr>
-          </a:p>
-          <a:p>
-            <a:pPr marL="0" marR="0" lvl="0" indent="0" algn="ctr" rtl="0">
-              <a:lnSpc>
-                <a:spcPct val="100000"/>
-              </a:lnSpc>
-              <a:spcBef>
-                <a:spcPts val="0"/>
-              </a:spcBef>
-              <a:spcAft>
-                <a:spcPts val="0"/>
-              </a:spcAft>
-              <a:buNone/>
-            </a:pPr>
-            <a:endParaRPr sz="2800" i="0" u="none" strike="noStrike" cap="none" dirty="0">
-              <a:solidFill>
-                <a:schemeClr val="lt1"/>
-              </a:solidFill>
-              <a:latin typeface="Courier"/>
-              <a:ea typeface="Courier"/>
-              <a:cs typeface="Courier"/>
-              <a:sym typeface="Courier New"/>
-            </a:endParaRPr>
-          </a:p>
-          <a:p>
-            <a:pPr marL="0" marR="0" lvl="0" indent="0" algn="l" rtl="0">
-              <a:lnSpc>
-                <a:spcPct val="100000"/>
-              </a:lnSpc>
-              <a:spcBef>
-                <a:spcPts val="0"/>
-              </a:spcBef>
-              <a:spcAft>
-                <a:spcPts val="0"/>
-              </a:spcAft>
-              <a:buClr>
-                <a:srgbClr val="FFFF00"/>
-              </a:buClr>
-              <a:buSzPct val="25000"/>
-              <a:buFont typeface="Cabin"/>
-              <a:buNone/>
-            </a:pPr>
-            <a:r>
-              <a:rPr lang="en-US" sz="2800" i="0" u="none" strike="noStrike" cap="none" dirty="0" smtClean="0">
-                <a:solidFill>
-                  <a:srgbClr val="FFFF00"/>
-                </a:solidFill>
-                <a:latin typeface="Courier"/>
-                <a:ea typeface="Courier"/>
-                <a:cs typeface="Courier"/>
-                <a:sym typeface="Courier New"/>
-              </a:rPr>
-              <a:t>print</a:t>
-            </a:r>
-            <a:r>
-              <a:rPr lang="en-US" sz="2800" dirty="0">
-                <a:solidFill>
-                  <a:schemeClr val="lt1"/>
-                </a:solidFill>
-                <a:latin typeface="Courier"/>
-                <a:ea typeface="Courier"/>
-                <a:cs typeface="Courier"/>
-                <a:sym typeface="Courier New"/>
-              </a:rPr>
-              <a:t>(</a:t>
-            </a:r>
-            <a:r>
-              <a:rPr lang="en-US" sz="2800" i="0" u="none" strike="noStrike" cap="none" dirty="0" smtClean="0">
-                <a:solidFill>
-                  <a:schemeClr val="lt1"/>
-                </a:solidFill>
-                <a:latin typeface="Courier"/>
-                <a:ea typeface="Courier"/>
-                <a:cs typeface="Courier"/>
-                <a:sym typeface="Courier New"/>
-              </a:rPr>
-              <a:t>'</a:t>
-            </a:r>
-            <a:r>
-              <a:rPr lang="en-US" sz="2800" i="0" u="none" strike="noStrike" cap="none" dirty="0" err="1" smtClean="0">
-                <a:solidFill>
-                  <a:schemeClr val="lt1"/>
-                </a:solidFill>
-                <a:latin typeface="Courier"/>
-                <a:ea typeface="Courier"/>
-                <a:cs typeface="Courier"/>
-                <a:sym typeface="Courier New"/>
-              </a:rPr>
-              <a:t>Yo</a:t>
-            </a:r>
-            <a:r>
-              <a:rPr lang="en-US" sz="2800" i="0" u="none" strike="noStrike" cap="none" dirty="0" smtClean="0">
-                <a:solidFill>
-                  <a:schemeClr val="lt1"/>
-                </a:solidFill>
-                <a:latin typeface="Courier"/>
-                <a:ea typeface="Courier"/>
-                <a:cs typeface="Courier"/>
-                <a:sym typeface="Courier New"/>
-              </a:rPr>
-              <a:t>')</a:t>
-            </a:r>
-            <a:endParaRPr lang="en-US" sz="2800" i="0" u="none" strike="noStrike" cap="none" dirty="0">
-              <a:solidFill>
-                <a:schemeClr val="lt1"/>
-              </a:solidFill>
-              <a:latin typeface="Courier"/>
-              <a:ea typeface="Courier"/>
-              <a:cs typeface="Courier"/>
-              <a:sym typeface="Courier New"/>
-            </a:endParaRPr>
-          </a:p>
-          <a:p>
-            <a:pPr marL="0" marR="0" lvl="0" indent="0" algn="l" rtl="0">
-              <a:lnSpc>
-                <a:spcPct val="100000"/>
-              </a:lnSpc>
-              <a:spcBef>
-                <a:spcPts val="0"/>
-              </a:spcBef>
-              <a:spcAft>
-                <a:spcPts val="0"/>
-              </a:spcAft>
-              <a:buClr>
-                <a:srgbClr val="00FF00"/>
-              </a:buClr>
-              <a:buSzPct val="25000"/>
-              <a:buFont typeface="Cabin"/>
-              <a:buNone/>
-            </a:pPr>
-            <a:r>
-              <a:rPr lang="en-US" sz="2800" i="0" u="none" strike="noStrike" cap="none" dirty="0">
+              <a:rPr lang="en-US" sz="2800" b="1" i="0" u="none" strike="noStrike" cap="none" dirty="0">
                 <a:solidFill>
                   <a:srgbClr val="00FF00"/>
                 </a:solidFill>
@@ -6511,122 +6434,7 @@
               <a:t>x</a:t>
             </a:r>
             <a:r>
-              <a:rPr lang="en-US" sz="2800" i="0" u="none" strike="noStrike" cap="none" dirty="0">
-                <a:solidFill>
-                  <a:schemeClr val="lt1"/>
-                </a:solidFill>
-                <a:latin typeface="Courier"/>
-                <a:ea typeface="Courier"/>
-                <a:cs typeface="Courier"/>
-                <a:sym typeface="Courier New"/>
-              </a:rPr>
-              <a:t> = </a:t>
-            </a:r>
-            <a:r>
-              <a:rPr lang="en-US" sz="2800" i="0" u="none" strike="noStrike" cap="none" dirty="0">
-                <a:solidFill>
-                  <a:srgbClr val="00FF00"/>
-                </a:solidFill>
-                <a:latin typeface="Courier"/>
-                <a:ea typeface="Courier"/>
-                <a:cs typeface="Courier"/>
-                <a:sym typeface="Courier New"/>
-              </a:rPr>
-              <a:t>x</a:t>
-            </a:r>
-            <a:r>
-              <a:rPr lang="en-US" sz="2800" i="0" u="none" strike="noStrike" cap="none" dirty="0">
-                <a:solidFill>
-                  <a:schemeClr val="lt1"/>
-                </a:solidFill>
-                <a:latin typeface="Courier"/>
-                <a:ea typeface="Courier"/>
-                <a:cs typeface="Courier"/>
-                <a:sym typeface="Courier New"/>
-              </a:rPr>
-              <a:t> </a:t>
-            </a:r>
-            <a:r>
-              <a:rPr lang="en-US" sz="2800" i="0" u="none" strike="noStrike" cap="none" dirty="0">
-                <a:solidFill>
-                  <a:srgbClr val="00FFFF"/>
-                </a:solidFill>
-                <a:latin typeface="Courier"/>
-                <a:ea typeface="Courier"/>
-                <a:cs typeface="Courier"/>
-                <a:sym typeface="Courier New"/>
-              </a:rPr>
-              <a:t>+</a:t>
-            </a:r>
-            <a:r>
-              <a:rPr lang="en-US" sz="2800" i="0" u="none" strike="noStrike" cap="none" dirty="0">
-                <a:solidFill>
-                  <a:schemeClr val="lt1"/>
-                </a:solidFill>
-                <a:latin typeface="Courier"/>
-                <a:ea typeface="Courier"/>
-                <a:cs typeface="Courier"/>
-                <a:sym typeface="Courier New"/>
-              </a:rPr>
-              <a:t> 2</a:t>
-            </a:r>
-          </a:p>
-          <a:p>
-            <a:pPr marL="0" marR="0" lvl="0" indent="0" algn="l" rtl="0">
-              <a:lnSpc>
-                <a:spcPct val="100000"/>
-              </a:lnSpc>
-              <a:spcBef>
-                <a:spcPts val="0"/>
-              </a:spcBef>
-              <a:spcAft>
-                <a:spcPts val="0"/>
-              </a:spcAft>
-              <a:buClr>
-                <a:srgbClr val="FFFF00"/>
-              </a:buClr>
-              <a:buSzPct val="25000"/>
-              <a:buFont typeface="Cabin"/>
-              <a:buNone/>
-            </a:pPr>
-            <a:r>
-              <a:rPr lang="en-US" sz="2800" i="0" u="none" strike="noStrike" cap="none" dirty="0" smtClean="0">
-                <a:solidFill>
-                  <a:srgbClr val="FFFF00"/>
-                </a:solidFill>
-                <a:latin typeface="Courier"/>
-                <a:ea typeface="Courier"/>
-                <a:cs typeface="Courier"/>
-                <a:sym typeface="Courier New"/>
-              </a:rPr>
-              <a:t>print</a:t>
-            </a:r>
-            <a:r>
-              <a:rPr lang="en-US" sz="2800" dirty="0">
-                <a:solidFill>
-                  <a:schemeClr val="lt1"/>
-                </a:solidFill>
-                <a:latin typeface="Courier"/>
-                <a:ea typeface="Courier"/>
-                <a:cs typeface="Courier"/>
-                <a:sym typeface="Courier New"/>
-              </a:rPr>
-              <a:t>(</a:t>
-            </a:r>
-            <a:r>
-              <a:rPr lang="en-US" sz="2800" i="0" u="none" strike="noStrike" cap="none" dirty="0" smtClean="0">
-                <a:solidFill>
-                  <a:srgbClr val="00FF00"/>
-                </a:solidFill>
-                <a:latin typeface="Courier"/>
-                <a:ea typeface="Courier"/>
-                <a:cs typeface="Courier"/>
-                <a:sym typeface="Courier New"/>
-              </a:rPr>
-              <a:t>x</a:t>
-            </a:r>
-            <a:r>
-              <a:rPr lang="en-US" sz="2800" i="0" u="none" strike="noStrike" cap="none" dirty="0" smtClean="0">
+              <a:rPr lang="en-US" sz="2800" b="1" i="0" u="none" strike="noStrike" cap="none" dirty="0">
                 <a:solidFill>
                   <a:schemeClr val="bg1"/>
                 </a:solidFill>
@@ -6637,15 +6445,6 @@
               </a:rPr>
               <a:t>)</a:t>
             </a:r>
-            <a:endParaRPr lang="en-US" sz="2800" i="0" u="none" strike="noStrike" cap="none" dirty="0">
-              <a:solidFill>
-                <a:schemeClr val="bg1"/>
-              </a:solidFill>
-              <a:latin typeface="Courier"/>
-              <a:ea typeface="Courier"/>
-              <a:cs typeface="Courier"/>
-              <a:sym typeface="Courier New"/>
-            </a:endParaRPr>
           </a:p>
         </p:txBody>
       </p:sp>
@@ -6838,7 +6637,7 @@
               <a:t>    </a:t>
             </a:r>
             <a:r>
-              <a:rPr lang="en-US" sz="2500" u="none" strike="noStrike" cap="none" dirty="0" smtClean="0">
+              <a:rPr lang="en-US" sz="2500" u="none" strike="noStrike" cap="none" dirty="0">
                 <a:solidFill>
                   <a:srgbClr val="FFFF00"/>
                 </a:solidFill>
@@ -6850,18 +6649,6 @@
               <a:t>print(</a:t>
             </a:r>
             <a:r>
-              <a:rPr lang="en-US" sz="2500" u="none" strike="noStrike" cap="none" dirty="0" smtClean="0">
-                <a:solidFill>
-                  <a:schemeClr val="lt1"/>
-                </a:solidFill>
-                <a:latin typeface="Arial" charset="0"/>
-                <a:ea typeface="Arial" charset="0"/>
-                <a:cs typeface="Arial" charset="0"/>
-                <a:sym typeface="Cabin"/>
-              </a:rPr>
-              <a:t>"</a:t>
-            </a:r>
-            <a:r>
               <a:rPr lang="en-US" sz="2500" u="none" strike="noStrike" cap="none" dirty="0">
                 <a:solidFill>
                   <a:schemeClr val="lt1"/>
@@ -6871,22 +6658,10 @@
                 <a:cs typeface="Arial" charset="0"/>
                 <a:sym typeface="Cabin"/>
               </a:rPr>
-              <a:t>I'm a lumberjack, and I'm okay</a:t>
-            </a:r>
-            <a:r>
-              <a:rPr lang="en-US" sz="2500" u="none" strike="noStrike" cap="none" dirty="0" smtClean="0">
-                <a:solidFill>
-                  <a:schemeClr val="lt1"/>
-                </a:solidFill>
-                <a:latin typeface="Arial" charset="0"/>
-                <a:ea typeface="Arial" charset="0"/>
-                <a:cs typeface="Arial" charset="0"/>
-                <a:sym typeface="Cabin"/>
-              </a:rPr>
-              <a:t>."</a:t>
-            </a:r>
-            <a:r>
-              <a:rPr lang="en-US" sz="2500" u="none" strike="noStrike" cap="none" dirty="0" smtClean="0">
+              <a:t>"I'm a lumberjack, and I'm okay."</a:t>
+            </a:r>
+            <a:r>
+              <a:rPr lang="en-US" sz="2500" u="none" strike="noStrike" cap="none" dirty="0">
                 <a:solidFill>
                   <a:srgbClr val="FFFF00"/>
                 </a:solidFill>
@@ -6898,7 +6673,7 @@
               <a:t>)</a:t>
             </a:r>
             <a:r>
-              <a:rPr lang="en-US" sz="2500" u="none" strike="noStrike" cap="none" dirty="0" smtClean="0">
+              <a:rPr lang="en-US" sz="2500" u="none" strike="noStrike" cap="none" dirty="0">
                 <a:solidFill>
                   <a:schemeClr val="lt1"/>
                 </a:solidFill>
@@ -6909,15 +6684,6 @@
               </a:rPr>
               <a:t>    </a:t>
             </a:r>
-            <a:endParaRPr lang="en-US" sz="2500" u="none" strike="noStrike" cap="none" dirty="0">
-              <a:solidFill>
-                <a:schemeClr val="lt1"/>
-              </a:solidFill>
-              <a:latin typeface="Arial" charset="0"/>
-              <a:ea typeface="Arial" charset="0"/>
-              <a:cs typeface="Arial" charset="0"/>
-              <a:sym typeface="Cabin"/>
-            </a:endParaRPr>
           </a:p>
           <a:p>
             <a:pPr marL="0" marR="0" lvl="0" indent="0" algn="l" rtl="0">
@@ -6950,7 +6716,7 @@
               <a:t>    </a:t>
             </a:r>
             <a:r>
-              <a:rPr lang="en-US" sz="2500" u="none" strike="noStrike" cap="none" dirty="0" smtClean="0">
+              <a:rPr lang="en-US" sz="2500" u="none" strike="noStrike" cap="none" dirty="0">
                 <a:solidFill>
                   <a:srgbClr val="FFFF00"/>
                 </a:solidFill>
@@ -6962,18 +6728,6 @@
               <a:t>print(</a:t>
             </a:r>
             <a:r>
-              <a:rPr lang="en-US" sz="2500" u="none" strike="noStrike" cap="none" dirty="0" smtClean="0">
-                <a:solidFill>
-                  <a:schemeClr val="lt1"/>
-                </a:solidFill>
-                <a:latin typeface="Arial" charset="0"/>
-                <a:ea typeface="Arial" charset="0"/>
-                <a:cs typeface="Arial" charset="0"/>
-                <a:sym typeface="Cabin"/>
-              </a:rPr>
-              <a:t>'I </a:t>
-            </a:r>
-            <a:r>
               <a:rPr lang="en-US" sz="2500" u="none" strike="noStrike" cap="none" dirty="0">
                 <a:solidFill>
                   <a:schemeClr val="lt1"/>
@@ -6983,22 +6737,10 @@
                 <a:cs typeface="Arial" charset="0"/>
                 <a:sym typeface="Cabin"/>
               </a:rPr>
-              <a:t>sleep all night and I work all day</a:t>
-            </a:r>
-            <a:r>
-              <a:rPr lang="en-US" sz="2500" u="none" strike="noStrike" cap="none" dirty="0" smtClean="0">
-                <a:solidFill>
-                  <a:schemeClr val="lt1"/>
-                </a:solidFill>
-                <a:latin typeface="Arial" charset="0"/>
-                <a:ea typeface="Arial" charset="0"/>
-                <a:cs typeface="Arial" charset="0"/>
-                <a:sym typeface="Cabin"/>
-              </a:rPr>
-              <a:t>.'</a:t>
-            </a:r>
-            <a:r>
-              <a:rPr lang="en-US" sz="2500" u="none" strike="noStrike" cap="none" dirty="0" smtClean="0">
+              <a:t>'I sleep all night and I work all day.'</a:t>
+            </a:r>
+            <a:r>
+              <a:rPr lang="en-US" sz="2500" u="none" strike="noStrike" cap="none" dirty="0">
                 <a:solidFill>
                   <a:srgbClr val="FFFF00"/>
                 </a:solidFill>
@@ -7009,15 +6751,6 @@
               </a:rPr>
               <a:t>)</a:t>
             </a:r>
-            <a:endParaRPr lang="en-US" sz="2500" u="none" strike="noStrike" cap="none" dirty="0">
-              <a:solidFill>
-                <a:srgbClr val="FFFF00"/>
-              </a:solidFill>
-              <a:latin typeface="Arial" charset="0"/>
-              <a:ea typeface="Arial" charset="0"/>
-              <a:cs typeface="Arial" charset="0"/>
-              <a:sym typeface="Cabin"/>
-            </a:endParaRPr>
           </a:p>
         </p:txBody>
       </p:sp>
@@ -7095,13 +6828,6 @@
   <p:clrMapOvr>
     <a:masterClrMapping/>
   </p:clrMapOvr>
-  <p:timing>
-    <p:tnLst>
-      <p:par>
-        <p:cTn id="1" dur="indefinite" restart="never" nodeType="tmRoot"/>
-      </p:par>
-    </p:tnLst>
-  </p:timing>
 </p:sld>
 </file>
 
@@ -7419,13 +7145,6 @@
   <p:clrMapOvr>
     <a:masterClrMapping/>
   </p:clrMapOvr>
-  <p:timing>
-    <p:tnLst>
-      <p:par>
-        <p:cTn id="1" dur="indefinite" restart="never" nodeType="tmRoot"/>
-      </p:par>
-    </p:tnLst>
-  </p:timing>
 </p:sld>
 </file>
 
@@ -7489,7 +7208,7 @@
               <a:buNone/>
             </a:pPr>
             <a:r>
-              <a:rPr lang="en-US" sz="3000" i="0" u="none" strike="noStrike" cap="none" dirty="0">
+              <a:rPr lang="en-US" sz="3000" b="1" i="0" u="none" strike="noStrike" cap="none" dirty="0">
                 <a:solidFill>
                   <a:srgbClr val="00FF00"/>
                 </a:solidFill>
@@ -7501,7 +7220,7 @@
               <a:t>x</a:t>
             </a:r>
             <a:r>
-              <a:rPr lang="en-US" sz="3000" i="0" u="none" strike="noStrike" cap="none" dirty="0">
+              <a:rPr lang="en-US" sz="3000" b="1" i="0" u="none" strike="noStrike" cap="none" dirty="0">
                 <a:solidFill>
                   <a:schemeClr val="lt1"/>
                 </a:solidFill>
@@ -7532,7 +7251,7 @@
               <a:buNone/>
             </a:pPr>
             <a:r>
-              <a:rPr lang="en-US" sz="3000" i="0" u="none" strike="noStrike" cap="none" dirty="0" smtClean="0">
+              <a:rPr lang="en-US" sz="3000" b="1" i="0" u="none" strike="noStrike" cap="none" dirty="0">
                 <a:solidFill>
                   <a:srgbClr val="FFFF00"/>
                 </a:solidFill>
@@ -7544,7 +7263,7 @@
               <a:t>print</a:t>
             </a:r>
             <a:r>
-              <a:rPr lang="en-US" sz="3000" dirty="0">
+              <a:rPr lang="en-US" sz="3000" b="1" dirty="0">
                 <a:solidFill>
                   <a:schemeClr val="lt1"/>
                 </a:solidFill>
@@ -7556,7 +7275,7 @@
               <a:t>(</a:t>
             </a:r>
             <a:r>
-              <a:rPr lang="en-US" sz="3000" i="0" u="none" strike="noStrike" cap="none" dirty="0" smtClean="0">
+              <a:rPr lang="en-US" sz="3000" b="1" i="0" u="none" strike="noStrike" cap="none" dirty="0">
                 <a:solidFill>
                   <a:schemeClr val="lt1"/>
                 </a:solidFill>
@@ -7567,7 +7286,257 @@
               </a:rPr>
               <a:t>'Hello')</a:t>
             </a:r>
-            <a:endParaRPr lang="en-US" sz="3000" i="0" u="none" strike="noStrike" cap="none" dirty="0">
+          </a:p>
+          <a:p>
+            <a:pPr marL="0" marR="0" lvl="0" indent="0" algn="ctr" rtl="0">
+              <a:lnSpc>
+                <a:spcPct val="100000"/>
+              </a:lnSpc>
+              <a:spcBef>
+                <a:spcPts val="0"/>
+              </a:spcBef>
+              <a:spcAft>
+                <a:spcPts val="0"/>
+              </a:spcAft>
+              <a:buNone/>
+            </a:pPr>
+            <a:endParaRPr sz="3000" b="1" i="0" u="none" strike="noStrike" cap="none" dirty="0">
+              <a:solidFill>
+                <a:srgbClr val="FFFF00"/>
+              </a:solidFill>
+              <a:latin typeface="Courier"/>
+              <a:ea typeface="Courier"/>
+              <a:cs typeface="Courier"/>
+              <a:sym typeface="Courier New"/>
+            </a:endParaRPr>
+          </a:p>
+          <a:p>
+            <a:pPr marL="0" marR="0" lvl="0" indent="0" algn="l" rtl="0">
+              <a:lnSpc>
+                <a:spcPct val="100000"/>
+              </a:lnSpc>
+              <a:spcBef>
+                <a:spcPts val="0"/>
+              </a:spcBef>
+              <a:spcAft>
+                <a:spcPts val="0"/>
+              </a:spcAft>
+              <a:buClr>
+                <a:srgbClr val="FFFF00"/>
+              </a:buClr>
+              <a:buSzPct val="25000"/>
+              <a:buFont typeface="Cabin"/>
+              <a:buNone/>
+            </a:pPr>
+            <a:r>
+              <a:rPr lang="en-US" sz="3000" b="1" i="0" u="none" strike="noStrike" cap="none" dirty="0" err="1">
+                <a:solidFill>
+                  <a:srgbClr val="FFFF00"/>
+                </a:solidFill>
+                <a:latin typeface="Courier"/>
+                <a:ea typeface="Courier"/>
+                <a:cs typeface="Courier"/>
+                <a:sym typeface="Courier New"/>
+              </a:rPr>
+              <a:t>def</a:t>
+            </a:r>
+            <a:r>
+              <a:rPr lang="en-US" sz="3000" b="1" i="0" u="none" strike="noStrike" cap="none" dirty="0">
+                <a:solidFill>
+                  <a:schemeClr val="lt1"/>
+                </a:solidFill>
+                <a:latin typeface="Courier"/>
+                <a:ea typeface="Courier"/>
+                <a:cs typeface="Courier"/>
+                <a:sym typeface="Courier New"/>
+              </a:rPr>
+              <a:t> </a:t>
+            </a:r>
+            <a:r>
+              <a:rPr lang="en-US" sz="3000" b="1" i="0" u="none" strike="noStrike" cap="none" dirty="0" err="1">
+                <a:solidFill>
+                  <a:srgbClr val="00FF00"/>
+                </a:solidFill>
+                <a:latin typeface="Courier"/>
+                <a:ea typeface="Courier"/>
+                <a:cs typeface="Courier"/>
+                <a:sym typeface="Courier New"/>
+              </a:rPr>
+              <a:t>print_lyrics</a:t>
+            </a:r>
+            <a:r>
+              <a:rPr lang="en-US" sz="3000" b="1" i="0" u="none" strike="noStrike" cap="none" dirty="0">
+                <a:solidFill>
+                  <a:schemeClr val="lt1"/>
+                </a:solidFill>
+                <a:latin typeface="Courier"/>
+                <a:ea typeface="Courier"/>
+                <a:cs typeface="Courier"/>
+                <a:sym typeface="Courier New"/>
+              </a:rPr>
+              <a:t>(): </a:t>
+            </a:r>
+          </a:p>
+          <a:p>
+            <a:pPr marL="0" marR="0" lvl="0" indent="0" algn="l" rtl="0">
+              <a:lnSpc>
+                <a:spcPct val="100000"/>
+              </a:lnSpc>
+              <a:spcBef>
+                <a:spcPts val="0"/>
+              </a:spcBef>
+              <a:spcAft>
+                <a:spcPts val="0"/>
+              </a:spcAft>
+              <a:buClr>
+                <a:schemeClr val="lt1"/>
+              </a:buClr>
+              <a:buSzPct val="25000"/>
+              <a:buFont typeface="Cabin"/>
+              <a:buNone/>
+            </a:pPr>
+            <a:r>
+              <a:rPr lang="en-US" sz="3000" b="1" i="0" u="none" strike="noStrike" cap="none" dirty="0">
+                <a:solidFill>
+                  <a:schemeClr val="lt1"/>
+                </a:solidFill>
+                <a:latin typeface="Courier"/>
+                <a:ea typeface="Courier"/>
+                <a:cs typeface="Courier"/>
+                <a:sym typeface="Courier New"/>
+              </a:rPr>
+              <a:t>   </a:t>
+            </a:r>
+            <a:r>
+              <a:rPr lang="en-US" sz="3000" b="1" i="0" u="none" strike="noStrike" cap="none" dirty="0">
+                <a:solidFill>
+                  <a:srgbClr val="FFFF00"/>
+                </a:solidFill>
+                <a:latin typeface="Courier"/>
+                <a:ea typeface="Courier"/>
+                <a:cs typeface="Courier"/>
+                <a:sym typeface="Courier New"/>
+              </a:rPr>
+              <a:t>print</a:t>
+            </a:r>
+            <a:r>
+              <a:rPr lang="en-US" sz="3000" b="1" dirty="0">
+                <a:solidFill>
+                  <a:schemeClr val="lt1"/>
+                </a:solidFill>
+                <a:latin typeface="Courier"/>
+                <a:ea typeface="Courier"/>
+                <a:cs typeface="Courier"/>
+                <a:sym typeface="Courier New"/>
+              </a:rPr>
+              <a:t>(</a:t>
+            </a:r>
+            <a:r>
+              <a:rPr lang="en-US" sz="3000" b="1" i="0" u="none" strike="noStrike" cap="none" dirty="0">
+                <a:solidFill>
+                  <a:schemeClr val="lt1"/>
+                </a:solidFill>
+                <a:latin typeface="Courier"/>
+                <a:ea typeface="Courier"/>
+                <a:cs typeface="Courier"/>
+                <a:sym typeface="Courier New"/>
+              </a:rPr>
+              <a:t>"I'm a lumberjack, and I'm okay.</a:t>
+            </a:r>
+            <a:r>
+              <a:rPr lang="en-US" sz="3000" b="1" dirty="0">
+                <a:solidFill>
+                  <a:schemeClr val="lt1"/>
+                </a:solidFill>
+                <a:latin typeface="Courier"/>
+                <a:ea typeface="Courier"/>
+                <a:cs typeface="Courier"/>
+                <a:sym typeface="Courier New"/>
+              </a:rPr>
+              <a:t>")</a:t>
+            </a:r>
+          </a:p>
+          <a:p>
+            <a:pPr marL="0" marR="0" lvl="0" indent="0" algn="l" rtl="0">
+              <a:lnSpc>
+                <a:spcPct val="100000"/>
+              </a:lnSpc>
+              <a:spcBef>
+                <a:spcPts val="0"/>
+              </a:spcBef>
+              <a:spcAft>
+                <a:spcPts val="0"/>
+              </a:spcAft>
+              <a:buClr>
+                <a:schemeClr val="lt1"/>
+              </a:buClr>
+              <a:buSzPct val="25000"/>
+              <a:buFont typeface="Cabin"/>
+              <a:buNone/>
+            </a:pPr>
+            <a:r>
+              <a:rPr lang="en-US" sz="3000" b="1" i="0" u="none" strike="noStrike" cap="none" dirty="0">
+                <a:solidFill>
+                  <a:schemeClr val="lt1"/>
+                </a:solidFill>
+                <a:latin typeface="Courier"/>
+                <a:ea typeface="Courier"/>
+                <a:cs typeface="Courier"/>
+                <a:sym typeface="Courier New"/>
+              </a:rPr>
+              <a:t>   </a:t>
+            </a:r>
+            <a:r>
+              <a:rPr lang="en-US" sz="3000" b="1" i="0" u="none" strike="noStrike" cap="none" dirty="0">
+                <a:solidFill>
+                  <a:srgbClr val="FFFF00"/>
+                </a:solidFill>
+                <a:latin typeface="Courier"/>
+                <a:ea typeface="Courier"/>
+                <a:cs typeface="Courier"/>
+                <a:sym typeface="Courier New"/>
+              </a:rPr>
+              <a:t>print</a:t>
+            </a:r>
+            <a:r>
+              <a:rPr lang="en-US" sz="3000" b="1" dirty="0">
+                <a:solidFill>
+                  <a:schemeClr val="lt1"/>
+                </a:solidFill>
+                <a:latin typeface="Courier"/>
+                <a:ea typeface="Courier"/>
+                <a:cs typeface="Courier"/>
+                <a:sym typeface="Courier New"/>
+              </a:rPr>
+              <a:t>(</a:t>
+            </a:r>
+            <a:r>
+              <a:rPr lang="en-US" sz="3000" b="1" i="0" u="none" strike="noStrike" cap="none" dirty="0">
+                <a:solidFill>
+                  <a:schemeClr val="lt1"/>
+                </a:solidFill>
+                <a:latin typeface="Courier"/>
+                <a:ea typeface="Courier"/>
+                <a:cs typeface="Courier"/>
+                <a:sym typeface="Courier New"/>
+              </a:rPr>
+              <a:t>'I sleep all night and I work all day.')</a:t>
+            </a:r>
+          </a:p>
+          <a:p>
+            <a:pPr marL="0" marR="0" lvl="0" indent="0" algn="ctr" rtl="0">
+              <a:lnSpc>
+                <a:spcPct val="100000"/>
+              </a:lnSpc>
+              <a:spcBef>
+                <a:spcPts val="0"/>
+              </a:spcBef>
+              <a:spcAft>
+                <a:spcPts val="0"/>
+              </a:spcAft>
+              <a:buNone/>
+            </a:pPr>
+            <a:endParaRPr sz="3000" b="1" i="0" u="none" strike="noStrike" cap="none" dirty="0">
               <a:solidFill>
                 <a:schemeClr val="lt1"/>
               </a:solidFill>
@@ -7578,29 +7547,6 @@
             </a:endParaRPr>
           </a:p>
           <a:p>
-            <a:pPr marL="0" marR="0" lvl="0" indent="0" algn="ctr" rtl="0">
-              <a:lnSpc>
-                <a:spcPct val="100000"/>
-              </a:lnSpc>
-              <a:spcBef>
-                <a:spcPts val="0"/>
-              </a:spcBef>
-              <a:spcAft>
-                <a:spcPts val="0"/>
-              </a:spcAft>
-              <a:buNone/>
-            </a:pPr>
-            <a:endParaRPr sz="3000" i="0" u="none" strike="noStrike" cap="none" dirty="0">
-              <a:solidFill>
-                <a:srgbClr val="FFFF00"/>
-              </a:solidFill>
-              <a:latin typeface="Courier"/>
-              <a:ea typeface="Courier"/>
-              <a:cs typeface="Courier"/>
-              <a:sym typeface="Courier New"/>
-            </a:endParaRPr>
-          </a:p>
-          <a:p>
             <a:pPr marL="0" marR="0" lvl="0" indent="0" algn="l" rtl="0">
               <a:lnSpc>
                 <a:spcPct val="100000"/>
@@ -7619,7 +7565,7 @@
               <a:buNone/>
             </a:pPr>
             <a:r>
-              <a:rPr lang="en-US" sz="3000" i="0" u="none" strike="noStrike" cap="none" dirty="0" err="1">
+              <a:rPr lang="en-US" sz="3000" b="1" i="0" u="none" strike="noStrike" cap="none" dirty="0">
                 <a:solidFill>
                   <a:srgbClr val="FFFF00"/>
                 </a:solidFill>
@@ -7628,43 +7574,55 @@
                 <a:cs typeface="Courier"/>
                 <a:sym typeface="Courier New"/>
               </a:rPr>
-              <a:t>def</a:t>
-            </a:r>
-            <a:r>
-              <a:rPr lang="en-US" sz="3000" i="0" u="none" strike="noStrike" cap="none" dirty="0">
-                <a:solidFill>
-                  <a:schemeClr val="lt1"/>
-                </a:solidFill>
-                <a:latin typeface="Courier"/>
-                <a:ea typeface="Courier"/>
-                <a:cs typeface="Courier"/>
-                <a:sym typeface="Courier New"/>
-              </a:rPr>
-              <a:t> </a:t>
-            </a:r>
-            <a:r>
-              <a:rPr lang="en-US" sz="3000" i="0" u="none" strike="noStrike" cap="none" dirty="0" err="1">
-                <a:solidFill>
-                  <a:srgbClr val="00FF00"/>
-                </a:solidFill>
-                <a:latin typeface="Courier"/>
-                <a:ea typeface="Courier"/>
-                <a:cs typeface="Courier"/>
-                <a:sym typeface="Courier New"/>
-              </a:rPr>
-              <a:t>print_lyrics</a:t>
-            </a:r>
-            <a:r>
-              <a:rPr lang="en-US" sz="3000" i="0" u="none" strike="noStrike" cap="none" dirty="0">
-                <a:solidFill>
-                  <a:schemeClr val="lt1"/>
-                </a:solidFill>
-                <a:latin typeface="Courier"/>
-                <a:ea typeface="Courier"/>
-                <a:cs typeface="Courier"/>
-                <a:sym typeface="Courier New"/>
-              </a:rPr>
-              <a:t>(): </a:t>
+              <a:t>print</a:t>
+            </a:r>
+            <a:r>
+              <a:rPr lang="en-US" sz="3000" b="1" dirty="0">
+                <a:solidFill>
+                  <a:schemeClr val="lt1"/>
+                </a:solidFill>
+                <a:latin typeface="Courier"/>
+                <a:ea typeface="Courier"/>
+                <a:cs typeface="Courier"/>
+                <a:sym typeface="Courier New"/>
+              </a:rPr>
+              <a:t>(</a:t>
+            </a:r>
+            <a:r>
+              <a:rPr lang="en-US" sz="3000" b="1" i="0" u="none" strike="noStrike" cap="none" dirty="0">
+                <a:solidFill>
+                  <a:schemeClr val="lt1"/>
+                </a:solidFill>
+                <a:latin typeface="Courier"/>
+                <a:ea typeface="Courier"/>
+                <a:cs typeface="Courier"/>
+                <a:sym typeface="Courier New"/>
+              </a:rPr>
+              <a:t>'</a:t>
+            </a:r>
+            <a:r>
+              <a:rPr lang="en-US" sz="3000" b="1" i="0" u="none" strike="noStrike" cap="none" dirty="0" err="1">
+                <a:solidFill>
+                  <a:schemeClr val="lt1"/>
+                </a:solidFill>
+                <a:latin typeface="Courier"/>
+                <a:ea typeface="Courier"/>
+                <a:cs typeface="Courier"/>
+                <a:sym typeface="Courier New"/>
+              </a:rPr>
+              <a:t>Yo</a:t>
+            </a:r>
+            <a:r>
+              <a:rPr lang="en-US" sz="3000" b="1" i="0" u="none" strike="noStrike" cap="none" dirty="0">
+                <a:solidFill>
+                  <a:schemeClr val="lt1"/>
+                </a:solidFill>
+                <a:latin typeface="Courier"/>
+                <a:ea typeface="Courier"/>
+                <a:cs typeface="Courier"/>
+                <a:sym typeface="Courier New"/>
+              </a:rPr>
+              <a:t>')</a:t>
             </a:r>
           </a:p>
           <a:p>
@@ -7679,105 +7637,36 @@
                 <a:spcPts val="0"/>
               </a:spcAft>
               <a:buClr>
-                <a:schemeClr val="lt1"/>
+                <a:srgbClr val="00FF00"/>
               </a:buClr>
               <a:buSzPct val="25000"/>
               <a:buFont typeface="Cabin"/>
               <a:buNone/>
             </a:pPr>
             <a:r>
-              <a:rPr lang="en-US" sz="3000" i="0" u="none" strike="noStrike" cap="none" dirty="0">
-                <a:solidFill>
-                  <a:schemeClr val="lt1"/>
-                </a:solidFill>
-                <a:latin typeface="Courier"/>
-                <a:ea typeface="Courier"/>
-                <a:cs typeface="Courier"/>
-                <a:sym typeface="Courier New"/>
-              </a:rPr>
-              <a:t>   </a:t>
-            </a:r>
-            <a:r>
-              <a:rPr lang="en-US" sz="3000" i="0" u="none" strike="noStrike" cap="none" dirty="0" smtClean="0">
-                <a:solidFill>
-                  <a:srgbClr val="FFFF00"/>
-                </a:solidFill>
-                <a:latin typeface="Courier"/>
-                <a:ea typeface="Courier"/>
-                <a:cs typeface="Courier"/>
-                <a:sym typeface="Courier New"/>
-              </a:rPr>
-              <a:t>print</a:t>
-            </a:r>
-            <a:r>
-              <a:rPr lang="en-US" sz="3000" dirty="0">
-                <a:solidFill>
-                  <a:schemeClr val="lt1"/>
-                </a:solidFill>
-                <a:latin typeface="Courier"/>
-                <a:ea typeface="Courier"/>
-                <a:cs typeface="Courier"/>
-                <a:sym typeface="Courier New"/>
-              </a:rPr>
-              <a:t>(</a:t>
-            </a:r>
-            <a:r>
-              <a:rPr lang="en-US" sz="3000" i="0" u="none" strike="noStrike" cap="none" dirty="0" smtClean="0">
-                <a:solidFill>
-                  <a:schemeClr val="lt1"/>
-                </a:solidFill>
-                <a:latin typeface="Courier"/>
-                <a:ea typeface="Courier"/>
-                <a:cs typeface="Courier"/>
-                <a:sym typeface="Courier New"/>
-              </a:rPr>
-              <a:t>"I'm </a:t>
-            </a:r>
-            <a:r>
-              <a:rPr lang="en-US" sz="3000" i="0" u="none" strike="noStrike" cap="none" dirty="0">
-                <a:solidFill>
-                  <a:schemeClr val="lt1"/>
-                </a:solidFill>
-                <a:latin typeface="Courier"/>
-                <a:ea typeface="Courier"/>
-                <a:cs typeface="Courier"/>
-                <a:sym typeface="Courier New"/>
-              </a:rPr>
-              <a:t>a lumberjack, and I'm okay</a:t>
-            </a:r>
-            <a:r>
-              <a:rPr lang="en-US" sz="3000" i="0" u="none" strike="noStrike" cap="none" dirty="0" smtClean="0">
-                <a:solidFill>
-                  <a:schemeClr val="lt1"/>
-                </a:solidFill>
-                <a:latin typeface="Courier"/>
-                <a:ea typeface="Courier"/>
-                <a:cs typeface="Courier"/>
-                <a:sym typeface="Courier New"/>
-              </a:rPr>
-              <a:t>.</a:t>
-            </a:r>
-            <a:r>
-              <a:rPr lang="en-US" sz="3000" dirty="0" smtClean="0">
-                <a:solidFill>
-                  <a:schemeClr val="lt1"/>
-                </a:solidFill>
-                <a:latin typeface="Courier"/>
-                <a:ea typeface="Courier"/>
-                <a:cs typeface="Courier"/>
-                <a:sym typeface="Courier New"/>
-              </a:rPr>
-              <a:t>")</a:t>
-            </a:r>
-            <a:endParaRPr lang="en-US" sz="3000" dirty="0">
-              <a:solidFill>
-                <a:schemeClr val="lt1"/>
-              </a:solidFill>
-              <a:latin typeface="Courier"/>
-              <a:ea typeface="Courier"/>
-              <a:cs typeface="Courier"/>
-              <a:sym typeface="Courier New"/>
-            </a:endParaRPr>
+              <a:rPr lang="en-US" sz="3000" b="1" i="0" u="none" strike="noStrike" cap="none" dirty="0" err="1">
+                <a:solidFill>
+                  <a:srgbClr val="00FF00"/>
+                </a:solidFill>
+                <a:latin typeface="Courier"/>
+                <a:ea typeface="Courier"/>
+                <a:cs typeface="Courier"/>
+                <a:sym typeface="Courier New"/>
+              </a:rPr>
+              <a:t>print_lyrics</a:t>
+            </a:r>
+            <a:r>
+              <a:rPr lang="en-US" sz="3000" b="1" i="0" u="none" strike="noStrike" cap="none" dirty="0">
+                <a:solidFill>
+                  <a:schemeClr val="lt1"/>
+                </a:solidFill>
+                <a:latin typeface="Courier"/>
+                <a:ea typeface="Courier"/>
+                <a:cs typeface="Courier"/>
+                <a:sym typeface="Courier New"/>
+              </a:rPr>
+              <a:t>()</a:t>
+            </a:r>
           </a:p>
           <a:p>
             <a:pPr marL="0" marR="0" lvl="0" indent="0" algn="l" rtl="0">
@@ -7791,116 +7680,84 @@
                 <a:spcPts val="0"/>
               </a:spcAft>
               <a:buClr>
-                <a:schemeClr val="lt1"/>
+                <a:srgbClr val="00FF00"/>
               </a:buClr>
               <a:buSzPct val="25000"/>
               <a:buFont typeface="Cabin"/>
               <a:buNone/>
             </a:pPr>
             <a:r>
-              <a:rPr lang="en-US" sz="3000" i="0" u="none" strike="noStrike" cap="none" dirty="0">
-                <a:solidFill>
-                  <a:schemeClr val="lt1"/>
-                </a:solidFill>
-                <a:latin typeface="Courier"/>
-                <a:ea typeface="Courier"/>
-                <a:cs typeface="Courier"/>
-                <a:sym typeface="Courier New"/>
-              </a:rPr>
-              <a:t>   </a:t>
-            </a:r>
-            <a:r>
-              <a:rPr lang="en-US" sz="3000" i="0" u="none" strike="noStrike" cap="none" dirty="0" smtClean="0">
-                <a:solidFill>
-                  <a:srgbClr val="FFFF00"/>
-                </a:solidFill>
-                <a:latin typeface="Courier"/>
-                <a:ea typeface="Courier"/>
-                <a:cs typeface="Courier"/>
-                <a:sym typeface="Courier New"/>
-              </a:rPr>
-              <a:t>print</a:t>
-            </a:r>
-            <a:r>
-              <a:rPr lang="en-US" sz="3000" dirty="0">
-                <a:solidFill>
-                  <a:schemeClr val="lt1"/>
-                </a:solidFill>
-                <a:latin typeface="Courier"/>
-                <a:ea typeface="Courier"/>
-                <a:cs typeface="Courier"/>
-                <a:sym typeface="Courier New"/>
-              </a:rPr>
-              <a:t>(</a:t>
-            </a:r>
-            <a:r>
-              <a:rPr lang="en-US" sz="3000" i="0" u="none" strike="noStrike" cap="none" dirty="0" smtClean="0">
-                <a:solidFill>
-                  <a:schemeClr val="lt1"/>
-                </a:solidFill>
-                <a:latin typeface="Courier"/>
-                <a:ea typeface="Courier"/>
-                <a:cs typeface="Courier"/>
-                <a:sym typeface="Courier New"/>
-              </a:rPr>
-              <a:t>'I </a:t>
-            </a:r>
-            <a:r>
-              <a:rPr lang="en-US" sz="3000" i="0" u="none" strike="noStrike" cap="none" dirty="0">
-                <a:solidFill>
-                  <a:schemeClr val="lt1"/>
-                </a:solidFill>
-                <a:latin typeface="Courier"/>
-                <a:ea typeface="Courier"/>
-                <a:cs typeface="Courier"/>
-                <a:sym typeface="Courier New"/>
-              </a:rPr>
-              <a:t>sleep all night and I work all day</a:t>
-            </a:r>
-            <a:r>
-              <a:rPr lang="en-US" sz="3000" i="0" u="none" strike="noStrike" cap="none" dirty="0" smtClean="0">
-                <a:solidFill>
-                  <a:schemeClr val="lt1"/>
-                </a:solidFill>
-                <a:latin typeface="Courier"/>
-                <a:ea typeface="Courier"/>
-                <a:cs typeface="Courier"/>
-                <a:sym typeface="Courier New"/>
-              </a:rPr>
-              <a:t>.')</a:t>
-            </a:r>
-            <a:endParaRPr lang="en-US" sz="3000" i="0" u="none" strike="noStrike" cap="none" dirty="0">
-              <a:solidFill>
-                <a:schemeClr val="lt1"/>
-              </a:solidFill>
-              <a:latin typeface="Courier"/>
-              <a:ea typeface="Courier"/>
-              <a:cs typeface="Courier"/>
-              <a:sym typeface="Courier New"/>
-            </a:endParaRPr>
-          </a:p>
-          <a:p>
-            <a:pPr marL="0" marR="0" lvl="0" indent="0" algn="ctr" rtl="0">
-              <a:lnSpc>
-                <a:spcPct val="100000"/>
-              </a:lnSpc>
-              <a:spcBef>
-                <a:spcPts val="0"/>
-              </a:spcBef>
-              <a:spcAft>
-                <a:spcPts val="0"/>
-              </a:spcAft>
-              <a:buNone/>
-            </a:pPr>
-            <a:endParaRPr sz="3000" i="0" u="none" strike="noStrike" cap="none" dirty="0">
-              <a:solidFill>
-                <a:schemeClr val="lt1"/>
-              </a:solidFill>
-              <a:latin typeface="Courier"/>
-              <a:ea typeface="Courier"/>
-              <a:cs typeface="Courier"/>
-              <a:sym typeface="Courier New"/>
-            </a:endParaRPr>
+              <a:rPr lang="en-US" sz="3000" b="1" i="0" u="none" strike="noStrike" cap="none" dirty="0">
+                <a:solidFill>
+                  <a:srgbClr val="00FF00"/>
+                </a:solidFill>
+                <a:latin typeface="Courier"/>
+                <a:ea typeface="Courier"/>
+                <a:cs typeface="Courier"/>
+                <a:sym typeface="Courier New"/>
+              </a:rPr>
+              <a:t>x</a:t>
+            </a:r>
+            <a:r>
+              <a:rPr lang="en-US" sz="3000" b="1" i="0" u="none" strike="noStrike" cap="none" dirty="0">
+                <a:solidFill>
+                  <a:schemeClr val="lt1"/>
+                </a:solidFill>
+                <a:latin typeface="Courier"/>
+                <a:ea typeface="Courier"/>
+                <a:cs typeface="Courier"/>
+                <a:sym typeface="Courier New"/>
+              </a:rPr>
+              <a:t> = </a:t>
+            </a:r>
+            <a:r>
+              <a:rPr lang="en-US" sz="3000" b="1" i="0" u="none" strike="noStrike" cap="none" dirty="0">
+                <a:solidFill>
+                  <a:srgbClr val="00FF00"/>
+                </a:solidFill>
+                <a:latin typeface="Courier"/>
+                <a:ea typeface="Courier"/>
+                <a:cs typeface="Courier"/>
+                <a:sym typeface="Courier New"/>
+              </a:rPr>
+              <a:t>x</a:t>
+            </a:r>
+            <a:r>
+              <a:rPr lang="en-US" sz="3000" b="1" i="0" u="none" strike="noStrike" cap="none" dirty="0">
+                <a:solidFill>
+                  <a:schemeClr val="lt1"/>
+                </a:solidFill>
+                <a:latin typeface="Courier"/>
+                <a:ea typeface="Courier"/>
+                <a:cs typeface="Courier"/>
+                <a:sym typeface="Courier New"/>
+              </a:rPr>
+              <a:t> </a:t>
+            </a:r>
+            <a:r>
+              <a:rPr lang="en-US" sz="3000" b="1" i="0" u="none" strike="noStrike" cap="none" dirty="0">
+                <a:solidFill>
+                  <a:srgbClr val="00FFFF"/>
+                </a:solidFill>
+                <a:latin typeface="Courier"/>
+                <a:ea typeface="Courier"/>
+                <a:cs typeface="Courier"/>
+                <a:sym typeface="Courier New"/>
+              </a:rPr>
+              <a:t>+</a:t>
+            </a:r>
+            <a:r>
+              <a:rPr lang="en-US" sz="3000" b="1" i="0" u="none" strike="noStrike" cap="none" dirty="0">
+                <a:solidFill>
+                  <a:schemeClr val="lt1"/>
+                </a:solidFill>
+                <a:latin typeface="Courier"/>
+                <a:ea typeface="Courier"/>
+                <a:cs typeface="Courier"/>
+                <a:sym typeface="Courier New"/>
+              </a:rPr>
+              <a:t> 2</a:t>
+            </a:r>
           </a:p>
           <a:p>
             <a:pPr marL="0" marR="0" lvl="0" indent="0" algn="l" rtl="0">
@@ -7921,7 +7778,7 @@
               <a:buNone/>
             </a:pPr>
             <a:r>
-              <a:rPr lang="en-US" sz="3000" i="0" u="none" strike="noStrike" cap="none" dirty="0" smtClean="0">
+              <a:rPr lang="en-US" sz="3000" b="1" i="0" u="none" strike="noStrike" cap="none" dirty="0">
                 <a:solidFill>
                   <a:srgbClr val="FFFF00"/>
                 </a:solidFill>
@@ -7933,7 +7790,7 @@
               <a:t>print</a:t>
             </a:r>
             <a:r>
-              <a:rPr lang="en-US" sz="3000" dirty="0">
+              <a:rPr lang="en-US" sz="3000" b="1" dirty="0">
                 <a:solidFill>
                   <a:schemeClr val="lt1"/>
                 </a:solidFill>
@@ -7945,71 +7802,7 @@
               <a:t>(</a:t>
             </a:r>
             <a:r>
-              <a:rPr lang="en-US" sz="3000" i="0" u="none" strike="noStrike" cap="none" dirty="0" smtClean="0">
-                <a:solidFill>
-                  <a:schemeClr val="lt1"/>
-                </a:solidFill>
-                <a:latin typeface="Courier"/>
-                <a:ea typeface="Courier"/>
-                <a:cs typeface="Courier"/>
-                <a:sym typeface="Courier New"/>
-              </a:rPr>
-              <a:t>'</a:t>
-            </a:r>
-            <a:r>
-              <a:rPr lang="en-US" sz="3000" i="0" u="none" strike="noStrike" cap="none" dirty="0" err="1" smtClean="0">
-                <a:solidFill>
-                  <a:schemeClr val="lt1"/>
-                </a:solidFill>
-                <a:latin typeface="Courier"/>
-                <a:ea typeface="Courier"/>
-                <a:cs typeface="Courier"/>
-                <a:sym typeface="Courier New"/>
-              </a:rPr>
-              <a:t>Yo</a:t>
-            </a:r>
-            <a:r>
-              <a:rPr lang="en-US" sz="3000" i="0" u="none" strike="noStrike" cap="none" dirty="0" smtClean="0">
-                <a:solidFill>
-                  <a:schemeClr val="lt1"/>
-                </a:solidFill>
-                <a:latin typeface="Courier"/>
-                <a:ea typeface="Courier"/>
-                <a:cs typeface="Courier"/>
-                <a:sym typeface="Courier New"/>
-              </a:rPr>
-              <a:t>')</a:t>
-            </a:r>
-            <a:endParaRPr lang="en-US" sz="3000" i="0" u="none" strike="noStrike" cap="none" dirty="0">
-              <a:solidFill>
-                <a:schemeClr val="lt1"/>
-              </a:solidFill>
-              <a:latin typeface="Courier"/>
-              <a:ea typeface="Courier"/>
-              <a:cs typeface="Courier"/>
-              <a:sym typeface="Courier New"/>
-            </a:endParaRPr>
-          </a:p>
-          <a:p>
-            <a:pPr marL="0" marR="0" lvl="0" indent="0" algn="l" rtl="0">
-              <a:lnSpc>
-                <a:spcPct val="100000"/>
-              </a:lnSpc>
-              <a:spcBef>
-                <a:spcPts val="0"/>
-              </a:spcBef>
-              <a:spcAft>
-                <a:spcPts val="0"/>
-              </a:spcAft>
-              <a:buClr>
-                <a:srgbClr val="00FF00"/>
-              </a:buClr>
-              <a:buSzPct val="25000"/>
-              <a:buFont typeface="Cabin"/>
-              <a:buNone/>
-            </a:pPr>
-            <a:r>
-              <a:rPr lang="en-US" sz="3000" i="0" u="none" strike="noStrike" cap="none" dirty="0" err="1">
+              <a:rPr lang="en-US" sz="3000" b="1" i="0" u="none" strike="noStrike" cap="none" dirty="0">
                 <a:solidFill>
                   <a:srgbClr val="00FF00"/>
                 </a:solidFill>
@@ -8018,168 +7811,10 @@
                 <a:cs typeface="Courier"/>
                 <a:sym typeface="Courier New"/>
               </a:rPr>
-              <a:t>print_lyrics</a:t>
-            </a:r>
-            <a:r>
-              <a:rPr lang="en-US" sz="3000" i="0" u="none" strike="noStrike" cap="none" dirty="0">
-                <a:solidFill>
-                  <a:schemeClr val="lt1"/>
-                </a:solidFill>
-                <a:latin typeface="Courier"/>
-                <a:ea typeface="Courier"/>
-                <a:cs typeface="Courier"/>
-                <a:sym typeface="Courier New"/>
-              </a:rPr>
-              <a:t>()</a:t>
-            </a:r>
-          </a:p>
-          <a:p>
-            <a:pPr marL="0" marR="0" lvl="0" indent="0" algn="l" rtl="0">
-              <a:lnSpc>
-                <a:spcPct val="100000"/>
-              </a:lnSpc>
-              <a:spcBef>
-                <a:spcPts val="0"/>
-              </a:spcBef>
-              <a:spcAft>
-                <a:spcPts val="0"/>
-              </a:spcAft>
-              <a:buClr>
-                <a:srgbClr val="00FF00"/>
-              </a:buClr>
-              <a:buSzPct val="25000"/>
-              <a:buFont typeface="Cabin"/>
-              <a:buNone/>
-            </a:pPr>
-            <a:r>
-              <a:rPr lang="en-US" sz="3000" i="0" u="none" strike="noStrike" cap="none" dirty="0">
-                <a:solidFill>
-                  <a:srgbClr val="00FF00"/>
-                </a:solidFill>
-                <a:latin typeface="Courier"/>
-                <a:ea typeface="Courier"/>
-                <a:cs typeface="Courier"/>
-                <a:sym typeface="Courier New"/>
-              </a:rPr>
               <a:t>x</a:t>
             </a:r>
             <a:r>
-              <a:rPr lang="en-US" sz="3000" i="0" u="none" strike="noStrike" cap="none" dirty="0">
-                <a:solidFill>
-                  <a:schemeClr val="lt1"/>
-                </a:solidFill>
-                <a:latin typeface="Courier"/>
-                <a:ea typeface="Courier"/>
-                <a:cs typeface="Courier"/>
-                <a:sym typeface="Courier New"/>
-              </a:rPr>
-              <a:t> = </a:t>
-            </a:r>
-            <a:r>
-              <a:rPr lang="en-US" sz="3000" i="0" u="none" strike="noStrike" cap="none" dirty="0">
-                <a:solidFill>
-                  <a:srgbClr val="00FF00"/>
-                </a:solidFill>
-                <a:latin typeface="Courier"/>
-                <a:ea typeface="Courier"/>
-                <a:cs typeface="Courier"/>
-                <a:sym typeface="Courier New"/>
-              </a:rPr>
-              <a:t>x</a:t>
-            </a:r>
-            <a:r>
-              <a:rPr lang="en-US" sz="3000" i="0" u="none" strike="noStrike" cap="none" dirty="0">
-                <a:solidFill>
-                  <a:schemeClr val="lt1"/>
-                </a:solidFill>
-                <a:latin typeface="Courier"/>
-                <a:ea typeface="Courier"/>
-                <a:cs typeface="Courier"/>
-                <a:sym typeface="Courier New"/>
-              </a:rPr>
-              <a:t> </a:t>
-            </a:r>
-            <a:r>
-              <a:rPr lang="en-US" sz="3000" i="0" u="none" strike="noStrike" cap="none" dirty="0">
-                <a:solidFill>
-                  <a:srgbClr val="00FFFF"/>
-                </a:solidFill>
-                <a:latin typeface="Courier"/>
-                <a:ea typeface="Courier"/>
-                <a:cs typeface="Courier"/>
-                <a:sym typeface="Courier New"/>
-              </a:rPr>
-              <a:t>+</a:t>
-            </a:r>
-            <a:r>
-              <a:rPr lang="en-US" sz="3000" i="0" u="none" strike="noStrike" cap="none" dirty="0">
-                <a:solidFill>
-                  <a:schemeClr val="lt1"/>
-                </a:solidFill>
-                <a:latin typeface="Courier"/>
-                <a:ea typeface="Courier"/>
-                <a:cs typeface="Courier"/>
-                <a:sym typeface="Courier New"/>
-              </a:rPr>
-              <a:t> 2</a:t>
-            </a:r>
-          </a:p>
-          <a:p>
-            <a:pPr marL="0" marR="0" lvl="0" indent="0" algn="l" rtl="0">
-              <a:lnSpc>
-                <a:spcPct val="100000"/>
-              </a:lnSpc>
-              <a:spcBef>
-                <a:spcPts val="0"/>
-              </a:spcBef>
-              <a:spcAft>
-                <a:spcPts val="0"/>
-              </a:spcAft>
-              <a:buClr>
-                <a:srgbClr val="FFFF00"/>
-              </a:buClr>
-              <a:buSzPct val="25000"/>
-              <a:buFont typeface="Cabin"/>
-              <a:buNone/>
-            </a:pPr>
-            <a:r>
-              <a:rPr lang="en-US" sz="3000" i="0" u="none" strike="noStrike" cap="none" dirty="0" smtClean="0">
-                <a:solidFill>
-                  <a:srgbClr val="FFFF00"/>
-                </a:solidFill>
-                <a:latin typeface="Courier"/>
-                <a:ea typeface="Courier"/>
-                <a:cs typeface="Courier"/>
-                <a:sym typeface="Courier New"/>
-              </a:rPr>
-              <a:t>print</a:t>
-            </a:r>
-            <a:r>
-              <a:rPr lang="en-US" sz="3000" dirty="0">
-                <a:solidFill>
-                  <a:schemeClr val="lt1"/>
-                </a:solidFill>
-                <a:latin typeface="Courier"/>
-                <a:ea typeface="Courier"/>
-                <a:cs typeface="Courier"/>
-                <a:sym typeface="Courier New"/>
-              </a:rPr>
-              <a:t>(</a:t>
-            </a:r>
-            <a:r>
-              <a:rPr lang="en-US" sz="3000" i="0" u="none" strike="noStrike" cap="none" dirty="0" smtClean="0">
-                <a:solidFill>
-                  <a:srgbClr val="00FF00"/>
-                </a:solidFill>
-                <a:latin typeface="Courier"/>
-                <a:ea typeface="Courier"/>
-                <a:cs typeface="Courier"/>
-                <a:sym typeface="Courier New"/>
-              </a:rPr>
-              <a:t>x</a:t>
-            </a:r>
-            <a:r>
-              <a:rPr lang="en-US" sz="3000" i="0" u="none" strike="noStrike" cap="none" dirty="0" smtClean="0">
+              <a:rPr lang="en-US" sz="3000" b="1" i="0" u="none" strike="noStrike" cap="none" dirty="0">
                 <a:solidFill>
                   <a:schemeClr val="bg1"/>
                 </a:solidFill>
@@ -8190,15 +7825,6 @@
               </a:rPr>
               <a:t>)</a:t>
             </a:r>
-            <a:endParaRPr lang="en-US" sz="3000" i="0" u="none" strike="noStrike" cap="none" dirty="0">
-              <a:solidFill>
-                <a:schemeClr val="bg1"/>
-              </a:solidFill>
-              <a:latin typeface="Courier"/>
-              <a:ea typeface="Courier"/>
-              <a:cs typeface="Courier"/>
-              <a:sym typeface="Courier New"/>
-            </a:endParaRPr>
           </a:p>
         </p:txBody>
       </p:sp>
@@ -8423,13 +8049,6 @@
   <p:clrMapOvr>
     <a:masterClrMapping/>
   </p:clrMapOvr>
-  <p:timing>
-    <p:tnLst>
-      <p:par>
-        <p:cTn id="1" dur="indefinite" restart="never" nodeType="tmRoot"/>
-      </p:par>
-    </p:tnLst>
-  </p:timing>
 </p:sld>
 </file>
 
@@ -9055,13 +8674,6 @@
   <p:clrMapOvr>
     <a:masterClrMapping/>
   </p:clrMapOvr>
-  <p:timing>
-    <p:tnLst>
-      <p:par>
-        <p:cTn id="1" dur="indefinite" restart="never" nodeType="tmRoot"/>
-      </p:par>
-    </p:tnLst>
-  </p:timing>
 </p:sld>
 </file>
 
@@ -9470,7 +9082,7 @@
               <a:buNone/>
             </a:pPr>
             <a:r>
-              <a:rPr lang="en-US" sz="2600" i="0" u="none" strike="noStrike" cap="none" dirty="0">
+              <a:rPr lang="en-US" sz="2600" b="1" i="0" u="none" strike="noStrike" cap="none" dirty="0">
                 <a:solidFill>
                   <a:schemeClr val="lt1"/>
                 </a:solidFill>
@@ -9482,7 +9094,7 @@
               <a:t>&gt;&gt;&gt; </a:t>
             </a:r>
             <a:r>
-              <a:rPr lang="en-US" sz="2600" i="0" u="none" strike="noStrike" cap="none" dirty="0" err="1">
+              <a:rPr lang="en-US" sz="2600" b="1" i="0" u="none" strike="noStrike" cap="none" dirty="0" err="1">
                 <a:solidFill>
                   <a:srgbClr val="FFFF00"/>
                 </a:solidFill>
@@ -9494,7 +9106,7 @@
               <a:t>def</a:t>
             </a:r>
             <a:r>
-              <a:rPr lang="en-US" sz="2600" i="0" u="none" strike="noStrike" cap="none" dirty="0">
+              <a:rPr lang="en-US" sz="2600" b="1" i="0" u="none" strike="noStrike" cap="none" dirty="0">
                 <a:solidFill>
                   <a:schemeClr val="lt1"/>
                 </a:solidFill>
@@ -9506,7 +9118,7 @@
               <a:t> </a:t>
             </a:r>
             <a:r>
-              <a:rPr lang="en-US" sz="2600" i="0" u="none" strike="noStrike" cap="none" dirty="0">
+              <a:rPr lang="en-US" sz="2600" b="1" i="0" u="none" strike="noStrike" cap="none" dirty="0">
                 <a:solidFill>
                   <a:srgbClr val="00FF00"/>
                 </a:solidFill>
@@ -9518,7 +9130,7 @@
               <a:t>greet</a:t>
             </a:r>
             <a:r>
-              <a:rPr lang="en-US" sz="2600" i="0" u="none" strike="noStrike" cap="none" dirty="0">
+              <a:rPr lang="en-US" sz="2600" b="1" i="0" u="none" strike="noStrike" cap="none" dirty="0">
                 <a:solidFill>
                   <a:schemeClr val="lt1"/>
                 </a:solidFill>
@@ -9530,7 +9142,7 @@
               <a:t>(</a:t>
             </a:r>
             <a:r>
-              <a:rPr lang="en-US" sz="2600" i="0" u="none" strike="noStrike" cap="none" dirty="0" err="1">
+              <a:rPr lang="en-US" sz="2600" b="1" i="0" u="none" strike="noStrike" cap="none" dirty="0" err="1">
                 <a:solidFill>
                   <a:srgbClr val="00FFFF"/>
                 </a:solidFill>
@@ -9542,7 +9154,7 @@
               <a:t>lang</a:t>
             </a:r>
             <a:r>
-              <a:rPr lang="en-US" sz="2600" i="0" u="none" strike="noStrike" cap="none" dirty="0">
+              <a:rPr lang="en-US" sz="2600" b="1" i="0" u="none" strike="noStrike" cap="none" dirty="0">
                 <a:solidFill>
                   <a:schemeClr val="lt1"/>
                 </a:solidFill>
@@ -9573,7 +9185,7 @@
               <a:buNone/>
             </a:pPr>
             <a:r>
-              <a:rPr lang="en-US" sz="2600" i="0" u="none" strike="noStrike" cap="none" dirty="0">
+              <a:rPr lang="en-US" sz="2600" b="1" i="0" u="none" strike="noStrike" cap="none" dirty="0">
                 <a:solidFill>
                   <a:schemeClr val="lt1"/>
                 </a:solidFill>
@@ -9585,7 +9197,7 @@
               <a:t>... </a:t>
             </a:r>
             <a:r>
-              <a:rPr lang="en-US" sz="2600" dirty="0">
+              <a:rPr lang="en-US" sz="2600" b="1" dirty="0">
                 <a:solidFill>
                   <a:schemeClr val="lt1"/>
                 </a:solidFill>
@@ -9597,7 +9209,7 @@
               <a:t>    </a:t>
             </a:r>
             <a:r>
-              <a:rPr lang="en-US" sz="2600" i="0" u="none" strike="noStrike" cap="none" dirty="0">
+              <a:rPr lang="en-US" sz="2600" b="1" i="0" u="none" strike="noStrike" cap="none" dirty="0">
                 <a:solidFill>
                   <a:srgbClr val="FFFF00"/>
                 </a:solidFill>
@@ -9609,7 +9221,7 @@
               <a:t>if</a:t>
             </a:r>
             <a:r>
-              <a:rPr lang="en-US" sz="2600" i="0" u="none" strike="noStrike" cap="none" dirty="0">
+              <a:rPr lang="en-US" sz="2600" b="1" i="0" u="none" strike="noStrike" cap="none" dirty="0">
                 <a:solidFill>
                   <a:schemeClr val="lt1"/>
                 </a:solidFill>
@@ -9621,7 +9233,7 @@
               <a:t> </a:t>
             </a:r>
             <a:r>
-              <a:rPr lang="en-US" sz="2600" i="0" u="none" strike="noStrike" cap="none" dirty="0" err="1">
+              <a:rPr lang="en-US" sz="2600" b="1" i="0" u="none" strike="noStrike" cap="none" dirty="0" err="1">
                 <a:solidFill>
                   <a:srgbClr val="00FFFF"/>
                 </a:solidFill>
@@ -9633,7 +9245,7 @@
               <a:t>lang</a:t>
             </a:r>
             <a:r>
-              <a:rPr lang="en-US" sz="2600" i="0" u="none" strike="noStrike" cap="none" dirty="0">
+              <a:rPr lang="en-US" sz="2600" b="1" i="0" u="none" strike="noStrike" cap="none" dirty="0">
                 <a:solidFill>
                   <a:schemeClr val="lt1"/>
                 </a:solidFill>
@@ -9645,7 +9257,7 @@
               <a:t> == '</a:t>
             </a:r>
             <a:r>
-              <a:rPr lang="en-US" sz="2600" i="0" u="none" strike="noStrike" cap="none" dirty="0" err="1">
+              <a:rPr lang="en-US" sz="2600" b="1" i="0" u="none" strike="noStrike" cap="none" dirty="0" err="1">
                 <a:solidFill>
                   <a:schemeClr val="lt1"/>
                 </a:solidFill>
@@ -9657,7 +9269,7 @@
               <a:t>es</a:t>
             </a:r>
             <a:r>
-              <a:rPr lang="en-US" sz="2600" i="0" u="none" strike="noStrike" cap="none" dirty="0">
+              <a:rPr lang="en-US" sz="2600" b="1" i="0" u="none" strike="noStrike" cap="none" dirty="0">
                 <a:solidFill>
                   <a:schemeClr val="lt1"/>
                 </a:solidFill>
@@ -9688,7 +9300,7 @@
               <a:buNone/>
             </a:pPr>
             <a:r>
-              <a:rPr lang="en-US" sz="2600" i="0" u="none" strike="noStrike" cap="none" dirty="0">
+              <a:rPr lang="en-US" sz="2600" b="1" i="0" u="none" strike="noStrike" cap="none" dirty="0">
                 <a:solidFill>
                   <a:schemeClr val="lt1"/>
                 </a:solidFill>
@@ -9700,7 +9312,7 @@
               <a:t>...        </a:t>
             </a:r>
             <a:r>
-              <a:rPr lang="en-US" sz="2600" i="0" u="none" strike="noStrike" cap="none" dirty="0" smtClean="0">
+              <a:rPr lang="en-US" sz="2600" b="1" i="0" u="none" strike="noStrike" cap="none" dirty="0">
                 <a:solidFill>
                   <a:srgbClr val="FFFF00"/>
                 </a:solidFill>
@@ -9712,7 +9324,7 @@
               <a:t>print</a:t>
             </a:r>
             <a:r>
-              <a:rPr lang="en-US" sz="2600" dirty="0">
+              <a:rPr lang="en-US" sz="2600" b="1" dirty="0">
                 <a:solidFill>
                   <a:schemeClr val="lt1"/>
                 </a:solidFill>
@@ -9724,7 +9336,7 @@
               <a:t>(</a:t>
             </a:r>
             <a:r>
-              <a:rPr lang="en-US" sz="2600" i="0" u="none" strike="noStrike" cap="none" dirty="0" smtClean="0">
+              <a:rPr lang="en-US" sz="2600" b="1" i="0" u="none" strike="noStrike" cap="none" dirty="0">
                 <a:solidFill>
                   <a:schemeClr val="lt1"/>
                 </a:solidFill>
@@ -9736,7 +9348,7 @@
               <a:t>'</a:t>
             </a:r>
             <a:r>
-              <a:rPr lang="en-US" sz="2600" i="0" u="none" strike="noStrike" cap="none" dirty="0" err="1" smtClean="0">
+              <a:rPr lang="en-US" sz="2600" b="1" i="0" u="none" strike="noStrike" cap="none" dirty="0" err="1">
                 <a:solidFill>
                   <a:schemeClr val="lt1"/>
                 </a:solidFill>
@@ -9748,7 +9360,7 @@
               <a:t>Hola</a:t>
             </a:r>
             <a:r>
-              <a:rPr lang="en-US" sz="2600" dirty="0" smtClean="0">
+              <a:rPr lang="en-US" sz="2600" b="1" dirty="0">
                 <a:solidFill>
                   <a:schemeClr val="lt1"/>
                 </a:solidFill>
@@ -9759,7 +9371,610 @@
               </a:rPr>
               <a:t>')</a:t>
             </a:r>
-            <a:endParaRPr lang="en-US" sz="2600" dirty="0">
+          </a:p>
+          <a:p>
+            <a:pPr marL="0" marR="0" lvl="0" indent="0" algn="l" rtl="0">
+              <a:lnSpc>
+                <a:spcPct val="100000"/>
+              </a:lnSpc>
+              <a:spcBef>
+                <a:spcPts val="0"/>
+              </a:spcBef>
+              <a:spcAft>
+                <a:spcPts val="0"/>
+              </a:spcAft>
+              <a:buClr>
+                <a:schemeClr val="lt1"/>
+              </a:buClr>
+              <a:buSzPct val="25000"/>
+              <a:buFont typeface="Cabin"/>
+              <a:buNone/>
+            </a:pPr>
+            <a:r>
+              <a:rPr lang="en-US" sz="2600" b="1" i="0" u="none" strike="noStrike" cap="none" dirty="0">
+                <a:solidFill>
+                  <a:schemeClr val="lt1"/>
+                </a:solidFill>
+                <a:latin typeface="Courier"/>
+                <a:ea typeface="Courier"/>
+                <a:cs typeface="Courier"/>
+                <a:sym typeface="Courier New"/>
+              </a:rPr>
+              <a:t>...     </a:t>
+            </a:r>
+            <a:r>
+              <a:rPr lang="en-US" sz="2600" b="1" i="0" u="none" strike="noStrike" cap="none" dirty="0" err="1">
+                <a:solidFill>
+                  <a:srgbClr val="FFFF00"/>
+                </a:solidFill>
+                <a:latin typeface="Courier"/>
+                <a:ea typeface="Courier"/>
+                <a:cs typeface="Courier"/>
+                <a:sym typeface="Courier New"/>
+              </a:rPr>
+              <a:t>elif</a:t>
+            </a:r>
+            <a:r>
+              <a:rPr lang="en-US" sz="2600" b="1" i="0" u="none" strike="noStrike" cap="none" dirty="0">
+                <a:solidFill>
+                  <a:schemeClr val="lt1"/>
+                </a:solidFill>
+                <a:latin typeface="Courier"/>
+                <a:ea typeface="Courier"/>
+                <a:cs typeface="Courier"/>
+                <a:sym typeface="Courier New"/>
+              </a:rPr>
+              <a:t> </a:t>
+            </a:r>
+            <a:r>
+              <a:rPr lang="en-US" sz="2600" b="1" i="0" u="none" strike="noStrike" cap="none" dirty="0" err="1">
+                <a:solidFill>
+                  <a:srgbClr val="00FFFF"/>
+                </a:solidFill>
+                <a:latin typeface="Courier"/>
+                <a:ea typeface="Courier"/>
+                <a:cs typeface="Courier"/>
+                <a:sym typeface="Courier New"/>
+              </a:rPr>
+              <a:t>lang</a:t>
+            </a:r>
+            <a:r>
+              <a:rPr lang="en-US" sz="2600" b="1" i="0" u="none" strike="noStrike" cap="none" dirty="0">
+                <a:solidFill>
+                  <a:schemeClr val="lt1"/>
+                </a:solidFill>
+                <a:latin typeface="Courier"/>
+                <a:ea typeface="Courier"/>
+                <a:cs typeface="Courier"/>
+                <a:sym typeface="Courier New"/>
+              </a:rPr>
+              <a:t> == '</a:t>
+            </a:r>
+            <a:r>
+              <a:rPr lang="en-US" sz="2600" b="1" i="0" u="none" strike="noStrike" cap="none" dirty="0" err="1">
+                <a:solidFill>
+                  <a:schemeClr val="lt1"/>
+                </a:solidFill>
+                <a:latin typeface="Courier"/>
+                <a:ea typeface="Courier"/>
+                <a:cs typeface="Courier"/>
+                <a:sym typeface="Courier New"/>
+              </a:rPr>
+              <a:t>fr</a:t>
+            </a:r>
+            <a:r>
+              <a:rPr lang="en-US" sz="2600" b="1" i="0" u="none" strike="noStrike" cap="none" dirty="0">
+                <a:solidFill>
+                  <a:schemeClr val="lt1"/>
+                </a:solidFill>
+                <a:latin typeface="Courier"/>
+                <a:ea typeface="Courier"/>
+                <a:cs typeface="Courier"/>
+                <a:sym typeface="Courier New"/>
+              </a:rPr>
+              <a:t>':</a:t>
+            </a:r>
+          </a:p>
+          <a:p>
+            <a:pPr marL="0" marR="0" lvl="0" indent="0" algn="l" rtl="0">
+              <a:lnSpc>
+                <a:spcPct val="100000"/>
+              </a:lnSpc>
+              <a:spcBef>
+                <a:spcPts val="0"/>
+              </a:spcBef>
+              <a:spcAft>
+                <a:spcPts val="0"/>
+              </a:spcAft>
+              <a:buClr>
+                <a:schemeClr val="lt1"/>
+              </a:buClr>
+              <a:buSzPct val="25000"/>
+              <a:buFont typeface="Cabin"/>
+              <a:buNone/>
+            </a:pPr>
+            <a:r>
+              <a:rPr lang="en-US" sz="2600" b="1" i="0" u="none" strike="noStrike" cap="none" dirty="0">
+                <a:solidFill>
+                  <a:schemeClr val="lt1"/>
+                </a:solidFill>
+                <a:latin typeface="Courier"/>
+                <a:ea typeface="Courier"/>
+                <a:cs typeface="Courier"/>
+                <a:sym typeface="Courier New"/>
+              </a:rPr>
+              <a:t>...        </a:t>
+            </a:r>
+            <a:r>
+              <a:rPr lang="en-US" sz="2600" b="1" i="0" u="none" strike="noStrike" cap="none" dirty="0">
+                <a:solidFill>
+                  <a:srgbClr val="FFFF00"/>
+                </a:solidFill>
+                <a:latin typeface="Courier"/>
+                <a:ea typeface="Courier"/>
+                <a:cs typeface="Courier"/>
+                <a:sym typeface="Courier New"/>
+              </a:rPr>
+              <a:t>print</a:t>
+            </a:r>
+            <a:r>
+              <a:rPr lang="en-US" sz="2600" b="1" dirty="0">
+                <a:solidFill>
+                  <a:schemeClr val="lt1"/>
+                </a:solidFill>
+                <a:latin typeface="Courier"/>
+                <a:ea typeface="Courier"/>
+                <a:cs typeface="Courier"/>
+                <a:sym typeface="Courier New"/>
+              </a:rPr>
+              <a:t>(</a:t>
+            </a:r>
+            <a:r>
+              <a:rPr lang="en-US" sz="2600" b="1" i="0" u="none" strike="noStrike" cap="none" dirty="0">
+                <a:solidFill>
+                  <a:schemeClr val="lt1"/>
+                </a:solidFill>
+                <a:latin typeface="Courier"/>
+                <a:ea typeface="Courier"/>
+                <a:cs typeface="Courier"/>
+                <a:sym typeface="Courier New"/>
+              </a:rPr>
+              <a:t>'Bonjour</a:t>
+            </a:r>
+            <a:r>
+              <a:rPr lang="en-US" sz="2600" b="1" dirty="0">
+                <a:solidFill>
+                  <a:schemeClr val="lt1"/>
+                </a:solidFill>
+                <a:latin typeface="Courier"/>
+                <a:ea typeface="Courier"/>
+                <a:cs typeface="Courier"/>
+                <a:sym typeface="Courier New"/>
+              </a:rPr>
+              <a:t>')</a:t>
+            </a:r>
+          </a:p>
+          <a:p>
+            <a:pPr marL="0" marR="0" lvl="0" indent="0" algn="l" rtl="0">
+              <a:lnSpc>
+                <a:spcPct val="100000"/>
+              </a:lnSpc>
+              <a:spcBef>
+                <a:spcPts val="0"/>
+              </a:spcBef>
+              <a:spcAft>
+                <a:spcPts val="0"/>
+              </a:spcAft>
+              <a:buClr>
+                <a:schemeClr val="lt1"/>
+              </a:buClr>
+              <a:buSzPct val="25000"/>
+              <a:buFont typeface="Cabin"/>
+              <a:buNone/>
+            </a:pPr>
+            <a:r>
+              <a:rPr lang="en-US" sz="2600" b="1" i="0" u="none" strike="noStrike" cap="none" dirty="0">
+                <a:solidFill>
+                  <a:schemeClr val="lt1"/>
+                </a:solidFill>
+                <a:latin typeface="Courier"/>
+                <a:ea typeface="Courier"/>
+                <a:cs typeface="Courier"/>
+                <a:sym typeface="Courier New"/>
+              </a:rPr>
+              <a:t>...     </a:t>
+            </a:r>
+            <a:r>
+              <a:rPr lang="en-US" sz="2600" b="1" i="0" u="none" strike="noStrike" cap="none" dirty="0">
+                <a:solidFill>
+                  <a:srgbClr val="FFFF00"/>
+                </a:solidFill>
+                <a:latin typeface="Courier"/>
+                <a:ea typeface="Courier"/>
+                <a:cs typeface="Courier"/>
+                <a:sym typeface="Courier New"/>
+              </a:rPr>
+              <a:t>else:</a:t>
+            </a:r>
+          </a:p>
+          <a:p>
+            <a:pPr marL="0" marR="0" lvl="0" indent="0" algn="l" rtl="0">
+              <a:lnSpc>
+                <a:spcPct val="100000"/>
+              </a:lnSpc>
+              <a:spcBef>
+                <a:spcPts val="0"/>
+              </a:spcBef>
+              <a:spcAft>
+                <a:spcPts val="0"/>
+              </a:spcAft>
+              <a:buClr>
+                <a:schemeClr val="lt1"/>
+              </a:buClr>
+              <a:buSzPct val="25000"/>
+              <a:buFont typeface="Cabin"/>
+              <a:buNone/>
+            </a:pPr>
+            <a:r>
+              <a:rPr lang="en-US" sz="2600" b="1" i="0" u="none" strike="noStrike" cap="none" dirty="0">
+                <a:solidFill>
+                  <a:schemeClr val="lt1"/>
+                </a:solidFill>
+                <a:latin typeface="Courier"/>
+                <a:ea typeface="Courier"/>
+                <a:cs typeface="Courier"/>
+                <a:sym typeface="Courier New"/>
+              </a:rPr>
+              <a:t>...     </a:t>
+            </a:r>
+            <a:r>
+              <a:rPr lang="en-US" sz="2600" b="1" i="0" u="none" strike="noStrike" cap="none" dirty="0">
+                <a:solidFill>
+                  <a:srgbClr val="FFFF00"/>
+                </a:solidFill>
+                <a:latin typeface="Courier"/>
+                <a:ea typeface="Courier"/>
+                <a:cs typeface="Courier"/>
+                <a:sym typeface="Courier New"/>
+              </a:rPr>
+              <a:t>   print</a:t>
+            </a:r>
+            <a:r>
+              <a:rPr lang="en-US" sz="2600" b="1" dirty="0">
+                <a:solidFill>
+                  <a:schemeClr val="lt1"/>
+                </a:solidFill>
+                <a:latin typeface="Courier"/>
+                <a:ea typeface="Courier"/>
+                <a:cs typeface="Courier"/>
+                <a:sym typeface="Courier New"/>
+              </a:rPr>
+              <a:t>(</a:t>
+            </a:r>
+            <a:r>
+              <a:rPr lang="en-US" sz="2600" b="1" i="0" u="none" strike="noStrike" cap="none" dirty="0">
+                <a:solidFill>
+                  <a:schemeClr val="lt1"/>
+                </a:solidFill>
+                <a:latin typeface="Courier"/>
+                <a:ea typeface="Courier"/>
+                <a:cs typeface="Courier"/>
+                <a:sym typeface="Courier New"/>
+              </a:rPr>
+              <a:t>'Hello</a:t>
+            </a:r>
+            <a:r>
+              <a:rPr lang="en-US" sz="2600" b="1" dirty="0">
+                <a:solidFill>
+                  <a:schemeClr val="lt1"/>
+                </a:solidFill>
+                <a:latin typeface="Courier"/>
+                <a:ea typeface="Courier"/>
+                <a:cs typeface="Courier"/>
+                <a:sym typeface="Courier New"/>
+              </a:rPr>
+              <a:t>')</a:t>
+            </a:r>
+          </a:p>
+          <a:p>
+            <a:pPr marL="0" marR="0" lvl="0" indent="0" algn="l" rtl="0">
+              <a:lnSpc>
+                <a:spcPct val="100000"/>
+              </a:lnSpc>
+              <a:spcBef>
+                <a:spcPts val="0"/>
+              </a:spcBef>
+              <a:spcAft>
+                <a:spcPts val="0"/>
+              </a:spcAft>
+              <a:buClr>
+                <a:schemeClr val="lt1"/>
+              </a:buClr>
+              <a:buSzPct val="25000"/>
+              <a:buFont typeface="Cabin"/>
+              <a:buNone/>
+            </a:pPr>
+            <a:r>
+              <a:rPr lang="en-US" sz="2600" b="1" i="0" u="none" strike="noStrike" cap="none" dirty="0">
+                <a:solidFill>
+                  <a:schemeClr val="lt1"/>
+                </a:solidFill>
+                <a:latin typeface="Courier"/>
+                <a:ea typeface="Courier"/>
+                <a:cs typeface="Courier"/>
+                <a:sym typeface="Courier New"/>
+              </a:rPr>
+              <a:t>... </a:t>
+            </a:r>
+          </a:p>
+          <a:p>
+            <a:pPr marL="0" marR="0" lvl="0" indent="0" algn="l" rtl="0">
+              <a:lnSpc>
+                <a:spcPct val="100000"/>
+              </a:lnSpc>
+              <a:spcBef>
+                <a:spcPts val="0"/>
+              </a:spcBef>
+              <a:spcAft>
+                <a:spcPts val="0"/>
+              </a:spcAft>
+              <a:buClr>
+                <a:schemeClr val="lt1"/>
+              </a:buClr>
+              <a:buSzPct val="25000"/>
+              <a:buFont typeface="Cabin"/>
+              <a:buNone/>
+            </a:pPr>
+            <a:r>
+              <a:rPr lang="en-US" sz="2600" b="1" i="0" u="none" strike="noStrike" cap="none" dirty="0">
+                <a:solidFill>
+                  <a:schemeClr val="lt1"/>
+                </a:solidFill>
+                <a:latin typeface="Courier"/>
+                <a:ea typeface="Courier"/>
+                <a:cs typeface="Courier"/>
+                <a:sym typeface="Courier New"/>
+              </a:rPr>
+              <a:t>&gt;&gt;&gt; </a:t>
+            </a:r>
+            <a:r>
+              <a:rPr lang="en-US" sz="2600" b="1" i="0" u="none" strike="noStrike" cap="none" dirty="0">
+                <a:solidFill>
+                  <a:srgbClr val="00FF00"/>
+                </a:solidFill>
+                <a:latin typeface="Courier"/>
+                <a:ea typeface="Courier"/>
+                <a:cs typeface="Courier"/>
+                <a:sym typeface="Courier New"/>
+              </a:rPr>
+              <a:t>greet</a:t>
+            </a:r>
+            <a:r>
+              <a:rPr lang="en-US" sz="2600" b="1" i="0" u="none" strike="noStrike" cap="none" dirty="0">
+                <a:solidFill>
+                  <a:schemeClr val="lt1"/>
+                </a:solidFill>
+                <a:latin typeface="Courier"/>
+                <a:ea typeface="Courier"/>
+                <a:cs typeface="Courier"/>
+                <a:sym typeface="Courier New"/>
+              </a:rPr>
+              <a:t>(</a:t>
+            </a:r>
+            <a:r>
+              <a:rPr lang="en-US" sz="2600" b="1" i="0" u="none" strike="noStrike" cap="none" dirty="0">
+                <a:solidFill>
+                  <a:srgbClr val="FF7F00"/>
+                </a:solidFill>
+                <a:latin typeface="Courier"/>
+                <a:ea typeface="Courier"/>
+                <a:cs typeface="Courier"/>
+                <a:sym typeface="Courier New"/>
+              </a:rPr>
+              <a:t>'</a:t>
+            </a:r>
+            <a:r>
+              <a:rPr lang="en-US" sz="2600" b="1" i="0" u="none" strike="noStrike" cap="none" dirty="0" err="1">
+                <a:solidFill>
+                  <a:srgbClr val="FF7F00"/>
+                </a:solidFill>
+                <a:latin typeface="Courier"/>
+                <a:ea typeface="Courier"/>
+                <a:cs typeface="Courier"/>
+                <a:sym typeface="Courier New"/>
+              </a:rPr>
+              <a:t>en</a:t>
+            </a:r>
+            <a:r>
+              <a:rPr lang="en-US" sz="2600" b="1" i="0" u="none" strike="noStrike" cap="none" dirty="0">
+                <a:solidFill>
+                  <a:srgbClr val="FF7F00"/>
+                </a:solidFill>
+                <a:latin typeface="Courier"/>
+                <a:ea typeface="Courier"/>
+                <a:cs typeface="Courier"/>
+                <a:sym typeface="Courier New"/>
+              </a:rPr>
+              <a:t>'</a:t>
+            </a:r>
+            <a:r>
+              <a:rPr lang="en-US" sz="2600" b="1" i="0" u="none" strike="noStrike" cap="none" dirty="0">
+                <a:solidFill>
+                  <a:schemeClr val="lt1"/>
+                </a:solidFill>
+                <a:latin typeface="Courier"/>
+                <a:ea typeface="Courier"/>
+                <a:cs typeface="Courier"/>
+                <a:sym typeface="Courier New"/>
+              </a:rPr>
+              <a:t>)</a:t>
+            </a:r>
+          </a:p>
+          <a:p>
+            <a:pPr marL="0" marR="0" lvl="0" indent="0" algn="l" rtl="0">
+              <a:lnSpc>
+                <a:spcPct val="100000"/>
+              </a:lnSpc>
+              <a:spcBef>
+                <a:spcPts val="0"/>
+              </a:spcBef>
+              <a:spcAft>
+                <a:spcPts val="0"/>
+              </a:spcAft>
+              <a:buClr>
+                <a:schemeClr val="lt1"/>
+              </a:buClr>
+              <a:buSzPct val="25000"/>
+              <a:buFont typeface="Cabin"/>
+              <a:buNone/>
+            </a:pPr>
+            <a:r>
+              <a:rPr lang="en-US" sz="2600" b="1" i="0" u="none" strike="noStrike" cap="none" dirty="0">
+                <a:solidFill>
+                  <a:schemeClr val="lt1"/>
+                </a:solidFill>
+                <a:latin typeface="Courier"/>
+                <a:ea typeface="Courier"/>
+                <a:cs typeface="Courier"/>
+                <a:sym typeface="Courier New"/>
+              </a:rPr>
+              <a:t>Hello</a:t>
+            </a:r>
+          </a:p>
+          <a:p>
+            <a:pPr marL="0" marR="0" lvl="0" indent="0" algn="l" rtl="0">
+              <a:lnSpc>
+                <a:spcPct val="100000"/>
+              </a:lnSpc>
+              <a:spcBef>
+                <a:spcPts val="0"/>
+              </a:spcBef>
+              <a:spcAft>
+                <a:spcPts val="0"/>
+              </a:spcAft>
+              <a:buClr>
+                <a:schemeClr val="lt1"/>
+              </a:buClr>
+              <a:buSzPct val="25000"/>
+              <a:buFont typeface="Cabin"/>
+              <a:buNone/>
+            </a:pPr>
+            <a:r>
+              <a:rPr lang="en-US" sz="2600" b="1" i="0" u="none" strike="noStrike" cap="none" dirty="0">
+                <a:solidFill>
+                  <a:schemeClr val="lt1"/>
+                </a:solidFill>
+                <a:latin typeface="Courier"/>
+                <a:ea typeface="Courier"/>
+                <a:cs typeface="Courier"/>
+                <a:sym typeface="Courier New"/>
+              </a:rPr>
+              <a:t>&gt;&gt;&gt; </a:t>
+            </a:r>
+            <a:r>
+              <a:rPr lang="en-US" sz="2600" b="1" i="0" u="none" strike="noStrike" cap="none" dirty="0">
+                <a:solidFill>
+                  <a:srgbClr val="00FF00"/>
+                </a:solidFill>
+                <a:latin typeface="Courier"/>
+                <a:ea typeface="Courier"/>
+                <a:cs typeface="Courier"/>
+                <a:sym typeface="Courier New"/>
+              </a:rPr>
+              <a:t>greet</a:t>
+            </a:r>
+            <a:r>
+              <a:rPr lang="en-US" sz="2600" b="1" i="0" u="none" strike="noStrike" cap="none" dirty="0">
+                <a:solidFill>
+                  <a:schemeClr val="lt1"/>
+                </a:solidFill>
+                <a:latin typeface="Courier"/>
+                <a:ea typeface="Courier"/>
+                <a:cs typeface="Courier"/>
+                <a:sym typeface="Courier New"/>
+              </a:rPr>
+              <a:t>(</a:t>
+            </a:r>
+            <a:r>
+              <a:rPr lang="en-US" sz="2600" b="1" i="0" u="none" strike="noStrike" cap="none" dirty="0">
+                <a:solidFill>
+                  <a:srgbClr val="FF7F00"/>
+                </a:solidFill>
+                <a:latin typeface="Courier"/>
+                <a:ea typeface="Courier"/>
+                <a:cs typeface="Courier"/>
+                <a:sym typeface="Courier New"/>
+              </a:rPr>
+              <a:t>'</a:t>
+            </a:r>
+            <a:r>
+              <a:rPr lang="en-US" sz="2600" b="1" i="0" u="none" strike="noStrike" cap="none" dirty="0" err="1">
+                <a:solidFill>
+                  <a:srgbClr val="FF7F00"/>
+                </a:solidFill>
+                <a:latin typeface="Courier"/>
+                <a:ea typeface="Courier"/>
+                <a:cs typeface="Courier"/>
+                <a:sym typeface="Courier New"/>
+              </a:rPr>
+              <a:t>es</a:t>
+            </a:r>
+            <a:r>
+              <a:rPr lang="en-US" sz="2600" b="1" i="0" u="none" strike="noStrike" cap="none" dirty="0">
+                <a:solidFill>
+                  <a:srgbClr val="FF7F00"/>
+                </a:solidFill>
+                <a:latin typeface="Courier"/>
+                <a:ea typeface="Courier"/>
+                <a:cs typeface="Courier"/>
+                <a:sym typeface="Courier New"/>
+              </a:rPr>
+              <a:t>'</a:t>
+            </a:r>
+            <a:r>
+              <a:rPr lang="en-US" sz="2600" b="1" i="0" u="none" strike="noStrike" cap="none" dirty="0">
+                <a:solidFill>
+                  <a:schemeClr val="lt1"/>
+                </a:solidFill>
+                <a:latin typeface="Courier"/>
+                <a:ea typeface="Courier"/>
+                <a:cs typeface="Courier"/>
+                <a:sym typeface="Courier New"/>
+              </a:rPr>
+              <a:t>)</a:t>
+            </a:r>
+          </a:p>
+          <a:p>
+            <a:pPr marL="0" marR="0" lvl="0" indent="0" algn="l" rtl="0">
+              <a:lnSpc>
+                <a:spcPct val="100000"/>
+              </a:lnSpc>
+              <a:spcBef>
+                <a:spcPts val="0"/>
+              </a:spcBef>
+              <a:spcAft>
+                <a:spcPts val="0"/>
+              </a:spcAft>
+              <a:buClr>
+                <a:schemeClr val="lt1"/>
+              </a:buClr>
+              <a:buSzPct val="25000"/>
+              <a:buFont typeface="Cabin"/>
+              <a:buNone/>
+            </a:pPr>
+            <a:r>
+              <a:rPr lang="en-US" sz="2600" b="1" i="0" u="none" strike="noStrike" cap="none" dirty="0" err="1">
+                <a:solidFill>
+                  <a:schemeClr val="lt1"/>
+                </a:solidFill>
+                <a:latin typeface="Courier"/>
+                <a:ea typeface="Courier"/>
+                <a:cs typeface="Courier"/>
+                <a:sym typeface="Courier New"/>
+              </a:rPr>
+              <a:t>Hola</a:t>
+            </a:r>
+            <a:endParaRPr lang="en-US" sz="2600" b="1" i="0" u="none" strike="noStrike" cap="none" dirty="0">
               <a:solidFill>
                 <a:schemeClr val="lt1"/>
               </a:solidFill>
@@ -9788,69 +10003,57 @@
               <a:buNone/>
             </a:pPr>
             <a:r>
-              <a:rPr lang="en-US" sz="2600" i="0" u="none" strike="noStrike" cap="none" dirty="0">
-                <a:solidFill>
-                  <a:schemeClr val="lt1"/>
-                </a:solidFill>
-                <a:latin typeface="Courier"/>
-                <a:ea typeface="Courier"/>
-                <a:cs typeface="Courier"/>
-                <a:sym typeface="Courier New"/>
-              </a:rPr>
-              <a:t>...     </a:t>
-            </a:r>
-            <a:r>
-              <a:rPr lang="en-US" sz="2600" i="0" u="none" strike="noStrike" cap="none" dirty="0" err="1">
-                <a:solidFill>
-                  <a:srgbClr val="FFFF00"/>
-                </a:solidFill>
-                <a:latin typeface="Courier"/>
-                <a:ea typeface="Courier"/>
-                <a:cs typeface="Courier"/>
-                <a:sym typeface="Courier New"/>
-              </a:rPr>
-              <a:t>elif</a:t>
-            </a:r>
-            <a:r>
-              <a:rPr lang="en-US" sz="2600" i="0" u="none" strike="noStrike" cap="none" dirty="0">
-                <a:solidFill>
-                  <a:schemeClr val="lt1"/>
-                </a:solidFill>
-                <a:latin typeface="Courier"/>
-                <a:ea typeface="Courier"/>
-                <a:cs typeface="Courier"/>
-                <a:sym typeface="Courier New"/>
-              </a:rPr>
-              <a:t> </a:t>
-            </a:r>
-            <a:r>
-              <a:rPr lang="en-US" sz="2600" i="0" u="none" strike="noStrike" cap="none" dirty="0" err="1">
-                <a:solidFill>
-                  <a:srgbClr val="00FFFF"/>
-                </a:solidFill>
-                <a:latin typeface="Courier"/>
-                <a:ea typeface="Courier"/>
-                <a:cs typeface="Courier"/>
-                <a:sym typeface="Courier New"/>
-              </a:rPr>
-              <a:t>lang</a:t>
-            </a:r>
-            <a:r>
-              <a:rPr lang="en-US" sz="2600" i="0" u="none" strike="noStrike" cap="none" dirty="0">
-                <a:solidFill>
-                  <a:schemeClr val="lt1"/>
-                </a:solidFill>
-                <a:latin typeface="Courier"/>
-                <a:ea typeface="Courier"/>
-                <a:cs typeface="Courier"/>
-                <a:sym typeface="Courier New"/>
-              </a:rPr>
-              <a:t> == '</a:t>
-            </a:r>
-            <a:r>
-              <a:rPr lang="en-US" sz="2600" i="0" u="none" strike="noStrike" cap="none" dirty="0" err="1">
-                <a:solidFill>
-                  <a:schemeClr val="lt1"/>
+              <a:rPr lang="en-US" sz="2600" b="1" i="0" u="none" strike="noStrike" cap="none" dirty="0">
+                <a:solidFill>
+                  <a:schemeClr val="lt1"/>
+                </a:solidFill>
+                <a:latin typeface="Courier"/>
+                <a:ea typeface="Courier"/>
+                <a:cs typeface="Courier"/>
+                <a:sym typeface="Courier New"/>
+              </a:rPr>
+              <a:t>&gt;&gt;&gt; </a:t>
+            </a:r>
+            <a:r>
+              <a:rPr lang="en-US" sz="2600" b="1" i="0" u="none" strike="noStrike" cap="none" dirty="0">
+                <a:solidFill>
+                  <a:srgbClr val="00FF00"/>
+                </a:solidFill>
+                <a:latin typeface="Courier"/>
+                <a:ea typeface="Courier"/>
+                <a:cs typeface="Courier"/>
+                <a:sym typeface="Courier New"/>
+              </a:rPr>
+              <a:t>greet</a:t>
+            </a:r>
+            <a:r>
+              <a:rPr lang="en-US" sz="2600" b="1" i="0" u="none" strike="noStrike" cap="none" dirty="0">
+                <a:solidFill>
+                  <a:schemeClr val="lt1"/>
+                </a:solidFill>
+                <a:latin typeface="Courier"/>
+                <a:ea typeface="Courier"/>
+                <a:cs typeface="Courier"/>
+                <a:sym typeface="Courier New"/>
+              </a:rPr>
+              <a:t>(</a:t>
+            </a:r>
+            <a:r>
+              <a:rPr lang="en-US" sz="2600" b="1" i="0" u="none" strike="noStrike" cap="none" dirty="0">
+                <a:solidFill>
+                  <a:srgbClr val="FF7F00"/>
+                </a:solidFill>
+                <a:latin typeface="Courier"/>
+                <a:ea typeface="Courier"/>
+                <a:cs typeface="Courier"/>
+                <a:sym typeface="Courier New"/>
+              </a:rPr>
+              <a:t>'</a:t>
+            </a:r>
+            <a:r>
+              <a:rPr lang="en-US" sz="2600" b="1" i="0" u="none" strike="noStrike" cap="none" dirty="0" err="1">
+                <a:solidFill>
+                  <a:srgbClr val="FF7F00"/>
                 </a:solidFill>
                 <a:latin typeface="Courier"/>
                 <a:ea typeface="Courier"/>
@@ -9860,16 +10063,28 @@
               <a:t>fr</a:t>
             </a:r>
             <a:r>
-              <a:rPr lang="en-US" sz="2600" i="0" u="none" strike="noStrike" cap="none" dirty="0">
-                <a:solidFill>
-                  <a:schemeClr val="lt1"/>
-                </a:solidFill>
-                <a:latin typeface="Courier"/>
-                <a:ea typeface="Courier"/>
-                <a:cs typeface="Courier"/>
-                <a:sym typeface="Courier New"/>
-              </a:rPr>
-              <a:t>':</a:t>
+              <a:rPr lang="en-US" sz="2600" b="1" i="0" u="none" strike="noStrike" cap="none" dirty="0">
+                <a:solidFill>
+                  <a:srgbClr val="FF7F00"/>
+                </a:solidFill>
+                <a:latin typeface="Courier"/>
+                <a:ea typeface="Courier"/>
+                <a:cs typeface="Courier"/>
+                <a:sym typeface="Courier New"/>
+              </a:rPr>
+              <a:t>'</a:t>
+            </a:r>
+            <a:r>
+              <a:rPr lang="en-US" sz="2600" b="1" i="0" u="none" strike="noStrike" cap="none" dirty="0">
+                <a:solidFill>
+                  <a:schemeClr val="lt1"/>
+                </a:solidFill>
+                <a:latin typeface="Courier"/>
+                <a:ea typeface="Courier"/>
+                <a:cs typeface="Courier"/>
+                <a:sym typeface="Courier New"/>
+              </a:rPr>
+              <a:t>)</a:t>
             </a:r>
           </a:p>
           <a:p>
@@ -9891,74 +10106,17 @@
               <a:buNone/>
             </a:pPr>
             <a:r>
-              <a:rPr lang="en-US" sz="2600" i="0" u="none" strike="noStrike" cap="none" dirty="0">
-                <a:solidFill>
-                  <a:schemeClr val="lt1"/>
-                </a:solidFill>
-                <a:latin typeface="Courier"/>
-                <a:ea typeface="Courier"/>
-                <a:cs typeface="Courier"/>
-                <a:sym typeface="Courier New"/>
-              </a:rPr>
-              <a:t>...        </a:t>
-            </a:r>
-            <a:r>
-              <a:rPr lang="en-US" sz="2600" i="0" u="none" strike="noStrike" cap="none" dirty="0" smtClean="0">
-                <a:solidFill>
-                  <a:srgbClr val="FFFF00"/>
-                </a:solidFill>
-                <a:latin typeface="Courier"/>
-                <a:ea typeface="Courier"/>
-                <a:cs typeface="Courier"/>
-                <a:sym typeface="Courier New"/>
-              </a:rPr>
-              <a:t>print</a:t>
-            </a:r>
-            <a:r>
-              <a:rPr lang="en-US" sz="2600" dirty="0">
-                <a:solidFill>
-                  <a:schemeClr val="lt1"/>
-                </a:solidFill>
-                <a:latin typeface="Courier"/>
-                <a:ea typeface="Courier"/>
-                <a:cs typeface="Courier"/>
-                <a:sym typeface="Courier New"/>
-              </a:rPr>
-              <a:t>(</a:t>
-            </a:r>
-            <a:r>
-              <a:rPr lang="en-US" sz="2600" i="0" u="none" strike="noStrike" cap="none" dirty="0" smtClean="0">
-                <a:solidFill>
-                  <a:schemeClr val="lt1"/>
-                </a:solidFill>
-                <a:latin typeface="Courier"/>
-                <a:ea typeface="Courier"/>
-                <a:cs typeface="Courier"/>
-                <a:sym typeface="Courier New"/>
-              </a:rPr>
-              <a:t>'Bonjour</a:t>
-            </a:r>
-            <a:r>
-              <a:rPr lang="en-US" sz="2600" dirty="0" smtClean="0">
-                <a:solidFill>
-                  <a:schemeClr val="lt1"/>
-                </a:solidFill>
-                <a:latin typeface="Courier"/>
-                <a:ea typeface="Courier"/>
-                <a:cs typeface="Courier"/>
-                <a:sym typeface="Courier New"/>
-              </a:rPr>
-              <a:t>')</a:t>
-            </a:r>
-            <a:endParaRPr lang="en-US" sz="2600" dirty="0">
-              <a:solidFill>
-                <a:schemeClr val="lt1"/>
-              </a:solidFill>
-              <a:latin typeface="Courier"/>
-              <a:ea typeface="Courier"/>
-              <a:cs typeface="Courier"/>
-              <a:sym typeface="Courier New"/>
-            </a:endParaRPr>
+              <a:rPr lang="en-US" sz="2600" b="1" i="0" u="none" strike="noStrike" cap="none" dirty="0">
+                <a:solidFill>
+                  <a:schemeClr val="lt1"/>
+                </a:solidFill>
+                <a:latin typeface="Courier"/>
+                <a:ea typeface="Courier"/>
+                <a:cs typeface="Courier"/>
+                <a:sym typeface="Courier New"/>
+              </a:rPr>
+              <a:t>Bonjour</a:t>
+            </a:r>
           </a:p>
           <a:p>
             <a:pPr marL="0" marR="0" lvl="0" indent="0" algn="l" rtl="0">
@@ -9979,592 +10137,7 @@
               <a:buNone/>
             </a:pPr>
             <a:r>
-              <a:rPr lang="en-US" sz="2600" i="0" u="none" strike="noStrike" cap="none" dirty="0">
-                <a:solidFill>
-                  <a:schemeClr val="lt1"/>
-                </a:solidFill>
-                <a:latin typeface="Courier"/>
-                <a:ea typeface="Courier"/>
-                <a:cs typeface="Courier"/>
-                <a:sym typeface="Courier New"/>
-              </a:rPr>
-              <a:t>...     </a:t>
-            </a:r>
-            <a:r>
-              <a:rPr lang="en-US" sz="2600" i="0" u="none" strike="noStrike" cap="none" dirty="0">
-                <a:solidFill>
-                  <a:srgbClr val="FFFF00"/>
-                </a:solidFill>
-                <a:latin typeface="Courier"/>
-                <a:ea typeface="Courier"/>
-                <a:cs typeface="Courier"/>
-                <a:sym typeface="Courier New"/>
-              </a:rPr>
-              <a:t>else:</a:t>
-            </a:r>
-          </a:p>
-          <a:p>
-            <a:pPr marL="0" marR="0" lvl="0" indent="0" algn="l" rtl="0">
-              <a:lnSpc>
-                <a:spcPct val="100000"/>
-              </a:lnSpc>
-              <a:spcBef>
-                <a:spcPts val="0"/>
-              </a:spcBef>
-              <a:spcAft>
-                <a:spcPts val="0"/>
-              </a:spcAft>
-              <a:buClr>
-                <a:schemeClr val="lt1"/>
-              </a:buClr>
-              <a:buSzPct val="25000"/>
-              <a:buFont typeface="Cabin"/>
-              <a:buNone/>
-            </a:pPr>
-            <a:r>
-              <a:rPr lang="en-US" sz="2600" i="0" u="none" strike="noStrike" cap="none" dirty="0">
-                <a:solidFill>
-                  <a:schemeClr val="lt1"/>
-                </a:solidFill>
-                <a:latin typeface="Courier"/>
-                <a:ea typeface="Courier"/>
-                <a:cs typeface="Courier"/>
-                <a:sym typeface="Courier New"/>
-              </a:rPr>
-              <a:t>...     </a:t>
-            </a:r>
-            <a:r>
-              <a:rPr lang="en-US" sz="2600" i="0" u="none" strike="noStrike" cap="none" dirty="0">
-                <a:solidFill>
-                  <a:srgbClr val="FFFF00"/>
-                </a:solidFill>
-                <a:latin typeface="Courier"/>
-                <a:ea typeface="Courier"/>
-                <a:cs typeface="Courier"/>
-                <a:sym typeface="Courier New"/>
-              </a:rPr>
-              <a:t>   </a:t>
-            </a:r>
-            <a:r>
-              <a:rPr lang="en-US" sz="2600" i="0" u="none" strike="noStrike" cap="none" dirty="0" smtClean="0">
-                <a:solidFill>
-                  <a:srgbClr val="FFFF00"/>
-                </a:solidFill>
-                <a:latin typeface="Courier"/>
-                <a:ea typeface="Courier"/>
-                <a:cs typeface="Courier"/>
-                <a:sym typeface="Courier New"/>
-              </a:rPr>
-              <a:t>print</a:t>
-            </a:r>
-            <a:r>
-              <a:rPr lang="en-US" sz="2600" dirty="0">
-                <a:solidFill>
-                  <a:schemeClr val="lt1"/>
-                </a:solidFill>
-                <a:latin typeface="Courier"/>
-                <a:ea typeface="Courier"/>
-                <a:cs typeface="Courier"/>
-                <a:sym typeface="Courier New"/>
-              </a:rPr>
-              <a:t>(</a:t>
-            </a:r>
-            <a:r>
-              <a:rPr lang="en-US" sz="2600" i="0" u="none" strike="noStrike" cap="none" dirty="0" smtClean="0">
-                <a:solidFill>
-                  <a:schemeClr val="lt1"/>
-                </a:solidFill>
-                <a:latin typeface="Courier"/>
-                <a:ea typeface="Courier"/>
-                <a:cs typeface="Courier"/>
-                <a:sym typeface="Courier New"/>
-              </a:rPr>
-              <a:t>'Hello</a:t>
-            </a:r>
-            <a:r>
-              <a:rPr lang="en-US" sz="2600" dirty="0" smtClean="0">
-                <a:solidFill>
-                  <a:schemeClr val="lt1"/>
-                </a:solidFill>
-                <a:latin typeface="Courier"/>
-                <a:ea typeface="Courier"/>
-                <a:cs typeface="Courier"/>
-                <a:sym typeface="Courier New"/>
-              </a:rPr>
-              <a:t>')</a:t>
-            </a:r>
-            <a:endParaRPr lang="en-US" sz="2600" dirty="0">
-              <a:solidFill>
-                <a:schemeClr val="lt1"/>
-              </a:solidFill>
-              <a:latin typeface="Courier"/>
-              <a:ea typeface="Courier"/>
-              <a:cs typeface="Courier"/>
-              <a:sym typeface="Courier New"/>
-            </a:endParaRPr>
-          </a:p>
-          <a:p>
-            <a:pPr marL="0" marR="0" lvl="0" indent="0" algn="l" rtl="0">
-              <a:lnSpc>
-                <a:spcPct val="100000"/>
-              </a:lnSpc>
-              <a:spcBef>
-                <a:spcPts val="0"/>
-              </a:spcBef>
-              <a:spcAft>
-                <a:spcPts val="0"/>
-              </a:spcAft>
-              <a:buClr>
-                <a:schemeClr val="lt1"/>
-              </a:buClr>
-              <a:buSzPct val="25000"/>
-              <a:buFont typeface="Cabin"/>
-              <a:buNone/>
-            </a:pPr>
-            <a:r>
-              <a:rPr lang="en-US" sz="2600" i="0" u="none" strike="noStrike" cap="none" dirty="0">
-                <a:solidFill>
-                  <a:schemeClr val="lt1"/>
-                </a:solidFill>
-                <a:latin typeface="Courier"/>
-                <a:ea typeface="Courier"/>
-                <a:cs typeface="Courier"/>
-                <a:sym typeface="Courier New"/>
-              </a:rPr>
-              <a:t>... </a:t>
-            </a:r>
-          </a:p>
-          <a:p>
-            <a:pPr marL="0" marR="0" lvl="0" indent="0" algn="l" rtl="0">
-              <a:lnSpc>
-                <a:spcPct val="100000"/>
-              </a:lnSpc>
-              <a:spcBef>
-                <a:spcPts val="0"/>
-              </a:spcBef>
-              <a:spcAft>
-                <a:spcPts val="0"/>
-              </a:spcAft>
-              <a:buClr>
-                <a:schemeClr val="lt1"/>
-              </a:buClr>
-              <a:buSzPct val="25000"/>
-              <a:buFont typeface="Cabin"/>
-              <a:buNone/>
-            </a:pPr>
-            <a:r>
-              <a:rPr lang="en-US" sz="2600" i="0" u="none" strike="noStrike" cap="none" dirty="0">
-                <a:solidFill>
-                  <a:schemeClr val="lt1"/>
-                </a:solidFill>
-                <a:latin typeface="Courier"/>
-                <a:ea typeface="Courier"/>
-                <a:cs typeface="Courier"/>
-                <a:sym typeface="Courier New"/>
-              </a:rPr>
-              <a:t>&gt;&gt;&gt; </a:t>
-            </a:r>
-            <a:r>
-              <a:rPr lang="en-US" sz="2600" i="0" u="none" strike="noStrike" cap="none" dirty="0">
-                <a:solidFill>
-                  <a:srgbClr val="00FF00"/>
-                </a:solidFill>
-                <a:latin typeface="Courier"/>
-                <a:ea typeface="Courier"/>
-                <a:cs typeface="Courier"/>
-                <a:sym typeface="Courier New"/>
-              </a:rPr>
-              <a:t>greet</a:t>
-            </a:r>
-            <a:r>
-              <a:rPr lang="en-US" sz="2600" i="0" u="none" strike="noStrike" cap="none" dirty="0">
-                <a:solidFill>
-                  <a:schemeClr val="lt1"/>
-                </a:solidFill>
-                <a:latin typeface="Courier"/>
-                <a:ea typeface="Courier"/>
-                <a:cs typeface="Courier"/>
-                <a:sym typeface="Courier New"/>
-              </a:rPr>
-              <a:t>(</a:t>
-            </a:r>
-            <a:r>
-              <a:rPr lang="en-US" sz="2600" i="0" u="none" strike="noStrike" cap="none" dirty="0">
-                <a:solidFill>
-                  <a:srgbClr val="FF7F00"/>
-                </a:solidFill>
-                <a:latin typeface="Courier"/>
-                <a:ea typeface="Courier"/>
-                <a:cs typeface="Courier"/>
-                <a:sym typeface="Courier New"/>
-              </a:rPr>
-              <a:t>'</a:t>
-            </a:r>
-            <a:r>
-              <a:rPr lang="en-US" sz="2600" i="0" u="none" strike="noStrike" cap="none" dirty="0" err="1">
-                <a:solidFill>
-                  <a:srgbClr val="FF7F00"/>
-                </a:solidFill>
-                <a:latin typeface="Courier"/>
-                <a:ea typeface="Courier"/>
-                <a:cs typeface="Courier"/>
-                <a:sym typeface="Courier New"/>
-              </a:rPr>
-              <a:t>en</a:t>
-            </a:r>
-            <a:r>
-              <a:rPr lang="en-US" sz="2600" i="0" u="none" strike="noStrike" cap="none" dirty="0">
-                <a:solidFill>
-                  <a:srgbClr val="FF7F00"/>
-                </a:solidFill>
-                <a:latin typeface="Courier"/>
-                <a:ea typeface="Courier"/>
-                <a:cs typeface="Courier"/>
-                <a:sym typeface="Courier New"/>
-              </a:rPr>
-              <a:t>'</a:t>
-            </a:r>
-            <a:r>
-              <a:rPr lang="en-US" sz="2600" i="0" u="none" strike="noStrike" cap="none" dirty="0">
-                <a:solidFill>
-                  <a:schemeClr val="lt1"/>
-                </a:solidFill>
-                <a:latin typeface="Courier"/>
-                <a:ea typeface="Courier"/>
-                <a:cs typeface="Courier"/>
-                <a:sym typeface="Courier New"/>
-              </a:rPr>
-              <a:t>)</a:t>
-            </a:r>
-          </a:p>
-          <a:p>
-            <a:pPr marL="0" marR="0" lvl="0" indent="0" algn="l" rtl="0">
-              <a:lnSpc>
-                <a:spcPct val="100000"/>
-              </a:lnSpc>
-              <a:spcBef>
-                <a:spcPts val="0"/>
-              </a:spcBef>
-              <a:spcAft>
-                <a:spcPts val="0"/>
-              </a:spcAft>
-              <a:buClr>
-                <a:schemeClr val="lt1"/>
-              </a:buClr>
-              <a:buSzPct val="25000"/>
-              <a:buFont typeface="Cabin"/>
-              <a:buNone/>
-            </a:pPr>
-            <a:r>
-              <a:rPr lang="en-US" sz="2600" i="0" u="none" strike="noStrike" cap="none" dirty="0">
-                <a:solidFill>
-                  <a:schemeClr val="lt1"/>
-                </a:solidFill>
-                <a:latin typeface="Courier"/>
-                <a:ea typeface="Courier"/>
-                <a:cs typeface="Courier"/>
-                <a:sym typeface="Courier New"/>
-              </a:rPr>
-              <a:t>Hello</a:t>
-            </a:r>
-          </a:p>
-          <a:p>
-            <a:pPr marL="0" marR="0" lvl="0" indent="0" algn="l" rtl="0">
-              <a:lnSpc>
-                <a:spcPct val="100000"/>
-              </a:lnSpc>
-              <a:spcBef>
-                <a:spcPts val="0"/>
-              </a:spcBef>
-              <a:spcAft>
-                <a:spcPts val="0"/>
-              </a:spcAft>
-              <a:buClr>
-                <a:schemeClr val="lt1"/>
-              </a:buClr>
-              <a:buSzPct val="25000"/>
-              <a:buFont typeface="Cabin"/>
-              <a:buNone/>
-            </a:pPr>
-            <a:r>
-              <a:rPr lang="en-US" sz="2600" i="0" u="none" strike="noStrike" cap="none" dirty="0">
-                <a:solidFill>
-                  <a:schemeClr val="lt1"/>
-                </a:solidFill>
-                <a:latin typeface="Courier"/>
-                <a:ea typeface="Courier"/>
-                <a:cs typeface="Courier"/>
-                <a:sym typeface="Courier New"/>
-              </a:rPr>
-              <a:t>&gt;&gt;&gt; </a:t>
-            </a:r>
-            <a:r>
-              <a:rPr lang="en-US" sz="2600" i="0" u="none" strike="noStrike" cap="none" dirty="0">
-                <a:solidFill>
-                  <a:srgbClr val="00FF00"/>
-                </a:solidFill>
-                <a:latin typeface="Courier"/>
-                <a:ea typeface="Courier"/>
-                <a:cs typeface="Courier"/>
-                <a:sym typeface="Courier New"/>
-              </a:rPr>
-              <a:t>greet</a:t>
-            </a:r>
-            <a:r>
-              <a:rPr lang="en-US" sz="2600" i="0" u="none" strike="noStrike" cap="none" dirty="0">
-                <a:solidFill>
-                  <a:schemeClr val="lt1"/>
-                </a:solidFill>
-                <a:latin typeface="Courier"/>
-                <a:ea typeface="Courier"/>
-                <a:cs typeface="Courier"/>
-                <a:sym typeface="Courier New"/>
-              </a:rPr>
-              <a:t>(</a:t>
-            </a:r>
-            <a:r>
-              <a:rPr lang="en-US" sz="2600" i="0" u="none" strike="noStrike" cap="none" dirty="0">
-                <a:solidFill>
-                  <a:srgbClr val="FF7F00"/>
-                </a:solidFill>
-                <a:latin typeface="Courier"/>
-                <a:ea typeface="Courier"/>
-                <a:cs typeface="Courier"/>
-                <a:sym typeface="Courier New"/>
-              </a:rPr>
-              <a:t>'</a:t>
-            </a:r>
-            <a:r>
-              <a:rPr lang="en-US" sz="2600" i="0" u="none" strike="noStrike" cap="none" dirty="0" err="1">
-                <a:solidFill>
-                  <a:srgbClr val="FF7F00"/>
-                </a:solidFill>
-                <a:latin typeface="Courier"/>
-                <a:ea typeface="Courier"/>
-                <a:cs typeface="Courier"/>
-                <a:sym typeface="Courier New"/>
-              </a:rPr>
-              <a:t>es</a:t>
-            </a:r>
-            <a:r>
-              <a:rPr lang="en-US" sz="2600" i="0" u="none" strike="noStrike" cap="none" dirty="0">
-                <a:solidFill>
-                  <a:srgbClr val="FF7F00"/>
-                </a:solidFill>
-                <a:latin typeface="Courier"/>
-                <a:ea typeface="Courier"/>
-                <a:cs typeface="Courier"/>
-                <a:sym typeface="Courier New"/>
-              </a:rPr>
-              <a:t>'</a:t>
-            </a:r>
-            <a:r>
-              <a:rPr lang="en-US" sz="2600" i="0" u="none" strike="noStrike" cap="none" dirty="0">
-                <a:solidFill>
-                  <a:schemeClr val="lt1"/>
-                </a:solidFill>
-                <a:latin typeface="Courier"/>
-                <a:ea typeface="Courier"/>
-                <a:cs typeface="Courier"/>
-                <a:sym typeface="Courier New"/>
-              </a:rPr>
-              <a:t>)</a:t>
-            </a:r>
-          </a:p>
-          <a:p>
-            <a:pPr marL="0" marR="0" lvl="0" indent="0" algn="l" rtl="0">
-              <a:lnSpc>
-                <a:spcPct val="100000"/>
-              </a:lnSpc>
-              <a:spcBef>
-                <a:spcPts val="0"/>
-              </a:spcBef>
-              <a:spcAft>
-                <a:spcPts val="0"/>
-              </a:spcAft>
-              <a:buClr>
-                <a:schemeClr val="lt1"/>
-              </a:buClr>
-              <a:buSzPct val="25000"/>
-              <a:buFont typeface="Cabin"/>
-              <a:buNone/>
-            </a:pPr>
-            <a:r>
-              <a:rPr lang="en-US" sz="2600" i="0" u="none" strike="noStrike" cap="none" dirty="0" err="1">
-                <a:solidFill>
-                  <a:schemeClr val="lt1"/>
-                </a:solidFill>
-                <a:latin typeface="Courier"/>
-                <a:ea typeface="Courier"/>
-                <a:cs typeface="Courier"/>
-                <a:sym typeface="Courier New"/>
-              </a:rPr>
-              <a:t>Hola</a:t>
-            </a:r>
-            <a:endParaRPr lang="en-US" sz="2600" i="0" u="none" strike="noStrike" cap="none" dirty="0">
-              <a:solidFill>
-                <a:schemeClr val="lt1"/>
-              </a:solidFill>
-              <a:latin typeface="Courier"/>
-              <a:ea typeface="Courier"/>
-              <a:cs typeface="Courier"/>
-              <a:sym typeface="Courier New"/>
-            </a:endParaRPr>
-          </a:p>
-          <a:p>
-            <a:pPr marL="0" marR="0" lvl="0" indent="0" algn="l" rtl="0">
-              <a:lnSpc>
-                <a:spcPct val="100000"/>
-              </a:lnSpc>
-              <a:spcBef>
-                <a:spcPts val="0"/>
-              </a:spcBef>
-              <a:spcAft>
-                <a:spcPts val="0"/>
-              </a:spcAft>
-              <a:buClr>
-                <a:schemeClr val="lt1"/>
-              </a:buClr>
-              <a:buSzPct val="25000"/>
-              <a:buFont typeface="Cabin"/>
-              <a:buNone/>
-            </a:pPr>
-            <a:r>
-              <a:rPr lang="en-US" sz="2600" i="0" u="none" strike="noStrike" cap="none" dirty="0">
-                <a:solidFill>
-                  <a:schemeClr val="lt1"/>
-                </a:solidFill>
-                <a:latin typeface="Courier"/>
-                <a:ea typeface="Courier"/>
-                <a:cs typeface="Courier"/>
-                <a:sym typeface="Courier New"/>
-              </a:rPr>
-              <a:t>&gt;&gt;&gt; </a:t>
-            </a:r>
-            <a:r>
-              <a:rPr lang="en-US" sz="2600" i="0" u="none" strike="noStrike" cap="none" dirty="0">
-                <a:solidFill>
-                  <a:srgbClr val="00FF00"/>
-                </a:solidFill>
-                <a:latin typeface="Courier"/>
-                <a:ea typeface="Courier"/>
-                <a:cs typeface="Courier"/>
-                <a:sym typeface="Courier New"/>
-              </a:rPr>
-              <a:t>greet</a:t>
-            </a:r>
-            <a:r>
-              <a:rPr lang="en-US" sz="2600" i="0" u="none" strike="noStrike" cap="none" dirty="0">
-                <a:solidFill>
-                  <a:schemeClr val="lt1"/>
-                </a:solidFill>
-                <a:latin typeface="Courier"/>
-                <a:ea typeface="Courier"/>
-                <a:cs typeface="Courier"/>
-                <a:sym typeface="Courier New"/>
-              </a:rPr>
-              <a:t>(</a:t>
-            </a:r>
-            <a:r>
-              <a:rPr lang="en-US" sz="2600" i="0" u="none" strike="noStrike" cap="none" dirty="0">
-                <a:solidFill>
-                  <a:srgbClr val="FF7F00"/>
-                </a:solidFill>
-                <a:latin typeface="Courier"/>
-                <a:ea typeface="Courier"/>
-                <a:cs typeface="Courier"/>
-                <a:sym typeface="Courier New"/>
-              </a:rPr>
-              <a:t>'</a:t>
-            </a:r>
-            <a:r>
-              <a:rPr lang="en-US" sz="2600" i="0" u="none" strike="noStrike" cap="none" dirty="0" err="1">
-                <a:solidFill>
-                  <a:srgbClr val="FF7F00"/>
-                </a:solidFill>
-                <a:latin typeface="Courier"/>
-                <a:ea typeface="Courier"/>
-                <a:cs typeface="Courier"/>
-                <a:sym typeface="Courier New"/>
-              </a:rPr>
-              <a:t>fr</a:t>
-            </a:r>
-            <a:r>
-              <a:rPr lang="en-US" sz="2600" i="0" u="none" strike="noStrike" cap="none" dirty="0">
-                <a:solidFill>
-                  <a:srgbClr val="FF7F00"/>
-                </a:solidFill>
-                <a:latin typeface="Courier"/>
-                <a:ea typeface="Courier"/>
-                <a:cs typeface="Courier"/>
-                <a:sym typeface="Courier New"/>
-              </a:rPr>
-              <a:t>'</a:t>
-            </a:r>
-            <a:r>
-              <a:rPr lang="en-US" sz="2600" i="0" u="none" strike="noStrike" cap="none" dirty="0">
-                <a:solidFill>
-                  <a:schemeClr val="lt1"/>
-                </a:solidFill>
-                <a:latin typeface="Courier"/>
-                <a:ea typeface="Courier"/>
-                <a:cs typeface="Courier"/>
-                <a:sym typeface="Courier New"/>
-              </a:rPr>
-              <a:t>)</a:t>
-            </a:r>
-          </a:p>
-          <a:p>
-            <a:pPr marL="0" marR="0" lvl="0" indent="0" algn="l" rtl="0">
-              <a:lnSpc>
-                <a:spcPct val="100000"/>
-              </a:lnSpc>
-              <a:spcBef>
-                <a:spcPts val="0"/>
-              </a:spcBef>
-              <a:spcAft>
-                <a:spcPts val="0"/>
-              </a:spcAft>
-              <a:buClr>
-                <a:schemeClr val="lt1"/>
-              </a:buClr>
-              <a:buSzPct val="25000"/>
-              <a:buFont typeface="Cabin"/>
-              <a:buNone/>
-            </a:pPr>
-            <a:r>
-              <a:rPr lang="en-US" sz="2600" i="0" u="none" strike="noStrike" cap="none" dirty="0">
-                <a:solidFill>
-                  <a:schemeClr val="lt1"/>
-                </a:solidFill>
-                <a:latin typeface="Courier"/>
-                <a:ea typeface="Courier"/>
-                <a:cs typeface="Courier"/>
-                <a:sym typeface="Courier New"/>
-              </a:rPr>
-              <a:t>Bonjour</a:t>
-            </a:r>
-          </a:p>
-          <a:p>
-            <a:pPr marL="0" marR="0" lvl="0" indent="0" algn="l" rtl="0">
-              <a:lnSpc>
-                <a:spcPct val="100000"/>
-              </a:lnSpc>
-              <a:spcBef>
-                <a:spcPts val="0"/>
-              </a:spcBef>
-              <a:spcAft>
-                <a:spcPts val="0"/>
-              </a:spcAft>
-              <a:buClr>
-                <a:schemeClr val="lt1"/>
-              </a:buClr>
-              <a:buSzPct val="25000"/>
-              <a:buFont typeface="Cabin"/>
-              <a:buNone/>
-            </a:pPr>
-            <a:r>
-              <a:rPr lang="en-US" sz="2600" i="0" u="none" strike="noStrike" cap="none" dirty="0">
+              <a:rPr lang="en-US" sz="2600" b="1" i="0" u="none" strike="noStrike" cap="none" dirty="0">
                 <a:solidFill>
                   <a:schemeClr val="lt1"/>
                 </a:solidFill>
@@ -10583,13 +10156,6 @@
   <p:clrMapOvr>
     <a:masterClrMapping/>
   </p:clrMapOvr>
-  <p:timing>
-    <p:tnLst>
-      <p:par>
-        <p:cTn id="1" dur="indefinite" restart="never" nodeType="tmRoot"/>
-      </p:par>
-    </p:tnLst>
-  </p:timing>
 </p:sld>
 </file>
 
@@ -10850,7 +10416,7 @@
               <a:buNone/>
             </a:pPr>
             <a:r>
-              <a:rPr lang="en-US" sz="3200" i="0" u="none" strike="noStrike" cap="none" dirty="0" err="1">
+              <a:rPr lang="en-US" sz="3200" b="1" i="0" u="none" strike="noStrike" cap="none" dirty="0" err="1">
                 <a:solidFill>
                   <a:srgbClr val="FFFF00"/>
                 </a:solidFill>
@@ -10862,7 +10428,7 @@
               <a:t>def</a:t>
             </a:r>
             <a:r>
-              <a:rPr lang="en-US" sz="3200" i="0" u="none" strike="noStrike" cap="none" dirty="0">
+              <a:rPr lang="en-US" sz="3200" b="1" i="0" u="none" strike="noStrike" cap="none" dirty="0">
                 <a:solidFill>
                   <a:srgbClr val="FFFF00"/>
                 </a:solidFill>
@@ -10874,7 +10440,7 @@
               <a:t> </a:t>
             </a:r>
             <a:r>
-              <a:rPr lang="en-US" sz="3200" i="0" u="none" strike="noStrike" cap="none" dirty="0">
+              <a:rPr lang="en-US" sz="3200" b="1" i="0" u="none" strike="noStrike" cap="none" dirty="0">
                 <a:solidFill>
                   <a:srgbClr val="00FF00"/>
                 </a:solidFill>
@@ -10886,7 +10452,7 @@
               <a:t>greet</a:t>
             </a:r>
             <a:r>
-              <a:rPr lang="en-US" sz="3200" i="0" u="none" strike="noStrike" cap="none" dirty="0">
+              <a:rPr lang="en-US" sz="3200" b="1" i="0" u="none" strike="noStrike" cap="none" dirty="0">
                 <a:solidFill>
                   <a:srgbClr val="FFFF00"/>
                 </a:solidFill>
@@ -10917,7 +10483,7 @@
               <a:buNone/>
             </a:pPr>
             <a:r>
-              <a:rPr lang="en-US" sz="3200" i="0" u="none" strike="noStrike" cap="none" dirty="0">
+              <a:rPr lang="en-US" sz="3200" b="1" i="0" u="none" strike="noStrike" cap="none" dirty="0">
                 <a:solidFill>
                   <a:srgbClr val="FFFF00"/>
                 </a:solidFill>
@@ -10929,7 +10495,7 @@
               <a:t>    </a:t>
             </a:r>
             <a:r>
-              <a:rPr lang="en-US" sz="3200" i="0" u="none" strike="noStrike" cap="none" dirty="0">
+              <a:rPr lang="en-US" sz="3200" b="1" i="0" u="none" strike="noStrike" cap="none" dirty="0">
                 <a:solidFill>
                   <a:srgbClr val="FF7F00"/>
                 </a:solidFill>
@@ -10941,7 +10507,7 @@
               <a:t>return</a:t>
             </a:r>
             <a:r>
-              <a:rPr lang="en-US" sz="3200" i="0" u="none" strike="noStrike" cap="none" dirty="0">
+              <a:rPr lang="en-US" sz="3200" b="1" i="0" u="none" strike="noStrike" cap="none" dirty="0">
                 <a:solidFill>
                   <a:srgbClr val="FFFF00"/>
                 </a:solidFill>
@@ -10953,7 +10519,7 @@
               <a:t> "Hello</a:t>
             </a:r>
             <a:r>
-              <a:rPr lang="en-US" sz="3200" dirty="0">
+              <a:rPr lang="en-US" sz="3200" b="1" dirty="0">
                 <a:solidFill>
                   <a:srgbClr val="FFFF00"/>
                 </a:solidFill>
@@ -11007,7 +10573,7 @@
               <a:buNone/>
             </a:pPr>
             <a:r>
-              <a:rPr lang="en-US" sz="3200" i="0" u="none" strike="noStrike" cap="none" dirty="0" smtClean="0">
+              <a:rPr lang="en-US" sz="3200" b="1" i="0" u="none" strike="noStrike" cap="none" dirty="0">
                 <a:solidFill>
                   <a:srgbClr val="FFFF00"/>
                 </a:solidFill>
@@ -11019,7 +10585,7 @@
               <a:t>print(</a:t>
             </a:r>
             <a:r>
-              <a:rPr lang="en-US" sz="3200" i="0" u="none" strike="noStrike" cap="none" dirty="0" smtClean="0">
+              <a:rPr lang="en-US" sz="3200" b="1" i="0" u="none" strike="noStrike" cap="none" dirty="0">
                 <a:solidFill>
                   <a:srgbClr val="FF00FF"/>
                 </a:solidFill>
@@ -11028,22 +10594,10 @@
                 <a:cs typeface="Courier"/>
                 <a:sym typeface="Courier New"/>
               </a:rPr>
-              <a:t>greet</a:t>
-            </a:r>
-            <a:r>
-              <a:rPr lang="en-US" sz="3200" i="0" u="none" strike="noStrike" cap="none" dirty="0">
-                <a:solidFill>
-                  <a:srgbClr val="FF00FF"/>
-                </a:solidFill>
-                <a:latin typeface="Courier"/>
-                <a:ea typeface="Courier"/>
-                <a:cs typeface="Courier"/>
-                <a:sym typeface="Courier New"/>
-              </a:rPr>
-              <a:t>()</a:t>
-            </a:r>
-            <a:r>
-              <a:rPr lang="en-US" sz="3200" i="0" u="none" strike="noStrike" cap="none" dirty="0">
+              <a:t>greet()</a:t>
+            </a:r>
+            <a:r>
+              <a:rPr lang="en-US" sz="3200" b="1" i="0" u="none" strike="noStrike" cap="none" dirty="0">
                 <a:solidFill>
                   <a:srgbClr val="FFFF00"/>
                 </a:solidFill>
@@ -11055,7 +10609,7 @@
               <a:t>, "Glenn</a:t>
             </a:r>
             <a:r>
-              <a:rPr lang="en-US" sz="3200" dirty="0" smtClean="0">
+              <a:rPr lang="en-US" sz="3200" b="1" dirty="0">
                 <a:solidFill>
                   <a:srgbClr val="FFFF00"/>
                 </a:solidFill>
@@ -11066,15 +10620,6 @@
               </a:rPr>
               <a:t>")</a:t>
             </a:r>
-            <a:endParaRPr lang="en-US" sz="3200" dirty="0">
-              <a:solidFill>
-                <a:srgbClr val="FFFF00"/>
-              </a:solidFill>
-              <a:latin typeface="Courier"/>
-              <a:ea typeface="Courier"/>
-              <a:cs typeface="Courier"/>
-              <a:sym typeface="Courier New"/>
-            </a:endParaRPr>
           </a:p>
           <a:p>
             <a:pPr marL="0" marR="0" lvl="0" indent="0" algn="l" rtl="0">
@@ -11095,7 +10640,7 @@
               <a:buNone/>
             </a:pPr>
             <a:r>
-              <a:rPr lang="en-US" sz="3200" i="0" u="none" strike="noStrike" cap="none" dirty="0" smtClean="0">
+              <a:rPr lang="en-US" sz="3200" b="1" i="0" u="none" strike="noStrike" cap="none" dirty="0">
                 <a:solidFill>
                   <a:srgbClr val="FFFF00"/>
                 </a:solidFill>
@@ -11107,7 +10652,7 @@
               <a:t>print(</a:t>
             </a:r>
             <a:r>
-              <a:rPr lang="en-US" sz="3200" i="0" u="none" strike="noStrike" cap="none" dirty="0" smtClean="0">
+              <a:rPr lang="en-US" sz="3200" b="1" i="0" u="none" strike="noStrike" cap="none" dirty="0">
                 <a:solidFill>
                   <a:srgbClr val="FF00FF"/>
                 </a:solidFill>
@@ -11116,22 +10661,10 @@
                 <a:cs typeface="Courier"/>
                 <a:sym typeface="Courier New"/>
               </a:rPr>
-              <a:t>greet</a:t>
-            </a:r>
-            <a:r>
-              <a:rPr lang="en-US" sz="3200" i="0" u="none" strike="noStrike" cap="none" dirty="0">
-                <a:solidFill>
-                  <a:srgbClr val="FF00FF"/>
-                </a:solidFill>
-                <a:latin typeface="Courier"/>
-                <a:ea typeface="Courier"/>
-                <a:cs typeface="Courier"/>
-                <a:sym typeface="Courier New"/>
-              </a:rPr>
-              <a:t>()</a:t>
-            </a:r>
-            <a:r>
-              <a:rPr lang="en-US" sz="3200" i="0" u="none" strike="noStrike" cap="none" dirty="0">
+              <a:t>greet()</a:t>
+            </a:r>
+            <a:r>
+              <a:rPr lang="en-US" sz="3200" b="1" i="0" u="none" strike="noStrike" cap="none" dirty="0">
                 <a:solidFill>
                   <a:srgbClr val="FFFF00"/>
                 </a:solidFill>
@@ -11140,29 +10673,8 @@
                 <a:cs typeface="Courier"/>
                 <a:sym typeface="Courier New"/>
               </a:rPr>
-              <a:t>, "Sally</a:t>
-            </a:r>
-            <a:r>
-              <a:rPr lang="en-US" sz="3200" i="0" u="none" strike="noStrike" cap="none" dirty="0" smtClean="0">
-                <a:solidFill>
-                  <a:srgbClr val="FFFF00"/>
-                </a:solidFill>
-                <a:latin typeface="Courier"/>
-                <a:ea typeface="Courier"/>
-                <a:cs typeface="Courier"/>
-                <a:sym typeface="Courier New"/>
-              </a:rPr>
-              <a:t>")</a:t>
-            </a:r>
-            <a:endParaRPr lang="en-US" sz="3200" i="0" u="none" strike="noStrike" cap="none" dirty="0">
-              <a:solidFill>
-                <a:srgbClr val="FFFF00"/>
-              </a:solidFill>
-              <a:latin typeface="Courier"/>
-              <a:ea typeface="Courier"/>
-              <a:cs typeface="Courier"/>
-              <a:sym typeface="Courier New"/>
-            </a:endParaRPr>
+              <a:t>, "Sally")</a:t>
+            </a:r>
           </a:p>
         </p:txBody>
       </p:sp>
@@ -11259,13 +10771,6 @@
   <p:clrMapOvr>
     <a:masterClrMapping/>
   </p:clrMapOvr>
-  <p:timing>
-    <p:tnLst>
-      <p:par>
-        <p:cTn id="1" dur="indefinite" restart="never" nodeType="tmRoot"/>
-      </p:par>
-    </p:tnLst>
-  </p:timing>
 </p:sld>
 </file>
 
@@ -11758,7 +11263,7 @@
               <a:buNone/>
             </a:pPr>
             <a:r>
-              <a:rPr lang="en-US" sz="2500" i="0" u="none" strike="noStrike" cap="none" dirty="0">
+              <a:rPr lang="en-US" sz="2500" b="1" i="0" u="none" strike="noStrike" cap="none" dirty="0">
                 <a:solidFill>
                   <a:schemeClr val="lt1"/>
                 </a:solidFill>
@@ -11770,7 +11275,7 @@
               <a:t>&gt;&gt;&gt; </a:t>
             </a:r>
             <a:r>
-              <a:rPr lang="en-US" sz="2500" i="0" u="none" strike="noStrike" cap="none" dirty="0" err="1">
+              <a:rPr lang="en-US" sz="2500" b="1" i="0" u="none" strike="noStrike" cap="none" dirty="0">
                 <a:solidFill>
                   <a:srgbClr val="FFFF00"/>
                 </a:solidFill>
@@ -11782,7 +11287,7 @@
               <a:t>def</a:t>
             </a:r>
             <a:r>
-              <a:rPr lang="en-US" sz="2500" i="0" u="none" strike="noStrike" cap="none" dirty="0">
+              <a:rPr lang="en-US" sz="2500" b="1" i="0" u="none" strike="noStrike" cap="none" dirty="0">
                 <a:solidFill>
                   <a:schemeClr val="lt1"/>
                 </a:solidFill>
@@ -11794,7 +11299,7 @@
               <a:t> </a:t>
             </a:r>
             <a:r>
-              <a:rPr lang="en-US" sz="2500" i="0" u="none" strike="noStrike" cap="none" dirty="0">
+              <a:rPr lang="en-US" sz="2500" b="1" i="0" u="none" strike="noStrike" cap="none" dirty="0">
                 <a:solidFill>
                   <a:srgbClr val="00FF00"/>
                 </a:solidFill>
@@ -11806,7 +11311,7 @@
               <a:t>greet</a:t>
             </a:r>
             <a:r>
-              <a:rPr lang="en-US" sz="2500" i="0" u="none" strike="noStrike" cap="none" dirty="0">
+              <a:rPr lang="en-US" sz="2500" b="1" i="0" u="none" strike="noStrike" cap="none" dirty="0">
                 <a:solidFill>
                   <a:schemeClr val="lt1"/>
                 </a:solidFill>
@@ -11818,7 +11323,7 @@
               <a:t>(</a:t>
             </a:r>
             <a:r>
-              <a:rPr lang="en-US" sz="2500" i="0" u="none" strike="noStrike" cap="none" dirty="0" err="1">
+              <a:rPr lang="en-US" sz="2500" b="1" i="0" u="none" strike="noStrike" cap="none" dirty="0">
                 <a:solidFill>
                   <a:srgbClr val="00FFFF"/>
                 </a:solidFill>
@@ -11830,7 +11335,7 @@
               <a:t>lang</a:t>
             </a:r>
             <a:r>
-              <a:rPr lang="en-US" sz="2500" i="0" u="none" strike="noStrike" cap="none" dirty="0">
+              <a:rPr lang="en-US" sz="2500" b="1" i="0" u="none" strike="noStrike" cap="none" dirty="0">
                 <a:solidFill>
                   <a:schemeClr val="lt1"/>
                 </a:solidFill>
@@ -11861,7 +11366,7 @@
               <a:buNone/>
             </a:pPr>
             <a:r>
-              <a:rPr lang="en-US" sz="2500" i="0" u="none" strike="noStrike" cap="none" dirty="0">
+              <a:rPr lang="en-US" sz="2500" b="1" i="0" u="none" strike="noStrike" cap="none" dirty="0">
                 <a:solidFill>
                   <a:schemeClr val="lt1"/>
                 </a:solidFill>
@@ -11873,7 +11378,7 @@
               <a:t>... </a:t>
             </a:r>
             <a:r>
-              <a:rPr lang="en-US" sz="2500" dirty="0">
+              <a:rPr lang="en-US" sz="2500" b="1" dirty="0">
                 <a:solidFill>
                   <a:schemeClr val="lt1"/>
                 </a:solidFill>
@@ -11885,7 +11390,7 @@
               <a:t>    </a:t>
             </a:r>
             <a:r>
-              <a:rPr lang="en-US" sz="2500" i="0" u="none" strike="noStrike" cap="none" dirty="0">
+              <a:rPr lang="en-US" sz="2500" b="1" i="0" u="none" strike="noStrike" cap="none" dirty="0">
                 <a:solidFill>
                   <a:srgbClr val="FFFF00"/>
                 </a:solidFill>
@@ -11897,7 +11402,7 @@
               <a:t>if</a:t>
             </a:r>
             <a:r>
-              <a:rPr lang="en-US" sz="2500" i="0" u="none" strike="noStrike" cap="none" dirty="0">
+              <a:rPr lang="en-US" sz="2500" b="1" i="0" u="none" strike="noStrike" cap="none" dirty="0">
                 <a:solidFill>
                   <a:schemeClr val="lt1"/>
                 </a:solidFill>
@@ -11909,7 +11414,7 @@
               <a:t> </a:t>
             </a:r>
             <a:r>
-              <a:rPr lang="en-US" sz="2500" i="0" u="none" strike="noStrike" cap="none" dirty="0" err="1">
+              <a:rPr lang="en-US" sz="2500" b="1" i="0" u="none" strike="noStrike" cap="none" dirty="0">
                 <a:solidFill>
                   <a:srgbClr val="00FFFF"/>
                 </a:solidFill>
@@ -11921,40 +11426,16 @@
               <a:t>lang</a:t>
             </a:r>
             <a:r>
-              <a:rPr lang="en-US" sz="2500" i="0" u="none" strike="noStrike" cap="none" dirty="0">
-                <a:solidFill>
-                  <a:schemeClr val="lt1"/>
-                </a:solidFill>
-                <a:latin typeface="Courier"/>
-                <a:ea typeface="Courier"/>
-                <a:cs typeface="Courier"/>
-                <a:sym typeface="Courier New"/>
-              </a:rPr>
-              <a:t> == '</a:t>
-            </a:r>
-            <a:r>
-              <a:rPr lang="en-US" sz="2500" i="0" u="none" strike="noStrike" cap="none" dirty="0" err="1">
-                <a:solidFill>
-                  <a:schemeClr val="lt1"/>
-                </a:solidFill>
-                <a:latin typeface="Courier"/>
-                <a:ea typeface="Courier"/>
-                <a:cs typeface="Courier"/>
-                <a:sym typeface="Courier New"/>
-              </a:rPr>
-              <a:t>es</a:t>
-            </a:r>
-            <a:r>
-              <a:rPr lang="en-US" sz="2500" i="0" u="none" strike="noStrike" cap="none" dirty="0">
-                <a:solidFill>
-                  <a:schemeClr val="lt1"/>
-                </a:solidFill>
-                <a:latin typeface="Courier"/>
-                <a:ea typeface="Courier"/>
-                <a:cs typeface="Courier"/>
-                <a:sym typeface="Courier New"/>
-              </a:rPr>
-              <a:t>':</a:t>
+              <a:rPr lang="en-US" sz="2500" b="1" i="0" u="none" strike="noStrike" cap="none" dirty="0">
+                <a:solidFill>
+                  <a:schemeClr val="lt1"/>
+                </a:solidFill>
+                <a:latin typeface="Courier"/>
+                <a:ea typeface="Courier"/>
+                <a:cs typeface="Courier"/>
+                <a:sym typeface="Courier New"/>
+              </a:rPr>
+              <a:t> == 'es':</a:t>
             </a:r>
           </a:p>
           <a:p>
@@ -11976,7 +11457,7 @@
               <a:buNone/>
             </a:pPr>
             <a:r>
-              <a:rPr lang="en-US" sz="2500" i="0" u="none" strike="noStrike" cap="none" dirty="0">
+              <a:rPr lang="en-US" sz="2500" b="1" i="0" u="none" strike="noStrike" cap="none" dirty="0">
                 <a:solidFill>
                   <a:schemeClr val="lt1"/>
                 </a:solidFill>
@@ -11988,7 +11469,7 @@
               <a:t>...     </a:t>
             </a:r>
             <a:r>
-              <a:rPr lang="en-US" sz="2500" dirty="0">
+              <a:rPr lang="en-US" sz="2500" b="1" dirty="0">
                 <a:solidFill>
                   <a:schemeClr val="lt1"/>
                 </a:solidFill>
@@ -12000,7 +11481,7 @@
               <a:t>    </a:t>
             </a:r>
             <a:r>
-              <a:rPr lang="en-US" sz="2500" i="0" u="none" strike="noStrike" cap="none" dirty="0">
+              <a:rPr lang="en-US" sz="2500" b="1" i="0" u="none" strike="noStrike" cap="none" dirty="0">
                 <a:solidFill>
                   <a:srgbClr val="FFFF00"/>
                 </a:solidFill>
@@ -12012,7 +11493,7 @@
               <a:t>return</a:t>
             </a:r>
             <a:r>
-              <a:rPr lang="en-US" sz="2500" i="0" u="none" strike="noStrike" cap="none" dirty="0">
+              <a:rPr lang="en-US" sz="2500" b="1" i="0" u="none" strike="noStrike" cap="none" dirty="0">
                 <a:solidFill>
                   <a:schemeClr val="lt1"/>
                 </a:solidFill>
@@ -12024,7 +11505,7 @@
               <a:t> </a:t>
             </a:r>
             <a:r>
-              <a:rPr lang="en-US" sz="2500" i="0" u="none" strike="noStrike" cap="none" dirty="0">
+              <a:rPr lang="en-US" sz="2500" b="1" i="0" u="none" strike="noStrike" cap="none" dirty="0">
                 <a:solidFill>
                   <a:srgbClr val="FF00FF"/>
                 </a:solidFill>
@@ -12033,22 +11514,10 @@
                 <a:cs typeface="Courier"/>
                 <a:sym typeface="Courier New"/>
               </a:rPr>
-              <a:t>'</a:t>
-            </a:r>
-            <a:r>
-              <a:rPr lang="en-US" sz="2500" i="0" u="none" strike="noStrike" cap="none" dirty="0" err="1">
-                <a:solidFill>
-                  <a:srgbClr val="FF00FF"/>
-                </a:solidFill>
-                <a:latin typeface="Courier"/>
-                <a:ea typeface="Courier"/>
-                <a:cs typeface="Courier"/>
-                <a:sym typeface="Courier New"/>
-              </a:rPr>
-              <a:t>Hola</a:t>
-            </a:r>
-            <a:r>
-              <a:rPr lang="en-US" sz="2500" dirty="0">
+              <a:t>'Hola</a:t>
+            </a:r>
+            <a:r>
+              <a:rPr lang="en-US" sz="2500" b="1" dirty="0">
                 <a:solidFill>
                   <a:srgbClr val="FF00FF"/>
                 </a:solidFill>
@@ -12079,7 +11548,7 @@
               <a:buNone/>
             </a:pPr>
             <a:r>
-              <a:rPr lang="en-US" sz="2500" i="0" u="none" strike="noStrike" cap="none" dirty="0">
+              <a:rPr lang="en-US" sz="2500" b="1" i="0" u="none" strike="noStrike" cap="none" dirty="0">
                 <a:solidFill>
                   <a:schemeClr val="lt1"/>
                 </a:solidFill>
@@ -12091,7 +11560,7 @@
               <a:t>...     </a:t>
             </a:r>
             <a:r>
-              <a:rPr lang="en-US" sz="2500" i="0" u="none" strike="noStrike" cap="none" dirty="0" err="1">
+              <a:rPr lang="en-US" sz="2500" b="1" i="0" u="none" strike="noStrike" cap="none" dirty="0" err="1">
                 <a:solidFill>
                   <a:srgbClr val="FFFF00"/>
                 </a:solidFill>
@@ -12103,7 +11572,7 @@
               <a:t>elif</a:t>
             </a:r>
             <a:r>
-              <a:rPr lang="en-US" sz="2500" i="0" u="none" strike="noStrike" cap="none" dirty="0">
+              <a:rPr lang="en-US" sz="2500" b="1" i="0" u="none" strike="noStrike" cap="none" dirty="0">
                 <a:solidFill>
                   <a:schemeClr val="lt1"/>
                 </a:solidFill>
@@ -12115,7 +11584,7 @@
               <a:t> </a:t>
             </a:r>
             <a:r>
-              <a:rPr lang="en-US" sz="2500" i="0" u="none" strike="noStrike" cap="none" dirty="0" err="1">
+              <a:rPr lang="en-US" sz="2500" b="1" i="0" u="none" strike="noStrike" cap="none" dirty="0">
                 <a:solidFill>
                   <a:srgbClr val="00FFFF"/>
                 </a:solidFill>
@@ -12127,7 +11596,7 @@
               <a:t>lang</a:t>
             </a:r>
             <a:r>
-              <a:rPr lang="en-US" sz="2500" i="0" u="none" strike="noStrike" cap="none" dirty="0">
+              <a:rPr lang="en-US" sz="2500" b="1" i="0" u="none" strike="noStrike" cap="none" dirty="0">
                 <a:solidFill>
                   <a:schemeClr val="lt1"/>
                 </a:solidFill>
@@ -12139,7 +11608,7 @@
               <a:t> == '</a:t>
             </a:r>
             <a:r>
-              <a:rPr lang="en-US" sz="2500" i="0" u="none" strike="noStrike" cap="none" dirty="0" err="1">
+              <a:rPr lang="en-US" sz="2500" b="1" i="0" u="none" strike="noStrike" cap="none" dirty="0" err="1">
                 <a:solidFill>
                   <a:schemeClr val="lt1"/>
                 </a:solidFill>
@@ -12151,7 +11620,7 @@
               <a:t>fr</a:t>
             </a:r>
             <a:r>
-              <a:rPr lang="en-US" sz="2500" i="0" u="none" strike="noStrike" cap="none" dirty="0">
+              <a:rPr lang="en-US" sz="2500" b="1" i="0" u="none" strike="noStrike" cap="none" dirty="0">
                 <a:solidFill>
                   <a:schemeClr val="lt1"/>
                 </a:solidFill>
@@ -12182,7 +11651,7 @@
               <a:buNone/>
             </a:pPr>
             <a:r>
-              <a:rPr lang="en-US" sz="2500" i="0" u="none" strike="noStrike" cap="none" dirty="0">
+              <a:rPr lang="en-US" sz="2500" b="1" i="0" u="none" strike="noStrike" cap="none" dirty="0">
                 <a:solidFill>
                   <a:schemeClr val="lt1"/>
                 </a:solidFill>
@@ -12194,7 +11663,7 @@
               <a:t>...        </a:t>
             </a:r>
             <a:r>
-              <a:rPr lang="en-US" sz="2500" dirty="0">
+              <a:rPr lang="en-US" sz="2500" b="1" dirty="0">
                 <a:solidFill>
                   <a:schemeClr val="lt1"/>
                 </a:solidFill>
@@ -12206,7 +11675,7 @@
               <a:t> </a:t>
             </a:r>
             <a:r>
-              <a:rPr lang="en-US" sz="2500" i="0" u="none" strike="noStrike" cap="none" dirty="0">
+              <a:rPr lang="en-US" sz="2500" b="1" i="0" u="none" strike="noStrike" cap="none" dirty="0">
                 <a:solidFill>
                   <a:srgbClr val="FFFF00"/>
                 </a:solidFill>
@@ -12218,7 +11687,7 @@
               <a:t>return</a:t>
             </a:r>
             <a:r>
-              <a:rPr lang="en-US" sz="2500" i="0" u="none" strike="noStrike" cap="none" dirty="0">
+              <a:rPr lang="en-US" sz="2500" b="1" i="0" u="none" strike="noStrike" cap="none" dirty="0">
                 <a:solidFill>
                   <a:schemeClr val="lt1"/>
                 </a:solidFill>
@@ -12230,7 +11699,7 @@
               <a:t> </a:t>
             </a:r>
             <a:r>
-              <a:rPr lang="en-US" sz="2500" i="0" u="none" strike="noStrike" cap="none" dirty="0">
+              <a:rPr lang="en-US" sz="2500" b="1" i="0" u="none" strike="noStrike" cap="none" dirty="0">
                 <a:solidFill>
                   <a:srgbClr val="FF00FF"/>
                 </a:solidFill>
@@ -12242,7 +11711,7 @@
               <a:t>'Bonjour</a:t>
             </a:r>
             <a:r>
-              <a:rPr lang="en-US" sz="2500" dirty="0">
+              <a:rPr lang="en-US" sz="2500" b="1" dirty="0">
                 <a:solidFill>
                   <a:srgbClr val="FF00FF"/>
                 </a:solidFill>
@@ -12273,7 +11742,7 @@
               <a:buNone/>
             </a:pPr>
             <a:r>
-              <a:rPr lang="en-US" sz="2500" i="0" u="none" strike="noStrike" cap="none" dirty="0">
+              <a:rPr lang="en-US" sz="2500" b="1" i="0" u="none" strike="noStrike" cap="none" dirty="0">
                 <a:solidFill>
                   <a:schemeClr val="lt1"/>
                 </a:solidFill>
@@ -12285,7 +11754,7 @@
               <a:t>...     </a:t>
             </a:r>
             <a:r>
-              <a:rPr lang="en-US" sz="2500" i="0" u="none" strike="noStrike" cap="none" dirty="0">
+              <a:rPr lang="en-US" sz="2500" b="1" i="0" u="none" strike="noStrike" cap="none" dirty="0">
                 <a:solidFill>
                   <a:srgbClr val="FFFF00"/>
                 </a:solidFill>
@@ -12316,7 +11785,7 @@
               <a:buNone/>
             </a:pPr>
             <a:r>
-              <a:rPr lang="en-US" sz="2500" i="0" u="none" strike="noStrike" cap="none" dirty="0">
+              <a:rPr lang="en-US" sz="2500" b="1" i="0" u="none" strike="noStrike" cap="none" dirty="0">
                 <a:solidFill>
                   <a:schemeClr val="lt1"/>
                 </a:solidFill>
@@ -12328,7 +11797,7 @@
               <a:t>...         </a:t>
             </a:r>
             <a:r>
-              <a:rPr lang="en-US" sz="2500" i="0" u="none" strike="noStrike" cap="none" dirty="0">
+              <a:rPr lang="en-US" sz="2500" b="1" i="0" u="none" strike="noStrike" cap="none" dirty="0">
                 <a:solidFill>
                   <a:srgbClr val="FFFF00"/>
                 </a:solidFill>
@@ -12340,7 +11809,7 @@
               <a:t>return</a:t>
             </a:r>
             <a:r>
-              <a:rPr lang="en-US" sz="2500" i="0" u="none" strike="noStrike" cap="none" dirty="0">
+              <a:rPr lang="en-US" sz="2500" b="1" i="0" u="none" strike="noStrike" cap="none" dirty="0">
                 <a:solidFill>
                   <a:schemeClr val="lt1"/>
                 </a:solidFill>
@@ -12352,7 +11821,7 @@
               <a:t> </a:t>
             </a:r>
             <a:r>
-              <a:rPr lang="en-US" sz="2500" i="0" u="none" strike="noStrike" cap="none" dirty="0">
+              <a:rPr lang="en-US" sz="2500" b="1" i="0" u="none" strike="noStrike" cap="none" dirty="0">
                 <a:solidFill>
                   <a:srgbClr val="FF00FF"/>
                 </a:solidFill>
@@ -12364,7 +11833,7 @@
               <a:t>'Hello</a:t>
             </a:r>
             <a:r>
-              <a:rPr lang="en-US" sz="2500" dirty="0">
+              <a:rPr lang="en-US" sz="2500" b="1" dirty="0">
                 <a:solidFill>
                   <a:srgbClr val="FF00FF"/>
                 </a:solidFill>
@@ -12395,7 +11864,7 @@
               <a:buNone/>
             </a:pPr>
             <a:r>
-              <a:rPr lang="en-US" sz="2500" i="0" u="none" strike="noStrike" cap="none" dirty="0">
+              <a:rPr lang="en-US" sz="2500" b="1" i="0" u="none" strike="noStrike" cap="none" dirty="0">
                 <a:solidFill>
                   <a:schemeClr val="lt1"/>
                 </a:solidFill>
@@ -12426,7 +11895,7 @@
               <a:buNone/>
             </a:pPr>
             <a:r>
-              <a:rPr lang="en-US" sz="2500" i="0" u="none" strike="noStrike" cap="none" dirty="0">
+              <a:rPr lang="en-US" sz="2500" b="1" i="0" u="none" strike="noStrike" cap="none" dirty="0">
                 <a:solidFill>
                   <a:schemeClr val="lt1"/>
                 </a:solidFill>
@@ -12438,7 +11907,7 @@
               <a:t>&gt;&gt;&gt; </a:t>
             </a:r>
             <a:r>
-              <a:rPr lang="en-US" sz="2500" i="0" u="none" strike="noStrike" cap="none" dirty="0" smtClean="0">
+              <a:rPr lang="en-US" sz="2500" b="1" i="0" u="none" strike="noStrike" cap="none" dirty="0">
                 <a:solidFill>
                   <a:srgbClr val="FFFF00"/>
                 </a:solidFill>
@@ -12450,7 +11919,7 @@
               <a:t>print</a:t>
             </a:r>
             <a:r>
-              <a:rPr lang="en-US" sz="2500" dirty="0">
+              <a:rPr lang="en-US" sz="2500" b="1" dirty="0">
                 <a:solidFill>
                   <a:schemeClr val="lt1"/>
                 </a:solidFill>
@@ -12462,7 +11931,7 @@
               <a:t>(</a:t>
             </a:r>
             <a:r>
-              <a:rPr lang="en-US" sz="2500" i="0" u="none" strike="noStrike" cap="none" dirty="0" smtClean="0">
+              <a:rPr lang="en-US" sz="2500" b="1" i="0" u="none" strike="noStrike" cap="none" dirty="0">
                 <a:solidFill>
                   <a:srgbClr val="00FF00"/>
                 </a:solidFill>
@@ -12474,7 +11943,7 @@
               <a:t>greet</a:t>
             </a:r>
             <a:r>
-              <a:rPr lang="en-US" sz="2500" i="0" u="none" strike="noStrike" cap="none" dirty="0">
+              <a:rPr lang="en-US" sz="2500" b="1" i="0" u="none" strike="noStrike" cap="none" dirty="0">
                 <a:solidFill>
                   <a:schemeClr val="lt1"/>
                 </a:solidFill>
@@ -12486,7 +11955,7 @@
               <a:t>(</a:t>
             </a:r>
             <a:r>
-              <a:rPr lang="en-US" sz="2500" i="0" u="none" strike="noStrike" cap="none" dirty="0">
+              <a:rPr lang="en-US" sz="2500" b="1" i="0" u="none" strike="noStrike" cap="none" dirty="0">
                 <a:solidFill>
                   <a:srgbClr val="FF7F00"/>
                 </a:solidFill>
@@ -12498,7 +11967,7 @@
               <a:t>'</a:t>
             </a:r>
             <a:r>
-              <a:rPr lang="en-US" sz="2500" i="0" u="none" strike="noStrike" cap="none" dirty="0" err="1">
+              <a:rPr lang="en-US" sz="2500" b="1" i="0" u="none" strike="noStrike" cap="none" dirty="0" err="1">
                 <a:solidFill>
                   <a:srgbClr val="FF7F00"/>
                 </a:solidFill>
@@ -12510,7 +11979,7 @@
               <a:t>en</a:t>
             </a:r>
             <a:r>
-              <a:rPr lang="en-US" sz="2500" i="0" u="none" strike="noStrike" cap="none" dirty="0">
+              <a:rPr lang="en-US" sz="2500" b="1" i="0" u="none" strike="noStrike" cap="none" dirty="0">
                 <a:solidFill>
                   <a:srgbClr val="FF7F00"/>
                 </a:solidFill>
@@ -12522,7 +11991,7 @@
               <a:t>'</a:t>
             </a:r>
             <a:r>
-              <a:rPr lang="en-US" sz="2500" i="0" u="none" strike="noStrike" cap="none" dirty="0">
+              <a:rPr lang="en-US" sz="2500" b="1" i="0" u="none" strike="noStrike" cap="none" dirty="0">
                 <a:solidFill>
                   <a:schemeClr val="lt1"/>
                 </a:solidFill>
@@ -12534,7 +12003,7 @@
               <a:t>),'Glenn</a:t>
             </a:r>
             <a:r>
-              <a:rPr lang="en-US" sz="2500" dirty="0" smtClean="0">
+              <a:rPr lang="en-US" sz="2500" b="1" dirty="0">
                 <a:solidFill>
                   <a:schemeClr val="lt1"/>
                 </a:solidFill>
@@ -12545,15 +12014,6 @@
               </a:rPr>
               <a:t>')</a:t>
             </a:r>
-            <a:endParaRPr lang="en-US" sz="2500" dirty="0">
-              <a:solidFill>
-                <a:schemeClr val="lt1"/>
-              </a:solidFill>
-              <a:latin typeface="Courier"/>
-              <a:ea typeface="Courier"/>
-              <a:cs typeface="Courier"/>
-              <a:sym typeface="Courier New"/>
-            </a:endParaRPr>
           </a:p>
           <a:p>
             <a:pPr marL="0" marR="0" lvl="0" indent="0" algn="l" rtl="0">
@@ -12574,7 +12034,7 @@
               <a:buNone/>
             </a:pPr>
             <a:r>
-              <a:rPr lang="en-US" sz="2500" i="0" u="none" strike="noStrike" cap="none" dirty="0">
+              <a:rPr lang="en-US" sz="2500" b="1" i="0" u="none" strike="noStrike" cap="none" dirty="0">
                 <a:solidFill>
                   <a:schemeClr val="lt1"/>
                 </a:solidFill>
@@ -12605,7 +12065,7 @@
               <a:buNone/>
             </a:pPr>
             <a:r>
-              <a:rPr lang="en-US" sz="2500" i="0" u="none" strike="noStrike" cap="none" dirty="0">
+              <a:rPr lang="en-US" sz="2500" b="1" i="0" u="none" strike="noStrike" cap="none" dirty="0">
                 <a:solidFill>
                   <a:schemeClr val="lt1"/>
                 </a:solidFill>
@@ -12617,7 +12077,7 @@
               <a:t>&gt;&gt;&gt; </a:t>
             </a:r>
             <a:r>
-              <a:rPr lang="en-US" sz="2500" i="0" u="none" strike="noStrike" cap="none" dirty="0" smtClean="0">
+              <a:rPr lang="en-US" sz="2500" b="1" i="0" u="none" strike="noStrike" cap="none" dirty="0">
                 <a:solidFill>
                   <a:srgbClr val="FFFF00"/>
                 </a:solidFill>
@@ -12629,7 +12089,7 @@
               <a:t>print</a:t>
             </a:r>
             <a:r>
-              <a:rPr lang="en-US" sz="2500" dirty="0">
+              <a:rPr lang="en-US" sz="2500" b="1" dirty="0">
                 <a:solidFill>
                   <a:schemeClr val="lt1"/>
                 </a:solidFill>
@@ -12641,7 +12101,7 @@
               <a:t>(</a:t>
             </a:r>
             <a:r>
-              <a:rPr lang="en-US" sz="2500" i="0" u="none" strike="noStrike" cap="none" dirty="0" smtClean="0">
+              <a:rPr lang="en-US" sz="2500" b="1" i="0" u="none" strike="noStrike" cap="none" dirty="0">
                 <a:solidFill>
                   <a:srgbClr val="00FF00"/>
                 </a:solidFill>
@@ -12653,7 +12113,7 @@
               <a:t>greet</a:t>
             </a:r>
             <a:r>
-              <a:rPr lang="en-US" sz="2500" i="0" u="none" strike="noStrike" cap="none" dirty="0">
+              <a:rPr lang="en-US" sz="2500" b="1" i="0" u="none" strike="noStrike" cap="none" dirty="0">
                 <a:solidFill>
                   <a:schemeClr val="lt1"/>
                 </a:solidFill>
@@ -12665,7 +12125,7 @@
               <a:t>(</a:t>
             </a:r>
             <a:r>
-              <a:rPr lang="en-US" sz="2500" i="0" u="none" strike="noStrike" cap="none" dirty="0">
+              <a:rPr lang="en-US" sz="2500" b="1" i="0" u="none" strike="noStrike" cap="none" dirty="0">
                 <a:solidFill>
                   <a:srgbClr val="FF7F00"/>
                 </a:solidFill>
@@ -12674,34 +12134,10 @@
                 <a:cs typeface="Courier"/>
                 <a:sym typeface="Courier New"/>
               </a:rPr>
-              <a:t>'</a:t>
-            </a:r>
-            <a:r>
-              <a:rPr lang="en-US" sz="2500" i="0" u="none" strike="noStrike" cap="none" dirty="0" err="1">
-                <a:solidFill>
-                  <a:srgbClr val="FF7F00"/>
-                </a:solidFill>
-                <a:latin typeface="Courier"/>
-                <a:ea typeface="Courier"/>
-                <a:cs typeface="Courier"/>
-                <a:sym typeface="Courier New"/>
-              </a:rPr>
-              <a:t>es</a:t>
-            </a:r>
-            <a:r>
-              <a:rPr lang="en-US" sz="2500" i="0" u="none" strike="noStrike" cap="none" dirty="0">
-                <a:solidFill>
-                  <a:srgbClr val="FF7F00"/>
-                </a:solidFill>
-                <a:latin typeface="Courier"/>
-                <a:ea typeface="Courier"/>
-                <a:cs typeface="Courier"/>
-                <a:sym typeface="Courier New"/>
-              </a:rPr>
-              <a:t>'</a:t>
-            </a:r>
-            <a:r>
-              <a:rPr lang="en-US" sz="2500" i="0" u="none" strike="noStrike" cap="none" dirty="0">
+              <a:t>'es'</a:t>
+            </a:r>
+            <a:r>
+              <a:rPr lang="en-US" sz="2500" b="1" i="0" u="none" strike="noStrike" cap="none" dirty="0">
                 <a:solidFill>
                   <a:schemeClr val="lt1"/>
                 </a:solidFill>
@@ -12713,7 +12149,7 @@
               <a:t>),'Sally</a:t>
             </a:r>
             <a:r>
-              <a:rPr lang="en-US" sz="2500" dirty="0" smtClean="0">
+              <a:rPr lang="en-US" sz="2500" b="1" dirty="0">
                 <a:solidFill>
                   <a:schemeClr val="lt1"/>
                 </a:solidFill>
@@ -12724,15 +12160,6 @@
               </a:rPr>
               <a:t>')</a:t>
             </a:r>
-            <a:endParaRPr lang="en-US" sz="2500" dirty="0">
-              <a:solidFill>
-                <a:schemeClr val="lt1"/>
-              </a:solidFill>
-              <a:latin typeface="Courier"/>
-              <a:ea typeface="Courier"/>
-              <a:cs typeface="Courier"/>
-              <a:sym typeface="Courier New"/>
-            </a:endParaRPr>
           </a:p>
           <a:p>
             <a:pPr marL="0" marR="0" lvl="0" indent="0" algn="l" rtl="0">
@@ -12753,28 +12180,16 @@
               <a:buNone/>
             </a:pPr>
             <a:r>
-              <a:rPr lang="en-US" sz="2500" i="0" u="none" strike="noStrike" cap="none" dirty="0" err="1">
-                <a:solidFill>
-                  <a:schemeClr val="lt1"/>
-                </a:solidFill>
-                <a:latin typeface="Courier"/>
-                <a:ea typeface="Courier"/>
-                <a:cs typeface="Courier"/>
-                <a:sym typeface="Courier New"/>
-              </a:rPr>
-              <a:t>Hola</a:t>
-            </a:r>
-            <a:r>
-              <a:rPr lang="en-US" sz="2500" i="0" u="none" strike="noStrike" cap="none" dirty="0">
-                <a:solidFill>
-                  <a:schemeClr val="lt1"/>
-                </a:solidFill>
-                <a:latin typeface="Courier"/>
-                <a:ea typeface="Courier"/>
-                <a:cs typeface="Courier"/>
-                <a:sym typeface="Courier New"/>
-              </a:rPr>
-              <a:t> Sally</a:t>
+              <a:rPr lang="en-US" sz="2500" b="1" i="0" u="none" strike="noStrike" cap="none" dirty="0">
+                <a:solidFill>
+                  <a:schemeClr val="lt1"/>
+                </a:solidFill>
+                <a:latin typeface="Courier"/>
+                <a:ea typeface="Courier"/>
+                <a:cs typeface="Courier"/>
+                <a:sym typeface="Courier New"/>
+              </a:rPr>
+              <a:t>Hola Sally</a:t>
             </a:r>
           </a:p>
           <a:p>
@@ -12796,7 +12211,7 @@
               <a:buNone/>
             </a:pPr>
             <a:r>
-              <a:rPr lang="en-US" sz="2500" i="0" u="none" strike="noStrike" cap="none" dirty="0">
+              <a:rPr lang="en-US" sz="2500" b="1" i="0" u="none" strike="noStrike" cap="none" dirty="0">
                 <a:solidFill>
                   <a:schemeClr val="lt1"/>
                 </a:solidFill>
@@ -12808,7 +12223,7 @@
               <a:t>&gt;&gt;&gt; </a:t>
             </a:r>
             <a:r>
-              <a:rPr lang="en-US" sz="2500" i="0" u="none" strike="noStrike" cap="none" dirty="0" smtClean="0">
+              <a:rPr lang="en-US" sz="2500" b="1" i="0" u="none" strike="noStrike" cap="none" dirty="0">
                 <a:solidFill>
                   <a:srgbClr val="FFFF00"/>
                 </a:solidFill>
@@ -12820,7 +12235,7 @@
               <a:t>print</a:t>
             </a:r>
             <a:r>
-              <a:rPr lang="en-US" sz="2500" dirty="0">
+              <a:rPr lang="en-US" sz="2500" b="1" dirty="0">
                 <a:solidFill>
                   <a:schemeClr val="lt1"/>
                 </a:solidFill>
@@ -12832,7 +12247,7 @@
               <a:t>(</a:t>
             </a:r>
             <a:r>
-              <a:rPr lang="en-US" sz="2500" i="0" u="none" strike="noStrike" cap="none" dirty="0" smtClean="0">
+              <a:rPr lang="en-US" sz="2500" b="1" i="0" u="none" strike="noStrike" cap="none" dirty="0">
                 <a:solidFill>
                   <a:srgbClr val="00FF00"/>
                 </a:solidFill>
@@ -12844,7 +12259,7 @@
               <a:t>greet</a:t>
             </a:r>
             <a:r>
-              <a:rPr lang="en-US" sz="2500" i="0" u="none" strike="noStrike" cap="none" dirty="0">
+              <a:rPr lang="en-US" sz="2500" b="1" i="0" u="none" strike="noStrike" cap="none" dirty="0">
                 <a:solidFill>
                   <a:schemeClr val="lt1"/>
                 </a:solidFill>
@@ -12856,7 +12271,7 @@
               <a:t>(</a:t>
             </a:r>
             <a:r>
-              <a:rPr lang="en-US" sz="2500" i="0" u="none" strike="noStrike" cap="none" dirty="0">
+              <a:rPr lang="en-US" sz="2500" b="1" i="0" u="none" strike="noStrike" cap="none" dirty="0">
                 <a:solidFill>
                   <a:srgbClr val="FF7F00"/>
                 </a:solidFill>
@@ -12868,7 +12283,7 @@
               <a:t>'</a:t>
             </a:r>
             <a:r>
-              <a:rPr lang="en-US" sz="2500" i="0" u="none" strike="noStrike" cap="none" dirty="0" err="1">
+              <a:rPr lang="en-US" sz="2500" b="1" i="0" u="none" strike="noStrike" cap="none" dirty="0" err="1">
                 <a:solidFill>
                   <a:srgbClr val="FF7F00"/>
                 </a:solidFill>
@@ -12880,7 +12295,7 @@
               <a:t>fr</a:t>
             </a:r>
             <a:r>
-              <a:rPr lang="en-US" sz="2500" i="0" u="none" strike="noStrike" cap="none" dirty="0">
+              <a:rPr lang="en-US" sz="2500" b="1" i="0" u="none" strike="noStrike" cap="none" dirty="0">
                 <a:solidFill>
                   <a:srgbClr val="FF7F00"/>
                 </a:solidFill>
@@ -12892,7 +12307,7 @@
               <a:t>'</a:t>
             </a:r>
             <a:r>
-              <a:rPr lang="en-US" sz="2500" i="0" u="none" strike="noStrike" cap="none" dirty="0">
+              <a:rPr lang="en-US" sz="2500" b="1" i="0" u="none" strike="noStrike" cap="none" dirty="0">
                 <a:solidFill>
                   <a:schemeClr val="lt1"/>
                 </a:solidFill>
@@ -12904,7 +12319,7 @@
               <a:t>),'Michael</a:t>
             </a:r>
             <a:r>
-              <a:rPr lang="en-US" sz="2500" dirty="0" smtClean="0">
+              <a:rPr lang="en-US" sz="2500" b="1" dirty="0">
                 <a:solidFill>
                   <a:schemeClr val="lt1"/>
                 </a:solidFill>
@@ -12915,15 +12330,6 @@
               </a:rPr>
               <a:t>')</a:t>
             </a:r>
-            <a:endParaRPr lang="en-US" sz="2500" dirty="0">
-              <a:solidFill>
-                <a:schemeClr val="lt1"/>
-              </a:solidFill>
-              <a:latin typeface="Courier"/>
-              <a:ea typeface="Courier"/>
-              <a:cs typeface="Courier"/>
-              <a:sym typeface="Courier New"/>
-            </a:endParaRPr>
           </a:p>
           <a:p>
             <a:pPr marL="0" marR="0" lvl="0" indent="0" algn="l" rtl="0">
@@ -12944,7 +12350,7 @@
               <a:buNone/>
             </a:pPr>
             <a:r>
-              <a:rPr lang="en-US" sz="2500" i="0" u="none" strike="noStrike" cap="none" dirty="0">
+              <a:rPr lang="en-US" sz="2500" b="1" i="0" u="none" strike="noStrike" cap="none" dirty="0">
                 <a:solidFill>
                   <a:schemeClr val="lt1"/>
                 </a:solidFill>
@@ -12975,7 +12381,7 @@
               <a:buNone/>
             </a:pPr>
             <a:r>
-              <a:rPr lang="en-US" sz="2500" i="0" u="none" strike="noStrike" cap="none" dirty="0">
+              <a:rPr lang="en-US" sz="2500" b="1" i="0" u="none" strike="noStrike" cap="none" dirty="0">
                 <a:solidFill>
                   <a:schemeClr val="lt1"/>
                 </a:solidFill>
@@ -12994,13 +12400,6 @@
   <p:clrMapOvr>
     <a:masterClrMapping/>
   </p:clrMapOvr>
-  <p:timing>
-    <p:tnLst>
-      <p:par>
-        <p:cTn id="1" dur="indefinite" restart="never" nodeType="tmRoot"/>
-      </p:par>
-    </p:tnLst>
-  </p:timing>
 </p:sld>
 </file>
 
@@ -13193,7 +12592,7 @@
               <a:buNone/>
             </a:pPr>
             <a:r>
-              <a:rPr lang="en-US" sz="3000" i="0" u="none" strike="noStrike" cap="none" dirty="0" smtClean="0">
+              <a:rPr lang="en-US" sz="3000" b="1" i="0" u="none" strike="noStrike" cap="none" dirty="0">
                 <a:solidFill>
                   <a:schemeClr val="lt1"/>
                 </a:solidFill>
@@ -13205,7 +12604,7 @@
               <a:t>&gt;&gt;&gt; </a:t>
             </a:r>
             <a:r>
-              <a:rPr lang="en-US" sz="3000" i="0" u="none" strike="noStrike" cap="none" dirty="0" smtClean="0">
+              <a:rPr lang="en-US" sz="3000" b="1" i="0" u="none" strike="noStrike" cap="none" dirty="0">
                 <a:solidFill>
                   <a:srgbClr val="00FF00"/>
                 </a:solidFill>
@@ -13217,7 +12616,7 @@
               <a:t>big</a:t>
             </a:r>
             <a:r>
-              <a:rPr lang="en-US" sz="3000" i="0" u="none" strike="noStrike" cap="none" dirty="0" smtClean="0">
+              <a:rPr lang="en-US" sz="3000" b="1" i="0" u="none" strike="noStrike" cap="none" dirty="0">
                 <a:solidFill>
                   <a:schemeClr val="lt1"/>
                 </a:solidFill>
@@ -13229,7 +12628,7 @@
               <a:t> = </a:t>
             </a:r>
             <a:r>
-              <a:rPr lang="en-US" sz="3000" i="0" u="none" strike="noStrike" cap="none" dirty="0" smtClean="0">
+              <a:rPr lang="en-US" sz="3000" b="1" i="0" u="none" strike="noStrike" cap="none" dirty="0">
                 <a:solidFill>
                   <a:srgbClr val="FF00FF"/>
                 </a:solidFill>
@@ -13241,7 +12640,7 @@
               <a:t>max</a:t>
             </a:r>
             <a:r>
-              <a:rPr lang="en-US" sz="3000" i="0" u="none" strike="noStrike" cap="none" dirty="0" smtClean="0">
+              <a:rPr lang="en-US" sz="3000" b="1" i="0" u="none" strike="noStrike" cap="none" dirty="0">
                 <a:solidFill>
                   <a:schemeClr val="lt1"/>
                 </a:solidFill>
@@ -13253,7 +12652,7 @@
               <a:t>(</a:t>
             </a:r>
             <a:r>
-              <a:rPr lang="en-US" sz="3000" i="0" u="none" strike="noStrike" cap="none" dirty="0" smtClean="0">
+              <a:rPr lang="en-US" sz="3000" b="1" i="0" u="none" strike="noStrike" cap="none" dirty="0">
                 <a:solidFill>
                   <a:srgbClr val="00FF00"/>
                 </a:solidFill>
@@ -13265,7 +12664,7 @@
               <a:t>'Hello world'</a:t>
             </a:r>
             <a:r>
-              <a:rPr lang="en-US" sz="3000" i="0" u="none" strike="noStrike" cap="none" dirty="0" smtClean="0">
+              <a:rPr lang="en-US" sz="3000" b="1" i="0" u="none" strike="noStrike" cap="none" dirty="0">
                 <a:solidFill>
                   <a:schemeClr val="lt1"/>
                 </a:solidFill>
@@ -13296,7 +12695,7 @@
               <a:buNone/>
             </a:pPr>
             <a:r>
-              <a:rPr lang="en-US" sz="3000" i="0" u="none" strike="noStrike" cap="none" dirty="0" smtClean="0">
+              <a:rPr lang="en-US" sz="3000" b="1" i="0" u="none" strike="noStrike" cap="none" dirty="0">
                 <a:solidFill>
                   <a:schemeClr val="lt1"/>
                 </a:solidFill>
@@ -13308,7 +12707,7 @@
               <a:t>&gt;&gt;&gt; </a:t>
             </a:r>
             <a:r>
-              <a:rPr lang="en-US" sz="3000" i="0" u="none" strike="noStrike" cap="none" dirty="0" smtClean="0">
+              <a:rPr lang="en-US" sz="3000" b="1" i="0" u="none" strike="noStrike" cap="none" dirty="0">
                 <a:solidFill>
                   <a:srgbClr val="FFFF00"/>
                 </a:solidFill>
@@ -13320,7 +12719,7 @@
               <a:t>print</a:t>
             </a:r>
             <a:r>
-              <a:rPr lang="en-US" sz="3000" dirty="0" smtClean="0">
+              <a:rPr lang="en-US" sz="3000" b="1" dirty="0">
                 <a:solidFill>
                   <a:schemeClr val="lt1"/>
                 </a:solidFill>
@@ -13332,7 +12731,7 @@
               <a:t>(</a:t>
             </a:r>
             <a:r>
-              <a:rPr lang="en-US" sz="3000" i="0" u="none" strike="noStrike" cap="none" dirty="0" smtClean="0">
+              <a:rPr lang="en-US" sz="3000" b="1" i="0" u="none" strike="noStrike" cap="none" dirty="0">
                 <a:solidFill>
                   <a:srgbClr val="00FF00"/>
                 </a:solidFill>
@@ -13344,7 +12743,7 @@
               <a:t>big</a:t>
             </a:r>
             <a:r>
-              <a:rPr lang="en-US" sz="3000" i="0" u="none" strike="noStrike" cap="none" dirty="0" smtClean="0">
+              <a:rPr lang="en-US" sz="3000" b="1" i="0" u="none" strike="noStrike" cap="none" dirty="0">
                 <a:solidFill>
                   <a:schemeClr val="bg1"/>
                 </a:solidFill>
@@ -13375,7 +12774,7 @@
               <a:buNone/>
             </a:pPr>
             <a:r>
-              <a:rPr lang="en-US" sz="3000" i="0" u="none" strike="noStrike" cap="none" dirty="0" smtClean="0">
+              <a:rPr lang="en-US" sz="3000" b="1" i="0" u="none" strike="noStrike" cap="none" dirty="0">
                 <a:solidFill>
                   <a:srgbClr val="00FF00"/>
                 </a:solidFill>
@@ -13386,15 +12785,6 @@
               </a:rPr>
               <a:t>w</a:t>
             </a:r>
-            <a:endParaRPr lang="en-US" sz="3000" i="0" u="none" strike="noStrike" cap="none" dirty="0">
-              <a:solidFill>
-                <a:srgbClr val="00FF00"/>
-              </a:solidFill>
-              <a:latin typeface="Courier"/>
-              <a:ea typeface="Courier"/>
-              <a:cs typeface="Courier"/>
-              <a:sym typeface="Courier New"/>
-            </a:endParaRPr>
           </a:p>
         </p:txBody>
       </p:sp>
@@ -13648,7 +13038,7 @@
               <a:t> </a:t>
             </a:r>
             <a:r>
-              <a:rPr lang="en-US" sz="2400" i="0" u="none" strike="noStrike" cap="none" dirty="0" err="1" smtClean="0">
+              <a:rPr lang="en-US" sz="2400" i="0" u="none" strike="noStrike" cap="none" dirty="0" err="1">
                 <a:solidFill>
                   <a:srgbClr val="00FDFF"/>
                 </a:solidFill>
@@ -13660,7 +13050,7 @@
               <a:t>inp</a:t>
             </a:r>
             <a:r>
-              <a:rPr lang="en-US" sz="2400" i="0" u="none" strike="noStrike" cap="none" dirty="0" smtClean="0">
+              <a:rPr lang="en-US" sz="2400" i="0" u="none" strike="noStrike" cap="none" dirty="0">
                 <a:solidFill>
                   <a:schemeClr val="lt1"/>
                 </a:solidFill>
@@ -13671,15 +13061,6 @@
               </a:rPr>
               <a:t>:</a:t>
             </a:r>
-            <a:endParaRPr lang="en-US" sz="2400" i="0" u="none" strike="noStrike" cap="none" dirty="0">
-              <a:solidFill>
-                <a:schemeClr val="lt1"/>
-              </a:solidFill>
-              <a:latin typeface="Courier"/>
-              <a:ea typeface="Courier"/>
-              <a:cs typeface="Courier"/>
-              <a:sym typeface="Courier New"/>
-            </a:endParaRPr>
           </a:p>
           <a:p>
             <a:pPr marL="0" marR="0" lvl="0" indent="0" algn="l" rtl="0">
@@ -14288,13 +13669,6 @@
   <p:clrMapOvr>
     <a:masterClrMapping/>
   </p:clrMapOvr>
-  <p:timing>
-    <p:tnLst>
-      <p:par>
-        <p:cTn id="1" dur="indefinite" restart="never" nodeType="tmRoot"/>
-      </p:par>
-    </p:tnLst>
-  </p:timing>
 </p:sld>
 </file>
 
@@ -14759,7 +14133,7 @@
               <a:t>    </a:t>
             </a:r>
             <a:r>
-              <a:rPr lang="en-US" sz="2500" i="0" u="none" strike="noStrike" cap="none" dirty="0" smtClean="0">
+              <a:rPr lang="en-US" sz="2500" i="0" u="none" strike="noStrike" cap="none" dirty="0">
                 <a:solidFill>
                   <a:srgbClr val="FFFF00"/>
                 </a:solidFill>
@@ -14783,7 +14157,7 @@
               <a:t>(</a:t>
             </a:r>
             <a:r>
-              <a:rPr lang="en-US" sz="2500" i="0" u="none" strike="noStrike" cap="none" dirty="0" smtClean="0">
+              <a:rPr lang="en-US" sz="2500" i="0" u="none" strike="noStrike" cap="none" dirty="0">
                 <a:solidFill>
                   <a:srgbClr val="FF7F00"/>
                 </a:solidFill>
@@ -14795,7 +14169,7 @@
               <a:t>'Hello</a:t>
             </a:r>
             <a:r>
-              <a:rPr lang="en-US" sz="2500" dirty="0" smtClean="0">
+              <a:rPr lang="en-US" sz="2500" dirty="0">
                 <a:solidFill>
                   <a:srgbClr val="FF7F00"/>
                 </a:solidFill>
@@ -14806,15 +14180,6 @@
               </a:rPr>
               <a:t>')</a:t>
             </a:r>
-            <a:endParaRPr lang="en-US" sz="2500" dirty="0">
-              <a:solidFill>
-                <a:srgbClr val="FF7F00"/>
-              </a:solidFill>
-              <a:latin typeface="Courier"/>
-              <a:ea typeface="Courier"/>
-              <a:cs typeface="Courier"/>
-              <a:sym typeface="Courier New"/>
-            </a:endParaRPr>
           </a:p>
           <a:p>
             <a:pPr marL="0" marR="0" lvl="0" indent="0" algn="l" rtl="0">
@@ -14847,7 +14212,7 @@
               <a:t>    </a:t>
             </a:r>
             <a:r>
-              <a:rPr lang="en-US" sz="2500" i="0" u="none" strike="noStrike" cap="none" dirty="0" smtClean="0">
+              <a:rPr lang="en-US" sz="2500" i="0" u="none" strike="noStrike" cap="none" dirty="0">
                 <a:solidFill>
                   <a:srgbClr val="FFFF00"/>
                 </a:solidFill>
@@ -14871,7 +14236,7 @@
               <a:t>(</a:t>
             </a:r>
             <a:r>
-              <a:rPr lang="en-US" sz="2500" i="0" u="none" strike="noStrike" cap="none" dirty="0" smtClean="0">
+              <a:rPr lang="en-US" sz="2500" i="0" u="none" strike="noStrike" cap="none" dirty="0">
                 <a:solidFill>
                   <a:srgbClr val="FF7F00"/>
                 </a:solidFill>
@@ -14883,7 +14248,7 @@
               <a:t>'Fun</a:t>
             </a:r>
             <a:r>
-              <a:rPr lang="en-US" sz="2500" dirty="0" smtClean="0">
+              <a:rPr lang="en-US" sz="2500" dirty="0">
                 <a:solidFill>
                   <a:srgbClr val="FF7F00"/>
                 </a:solidFill>
@@ -14894,15 +14259,6 @@
               </a:rPr>
               <a:t>')</a:t>
             </a:r>
-            <a:endParaRPr lang="en-US" sz="2500" dirty="0">
-              <a:solidFill>
-                <a:srgbClr val="FF7F00"/>
-              </a:solidFill>
-              <a:latin typeface="Courier"/>
-              <a:ea typeface="Courier"/>
-              <a:cs typeface="Courier"/>
-              <a:sym typeface="Courier New"/>
-            </a:endParaRPr>
           </a:p>
           <a:p>
             <a:pPr marL="0" marR="0" lvl="0" indent="0" algn="l" rtl="0">
@@ -14985,7 +14341,7 @@
               <a:buNone/>
             </a:pPr>
             <a:r>
-              <a:rPr lang="en-US" sz="2500" i="0" u="none" strike="noStrike" cap="none" dirty="0" smtClean="0">
+              <a:rPr lang="en-US" sz="2500" i="0" u="none" strike="noStrike" cap="none" dirty="0">
                 <a:solidFill>
                   <a:srgbClr val="FFFF00"/>
                 </a:solidFill>
@@ -15009,7 +14365,7 @@
               <a:t>(</a:t>
             </a:r>
             <a:r>
-              <a:rPr lang="en-US" sz="2500" i="0" u="none" strike="noStrike" cap="none" dirty="0" smtClean="0">
+              <a:rPr lang="en-US" sz="2500" i="0" u="none" strike="noStrike" cap="none" dirty="0">
                 <a:solidFill>
                   <a:srgbClr val="FF7F00"/>
                 </a:solidFill>
@@ -15021,7 +14377,7 @@
               <a:t>'Zip</a:t>
             </a:r>
             <a:r>
-              <a:rPr lang="en-US" sz="2500" dirty="0" smtClean="0">
+              <a:rPr lang="en-US" sz="2500" dirty="0">
                 <a:solidFill>
                   <a:srgbClr val="FF7F00"/>
                 </a:solidFill>
@@ -15032,15 +14388,6 @@
               </a:rPr>
               <a:t>')</a:t>
             </a:r>
-            <a:endParaRPr lang="en-US" sz="2500" dirty="0">
-              <a:solidFill>
-                <a:srgbClr val="FF7F00"/>
-              </a:solidFill>
-              <a:latin typeface="Courier"/>
-              <a:ea typeface="Courier"/>
-              <a:cs typeface="Courier"/>
-              <a:sym typeface="Courier New"/>
-            </a:endParaRPr>
           </a:p>
           <a:p>
             <a:pPr marL="0" marR="0" lvl="0" indent="0" algn="l" rtl="0">
@@ -15277,7 +14624,7 @@
               <a:t>  </a:t>
             </a:r>
             <a:r>
-              <a:rPr lang="en-US" sz="3500" u="none" strike="noStrike" cap="none" dirty="0" smtClean="0">
+              <a:rPr lang="en-US" sz="3500" u="none" strike="noStrike" cap="none" dirty="0">
                 <a:solidFill>
                   <a:srgbClr val="FFFF00"/>
                 </a:solidFill>
@@ -15301,7 +14648,7 @@
               <a:t>(</a:t>
             </a:r>
             <a:r>
-              <a:rPr lang="en-US" sz="3500" u="none" strike="noStrike" cap="none" dirty="0" smtClean="0">
+              <a:rPr lang="en-US" sz="3500" u="none" strike="noStrike" cap="none" dirty="0">
                 <a:solidFill>
                   <a:schemeClr val="lt1"/>
                 </a:solidFill>
@@ -15312,25 +14659,16 @@
               </a:rPr>
               <a:t>'Hello')</a:t>
             </a:r>
-            <a:endParaRPr lang="en-US" sz="3500" u="none" strike="noStrike" cap="none" dirty="0">
-              <a:solidFill>
+          </a:p>
+          <a:p>
+            <a:pPr lvl="0" algn="ctr">
+              <a:buClr>
                 <a:schemeClr val="lt1"/>
-              </a:solidFill>
-              <a:latin typeface="Arial" charset="0"/>
-              <a:ea typeface="Arial" charset="0"/>
-              <a:cs typeface="Arial" charset="0"/>
-              <a:sym typeface="Cabin"/>
-            </a:endParaRPr>
-          </a:p>
-          <a:p>
-            <a:pPr lvl="0" algn="ctr">
-              <a:buClr>
-                <a:schemeClr val="lt1"/>
               </a:buClr>
               <a:buSzPct val="25000"/>
             </a:pPr>
             <a:r>
-              <a:rPr lang="en-US" sz="3500" dirty="0" smtClean="0">
+              <a:rPr lang="en-US" sz="3500" dirty="0">
                 <a:solidFill>
                   <a:srgbClr val="FFFF00"/>
                 </a:solidFill>
@@ -15342,18 +14680,6 @@
               <a:t>print</a:t>
             </a:r>
             <a:r>
-              <a:rPr lang="en-US" sz="3500" dirty="0" smtClean="0">
-                <a:solidFill>
-                  <a:schemeClr val="lt1"/>
-                </a:solidFill>
-                <a:latin typeface="Arial" charset="0"/>
-                <a:ea typeface="Arial" charset="0"/>
-                <a:cs typeface="Arial" charset="0"/>
-                <a:sym typeface="Cabin"/>
-              </a:rPr>
-              <a:t>(</a:t>
-            </a:r>
-            <a:r>
               <a:rPr lang="en-US" sz="3500" dirty="0">
                 <a:solidFill>
                   <a:schemeClr val="lt1"/>
@@ -15363,53 +14689,8 @@
                 <a:cs typeface="Arial" charset="0"/>
                 <a:sym typeface="Cabin"/>
               </a:rPr>
-              <a:t>'</a:t>
-            </a:r>
-            <a:r>
-              <a:rPr lang="en-US" sz="3500" dirty="0" smtClean="0">
-                <a:solidFill>
-                  <a:schemeClr val="lt1"/>
-                </a:solidFill>
-                <a:latin typeface="Arial" charset="0"/>
-                <a:ea typeface="Arial" charset="0"/>
-                <a:cs typeface="Arial" charset="0"/>
-                <a:sym typeface="Cabin"/>
-              </a:rPr>
-              <a:t>Fun</a:t>
-            </a:r>
-            <a:r>
-              <a:rPr lang="en-US" sz="3500" dirty="0">
-                <a:solidFill>
-                  <a:schemeClr val="lt1"/>
-                </a:solidFill>
-                <a:latin typeface="Arial" charset="0"/>
-                <a:ea typeface="Arial" charset="0"/>
-                <a:cs typeface="Arial" charset="0"/>
-                <a:sym typeface="Cabin"/>
-              </a:rPr>
-              <a:t>'</a:t>
-            </a:r>
-            <a:r>
-              <a:rPr lang="en-US" sz="3500" dirty="0" smtClean="0">
-                <a:solidFill>
-                  <a:schemeClr val="lt1"/>
-                </a:solidFill>
-                <a:latin typeface="Arial" charset="0"/>
-                <a:ea typeface="Arial" charset="0"/>
-                <a:cs typeface="Arial" charset="0"/>
-                <a:sym typeface="Cabin"/>
-              </a:rPr>
-              <a:t>)</a:t>
-            </a:r>
-            <a:endParaRPr lang="en-US" sz="3500" dirty="0">
-              <a:solidFill>
-                <a:schemeClr val="lt1"/>
-              </a:solidFill>
-              <a:latin typeface="Arial" charset="0"/>
-              <a:ea typeface="Arial" charset="0"/>
-              <a:cs typeface="Arial" charset="0"/>
-              <a:sym typeface="Cabin"/>
-            </a:endParaRPr>
+              <a:t>('Fun')</a:t>
+            </a:r>
           </a:p>
         </p:txBody>
       </p:sp>
@@ -15900,7 +15181,7 @@
               <a:buNone/>
             </a:pPr>
             <a:r>
-              <a:rPr lang="en-US" sz="3500" u="none" strike="noStrike" cap="none" dirty="0" smtClean="0">
+              <a:rPr lang="en-US" sz="3500" u="none" strike="noStrike" cap="none" dirty="0">
                 <a:solidFill>
                   <a:srgbClr val="FFFF00"/>
                 </a:solidFill>
@@ -15912,7 +15193,7 @@
               <a:t>print(</a:t>
             </a:r>
             <a:r>
-              <a:rPr lang="en-US" sz="3500" dirty="0" smtClean="0">
+              <a:rPr lang="en-US" sz="3500" dirty="0">
                 <a:solidFill>
                   <a:schemeClr val="lt1"/>
                 </a:solidFill>
@@ -15924,7 +15205,7 @@
               <a:t>'</a:t>
             </a:r>
             <a:r>
-              <a:rPr lang="en-US" sz="3500" u="none" strike="noStrike" cap="none" dirty="0" smtClean="0">
+              <a:rPr lang="en-US" sz="3500" u="none" strike="noStrike" cap="none" dirty="0">
                 <a:solidFill>
                   <a:schemeClr val="lt1"/>
                 </a:solidFill>
@@ -15936,7 +15217,7 @@
               <a:t>Zip</a:t>
             </a:r>
             <a:r>
-              <a:rPr lang="en-US" sz="3500" dirty="0" smtClean="0">
+              <a:rPr lang="en-US" sz="3500" dirty="0">
                 <a:solidFill>
                   <a:schemeClr val="lt1"/>
                 </a:solidFill>
@@ -15948,7 +15229,7 @@
               <a:t>'</a:t>
             </a:r>
             <a:r>
-              <a:rPr lang="en-US" sz="3500" dirty="0" smtClean="0">
+              <a:rPr lang="en-US" sz="3500" dirty="0">
                 <a:solidFill>
                   <a:srgbClr val="FFFF00"/>
                 </a:solidFill>
@@ -15959,15 +15240,6 @@
               </a:rPr>
               <a:t>)</a:t>
             </a:r>
-            <a:endParaRPr lang="en-US" sz="3500" dirty="0">
-              <a:solidFill>
-                <a:srgbClr val="FFFF00"/>
-              </a:solidFill>
-              <a:latin typeface="Arial" charset="0"/>
-              <a:ea typeface="Arial" charset="0"/>
-              <a:cs typeface="Arial" charset="0"/>
-              <a:sym typeface="Cabin"/>
-            </a:endParaRPr>
           </a:p>
         </p:txBody>
       </p:sp>
@@ -15976,13 +15248,6 @@
   <p:clrMapOvr>
     <a:masterClrMapping/>
   </p:clrMapOvr>
-  <p:timing>
-    <p:tnLst>
-      <p:par>
-        <p:cTn id="1" dur="indefinite" restart="never" nodeType="tmRoot"/>
-      </p:par>
-    </p:tnLst>
-  </p:timing>
 </p:sld>
 </file>
 
@@ -16346,7 +15611,7 @@
               <a:buNone/>
             </a:pPr>
             <a:r>
-              <a:rPr lang="en-US" sz="3000" i="0" u="none" strike="noStrike" cap="none" dirty="0" err="1">
+              <a:rPr lang="en-US" sz="3000" b="1" i="0" u="none" strike="noStrike" cap="none" dirty="0" err="1">
                 <a:solidFill>
                   <a:srgbClr val="FFFF00"/>
                 </a:solidFill>
@@ -16358,7 +15623,7 @@
               <a:t>def</a:t>
             </a:r>
             <a:r>
-              <a:rPr lang="en-US" sz="3000" i="0" u="none" strike="noStrike" cap="none" dirty="0">
+              <a:rPr lang="en-US" sz="3000" b="1" i="0" u="none" strike="noStrike" cap="none" dirty="0">
                 <a:solidFill>
                   <a:schemeClr val="lt1"/>
                 </a:solidFill>
@@ -16370,7 +15635,7 @@
               <a:t> </a:t>
             </a:r>
             <a:r>
-              <a:rPr lang="en-US" sz="3000" i="0" u="none" strike="noStrike" cap="none" dirty="0" err="1">
+              <a:rPr lang="en-US" sz="3000" b="1" i="0" u="none" strike="noStrike" cap="none" dirty="0" err="1">
                 <a:solidFill>
                   <a:srgbClr val="00FF00"/>
                 </a:solidFill>
@@ -16382,7 +15647,7 @@
               <a:t>addtwo</a:t>
             </a:r>
             <a:r>
-              <a:rPr lang="en-US" sz="3000" i="0" u="none" strike="noStrike" cap="none" dirty="0">
+              <a:rPr lang="en-US" sz="3000" b="1" i="0" u="none" strike="noStrike" cap="none" dirty="0">
                 <a:solidFill>
                   <a:schemeClr val="lt1"/>
                 </a:solidFill>
@@ -16394,7 +15659,7 @@
               <a:t>(</a:t>
             </a:r>
             <a:r>
-              <a:rPr lang="en-US" sz="3000" i="0" u="none" strike="noStrike" cap="none" dirty="0">
+              <a:rPr lang="en-US" sz="3000" b="1" i="0" u="none" strike="noStrike" cap="none" dirty="0">
                 <a:solidFill>
                   <a:srgbClr val="00FFFF"/>
                 </a:solidFill>
@@ -16406,7 +15671,7 @@
               <a:t>a, b</a:t>
             </a:r>
             <a:r>
-              <a:rPr lang="en-US" sz="3000" i="0" u="none" strike="noStrike" cap="none" dirty="0">
+              <a:rPr lang="en-US" sz="3000" b="1" i="0" u="none" strike="noStrike" cap="none" dirty="0">
                 <a:solidFill>
                   <a:schemeClr val="lt1"/>
                 </a:solidFill>
@@ -16437,7 +15702,7 @@
               <a:buNone/>
             </a:pPr>
             <a:r>
-              <a:rPr lang="en-US" sz="3000" i="0" u="none" strike="noStrike" cap="none" dirty="0">
+              <a:rPr lang="en-US" sz="3000" b="1" i="0" u="none" strike="noStrike" cap="none" dirty="0">
                 <a:solidFill>
                   <a:schemeClr val="lt1"/>
                 </a:solidFill>
@@ -16449,7 +15714,7 @@
               <a:t>    added = </a:t>
             </a:r>
             <a:r>
-              <a:rPr lang="en-US" sz="3000" i="0" u="none" strike="noStrike" cap="none" dirty="0">
+              <a:rPr lang="en-US" sz="3000" b="1" i="0" u="none" strike="noStrike" cap="none" dirty="0">
                 <a:solidFill>
                   <a:srgbClr val="00FFFF"/>
                 </a:solidFill>
@@ -16461,7 +15726,7 @@
               <a:t>a</a:t>
             </a:r>
             <a:r>
-              <a:rPr lang="en-US" sz="3000" i="0" u="none" strike="noStrike" cap="none" dirty="0">
+              <a:rPr lang="en-US" sz="3000" b="1" i="0" u="none" strike="noStrike" cap="none" dirty="0">
                 <a:solidFill>
                   <a:schemeClr val="lt1"/>
                 </a:solidFill>
@@ -16473,7 +15738,7 @@
               <a:t> + </a:t>
             </a:r>
             <a:r>
-              <a:rPr lang="en-US" sz="3000" i="0" u="none" strike="noStrike" cap="none" dirty="0">
+              <a:rPr lang="en-US" sz="3000" b="1" i="0" u="none" strike="noStrike" cap="none" dirty="0">
                 <a:solidFill>
                   <a:srgbClr val="00FFFF"/>
                 </a:solidFill>
@@ -16504,7 +15769,7 @@
               <a:buNone/>
             </a:pPr>
             <a:r>
-              <a:rPr lang="en-US" sz="3000" i="0" u="none" strike="noStrike" cap="none" dirty="0">
+              <a:rPr lang="en-US" sz="3000" b="1" i="0" u="none" strike="noStrike" cap="none" dirty="0">
                 <a:solidFill>
                   <a:schemeClr val="lt1"/>
                 </a:solidFill>
@@ -16516,7 +15781,7 @@
               <a:t>    </a:t>
             </a:r>
             <a:r>
-              <a:rPr lang="en-US" sz="3000" i="0" u="none" strike="noStrike" cap="none" dirty="0">
+              <a:rPr lang="en-US" sz="3000" b="1" i="0" u="none" strike="noStrike" cap="none" dirty="0">
                 <a:solidFill>
                   <a:srgbClr val="FFFF00"/>
                 </a:solidFill>
@@ -16528,7 +15793,7 @@
               <a:t>return</a:t>
             </a:r>
             <a:r>
-              <a:rPr lang="en-US" sz="3000" i="0" u="none" strike="noStrike" cap="none" dirty="0">
+              <a:rPr lang="en-US" sz="3000" b="1" i="0" u="none" strike="noStrike" cap="none" dirty="0">
                 <a:solidFill>
                   <a:schemeClr val="lt1"/>
                 </a:solidFill>
@@ -16557,7 +15822,7 @@
               <a:buFont typeface="Cabin"/>
               <a:buNone/>
             </a:pPr>
-            <a:endParaRPr sz="3000" dirty="0">
+            <a:endParaRPr sz="3000" b="1" dirty="0">
               <a:solidFill>
                 <a:schemeClr val="lt1"/>
               </a:solidFill>
@@ -16586,7 +15851,7 @@
               <a:buNone/>
             </a:pPr>
             <a:r>
-              <a:rPr lang="en-US" sz="3000" i="0" u="none" strike="noStrike" cap="none" dirty="0">
+              <a:rPr lang="en-US" sz="3000" b="1" i="0" u="none" strike="noStrike" cap="none" dirty="0">
                 <a:solidFill>
                   <a:schemeClr val="lt1"/>
                 </a:solidFill>
@@ -16598,7 +15863,7 @@
               <a:t>x = </a:t>
             </a:r>
             <a:r>
-              <a:rPr lang="en-US" sz="3000" i="0" u="none" strike="noStrike" cap="none" dirty="0" err="1">
+              <a:rPr lang="en-US" sz="3000" b="1" i="0" u="none" strike="noStrike" cap="none" dirty="0" err="1">
                 <a:solidFill>
                   <a:srgbClr val="00FF00"/>
                 </a:solidFill>
@@ -16610,7 +15875,7 @@
               <a:t>addtwo</a:t>
             </a:r>
             <a:r>
-              <a:rPr lang="en-US" sz="3000" i="0" u="none" strike="noStrike" cap="none" dirty="0">
+              <a:rPr lang="en-US" sz="3000" b="1" i="0" u="none" strike="noStrike" cap="none" dirty="0">
                 <a:solidFill>
                   <a:schemeClr val="lt1"/>
                 </a:solidFill>
@@ -16622,7 +15887,7 @@
               <a:t>(</a:t>
             </a:r>
             <a:r>
-              <a:rPr lang="en-US" sz="3000" i="0" u="none" strike="noStrike" cap="none" dirty="0">
+              <a:rPr lang="en-US" sz="3000" b="1" i="0" u="none" strike="noStrike" cap="none" dirty="0">
                 <a:solidFill>
                   <a:srgbClr val="FF7F00"/>
                 </a:solidFill>
@@ -16634,7 +15899,7 @@
               <a:t>3, 5</a:t>
             </a:r>
             <a:r>
-              <a:rPr lang="en-US" sz="3000" i="0" u="none" strike="noStrike" cap="none" dirty="0">
+              <a:rPr lang="en-US" sz="3000" b="1" i="0" u="none" strike="noStrike" cap="none" dirty="0">
                 <a:solidFill>
                   <a:schemeClr val="lt1"/>
                 </a:solidFill>
@@ -16665,7 +15930,7 @@
               <a:buNone/>
             </a:pPr>
             <a:r>
-              <a:rPr lang="en-US" sz="3000" i="0" u="none" strike="noStrike" cap="none" dirty="0" smtClean="0">
+              <a:rPr lang="en-US" sz="3000" b="1" i="0" u="none" strike="noStrike" cap="none" dirty="0">
                 <a:solidFill>
                   <a:srgbClr val="FFFF00"/>
                 </a:solidFill>
@@ -16677,7 +15942,7 @@
               <a:t>print</a:t>
             </a:r>
             <a:r>
-              <a:rPr lang="en-US" sz="3000" dirty="0" smtClean="0">
+              <a:rPr lang="en-US" sz="3000" b="1" dirty="0">
                 <a:solidFill>
                   <a:schemeClr val="lt1"/>
                 </a:solidFill>
@@ -16689,7 +15954,7 @@
               <a:t>(</a:t>
             </a:r>
             <a:r>
-              <a:rPr lang="en-US" sz="3000" i="0" u="none" strike="noStrike" cap="none" dirty="0" smtClean="0">
+              <a:rPr lang="en-US" sz="3000" b="1" i="0" u="none" strike="noStrike" cap="none" dirty="0">
                 <a:solidFill>
                   <a:schemeClr val="lt1"/>
                 </a:solidFill>
@@ -16719,7 +15984,7 @@
               <a:buFont typeface="Cabin"/>
               <a:buNone/>
             </a:pPr>
-            <a:endParaRPr lang="en-US" sz="3000" i="0" u="none" strike="noStrike" cap="none" dirty="0">
+            <a:endParaRPr lang="en-US" sz="3000" b="1" i="0" u="none" strike="noStrike" cap="none" dirty="0">
               <a:solidFill>
                 <a:schemeClr val="lt1"/>
               </a:solidFill>
@@ -16748,7 +16013,7 @@
               <a:buNone/>
             </a:pPr>
             <a:r>
-              <a:rPr lang="en-US" sz="3000" dirty="0">
+              <a:rPr lang="en-US" sz="3000" b="1" dirty="0">
                 <a:solidFill>
                   <a:srgbClr val="00FF00"/>
                 </a:solidFill>
@@ -16767,13 +16032,6 @@
   <p:clrMapOvr>
     <a:masterClrMapping/>
   </p:clrMapOvr>
-  <p:timing>
-    <p:tnLst>
-      <p:par>
-        <p:cTn id="1" dur="indefinite" restart="never" nodeType="tmRoot"/>
-      </p:par>
-    </p:tnLst>
-  </p:timing>
 </p:sld>
 </file>
 
@@ -17119,13 +16377,6 @@
   <p:clrMapOvr>
     <a:masterClrMapping/>
   </p:clrMapOvr>
-  <p:timing>
-    <p:tnLst>
-      <p:par>
-        <p:cTn id="1" dur="indefinite" restart="never" nodeType="tmRoot"/>
-      </p:par>
-    </p:tnLst>
-  </p:timing>
 </p:sld>
 </file>
 
@@ -17466,13 +16717,6 @@
   <p:clrMapOvr>
     <a:masterClrMapping/>
   </p:clrMapOvr>
-  <p:timing>
-    <p:tnLst>
-      <p:par>
-        <p:cTn id="1" dur="indefinite" restart="never" nodeType="tmRoot"/>
-      </p:par>
-    </p:tnLst>
-  </p:timing>
 </p:sld>
 </file>
 
@@ -17540,7 +16784,7 @@
               <a:buNone/>
             </a:pPr>
             <a:r>
-              <a:rPr lang="en-US" sz="7600" u="none" strike="noStrike" cap="none" dirty="0" smtClean="0">
+              <a:rPr lang="en-US" sz="7600" u="none" strike="noStrike" cap="none" dirty="0">
                 <a:solidFill>
                   <a:srgbClr val="FFD966"/>
                 </a:solidFill>
@@ -17551,15 +16795,6 @@
               </a:rPr>
               <a:t>Summary</a:t>
             </a:r>
-            <a:endParaRPr lang="en-US" sz="7600" u="none" strike="noStrike" cap="none" dirty="0">
-              <a:solidFill>
-                <a:srgbClr val="FFD966"/>
-              </a:solidFill>
-              <a:latin typeface="Arial" charset="0"/>
-              <a:ea typeface="Arial" charset="0"/>
-              <a:cs typeface="Arial" charset="0"/>
-              <a:sym typeface="Cabin"/>
-            </a:endParaRPr>
           </a:p>
         </p:txBody>
       </p:sp>
@@ -17610,7 +16845,7 @@
               <a:buChar char="•"/>
             </a:pPr>
             <a:r>
-              <a:rPr lang="en-US" sz="3600" dirty="0" smtClean="0">
+              <a:rPr lang="en-US" sz="3600" dirty="0">
                 <a:solidFill>
                   <a:schemeClr val="lt1"/>
                 </a:solidFill>
@@ -17641,7 +16876,7 @@
               <a:buChar char="•"/>
             </a:pPr>
             <a:r>
-              <a:rPr lang="en-US" sz="3600" dirty="0" smtClean="0">
+              <a:rPr lang="en-US" sz="3600" dirty="0">
                 <a:solidFill>
                   <a:schemeClr val="lt1"/>
                 </a:solidFill>
@@ -17672,7 +16907,7 @@
               <a:buChar char="•"/>
             </a:pPr>
             <a:r>
-              <a:rPr lang="en-US" sz="3600" dirty="0" smtClean="0">
+              <a:rPr lang="en-US" sz="3600" dirty="0">
                 <a:solidFill>
                   <a:schemeClr val="lt1"/>
                 </a:solidFill>
@@ -17703,7 +16938,7 @@
               <a:buChar char="•"/>
             </a:pPr>
             <a:r>
-              <a:rPr lang="en-US" sz="3600" dirty="0" smtClean="0">
+              <a:rPr lang="en-US" sz="3600" dirty="0">
                 <a:solidFill>
                   <a:schemeClr val="lt1"/>
                 </a:solidFill>
@@ -17714,15 +16949,6 @@
               </a:rPr>
               <a:t>Why use functions?</a:t>
             </a:r>
-            <a:endParaRPr lang="en-US" sz="3600" dirty="0">
-              <a:solidFill>
-                <a:schemeClr val="lt1"/>
-              </a:solidFill>
-              <a:latin typeface="Arial" charset="0"/>
-              <a:ea typeface="Arial" charset="0"/>
-              <a:cs typeface="Arial" charset="0"/>
-              <a:sym typeface="Cabin"/>
-            </a:endParaRPr>
           </a:p>
         </p:txBody>
       </p:sp>
@@ -17943,13 +17169,6 @@
   <p:clrMapOvr>
     <a:masterClrMapping/>
   </p:clrMapOvr>
-  <p:timing>
-    <p:tnLst>
-      <p:par>
-        <p:cTn id="1" dur="indefinite" restart="never" nodeType="tmRoot"/>
-      </p:par>
-    </p:tnLst>
-  </p:timing>
 </p:sld>
 </file>
 
@@ -18230,15 +17449,6 @@
               </a:rPr>
               <a:t> </a:t>
             </a:r>
-            <a:endParaRPr lang="en-US" sz="3800" u="none" strike="noStrike" cap="none" dirty="0" smtClean="0">
-              <a:solidFill>
-                <a:schemeClr val="lt1"/>
-              </a:solidFill>
-              <a:latin typeface="Arial" charset="0"/>
-              <a:ea typeface="Arial" charset="0"/>
-              <a:cs typeface="Arial" charset="0"/>
-              <a:sym typeface="Cabin"/>
-            </a:endParaRPr>
           </a:p>
           <a:p>
             <a:pPr marL="0" marR="0" lvl="0" indent="0" algn="l" rtl="0">
@@ -18363,13 +17573,6 @@
   <p:clrMapOvr>
     <a:masterClrMapping/>
   </p:clrMapOvr>
-  <p:timing>
-    <p:tnLst>
-      <p:par>
-        <p:cTn id="1" dur="indefinite" restart="never" nodeType="tmRoot"/>
-      </p:par>
-    </p:tnLst>
-  </p:timing>
 </p:sld>
 </file>
 
@@ -18873,7 +18076,7 @@
               <a:t> that are provided as part of Python - </a:t>
             </a:r>
             <a:r>
-              <a:rPr lang="en-US" sz="3600" dirty="0" smtClean="0">
+              <a:rPr lang="en-US" sz="3600" dirty="0">
                 <a:solidFill>
                   <a:srgbClr val="FFFFFF"/>
                 </a:solidFill>
@@ -18885,7 +18088,7 @@
               <a:t>print(), </a:t>
             </a:r>
             <a:r>
-              <a:rPr lang="en-US" sz="3600" u="none" strike="noStrike" cap="none" dirty="0" smtClean="0">
+              <a:rPr lang="en-US" sz="3600" u="none" strike="noStrike" cap="none" dirty="0">
                 <a:solidFill>
                   <a:srgbClr val="FFFFFF"/>
                 </a:solidFill>
@@ -18894,19 +18097,7 @@
                 <a:cs typeface="Arial" charset="0"/>
                 <a:sym typeface="Cabin"/>
               </a:rPr>
-              <a:t>input</a:t>
-            </a:r>
-            <a:r>
-              <a:rPr lang="en-US" sz="3600" u="none" strike="noStrike" cap="none" dirty="0">
-                <a:solidFill>
-                  <a:srgbClr val="FFFFFF"/>
-                </a:solidFill>
-                <a:latin typeface="Arial" charset="0"/>
-                <a:ea typeface="Arial" charset="0"/>
-                <a:cs typeface="Arial" charset="0"/>
-                <a:sym typeface="Cabin"/>
-              </a:rPr>
-              <a:t>(), type(), float(), </a:t>
+              <a:t>input(), type(), float(), </a:t>
             </a:r>
             <a:r>
               <a:rPr lang="en-US" sz="3600" u="none" strike="noStrike" cap="none" dirty="0" err="1">
@@ -19030,7 +18221,7 @@
               <a:t>treat </a:t>
             </a:r>
             <a:r>
-              <a:rPr lang="en-US" sz="3600" u="none" strike="noStrike" cap="none" smtClean="0">
+              <a:rPr lang="en-US" sz="3600" u="none" strike="noStrike" cap="none">
                 <a:solidFill>
                   <a:srgbClr val="FFFFFF"/>
                 </a:solidFill>
@@ -19156,13 +18347,6 @@
   <p:clrMapOvr>
     <a:masterClrMapping/>
   </p:clrMapOvr>
-  <p:timing>
-    <p:tnLst>
-      <p:par>
-        <p:cTn id="1" dur="indefinite" restart="never" nodeType="tmRoot"/>
-      </p:par>
-    </p:tnLst>
-  </p:timing>
 </p:sld>
 </file>
 
@@ -19532,13 +18716,6 @@
   <p:clrMapOvr>
     <a:masterClrMapping/>
   </p:clrMapOvr>
-  <p:timing>
-    <p:tnLst>
-      <p:par>
-        <p:cTn id="1" dur="indefinite" restart="never" nodeType="tmRoot"/>
-      </p:par>
-    </p:tnLst>
-  </p:timing>
 </p:sld>
 </file>
 
@@ -19602,7 +18779,7 @@
               <a:buNone/>
             </a:pPr>
             <a:r>
-              <a:rPr lang="en-US" sz="3000" i="0" u="none" strike="noStrike" cap="none" dirty="0">
+              <a:rPr lang="en-US" sz="3000" b="1" i="0" u="none" strike="noStrike" cap="none" dirty="0">
                 <a:solidFill>
                   <a:schemeClr val="lt1"/>
                 </a:solidFill>
@@ -19614,7 +18791,7 @@
               <a:t>&gt;&gt;&gt; </a:t>
             </a:r>
             <a:r>
-              <a:rPr lang="en-US" sz="3000" i="0" u="none" strike="noStrike" cap="none" dirty="0">
+              <a:rPr lang="en-US" sz="3000" b="1" i="0" u="none" strike="noStrike" cap="none" dirty="0">
                 <a:solidFill>
                   <a:srgbClr val="00FF00"/>
                 </a:solidFill>
@@ -19626,7 +18803,7 @@
               <a:t>big</a:t>
             </a:r>
             <a:r>
-              <a:rPr lang="en-US" sz="3000" i="0" u="none" strike="noStrike" cap="none" dirty="0">
+              <a:rPr lang="en-US" sz="3000" b="1" i="0" u="none" strike="noStrike" cap="none" dirty="0">
                 <a:solidFill>
                   <a:schemeClr val="lt1"/>
                 </a:solidFill>
@@ -19638,7 +18815,7 @@
               <a:t> = </a:t>
             </a:r>
             <a:r>
-              <a:rPr lang="en-US" sz="3000" i="0" u="none" strike="noStrike" cap="none" dirty="0">
+              <a:rPr lang="en-US" sz="3000" b="1" i="0" u="none" strike="noStrike" cap="none" dirty="0">
                 <a:solidFill>
                   <a:srgbClr val="FF00FF"/>
                 </a:solidFill>
@@ -19650,7 +18827,7 @@
               <a:t>max</a:t>
             </a:r>
             <a:r>
-              <a:rPr lang="en-US" sz="3000" i="0" u="none" strike="noStrike" cap="none" dirty="0">
+              <a:rPr lang="en-US" sz="3000" b="1" i="0" u="none" strike="noStrike" cap="none" dirty="0">
                 <a:solidFill>
                   <a:schemeClr val="lt1"/>
                 </a:solidFill>
@@ -19681,7 +18858,7 @@
               <a:buNone/>
             </a:pPr>
             <a:r>
-              <a:rPr lang="en-US" sz="3000" i="0" u="none" strike="noStrike" cap="none" dirty="0">
+              <a:rPr lang="en-US" sz="3000" b="1" i="0" u="none" strike="noStrike" cap="none" dirty="0">
                 <a:solidFill>
                   <a:schemeClr val="lt1"/>
                 </a:solidFill>
@@ -19693,7 +18870,7 @@
               <a:t>&gt;&gt;&gt; </a:t>
             </a:r>
             <a:r>
-              <a:rPr lang="en-US" sz="3000" i="0" u="none" strike="noStrike" cap="none" dirty="0" smtClean="0">
+              <a:rPr lang="en-US" sz="3000" b="1" i="0" u="none" strike="noStrike" cap="none" dirty="0">
                 <a:solidFill>
                   <a:srgbClr val="FFFF00"/>
                 </a:solidFill>
@@ -19705,7 +18882,7 @@
               <a:t>print</a:t>
             </a:r>
             <a:r>
-              <a:rPr lang="en-US" sz="3000" dirty="0" smtClean="0">
+              <a:rPr lang="en-US" sz="3000" b="1" dirty="0">
                 <a:solidFill>
                   <a:schemeClr val="lt1"/>
                 </a:solidFill>
@@ -19717,7 +18894,7 @@
               <a:t>(</a:t>
             </a:r>
             <a:r>
-              <a:rPr lang="en-US" sz="3000" i="0" u="none" strike="noStrike" cap="none" dirty="0" smtClean="0">
+              <a:rPr lang="en-US" sz="3000" b="1" i="0" u="none" strike="noStrike" cap="none" dirty="0">
                 <a:solidFill>
                   <a:srgbClr val="00FF00"/>
                 </a:solidFill>
@@ -19729,7 +18906,7 @@
               <a:t>big</a:t>
             </a:r>
             <a:r>
-              <a:rPr lang="en-US" sz="3000" i="0" u="none" strike="noStrike" cap="none" dirty="0" smtClean="0">
+              <a:rPr lang="en-US" sz="3000" b="1" i="0" u="none" strike="noStrike" cap="none" dirty="0">
                 <a:solidFill>
                   <a:schemeClr val="bg1"/>
                 </a:solidFill>
@@ -19740,15 +18917,6 @@
               </a:rPr>
               <a:t>)</a:t>
             </a:r>
-            <a:endParaRPr lang="en-US" sz="3000" i="0" u="none" strike="noStrike" cap="none" dirty="0">
-              <a:solidFill>
-                <a:schemeClr val="bg1"/>
-              </a:solidFill>
-              <a:latin typeface="Courier"/>
-              <a:ea typeface="Courier"/>
-              <a:cs typeface="Courier"/>
-              <a:sym typeface="Courier New"/>
-            </a:endParaRPr>
           </a:p>
           <a:p>
             <a:pPr marL="0" marR="0" lvl="0" indent="0" algn="l" rtl="0">
@@ -19769,7 +18937,7 @@
               <a:buNone/>
             </a:pPr>
             <a:r>
-              <a:rPr lang="en-US" sz="3000" i="0" u="none" strike="noStrike" cap="none" dirty="0">
+              <a:rPr lang="en-US" sz="3000" b="1" i="0" u="none" strike="noStrike" cap="none" dirty="0">
                 <a:solidFill>
                   <a:schemeClr val="lt1"/>
                 </a:solidFill>
@@ -19800,7 +18968,7 @@
               <a:buNone/>
             </a:pPr>
             <a:r>
-              <a:rPr lang="en-US" sz="3000" i="0" u="none" strike="noStrike" cap="none" dirty="0">
+              <a:rPr lang="en-US" sz="3000" b="1" i="0" u="none" strike="noStrike" cap="none" dirty="0">
                 <a:solidFill>
                   <a:schemeClr val="lt1"/>
                 </a:solidFill>
@@ -19812,7 +18980,7 @@
               <a:t>&gt;&gt;&gt; </a:t>
             </a:r>
             <a:r>
-              <a:rPr lang="en-US" sz="3000" i="0" u="none" strike="noStrike" cap="none" dirty="0">
+              <a:rPr lang="en-US" sz="3000" b="1" i="0" u="none" strike="noStrike" cap="none" dirty="0">
                 <a:solidFill>
                   <a:srgbClr val="00FF00"/>
                 </a:solidFill>
@@ -19824,7 +18992,7 @@
               <a:t>tiny</a:t>
             </a:r>
             <a:r>
-              <a:rPr lang="en-US" sz="3000" i="0" u="none" strike="noStrike" cap="none" dirty="0">
+              <a:rPr lang="en-US" sz="3000" b="1" i="0" u="none" strike="noStrike" cap="none" dirty="0">
                 <a:solidFill>
                   <a:schemeClr val="lt1"/>
                 </a:solidFill>
@@ -19836,7 +19004,7 @@
               <a:t> = </a:t>
             </a:r>
             <a:r>
-              <a:rPr lang="en-US" sz="3000" i="0" u="none" strike="noStrike" cap="none" dirty="0">
+              <a:rPr lang="en-US" sz="3000" b="1" i="0" u="none" strike="noStrike" cap="none" dirty="0">
                 <a:solidFill>
                   <a:srgbClr val="FF00FF"/>
                 </a:solidFill>
@@ -19848,7 +19016,7 @@
               <a:t>min</a:t>
             </a:r>
             <a:r>
-              <a:rPr lang="en-US" sz="3000" i="0" u="none" strike="noStrike" cap="none" dirty="0">
+              <a:rPr lang="en-US" sz="3000" b="1" i="0" u="none" strike="noStrike" cap="none" dirty="0">
                 <a:solidFill>
                   <a:schemeClr val="lt1"/>
                 </a:solidFill>
@@ -19879,7 +19047,7 @@
               <a:buNone/>
             </a:pPr>
             <a:r>
-              <a:rPr lang="en-US" sz="3000" i="0" u="none" strike="noStrike" cap="none" dirty="0">
+              <a:rPr lang="en-US" sz="3000" b="1" i="0" u="none" strike="noStrike" cap="none" dirty="0">
                 <a:solidFill>
                   <a:schemeClr val="lt1"/>
                 </a:solidFill>
@@ -19891,7 +19059,7 @@
               <a:t>&gt;&gt;&gt; </a:t>
             </a:r>
             <a:r>
-              <a:rPr lang="en-US" sz="3000" i="0" u="none" strike="noStrike" cap="none" dirty="0" smtClean="0">
+              <a:rPr lang="en-US" sz="3000" b="1" i="0" u="none" strike="noStrike" cap="none" dirty="0">
                 <a:solidFill>
                   <a:srgbClr val="FFFF00"/>
                 </a:solidFill>
@@ -19903,7 +19071,7 @@
               <a:t>print</a:t>
             </a:r>
             <a:r>
-              <a:rPr lang="en-US" sz="3000" dirty="0" smtClean="0">
+              <a:rPr lang="en-US" sz="3000" b="1" dirty="0">
                 <a:solidFill>
                   <a:schemeClr val="lt1"/>
                 </a:solidFill>
@@ -19915,7 +19083,7 @@
               <a:t>(</a:t>
             </a:r>
             <a:r>
-              <a:rPr lang="en-US" sz="3000" i="0" u="none" strike="noStrike" cap="none" dirty="0" smtClean="0">
+              <a:rPr lang="en-US" sz="3000" b="1" i="0" u="none" strike="noStrike" cap="none" dirty="0">
                 <a:solidFill>
                   <a:srgbClr val="00FF00"/>
                 </a:solidFill>
@@ -19927,7 +19095,7 @@
               <a:t>tiny</a:t>
             </a:r>
             <a:r>
-              <a:rPr lang="en-US" sz="3000" i="0" u="none" strike="noStrike" cap="none" dirty="0" smtClean="0">
+              <a:rPr lang="en-US" sz="3000" b="1" i="0" u="none" strike="noStrike" cap="none" dirty="0">
                 <a:solidFill>
                   <a:schemeClr val="bg1"/>
                 </a:solidFill>
@@ -19938,15 +19106,6 @@
               </a:rPr>
               <a:t>)</a:t>
             </a:r>
-            <a:endParaRPr lang="en-US" sz="3000" i="0" u="none" strike="noStrike" cap="none" dirty="0">
-              <a:solidFill>
-                <a:schemeClr val="bg1"/>
-              </a:solidFill>
-              <a:latin typeface="Courier"/>
-              <a:ea typeface="Courier"/>
-              <a:cs typeface="Courier"/>
-              <a:sym typeface="Courier New"/>
-            </a:endParaRPr>
           </a:p>
           <a:p>
             <a:pPr marL="0" marR="0" lvl="0" indent="0" algn="l" rtl="0">
@@ -19965,7 +19124,7 @@
               <a:buFont typeface="Courier New"/>
               <a:buNone/>
             </a:pPr>
-            <a:endParaRPr sz="3000" dirty="0">
+            <a:endParaRPr sz="3000" b="1" dirty="0">
               <a:solidFill>
                 <a:srgbClr val="FFFFFF"/>
               </a:solidFill>
@@ -19994,7 +19153,7 @@
               <a:buNone/>
             </a:pPr>
             <a:r>
-              <a:rPr lang="en-US" sz="3000" i="0" u="none" strike="noStrike" cap="none" dirty="0">
+              <a:rPr lang="en-US" sz="3000" b="1" i="0" u="none" strike="noStrike" cap="none" dirty="0">
                 <a:solidFill>
                   <a:schemeClr val="lt1"/>
                 </a:solidFill>
@@ -20464,13 +19623,6 @@
   <p:clrMapOvr>
     <a:masterClrMapping/>
   </p:clrMapOvr>
-  <p:timing>
-    <p:tnLst>
-      <p:par>
-        <p:cTn id="1" dur="indefinite" restart="never" nodeType="tmRoot"/>
-      </p:par>
-    </p:tnLst>
-  </p:timing>
 </p:sld>
 </file>
 
@@ -20591,7 +19743,7 @@
               <a:buNone/>
             </a:pPr>
             <a:r>
-              <a:rPr lang="en-US" sz="3000" i="0" u="none" strike="noStrike" cap="none" dirty="0">
+              <a:rPr lang="en-US" sz="3000" b="1" i="0" u="none" strike="noStrike" cap="none" dirty="0">
                 <a:solidFill>
                   <a:schemeClr val="lt1"/>
                 </a:solidFill>
@@ -20603,7 +19755,7 @@
               <a:t>&gt;&gt;&gt; </a:t>
             </a:r>
             <a:r>
-              <a:rPr lang="en-US" sz="3000" i="0" u="none" strike="noStrike" cap="none" dirty="0">
+              <a:rPr lang="en-US" sz="3000" b="1" i="0" u="none" strike="noStrike" cap="none" dirty="0">
                 <a:solidFill>
                   <a:srgbClr val="00FF00"/>
                 </a:solidFill>
@@ -20615,7 +19767,7 @@
               <a:t>big</a:t>
             </a:r>
             <a:r>
-              <a:rPr lang="en-US" sz="3000" i="0" u="none" strike="noStrike" cap="none" dirty="0">
+              <a:rPr lang="en-US" sz="3000" b="1" i="0" u="none" strike="noStrike" cap="none" dirty="0">
                 <a:solidFill>
                   <a:schemeClr val="lt1"/>
                 </a:solidFill>
@@ -20627,7 +19779,7 @@
               <a:t> = </a:t>
             </a:r>
             <a:r>
-              <a:rPr lang="en-US" sz="3000" i="0" u="none" strike="noStrike" cap="none" dirty="0">
+              <a:rPr lang="en-US" sz="3000" b="1" i="0" u="none" strike="noStrike" cap="none" dirty="0">
                 <a:solidFill>
                   <a:srgbClr val="FF00FF"/>
                 </a:solidFill>
@@ -20639,7 +19791,7 @@
               <a:t>max</a:t>
             </a:r>
             <a:r>
-              <a:rPr lang="en-US" sz="3000" i="0" u="none" strike="noStrike" cap="none" dirty="0">
+              <a:rPr lang="en-US" sz="3000" b="1" i="0" u="none" strike="noStrike" cap="none" dirty="0">
                 <a:solidFill>
                   <a:schemeClr val="lt1"/>
                 </a:solidFill>
@@ -20670,7 +19822,7 @@
               <a:buNone/>
             </a:pPr>
             <a:r>
-              <a:rPr lang="en-US" sz="3000" i="0" u="none" strike="noStrike" cap="none" dirty="0">
+              <a:rPr lang="en-US" sz="3000" b="1" i="0" u="none" strike="noStrike" cap="none" dirty="0">
                 <a:solidFill>
                   <a:schemeClr val="lt1"/>
                 </a:solidFill>
@@ -20682,7 +19834,7 @@
               <a:t>&gt;&gt;&gt; </a:t>
             </a:r>
             <a:r>
-              <a:rPr lang="en-US" sz="3000" i="0" u="none" strike="noStrike" cap="none" dirty="0" smtClean="0">
+              <a:rPr lang="en-US" sz="3000" b="1" i="0" u="none" strike="noStrike" cap="none" dirty="0">
                 <a:solidFill>
                   <a:srgbClr val="FFFF00"/>
                 </a:solidFill>
@@ -20694,7 +19846,7 @@
               <a:t>print</a:t>
             </a:r>
             <a:r>
-              <a:rPr lang="en-US" sz="3000" dirty="0" smtClean="0">
+              <a:rPr lang="en-US" sz="3000" b="1" dirty="0">
                 <a:solidFill>
                   <a:schemeClr val="lt1"/>
                 </a:solidFill>
@@ -20706,7 +19858,7 @@
               <a:t>(</a:t>
             </a:r>
             <a:r>
-              <a:rPr lang="en-US" sz="3000" i="0" u="none" strike="noStrike" cap="none" dirty="0" smtClean="0">
+              <a:rPr lang="en-US" sz="3000" b="1" i="0" u="none" strike="noStrike" cap="none" dirty="0">
                 <a:solidFill>
                   <a:srgbClr val="00FF00"/>
                 </a:solidFill>
@@ -20718,7 +19870,7 @@
               <a:t>big</a:t>
             </a:r>
             <a:r>
-              <a:rPr lang="en-US" sz="3000" i="0" u="none" strike="noStrike" cap="none" dirty="0" smtClean="0">
+              <a:rPr lang="en-US" sz="3000" b="1" i="0" u="none" strike="noStrike" cap="none" dirty="0">
                 <a:solidFill>
                   <a:schemeClr val="bg1"/>
                 </a:solidFill>
@@ -20729,15 +19881,6 @@
               </a:rPr>
               <a:t>)</a:t>
             </a:r>
-            <a:endParaRPr lang="en-US" sz="3000" i="0" u="none" strike="noStrike" cap="none" dirty="0">
-              <a:solidFill>
-                <a:schemeClr val="bg1"/>
-              </a:solidFill>
-              <a:latin typeface="Courier"/>
-              <a:ea typeface="Courier"/>
-              <a:cs typeface="Courier"/>
-              <a:sym typeface="Courier New"/>
-            </a:endParaRPr>
           </a:p>
           <a:p>
             <a:pPr marL="0" marR="0" lvl="0" indent="0" algn="l" rtl="0">
@@ -20758,7 +19901,7 @@
               <a:buNone/>
             </a:pPr>
             <a:r>
-              <a:rPr lang="en-US" sz="3000" i="0" u="none" strike="noStrike" cap="none" dirty="0">
+              <a:rPr lang="en-US" sz="3000" b="1" i="0" u="none" strike="noStrike" cap="none" dirty="0">
                 <a:solidFill>
                   <a:schemeClr val="lt1"/>
                 </a:solidFill>
@@ -21353,13 +20496,6 @@
   <p:clrMapOvr>
     <a:masterClrMapping/>
   </p:clrMapOvr>
-  <p:timing>
-    <p:tnLst>
-      <p:par>
-        <p:cTn id="1" dur="indefinite" restart="never" nodeType="tmRoot"/>
-      </p:par>
-    </p:tnLst>
-  </p:timing>
 </p:sld>
 </file>
 
@@ -21480,7 +20616,7 @@
               <a:buNone/>
             </a:pPr>
             <a:r>
-              <a:rPr lang="en-US" sz="3000" i="0" u="none" strike="noStrike" cap="none" dirty="0">
+              <a:rPr lang="en-US" sz="3000" b="1" i="0" u="none" strike="noStrike" cap="none" dirty="0">
                 <a:solidFill>
                   <a:schemeClr val="lt1"/>
                 </a:solidFill>
@@ -21492,7 +20628,7 @@
               <a:t>&gt;&gt;&gt; </a:t>
             </a:r>
             <a:r>
-              <a:rPr lang="en-US" sz="3000" i="0" u="none" strike="noStrike" cap="none" dirty="0">
+              <a:rPr lang="en-US" sz="3000" b="1" i="0" u="none" strike="noStrike" cap="none" dirty="0">
                 <a:solidFill>
                   <a:srgbClr val="00FF00"/>
                 </a:solidFill>
@@ -21504,7 +20640,7 @@
               <a:t>big</a:t>
             </a:r>
             <a:r>
-              <a:rPr lang="en-US" sz="3000" i="0" u="none" strike="noStrike" cap="none" dirty="0">
+              <a:rPr lang="en-US" sz="3000" b="1" i="0" u="none" strike="noStrike" cap="none" dirty="0">
                 <a:solidFill>
                   <a:schemeClr val="lt1"/>
                 </a:solidFill>
@@ -21516,7 +20652,7 @@
               <a:t> = </a:t>
             </a:r>
             <a:r>
-              <a:rPr lang="en-US" sz="3000" i="0" u="none" strike="noStrike" cap="none" dirty="0">
+              <a:rPr lang="en-US" sz="3000" b="1" i="0" u="none" strike="noStrike" cap="none" dirty="0">
                 <a:solidFill>
                   <a:srgbClr val="FF00FF"/>
                 </a:solidFill>
@@ -21528,7 +20664,7 @@
               <a:t>max</a:t>
             </a:r>
             <a:r>
-              <a:rPr lang="en-US" sz="3000" i="0" u="none" strike="noStrike" cap="none" dirty="0">
+              <a:rPr lang="en-US" sz="3000" b="1" i="0" u="none" strike="noStrike" cap="none" dirty="0">
                 <a:solidFill>
                   <a:schemeClr val="lt1"/>
                 </a:solidFill>
@@ -21559,7 +20695,7 @@
               <a:buNone/>
             </a:pPr>
             <a:r>
-              <a:rPr lang="en-US" sz="3000" i="0" u="none" strike="noStrike" cap="none" dirty="0">
+              <a:rPr lang="en-US" sz="3000" b="1" i="0" u="none" strike="noStrike" cap="none" dirty="0">
                 <a:solidFill>
                   <a:schemeClr val="lt1"/>
                 </a:solidFill>
@@ -21571,7 +20707,7 @@
               <a:t>&gt;&gt;&gt; </a:t>
             </a:r>
             <a:r>
-              <a:rPr lang="en-US" sz="3000" i="0" u="none" strike="noStrike" cap="none" dirty="0" smtClean="0">
+              <a:rPr lang="en-US" sz="3000" b="1" i="0" u="none" strike="noStrike" cap="none" dirty="0">
                 <a:solidFill>
                   <a:srgbClr val="FFFF00"/>
                 </a:solidFill>
@@ -21583,7 +20719,7 @@
               <a:t>print</a:t>
             </a:r>
             <a:r>
-              <a:rPr lang="en-US" sz="3000" i="0" u="none" strike="noStrike" cap="none" dirty="0" smtClean="0">
+              <a:rPr lang="en-US" sz="3000" b="1" i="0" u="none" strike="noStrike" cap="none" dirty="0">
                 <a:solidFill>
                   <a:schemeClr val="lt1"/>
                 </a:solidFill>
@@ -21595,7 +20731,7 @@
               <a:t>(</a:t>
             </a:r>
             <a:r>
-              <a:rPr lang="en-US" sz="3000" i="0" u="none" strike="noStrike" cap="none" dirty="0" smtClean="0">
+              <a:rPr lang="en-US" sz="3000" b="1" i="0" u="none" strike="noStrike" cap="none" dirty="0">
                 <a:solidFill>
                   <a:srgbClr val="00FF00"/>
                 </a:solidFill>
@@ -21607,7 +20743,7 @@
               <a:t>big</a:t>
             </a:r>
             <a:r>
-              <a:rPr lang="en-US" sz="3000" i="0" u="none" strike="noStrike" cap="none" dirty="0" smtClean="0">
+              <a:rPr lang="en-US" sz="3000" b="1" i="0" u="none" strike="noStrike" cap="none" dirty="0">
                 <a:solidFill>
                   <a:schemeClr val="bg1"/>
                 </a:solidFill>
@@ -21618,15 +20754,6 @@
               </a:rPr>
               <a:t>)</a:t>
             </a:r>
-            <a:endParaRPr lang="en-US" sz="3000" i="0" u="none" strike="noStrike" cap="none" dirty="0">
-              <a:solidFill>
-                <a:schemeClr val="bg1"/>
-              </a:solidFill>
-              <a:latin typeface="Courier"/>
-              <a:ea typeface="Courier"/>
-              <a:cs typeface="Courier"/>
-              <a:sym typeface="Courier New"/>
-            </a:endParaRPr>
           </a:p>
           <a:p>
             <a:pPr marL="0" marR="0" lvl="0" indent="0" algn="l" rtl="0">
@@ -21647,7 +20774,7 @@
               <a:buNone/>
             </a:pPr>
             <a:r>
-              <a:rPr lang="en-US" sz="3000" i="0" u="none" strike="noStrike" cap="none" dirty="0" smtClean="0">
+              <a:rPr lang="en-US" sz="3000" b="1" i="0" u="none" strike="noStrike" cap="none" dirty="0">
                 <a:solidFill>
                   <a:schemeClr val="lt1"/>
                 </a:solidFill>
@@ -21658,15 +20785,6 @@
               </a:rPr>
               <a:t>w</a:t>
             </a:r>
-            <a:endParaRPr lang="en-US" sz="3000" i="0" u="none" strike="noStrike" cap="none" dirty="0">
-              <a:solidFill>
-                <a:schemeClr val="lt1"/>
-              </a:solidFill>
-              <a:latin typeface="Courier"/>
-              <a:ea typeface="Courier"/>
-              <a:cs typeface="Courier"/>
-              <a:sym typeface="Courier New"/>
-            </a:endParaRPr>
           </a:p>
         </p:txBody>
       </p:sp>
@@ -21876,7 +20994,7 @@
               <a:t> </a:t>
             </a:r>
             <a:r>
-              <a:rPr lang="en-US" sz="2400" dirty="0" err="1" smtClean="0">
+              <a:rPr lang="en-US" sz="2400" dirty="0" err="1">
                 <a:solidFill>
                   <a:srgbClr val="00FDFF"/>
                 </a:solidFill>
@@ -21888,7 +21006,7 @@
               <a:t>inp</a:t>
             </a:r>
             <a:r>
-              <a:rPr lang="en-US" sz="2400" dirty="0" smtClean="0">
+              <a:rPr lang="en-US" sz="2400" dirty="0">
                 <a:solidFill>
                   <a:schemeClr val="lt1"/>
                 </a:solidFill>
@@ -21899,15 +21017,6 @@
               </a:rPr>
               <a:t>:</a:t>
             </a:r>
-            <a:endParaRPr lang="en-US" sz="2400" dirty="0">
-              <a:solidFill>
-                <a:schemeClr val="lt1"/>
-              </a:solidFill>
-              <a:latin typeface="Courier"/>
-              <a:ea typeface="Courier"/>
-              <a:cs typeface="Courier"/>
-              <a:sym typeface="Courier New"/>
-            </a:endParaRPr>
           </a:p>
           <a:p>
             <a:pPr lvl="0">
@@ -22443,13 +21552,6 @@
   <p:clrMapOvr>
     <a:masterClrMapping/>
   </p:clrMapOvr>
-  <p:timing>
-    <p:tnLst>
-      <p:par>
-        <p:cTn id="1" dur="indefinite" restart="never" nodeType="tmRoot"/>
-      </p:par>
-    </p:tnLst>
-  </p:timing>
 </p:sld>
 </file>
 
@@ -22723,7 +21825,7 @@
               <a:buSzPct val="25000"/>
             </a:pPr>
             <a:r>
-              <a:rPr lang="en-US" sz="2800" i="0" u="none" strike="noStrike" cap="none" dirty="0">
+              <a:rPr lang="en-US" sz="2800" b="1" i="0" u="none" strike="noStrike" cap="none" dirty="0">
                 <a:solidFill>
                   <a:schemeClr val="lt1"/>
                 </a:solidFill>
@@ -22735,7 +21837,7 @@
               <a:t>&gt;&gt;&gt; </a:t>
             </a:r>
             <a:r>
-              <a:rPr lang="en-US" sz="2800" i="0" u="none" strike="noStrike" cap="none" dirty="0" smtClean="0">
+              <a:rPr lang="en-US" sz="2800" b="1" i="0" u="none" strike="noStrike" cap="none" dirty="0">
                 <a:solidFill>
                   <a:srgbClr val="FFFF00"/>
                 </a:solidFill>
@@ -22747,7 +21849,7 @@
               <a:t>print(</a:t>
             </a:r>
             <a:r>
-              <a:rPr lang="en-US" sz="2800" i="0" u="none" strike="noStrike" cap="none" dirty="0" smtClean="0">
+              <a:rPr lang="en-US" sz="2800" b="1" i="0" u="none" strike="noStrike" cap="none" dirty="0">
                 <a:solidFill>
                   <a:srgbClr val="FF00FF"/>
                 </a:solidFill>
@@ -22759,31 +21861,19 @@
               <a:t>float</a:t>
             </a:r>
             <a:r>
-              <a:rPr lang="en-US" sz="2800" i="0" u="none" strike="noStrike" cap="none" dirty="0" smtClean="0">
-                <a:solidFill>
-                  <a:schemeClr val="lt1"/>
-                </a:solidFill>
-                <a:latin typeface="Courier"/>
-                <a:ea typeface="Courier"/>
-                <a:cs typeface="Courier"/>
-                <a:sym typeface="Courier New"/>
-              </a:rPr>
-              <a:t>(99</a:t>
-            </a:r>
-            <a:r>
-              <a:rPr lang="en-US" sz="2800" i="0" u="none" strike="noStrike" cap="none" dirty="0">
-                <a:solidFill>
-                  <a:schemeClr val="lt1"/>
-                </a:solidFill>
-                <a:latin typeface="Courier"/>
-                <a:ea typeface="Courier"/>
-                <a:cs typeface="Courier"/>
-                <a:sym typeface="Courier New"/>
-              </a:rPr>
-              <a:t>) </a:t>
-            </a:r>
-            <a:r>
-              <a:rPr lang="en-US" sz="2800" i="0" u="none" strike="noStrike" cap="none" dirty="0">
+              <a:rPr lang="en-US" sz="2800" b="1" i="0" u="none" strike="noStrike" cap="none" dirty="0">
+                <a:solidFill>
+                  <a:schemeClr val="lt1"/>
+                </a:solidFill>
+                <a:latin typeface="Courier"/>
+                <a:ea typeface="Courier"/>
+                <a:cs typeface="Courier"/>
+                <a:sym typeface="Courier New"/>
+              </a:rPr>
+              <a:t>(99) </a:t>
+            </a:r>
+            <a:r>
+              <a:rPr lang="en-US" sz="2800" b="1" i="0" u="none" strike="noStrike" cap="none" dirty="0">
                 <a:solidFill>
                   <a:srgbClr val="00FFFF"/>
                 </a:solidFill>
@@ -22795,31 +21885,19 @@
               <a:t>/</a:t>
             </a:r>
             <a:r>
-              <a:rPr lang="en-US" sz="2800" i="0" u="none" strike="noStrike" cap="none" dirty="0">
-                <a:solidFill>
-                  <a:schemeClr val="lt1"/>
-                </a:solidFill>
-                <a:latin typeface="Courier"/>
-                <a:ea typeface="Courier"/>
-                <a:cs typeface="Courier"/>
-                <a:sym typeface="Courier New"/>
-              </a:rPr>
-              <a:t> </a:t>
-            </a:r>
-            <a:r>
-              <a:rPr lang="en-US" sz="2800" i="0" u="none" strike="noStrike" cap="none" dirty="0" smtClean="0">
-                <a:solidFill>
-                  <a:schemeClr val="lt1"/>
-                </a:solidFill>
-                <a:latin typeface="Courier"/>
-                <a:ea typeface="Courier"/>
-                <a:cs typeface="Courier"/>
-                <a:sym typeface="Courier New"/>
-              </a:rPr>
-              <a:t>100</a:t>
-            </a:r>
-            <a:r>
-              <a:rPr lang="en-US" sz="2800" dirty="0" smtClean="0">
+              <a:rPr lang="en-US" sz="2800" b="1" i="0" u="none" strike="noStrike" cap="none" dirty="0">
+                <a:solidFill>
+                  <a:schemeClr val="lt1"/>
+                </a:solidFill>
+                <a:latin typeface="Courier"/>
+                <a:ea typeface="Courier"/>
+                <a:cs typeface="Courier"/>
+                <a:sym typeface="Courier New"/>
+              </a:rPr>
+              <a:t> 100</a:t>
+            </a:r>
+            <a:r>
+              <a:rPr lang="en-US" sz="2800" b="1" dirty="0">
                 <a:solidFill>
                   <a:srgbClr val="FFFF00"/>
                 </a:solidFill>
@@ -22830,7 +21908,7 @@
               </a:rPr>
               <a:t>)</a:t>
             </a:r>
-            <a:endParaRPr lang="en-US" sz="2800" i="0" u="none" strike="noStrike" cap="none" dirty="0">
+            <a:endParaRPr lang="en-US" sz="2800" b="1" i="0" u="none" strike="noStrike" cap="none" dirty="0">
               <a:solidFill>
                 <a:schemeClr val="lt1"/>
               </a:solidFill>
@@ -22859,7 +21937,7 @@
               <a:buNone/>
             </a:pPr>
             <a:r>
-              <a:rPr lang="en-US" sz="2800" i="0" u="none" strike="noStrike" cap="none" dirty="0">
+              <a:rPr lang="en-US" sz="2800" b="1" i="0" u="none" strike="noStrike" cap="none" dirty="0">
                 <a:solidFill>
                   <a:schemeClr val="lt1"/>
                 </a:solidFill>
@@ -22890,7 +21968,7 @@
               <a:buNone/>
             </a:pPr>
             <a:r>
-              <a:rPr lang="en-US" sz="2800" i="0" u="none" strike="noStrike" cap="none" dirty="0">
+              <a:rPr lang="en-US" sz="2800" b="1" i="0" u="none" strike="noStrike" cap="none" dirty="0">
                 <a:solidFill>
                   <a:schemeClr val="lt1"/>
                 </a:solidFill>
@@ -22902,7 +21980,7 @@
               <a:t>&gt;&gt;&gt; </a:t>
             </a:r>
             <a:r>
-              <a:rPr lang="en-US" sz="2800" i="0" u="none" strike="noStrike" cap="none" dirty="0" err="1">
+              <a:rPr lang="en-US" sz="2800" b="1" i="0" u="none" strike="noStrike" cap="none" dirty="0" err="1">
                 <a:solidFill>
                   <a:schemeClr val="lt1"/>
                 </a:solidFill>
@@ -22914,7 +21992,7 @@
               <a:t>i</a:t>
             </a:r>
             <a:r>
-              <a:rPr lang="en-US" sz="2800" i="0" u="none" strike="noStrike" cap="none" dirty="0">
+              <a:rPr lang="en-US" sz="2800" b="1" i="0" u="none" strike="noStrike" cap="none" dirty="0">
                 <a:solidFill>
                   <a:schemeClr val="lt1"/>
                 </a:solidFill>
@@ -22945,7 +22023,7 @@
               <a:buNone/>
             </a:pPr>
             <a:r>
-              <a:rPr lang="en-US" sz="2800" i="0" u="none" strike="noStrike" cap="none" dirty="0">
+              <a:rPr lang="en-US" sz="2800" b="1" i="0" u="none" strike="noStrike" cap="none" dirty="0">
                 <a:solidFill>
                   <a:schemeClr val="lt1"/>
                 </a:solidFill>
@@ -22957,7 +22035,7 @@
               <a:t>&gt;&gt;&gt; </a:t>
             </a:r>
             <a:r>
-              <a:rPr lang="en-US" sz="2800" i="0" u="none" strike="noStrike" cap="none" dirty="0">
+              <a:rPr lang="en-US" sz="2800" b="1" i="0" u="none" strike="noStrike" cap="none" dirty="0">
                 <a:solidFill>
                   <a:srgbClr val="FF00FF"/>
                 </a:solidFill>
@@ -22969,7 +22047,7 @@
               <a:t>type</a:t>
             </a:r>
             <a:r>
-              <a:rPr lang="en-US" sz="2800" i="0" u="none" strike="noStrike" cap="none" dirty="0">
+              <a:rPr lang="en-US" sz="2800" b="1" i="0" u="none" strike="noStrike" cap="none" dirty="0">
                 <a:solidFill>
                   <a:schemeClr val="lt1"/>
                 </a:solidFill>
@@ -22981,7 +22059,7 @@
               <a:t>(</a:t>
             </a:r>
             <a:r>
-              <a:rPr lang="en-US" sz="2800" i="0" u="none" strike="noStrike" cap="none" dirty="0" err="1">
+              <a:rPr lang="en-US" sz="2800" b="1" i="0" u="none" strike="noStrike" cap="none" dirty="0" err="1">
                 <a:solidFill>
                   <a:schemeClr val="lt1"/>
                 </a:solidFill>
@@ -22993,7 +22071,7 @@
               <a:t>i</a:t>
             </a:r>
             <a:r>
-              <a:rPr lang="en-US" sz="2800" i="0" u="none" strike="noStrike" cap="none" dirty="0">
+              <a:rPr lang="en-US" sz="2800" b="1" i="0" u="none" strike="noStrike" cap="none" dirty="0">
                 <a:solidFill>
                   <a:schemeClr val="lt1"/>
                 </a:solidFill>
@@ -23024,7 +22102,7 @@
               <a:buNone/>
             </a:pPr>
             <a:r>
-              <a:rPr lang="en-US" sz="2800" i="0" u="none" strike="noStrike" cap="none" dirty="0" smtClean="0">
+              <a:rPr lang="en-US" sz="2800" b="1" i="0" u="none" strike="noStrike" cap="none" dirty="0">
                 <a:solidFill>
                   <a:schemeClr val="lt1"/>
                 </a:solidFill>
@@ -23036,7 +22114,7 @@
               <a:t>&lt;class '</a:t>
             </a:r>
             <a:r>
-              <a:rPr lang="en-US" sz="2800" i="0" u="none" strike="noStrike" cap="none" dirty="0" err="1" smtClean="0">
+              <a:rPr lang="en-US" sz="2800" b="1" i="0" u="none" strike="noStrike" cap="none" dirty="0" err="1">
                 <a:solidFill>
                   <a:schemeClr val="lt1"/>
                 </a:solidFill>
@@ -23048,7 +22126,7 @@
               <a:t>int</a:t>
             </a:r>
             <a:r>
-              <a:rPr lang="en-US" sz="2800" i="0" u="none" strike="noStrike" cap="none" dirty="0">
+              <a:rPr lang="en-US" sz="2800" b="1" i="0" u="none" strike="noStrike" cap="none" dirty="0">
                 <a:solidFill>
                   <a:schemeClr val="lt1"/>
                 </a:solidFill>
@@ -23079,7 +22157,7 @@
               <a:buNone/>
             </a:pPr>
             <a:r>
-              <a:rPr lang="en-US" sz="2800" i="0" u="none" strike="noStrike" cap="none" dirty="0">
+              <a:rPr lang="en-US" sz="2800" b="1" i="0" u="none" strike="noStrike" cap="none" dirty="0">
                 <a:solidFill>
                   <a:schemeClr val="lt1"/>
                 </a:solidFill>
@@ -23091,7 +22169,7 @@
               <a:t>&gt;&gt;&gt; f = </a:t>
             </a:r>
             <a:r>
-              <a:rPr lang="en-US" sz="2800" i="0" u="none" strike="noStrike" cap="none" dirty="0">
+              <a:rPr lang="en-US" sz="2800" b="1" i="0" u="none" strike="noStrike" cap="none" dirty="0">
                 <a:solidFill>
                   <a:srgbClr val="FF00FF"/>
                 </a:solidFill>
@@ -23103,7 +22181,7 @@
               <a:t>float</a:t>
             </a:r>
             <a:r>
-              <a:rPr lang="en-US" sz="2800" i="0" u="none" strike="noStrike" cap="none" dirty="0">
+              <a:rPr lang="en-US" sz="2800" b="1" i="0" u="none" strike="noStrike" cap="none" dirty="0">
                 <a:solidFill>
                   <a:schemeClr val="lt1"/>
                 </a:solidFill>
@@ -23115,7 +22193,7 @@
               <a:t>(</a:t>
             </a:r>
             <a:r>
-              <a:rPr lang="en-US" sz="2800" i="0" u="none" strike="noStrike" cap="none" dirty="0" err="1">
+              <a:rPr lang="en-US" sz="2800" b="1" i="0" u="none" strike="noStrike" cap="none" dirty="0" err="1">
                 <a:solidFill>
                   <a:schemeClr val="lt1"/>
                 </a:solidFill>
@@ -23127,7 +22205,7 @@
               <a:t>i</a:t>
             </a:r>
             <a:r>
-              <a:rPr lang="en-US" sz="2800" i="0" u="none" strike="noStrike" cap="none" dirty="0">
+              <a:rPr lang="en-US" sz="2800" b="1" i="0" u="none" strike="noStrike" cap="none" dirty="0">
                 <a:solidFill>
                   <a:schemeClr val="lt1"/>
                 </a:solidFill>
@@ -23158,7 +22236,7 @@
               <a:buNone/>
             </a:pPr>
             <a:r>
-              <a:rPr lang="en-US" sz="2800" i="0" u="none" strike="noStrike" cap="none" dirty="0">
+              <a:rPr lang="en-US" sz="2800" b="1" i="0" u="none" strike="noStrike" cap="none" dirty="0">
                 <a:solidFill>
                   <a:schemeClr val="lt1"/>
                 </a:solidFill>
@@ -23170,7 +22248,7 @@
               <a:t>&gt;&gt;&gt; </a:t>
             </a:r>
             <a:r>
-              <a:rPr lang="en-US" sz="2800" i="0" u="none" strike="noStrike" cap="none" dirty="0" smtClean="0">
+              <a:rPr lang="en-US" sz="2800" b="1" i="0" u="none" strike="noStrike" cap="none" dirty="0">
                 <a:solidFill>
                   <a:srgbClr val="FFFF00"/>
                 </a:solidFill>
@@ -23182,7 +22260,7 @@
               <a:t>print</a:t>
             </a:r>
             <a:r>
-              <a:rPr lang="en-US" sz="2800" dirty="0" smtClean="0">
+              <a:rPr lang="en-US" sz="2800" b="1" dirty="0">
                 <a:solidFill>
                   <a:schemeClr val="lt1"/>
                 </a:solidFill>
@@ -23194,7 +22272,7 @@
               <a:t>(</a:t>
             </a:r>
             <a:r>
-              <a:rPr lang="en-US" sz="2800" i="0" u="none" strike="noStrike" cap="none" dirty="0" smtClean="0">
+              <a:rPr lang="en-US" sz="2800" b="1" i="0" u="none" strike="noStrike" cap="none" dirty="0">
                 <a:solidFill>
                   <a:schemeClr val="lt1"/>
                 </a:solidFill>
@@ -23205,15 +22283,6 @@
               </a:rPr>
               <a:t>f)</a:t>
             </a:r>
-            <a:endParaRPr lang="en-US" sz="2800" i="0" u="none" strike="noStrike" cap="none" dirty="0">
-              <a:solidFill>
-                <a:schemeClr val="lt1"/>
-              </a:solidFill>
-              <a:latin typeface="Courier"/>
-              <a:ea typeface="Courier"/>
-              <a:cs typeface="Courier"/>
-              <a:sym typeface="Courier New"/>
-            </a:endParaRPr>
           </a:p>
           <a:p>
             <a:pPr marL="0" marR="0" lvl="0" indent="0" algn="l" rtl="0">
@@ -23234,7 +22303,7 @@
               <a:buNone/>
             </a:pPr>
             <a:r>
-              <a:rPr lang="en-US" sz="2800" i="0" u="none" strike="noStrike" cap="none" dirty="0">
+              <a:rPr lang="en-US" sz="2800" b="1" i="0" u="none" strike="noStrike" cap="none" dirty="0">
                 <a:solidFill>
                   <a:schemeClr val="lt1"/>
                 </a:solidFill>
@@ -23265,7 +22334,7 @@
               <a:buNone/>
             </a:pPr>
             <a:r>
-              <a:rPr lang="en-US" sz="2800" i="0" u="none" strike="noStrike" cap="none" dirty="0">
+              <a:rPr lang="en-US" sz="2800" b="1" i="0" u="none" strike="noStrike" cap="none" dirty="0">
                 <a:solidFill>
                   <a:schemeClr val="lt1"/>
                 </a:solidFill>
@@ -23277,7 +22346,7 @@
               <a:t>&gt;&gt;&gt; </a:t>
             </a:r>
             <a:r>
-              <a:rPr lang="en-US" sz="2800" i="0" u="none" strike="noStrike" cap="none" dirty="0">
+              <a:rPr lang="en-US" sz="2800" b="1" i="0" u="none" strike="noStrike" cap="none" dirty="0">
                 <a:solidFill>
                   <a:srgbClr val="FF00FF"/>
                 </a:solidFill>
@@ -23289,7 +22358,7 @@
               <a:t>type</a:t>
             </a:r>
             <a:r>
-              <a:rPr lang="en-US" sz="2800" i="0" u="none" strike="noStrike" cap="none" dirty="0">
+              <a:rPr lang="en-US" sz="2800" b="1" i="0" u="none" strike="noStrike" cap="none" dirty="0">
                 <a:solidFill>
                   <a:schemeClr val="lt1"/>
                 </a:solidFill>
@@ -23320,28 +22389,16 @@
               <a:buNone/>
             </a:pPr>
             <a:r>
-              <a:rPr lang="en-US" sz="2800" i="0" u="none" strike="noStrike" cap="none" dirty="0" smtClean="0">
-                <a:solidFill>
-                  <a:schemeClr val="lt1"/>
-                </a:solidFill>
-                <a:latin typeface="Courier"/>
-                <a:ea typeface="Courier"/>
-                <a:cs typeface="Courier"/>
-                <a:sym typeface="Courier New"/>
-              </a:rPr>
-              <a:t>&lt;class 'float</a:t>
-            </a:r>
-            <a:r>
-              <a:rPr lang="en-US" sz="2800" i="0" u="none" strike="noStrike" cap="none" dirty="0">
-                <a:solidFill>
-                  <a:schemeClr val="lt1"/>
-                </a:solidFill>
-                <a:latin typeface="Courier"/>
-                <a:ea typeface="Courier"/>
-                <a:cs typeface="Courier"/>
-                <a:sym typeface="Courier New"/>
-              </a:rPr>
-              <a:t>'&gt;</a:t>
+              <a:rPr lang="en-US" sz="2800" b="1" i="0" u="none" strike="noStrike" cap="none" dirty="0">
+                <a:solidFill>
+                  <a:schemeClr val="lt1"/>
+                </a:solidFill>
+                <a:latin typeface="Courier"/>
+                <a:ea typeface="Courier"/>
+                <a:cs typeface="Courier"/>
+                <a:sym typeface="Courier New"/>
+              </a:rPr>
+              <a:t>&lt;class 'float'&gt;</a:t>
             </a:r>
           </a:p>
           <a:p>
@@ -23363,7 +22420,7 @@
               <a:buNone/>
             </a:pPr>
             <a:r>
-              <a:rPr lang="en-US" sz="2800" i="0" u="none" strike="noStrike" cap="none" dirty="0">
+              <a:rPr lang="en-US" sz="2800" b="1" i="0" u="none" strike="noStrike" cap="none" dirty="0">
                 <a:solidFill>
                   <a:schemeClr val="lt1"/>
                 </a:solidFill>
@@ -23375,7 +22432,7 @@
               <a:t>&gt;&gt;&gt; </a:t>
             </a:r>
             <a:r>
-              <a:rPr lang="en-US" sz="2800" i="0" u="none" strike="noStrike" cap="none" dirty="0" smtClean="0">
+              <a:rPr lang="en-US" sz="2800" b="1" i="0" u="none" strike="noStrike" cap="none" dirty="0">
                 <a:solidFill>
                   <a:srgbClr val="FFFF00"/>
                 </a:solidFill>
@@ -23387,7 +22444,7 @@
               <a:t>print</a:t>
             </a:r>
             <a:r>
-              <a:rPr lang="en-US" sz="2800" dirty="0">
+              <a:rPr lang="en-US" sz="2800" b="1" dirty="0">
                 <a:solidFill>
                   <a:schemeClr val="lt1"/>
                 </a:solidFill>
@@ -23399,7 +22456,7 @@
               <a:t>(</a:t>
             </a:r>
             <a:r>
-              <a:rPr lang="en-US" sz="2800" i="0" u="none" strike="noStrike" cap="none" dirty="0" smtClean="0">
+              <a:rPr lang="en-US" sz="2800" b="1" i="0" u="none" strike="noStrike" cap="none" dirty="0">
                 <a:solidFill>
                   <a:schemeClr val="lt1"/>
                 </a:solidFill>
@@ -23411,7 +22468,7 @@
               <a:t>1 </a:t>
             </a:r>
             <a:r>
-              <a:rPr lang="en-US" sz="2800" i="0" u="none" strike="noStrike" cap="none" dirty="0">
+              <a:rPr lang="en-US" sz="2800" b="1" i="0" u="none" strike="noStrike" cap="none" dirty="0">
                 <a:solidFill>
                   <a:srgbClr val="00FFFF"/>
                 </a:solidFill>
@@ -23423,7 +22480,7 @@
               <a:t>+</a:t>
             </a:r>
             <a:r>
-              <a:rPr lang="en-US" sz="2800" i="0" u="none" strike="noStrike" cap="none" dirty="0">
+              <a:rPr lang="en-US" sz="2800" b="1" i="0" u="none" strike="noStrike" cap="none" dirty="0">
                 <a:solidFill>
                   <a:schemeClr val="lt1"/>
                 </a:solidFill>
@@ -23435,7 +22492,7 @@
               <a:t> 2 </a:t>
             </a:r>
             <a:r>
-              <a:rPr lang="en-US" sz="2800" i="0" u="none" strike="noStrike" cap="none" dirty="0">
+              <a:rPr lang="en-US" sz="2800" b="1" i="0" u="none" strike="noStrike" cap="none" dirty="0">
                 <a:solidFill>
                   <a:srgbClr val="00FFFF"/>
                 </a:solidFill>
@@ -23447,7 +22504,7 @@
               <a:t>*</a:t>
             </a:r>
             <a:r>
-              <a:rPr lang="en-US" sz="2800" i="0" u="none" strike="noStrike" cap="none" dirty="0">
+              <a:rPr lang="en-US" sz="2800" b="1" i="0" u="none" strike="noStrike" cap="none" dirty="0">
                 <a:solidFill>
                   <a:schemeClr val="lt1"/>
                 </a:solidFill>
@@ -23459,7 +22516,7 @@
               <a:t> </a:t>
             </a:r>
             <a:r>
-              <a:rPr lang="en-US" sz="2800" i="0" u="none" strike="noStrike" cap="none" dirty="0">
+              <a:rPr lang="en-US" sz="2800" b="1" i="0" u="none" strike="noStrike" cap="none" dirty="0">
                 <a:solidFill>
                   <a:srgbClr val="FF00FF"/>
                 </a:solidFill>
@@ -23471,7 +22528,7 @@
               <a:t>float</a:t>
             </a:r>
             <a:r>
-              <a:rPr lang="en-US" sz="2800" i="0" u="none" strike="noStrike" cap="none" dirty="0">
+              <a:rPr lang="en-US" sz="2800" b="1" i="0" u="none" strike="noStrike" cap="none" dirty="0">
                 <a:solidFill>
                   <a:schemeClr val="lt1"/>
                 </a:solidFill>
@@ -23483,7 +22540,7 @@
               <a:t>(3) </a:t>
             </a:r>
             <a:r>
-              <a:rPr lang="en-US" sz="2800" i="0" u="none" strike="noStrike" cap="none" dirty="0">
+              <a:rPr lang="en-US" sz="2800" b="1" i="0" u="none" strike="noStrike" cap="none" dirty="0">
                 <a:solidFill>
                   <a:srgbClr val="00FFFF"/>
                 </a:solidFill>
@@ -23495,7 +22552,7 @@
               <a:t>/</a:t>
             </a:r>
             <a:r>
-              <a:rPr lang="en-US" sz="2800" dirty="0">
+              <a:rPr lang="en-US" sz="2800" b="1" dirty="0">
                 <a:solidFill>
                   <a:schemeClr val="lt1"/>
                 </a:solidFill>
@@ -23507,7 +22564,7 @@
               <a:t> </a:t>
             </a:r>
             <a:r>
-              <a:rPr lang="en-US" sz="2800" i="0" u="none" strike="noStrike" cap="none" dirty="0">
+              <a:rPr lang="en-US" sz="2800" b="1" i="0" u="none" strike="noStrike" cap="none" dirty="0">
                 <a:solidFill>
                   <a:schemeClr val="lt1"/>
                 </a:solidFill>
@@ -23519,7 +22576,7 @@
               <a:t>4 </a:t>
             </a:r>
             <a:r>
-              <a:rPr lang="en-US" sz="2800" i="0" u="none" strike="noStrike" cap="none" dirty="0" smtClean="0">
+              <a:rPr lang="en-US" sz="2800" b="1" i="0" u="none" strike="noStrike" cap="none" dirty="0">
                 <a:solidFill>
                   <a:srgbClr val="00FFFF"/>
                 </a:solidFill>
@@ -23531,7 +22588,7 @@
               <a:t>–</a:t>
             </a:r>
             <a:r>
-              <a:rPr lang="en-US" sz="2800" i="0" u="none" strike="noStrike" cap="none" dirty="0" smtClean="0">
+              <a:rPr lang="en-US" sz="2800" b="1" i="0" u="none" strike="noStrike" cap="none" dirty="0">
                 <a:solidFill>
                   <a:schemeClr val="lt1"/>
                 </a:solidFill>
@@ -23542,15 +22599,6 @@
               </a:rPr>
               <a:t> 5)</a:t>
             </a:r>
-            <a:endParaRPr lang="en-US" sz="2800" i="0" u="none" strike="noStrike" cap="none" dirty="0">
-              <a:solidFill>
-                <a:schemeClr val="lt1"/>
-              </a:solidFill>
-              <a:latin typeface="Courier"/>
-              <a:ea typeface="Courier"/>
-              <a:cs typeface="Courier"/>
-              <a:sym typeface="Courier New"/>
-            </a:endParaRPr>
           </a:p>
           <a:p>
             <a:pPr marL="0" marR="0" lvl="0" indent="0" algn="l" rtl="0">
@@ -23571,7 +22619,7 @@
               <a:buNone/>
             </a:pPr>
             <a:r>
-              <a:rPr lang="en-US" sz="2800" i="0" u="none" strike="noStrike" cap="none" dirty="0">
+              <a:rPr lang="en-US" sz="2800" b="1" i="0" u="none" strike="noStrike" cap="none" dirty="0">
                 <a:solidFill>
                   <a:schemeClr val="lt1"/>
                 </a:solidFill>
@@ -23602,7 +22650,7 @@
               <a:buNone/>
             </a:pPr>
             <a:r>
-              <a:rPr lang="en-US" sz="2800" i="0" u="none" strike="noStrike" cap="none" dirty="0">
+              <a:rPr lang="en-US" sz="2800" b="1" i="0" u="none" strike="noStrike" cap="none" dirty="0">
                 <a:solidFill>
                   <a:schemeClr val="lt1"/>
                 </a:solidFill>
@@ -23621,13 +22669,6 @@
   <p:clrMapOvr>
     <a:masterClrMapping/>
   </p:clrMapOvr>
-  <p:timing>
-    <p:tnLst>
-      <p:par>
-        <p:cTn id="1" dur="indefinite" restart="never" nodeType="tmRoot"/>
-      </p:par>
-    </p:tnLst>
-  </p:timing>
 </p:sld>
 </file>
 
@@ -23928,7 +22969,7 @@
               <a:buNone/>
             </a:pPr>
             <a:r>
-              <a:rPr lang="en-US" sz="2500" i="0" u="none" strike="noStrike" cap="none" dirty="0">
+              <a:rPr lang="en-US" sz="2500" b="1" i="0" u="none" strike="noStrike" cap="none" dirty="0">
                 <a:solidFill>
                   <a:schemeClr val="lt1"/>
                 </a:solidFill>
@@ -23940,7 +22981,7 @@
               <a:t>&gt;&gt;&gt; </a:t>
             </a:r>
             <a:r>
-              <a:rPr lang="en-US" sz="2500" i="0" u="none" strike="noStrike" cap="none" dirty="0" err="1">
+              <a:rPr lang="en-US" sz="2500" b="1" i="0" u="none" strike="noStrike" cap="none" dirty="0" err="1">
                 <a:solidFill>
                   <a:srgbClr val="00FF00"/>
                 </a:solidFill>
@@ -23952,7 +22993,7 @@
               <a:t>sval</a:t>
             </a:r>
             <a:r>
-              <a:rPr lang="en-US" sz="2500" i="0" u="none" strike="noStrike" cap="none" dirty="0">
+              <a:rPr lang="en-US" sz="2500" b="1" i="0" u="none" strike="noStrike" cap="none" dirty="0">
                 <a:solidFill>
                   <a:schemeClr val="lt1"/>
                 </a:solidFill>
@@ -23983,7 +23024,7 @@
               <a:buNone/>
             </a:pPr>
             <a:r>
-              <a:rPr lang="en-US" sz="2500" i="0" u="none" strike="noStrike" cap="none" dirty="0">
+              <a:rPr lang="en-US" sz="2500" b="1" i="0" u="none" strike="noStrike" cap="none" dirty="0">
                 <a:solidFill>
                   <a:schemeClr val="lt1"/>
                 </a:solidFill>
@@ -23995,7 +23036,7 @@
               <a:t>&gt;&gt;&gt; </a:t>
             </a:r>
             <a:r>
-              <a:rPr lang="en-US" sz="2500" i="0" u="none" strike="noStrike" cap="none" dirty="0">
+              <a:rPr lang="en-US" sz="2500" b="1" i="0" u="none" strike="noStrike" cap="none" dirty="0">
                 <a:solidFill>
                   <a:srgbClr val="FF00FF"/>
                 </a:solidFill>
@@ -24007,7 +23048,7 @@
               <a:t>type</a:t>
             </a:r>
             <a:r>
-              <a:rPr lang="en-US" sz="2500" i="0" u="none" strike="noStrike" cap="none" dirty="0">
+              <a:rPr lang="en-US" sz="2500" b="1" i="0" u="none" strike="noStrike" cap="none" dirty="0">
                 <a:solidFill>
                   <a:schemeClr val="lt1"/>
                 </a:solidFill>
@@ -24019,7 +23060,7 @@
               <a:t>(</a:t>
             </a:r>
             <a:r>
-              <a:rPr lang="en-US" sz="2500" i="0" u="none" strike="noStrike" cap="none" dirty="0" err="1">
+              <a:rPr lang="en-US" sz="2500" b="1" i="0" u="none" strike="noStrike" cap="none" dirty="0" err="1">
                 <a:solidFill>
                   <a:srgbClr val="00FF00"/>
                 </a:solidFill>
@@ -24031,7 +23072,7 @@
               <a:t>sval</a:t>
             </a:r>
             <a:r>
-              <a:rPr lang="en-US" sz="2500" i="0" u="none" strike="noStrike" cap="none" dirty="0">
+              <a:rPr lang="en-US" sz="2500" b="1" i="0" u="none" strike="noStrike" cap="none" dirty="0">
                 <a:solidFill>
                   <a:schemeClr val="lt1"/>
                 </a:solidFill>
@@ -24062,40 +23103,16 @@
               <a:buNone/>
             </a:pPr>
             <a:r>
-              <a:rPr lang="en-US" sz="2500" i="0" u="none" strike="noStrike" cap="none" dirty="0" smtClean="0">
-                <a:solidFill>
-                  <a:schemeClr val="lt1"/>
-                </a:solidFill>
-                <a:latin typeface="Courier"/>
-                <a:ea typeface="Courier"/>
-                <a:cs typeface="Courier"/>
-                <a:sym typeface="Courier New"/>
-              </a:rPr>
-              <a:t>&lt;class '</a:t>
-            </a:r>
-            <a:r>
-              <a:rPr lang="en-US" sz="2500" i="0" u="none" strike="noStrike" cap="none" dirty="0" err="1" smtClean="0">
-                <a:solidFill>
-                  <a:schemeClr val="lt1"/>
-                </a:solidFill>
-                <a:latin typeface="Courier"/>
-                <a:ea typeface="Courier"/>
-                <a:cs typeface="Courier"/>
-                <a:sym typeface="Courier New"/>
-              </a:rPr>
-              <a:t>str</a:t>
-            </a:r>
-            <a:r>
-              <a:rPr lang="en-US" sz="2500" i="0" u="none" strike="noStrike" cap="none" dirty="0">
-                <a:solidFill>
-                  <a:schemeClr val="lt1"/>
-                </a:solidFill>
-                <a:latin typeface="Courier"/>
-                <a:ea typeface="Courier"/>
-                <a:cs typeface="Courier"/>
-                <a:sym typeface="Courier New"/>
-              </a:rPr>
-              <a:t>'&gt;</a:t>
+              <a:rPr lang="en-US" sz="2500" b="1" i="0" u="none" strike="noStrike" cap="none" dirty="0">
+                <a:solidFill>
+                  <a:schemeClr val="lt1"/>
+                </a:solidFill>
+                <a:latin typeface="Courier"/>
+                <a:ea typeface="Courier"/>
+                <a:cs typeface="Courier"/>
+                <a:sym typeface="Courier New"/>
+              </a:rPr>
+              <a:t>&lt;class 'str'&gt;</a:t>
             </a:r>
           </a:p>
           <a:p>
@@ -24117,7 +23134,7 @@
               <a:buNone/>
             </a:pPr>
             <a:r>
-              <a:rPr lang="en-US" sz="2500" i="0" u="none" strike="noStrike" cap="none" dirty="0">
+              <a:rPr lang="en-US" sz="2500" b="1" i="0" u="none" strike="noStrike" cap="none" dirty="0">
                 <a:solidFill>
                   <a:schemeClr val="lt1"/>
                 </a:solidFill>
@@ -24129,7 +23146,7 @@
               <a:t>&gt;&gt;&gt; </a:t>
             </a:r>
             <a:r>
-              <a:rPr lang="en-US" sz="2500" i="0" u="none" strike="noStrike" cap="none" dirty="0" smtClean="0">
+              <a:rPr lang="en-US" sz="2500" b="1" i="0" u="none" strike="noStrike" cap="none" dirty="0">
                 <a:solidFill>
                   <a:srgbClr val="FFFF00"/>
                 </a:solidFill>
@@ -24141,7 +23158,7 @@
               <a:t>print</a:t>
             </a:r>
             <a:r>
-              <a:rPr lang="en-US" sz="2500" dirty="0">
+              <a:rPr lang="en-US" sz="2500" b="1" dirty="0">
                 <a:solidFill>
                   <a:schemeClr val="lt1"/>
                 </a:solidFill>
@@ -24153,7 +23170,7 @@
               <a:t>(</a:t>
             </a:r>
             <a:r>
-              <a:rPr lang="en-US" sz="2500" i="0" u="none" strike="noStrike" cap="none" dirty="0" err="1" smtClean="0">
+              <a:rPr lang="en-US" sz="2500" b="1" i="0" u="none" strike="noStrike" cap="none" dirty="0" err="1">
                 <a:solidFill>
                   <a:srgbClr val="00FF00"/>
                 </a:solidFill>
@@ -24165,7 +23182,7 @@
               <a:t>sval</a:t>
             </a:r>
             <a:r>
-              <a:rPr lang="en-US" sz="2500" i="0" u="none" strike="noStrike" cap="none" dirty="0" smtClean="0">
+              <a:rPr lang="en-US" sz="2500" b="1" i="0" u="none" strike="noStrike" cap="none" dirty="0">
                 <a:solidFill>
                   <a:schemeClr val="lt1"/>
                 </a:solidFill>
@@ -24177,7 +23194,7 @@
               <a:t> </a:t>
             </a:r>
             <a:r>
-              <a:rPr lang="en-US" sz="2500" i="0" u="none" strike="noStrike" cap="none" dirty="0">
+              <a:rPr lang="en-US" sz="2500" b="1" i="0" u="none" strike="noStrike" cap="none" dirty="0">
                 <a:solidFill>
                   <a:srgbClr val="00FFFF"/>
                 </a:solidFill>
@@ -24189,38 +23206,17 @@
               <a:t>+</a:t>
             </a:r>
             <a:r>
-              <a:rPr lang="en-US" sz="2500" i="0" u="none" strike="noStrike" cap="none" dirty="0">
-                <a:solidFill>
-                  <a:schemeClr val="lt1"/>
-                </a:solidFill>
-                <a:latin typeface="Courier"/>
-                <a:ea typeface="Courier"/>
-                <a:cs typeface="Courier"/>
-                <a:sym typeface="Courier New"/>
-              </a:rPr>
-              <a:t> </a:t>
-            </a:r>
-            <a:r>
-              <a:rPr lang="en-US" sz="2500" i="0" u="none" strike="noStrike" cap="none" dirty="0" smtClean="0">
-                <a:solidFill>
-                  <a:schemeClr val="lt1"/>
-                </a:solidFill>
-                <a:latin typeface="Courier"/>
-                <a:ea typeface="Courier"/>
-                <a:cs typeface="Courier"/>
-                <a:sym typeface="Courier New"/>
-              </a:rPr>
-              <a:t>1)</a:t>
-            </a:r>
-            <a:endParaRPr lang="en-US" sz="2500" i="0" u="none" strike="noStrike" cap="none" dirty="0">
-              <a:solidFill>
-                <a:schemeClr val="lt1"/>
-              </a:solidFill>
-              <a:latin typeface="Courier"/>
-              <a:ea typeface="Courier"/>
-              <a:cs typeface="Courier"/>
-              <a:sym typeface="Courier New"/>
-            </a:endParaRPr>
+              <a:rPr lang="en-US" sz="2500" b="1" i="0" u="none" strike="noStrike" cap="none" dirty="0">
+                <a:solidFill>
+                  <a:schemeClr val="lt1"/>
+                </a:solidFill>
+                <a:latin typeface="Courier"/>
+                <a:ea typeface="Courier"/>
+                <a:cs typeface="Courier"/>
+                <a:sym typeface="Courier New"/>
+              </a:rPr>
+              <a:t> 1)</a:t>
+            </a:r>
           </a:p>
           <a:p>
             <a:pPr marL="0" marR="0" lvl="0" indent="0" algn="l" rtl="0">
@@ -24241,7 +23237,7 @@
               <a:buNone/>
             </a:pPr>
             <a:r>
-              <a:rPr lang="en-US" sz="2500" i="0" u="none" strike="noStrike" cap="none" dirty="0" err="1">
+              <a:rPr lang="en-US" sz="2500" b="1" i="0" u="none" strike="noStrike" cap="none" dirty="0">
                 <a:solidFill>
                   <a:srgbClr val="E06666"/>
                 </a:solidFill>
@@ -24250,19 +23246,7 @@
                 <a:cs typeface="Courier"/>
                 <a:sym typeface="Courier New"/>
               </a:rPr>
-              <a:t>Traceback</a:t>
-            </a:r>
-            <a:r>
-              <a:rPr lang="en-US" sz="2500" i="0" u="none" strike="noStrike" cap="none" dirty="0">
-                <a:solidFill>
-                  <a:srgbClr val="E06666"/>
-                </a:solidFill>
-                <a:latin typeface="Courier"/>
-                <a:ea typeface="Courier"/>
-                <a:cs typeface="Courier"/>
-                <a:sym typeface="Courier New"/>
-              </a:rPr>
-              <a:t> (most recent call last):</a:t>
+              <a:t>Traceback (most recent call last):</a:t>
             </a:r>
           </a:p>
           <a:p>
@@ -24284,7 +23268,7 @@
               <a:buNone/>
             </a:pPr>
             <a:r>
-              <a:rPr lang="en-US" sz="2500" i="0" u="none" strike="noStrike" cap="none" dirty="0">
+              <a:rPr lang="en-US" sz="2500" b="1" i="0" u="none" strike="noStrike" cap="none" dirty="0">
                 <a:solidFill>
                   <a:srgbClr val="E06666"/>
                 </a:solidFill>
@@ -24293,31 +23277,7 @@
                 <a:cs typeface="Courier"/>
                 <a:sym typeface="Courier New"/>
               </a:rPr>
-              <a:t>  File "&lt;</a:t>
-            </a:r>
-            <a:r>
-              <a:rPr lang="en-US" sz="2500" i="0" u="none" strike="noStrike" cap="none" dirty="0" err="1">
-                <a:solidFill>
-                  <a:srgbClr val="E06666"/>
-                </a:solidFill>
-                <a:latin typeface="Courier"/>
-                <a:ea typeface="Courier"/>
-                <a:cs typeface="Courier"/>
-                <a:sym typeface="Courier New"/>
-              </a:rPr>
-              <a:t>stdin</a:t>
-            </a:r>
-            <a:r>
-              <a:rPr lang="en-US" sz="2500" i="0" u="none" strike="noStrike" cap="none" dirty="0">
-                <a:solidFill>
-                  <a:srgbClr val="E06666"/>
-                </a:solidFill>
-                <a:latin typeface="Courier"/>
-                <a:ea typeface="Courier"/>
-                <a:cs typeface="Courier"/>
-                <a:sym typeface="Courier New"/>
-              </a:rPr>
-              <a:t>&gt;", line 1, in &lt;module&gt;</a:t>
+              <a:t>  File "&lt;stdin&gt;", line 1, in &lt;module&gt;</a:t>
             </a:r>
           </a:p>
           <a:p>
@@ -24339,7 +23299,7 @@
               <a:buNone/>
             </a:pPr>
             <a:r>
-              <a:rPr lang="en-US" sz="2500" i="0" u="none" strike="noStrike" cap="none" dirty="0" err="1">
+              <a:rPr lang="en-US" sz="2500" b="1" i="0" u="none" strike="noStrike" cap="none" dirty="0" err="1">
                 <a:solidFill>
                   <a:srgbClr val="E06666"/>
                 </a:solidFill>
@@ -24351,7 +23311,7 @@
               <a:t>TypeError</a:t>
             </a:r>
             <a:r>
-              <a:rPr lang="en-US" sz="2500" i="0" u="none" strike="noStrike" cap="none" dirty="0">
+              <a:rPr lang="en-US" sz="2500" b="1" i="0" u="none" strike="noStrike" cap="none" dirty="0">
                 <a:solidFill>
                   <a:srgbClr val="E06666"/>
                 </a:solidFill>
@@ -24360,55 +23320,7 @@
                 <a:cs typeface="Courier"/>
                 <a:sym typeface="Courier New"/>
               </a:rPr>
-              <a:t>: cannot concatenate '</a:t>
-            </a:r>
-            <a:r>
-              <a:rPr lang="en-US" sz="2500" i="0" u="none" strike="noStrike" cap="none" dirty="0" err="1">
-                <a:solidFill>
-                  <a:srgbClr val="E06666"/>
-                </a:solidFill>
-                <a:latin typeface="Courier"/>
-                <a:ea typeface="Courier"/>
-                <a:cs typeface="Courier"/>
-                <a:sym typeface="Courier New"/>
-              </a:rPr>
-              <a:t>str</a:t>
-            </a:r>
-            <a:r>
-              <a:rPr lang="en-US" sz="2500" i="0" u="none" strike="noStrike" cap="none" dirty="0">
-                <a:solidFill>
-                  <a:srgbClr val="E06666"/>
-                </a:solidFill>
-                <a:latin typeface="Courier"/>
-                <a:ea typeface="Courier"/>
-                <a:cs typeface="Courier"/>
-                <a:sym typeface="Courier New"/>
-              </a:rPr>
-              <a:t>' and '</a:t>
-            </a:r>
-            <a:r>
-              <a:rPr lang="en-US" sz="2500" i="0" u="none" strike="noStrike" cap="none" dirty="0" err="1">
-                <a:solidFill>
-                  <a:srgbClr val="E06666"/>
-                </a:solidFill>
-                <a:latin typeface="Courier"/>
-                <a:ea typeface="Courier"/>
-                <a:cs typeface="Courier"/>
-                <a:sym typeface="Courier New"/>
-              </a:rPr>
-              <a:t>int</a:t>
-            </a:r>
-            <a:r>
-              <a:rPr lang="en-US" sz="2500" i="0" u="none" strike="noStrike" cap="none" dirty="0">
-                <a:solidFill>
-                  <a:srgbClr val="E06666"/>
-                </a:solidFill>
-                <a:latin typeface="Courier"/>
-                <a:ea typeface="Courier"/>
-                <a:cs typeface="Courier"/>
-                <a:sym typeface="Courier New"/>
-              </a:rPr>
-              <a:t>'</a:t>
+              <a:t>: can only concatenate str (not "int") to str</a:t>
             </a:r>
           </a:p>
           <a:p>
@@ -24423,14 +23335,14 @@
                 <a:spcPts val="0"/>
               </a:spcAft>
               <a:buClr>
-                <a:schemeClr val="lt1"/>
+                <a:srgbClr val="FF0000"/>
               </a:buClr>
               <a:buSzPct val="25000"/>
               <a:buFont typeface="Cabin"/>
               <a:buNone/>
             </a:pPr>
             <a:r>
-              <a:rPr lang="en-US" sz="2500" i="0" u="none" strike="noStrike" cap="none" dirty="0">
+              <a:rPr lang="en-US" sz="2500" b="1" i="0" u="none" strike="noStrike" cap="none" dirty="0">
                 <a:solidFill>
                   <a:schemeClr val="lt1"/>
                 </a:solidFill>
@@ -24442,7 +23354,7 @@
               <a:t>&gt;&gt;&gt; </a:t>
             </a:r>
             <a:r>
-              <a:rPr lang="en-US" sz="2500" i="0" u="none" strike="noStrike" cap="none" dirty="0" err="1">
+              <a:rPr lang="en-US" sz="2500" b="1" i="0" u="none" strike="noStrike" cap="none" dirty="0" err="1">
                 <a:solidFill>
                   <a:srgbClr val="00FF00"/>
                 </a:solidFill>
@@ -24454,7 +23366,7 @@
               <a:t>ival</a:t>
             </a:r>
             <a:r>
-              <a:rPr lang="en-US" sz="2500" i="0" u="none" strike="noStrike" cap="none" dirty="0">
+              <a:rPr lang="en-US" sz="2500" b="1" i="0" u="none" strike="noStrike" cap="none" dirty="0">
                 <a:solidFill>
                   <a:schemeClr val="lt1"/>
                 </a:solidFill>
@@ -24466,7 +23378,7 @@
               <a:t> = </a:t>
             </a:r>
             <a:r>
-              <a:rPr lang="en-US" sz="2500" i="0" u="none" strike="noStrike" cap="none" dirty="0" err="1">
+              <a:rPr lang="en-US" sz="2500" b="1" i="0" u="none" strike="noStrike" cap="none" dirty="0">
                 <a:solidFill>
                   <a:srgbClr val="FF00FF"/>
                 </a:solidFill>
@@ -24478,7 +23390,7 @@
               <a:t>int</a:t>
             </a:r>
             <a:r>
-              <a:rPr lang="en-US" sz="2500" i="0" u="none" strike="noStrike" cap="none" dirty="0">
+              <a:rPr lang="en-US" sz="2500" b="1" i="0" u="none" strike="noStrike" cap="none" dirty="0">
                 <a:solidFill>
                   <a:schemeClr val="lt1"/>
                 </a:solidFill>
@@ -24490,7 +23402,7 @@
               <a:t>(</a:t>
             </a:r>
             <a:r>
-              <a:rPr lang="en-US" sz="2500" i="0" u="none" strike="noStrike" cap="none" dirty="0" err="1">
+              <a:rPr lang="en-US" sz="2500" b="1" i="0" u="none" strike="noStrike" cap="none" dirty="0" err="1">
                 <a:solidFill>
                   <a:srgbClr val="00FF00"/>
                 </a:solidFill>
@@ -24502,7 +23414,7 @@
               <a:t>sval</a:t>
             </a:r>
             <a:r>
-              <a:rPr lang="en-US" sz="2500" i="0" u="none" strike="noStrike" cap="none" dirty="0">
+              <a:rPr lang="en-US" sz="2500" b="1" i="0" u="none" strike="noStrike" cap="none" dirty="0">
                 <a:solidFill>
                   <a:schemeClr val="lt1"/>
                 </a:solidFill>
@@ -24533,7 +23445,7 @@
               <a:buNone/>
             </a:pPr>
             <a:r>
-              <a:rPr lang="en-US" sz="2500" i="0" u="none" strike="noStrike" cap="none" dirty="0">
+              <a:rPr lang="en-US" sz="2500" b="1" i="0" u="none" strike="noStrike" cap="none" dirty="0">
                 <a:solidFill>
                   <a:schemeClr val="lt1"/>
                 </a:solidFill>
@@ -24545,7 +23457,7 @@
               <a:t>&gt;&gt;&gt; </a:t>
             </a:r>
             <a:r>
-              <a:rPr lang="en-US" sz="2500" i="0" u="none" strike="noStrike" cap="none" dirty="0">
+              <a:rPr lang="en-US" sz="2500" b="1" i="0" u="none" strike="noStrike" cap="none" dirty="0">
                 <a:solidFill>
                   <a:srgbClr val="FF00FF"/>
                 </a:solidFill>
@@ -24557,7 +23469,7 @@
               <a:t>type</a:t>
             </a:r>
             <a:r>
-              <a:rPr lang="en-US" sz="2500" i="0" u="none" strike="noStrike" cap="none" dirty="0">
+              <a:rPr lang="en-US" sz="2500" b="1" i="0" u="none" strike="noStrike" cap="none" dirty="0">
                 <a:solidFill>
                   <a:schemeClr val="lt1"/>
                 </a:solidFill>
@@ -24569,7 +23481,7 @@
               <a:t>(</a:t>
             </a:r>
             <a:r>
-              <a:rPr lang="en-US" sz="2500" i="0" u="none" strike="noStrike" cap="none" dirty="0" err="1">
+              <a:rPr lang="en-US" sz="2500" b="1" i="0" u="none" strike="noStrike" cap="none" dirty="0" err="1">
                 <a:solidFill>
                   <a:srgbClr val="00FF00"/>
                 </a:solidFill>
@@ -24581,7 +23493,7 @@
               <a:t>ival</a:t>
             </a:r>
             <a:r>
-              <a:rPr lang="en-US" sz="2500" i="0" u="none" strike="noStrike" cap="none" dirty="0">
+              <a:rPr lang="en-US" sz="2500" b="1" i="0" u="none" strike="noStrike" cap="none" dirty="0">
                 <a:solidFill>
                   <a:schemeClr val="lt1"/>
                 </a:solidFill>
@@ -24612,40 +23524,16 @@
               <a:buNone/>
             </a:pPr>
             <a:r>
-              <a:rPr lang="en-US" sz="2500" i="0" u="none" strike="noStrike" cap="none" dirty="0" smtClean="0">
-                <a:solidFill>
-                  <a:schemeClr val="lt1"/>
-                </a:solidFill>
-                <a:latin typeface="Courier"/>
-                <a:ea typeface="Courier"/>
-                <a:cs typeface="Courier"/>
-                <a:sym typeface="Courier New"/>
-              </a:rPr>
-              <a:t>&lt;class '</a:t>
-            </a:r>
-            <a:r>
-              <a:rPr lang="en-US" sz="2500" i="0" u="none" strike="noStrike" cap="none" dirty="0" err="1" smtClean="0">
-                <a:solidFill>
-                  <a:schemeClr val="lt1"/>
-                </a:solidFill>
-                <a:latin typeface="Courier"/>
-                <a:ea typeface="Courier"/>
-                <a:cs typeface="Courier"/>
-                <a:sym typeface="Courier New"/>
-              </a:rPr>
-              <a:t>int</a:t>
-            </a:r>
-            <a:r>
-              <a:rPr lang="en-US" sz="2500" i="0" u="none" strike="noStrike" cap="none" dirty="0">
-                <a:solidFill>
-                  <a:schemeClr val="lt1"/>
-                </a:solidFill>
-                <a:latin typeface="Courier"/>
-                <a:ea typeface="Courier"/>
-                <a:cs typeface="Courier"/>
-                <a:sym typeface="Courier New"/>
-              </a:rPr>
-              <a:t>'&gt;</a:t>
+              <a:rPr lang="en-US" sz="2500" b="1" i="0" u="none" strike="noStrike" cap="none" dirty="0">
+                <a:solidFill>
+                  <a:schemeClr val="lt1"/>
+                </a:solidFill>
+                <a:latin typeface="Courier"/>
+                <a:ea typeface="Courier"/>
+                <a:cs typeface="Courier"/>
+                <a:sym typeface="Courier New"/>
+              </a:rPr>
+              <a:t>&lt;class 'int'&gt;</a:t>
             </a:r>
           </a:p>
           <a:p>
@@ -24667,7 +23555,7 @@
               <a:buNone/>
             </a:pPr>
             <a:r>
-              <a:rPr lang="en-US" sz="2500" i="0" u="none" strike="noStrike" cap="none" dirty="0">
+              <a:rPr lang="en-US" sz="2500" b="1" i="0" u="none" strike="noStrike" cap="none" dirty="0">
                 <a:solidFill>
                   <a:schemeClr val="lt1"/>
                 </a:solidFill>
@@ -24679,7 +23567,7 @@
               <a:t>&gt;&gt;&gt; </a:t>
             </a:r>
             <a:r>
-              <a:rPr lang="en-US" sz="2500" i="0" u="none" strike="noStrike" cap="none" dirty="0" smtClean="0">
+              <a:rPr lang="en-US" sz="2500" b="1" i="0" u="none" strike="noStrike" cap="none" dirty="0">
                 <a:solidFill>
                   <a:srgbClr val="FFFF00"/>
                 </a:solidFill>
@@ -24691,7 +23579,7 @@
               <a:t>print</a:t>
             </a:r>
             <a:r>
-              <a:rPr lang="en-US" sz="2500" dirty="0">
+              <a:rPr lang="en-US" sz="2500" b="1" dirty="0">
                 <a:solidFill>
                   <a:schemeClr val="lt1"/>
                 </a:solidFill>
@@ -24703,7 +23591,7 @@
               <a:t>(</a:t>
             </a:r>
             <a:r>
-              <a:rPr lang="en-US" sz="2500" i="0" u="none" strike="noStrike" cap="none" dirty="0" err="1" smtClean="0">
+              <a:rPr lang="en-US" sz="2500" b="1" i="0" u="none" strike="noStrike" cap="none" dirty="0" err="1">
                 <a:solidFill>
                   <a:srgbClr val="00FF00"/>
                 </a:solidFill>
@@ -24715,50 +23603,17 @@
               <a:t>ival</a:t>
             </a:r>
             <a:r>
-              <a:rPr lang="en-US" sz="2500" i="0" u="none" strike="noStrike" cap="none" dirty="0" smtClean="0">
-                <a:solidFill>
-                  <a:schemeClr val="lt1"/>
-                </a:solidFill>
-                <a:latin typeface="Courier"/>
-                <a:ea typeface="Courier"/>
-                <a:cs typeface="Courier"/>
-                <a:sym typeface="Courier New"/>
-              </a:rPr>
-              <a:t> </a:t>
-            </a:r>
-            <a:r>
-              <a:rPr lang="en-US" sz="2500" i="0" u="none" strike="noStrike" cap="none" dirty="0">
-                <a:solidFill>
-                  <a:schemeClr val="lt1"/>
-                </a:solidFill>
-                <a:latin typeface="Courier"/>
-                <a:ea typeface="Courier"/>
-                <a:cs typeface="Courier"/>
-                <a:sym typeface="Courier New"/>
-              </a:rPr>
-              <a:t>+ </a:t>
-            </a:r>
-            <a:r>
-              <a:rPr lang="en-US" sz="2500" i="0" u="none" strike="noStrike" cap="none" dirty="0" smtClean="0">
-                <a:solidFill>
-                  <a:schemeClr val="lt1"/>
-                </a:solidFill>
-                <a:latin typeface="Courier"/>
-                <a:ea typeface="Courier"/>
-                <a:cs typeface="Courier"/>
-                <a:sym typeface="Courier New"/>
-              </a:rPr>
-              <a:t>1)</a:t>
-            </a:r>
-            <a:endParaRPr lang="en-US" sz="2500" i="0" u="none" strike="noStrike" cap="none" dirty="0">
-              <a:solidFill>
-                <a:schemeClr val="lt1"/>
-              </a:solidFill>
-              <a:latin typeface="Courier"/>
-              <a:ea typeface="Courier"/>
-              <a:cs typeface="Courier"/>
-              <a:sym typeface="Courier New"/>
-            </a:endParaRPr>
+              <a:rPr lang="en-US" sz="2500" b="1" i="0" u="none" strike="noStrike" cap="none" dirty="0">
+                <a:solidFill>
+                  <a:schemeClr val="lt1"/>
+                </a:solidFill>
+                <a:latin typeface="Courier"/>
+                <a:ea typeface="Courier"/>
+                <a:cs typeface="Courier"/>
+                <a:sym typeface="Courier New"/>
+              </a:rPr>
+              <a:t> + 1)</a:t>
+            </a:r>
           </a:p>
           <a:p>
             <a:pPr marL="0" marR="0" lvl="0" indent="0" algn="l" rtl="0">
@@ -24779,7 +23634,7 @@
               <a:buNone/>
             </a:pPr>
             <a:r>
-              <a:rPr lang="en-US" sz="2500" i="0" u="none" strike="noStrike" cap="none" dirty="0">
+              <a:rPr lang="en-US" sz="2500" b="1" i="0" u="none" strike="noStrike" cap="none" dirty="0">
                 <a:solidFill>
                   <a:schemeClr val="lt1"/>
                 </a:solidFill>
@@ -24810,7 +23665,7 @@
               <a:buNone/>
             </a:pPr>
             <a:r>
-              <a:rPr lang="en-US" sz="2500" i="0" u="none" strike="noStrike" cap="none" dirty="0">
+              <a:rPr lang="en-US" sz="2500" b="1" i="0" u="none" strike="noStrike" cap="none" dirty="0">
                 <a:solidFill>
                   <a:schemeClr val="lt1"/>
                 </a:solidFill>
@@ -24822,7 +23677,7 @@
               <a:t>&gt;&gt;&gt; </a:t>
             </a:r>
             <a:r>
-              <a:rPr lang="en-US" sz="2500" i="0" u="none" strike="noStrike" cap="none" dirty="0" err="1">
+              <a:rPr lang="en-US" sz="2500" b="1" i="0" u="none" strike="noStrike" cap="none" dirty="0" err="1">
                 <a:solidFill>
                   <a:srgbClr val="00FF00"/>
                 </a:solidFill>
@@ -24834,7 +23689,7 @@
               <a:t>nsv</a:t>
             </a:r>
             <a:r>
-              <a:rPr lang="en-US" sz="2500" i="0" u="none" strike="noStrike" cap="none" dirty="0">
+              <a:rPr lang="en-US" sz="2500" b="1" i="0" u="none" strike="noStrike" cap="none" dirty="0">
                 <a:solidFill>
                   <a:schemeClr val="lt1"/>
                 </a:solidFill>
@@ -24865,7 +23720,7 @@
               <a:buNone/>
             </a:pPr>
             <a:r>
-              <a:rPr lang="en-US" sz="2500" i="0" u="none" strike="noStrike" cap="none" dirty="0">
+              <a:rPr lang="en-US" sz="2500" b="1" i="0" u="none" strike="noStrike" cap="none" dirty="0">
                 <a:solidFill>
                   <a:schemeClr val="lt1"/>
                 </a:solidFill>
@@ -24877,7 +23732,7 @@
               <a:t>&gt;&gt;&gt; </a:t>
             </a:r>
             <a:r>
-              <a:rPr lang="en-US" sz="2500" i="0" u="none" strike="noStrike" cap="none" dirty="0" err="1">
+              <a:rPr lang="en-US" sz="2500" b="1" i="0" u="none" strike="noStrike" cap="none" dirty="0" err="1">
                 <a:solidFill>
                   <a:srgbClr val="00FF00"/>
                 </a:solidFill>
@@ -24889,7 +23744,7 @@
               <a:t>niv</a:t>
             </a:r>
             <a:r>
-              <a:rPr lang="en-US" sz="2500" i="0" u="none" strike="noStrike" cap="none" dirty="0">
+              <a:rPr lang="en-US" sz="2500" b="1" i="0" u="none" strike="noStrike" cap="none" dirty="0">
                 <a:solidFill>
                   <a:schemeClr val="lt1"/>
                 </a:solidFill>
@@ -24901,7 +23756,7 @@
               <a:t> = </a:t>
             </a:r>
             <a:r>
-              <a:rPr lang="en-US" sz="2500" i="0" u="none" strike="noStrike" cap="none" dirty="0" err="1">
+              <a:rPr lang="en-US" sz="2500" b="1" i="0" u="none" strike="noStrike" cap="none" dirty="0">
                 <a:solidFill>
                   <a:srgbClr val="FF00FF"/>
                 </a:solidFill>
@@ -24913,7 +23768,7 @@
               <a:t>int</a:t>
             </a:r>
             <a:r>
-              <a:rPr lang="en-US" sz="2500" i="0" u="none" strike="noStrike" cap="none" dirty="0">
+              <a:rPr lang="en-US" sz="2500" b="1" i="0" u="none" strike="noStrike" cap="none" dirty="0">
                 <a:solidFill>
                   <a:schemeClr val="lt1"/>
                 </a:solidFill>
@@ -24925,7 +23780,7 @@
               <a:t>(</a:t>
             </a:r>
             <a:r>
-              <a:rPr lang="en-US" sz="2500" i="0" u="none" strike="noStrike" cap="none" dirty="0" err="1">
+              <a:rPr lang="en-US" sz="2500" b="1" i="0" u="none" strike="noStrike" cap="none" dirty="0" err="1">
                 <a:solidFill>
                   <a:srgbClr val="00FF00"/>
                 </a:solidFill>
@@ -24937,7 +23792,7 @@
               <a:t>nsv</a:t>
             </a:r>
             <a:r>
-              <a:rPr lang="en-US" sz="2500" i="0" u="none" strike="noStrike" cap="none" dirty="0">
+              <a:rPr lang="en-US" sz="2500" b="1" i="0" u="none" strike="noStrike" cap="none" dirty="0">
                 <a:solidFill>
                   <a:schemeClr val="lt1"/>
                 </a:solidFill>
@@ -24968,7 +23823,7 @@
               <a:buNone/>
             </a:pPr>
             <a:r>
-              <a:rPr lang="en-US" sz="2500" i="0" u="none" strike="noStrike" cap="none" dirty="0" err="1">
+              <a:rPr lang="en-US" sz="2500" b="1" i="0" u="none" strike="noStrike" cap="none" dirty="0">
                 <a:solidFill>
                   <a:srgbClr val="E06666"/>
                 </a:solidFill>
@@ -24977,19 +23832,7 @@
                 <a:cs typeface="Courier"/>
                 <a:sym typeface="Courier New"/>
               </a:rPr>
-              <a:t>Traceback</a:t>
-            </a:r>
-            <a:r>
-              <a:rPr lang="en-US" sz="2500" i="0" u="none" strike="noStrike" cap="none" dirty="0">
-                <a:solidFill>
-                  <a:srgbClr val="E06666"/>
-                </a:solidFill>
-                <a:latin typeface="Courier"/>
-                <a:ea typeface="Courier"/>
-                <a:cs typeface="Courier"/>
-                <a:sym typeface="Courier New"/>
-              </a:rPr>
-              <a:t> (most recent call last):</a:t>
+              <a:t>Traceback (most recent call last):</a:t>
             </a:r>
           </a:p>
           <a:p>
@@ -25011,7 +23854,7 @@
               <a:buNone/>
             </a:pPr>
             <a:r>
-              <a:rPr lang="en-US" sz="2500" i="0" u="none" strike="noStrike" cap="none" dirty="0">
+              <a:rPr lang="en-US" sz="2500" b="1" i="0" u="none" strike="noStrike" cap="none" dirty="0">
                 <a:solidFill>
                   <a:srgbClr val="E06666"/>
                 </a:solidFill>
@@ -25020,31 +23863,7 @@
                 <a:cs typeface="Courier"/>
                 <a:sym typeface="Courier New"/>
               </a:rPr>
-              <a:t>  File "&lt;</a:t>
-            </a:r>
-            <a:r>
-              <a:rPr lang="en-US" sz="2500" i="0" u="none" strike="noStrike" cap="none" dirty="0" err="1">
-                <a:solidFill>
-                  <a:srgbClr val="E06666"/>
-                </a:solidFill>
-                <a:latin typeface="Courier"/>
-                <a:ea typeface="Courier"/>
-                <a:cs typeface="Courier"/>
-                <a:sym typeface="Courier New"/>
-              </a:rPr>
-              <a:t>stdin</a:t>
-            </a:r>
-            <a:r>
-              <a:rPr lang="en-US" sz="2500" i="0" u="none" strike="noStrike" cap="none" dirty="0">
-                <a:solidFill>
-                  <a:srgbClr val="E06666"/>
-                </a:solidFill>
-                <a:latin typeface="Courier"/>
-                <a:ea typeface="Courier"/>
-                <a:cs typeface="Courier"/>
-                <a:sym typeface="Courier New"/>
-              </a:rPr>
-              <a:t>&gt;", line 1, in &lt;module&gt;</a:t>
+              <a:t>  File "&lt;stdin&gt;", line 1, in &lt;module&gt;</a:t>
             </a:r>
           </a:p>
           <a:p>
@@ -25066,7 +23885,7 @@
               <a:buNone/>
             </a:pPr>
             <a:r>
-              <a:rPr lang="en-US" sz="2500" i="0" u="none" strike="noStrike" cap="none" dirty="0" err="1">
+              <a:rPr lang="en-US" sz="2500" b="1" i="0" u="none" strike="noStrike" cap="none" dirty="0" err="1">
                 <a:solidFill>
                   <a:srgbClr val="E06666"/>
                 </a:solidFill>
@@ -25078,7 +23897,7 @@
               <a:t>ValueError</a:t>
             </a:r>
             <a:r>
-              <a:rPr lang="en-US" sz="2500" i="0" u="none" strike="noStrike" cap="none" dirty="0">
+              <a:rPr lang="en-US" sz="2500" b="1" i="0" u="none" strike="noStrike" cap="none" dirty="0">
                 <a:solidFill>
                   <a:srgbClr val="E06666"/>
                 </a:solidFill>
@@ -25087,31 +23906,7 @@
                 <a:cs typeface="Courier"/>
                 <a:sym typeface="Courier New"/>
               </a:rPr>
-              <a:t>: invalid literal for </a:t>
-            </a:r>
-            <a:r>
-              <a:rPr lang="en-US" sz="2500" i="0" u="none" strike="noStrike" cap="none" dirty="0" err="1">
-                <a:solidFill>
-                  <a:srgbClr val="E06666"/>
-                </a:solidFill>
-                <a:latin typeface="Courier"/>
-                <a:ea typeface="Courier"/>
-                <a:cs typeface="Courier"/>
-                <a:sym typeface="Courier New"/>
-              </a:rPr>
-              <a:t>int</a:t>
-            </a:r>
-            <a:r>
-              <a:rPr lang="en-US" sz="2500" i="0" u="none" strike="noStrike" cap="none" dirty="0">
-                <a:solidFill>
-                  <a:srgbClr val="E06666"/>
-                </a:solidFill>
-                <a:latin typeface="Courier"/>
-                <a:ea typeface="Courier"/>
-                <a:cs typeface="Courier"/>
-                <a:sym typeface="Courier New"/>
-              </a:rPr>
-              <a:t>() </a:t>
+              <a:t>: invalid literal for int() </a:t>
             </a:r>
           </a:p>
         </p:txBody>
@@ -25121,13 +23916,6 @@
   <p:clrMapOvr>
     <a:masterClrMapping/>
   </p:clrMapOvr>
-  <p:timing>
-    <p:tnLst>
-      <p:par>
-        <p:cTn id="1" dur="indefinite" restart="never" nodeType="tmRoot"/>
-      </p:par>
-    </p:tnLst>
-  </p:timing>
 </p:sld>
 </file>
 

--- a/lectures3/Pythonlearn-04-Functions.pptx
+++ b/lectures3/Pythonlearn-04-Functions.pptx
@@ -10151,6 +10151,167 @@
           </a:p>
         </p:txBody>
       </p:sp>
+      <p:sp>
+        <p:nvSpPr>
+          <p:cNvPr id="4" name="TextBox 3">
+            <a:extLst>
+              <a:ext uri="{FF2B5EF4-FFF2-40B4-BE49-F238E27FC236}">
+                <a16:creationId xmlns:a16="http://schemas.microsoft.com/office/drawing/2014/main" id="{E47F3C64-4AA0-C08F-45A0-30F450D87F4B}"/>
+              </a:ext>
+            </a:extLst>
+          </p:cNvPr>
+          <p:cNvSpPr txBox="1"/>
+          <p:nvPr/>
+        </p:nvSpPr>
+        <p:spPr>
+          <a:xfrm>
+            <a:off x="13716510" y="1665688"/>
+            <a:ext cx="1864613" cy="523220"/>
+          </a:xfrm>
+          <a:prstGeom prst="rect">
+            <a:avLst/>
+          </a:prstGeom>
+          <a:noFill/>
+        </p:spPr>
+        <p:txBody>
+          <a:bodyPr wrap="none" rtlCol="0">
+            <a:spAutoFit/>
+          </a:bodyPr>
+          <a:lstStyle/>
+          <a:p>
+            <a:r>
+              <a:rPr lang="en-US" sz="2800" dirty="0">
+                <a:solidFill>
+                  <a:srgbClr val="00FDFF"/>
+                </a:solidFill>
+              </a:rPr>
+              <a:t>Parameter</a:t>
+            </a:r>
+          </a:p>
+        </p:txBody>
+      </p:sp>
+      <p:cxnSp>
+        <p:nvCxnSpPr>
+          <p:cNvPr id="6" name="Straight Arrow Connector 5">
+            <a:extLst>
+              <a:ext uri="{FF2B5EF4-FFF2-40B4-BE49-F238E27FC236}">
+                <a16:creationId xmlns:a16="http://schemas.microsoft.com/office/drawing/2014/main" id="{A27E5C3E-C88A-4692-BF3F-44A597505CD9}"/>
+              </a:ext>
+            </a:extLst>
+          </p:cNvPr>
+          <p:cNvCxnSpPr>
+            <a:stCxn id="4" idx="1"/>
+          </p:cNvCxnSpPr>
+          <p:nvPr/>
+        </p:nvCxnSpPr>
+        <p:spPr>
+          <a:xfrm flipH="1">
+            <a:off x="13130213" y="1927298"/>
+            <a:ext cx="586297" cy="382792"/>
+          </a:xfrm>
+          <a:prstGeom prst="straightConnector1">
+            <a:avLst/>
+          </a:prstGeom>
+          <a:ln w="38100">
+            <a:tailEnd type="triangle"/>
+          </a:ln>
+        </p:spPr>
+        <p:style>
+          <a:lnRef idx="1">
+            <a:schemeClr val="accent1"/>
+          </a:lnRef>
+          <a:fillRef idx="0">
+            <a:schemeClr val="accent1"/>
+          </a:fillRef>
+          <a:effectRef idx="0">
+            <a:schemeClr val="accent1"/>
+          </a:effectRef>
+          <a:fontRef idx="minor">
+            <a:schemeClr val="tx1"/>
+          </a:fontRef>
+        </p:style>
+      </p:cxnSp>
+      <p:sp>
+        <p:nvSpPr>
+          <p:cNvPr id="7" name="TextBox 6">
+            <a:extLst>
+              <a:ext uri="{FF2B5EF4-FFF2-40B4-BE49-F238E27FC236}">
+                <a16:creationId xmlns:a16="http://schemas.microsoft.com/office/drawing/2014/main" id="{0E79EFF0-2975-6209-F780-5B8E17BA5018}"/>
+              </a:ext>
+            </a:extLst>
+          </p:cNvPr>
+          <p:cNvSpPr txBox="1"/>
+          <p:nvPr/>
+        </p:nvSpPr>
+        <p:spPr>
+          <a:xfrm>
+            <a:off x="13611735" y="8078826"/>
+            <a:ext cx="1744388" cy="523220"/>
+          </a:xfrm>
+          <a:prstGeom prst="rect">
+            <a:avLst/>
+          </a:prstGeom>
+          <a:noFill/>
+        </p:spPr>
+        <p:txBody>
+          <a:bodyPr wrap="none" rtlCol="0">
+            <a:spAutoFit/>
+          </a:bodyPr>
+          <a:lstStyle/>
+          <a:p>
+            <a:r>
+              <a:rPr lang="en-US" sz="2800" dirty="0">
+                <a:solidFill>
+                  <a:srgbClr val="FF7F01"/>
+                </a:solidFill>
+              </a:rPr>
+              <a:t>Argument</a:t>
+            </a:r>
+          </a:p>
+        </p:txBody>
+      </p:sp>
+      <p:cxnSp>
+        <p:nvCxnSpPr>
+          <p:cNvPr id="8" name="Straight Arrow Connector 7">
+            <a:extLst>
+              <a:ext uri="{FF2B5EF4-FFF2-40B4-BE49-F238E27FC236}">
+                <a16:creationId xmlns:a16="http://schemas.microsoft.com/office/drawing/2014/main" id="{BF86BBB0-8E1E-1648-8F00-7BD14B185913}"/>
+              </a:ext>
+            </a:extLst>
+          </p:cNvPr>
+          <p:cNvCxnSpPr>
+            <a:cxnSpLocks/>
+            <a:stCxn id="7" idx="1"/>
+          </p:cNvCxnSpPr>
+          <p:nvPr/>
+        </p:nvCxnSpPr>
+        <p:spPr>
+          <a:xfrm flipH="1" flipV="1">
+            <a:off x="12458700" y="7756625"/>
+            <a:ext cx="1153035" cy="583811"/>
+          </a:xfrm>
+          <a:prstGeom prst="straightConnector1">
+            <a:avLst/>
+          </a:prstGeom>
+          <a:ln w="38100">
+            <a:tailEnd type="triangle"/>
+          </a:ln>
+        </p:spPr>
+        <p:style>
+          <a:lnRef idx="1">
+            <a:schemeClr val="accent1"/>
+          </a:lnRef>
+          <a:fillRef idx="0">
+            <a:schemeClr val="accent1"/>
+          </a:fillRef>
+          <a:effectRef idx="0">
+            <a:schemeClr val="accent1"/>
+          </a:effectRef>
+          <a:fontRef idx="minor">
+            <a:schemeClr val="tx1"/>
+          </a:fontRef>
+        </p:style>
+      </p:cxnSp>
     </p:spTree>
   </p:cSld>
   <p:clrMapOvr>
